--- a/Courses/Software-Sciences/Module-4-Information-Systems-New/09-Lifecycle-of-Information-System/09-Lifecycle-of-Information-System.pptx
+++ b/Courses/Software-Sciences/Module-4-Information-Systems-New/09-Lifecycle-of-Information-System/09-Lifecycle-of-Information-System.pptx
@@ -27,13 +27,13 @@
     <p:sldId id="773" r:id="rId15"/>
     <p:sldId id="774" r:id="rId16"/>
     <p:sldId id="649" r:id="rId17"/>
-    <p:sldId id="781" r:id="rId18"/>
-    <p:sldId id="766" r:id="rId19"/>
-    <p:sldId id="767" r:id="rId20"/>
-    <p:sldId id="782" r:id="rId21"/>
-    <p:sldId id="783" r:id="rId22"/>
-    <p:sldId id="779" r:id="rId23"/>
-    <p:sldId id="770" r:id="rId24"/>
+    <p:sldId id="766" r:id="rId18"/>
+    <p:sldId id="767" r:id="rId19"/>
+    <p:sldId id="782" r:id="rId20"/>
+    <p:sldId id="783" r:id="rId21"/>
+    <p:sldId id="779" r:id="rId22"/>
+    <p:sldId id="770" r:id="rId23"/>
+    <p:sldId id="786" r:id="rId24"/>
     <p:sldId id="768" r:id="rId25"/>
     <p:sldId id="785" r:id="rId26"/>
     <p:sldId id="776" r:id="rId27"/>
@@ -176,13 +176,13 @@
         <p14:section name="Примерно приложение" id="{A764BDC4-FBCF-8642-9DA0-2A050F6690EB}">
           <p14:sldIdLst>
             <p14:sldId id="649"/>
-            <p14:sldId id="781"/>
             <p14:sldId id="766"/>
             <p14:sldId id="767"/>
             <p14:sldId id="782"/>
             <p14:sldId id="783"/>
             <p14:sldId id="779"/>
             <p14:sldId id="770"/>
+            <p14:sldId id="786"/>
             <p14:sldId id="768"/>
             <p14:sldId id="785"/>
             <p14:sldId id="776"/>
@@ -313,7 +313,7 @@
           <a:p>
             <a:fld id="{4E087215-0C8F-4762-A664-737A353EC9A4}" type="datetimeFigureOut">
               <a:rPr lang="bg-BG" smtClean="0"/>
-              <a:t>9.8.2024 г.</a:t>
+              <a:t>3.09.24 г.</a:t>
             </a:fld>
             <a:endParaRPr lang="bg-BG"/>
           </a:p>
@@ -509,7 +509,7 @@
           <a:p>
             <a:fld id="{72D84649-876A-46C9-8472-14CB09C070D8}" type="datetimeFigureOut">
               <a:rPr lang="en-US" smtClean="0"/>
-              <a:t>9-Aug-24</a:t>
+              <a:t>9/3/24</a:t>
             </a:fld>
             <a:endParaRPr lang="en-US"/>
           </a:p>
@@ -8095,8 +8095,8 @@
         </p:blipFill>
         <p:spPr>
           <a:xfrm>
-            <a:off x="607097" y="3070787"/>
-            <a:ext cx="1827780" cy="819755"/>
+            <a:off x="642407" y="3070787"/>
+            <a:ext cx="1757160" cy="819755"/>
           </a:xfrm>
           <a:prstGeom prst="rect">
             <a:avLst/>
@@ -11167,176 +11167,6 @@
           <p:cNvPr id="2" name="Slide Number Placeholder 1">
             <a:extLst>
               <a:ext uri="{FF2B5EF4-FFF2-40B4-BE49-F238E27FC236}">
-                <a16:creationId xmlns:a16="http://schemas.microsoft.com/office/drawing/2014/main" id="{A84542DB-EF0E-9B0D-DE1C-0E467BD2E779}"/>
-              </a:ext>
-            </a:extLst>
-          </p:cNvPr>
-          <p:cNvSpPr>
-            <a:spLocks noGrp="1"/>
-          </p:cNvSpPr>
-          <p:nvPr>
-            <p:ph type="sldNum" sz="quarter" idx="5"/>
-          </p:nvPr>
-        </p:nvSpPr>
-        <p:spPr/>
-        <p:txBody>
-          <a:bodyPr/>
-          <a:lstStyle/>
-          <a:p>
-            <a:fld id="{2BF067CD-8E6B-4360-9AA8-C5DF2A48A6D1}" type="slidenum">
-              <a:rPr lang="en-US" noProof="0" smtClean="0"/>
-              <a:pPr/>
-              <a:t>17</a:t>
-            </a:fld>
-            <a:endParaRPr lang="en-US" noProof="0" dirty="0"/>
-          </a:p>
-        </p:txBody>
-      </p:sp>
-      <p:sp>
-        <p:nvSpPr>
-          <p:cNvPr id="3" name="Text Placeholder 2">
-            <a:extLst>
-              <a:ext uri="{FF2B5EF4-FFF2-40B4-BE49-F238E27FC236}">
-                <a16:creationId xmlns:a16="http://schemas.microsoft.com/office/drawing/2014/main" id="{636132D1-0FF5-26CB-3565-D0AE8716156A}"/>
-              </a:ext>
-            </a:extLst>
-          </p:cNvPr>
-          <p:cNvSpPr>
-            <a:spLocks noGrp="1"/>
-          </p:cNvSpPr>
-          <p:nvPr>
-            <p:ph type="body" sz="quarter" idx="10"/>
-          </p:nvPr>
-        </p:nvSpPr>
-        <p:spPr/>
-        <p:txBody>
-          <a:bodyPr/>
-          <a:lstStyle/>
-          <a:p>
-            <a:r>
-              <a:rPr lang="bg-BG" dirty="0">
-                <a:highlight>
-                  <a:srgbClr val="FFFF00"/>
-                </a:highlight>
-              </a:rPr>
-              <a:t>Да се опишат по-разбираемо </a:t>
-            </a:r>
-            <a:r>
-              <a:rPr lang="en-US" dirty="0">
-                <a:highlight>
-                  <a:srgbClr val="FFFF00"/>
-                </a:highlight>
-              </a:rPr>
-              <a:t>use cases:</a:t>
-            </a:r>
-          </a:p>
-          <a:p>
-            <a:endParaRPr lang="en-US" dirty="0">
-              <a:highlight>
-                <a:srgbClr val="FFFF00"/>
-              </a:highlight>
-            </a:endParaRPr>
-          </a:p>
-          <a:p>
-            <a:pPr lvl="1"/>
-            <a:r>
-              <a:rPr lang="bg-BG" sz="3200" dirty="0">
-                <a:highlight>
-                  <a:srgbClr val="FFFF00"/>
-                </a:highlight>
-              </a:rPr>
-              <a:t>Лекарят може да вижда, добавя и редактира пациенти</a:t>
-            </a:r>
-          </a:p>
-          <a:p>
-            <a:pPr lvl="1"/>
-            <a:r>
-              <a:rPr lang="bg-BG" sz="3200" dirty="0">
-                <a:highlight>
-                  <a:srgbClr val="FFFF00"/>
-                </a:highlight>
-              </a:rPr>
-              <a:t>Админът може да добавя, редактира, изтрива пациенти</a:t>
-            </a:r>
-          </a:p>
-          <a:p>
-            <a:pPr lvl="1"/>
-            <a:endParaRPr lang="en-US" dirty="0">
-              <a:highlight>
-                <a:srgbClr val="FFFF00"/>
-              </a:highlight>
-            </a:endParaRPr>
-          </a:p>
-        </p:txBody>
-      </p:sp>
-      <p:sp>
-        <p:nvSpPr>
-          <p:cNvPr id="4" name="Title 3">
-            <a:extLst>
-              <a:ext uri="{FF2B5EF4-FFF2-40B4-BE49-F238E27FC236}">
-                <a16:creationId xmlns:a16="http://schemas.microsoft.com/office/drawing/2014/main" id="{2865DADD-B044-26DD-EDD9-BB1A54CEE310}"/>
-              </a:ext>
-            </a:extLst>
-          </p:cNvPr>
-          <p:cNvSpPr>
-            <a:spLocks noGrp="1"/>
-          </p:cNvSpPr>
-          <p:nvPr>
-            <p:ph type="title"/>
-          </p:nvPr>
-        </p:nvSpPr>
-        <p:spPr/>
-        <p:txBody>
-          <a:bodyPr/>
-          <a:lstStyle/>
-          <a:p>
-            <a:endParaRPr lang="en-US"/>
-          </a:p>
-        </p:txBody>
-      </p:sp>
-    </p:spTree>
-    <p:extLst>
-      <p:ext uri="{BB962C8B-B14F-4D97-AF65-F5344CB8AC3E}">
-        <p14:creationId xmlns:p14="http://schemas.microsoft.com/office/powerpoint/2010/main" val="3521294264"/>
-      </p:ext>
-    </p:extLst>
-  </p:cSld>
-  <p:clrMapOvr>
-    <a:masterClrMapping/>
-  </p:clrMapOvr>
-  <mc:AlternateContent xmlns:mc="http://schemas.openxmlformats.org/markup-compatibility/2006" xmlns:p14="http://schemas.microsoft.com/office/powerpoint/2010/main">
-    <mc:Choice Requires="p14">
-      <p:transition spd="slow" p14:dur="2000" advClick="0" advTm="5000"/>
-    </mc:Choice>
-    <mc:Fallback xmlns="">
-      <p:transition spd="slow" advClick="0" advTm="5000"/>
-    </mc:Fallback>
-  </mc:AlternateContent>
-</p:sld>
-</file>
-
-<file path=ppt/slides/slide18.xml><?xml version="1.0" encoding="utf-8"?>
-<p:sld xmlns:a="http://schemas.openxmlformats.org/drawingml/2006/main" xmlns:r="http://schemas.openxmlformats.org/officeDocument/2006/relationships" xmlns:p="http://schemas.openxmlformats.org/presentationml/2006/main">
-  <p:cSld>
-    <p:spTree>
-      <p:nvGrpSpPr>
-        <p:cNvPr id="1" name=""/>
-        <p:cNvGrpSpPr/>
-        <p:nvPr/>
-      </p:nvGrpSpPr>
-      <p:grpSpPr>
-        <a:xfrm>
-          <a:off x="0" y="0"/>
-          <a:ext cx="0" cy="0"/>
-          <a:chOff x="0" y="0"/>
-          <a:chExt cx="0" cy="0"/>
-        </a:xfrm>
-      </p:grpSpPr>
-      <p:sp>
-        <p:nvSpPr>
-          <p:cNvPr id="2" name="Slide Number Placeholder 1">
-            <a:extLst>
-              <a:ext uri="{FF2B5EF4-FFF2-40B4-BE49-F238E27FC236}">
                 <a16:creationId xmlns:a16="http://schemas.microsoft.com/office/drawing/2014/main" id="{CCAABC86-82E0-F099-701A-D4347B605385}"/>
               </a:ext>
             </a:extLst>
@@ -11356,7 +11186,7 @@
             <a:fld id="{2BF067CD-8E6B-4360-9AA8-C5DF2A48A6D1}" type="slidenum">
               <a:rPr lang="en-US" noProof="0" smtClean="0"/>
               <a:pPr/>
-              <a:t>18</a:t>
+              <a:t>17</a:t>
             </a:fld>
             <a:endParaRPr lang="en-US" noProof="0" dirty="0"/>
           </a:p>
@@ -11425,7 +11255,7 @@
           <a:lstStyle/>
           <a:p>
             <a:r>
-              <a:rPr lang="bg-BG" sz="3000" b="1" dirty="0">
+              <a:rPr lang="bg-BG" sz="2800" b="1" dirty="0">
                 <a:solidFill>
                   <a:schemeClr val="bg1"/>
                 </a:solidFill>
@@ -11436,120 +11266,27 @@
           <a:p>
             <a:pPr lvl="1"/>
             <a:r>
-              <a:rPr lang="bg-BG" sz="2800" b="1" dirty="0"/>
+              <a:rPr lang="bg-BG" sz="2600" b="1" dirty="0"/>
               <a:t>Достъп</a:t>
             </a:r>
             <a:r>
-              <a:rPr lang="bg-BG" sz="2800" dirty="0"/>
+              <a:rPr lang="bg-BG" sz="2600" dirty="0"/>
               <a:t> до </a:t>
             </a:r>
             <a:r>
-              <a:rPr lang="bg-BG" sz="2800" b="1" dirty="0"/>
+              <a:rPr lang="bg-BG" sz="2600" b="1" dirty="0"/>
               <a:t>системата</a:t>
             </a:r>
           </a:p>
           <a:p>
             <a:r>
-              <a:rPr lang="bg-BG" sz="3000" b="1" dirty="0">
+              <a:rPr lang="bg-BG" sz="2800" b="1" dirty="0">
                 <a:solidFill>
                   <a:schemeClr val="bg1"/>
                 </a:solidFill>
               </a:rPr>
               <a:t>Роли</a:t>
             </a:r>
-            <a:endParaRPr lang="bg-BG" sz="2800" b="1" dirty="0">
-              <a:solidFill>
-                <a:schemeClr val="bg1"/>
-              </a:solidFill>
-            </a:endParaRPr>
-          </a:p>
-          <a:p>
-            <a:pPr lvl="1"/>
-            <a:r>
-              <a:rPr lang="bg-BG" sz="2800" b="1" dirty="0"/>
-              <a:t>Администратор</a:t>
-            </a:r>
-            <a:r>
-              <a:rPr lang="bg-BG" sz="2800" dirty="0"/>
-              <a:t> и </a:t>
-            </a:r>
-            <a:r>
-              <a:rPr lang="bg-BG" sz="2800" b="1" dirty="0"/>
-              <a:t>лекар</a:t>
-            </a:r>
-            <a:endParaRPr lang="bg-BG" sz="2800" dirty="0"/>
-          </a:p>
-          <a:p>
-            <a:r>
-              <a:rPr lang="bg-BG" sz="3000" b="1" dirty="0">
-                <a:solidFill>
-                  <a:schemeClr val="bg1"/>
-                </a:solidFill>
-              </a:rPr>
-              <a:t>Пациенти</a:t>
-            </a:r>
-            <a:endParaRPr lang="bg-BG" sz="2800" b="1" dirty="0">
-              <a:solidFill>
-                <a:schemeClr val="bg1"/>
-              </a:solidFill>
-            </a:endParaRPr>
-          </a:p>
-          <a:p>
-            <a:pPr lvl="1"/>
-            <a:r>
-              <a:rPr lang="bg-BG" sz="2800" b="1" dirty="0"/>
-              <a:t>Четене</a:t>
-            </a:r>
-            <a:r>
-              <a:rPr lang="bg-BG" sz="2800" dirty="0"/>
-              <a:t> от </a:t>
-            </a:r>
-            <a:r>
-              <a:rPr lang="bg-BG" sz="2800" b="1" dirty="0"/>
-              <a:t>лекар</a:t>
-            </a:r>
-            <a:r>
-              <a:rPr lang="bg-BG" sz="2800" dirty="0"/>
-              <a:t> и </a:t>
-            </a:r>
-            <a:r>
-              <a:rPr lang="bg-BG" sz="2800" b="1" dirty="0"/>
-              <a:t>админ</a:t>
-            </a:r>
-            <a:r>
-              <a:rPr lang="bg-BG" sz="2800" dirty="0"/>
-              <a:t>, </a:t>
-            </a:r>
-            <a:r>
-              <a:rPr lang="bg-BG" sz="2800" b="1" dirty="0"/>
-              <a:t>редактиране</a:t>
-            </a:r>
-            <a:r>
-              <a:rPr lang="bg-BG" sz="2800" dirty="0"/>
-              <a:t> и </a:t>
-            </a:r>
-            <a:r>
-              <a:rPr lang="bg-BG" sz="2800" b="1" dirty="0"/>
-              <a:t>изтриване</a:t>
-            </a:r>
-            <a:r>
-              <a:rPr lang="bg-BG" sz="2800" dirty="0"/>
-              <a:t> от </a:t>
-            </a:r>
-            <a:r>
-              <a:rPr lang="bg-BG" sz="2800" b="1" dirty="0"/>
-              <a:t>админ</a:t>
-            </a:r>
-          </a:p>
-          <a:p>
-            <a:r>
-              <a:rPr lang="bg-BG" sz="3000" b="1" dirty="0">
-                <a:solidFill>
-                  <a:schemeClr val="bg1"/>
-                </a:solidFill>
-              </a:rPr>
-              <a:t>Лекари</a:t>
-            </a:r>
             <a:endParaRPr lang="en-US" sz="2800" b="1" dirty="0">
               <a:solidFill>
                 <a:schemeClr val="bg1"/>
@@ -11559,87 +11296,90 @@
           <a:p>
             <a:pPr lvl="1"/>
             <a:r>
-              <a:rPr lang="bg-BG" sz="2800" b="1" dirty="0"/>
-              <a:t>Четене</a:t>
-            </a:r>
-            <a:r>
-              <a:rPr lang="bg-BG" sz="2800" dirty="0"/>
-              <a:t>, </a:t>
-            </a:r>
-            <a:r>
-              <a:rPr lang="bg-BG" sz="2800" b="1" dirty="0"/>
-              <a:t>редактиране</a:t>
-            </a:r>
-            <a:r>
-              <a:rPr lang="bg-BG" sz="2800" dirty="0"/>
-              <a:t> и </a:t>
-            </a:r>
-            <a:r>
-              <a:rPr lang="bg-BG" sz="2800" b="1" dirty="0"/>
-              <a:t>изтриване</a:t>
-            </a:r>
-            <a:r>
-              <a:rPr lang="bg-BG" sz="2800" dirty="0"/>
-              <a:t> от </a:t>
-            </a:r>
-            <a:r>
-              <a:rPr lang="bg-BG" sz="2800" b="1" dirty="0"/>
-              <a:t>админ</a:t>
-            </a:r>
-          </a:p>
-          <a:p>
-            <a:r>
-              <a:rPr lang="bg-BG" sz="3000" b="1" dirty="0">
-                <a:solidFill>
-                  <a:schemeClr val="bg1"/>
-                </a:solidFill>
-              </a:rPr>
-              <a:t>Прегледи</a:t>
-            </a:r>
-            <a:endParaRPr lang="bg-BG" sz="2800" b="1" dirty="0">
-              <a:solidFill>
-                <a:schemeClr val="bg1"/>
-              </a:solidFill>
-            </a:endParaRPr>
+              <a:rPr lang="en-BG" sz="2600" b="1" dirty="0"/>
+              <a:t>Администратор (Admin)</a:t>
+            </a:r>
+            <a:endParaRPr lang="en-BG" sz="2600" dirty="0"/>
+          </a:p>
+          <a:p>
+            <a:pPr lvl="2"/>
+            <a:r>
+              <a:rPr lang="bg-BG" sz="2400" dirty="0"/>
+              <a:t>Чете, добавя, редактира и изтрива </a:t>
+            </a:r>
+            <a:r>
+              <a:rPr lang="bg-BG" sz="2400" b="1" dirty="0"/>
+              <a:t>пациенти</a:t>
+            </a:r>
+            <a:endParaRPr lang="en-BG" sz="2400" dirty="0"/>
+          </a:p>
+          <a:p>
+            <a:pPr lvl="2"/>
+            <a:r>
+              <a:rPr lang="bg-BG" sz="2400" dirty="0"/>
+              <a:t>Чете, добавя, редактира и изтрива </a:t>
+            </a:r>
+            <a:r>
+              <a:rPr lang="bg-BG" sz="2400" b="1" dirty="0"/>
+              <a:t>прегледи</a:t>
+            </a:r>
+            <a:endParaRPr lang="en-BG" sz="2400" dirty="0"/>
+          </a:p>
+          <a:p>
+            <a:pPr lvl="2"/>
+            <a:r>
+              <a:rPr lang="bg-BG" sz="2400" dirty="0"/>
+              <a:t>Чете, добавя, редактира и изтрива </a:t>
+            </a:r>
+            <a:r>
+              <a:rPr lang="bg-BG" sz="2400" b="1" dirty="0"/>
+              <a:t>лекари</a:t>
+            </a:r>
+            <a:endParaRPr lang="en-BG" sz="2400" dirty="0"/>
+          </a:p>
+          <a:p>
+            <a:pPr lvl="2"/>
+            <a:r>
+              <a:rPr lang="bg-BG" sz="2400" dirty="0"/>
+              <a:t>Чете, добавя, редактира и изтрива</a:t>
+            </a:r>
+            <a:r>
+              <a:rPr lang="bg-BG" sz="2400" b="1" dirty="0"/>
+              <a:t> админи</a:t>
+            </a:r>
+            <a:endParaRPr lang="en-BG" sz="2400" dirty="0"/>
           </a:p>
           <a:p>
             <a:pPr lvl="1"/>
             <a:r>
-              <a:rPr lang="bg-BG" sz="2800" b="1" dirty="0"/>
-              <a:t>Четене</a:t>
-            </a:r>
-            <a:r>
-              <a:rPr lang="bg-BG" sz="2800" dirty="0"/>
-              <a:t>, </a:t>
-            </a:r>
-            <a:r>
-              <a:rPr lang="bg-BG" sz="2800" b="1" dirty="0"/>
-              <a:t>редактиране</a:t>
-            </a:r>
-            <a:r>
-              <a:rPr lang="bg-BG" sz="2800" dirty="0"/>
-              <a:t> и </a:t>
-            </a:r>
-            <a:r>
-              <a:rPr lang="bg-BG" sz="2800" b="1" dirty="0"/>
-              <a:t>изтриване</a:t>
-            </a:r>
-            <a:r>
-              <a:rPr lang="bg-BG" sz="2800" dirty="0"/>
-              <a:t> от </a:t>
-            </a:r>
-            <a:r>
-              <a:rPr lang="bg-BG" sz="2800" b="1" dirty="0"/>
-              <a:t>лекар</a:t>
-            </a:r>
-            <a:r>
-              <a:rPr lang="bg-BG" sz="2800" dirty="0"/>
-              <a:t> и </a:t>
-            </a:r>
-            <a:r>
-              <a:rPr lang="bg-BG" sz="2800" b="1" dirty="0"/>
-              <a:t>админ</a:t>
-            </a:r>
+              <a:rPr lang="en-BG" sz="2600" b="1" dirty="0"/>
+              <a:t>Лекар (Doctor)</a:t>
+            </a:r>
+            <a:endParaRPr lang="en-BG" sz="2600" dirty="0"/>
+          </a:p>
+          <a:p>
+            <a:pPr lvl="2"/>
+            <a:r>
+              <a:rPr lang="bg-BG" sz="2400" dirty="0"/>
+              <a:t>Чете, добавя и редактира </a:t>
+            </a:r>
+            <a:r>
+              <a:rPr lang="bg-BG" sz="2400" b="1" dirty="0"/>
+              <a:t>пациенти</a:t>
+            </a:r>
+            <a:endParaRPr lang="en-BG" sz="2400" dirty="0"/>
+          </a:p>
+          <a:p>
+            <a:pPr lvl="2"/>
+            <a:r>
+              <a:rPr lang="bg-BG" sz="2400" dirty="0"/>
+              <a:t>Чете, редактира и изтрива </a:t>
+            </a:r>
+            <a:r>
+              <a:rPr lang="bg-BG" sz="2400" b="1" dirty="0"/>
+              <a:t>прегледи</a:t>
+            </a:r>
+            <a:endParaRPr lang="en-BG" sz="2400" dirty="0"/>
           </a:p>
         </p:txBody>
       </p:sp>
@@ -11795,15 +11535,33 @@
                                   </p:childTnLst>
                                 </p:cTn>
                               </p:par>
+                            </p:childTnLst>
+                          </p:cTn>
+                        </p:par>
+                      </p:childTnLst>
+                    </p:cTn>
+                  </p:par>
+                  <p:par>
+                    <p:cTn id="13" fill="hold">
+                      <p:stCondLst>
+                        <p:cond delay="indefinite"/>
+                      </p:stCondLst>
+                      <p:childTnLst>
+                        <p:par>
+                          <p:cTn id="14" fill="hold">
+                            <p:stCondLst>
+                              <p:cond delay="0"/>
+                            </p:stCondLst>
+                            <p:childTnLst>
                               <p:par>
-                                <p:cTn id="13" presetID="1" presetClass="entr" presetSubtype="0" fill="hold" nodeType="withEffect">
+                                <p:cTn id="15" presetID="1" presetClass="entr" presetSubtype="0" fill="hold" nodeType="clickEffect">
                                   <p:stCondLst>
                                     <p:cond delay="0"/>
                                   </p:stCondLst>
                                   <p:childTnLst>
                                     <p:set>
                                       <p:cBhvr>
-                                        <p:cTn id="14" dur="1" fill="hold">
+                                        <p:cTn id="16" dur="1" fill="hold">
                                           <p:stCondLst>
                                             <p:cond delay="0"/>
                                           </p:stCondLst>
@@ -11812,246 +11570,6 @@
                                           <p:spTgt spid="7">
                                             <p:txEl>
                                               <p:pRg st="3" end="3"/>
-                                            </p:txEl>
-                                          </p:spTgt>
-                                        </p:tgtEl>
-                                        <p:attrNameLst>
-                                          <p:attrName>style.visibility</p:attrName>
-                                        </p:attrNameLst>
-                                      </p:cBhvr>
-                                      <p:to>
-                                        <p:strVal val="visible"/>
-                                      </p:to>
-                                    </p:set>
-                                  </p:childTnLst>
-                                </p:cTn>
-                              </p:par>
-                            </p:childTnLst>
-                          </p:cTn>
-                        </p:par>
-                      </p:childTnLst>
-                    </p:cTn>
-                  </p:par>
-                  <p:par>
-                    <p:cTn id="15" fill="hold">
-                      <p:stCondLst>
-                        <p:cond delay="indefinite"/>
-                      </p:stCondLst>
-                      <p:childTnLst>
-                        <p:par>
-                          <p:cTn id="16" fill="hold">
-                            <p:stCondLst>
-                              <p:cond delay="0"/>
-                            </p:stCondLst>
-                            <p:childTnLst>
-                              <p:par>
-                                <p:cTn id="17" presetID="1" presetClass="entr" presetSubtype="0" fill="hold" nodeType="clickEffect">
-                                  <p:stCondLst>
-                                    <p:cond delay="0"/>
-                                  </p:stCondLst>
-                                  <p:childTnLst>
-                                    <p:set>
-                                      <p:cBhvr>
-                                        <p:cTn id="18" dur="1" fill="hold">
-                                          <p:stCondLst>
-                                            <p:cond delay="0"/>
-                                          </p:stCondLst>
-                                        </p:cTn>
-                                        <p:tgtEl>
-                                          <p:spTgt spid="7">
-                                            <p:txEl>
-                                              <p:pRg st="4" end="4"/>
-                                            </p:txEl>
-                                          </p:spTgt>
-                                        </p:tgtEl>
-                                        <p:attrNameLst>
-                                          <p:attrName>style.visibility</p:attrName>
-                                        </p:attrNameLst>
-                                      </p:cBhvr>
-                                      <p:to>
-                                        <p:strVal val="visible"/>
-                                      </p:to>
-                                    </p:set>
-                                  </p:childTnLst>
-                                </p:cTn>
-                              </p:par>
-                              <p:par>
-                                <p:cTn id="19" presetID="1" presetClass="entr" presetSubtype="0" fill="hold" nodeType="withEffect">
-                                  <p:stCondLst>
-                                    <p:cond delay="0"/>
-                                  </p:stCondLst>
-                                  <p:childTnLst>
-                                    <p:set>
-                                      <p:cBhvr>
-                                        <p:cTn id="20" dur="1" fill="hold">
-                                          <p:stCondLst>
-                                            <p:cond delay="0"/>
-                                          </p:stCondLst>
-                                        </p:cTn>
-                                        <p:tgtEl>
-                                          <p:spTgt spid="7">
-                                            <p:txEl>
-                                              <p:pRg st="5" end="5"/>
-                                            </p:txEl>
-                                          </p:spTgt>
-                                        </p:tgtEl>
-                                        <p:attrNameLst>
-                                          <p:attrName>style.visibility</p:attrName>
-                                        </p:attrNameLst>
-                                      </p:cBhvr>
-                                      <p:to>
-                                        <p:strVal val="visible"/>
-                                      </p:to>
-                                    </p:set>
-                                  </p:childTnLst>
-                                </p:cTn>
-                              </p:par>
-                            </p:childTnLst>
-                          </p:cTn>
-                        </p:par>
-                      </p:childTnLst>
-                    </p:cTn>
-                  </p:par>
-                  <p:par>
-                    <p:cTn id="21" fill="hold">
-                      <p:stCondLst>
-                        <p:cond delay="indefinite"/>
-                      </p:stCondLst>
-                      <p:childTnLst>
-                        <p:par>
-                          <p:cTn id="22" fill="hold">
-                            <p:stCondLst>
-                              <p:cond delay="0"/>
-                            </p:stCondLst>
-                            <p:childTnLst>
-                              <p:par>
-                                <p:cTn id="23" presetID="1" presetClass="entr" presetSubtype="0" fill="hold" nodeType="clickEffect">
-                                  <p:stCondLst>
-                                    <p:cond delay="0"/>
-                                  </p:stCondLst>
-                                  <p:childTnLst>
-                                    <p:set>
-                                      <p:cBhvr>
-                                        <p:cTn id="24" dur="1" fill="hold">
-                                          <p:stCondLst>
-                                            <p:cond delay="0"/>
-                                          </p:stCondLst>
-                                        </p:cTn>
-                                        <p:tgtEl>
-                                          <p:spTgt spid="7">
-                                            <p:txEl>
-                                              <p:pRg st="6" end="6"/>
-                                            </p:txEl>
-                                          </p:spTgt>
-                                        </p:tgtEl>
-                                        <p:attrNameLst>
-                                          <p:attrName>style.visibility</p:attrName>
-                                        </p:attrNameLst>
-                                      </p:cBhvr>
-                                      <p:to>
-                                        <p:strVal val="visible"/>
-                                      </p:to>
-                                    </p:set>
-                                  </p:childTnLst>
-                                </p:cTn>
-                              </p:par>
-                              <p:par>
-                                <p:cTn id="25" presetID="1" presetClass="entr" presetSubtype="0" fill="hold" nodeType="withEffect">
-                                  <p:stCondLst>
-                                    <p:cond delay="0"/>
-                                  </p:stCondLst>
-                                  <p:childTnLst>
-                                    <p:set>
-                                      <p:cBhvr>
-                                        <p:cTn id="26" dur="1" fill="hold">
-                                          <p:stCondLst>
-                                            <p:cond delay="0"/>
-                                          </p:stCondLst>
-                                        </p:cTn>
-                                        <p:tgtEl>
-                                          <p:spTgt spid="7">
-                                            <p:txEl>
-                                              <p:pRg st="7" end="7"/>
-                                            </p:txEl>
-                                          </p:spTgt>
-                                        </p:tgtEl>
-                                        <p:attrNameLst>
-                                          <p:attrName>style.visibility</p:attrName>
-                                        </p:attrNameLst>
-                                      </p:cBhvr>
-                                      <p:to>
-                                        <p:strVal val="visible"/>
-                                      </p:to>
-                                    </p:set>
-                                  </p:childTnLst>
-                                </p:cTn>
-                              </p:par>
-                            </p:childTnLst>
-                          </p:cTn>
-                        </p:par>
-                      </p:childTnLst>
-                    </p:cTn>
-                  </p:par>
-                  <p:par>
-                    <p:cTn id="27" fill="hold">
-                      <p:stCondLst>
-                        <p:cond delay="indefinite"/>
-                      </p:stCondLst>
-                      <p:childTnLst>
-                        <p:par>
-                          <p:cTn id="28" fill="hold">
-                            <p:stCondLst>
-                              <p:cond delay="0"/>
-                            </p:stCondLst>
-                            <p:childTnLst>
-                              <p:par>
-                                <p:cTn id="29" presetID="1" presetClass="entr" presetSubtype="0" fill="hold" nodeType="clickEffect">
-                                  <p:stCondLst>
-                                    <p:cond delay="0"/>
-                                  </p:stCondLst>
-                                  <p:childTnLst>
-                                    <p:set>
-                                      <p:cBhvr>
-                                        <p:cTn id="30" dur="1" fill="hold">
-                                          <p:stCondLst>
-                                            <p:cond delay="0"/>
-                                          </p:stCondLst>
-                                        </p:cTn>
-                                        <p:tgtEl>
-                                          <p:spTgt spid="7">
-                                            <p:txEl>
-                                              <p:pRg st="8" end="8"/>
-                                            </p:txEl>
-                                          </p:spTgt>
-                                        </p:tgtEl>
-                                        <p:attrNameLst>
-                                          <p:attrName>style.visibility</p:attrName>
-                                        </p:attrNameLst>
-                                      </p:cBhvr>
-                                      <p:to>
-                                        <p:strVal val="visible"/>
-                                      </p:to>
-                                    </p:set>
-                                  </p:childTnLst>
-                                </p:cTn>
-                              </p:par>
-                              <p:par>
-                                <p:cTn id="31" presetID="1" presetClass="entr" presetSubtype="0" fill="hold" nodeType="withEffect">
-                                  <p:stCondLst>
-                                    <p:cond delay="0"/>
-                                  </p:stCondLst>
-                                  <p:childTnLst>
-                                    <p:set>
-                                      <p:cBhvr>
-                                        <p:cTn id="32" dur="1" fill="hold">
-                                          <p:stCondLst>
-                                            <p:cond delay="0"/>
-                                          </p:stCondLst>
-                                        </p:cTn>
-                                        <p:tgtEl>
-                                          <p:spTgt spid="7">
-                                            <p:txEl>
-                                              <p:pRg st="9" end="9"/>
                                             </p:txEl>
                                           </p:spTgt>
                                         </p:tgtEl>
@@ -12097,7 +11615,7 @@
 </p:sld>
 </file>
 
-<file path=ppt/slides/slide19.xml><?xml version="1.0" encoding="utf-8"?>
+<file path=ppt/slides/slide18.xml><?xml version="1.0" encoding="utf-8"?>
 <p:sld xmlns:a="http://schemas.openxmlformats.org/drawingml/2006/main" xmlns:r="http://schemas.openxmlformats.org/officeDocument/2006/relationships" xmlns:p="http://schemas.openxmlformats.org/presentationml/2006/main">
   <p:cSld>
     <p:spTree>
@@ -12138,7 +11656,7 @@
             <a:fld id="{2BF067CD-8E6B-4360-9AA8-C5DF2A48A6D1}" type="slidenum">
               <a:rPr lang="en-US" noProof="0" smtClean="0"/>
               <a:pPr/>
-              <a:t>19</a:t>
+              <a:t>18</a:t>
             </a:fld>
             <a:endParaRPr lang="en-US" noProof="0" dirty="0"/>
           </a:p>
@@ -12227,20 +11745,12 @@
             </a:r>
             <a:r>
               <a:rPr lang="bg-BG" sz="1600" b="1" dirty="0"/>
-              <a:t> парола </a:t>
-            </a:r>
-            <a:r>
-              <a:rPr lang="bg-BG" sz="1600" b="1" dirty="0">
-                <a:highlight>
-                  <a:srgbClr val="FFFF00"/>
-                </a:highlight>
-              </a:rPr>
-              <a:t>(криптирана)</a:t>
-            </a:r>
-          </a:p>
-          <a:p>
-            <a:r>
-              <a:rPr lang="bg-BG" sz="1600" b="1" dirty="0">
+              <a:t> парола (криптирана)</a:t>
+            </a:r>
+          </a:p>
+          <a:p>
+            <a:r>
+              <a:rPr lang="bg-BG" sz="1800" b="1" dirty="0">
                 <a:solidFill>
                   <a:schemeClr val="bg1"/>
                 </a:solidFill>
@@ -12289,7 +11799,7 @@
           </a:p>
           <a:p>
             <a:r>
-              <a:rPr lang="bg-BG" sz="1600" b="1" dirty="0">
+              <a:rPr lang="bg-BG" sz="1800" b="1" dirty="0">
                 <a:solidFill>
                   <a:schemeClr val="bg1"/>
                 </a:solidFill>
@@ -12349,7 +11859,7 @@
           </a:p>
           <a:p>
             <a:r>
-              <a:rPr lang="bg-BG" sz="1600" b="1" dirty="0">
+              <a:rPr lang="bg-BG" sz="1800" b="1" dirty="0">
                 <a:solidFill>
                   <a:schemeClr val="bg1"/>
                 </a:solidFill>
@@ -12399,7 +11909,7 @@
           </a:p>
           <a:p>
             <a:r>
-              <a:rPr lang="bg-BG" sz="1600" b="1" dirty="0">
+              <a:rPr lang="bg-BG" sz="1800" b="1" dirty="0">
                 <a:solidFill>
                   <a:schemeClr val="bg1"/>
                 </a:solidFill>
@@ -12958,6 +12468,139 @@
 </p:sld>
 </file>
 
+<file path=ppt/slides/slide19.xml><?xml version="1.0" encoding="utf-8"?>
+<p:sld xmlns:a="http://schemas.openxmlformats.org/drawingml/2006/main" xmlns:r="http://schemas.openxmlformats.org/officeDocument/2006/relationships" xmlns:p="http://schemas.openxmlformats.org/presentationml/2006/main">
+  <p:cSld>
+    <p:spTree>
+      <p:nvGrpSpPr>
+        <p:cNvPr id="1" name=""/>
+        <p:cNvGrpSpPr/>
+        <p:nvPr/>
+      </p:nvGrpSpPr>
+      <p:grpSpPr>
+        <a:xfrm>
+          <a:off x="0" y="0"/>
+          <a:ext cx="0" cy="0"/>
+          <a:chOff x="0" y="0"/>
+          <a:chExt cx="0" cy="0"/>
+        </a:xfrm>
+      </p:grpSpPr>
+      <p:sp>
+        <p:nvSpPr>
+          <p:cNvPr id="2" name="Slide Number Placeholder 1">
+            <a:extLst>
+              <a:ext uri="{FF2B5EF4-FFF2-40B4-BE49-F238E27FC236}">
+                <a16:creationId xmlns:a16="http://schemas.microsoft.com/office/drawing/2014/main" id="{DE068892-22B0-0781-814F-C94199C20C8F}"/>
+              </a:ext>
+            </a:extLst>
+          </p:cNvPr>
+          <p:cNvSpPr>
+            <a:spLocks noGrp="1"/>
+          </p:cNvSpPr>
+          <p:nvPr>
+            <p:ph type="sldNum" sz="quarter" idx="5"/>
+          </p:nvPr>
+        </p:nvSpPr>
+        <p:spPr/>
+        <p:txBody>
+          <a:bodyPr/>
+          <a:lstStyle/>
+          <a:p>
+            <a:fld id="{2BF067CD-8E6B-4360-9AA8-C5DF2A48A6D1}" type="slidenum">
+              <a:rPr lang="en-US" noProof="0" smtClean="0"/>
+              <a:pPr/>
+              <a:t>19</a:t>
+            </a:fld>
+            <a:endParaRPr lang="en-US" noProof="0" dirty="0"/>
+          </a:p>
+        </p:txBody>
+      </p:sp>
+      <p:sp>
+        <p:nvSpPr>
+          <p:cNvPr id="4" name="Title 3">
+            <a:extLst>
+              <a:ext uri="{FF2B5EF4-FFF2-40B4-BE49-F238E27FC236}">
+                <a16:creationId xmlns:a16="http://schemas.microsoft.com/office/drawing/2014/main" id="{8718B34B-E2E6-D29F-009D-C1CC0A9608C6}"/>
+              </a:ext>
+            </a:extLst>
+          </p:cNvPr>
+          <p:cNvSpPr>
+            <a:spLocks noGrp="1"/>
+          </p:cNvSpPr>
+          <p:nvPr>
+            <p:ph type="title"/>
+          </p:nvPr>
+        </p:nvSpPr>
+        <p:spPr/>
+        <p:txBody>
+          <a:bodyPr/>
+          <a:lstStyle/>
+          <a:p>
+            <a:r>
+              <a:rPr lang="bg-BG" dirty="0"/>
+              <a:t>Диаграма на базата данни</a:t>
+            </a:r>
+            <a:endParaRPr lang="en-US" dirty="0"/>
+          </a:p>
+        </p:txBody>
+      </p:sp>
+      <p:pic>
+        <p:nvPicPr>
+          <p:cNvPr id="6" name="Picture 5">
+            <a:extLst>
+              <a:ext uri="{FF2B5EF4-FFF2-40B4-BE49-F238E27FC236}">
+                <a16:creationId xmlns:a16="http://schemas.microsoft.com/office/drawing/2014/main" id="{615D9262-B99F-DDFD-F3CB-465E95926B6C}"/>
+              </a:ext>
+            </a:extLst>
+          </p:cNvPr>
+          <p:cNvPicPr>
+            <a:picLocks noChangeAspect="1"/>
+          </p:cNvPicPr>
+          <p:nvPr/>
+        </p:nvPicPr>
+        <p:blipFill>
+          <a:blip r:embed="rId2">
+            <a:extLst>
+              <a:ext uri="{28A0092B-C50C-407E-A947-70E740481C1C}">
+                <a14:useLocalDpi xmlns:a14="http://schemas.microsoft.com/office/drawing/2010/main" val="0"/>
+              </a:ext>
+            </a:extLst>
+          </a:blip>
+          <a:stretch>
+            <a:fillRect/>
+          </a:stretch>
+        </p:blipFill>
+        <p:spPr>
+          <a:xfrm>
+            <a:off x="463672" y="2034000"/>
+            <a:ext cx="11264655" cy="3285000"/>
+          </a:xfrm>
+          <a:prstGeom prst="rect">
+            <a:avLst/>
+          </a:prstGeom>
+        </p:spPr>
+      </p:pic>
+    </p:spTree>
+    <p:extLst>
+      <p:ext uri="{BB962C8B-B14F-4D97-AF65-F5344CB8AC3E}">
+        <p14:creationId xmlns:p14="http://schemas.microsoft.com/office/powerpoint/2010/main" val="2725041579"/>
+      </p:ext>
+    </p:extLst>
+  </p:cSld>
+  <p:clrMapOvr>
+    <a:masterClrMapping/>
+  </p:clrMapOvr>
+  <mc:AlternateContent xmlns:mc="http://schemas.openxmlformats.org/markup-compatibility/2006" xmlns:p14="http://schemas.microsoft.com/office/powerpoint/2010/main">
+    <mc:Choice Requires="p14">
+      <p:transition spd="slow" p14:dur="2000" advClick="0" advTm="5000"/>
+    </mc:Choice>
+    <mc:Fallback xmlns="">
+      <p:transition spd="slow" advClick="0" advTm="5000"/>
+    </mc:Fallback>
+  </mc:AlternateContent>
+</p:sld>
+</file>
+
 <file path=ppt/slides/slide2.xml><?xml version="1.0" encoding="utf-8"?>
 <p:sld xmlns:a="http://schemas.openxmlformats.org/drawingml/2006/main" xmlns:r="http://schemas.openxmlformats.org/officeDocument/2006/relationships" xmlns:p="http://schemas.openxmlformats.org/presentationml/2006/main">
   <p:cSld>
@@ -13626,7 +13269,7 @@
           <p:cNvPr id="2" name="Slide Number Placeholder 1">
             <a:extLst>
               <a:ext uri="{FF2B5EF4-FFF2-40B4-BE49-F238E27FC236}">
-                <a16:creationId xmlns:a16="http://schemas.microsoft.com/office/drawing/2014/main" id="{DE068892-22B0-0781-814F-C94199C20C8F}"/>
+                <a16:creationId xmlns:a16="http://schemas.microsoft.com/office/drawing/2014/main" id="{CCAABC86-82E0-F099-701A-D4347B605385}"/>
               </a:ext>
             </a:extLst>
           </p:cNvPr>
@@ -13653,42 +13296,10 @@
       </p:sp>
       <p:sp>
         <p:nvSpPr>
-          <p:cNvPr id="3" name="Text Placeholder 2">
-            <a:extLst>
-              <a:ext uri="{FF2B5EF4-FFF2-40B4-BE49-F238E27FC236}">
-                <a16:creationId xmlns:a16="http://schemas.microsoft.com/office/drawing/2014/main" id="{378D0169-C08C-C1E0-FAC1-A9C62669EB45}"/>
-              </a:ext>
-            </a:extLst>
-          </p:cNvPr>
-          <p:cNvSpPr>
-            <a:spLocks noGrp="1"/>
-          </p:cNvSpPr>
-          <p:nvPr>
-            <p:ph type="body" sz="quarter" idx="10"/>
-          </p:nvPr>
-        </p:nvSpPr>
-        <p:spPr/>
-        <p:txBody>
-          <a:bodyPr/>
-          <a:lstStyle/>
-          <a:p>
-            <a:r>
-              <a:rPr lang="en-US" dirty="0">
-                <a:highlight>
-                  <a:srgbClr val="FFFF00"/>
-                </a:highlight>
-              </a:rPr>
-              <a:t>TODO</a:t>
-            </a:r>
-          </a:p>
-        </p:txBody>
-      </p:sp>
-      <p:sp>
-        <p:nvSpPr>
           <p:cNvPr id="4" name="Title 3">
             <a:extLst>
               <a:ext uri="{FF2B5EF4-FFF2-40B4-BE49-F238E27FC236}">
-                <a16:creationId xmlns:a16="http://schemas.microsoft.com/office/drawing/2014/main" id="{8718B34B-E2E6-D29F-009D-C1CC0A9608C6}"/>
+                <a16:creationId xmlns:a16="http://schemas.microsoft.com/office/drawing/2014/main" id="{67B6A643-676D-3506-B008-B24B36AA34F1}"/>
               </a:ext>
             </a:extLst>
           </p:cNvPr>
@@ -13701,21 +13312,74 @@
         </p:nvSpPr>
         <p:spPr/>
         <p:txBody>
-          <a:bodyPr/>
+          <a:bodyPr>
+            <a:normAutofit/>
+          </a:bodyPr>
           <a:lstStyle/>
           <a:p>
             <a:r>
               <a:rPr lang="bg-BG" dirty="0"/>
-              <a:t>Диаграма на базата данни</a:t>
-            </a:r>
-            <a:endParaRPr lang="en-US" dirty="0"/>
+              <a:t>Проектиране</a:t>
+            </a:r>
+            <a:r>
+              <a:rPr lang="en-US" dirty="0"/>
+              <a:t>: </a:t>
+            </a:r>
+            <a:r>
+              <a:rPr lang="bg-BG" dirty="0"/>
+              <a:t>дизайн на </a:t>
+            </a:r>
+            <a:r>
+              <a:rPr lang="en-US" dirty="0"/>
+              <a:t>UI – </a:t>
+            </a:r>
+            <a:r>
+              <a:rPr lang="bg-BG" dirty="0"/>
+              <a:t>навигация</a:t>
+            </a:r>
+            <a:endParaRPr lang="en-BG" dirty="0"/>
           </a:p>
         </p:txBody>
       </p:sp>
+      <p:pic>
+        <p:nvPicPr>
+          <p:cNvPr id="16" name="Picture 15">
+            <a:extLst>
+              <a:ext uri="{FF2B5EF4-FFF2-40B4-BE49-F238E27FC236}">
+                <a16:creationId xmlns:a16="http://schemas.microsoft.com/office/drawing/2014/main" id="{54152E59-50E3-A528-B957-BF140B50BE7A}"/>
+              </a:ext>
+            </a:extLst>
+          </p:cNvPr>
+          <p:cNvPicPr>
+            <a:picLocks noChangeAspect="1"/>
+          </p:cNvPicPr>
+          <p:nvPr/>
+        </p:nvPicPr>
+        <p:blipFill>
+          <a:blip r:embed="rId2">
+            <a:extLst>
+              <a:ext uri="{28A0092B-C50C-407E-A947-70E740481C1C}">
+                <a14:useLocalDpi xmlns:a14="http://schemas.microsoft.com/office/drawing/2010/main" val="0"/>
+              </a:ext>
+            </a:extLst>
+          </a:blip>
+          <a:srcRect/>
+          <a:stretch/>
+        </p:blipFill>
+        <p:spPr>
+          <a:xfrm>
+            <a:off x="284787" y="1449000"/>
+            <a:ext cx="11622425" cy="4590000"/>
+          </a:xfrm>
+          <a:prstGeom prst="rect">
+            <a:avLst/>
+          </a:prstGeom>
+        </p:spPr>
+      </p:pic>
     </p:spTree>
     <p:extLst>
       <p:ext uri="{BB962C8B-B14F-4D97-AF65-F5344CB8AC3E}">
-        <p14:creationId xmlns:p14="http://schemas.microsoft.com/office/powerpoint/2010/main" val="2725041579"/>
+        <p14:creationId xmlns:p14="http://schemas.microsoft.com/office/powerpoint/2010/main" val="959532821"/>
       </p:ext>
     </p:extLst>
   </p:cSld>
@@ -13817,2709 +13481,6 @@
             </a:r>
             <a:r>
               <a:rPr lang="en-US" dirty="0"/>
-              <a:t>UI – </a:t>
-            </a:r>
-            <a:r>
-              <a:rPr lang="bg-BG" dirty="0"/>
-              <a:t>навигация</a:t>
-            </a:r>
-            <a:endParaRPr lang="en-BG" dirty="0"/>
-          </a:p>
-        </p:txBody>
-      </p:sp>
-      <p:sp>
-        <p:nvSpPr>
-          <p:cNvPr id="7" name="Text Placeholder 6">
-            <a:extLst>
-              <a:ext uri="{FF2B5EF4-FFF2-40B4-BE49-F238E27FC236}">
-                <a16:creationId xmlns:a16="http://schemas.microsoft.com/office/drawing/2014/main" id="{FBFEFCDD-E454-D1E7-D67F-EE67BB2A7ACE}"/>
-              </a:ext>
-            </a:extLst>
-          </p:cNvPr>
-          <p:cNvSpPr>
-            <a:spLocks noGrp="1"/>
-          </p:cNvSpPr>
-          <p:nvPr>
-            <p:ph type="body" sz="quarter" idx="10"/>
-          </p:nvPr>
-        </p:nvSpPr>
-        <p:spPr>
-          <a:xfrm>
-            <a:off x="190402" y="1196125"/>
-            <a:ext cx="2980598" cy="5528766"/>
-          </a:xfrm>
-        </p:spPr>
-        <p:txBody>
-          <a:bodyPr>
-            <a:normAutofit/>
-          </a:bodyPr>
-          <a:lstStyle/>
-          <a:p>
-            <a:r>
-              <a:rPr lang="en-US" sz="2000" b="1" dirty="0">
-                <a:solidFill>
-                  <a:schemeClr val="bg1"/>
-                </a:solidFill>
-                <a:highlight>
-                  <a:srgbClr val="FFFF00"/>
-                </a:highlight>
-              </a:rPr>
-              <a:t>TODO:</a:t>
-            </a:r>
-            <a:r>
-              <a:rPr lang="bg-BG" sz="2000" b="1" dirty="0">
-                <a:solidFill>
-                  <a:schemeClr val="bg1"/>
-                </a:solidFill>
-                <a:highlight>
-                  <a:srgbClr val="FFFF00"/>
-                </a:highlight>
-              </a:rPr>
-              <a:t> на една картинка със </a:t>
-            </a:r>
-            <a:r>
-              <a:rPr lang="bg-BG" sz="2000" b="1" dirty="0" err="1">
-                <a:solidFill>
-                  <a:schemeClr val="bg1"/>
-                </a:solidFill>
-                <a:highlight>
-                  <a:srgbClr val="FFFF00"/>
-                </a:highlight>
-              </a:rPr>
-              <a:t>стрелкички</a:t>
-            </a:r>
-            <a:r>
-              <a:rPr lang="bg-BG" sz="2000" b="1" dirty="0">
-                <a:solidFill>
-                  <a:schemeClr val="bg1"/>
-                </a:solidFill>
-                <a:highlight>
-                  <a:srgbClr val="FFFF00"/>
-                </a:highlight>
-              </a:rPr>
-              <a:t> се показва потока на навигация</a:t>
-            </a:r>
-            <a:endParaRPr lang="bg-BG" sz="2000" b="1" dirty="0">
-              <a:highlight>
-                <a:srgbClr val="FFFF00"/>
-              </a:highlight>
-            </a:endParaRPr>
-          </a:p>
-        </p:txBody>
-      </p:sp>
-      <p:sp>
-        <p:nvSpPr>
-          <p:cNvPr id="3" name="Rectangle: Rounded Corners 2">
-            <a:extLst>
-              <a:ext uri="{FF2B5EF4-FFF2-40B4-BE49-F238E27FC236}">
-                <a16:creationId xmlns:a16="http://schemas.microsoft.com/office/drawing/2014/main" id="{25C21E76-A94E-BB6F-B5EE-013FBC27A4DE}"/>
-              </a:ext>
-            </a:extLst>
-          </p:cNvPr>
-          <p:cNvSpPr/>
-          <p:nvPr/>
-        </p:nvSpPr>
-        <p:spPr bwMode="auto">
-          <a:xfrm>
-            <a:off x="1191000" y="2911615"/>
-            <a:ext cx="2243819" cy="920909"/>
-          </a:xfrm>
-          <a:prstGeom prst="roundRect">
-            <a:avLst/>
-          </a:prstGeom>
-          <a:solidFill>
-            <a:schemeClr val="dk2">
-              <a:alpha val="80000"/>
-            </a:schemeClr>
-          </a:solidFill>
-          <a:ln w="19050">
-            <a:solidFill>
-              <a:schemeClr val="tx1">
-                <a:lumMod val="75000"/>
-                <a:alpha val="80000"/>
-              </a:schemeClr>
-            </a:solidFill>
-          </a:ln>
-          <a:effectLst/>
-        </p:spPr>
-        <p:style>
-          <a:lnRef idx="2">
-            <a:schemeClr val="accent1">
-              <a:shade val="50000"/>
-            </a:schemeClr>
-          </a:lnRef>
-          <a:fillRef idx="1001">
-            <a:schemeClr val="dk2"/>
-          </a:fillRef>
-          <a:effectRef idx="0">
-            <a:schemeClr val="accent1"/>
-          </a:effectRef>
-          <a:fontRef idx="minor">
-            <a:schemeClr val="lt1"/>
-          </a:fontRef>
-        </p:style>
-        <p:txBody>
-          <a:bodyPr rot="0" spcFirstLastPara="0" vertOverflow="overflow" horzOverflow="overflow" vert="horz" wrap="square" lIns="91440" tIns="45720" rIns="91440" bIns="45720" numCol="1" spcCol="0" rtlCol="0" fromWordArt="0" anchor="ctr" anchorCtr="0" forceAA="0" compatLnSpc="1">
-            <a:prstTxWarp prst="textNoShape">
-              <a:avLst/>
-            </a:prstTxWarp>
-            <a:noAutofit/>
-          </a:bodyPr>
-          <a:lstStyle/>
-          <a:p>
-            <a:pPr algn="ctr"/>
-            <a:r>
-              <a:rPr lang="bg-BG" sz="2400" b="1" dirty="0">
-                <a:solidFill>
-                  <a:srgbClr val="FFFFFF"/>
-                </a:solidFill>
-                <a:effectLst>
-                  <a:outerShdw blurRad="38100" dist="38100" dir="2700000" algn="tl">
-                    <a:srgbClr val="000000">
-                      <a:alpha val="43137"/>
-                    </a:srgbClr>
-                  </a:outerShdw>
-                </a:effectLst>
-              </a:rPr>
-              <a:t>главна форма за лекари</a:t>
-            </a:r>
-            <a:endParaRPr lang="en-US" sz="2400" b="1" dirty="0">
-              <a:solidFill>
-                <a:srgbClr val="FFFFFF"/>
-              </a:solidFill>
-              <a:effectLst>
-                <a:outerShdw blurRad="38100" dist="38100" dir="2700000" algn="tl">
-                  <a:srgbClr val="000000">
-                    <a:alpha val="43137"/>
-                  </a:srgbClr>
-                </a:outerShdw>
-              </a:effectLst>
-            </a:endParaRPr>
-          </a:p>
-        </p:txBody>
-      </p:sp>
-      <p:sp>
-        <p:nvSpPr>
-          <p:cNvPr id="5" name="Rectangle: Rounded Corners 4">
-            <a:extLst>
-              <a:ext uri="{FF2B5EF4-FFF2-40B4-BE49-F238E27FC236}">
-                <a16:creationId xmlns:a16="http://schemas.microsoft.com/office/drawing/2014/main" id="{F8839F0C-4538-DE73-E49C-9B9E819C86FE}"/>
-              </a:ext>
-            </a:extLst>
-          </p:cNvPr>
-          <p:cNvSpPr/>
-          <p:nvPr/>
-        </p:nvSpPr>
-        <p:spPr bwMode="auto">
-          <a:xfrm>
-            <a:off x="4341000" y="1449000"/>
-            <a:ext cx="2243819" cy="920909"/>
-          </a:xfrm>
-          <a:prstGeom prst="roundRect">
-            <a:avLst/>
-          </a:prstGeom>
-          <a:solidFill>
-            <a:schemeClr val="dk2">
-              <a:alpha val="80000"/>
-            </a:schemeClr>
-          </a:solidFill>
-          <a:ln w="19050">
-            <a:solidFill>
-              <a:schemeClr val="tx1">
-                <a:lumMod val="75000"/>
-                <a:alpha val="80000"/>
-              </a:schemeClr>
-            </a:solidFill>
-          </a:ln>
-          <a:effectLst/>
-        </p:spPr>
-        <p:style>
-          <a:lnRef idx="2">
-            <a:schemeClr val="accent1">
-              <a:shade val="50000"/>
-            </a:schemeClr>
-          </a:lnRef>
-          <a:fillRef idx="1001">
-            <a:schemeClr val="dk2"/>
-          </a:fillRef>
-          <a:effectRef idx="0">
-            <a:schemeClr val="accent1"/>
-          </a:effectRef>
-          <a:fontRef idx="minor">
-            <a:schemeClr val="lt1"/>
-          </a:fontRef>
-        </p:style>
-        <p:txBody>
-          <a:bodyPr rot="0" spcFirstLastPara="0" vertOverflow="overflow" horzOverflow="overflow" vert="horz" wrap="square" lIns="91440" tIns="45720" rIns="91440" bIns="45720" numCol="1" spcCol="0" rtlCol="0" fromWordArt="0" anchor="ctr" anchorCtr="0" forceAA="0" compatLnSpc="1">
-            <a:prstTxWarp prst="textNoShape">
-              <a:avLst/>
-            </a:prstTxWarp>
-            <a:noAutofit/>
-          </a:bodyPr>
-          <a:lstStyle/>
-          <a:p>
-            <a:pPr algn="ctr"/>
-            <a:r>
-              <a:rPr lang="bg-BG" sz="2400" b="1" dirty="0">
-                <a:solidFill>
-                  <a:srgbClr val="FFFFFF"/>
-                </a:solidFill>
-                <a:effectLst>
-                  <a:outerShdw blurRad="38100" dist="38100" dir="2700000" algn="tl">
-                    <a:srgbClr val="000000">
-                      <a:alpha val="43137"/>
-                    </a:srgbClr>
-                  </a:outerShdw>
-                </a:effectLst>
-              </a:rPr>
-              <a:t>вход в приложението</a:t>
-            </a:r>
-            <a:endParaRPr lang="en-US" sz="2400" b="1" dirty="0">
-              <a:solidFill>
-                <a:srgbClr val="FFFFFF"/>
-              </a:solidFill>
-              <a:effectLst>
-                <a:outerShdw blurRad="38100" dist="38100" dir="2700000" algn="tl">
-                  <a:srgbClr val="000000">
-                    <a:alpha val="43137"/>
-                  </a:srgbClr>
-                </a:outerShdw>
-              </a:effectLst>
-            </a:endParaRPr>
-          </a:p>
-        </p:txBody>
-      </p:sp>
-      <p:sp>
-        <p:nvSpPr>
-          <p:cNvPr id="6" name="Rectangle: Rounded Corners 5">
-            <a:extLst>
-              <a:ext uri="{FF2B5EF4-FFF2-40B4-BE49-F238E27FC236}">
-                <a16:creationId xmlns:a16="http://schemas.microsoft.com/office/drawing/2014/main" id="{5059EBDF-0317-D630-2E09-8DE5F3028091}"/>
-              </a:ext>
-            </a:extLst>
-          </p:cNvPr>
-          <p:cNvSpPr/>
-          <p:nvPr/>
-        </p:nvSpPr>
-        <p:spPr bwMode="auto">
-          <a:xfrm>
-            <a:off x="7143318" y="2876481"/>
-            <a:ext cx="2243819" cy="920909"/>
-          </a:xfrm>
-          <a:prstGeom prst="roundRect">
-            <a:avLst/>
-          </a:prstGeom>
-          <a:solidFill>
-            <a:schemeClr val="dk2">
-              <a:alpha val="80000"/>
-            </a:schemeClr>
-          </a:solidFill>
-          <a:ln w="19050">
-            <a:solidFill>
-              <a:schemeClr val="tx1">
-                <a:lumMod val="75000"/>
-                <a:alpha val="80000"/>
-              </a:schemeClr>
-            </a:solidFill>
-          </a:ln>
-          <a:effectLst/>
-        </p:spPr>
-        <p:style>
-          <a:lnRef idx="2">
-            <a:schemeClr val="accent1">
-              <a:shade val="50000"/>
-            </a:schemeClr>
-          </a:lnRef>
-          <a:fillRef idx="1001">
-            <a:schemeClr val="dk2"/>
-          </a:fillRef>
-          <a:effectRef idx="0">
-            <a:schemeClr val="accent1"/>
-          </a:effectRef>
-          <a:fontRef idx="minor">
-            <a:schemeClr val="lt1"/>
-          </a:fontRef>
-        </p:style>
-        <p:txBody>
-          <a:bodyPr rot="0" spcFirstLastPara="0" vertOverflow="overflow" horzOverflow="overflow" vert="horz" wrap="square" lIns="91440" tIns="45720" rIns="91440" bIns="45720" numCol="1" spcCol="0" rtlCol="0" fromWordArt="0" anchor="ctr" anchorCtr="0" forceAA="0" compatLnSpc="1">
-            <a:prstTxWarp prst="textNoShape">
-              <a:avLst/>
-            </a:prstTxWarp>
-            <a:noAutofit/>
-          </a:bodyPr>
-          <a:lstStyle/>
-          <a:p>
-            <a:pPr algn="ctr"/>
-            <a:r>
-              <a:rPr lang="bg-BG" sz="2400" b="1" dirty="0">
-                <a:solidFill>
-                  <a:srgbClr val="FFFFFF"/>
-                </a:solidFill>
-                <a:effectLst>
-                  <a:outerShdw blurRad="38100" dist="38100" dir="2700000" algn="tl">
-                    <a:srgbClr val="000000">
-                      <a:alpha val="43137"/>
-                    </a:srgbClr>
-                  </a:outerShdw>
-                </a:effectLst>
-              </a:rPr>
-              <a:t>главна форма за админи</a:t>
-            </a:r>
-            <a:endParaRPr lang="en-US" sz="2400" b="1" dirty="0">
-              <a:solidFill>
-                <a:srgbClr val="FFFFFF"/>
-              </a:solidFill>
-              <a:effectLst>
-                <a:outerShdw blurRad="38100" dist="38100" dir="2700000" algn="tl">
-                  <a:srgbClr val="000000">
-                    <a:alpha val="43137"/>
-                  </a:srgbClr>
-                </a:outerShdw>
-              </a:effectLst>
-            </a:endParaRPr>
-          </a:p>
-        </p:txBody>
-      </p:sp>
-      <p:cxnSp>
-        <p:nvCxnSpPr>
-          <p:cNvPr id="9" name="Straight Arrow Connector 8">
-            <a:extLst>
-              <a:ext uri="{FF2B5EF4-FFF2-40B4-BE49-F238E27FC236}">
-                <a16:creationId xmlns:a16="http://schemas.microsoft.com/office/drawing/2014/main" id="{2BA5F39F-5A84-88EF-0407-8469C5DE9BB5}"/>
-              </a:ext>
-            </a:extLst>
-          </p:cNvPr>
-          <p:cNvCxnSpPr>
-            <a:stCxn id="5" idx="2"/>
-            <a:endCxn id="3" idx="0"/>
-          </p:cNvCxnSpPr>
-          <p:nvPr/>
-        </p:nvCxnSpPr>
-        <p:spPr>
-          <a:xfrm rot="5400000">
-            <a:off x="3617057" y="1065762"/>
-            <a:ext cx="541706" cy="3150000"/>
-          </a:xfrm>
-          <a:prstGeom prst="bentConnector3">
-            <a:avLst>
-              <a:gd name="adj1" fmla="val 50000"/>
-            </a:avLst>
-          </a:prstGeom>
-          <a:ln w="38100" cap="flat" cmpd="sng" algn="ctr">
-            <a:solidFill>
-              <a:schemeClr val="dk1"/>
-            </a:solidFill>
-            <a:prstDash val="solid"/>
-            <a:round/>
-            <a:headEnd type="none" w="med" len="med"/>
-            <a:tailEnd type="arrow" w="med" len="med"/>
-          </a:ln>
-        </p:spPr>
-        <p:style>
-          <a:lnRef idx="0">
-            <a:scrgbClr r="0" g="0" b="0"/>
-          </a:lnRef>
-          <a:fillRef idx="0">
-            <a:scrgbClr r="0" g="0" b="0"/>
-          </a:fillRef>
-          <a:effectRef idx="0">
-            <a:scrgbClr r="0" g="0" b="0"/>
-          </a:effectRef>
-          <a:fontRef idx="minor">
-            <a:schemeClr val="tx1"/>
-          </a:fontRef>
-        </p:style>
-      </p:cxnSp>
-      <p:cxnSp>
-        <p:nvCxnSpPr>
-          <p:cNvPr id="10" name="Straight Arrow Connector 9">
-            <a:extLst>
-              <a:ext uri="{FF2B5EF4-FFF2-40B4-BE49-F238E27FC236}">
-                <a16:creationId xmlns:a16="http://schemas.microsoft.com/office/drawing/2014/main" id="{A8F21238-56D1-0C84-76C0-35AD5E10C187}"/>
-              </a:ext>
-            </a:extLst>
-          </p:cNvPr>
-          <p:cNvCxnSpPr>
-            <a:cxnSpLocks/>
-            <a:stCxn id="5" idx="2"/>
-            <a:endCxn id="6" idx="0"/>
-          </p:cNvCxnSpPr>
-          <p:nvPr/>
-        </p:nvCxnSpPr>
-        <p:spPr>
-          <a:xfrm rot="16200000" flipH="1">
-            <a:off x="6610783" y="1222036"/>
-            <a:ext cx="506572" cy="2802318"/>
-          </a:xfrm>
-          <a:prstGeom prst="bentConnector3">
-            <a:avLst>
-              <a:gd name="adj1" fmla="val 50000"/>
-            </a:avLst>
-          </a:prstGeom>
-          <a:ln w="38100" cap="flat" cmpd="sng" algn="ctr">
-            <a:solidFill>
-              <a:schemeClr val="dk1"/>
-            </a:solidFill>
-            <a:prstDash val="solid"/>
-            <a:round/>
-            <a:headEnd type="none" w="med" len="med"/>
-            <a:tailEnd type="arrow" w="med" len="med"/>
-          </a:ln>
-        </p:spPr>
-        <p:style>
-          <a:lnRef idx="0">
-            <a:scrgbClr r="0" g="0" b="0"/>
-          </a:lnRef>
-          <a:fillRef idx="0">
-            <a:scrgbClr r="0" g="0" b="0"/>
-          </a:fillRef>
-          <a:effectRef idx="0">
-            <a:scrgbClr r="0" g="0" b="0"/>
-          </a:effectRef>
-          <a:fontRef idx="minor">
-            <a:schemeClr val="tx1"/>
-          </a:fontRef>
-        </p:style>
-      </p:cxnSp>
-      <p:sp>
-        <p:nvSpPr>
-          <p:cNvPr id="13" name="Rectangle: Rounded Corners 12">
-            <a:extLst>
-              <a:ext uri="{FF2B5EF4-FFF2-40B4-BE49-F238E27FC236}">
-                <a16:creationId xmlns:a16="http://schemas.microsoft.com/office/drawing/2014/main" id="{A9EB0740-9357-670C-BA1A-7A72AD8A104A}"/>
-              </a:ext>
-            </a:extLst>
-          </p:cNvPr>
-          <p:cNvSpPr/>
-          <p:nvPr/>
-        </p:nvSpPr>
-        <p:spPr bwMode="auto">
-          <a:xfrm>
-            <a:off x="381000" y="4334564"/>
-            <a:ext cx="1624625" cy="920909"/>
-          </a:xfrm>
-          <a:prstGeom prst="roundRect">
-            <a:avLst/>
-          </a:prstGeom>
-          <a:solidFill>
-            <a:schemeClr val="dk2">
-              <a:alpha val="80000"/>
-            </a:schemeClr>
-          </a:solidFill>
-          <a:ln w="19050">
-            <a:solidFill>
-              <a:schemeClr val="tx1">
-                <a:lumMod val="75000"/>
-                <a:alpha val="80000"/>
-              </a:schemeClr>
-            </a:solidFill>
-          </a:ln>
-          <a:effectLst/>
-        </p:spPr>
-        <p:style>
-          <a:lnRef idx="2">
-            <a:schemeClr val="accent1">
-              <a:shade val="50000"/>
-            </a:schemeClr>
-          </a:lnRef>
-          <a:fillRef idx="1001">
-            <a:schemeClr val="dk2"/>
-          </a:fillRef>
-          <a:effectRef idx="0">
-            <a:schemeClr val="accent1"/>
-          </a:effectRef>
-          <a:fontRef idx="minor">
-            <a:schemeClr val="lt1"/>
-          </a:fontRef>
-        </p:style>
-        <p:txBody>
-          <a:bodyPr rot="0" spcFirstLastPara="0" vertOverflow="overflow" horzOverflow="overflow" vert="horz" wrap="square" lIns="91440" tIns="45720" rIns="91440" bIns="45720" numCol="1" spcCol="0" rtlCol="0" fromWordArt="0" anchor="ctr" anchorCtr="0" forceAA="0" compatLnSpc="1">
-            <a:prstTxWarp prst="textNoShape">
-              <a:avLst/>
-            </a:prstTxWarp>
-            <a:noAutofit/>
-          </a:bodyPr>
-          <a:lstStyle/>
-          <a:p>
-            <a:pPr algn="ctr"/>
-            <a:r>
-              <a:rPr lang="bg-BG" sz="2400" b="1" dirty="0">
-                <a:solidFill>
-                  <a:srgbClr val="FFFFFF"/>
-                </a:solidFill>
-                <a:effectLst>
-                  <a:outerShdw blurRad="38100" dist="38100" dir="2700000" algn="tl">
-                    <a:srgbClr val="000000">
-                      <a:alpha val="43137"/>
-                    </a:srgbClr>
-                  </a:outerShdw>
-                </a:effectLst>
-              </a:rPr>
-              <a:t>форма за пациенти</a:t>
-            </a:r>
-            <a:endParaRPr lang="en-US" sz="2400" b="1" dirty="0">
-              <a:solidFill>
-                <a:srgbClr val="FFFFFF"/>
-              </a:solidFill>
-              <a:effectLst>
-                <a:outerShdw blurRad="38100" dist="38100" dir="2700000" algn="tl">
-                  <a:srgbClr val="000000">
-                    <a:alpha val="43137"/>
-                  </a:srgbClr>
-                </a:outerShdw>
-              </a:effectLst>
-            </a:endParaRPr>
-          </a:p>
-        </p:txBody>
-      </p:sp>
-      <p:sp>
-        <p:nvSpPr>
-          <p:cNvPr id="14" name="Rectangle: Rounded Corners 13">
-            <a:extLst>
-              <a:ext uri="{FF2B5EF4-FFF2-40B4-BE49-F238E27FC236}">
-                <a16:creationId xmlns:a16="http://schemas.microsoft.com/office/drawing/2014/main" id="{DF0B9F73-1B59-6665-CDDD-AE9D314DAAC4}"/>
-              </a:ext>
-            </a:extLst>
-          </p:cNvPr>
-          <p:cNvSpPr/>
-          <p:nvPr/>
-        </p:nvSpPr>
-        <p:spPr bwMode="auto">
-          <a:xfrm>
-            <a:off x="2421908" y="4344944"/>
-            <a:ext cx="1624625" cy="920909"/>
-          </a:xfrm>
-          <a:prstGeom prst="roundRect">
-            <a:avLst/>
-          </a:prstGeom>
-          <a:solidFill>
-            <a:schemeClr val="dk2">
-              <a:alpha val="80000"/>
-            </a:schemeClr>
-          </a:solidFill>
-          <a:ln w="19050">
-            <a:solidFill>
-              <a:schemeClr val="tx1">
-                <a:lumMod val="75000"/>
-                <a:alpha val="80000"/>
-              </a:schemeClr>
-            </a:solidFill>
-          </a:ln>
-          <a:effectLst/>
-        </p:spPr>
-        <p:style>
-          <a:lnRef idx="2">
-            <a:schemeClr val="accent1">
-              <a:shade val="50000"/>
-            </a:schemeClr>
-          </a:lnRef>
-          <a:fillRef idx="1001">
-            <a:schemeClr val="dk2"/>
-          </a:fillRef>
-          <a:effectRef idx="0">
-            <a:schemeClr val="accent1"/>
-          </a:effectRef>
-          <a:fontRef idx="minor">
-            <a:schemeClr val="lt1"/>
-          </a:fontRef>
-        </p:style>
-        <p:txBody>
-          <a:bodyPr rot="0" spcFirstLastPara="0" vertOverflow="overflow" horzOverflow="overflow" vert="horz" wrap="square" lIns="91440" tIns="45720" rIns="91440" bIns="45720" numCol="1" spcCol="0" rtlCol="0" fromWordArt="0" anchor="ctr" anchorCtr="0" forceAA="0" compatLnSpc="1">
-            <a:prstTxWarp prst="textNoShape">
-              <a:avLst/>
-            </a:prstTxWarp>
-            <a:noAutofit/>
-          </a:bodyPr>
-          <a:lstStyle/>
-          <a:p>
-            <a:pPr algn="ctr"/>
-            <a:r>
-              <a:rPr lang="bg-BG" sz="2400" b="1" dirty="0">
-                <a:solidFill>
-                  <a:srgbClr val="FFFFFF"/>
-                </a:solidFill>
-                <a:effectLst>
-                  <a:outerShdw blurRad="38100" dist="38100" dir="2700000" algn="tl">
-                    <a:srgbClr val="000000">
-                      <a:alpha val="43137"/>
-                    </a:srgbClr>
-                  </a:outerShdw>
-                </a:effectLst>
-              </a:rPr>
-              <a:t>форма за прегледи</a:t>
-            </a:r>
-            <a:endParaRPr lang="en-US" sz="2400" b="1" dirty="0">
-              <a:solidFill>
-                <a:srgbClr val="FFFFFF"/>
-              </a:solidFill>
-              <a:effectLst>
-                <a:outerShdw blurRad="38100" dist="38100" dir="2700000" algn="tl">
-                  <a:srgbClr val="000000">
-                    <a:alpha val="43137"/>
-                  </a:srgbClr>
-                </a:outerShdw>
-              </a:effectLst>
-            </a:endParaRPr>
-          </a:p>
-        </p:txBody>
-      </p:sp>
-      <p:cxnSp>
-        <p:nvCxnSpPr>
-          <p:cNvPr id="15" name="Straight Arrow Connector 9">
-            <a:extLst>
-              <a:ext uri="{FF2B5EF4-FFF2-40B4-BE49-F238E27FC236}">
-                <a16:creationId xmlns:a16="http://schemas.microsoft.com/office/drawing/2014/main" id="{4EB546CE-7B54-9EF6-EA7F-F6475C60D3C9}"/>
-              </a:ext>
-            </a:extLst>
-          </p:cNvPr>
-          <p:cNvCxnSpPr>
-            <a:cxnSpLocks/>
-            <a:stCxn id="3" idx="2"/>
-            <a:endCxn id="13" idx="0"/>
-          </p:cNvCxnSpPr>
-          <p:nvPr/>
-        </p:nvCxnSpPr>
-        <p:spPr>
-          <a:xfrm rot="5400000">
-            <a:off x="1502092" y="3523746"/>
-            <a:ext cx="502040" cy="1119597"/>
-          </a:xfrm>
-          <a:prstGeom prst="bentConnector3">
-            <a:avLst>
-              <a:gd name="adj1" fmla="val 50000"/>
-            </a:avLst>
-          </a:prstGeom>
-          <a:ln w="38100" cap="flat" cmpd="sng" algn="ctr">
-            <a:solidFill>
-              <a:schemeClr val="dk1"/>
-            </a:solidFill>
-            <a:prstDash val="solid"/>
-            <a:round/>
-            <a:headEnd type="none" w="med" len="med"/>
-            <a:tailEnd type="arrow" w="med" len="med"/>
-          </a:ln>
-        </p:spPr>
-        <p:style>
-          <a:lnRef idx="0">
-            <a:scrgbClr r="0" g="0" b="0"/>
-          </a:lnRef>
-          <a:fillRef idx="0">
-            <a:scrgbClr r="0" g="0" b="0"/>
-          </a:fillRef>
-          <a:effectRef idx="0">
-            <a:scrgbClr r="0" g="0" b="0"/>
-          </a:effectRef>
-          <a:fontRef idx="minor">
-            <a:schemeClr val="tx1"/>
-          </a:fontRef>
-        </p:style>
-      </p:cxnSp>
-      <p:cxnSp>
-        <p:nvCxnSpPr>
-          <p:cNvPr id="18" name="Straight Arrow Connector 9">
-            <a:extLst>
-              <a:ext uri="{FF2B5EF4-FFF2-40B4-BE49-F238E27FC236}">
-                <a16:creationId xmlns:a16="http://schemas.microsoft.com/office/drawing/2014/main" id="{2863456E-5234-BEF1-CC8F-E69708C43EF2}"/>
-              </a:ext>
-            </a:extLst>
-          </p:cNvPr>
-          <p:cNvCxnSpPr>
-            <a:cxnSpLocks/>
-            <a:stCxn id="13" idx="3"/>
-            <a:endCxn id="14" idx="1"/>
-          </p:cNvCxnSpPr>
-          <p:nvPr/>
-        </p:nvCxnSpPr>
-        <p:spPr>
-          <a:xfrm>
-            <a:off x="2005625" y="4795019"/>
-            <a:ext cx="416283" cy="10380"/>
-          </a:xfrm>
-          <a:prstGeom prst="bentConnector3">
-            <a:avLst>
-              <a:gd name="adj1" fmla="val 50000"/>
-            </a:avLst>
-          </a:prstGeom>
-          <a:ln w="38100" cap="flat" cmpd="sng" algn="ctr">
-            <a:solidFill>
-              <a:schemeClr val="dk1"/>
-            </a:solidFill>
-            <a:prstDash val="solid"/>
-            <a:round/>
-            <a:headEnd type="none" w="med" len="med"/>
-            <a:tailEnd type="arrow" w="med" len="med"/>
-          </a:ln>
-        </p:spPr>
-        <p:style>
-          <a:lnRef idx="0">
-            <a:scrgbClr r="0" g="0" b="0"/>
-          </a:lnRef>
-          <a:fillRef idx="0">
-            <a:scrgbClr r="0" g="0" b="0"/>
-          </a:fillRef>
-          <a:effectRef idx="0">
-            <a:scrgbClr r="0" g="0" b="0"/>
-          </a:effectRef>
-          <a:fontRef idx="minor">
-            <a:schemeClr val="tx1"/>
-          </a:fontRef>
-        </p:style>
-      </p:cxnSp>
-      <p:sp>
-        <p:nvSpPr>
-          <p:cNvPr id="21" name="Rectangle: Rounded Corners 20">
-            <a:extLst>
-              <a:ext uri="{FF2B5EF4-FFF2-40B4-BE49-F238E27FC236}">
-                <a16:creationId xmlns:a16="http://schemas.microsoft.com/office/drawing/2014/main" id="{E3089070-811F-9C23-B2DD-0F43DE45729D}"/>
-              </a:ext>
-            </a:extLst>
-          </p:cNvPr>
-          <p:cNvSpPr/>
-          <p:nvPr/>
-        </p:nvSpPr>
-        <p:spPr bwMode="auto">
-          <a:xfrm>
-            <a:off x="4429674" y="4349458"/>
-            <a:ext cx="1624625" cy="920909"/>
-          </a:xfrm>
-          <a:prstGeom prst="roundRect">
-            <a:avLst/>
-          </a:prstGeom>
-          <a:solidFill>
-            <a:schemeClr val="dk2">
-              <a:alpha val="80000"/>
-            </a:schemeClr>
-          </a:solidFill>
-          <a:ln w="19050">
-            <a:solidFill>
-              <a:schemeClr val="tx1">
-                <a:lumMod val="75000"/>
-                <a:alpha val="80000"/>
-              </a:schemeClr>
-            </a:solidFill>
-          </a:ln>
-          <a:effectLst/>
-        </p:spPr>
-        <p:style>
-          <a:lnRef idx="2">
-            <a:schemeClr val="accent1">
-              <a:shade val="50000"/>
-            </a:schemeClr>
-          </a:lnRef>
-          <a:fillRef idx="1001">
-            <a:schemeClr val="dk2"/>
-          </a:fillRef>
-          <a:effectRef idx="0">
-            <a:schemeClr val="accent1"/>
-          </a:effectRef>
-          <a:fontRef idx="minor">
-            <a:schemeClr val="lt1"/>
-          </a:fontRef>
-        </p:style>
-        <p:txBody>
-          <a:bodyPr rot="0" spcFirstLastPara="0" vertOverflow="overflow" horzOverflow="overflow" vert="horz" wrap="square" lIns="91440" tIns="45720" rIns="91440" bIns="45720" numCol="1" spcCol="0" rtlCol="0" fromWordArt="0" anchor="ctr" anchorCtr="0" forceAA="0" compatLnSpc="1">
-            <a:prstTxWarp prst="textNoShape">
-              <a:avLst/>
-            </a:prstTxWarp>
-            <a:noAutofit/>
-          </a:bodyPr>
-          <a:lstStyle/>
-          <a:p>
-            <a:pPr algn="ctr"/>
-            <a:r>
-              <a:rPr lang="bg-BG" sz="2400" b="1" dirty="0">
-                <a:solidFill>
-                  <a:srgbClr val="FFFFFF"/>
-                </a:solidFill>
-                <a:effectLst>
-                  <a:outerShdw blurRad="38100" dist="38100" dir="2700000" algn="tl">
-                    <a:srgbClr val="000000">
-                      <a:alpha val="43137"/>
-                    </a:srgbClr>
-                  </a:outerShdw>
-                </a:effectLst>
-              </a:rPr>
-              <a:t>форма за пациенти</a:t>
-            </a:r>
-            <a:endParaRPr lang="en-US" sz="2400" b="1" dirty="0">
-              <a:solidFill>
-                <a:srgbClr val="FFFFFF"/>
-              </a:solidFill>
-              <a:effectLst>
-                <a:outerShdw blurRad="38100" dist="38100" dir="2700000" algn="tl">
-                  <a:srgbClr val="000000">
-                    <a:alpha val="43137"/>
-                  </a:srgbClr>
-                </a:outerShdw>
-              </a:effectLst>
-            </a:endParaRPr>
-          </a:p>
-        </p:txBody>
-      </p:sp>
-      <p:sp>
-        <p:nvSpPr>
-          <p:cNvPr id="22" name="Rectangle: Rounded Corners 21">
-            <a:extLst>
-              <a:ext uri="{FF2B5EF4-FFF2-40B4-BE49-F238E27FC236}">
-                <a16:creationId xmlns:a16="http://schemas.microsoft.com/office/drawing/2014/main" id="{E96092AC-53A3-5637-18AB-6576CD6382D3}"/>
-              </a:ext>
-            </a:extLst>
-          </p:cNvPr>
-          <p:cNvSpPr/>
-          <p:nvPr/>
-        </p:nvSpPr>
-        <p:spPr bwMode="auto">
-          <a:xfrm>
-            <a:off x="6331005" y="4344944"/>
-            <a:ext cx="1624625" cy="920909"/>
-          </a:xfrm>
-          <a:prstGeom prst="roundRect">
-            <a:avLst/>
-          </a:prstGeom>
-          <a:solidFill>
-            <a:schemeClr val="dk2">
-              <a:alpha val="80000"/>
-            </a:schemeClr>
-          </a:solidFill>
-          <a:ln w="19050">
-            <a:solidFill>
-              <a:schemeClr val="tx1">
-                <a:lumMod val="75000"/>
-                <a:alpha val="80000"/>
-              </a:schemeClr>
-            </a:solidFill>
-          </a:ln>
-          <a:effectLst/>
-        </p:spPr>
-        <p:style>
-          <a:lnRef idx="2">
-            <a:schemeClr val="accent1">
-              <a:shade val="50000"/>
-            </a:schemeClr>
-          </a:lnRef>
-          <a:fillRef idx="1001">
-            <a:schemeClr val="dk2"/>
-          </a:fillRef>
-          <a:effectRef idx="0">
-            <a:schemeClr val="accent1"/>
-          </a:effectRef>
-          <a:fontRef idx="minor">
-            <a:schemeClr val="lt1"/>
-          </a:fontRef>
-        </p:style>
-        <p:txBody>
-          <a:bodyPr rot="0" spcFirstLastPara="0" vertOverflow="overflow" horzOverflow="overflow" vert="horz" wrap="square" lIns="91440" tIns="45720" rIns="91440" bIns="45720" numCol="1" spcCol="0" rtlCol="0" fromWordArt="0" anchor="ctr" anchorCtr="0" forceAA="0" compatLnSpc="1">
-            <a:prstTxWarp prst="textNoShape">
-              <a:avLst/>
-            </a:prstTxWarp>
-            <a:noAutofit/>
-          </a:bodyPr>
-          <a:lstStyle/>
-          <a:p>
-            <a:pPr algn="ctr"/>
-            <a:r>
-              <a:rPr lang="bg-BG" sz="2400" b="1" dirty="0">
-                <a:solidFill>
-                  <a:srgbClr val="FFFFFF"/>
-                </a:solidFill>
-                <a:effectLst>
-                  <a:outerShdw blurRad="38100" dist="38100" dir="2700000" algn="tl">
-                    <a:srgbClr val="000000">
-                      <a:alpha val="43137"/>
-                    </a:srgbClr>
-                  </a:outerShdw>
-                </a:effectLst>
-              </a:rPr>
-              <a:t>форма за прегледи</a:t>
-            </a:r>
-            <a:endParaRPr lang="en-US" sz="2400" b="1" dirty="0">
-              <a:solidFill>
-                <a:srgbClr val="FFFFFF"/>
-              </a:solidFill>
-              <a:effectLst>
-                <a:outerShdw blurRad="38100" dist="38100" dir="2700000" algn="tl">
-                  <a:srgbClr val="000000">
-                    <a:alpha val="43137"/>
-                  </a:srgbClr>
-                </a:outerShdw>
-              </a:effectLst>
-            </a:endParaRPr>
-          </a:p>
-        </p:txBody>
-      </p:sp>
-      <p:cxnSp>
-        <p:nvCxnSpPr>
-          <p:cNvPr id="23" name="Straight Arrow Connector 9">
-            <a:extLst>
-              <a:ext uri="{FF2B5EF4-FFF2-40B4-BE49-F238E27FC236}">
-                <a16:creationId xmlns:a16="http://schemas.microsoft.com/office/drawing/2014/main" id="{310EF940-D9A6-661F-72B2-EE461AE6E162}"/>
-              </a:ext>
-            </a:extLst>
-          </p:cNvPr>
-          <p:cNvCxnSpPr>
-            <a:cxnSpLocks/>
-            <a:stCxn id="6" idx="2"/>
-            <a:endCxn id="21" idx="0"/>
-          </p:cNvCxnSpPr>
-          <p:nvPr/>
-        </p:nvCxnSpPr>
-        <p:spPr>
-          <a:xfrm rot="5400000">
-            <a:off x="6477574" y="2561804"/>
-            <a:ext cx="552068" cy="3023241"/>
-          </a:xfrm>
-          <a:prstGeom prst="bentConnector3">
-            <a:avLst>
-              <a:gd name="adj1" fmla="val 50000"/>
-            </a:avLst>
-          </a:prstGeom>
-          <a:ln w="38100" cap="flat" cmpd="sng" algn="ctr">
-            <a:solidFill>
-              <a:schemeClr val="dk1"/>
-            </a:solidFill>
-            <a:prstDash val="solid"/>
-            <a:round/>
-            <a:headEnd type="none" w="med" len="med"/>
-            <a:tailEnd type="arrow" w="med" len="med"/>
-          </a:ln>
-        </p:spPr>
-        <p:style>
-          <a:lnRef idx="0">
-            <a:scrgbClr r="0" g="0" b="0"/>
-          </a:lnRef>
-          <a:fillRef idx="0">
-            <a:scrgbClr r="0" g="0" b="0"/>
-          </a:fillRef>
-          <a:effectRef idx="0">
-            <a:scrgbClr r="0" g="0" b="0"/>
-          </a:effectRef>
-          <a:fontRef idx="minor">
-            <a:schemeClr val="tx1"/>
-          </a:fontRef>
-        </p:style>
-      </p:cxnSp>
-      <p:cxnSp>
-        <p:nvCxnSpPr>
-          <p:cNvPr id="24" name="Straight Arrow Connector 9">
-            <a:extLst>
-              <a:ext uri="{FF2B5EF4-FFF2-40B4-BE49-F238E27FC236}">
-                <a16:creationId xmlns:a16="http://schemas.microsoft.com/office/drawing/2014/main" id="{090CE504-6C22-C99A-C518-30D9AF6744A4}"/>
-              </a:ext>
-            </a:extLst>
-          </p:cNvPr>
-          <p:cNvCxnSpPr>
-            <a:cxnSpLocks/>
-            <a:stCxn id="6" idx="2"/>
-            <a:endCxn id="22" idx="0"/>
-          </p:cNvCxnSpPr>
-          <p:nvPr/>
-        </p:nvCxnSpPr>
-        <p:spPr>
-          <a:xfrm rot="5400000">
-            <a:off x="7430496" y="3510212"/>
-            <a:ext cx="547554" cy="1121910"/>
-          </a:xfrm>
-          <a:prstGeom prst="bentConnector3">
-            <a:avLst>
-              <a:gd name="adj1" fmla="val 50000"/>
-            </a:avLst>
-          </a:prstGeom>
-          <a:ln w="38100" cap="flat" cmpd="sng" algn="ctr">
-            <a:solidFill>
-              <a:schemeClr val="dk1"/>
-            </a:solidFill>
-            <a:prstDash val="solid"/>
-            <a:round/>
-            <a:headEnd type="none" w="med" len="med"/>
-            <a:tailEnd type="arrow" w="med" len="med"/>
-          </a:ln>
-        </p:spPr>
-        <p:style>
-          <a:lnRef idx="0">
-            <a:scrgbClr r="0" g="0" b="0"/>
-          </a:lnRef>
-          <a:fillRef idx="0">
-            <a:scrgbClr r="0" g="0" b="0"/>
-          </a:fillRef>
-          <a:effectRef idx="0">
-            <a:scrgbClr r="0" g="0" b="0"/>
-          </a:effectRef>
-          <a:fontRef idx="minor">
-            <a:schemeClr val="tx1"/>
-          </a:fontRef>
-        </p:style>
-      </p:cxnSp>
-      <p:sp>
-        <p:nvSpPr>
-          <p:cNvPr id="27" name="Rectangle: Rounded Corners 26">
-            <a:extLst>
-              <a:ext uri="{FF2B5EF4-FFF2-40B4-BE49-F238E27FC236}">
-                <a16:creationId xmlns:a16="http://schemas.microsoft.com/office/drawing/2014/main" id="{3B6E2D70-28BD-0D15-6084-957A858A64DB}"/>
-              </a:ext>
-            </a:extLst>
-          </p:cNvPr>
-          <p:cNvSpPr/>
-          <p:nvPr/>
-        </p:nvSpPr>
-        <p:spPr bwMode="auto">
-          <a:xfrm>
-            <a:off x="8232335" y="4344944"/>
-            <a:ext cx="1624625" cy="920909"/>
-          </a:xfrm>
-          <a:prstGeom prst="roundRect">
-            <a:avLst/>
-          </a:prstGeom>
-          <a:solidFill>
-            <a:schemeClr val="dk2">
-              <a:alpha val="80000"/>
-            </a:schemeClr>
-          </a:solidFill>
-          <a:ln w="19050">
-            <a:solidFill>
-              <a:schemeClr val="tx1">
-                <a:lumMod val="75000"/>
-                <a:alpha val="80000"/>
-              </a:schemeClr>
-            </a:solidFill>
-          </a:ln>
-          <a:effectLst/>
-        </p:spPr>
-        <p:style>
-          <a:lnRef idx="2">
-            <a:schemeClr val="accent1">
-              <a:shade val="50000"/>
-            </a:schemeClr>
-          </a:lnRef>
-          <a:fillRef idx="1001">
-            <a:schemeClr val="dk2"/>
-          </a:fillRef>
-          <a:effectRef idx="0">
-            <a:schemeClr val="accent1"/>
-          </a:effectRef>
-          <a:fontRef idx="minor">
-            <a:schemeClr val="lt1"/>
-          </a:fontRef>
-        </p:style>
-        <p:txBody>
-          <a:bodyPr rot="0" spcFirstLastPara="0" vertOverflow="overflow" horzOverflow="overflow" vert="horz" wrap="square" lIns="91440" tIns="45720" rIns="91440" bIns="45720" numCol="1" spcCol="0" rtlCol="0" fromWordArt="0" anchor="ctr" anchorCtr="0" forceAA="0" compatLnSpc="1">
-            <a:prstTxWarp prst="textNoShape">
-              <a:avLst/>
-            </a:prstTxWarp>
-            <a:noAutofit/>
-          </a:bodyPr>
-          <a:lstStyle/>
-          <a:p>
-            <a:pPr algn="ctr"/>
-            <a:r>
-              <a:rPr lang="bg-BG" sz="2400" b="1" dirty="0">
-                <a:solidFill>
-                  <a:srgbClr val="FFFFFF"/>
-                </a:solidFill>
-                <a:effectLst>
-                  <a:outerShdw blurRad="38100" dist="38100" dir="2700000" algn="tl">
-                    <a:srgbClr val="000000">
-                      <a:alpha val="43137"/>
-                    </a:srgbClr>
-                  </a:outerShdw>
-                </a:effectLst>
-              </a:rPr>
-              <a:t>форма за лекари</a:t>
-            </a:r>
-            <a:endParaRPr lang="en-US" sz="2400" b="1" dirty="0">
-              <a:solidFill>
-                <a:srgbClr val="FFFFFF"/>
-              </a:solidFill>
-              <a:effectLst>
-                <a:outerShdw blurRad="38100" dist="38100" dir="2700000" algn="tl">
-                  <a:srgbClr val="000000">
-                    <a:alpha val="43137"/>
-                  </a:srgbClr>
-                </a:outerShdw>
-              </a:effectLst>
-            </a:endParaRPr>
-          </a:p>
-        </p:txBody>
-      </p:sp>
-      <p:cxnSp>
-        <p:nvCxnSpPr>
-          <p:cNvPr id="28" name="Straight Arrow Connector 9">
-            <a:extLst>
-              <a:ext uri="{FF2B5EF4-FFF2-40B4-BE49-F238E27FC236}">
-                <a16:creationId xmlns:a16="http://schemas.microsoft.com/office/drawing/2014/main" id="{79E7371D-F8AF-FD3C-9337-A03C468C6549}"/>
-              </a:ext>
-            </a:extLst>
-          </p:cNvPr>
-          <p:cNvCxnSpPr>
-            <a:cxnSpLocks/>
-            <a:stCxn id="6" idx="2"/>
-            <a:endCxn id="27" idx="0"/>
-          </p:cNvCxnSpPr>
-          <p:nvPr/>
-        </p:nvCxnSpPr>
-        <p:spPr>
-          <a:xfrm rot="16200000" flipH="1">
-            <a:off x="8381161" y="3681457"/>
-            <a:ext cx="547554" cy="779420"/>
-          </a:xfrm>
-          <a:prstGeom prst="bentConnector3">
-            <a:avLst>
-              <a:gd name="adj1" fmla="val 50000"/>
-            </a:avLst>
-          </a:prstGeom>
-          <a:ln w="38100" cap="flat" cmpd="sng" algn="ctr">
-            <a:solidFill>
-              <a:schemeClr val="dk1"/>
-            </a:solidFill>
-            <a:prstDash val="solid"/>
-            <a:round/>
-            <a:headEnd type="none" w="med" len="med"/>
-            <a:tailEnd type="arrow" w="med" len="med"/>
-          </a:ln>
-        </p:spPr>
-        <p:style>
-          <a:lnRef idx="0">
-            <a:scrgbClr r="0" g="0" b="0"/>
-          </a:lnRef>
-          <a:fillRef idx="0">
-            <a:scrgbClr r="0" g="0" b="0"/>
-          </a:fillRef>
-          <a:effectRef idx="0">
-            <a:scrgbClr r="0" g="0" b="0"/>
-          </a:effectRef>
-          <a:fontRef idx="minor">
-            <a:schemeClr val="tx1"/>
-          </a:fontRef>
-        </p:style>
-      </p:cxnSp>
-      <p:sp>
-        <p:nvSpPr>
-          <p:cNvPr id="36" name="Rectangle: Rounded Corners 35">
-            <a:extLst>
-              <a:ext uri="{FF2B5EF4-FFF2-40B4-BE49-F238E27FC236}">
-                <a16:creationId xmlns:a16="http://schemas.microsoft.com/office/drawing/2014/main" id="{EE8F9B70-0641-B641-C074-160AB327622A}"/>
-              </a:ext>
-            </a:extLst>
-          </p:cNvPr>
-          <p:cNvSpPr/>
-          <p:nvPr/>
-        </p:nvSpPr>
-        <p:spPr bwMode="auto">
-          <a:xfrm>
-            <a:off x="10133665" y="4344944"/>
-            <a:ext cx="1624625" cy="920909"/>
-          </a:xfrm>
-          <a:prstGeom prst="roundRect">
-            <a:avLst/>
-          </a:prstGeom>
-          <a:solidFill>
-            <a:schemeClr val="dk2">
-              <a:alpha val="80000"/>
-            </a:schemeClr>
-          </a:solidFill>
-          <a:ln w="19050">
-            <a:solidFill>
-              <a:schemeClr val="tx1">
-                <a:lumMod val="75000"/>
-                <a:alpha val="80000"/>
-              </a:schemeClr>
-            </a:solidFill>
-          </a:ln>
-          <a:effectLst/>
-        </p:spPr>
-        <p:style>
-          <a:lnRef idx="2">
-            <a:schemeClr val="accent1">
-              <a:shade val="50000"/>
-            </a:schemeClr>
-          </a:lnRef>
-          <a:fillRef idx="1001">
-            <a:schemeClr val="dk2"/>
-          </a:fillRef>
-          <a:effectRef idx="0">
-            <a:schemeClr val="accent1"/>
-          </a:effectRef>
-          <a:fontRef idx="minor">
-            <a:schemeClr val="lt1"/>
-          </a:fontRef>
-        </p:style>
-        <p:txBody>
-          <a:bodyPr rot="0" spcFirstLastPara="0" vertOverflow="overflow" horzOverflow="overflow" vert="horz" wrap="square" lIns="91440" tIns="45720" rIns="91440" bIns="45720" numCol="1" spcCol="0" rtlCol="0" fromWordArt="0" anchor="ctr" anchorCtr="0" forceAA="0" compatLnSpc="1">
-            <a:prstTxWarp prst="textNoShape">
-              <a:avLst/>
-            </a:prstTxWarp>
-            <a:noAutofit/>
-          </a:bodyPr>
-          <a:lstStyle/>
-          <a:p>
-            <a:pPr algn="ctr"/>
-            <a:r>
-              <a:rPr lang="bg-BG" sz="2400" b="1" dirty="0">
-                <a:solidFill>
-                  <a:srgbClr val="FFFFFF"/>
-                </a:solidFill>
-                <a:effectLst>
-                  <a:outerShdw blurRad="38100" dist="38100" dir="2700000" algn="tl">
-                    <a:srgbClr val="000000">
-                      <a:alpha val="43137"/>
-                    </a:srgbClr>
-                  </a:outerShdw>
-                </a:effectLst>
-              </a:rPr>
-              <a:t>форма за админи</a:t>
-            </a:r>
-            <a:endParaRPr lang="en-US" sz="2400" b="1" dirty="0">
-              <a:solidFill>
-                <a:srgbClr val="FFFFFF"/>
-              </a:solidFill>
-              <a:effectLst>
-                <a:outerShdw blurRad="38100" dist="38100" dir="2700000" algn="tl">
-                  <a:srgbClr val="000000">
-                    <a:alpha val="43137"/>
-                  </a:srgbClr>
-                </a:outerShdw>
-              </a:effectLst>
-            </a:endParaRPr>
-          </a:p>
-        </p:txBody>
-      </p:sp>
-      <p:cxnSp>
-        <p:nvCxnSpPr>
-          <p:cNvPr id="37" name="Straight Arrow Connector 9">
-            <a:extLst>
-              <a:ext uri="{FF2B5EF4-FFF2-40B4-BE49-F238E27FC236}">
-                <a16:creationId xmlns:a16="http://schemas.microsoft.com/office/drawing/2014/main" id="{DD57E221-271E-D691-F899-13641EB72B52}"/>
-              </a:ext>
-            </a:extLst>
-          </p:cNvPr>
-          <p:cNvCxnSpPr>
-            <a:cxnSpLocks/>
-            <a:stCxn id="6" idx="2"/>
-            <a:endCxn id="36" idx="0"/>
-          </p:cNvCxnSpPr>
-          <p:nvPr/>
-        </p:nvCxnSpPr>
-        <p:spPr>
-          <a:xfrm rot="16200000" flipH="1">
-            <a:off x="9331826" y="2730792"/>
-            <a:ext cx="547554" cy="2680750"/>
-          </a:xfrm>
-          <a:prstGeom prst="bentConnector3">
-            <a:avLst>
-              <a:gd name="adj1" fmla="val 50000"/>
-            </a:avLst>
-          </a:prstGeom>
-          <a:ln w="38100" cap="flat" cmpd="sng" algn="ctr">
-            <a:solidFill>
-              <a:schemeClr val="dk1"/>
-            </a:solidFill>
-            <a:prstDash val="solid"/>
-            <a:round/>
-            <a:headEnd type="none" w="med" len="med"/>
-            <a:tailEnd type="arrow" w="med" len="med"/>
-          </a:ln>
-        </p:spPr>
-        <p:style>
-          <a:lnRef idx="0">
-            <a:scrgbClr r="0" g="0" b="0"/>
-          </a:lnRef>
-          <a:fillRef idx="0">
-            <a:scrgbClr r="0" g="0" b="0"/>
-          </a:fillRef>
-          <a:effectRef idx="0">
-            <a:scrgbClr r="0" g="0" b="0"/>
-          </a:effectRef>
-          <a:fontRef idx="minor">
-            <a:schemeClr val="tx1"/>
-          </a:fontRef>
-        </p:style>
-      </p:cxnSp>
-      <p:sp>
-        <p:nvSpPr>
-          <p:cNvPr id="58" name="Rectangle: Rounded Corners 57">
-            <a:extLst>
-              <a:ext uri="{FF2B5EF4-FFF2-40B4-BE49-F238E27FC236}">
-                <a16:creationId xmlns:a16="http://schemas.microsoft.com/office/drawing/2014/main" id="{7E27ACBF-6E1C-40F4-2A5C-B68D5CD29E8C}"/>
-              </a:ext>
-            </a:extLst>
-          </p:cNvPr>
-          <p:cNvSpPr/>
-          <p:nvPr/>
-        </p:nvSpPr>
-        <p:spPr bwMode="auto">
-          <a:xfrm>
-            <a:off x="381000" y="5647005"/>
-            <a:ext cx="1624625" cy="920909"/>
-          </a:xfrm>
-          <a:prstGeom prst="roundRect">
-            <a:avLst/>
-          </a:prstGeom>
-          <a:solidFill>
-            <a:schemeClr val="dk2">
-              <a:alpha val="80000"/>
-            </a:schemeClr>
-          </a:solidFill>
-          <a:ln w="19050">
-            <a:solidFill>
-              <a:schemeClr val="tx1">
-                <a:lumMod val="75000"/>
-                <a:alpha val="80000"/>
-              </a:schemeClr>
-            </a:solidFill>
-          </a:ln>
-          <a:effectLst/>
-        </p:spPr>
-        <p:style>
-          <a:lnRef idx="2">
-            <a:schemeClr val="accent1">
-              <a:shade val="50000"/>
-            </a:schemeClr>
-          </a:lnRef>
-          <a:fillRef idx="1001">
-            <a:schemeClr val="dk2"/>
-          </a:fillRef>
-          <a:effectRef idx="0">
-            <a:schemeClr val="accent1"/>
-          </a:effectRef>
-          <a:fontRef idx="minor">
-            <a:schemeClr val="lt1"/>
-          </a:fontRef>
-        </p:style>
-        <p:txBody>
-          <a:bodyPr rot="0" spcFirstLastPara="0" vertOverflow="overflow" horzOverflow="overflow" vert="horz" wrap="square" lIns="91440" tIns="45720" rIns="91440" bIns="45720" numCol="1" spcCol="0" rtlCol="0" fromWordArt="0" anchor="ctr" anchorCtr="0" forceAA="0" compatLnSpc="1">
-            <a:prstTxWarp prst="textNoShape">
-              <a:avLst/>
-            </a:prstTxWarp>
-            <a:noAutofit/>
-          </a:bodyPr>
-          <a:lstStyle/>
-          <a:p>
-            <a:pPr algn="ctr"/>
-            <a:r>
-              <a:rPr lang="bg-BG" sz="2000" b="1" dirty="0">
-                <a:solidFill>
-                  <a:srgbClr val="FFFFFF"/>
-                </a:solidFill>
-                <a:effectLst>
-                  <a:outerShdw blurRad="38100" dist="38100" dir="2700000" algn="tl">
-                    <a:srgbClr val="000000">
-                      <a:alpha val="43137"/>
-                    </a:srgbClr>
-                  </a:outerShdw>
-                </a:effectLst>
-              </a:rPr>
-              <a:t>добавяне</a:t>
-            </a:r>
-            <a:r>
-              <a:rPr lang="en-US" sz="2000" b="1" dirty="0">
-                <a:solidFill>
-                  <a:srgbClr val="FFFFFF"/>
-                </a:solidFill>
-                <a:effectLst>
-                  <a:outerShdw blurRad="38100" dist="38100" dir="2700000" algn="tl">
-                    <a:srgbClr val="000000">
-                      <a:alpha val="43137"/>
-                    </a:srgbClr>
-                  </a:outerShdw>
-                </a:effectLst>
-              </a:rPr>
-              <a:t> / </a:t>
-            </a:r>
-            <a:r>
-              <a:rPr lang="bg-BG" sz="2000" b="1" dirty="0">
-                <a:solidFill>
-                  <a:srgbClr val="FFFFFF"/>
-                </a:solidFill>
-                <a:effectLst>
-                  <a:outerShdw blurRad="38100" dist="38100" dir="2700000" algn="tl">
-                    <a:srgbClr val="000000">
-                      <a:alpha val="43137"/>
-                    </a:srgbClr>
-                  </a:outerShdw>
-                </a:effectLst>
-              </a:rPr>
-              <a:t>редакция</a:t>
-            </a:r>
-            <a:r>
-              <a:rPr lang="en-US" sz="2000" b="1" dirty="0">
-                <a:solidFill>
-                  <a:srgbClr val="FFFFFF"/>
-                </a:solidFill>
-                <a:effectLst>
-                  <a:outerShdw blurRad="38100" dist="38100" dir="2700000" algn="tl">
-                    <a:srgbClr val="000000">
-                      <a:alpha val="43137"/>
-                    </a:srgbClr>
-                  </a:outerShdw>
-                </a:effectLst>
-              </a:rPr>
-              <a:t> / </a:t>
-            </a:r>
-            <a:r>
-              <a:rPr lang="bg-BG" sz="2000" b="1" dirty="0">
-                <a:solidFill>
-                  <a:srgbClr val="FFFFFF"/>
-                </a:solidFill>
-                <a:effectLst>
-                  <a:outerShdw blurRad="38100" dist="38100" dir="2700000" algn="tl">
-                    <a:srgbClr val="000000">
-                      <a:alpha val="43137"/>
-                    </a:srgbClr>
-                  </a:outerShdw>
-                </a:effectLst>
-              </a:rPr>
-              <a:t>изтриване</a:t>
-            </a:r>
-            <a:endParaRPr lang="en-US" sz="2000" b="1" dirty="0">
-              <a:solidFill>
-                <a:srgbClr val="FFFFFF"/>
-              </a:solidFill>
-              <a:effectLst>
-                <a:outerShdw blurRad="38100" dist="38100" dir="2700000" algn="tl">
-                  <a:srgbClr val="000000">
-                    <a:alpha val="43137"/>
-                  </a:srgbClr>
-                </a:outerShdw>
-              </a:effectLst>
-            </a:endParaRPr>
-          </a:p>
-        </p:txBody>
-      </p:sp>
-      <p:cxnSp>
-        <p:nvCxnSpPr>
-          <p:cNvPr id="59" name="Straight Arrow Connector 9">
-            <a:extLst>
-              <a:ext uri="{FF2B5EF4-FFF2-40B4-BE49-F238E27FC236}">
-                <a16:creationId xmlns:a16="http://schemas.microsoft.com/office/drawing/2014/main" id="{FE077CDA-662E-960B-CAFC-EF6B47EFD5E2}"/>
-              </a:ext>
-            </a:extLst>
-          </p:cNvPr>
-          <p:cNvCxnSpPr>
-            <a:cxnSpLocks/>
-            <a:stCxn id="13" idx="2"/>
-            <a:endCxn id="58" idx="0"/>
-          </p:cNvCxnSpPr>
-          <p:nvPr/>
-        </p:nvCxnSpPr>
-        <p:spPr>
-          <a:xfrm>
-            <a:off x="1193313" y="5255473"/>
-            <a:ext cx="0" cy="391532"/>
-          </a:xfrm>
-          <a:prstGeom prst="straightConnector1">
-            <a:avLst/>
-          </a:prstGeom>
-          <a:ln w="38100" cap="flat" cmpd="sng" algn="ctr">
-            <a:solidFill>
-              <a:schemeClr val="dk1"/>
-            </a:solidFill>
-            <a:prstDash val="solid"/>
-            <a:round/>
-            <a:headEnd type="none" w="med" len="med"/>
-            <a:tailEnd type="arrow" w="med" len="med"/>
-          </a:ln>
-        </p:spPr>
-        <p:style>
-          <a:lnRef idx="0">
-            <a:scrgbClr r="0" g="0" b="0"/>
-          </a:lnRef>
-          <a:fillRef idx="0">
-            <a:scrgbClr r="0" g="0" b="0"/>
-          </a:fillRef>
-          <a:effectRef idx="0">
-            <a:scrgbClr r="0" g="0" b="0"/>
-          </a:effectRef>
-          <a:fontRef idx="minor">
-            <a:schemeClr val="tx1"/>
-          </a:fontRef>
-        </p:style>
-      </p:cxnSp>
-      <p:sp>
-        <p:nvSpPr>
-          <p:cNvPr id="63" name="Rectangle: Rounded Corners 62">
-            <a:extLst>
-              <a:ext uri="{FF2B5EF4-FFF2-40B4-BE49-F238E27FC236}">
-                <a16:creationId xmlns:a16="http://schemas.microsoft.com/office/drawing/2014/main" id="{01D1B430-F4EA-F016-FF72-E6E629DEA047}"/>
-              </a:ext>
-            </a:extLst>
-          </p:cNvPr>
-          <p:cNvSpPr/>
-          <p:nvPr/>
-        </p:nvSpPr>
-        <p:spPr bwMode="auto">
-          <a:xfrm>
-            <a:off x="2421908" y="5647005"/>
-            <a:ext cx="1624625" cy="920909"/>
-          </a:xfrm>
-          <a:prstGeom prst="roundRect">
-            <a:avLst/>
-          </a:prstGeom>
-          <a:solidFill>
-            <a:schemeClr val="dk2">
-              <a:alpha val="80000"/>
-            </a:schemeClr>
-          </a:solidFill>
-          <a:ln w="19050">
-            <a:solidFill>
-              <a:schemeClr val="tx1">
-                <a:lumMod val="75000"/>
-                <a:alpha val="80000"/>
-              </a:schemeClr>
-            </a:solidFill>
-          </a:ln>
-          <a:effectLst/>
-        </p:spPr>
-        <p:style>
-          <a:lnRef idx="2">
-            <a:schemeClr val="accent1">
-              <a:shade val="50000"/>
-            </a:schemeClr>
-          </a:lnRef>
-          <a:fillRef idx="1001">
-            <a:schemeClr val="dk2"/>
-          </a:fillRef>
-          <a:effectRef idx="0">
-            <a:schemeClr val="accent1"/>
-          </a:effectRef>
-          <a:fontRef idx="minor">
-            <a:schemeClr val="lt1"/>
-          </a:fontRef>
-        </p:style>
-        <p:txBody>
-          <a:bodyPr rot="0" spcFirstLastPara="0" vertOverflow="overflow" horzOverflow="overflow" vert="horz" wrap="square" lIns="91440" tIns="45720" rIns="91440" bIns="45720" numCol="1" spcCol="0" rtlCol="0" fromWordArt="0" anchor="ctr" anchorCtr="0" forceAA="0" compatLnSpc="1">
-            <a:prstTxWarp prst="textNoShape">
-              <a:avLst/>
-            </a:prstTxWarp>
-            <a:noAutofit/>
-          </a:bodyPr>
-          <a:lstStyle/>
-          <a:p>
-            <a:pPr algn="ctr"/>
-            <a:r>
-              <a:rPr lang="bg-BG" sz="2000" b="1" dirty="0">
-                <a:solidFill>
-                  <a:srgbClr val="FFFFFF"/>
-                </a:solidFill>
-                <a:effectLst>
-                  <a:outerShdw blurRad="38100" dist="38100" dir="2700000" algn="tl">
-                    <a:srgbClr val="000000">
-                      <a:alpha val="43137"/>
-                    </a:srgbClr>
-                  </a:outerShdw>
-                </a:effectLst>
-              </a:rPr>
-              <a:t>добавяне</a:t>
-            </a:r>
-            <a:r>
-              <a:rPr lang="en-US" sz="2000" b="1" dirty="0">
-                <a:solidFill>
-                  <a:srgbClr val="FFFFFF"/>
-                </a:solidFill>
-                <a:effectLst>
-                  <a:outerShdw blurRad="38100" dist="38100" dir="2700000" algn="tl">
-                    <a:srgbClr val="000000">
-                      <a:alpha val="43137"/>
-                    </a:srgbClr>
-                  </a:outerShdw>
-                </a:effectLst>
-              </a:rPr>
-              <a:t> / </a:t>
-            </a:r>
-            <a:r>
-              <a:rPr lang="bg-BG" sz="2000" b="1" dirty="0">
-                <a:solidFill>
-                  <a:srgbClr val="FFFFFF"/>
-                </a:solidFill>
-                <a:effectLst>
-                  <a:outerShdw blurRad="38100" dist="38100" dir="2700000" algn="tl">
-                    <a:srgbClr val="000000">
-                      <a:alpha val="43137"/>
-                    </a:srgbClr>
-                  </a:outerShdw>
-                </a:effectLst>
-              </a:rPr>
-              <a:t>редакция</a:t>
-            </a:r>
-            <a:r>
-              <a:rPr lang="en-US" sz="2000" b="1" dirty="0">
-                <a:solidFill>
-                  <a:srgbClr val="FFFFFF"/>
-                </a:solidFill>
-                <a:effectLst>
-                  <a:outerShdw blurRad="38100" dist="38100" dir="2700000" algn="tl">
-                    <a:srgbClr val="000000">
-                      <a:alpha val="43137"/>
-                    </a:srgbClr>
-                  </a:outerShdw>
-                </a:effectLst>
-              </a:rPr>
-              <a:t> / </a:t>
-            </a:r>
-            <a:r>
-              <a:rPr lang="bg-BG" sz="2000" b="1" dirty="0">
-                <a:solidFill>
-                  <a:srgbClr val="FFFFFF"/>
-                </a:solidFill>
-                <a:effectLst>
-                  <a:outerShdw blurRad="38100" dist="38100" dir="2700000" algn="tl">
-                    <a:srgbClr val="000000">
-                      <a:alpha val="43137"/>
-                    </a:srgbClr>
-                  </a:outerShdw>
-                </a:effectLst>
-              </a:rPr>
-              <a:t>изтриване</a:t>
-            </a:r>
-            <a:endParaRPr lang="en-US" sz="2000" b="1" dirty="0">
-              <a:solidFill>
-                <a:srgbClr val="FFFFFF"/>
-              </a:solidFill>
-              <a:effectLst>
-                <a:outerShdw blurRad="38100" dist="38100" dir="2700000" algn="tl">
-                  <a:srgbClr val="000000">
-                    <a:alpha val="43137"/>
-                  </a:srgbClr>
-                </a:outerShdw>
-              </a:effectLst>
-            </a:endParaRPr>
-          </a:p>
-        </p:txBody>
-      </p:sp>
-      <p:cxnSp>
-        <p:nvCxnSpPr>
-          <p:cNvPr id="64" name="Straight Arrow Connector 9">
-            <a:extLst>
-              <a:ext uri="{FF2B5EF4-FFF2-40B4-BE49-F238E27FC236}">
-                <a16:creationId xmlns:a16="http://schemas.microsoft.com/office/drawing/2014/main" id="{0EAE4285-B57D-7AD1-5F7F-48D02C0E85B3}"/>
-              </a:ext>
-            </a:extLst>
-          </p:cNvPr>
-          <p:cNvCxnSpPr>
-            <a:cxnSpLocks/>
-            <a:stCxn id="14" idx="2"/>
-            <a:endCxn id="63" idx="0"/>
-          </p:cNvCxnSpPr>
-          <p:nvPr/>
-        </p:nvCxnSpPr>
-        <p:spPr>
-          <a:xfrm>
-            <a:off x="3234221" y="5265853"/>
-            <a:ext cx="0" cy="381152"/>
-          </a:xfrm>
-          <a:prstGeom prst="straightConnector1">
-            <a:avLst/>
-          </a:prstGeom>
-          <a:ln w="38100" cap="flat" cmpd="sng" algn="ctr">
-            <a:solidFill>
-              <a:schemeClr val="dk1"/>
-            </a:solidFill>
-            <a:prstDash val="solid"/>
-            <a:round/>
-            <a:headEnd type="none" w="med" len="med"/>
-            <a:tailEnd type="arrow" w="med" len="med"/>
-          </a:ln>
-        </p:spPr>
-        <p:style>
-          <a:lnRef idx="0">
-            <a:scrgbClr r="0" g="0" b="0"/>
-          </a:lnRef>
-          <a:fillRef idx="0">
-            <a:scrgbClr r="0" g="0" b="0"/>
-          </a:fillRef>
-          <a:effectRef idx="0">
-            <a:scrgbClr r="0" g="0" b="0"/>
-          </a:effectRef>
-          <a:fontRef idx="minor">
-            <a:schemeClr val="tx1"/>
-          </a:fontRef>
-        </p:style>
-      </p:cxnSp>
-      <p:sp>
-        <p:nvSpPr>
-          <p:cNvPr id="66" name="Rectangle: Rounded Corners 65">
-            <a:extLst>
-              <a:ext uri="{FF2B5EF4-FFF2-40B4-BE49-F238E27FC236}">
-                <a16:creationId xmlns:a16="http://schemas.microsoft.com/office/drawing/2014/main" id="{7EBA0833-311D-2205-D2E1-40BB745BC9A4}"/>
-              </a:ext>
-            </a:extLst>
-          </p:cNvPr>
-          <p:cNvSpPr/>
-          <p:nvPr/>
-        </p:nvSpPr>
-        <p:spPr bwMode="auto">
-          <a:xfrm>
-            <a:off x="4429674" y="5647005"/>
-            <a:ext cx="1624625" cy="920909"/>
-          </a:xfrm>
-          <a:prstGeom prst="roundRect">
-            <a:avLst/>
-          </a:prstGeom>
-          <a:solidFill>
-            <a:schemeClr val="dk2">
-              <a:alpha val="80000"/>
-            </a:schemeClr>
-          </a:solidFill>
-          <a:ln w="19050">
-            <a:solidFill>
-              <a:schemeClr val="tx1">
-                <a:lumMod val="75000"/>
-                <a:alpha val="80000"/>
-              </a:schemeClr>
-            </a:solidFill>
-          </a:ln>
-          <a:effectLst/>
-        </p:spPr>
-        <p:style>
-          <a:lnRef idx="2">
-            <a:schemeClr val="accent1">
-              <a:shade val="50000"/>
-            </a:schemeClr>
-          </a:lnRef>
-          <a:fillRef idx="1001">
-            <a:schemeClr val="dk2"/>
-          </a:fillRef>
-          <a:effectRef idx="0">
-            <a:schemeClr val="accent1"/>
-          </a:effectRef>
-          <a:fontRef idx="minor">
-            <a:schemeClr val="lt1"/>
-          </a:fontRef>
-        </p:style>
-        <p:txBody>
-          <a:bodyPr rot="0" spcFirstLastPara="0" vertOverflow="overflow" horzOverflow="overflow" vert="horz" wrap="square" lIns="91440" tIns="45720" rIns="91440" bIns="45720" numCol="1" spcCol="0" rtlCol="0" fromWordArt="0" anchor="ctr" anchorCtr="0" forceAA="0" compatLnSpc="1">
-            <a:prstTxWarp prst="textNoShape">
-              <a:avLst/>
-            </a:prstTxWarp>
-            <a:noAutofit/>
-          </a:bodyPr>
-          <a:lstStyle/>
-          <a:p>
-            <a:pPr algn="ctr"/>
-            <a:r>
-              <a:rPr lang="bg-BG" sz="2000" b="1" dirty="0">
-                <a:solidFill>
-                  <a:srgbClr val="FFFFFF"/>
-                </a:solidFill>
-                <a:effectLst>
-                  <a:outerShdw blurRad="38100" dist="38100" dir="2700000" algn="tl">
-                    <a:srgbClr val="000000">
-                      <a:alpha val="43137"/>
-                    </a:srgbClr>
-                  </a:outerShdw>
-                </a:effectLst>
-              </a:rPr>
-              <a:t>добавяне</a:t>
-            </a:r>
-            <a:r>
-              <a:rPr lang="en-US" sz="2000" b="1" dirty="0">
-                <a:solidFill>
-                  <a:srgbClr val="FFFFFF"/>
-                </a:solidFill>
-                <a:effectLst>
-                  <a:outerShdw blurRad="38100" dist="38100" dir="2700000" algn="tl">
-                    <a:srgbClr val="000000">
-                      <a:alpha val="43137"/>
-                    </a:srgbClr>
-                  </a:outerShdw>
-                </a:effectLst>
-              </a:rPr>
-              <a:t> / </a:t>
-            </a:r>
-            <a:r>
-              <a:rPr lang="bg-BG" sz="2000" b="1" dirty="0">
-                <a:solidFill>
-                  <a:srgbClr val="FFFFFF"/>
-                </a:solidFill>
-                <a:effectLst>
-                  <a:outerShdw blurRad="38100" dist="38100" dir="2700000" algn="tl">
-                    <a:srgbClr val="000000">
-                      <a:alpha val="43137"/>
-                    </a:srgbClr>
-                  </a:outerShdw>
-                </a:effectLst>
-              </a:rPr>
-              <a:t>редакция</a:t>
-            </a:r>
-            <a:r>
-              <a:rPr lang="en-US" sz="2000" b="1" dirty="0">
-                <a:solidFill>
-                  <a:srgbClr val="FFFFFF"/>
-                </a:solidFill>
-                <a:effectLst>
-                  <a:outerShdw blurRad="38100" dist="38100" dir="2700000" algn="tl">
-                    <a:srgbClr val="000000">
-                      <a:alpha val="43137"/>
-                    </a:srgbClr>
-                  </a:outerShdw>
-                </a:effectLst>
-              </a:rPr>
-              <a:t> / </a:t>
-            </a:r>
-            <a:r>
-              <a:rPr lang="bg-BG" sz="2000" b="1" dirty="0">
-                <a:solidFill>
-                  <a:srgbClr val="FFFFFF"/>
-                </a:solidFill>
-                <a:effectLst>
-                  <a:outerShdw blurRad="38100" dist="38100" dir="2700000" algn="tl">
-                    <a:srgbClr val="000000">
-                      <a:alpha val="43137"/>
-                    </a:srgbClr>
-                  </a:outerShdw>
-                </a:effectLst>
-              </a:rPr>
-              <a:t>изтриване</a:t>
-            </a:r>
-            <a:endParaRPr lang="en-US" sz="2000" b="1" dirty="0">
-              <a:solidFill>
-                <a:srgbClr val="FFFFFF"/>
-              </a:solidFill>
-              <a:effectLst>
-                <a:outerShdw blurRad="38100" dist="38100" dir="2700000" algn="tl">
-                  <a:srgbClr val="000000">
-                    <a:alpha val="43137"/>
-                  </a:srgbClr>
-                </a:outerShdw>
-              </a:effectLst>
-            </a:endParaRPr>
-          </a:p>
-        </p:txBody>
-      </p:sp>
-      <p:cxnSp>
-        <p:nvCxnSpPr>
-          <p:cNvPr id="67" name="Straight Arrow Connector 9">
-            <a:extLst>
-              <a:ext uri="{FF2B5EF4-FFF2-40B4-BE49-F238E27FC236}">
-                <a16:creationId xmlns:a16="http://schemas.microsoft.com/office/drawing/2014/main" id="{9EC618AB-A4F5-38A1-4DC9-152DC652733E}"/>
-              </a:ext>
-            </a:extLst>
-          </p:cNvPr>
-          <p:cNvCxnSpPr>
-            <a:cxnSpLocks/>
-            <a:stCxn id="21" idx="2"/>
-            <a:endCxn id="66" idx="0"/>
-          </p:cNvCxnSpPr>
-          <p:nvPr/>
-        </p:nvCxnSpPr>
-        <p:spPr>
-          <a:xfrm>
-            <a:off x="5241987" y="5270367"/>
-            <a:ext cx="0" cy="376638"/>
-          </a:xfrm>
-          <a:prstGeom prst="straightConnector1">
-            <a:avLst/>
-          </a:prstGeom>
-          <a:ln w="38100" cap="flat" cmpd="sng" algn="ctr">
-            <a:solidFill>
-              <a:schemeClr val="dk1"/>
-            </a:solidFill>
-            <a:prstDash val="solid"/>
-            <a:round/>
-            <a:headEnd type="none" w="med" len="med"/>
-            <a:tailEnd type="arrow" w="med" len="med"/>
-          </a:ln>
-        </p:spPr>
-        <p:style>
-          <a:lnRef idx="0">
-            <a:scrgbClr r="0" g="0" b="0"/>
-          </a:lnRef>
-          <a:fillRef idx="0">
-            <a:scrgbClr r="0" g="0" b="0"/>
-          </a:fillRef>
-          <a:effectRef idx="0">
-            <a:scrgbClr r="0" g="0" b="0"/>
-          </a:effectRef>
-          <a:fontRef idx="minor">
-            <a:schemeClr val="tx1"/>
-          </a:fontRef>
-        </p:style>
-      </p:cxnSp>
-      <p:sp>
-        <p:nvSpPr>
-          <p:cNvPr id="69" name="Rectangle: Rounded Corners 68">
-            <a:extLst>
-              <a:ext uri="{FF2B5EF4-FFF2-40B4-BE49-F238E27FC236}">
-                <a16:creationId xmlns:a16="http://schemas.microsoft.com/office/drawing/2014/main" id="{C1F6820F-BF82-BA9A-149A-8BE9870FA3F4}"/>
-              </a:ext>
-            </a:extLst>
-          </p:cNvPr>
-          <p:cNvSpPr/>
-          <p:nvPr/>
-        </p:nvSpPr>
-        <p:spPr bwMode="auto">
-          <a:xfrm>
-            <a:off x="6340317" y="5600911"/>
-            <a:ext cx="1624625" cy="920909"/>
-          </a:xfrm>
-          <a:prstGeom prst="roundRect">
-            <a:avLst/>
-          </a:prstGeom>
-          <a:solidFill>
-            <a:schemeClr val="dk2">
-              <a:alpha val="80000"/>
-            </a:schemeClr>
-          </a:solidFill>
-          <a:ln w="19050">
-            <a:solidFill>
-              <a:schemeClr val="tx1">
-                <a:lumMod val="75000"/>
-                <a:alpha val="80000"/>
-              </a:schemeClr>
-            </a:solidFill>
-          </a:ln>
-          <a:effectLst/>
-        </p:spPr>
-        <p:style>
-          <a:lnRef idx="2">
-            <a:schemeClr val="accent1">
-              <a:shade val="50000"/>
-            </a:schemeClr>
-          </a:lnRef>
-          <a:fillRef idx="1001">
-            <a:schemeClr val="dk2"/>
-          </a:fillRef>
-          <a:effectRef idx="0">
-            <a:schemeClr val="accent1"/>
-          </a:effectRef>
-          <a:fontRef idx="minor">
-            <a:schemeClr val="lt1"/>
-          </a:fontRef>
-        </p:style>
-        <p:txBody>
-          <a:bodyPr rot="0" spcFirstLastPara="0" vertOverflow="overflow" horzOverflow="overflow" vert="horz" wrap="square" lIns="91440" tIns="45720" rIns="91440" bIns="45720" numCol="1" spcCol="0" rtlCol="0" fromWordArt="0" anchor="ctr" anchorCtr="0" forceAA="0" compatLnSpc="1">
-            <a:prstTxWarp prst="textNoShape">
-              <a:avLst/>
-            </a:prstTxWarp>
-            <a:noAutofit/>
-          </a:bodyPr>
-          <a:lstStyle/>
-          <a:p>
-            <a:pPr algn="ctr"/>
-            <a:r>
-              <a:rPr lang="bg-BG" sz="2000" b="1" dirty="0">
-                <a:solidFill>
-                  <a:srgbClr val="FFFFFF"/>
-                </a:solidFill>
-                <a:effectLst>
-                  <a:outerShdw blurRad="38100" dist="38100" dir="2700000" algn="tl">
-                    <a:srgbClr val="000000">
-                      <a:alpha val="43137"/>
-                    </a:srgbClr>
-                  </a:outerShdw>
-                </a:effectLst>
-              </a:rPr>
-              <a:t>добавяне</a:t>
-            </a:r>
-            <a:r>
-              <a:rPr lang="en-US" sz="2000" b="1" dirty="0">
-                <a:solidFill>
-                  <a:srgbClr val="FFFFFF"/>
-                </a:solidFill>
-                <a:effectLst>
-                  <a:outerShdw blurRad="38100" dist="38100" dir="2700000" algn="tl">
-                    <a:srgbClr val="000000">
-                      <a:alpha val="43137"/>
-                    </a:srgbClr>
-                  </a:outerShdw>
-                </a:effectLst>
-              </a:rPr>
-              <a:t> / </a:t>
-            </a:r>
-            <a:r>
-              <a:rPr lang="bg-BG" sz="2000" b="1" dirty="0">
-                <a:solidFill>
-                  <a:srgbClr val="FFFFFF"/>
-                </a:solidFill>
-                <a:effectLst>
-                  <a:outerShdw blurRad="38100" dist="38100" dir="2700000" algn="tl">
-                    <a:srgbClr val="000000">
-                      <a:alpha val="43137"/>
-                    </a:srgbClr>
-                  </a:outerShdw>
-                </a:effectLst>
-              </a:rPr>
-              <a:t>редакция</a:t>
-            </a:r>
-            <a:r>
-              <a:rPr lang="en-US" sz="2000" b="1" dirty="0">
-                <a:solidFill>
-                  <a:srgbClr val="FFFFFF"/>
-                </a:solidFill>
-                <a:effectLst>
-                  <a:outerShdw blurRad="38100" dist="38100" dir="2700000" algn="tl">
-                    <a:srgbClr val="000000">
-                      <a:alpha val="43137"/>
-                    </a:srgbClr>
-                  </a:outerShdw>
-                </a:effectLst>
-              </a:rPr>
-              <a:t> / </a:t>
-            </a:r>
-            <a:r>
-              <a:rPr lang="bg-BG" sz="2000" b="1" dirty="0">
-                <a:solidFill>
-                  <a:srgbClr val="FFFFFF"/>
-                </a:solidFill>
-                <a:effectLst>
-                  <a:outerShdw blurRad="38100" dist="38100" dir="2700000" algn="tl">
-                    <a:srgbClr val="000000">
-                      <a:alpha val="43137"/>
-                    </a:srgbClr>
-                  </a:outerShdw>
-                </a:effectLst>
-              </a:rPr>
-              <a:t>изтриване</a:t>
-            </a:r>
-            <a:endParaRPr lang="en-US" sz="2000" b="1" dirty="0">
-              <a:solidFill>
-                <a:srgbClr val="FFFFFF"/>
-              </a:solidFill>
-              <a:effectLst>
-                <a:outerShdw blurRad="38100" dist="38100" dir="2700000" algn="tl">
-                  <a:srgbClr val="000000">
-                    <a:alpha val="43137"/>
-                  </a:srgbClr>
-                </a:outerShdw>
-              </a:effectLst>
-            </a:endParaRPr>
-          </a:p>
-        </p:txBody>
-      </p:sp>
-      <p:cxnSp>
-        <p:nvCxnSpPr>
-          <p:cNvPr id="70" name="Straight Arrow Connector 9">
-            <a:extLst>
-              <a:ext uri="{FF2B5EF4-FFF2-40B4-BE49-F238E27FC236}">
-                <a16:creationId xmlns:a16="http://schemas.microsoft.com/office/drawing/2014/main" id="{6D18C441-9D63-E15D-5B9B-BC0C80BC92FC}"/>
-              </a:ext>
-            </a:extLst>
-          </p:cNvPr>
-          <p:cNvCxnSpPr>
-            <a:cxnSpLocks/>
-            <a:stCxn id="22" idx="2"/>
-            <a:endCxn id="69" idx="0"/>
-          </p:cNvCxnSpPr>
-          <p:nvPr/>
-        </p:nvCxnSpPr>
-        <p:spPr>
-          <a:xfrm>
-            <a:off x="7143318" y="5265853"/>
-            <a:ext cx="9312" cy="335058"/>
-          </a:xfrm>
-          <a:prstGeom prst="straightConnector1">
-            <a:avLst/>
-          </a:prstGeom>
-          <a:ln w="38100" cap="flat" cmpd="sng" algn="ctr">
-            <a:solidFill>
-              <a:schemeClr val="dk1"/>
-            </a:solidFill>
-            <a:prstDash val="solid"/>
-            <a:round/>
-            <a:headEnd type="none" w="med" len="med"/>
-            <a:tailEnd type="arrow" w="med" len="med"/>
-          </a:ln>
-        </p:spPr>
-        <p:style>
-          <a:lnRef idx="0">
-            <a:scrgbClr r="0" g="0" b="0"/>
-          </a:lnRef>
-          <a:fillRef idx="0">
-            <a:scrgbClr r="0" g="0" b="0"/>
-          </a:fillRef>
-          <a:effectRef idx="0">
-            <a:scrgbClr r="0" g="0" b="0"/>
-          </a:effectRef>
-          <a:fontRef idx="minor">
-            <a:schemeClr val="tx1"/>
-          </a:fontRef>
-        </p:style>
-      </p:cxnSp>
-      <p:sp>
-        <p:nvSpPr>
-          <p:cNvPr id="72" name="Rectangle: Rounded Corners 71">
-            <a:extLst>
-              <a:ext uri="{FF2B5EF4-FFF2-40B4-BE49-F238E27FC236}">
-                <a16:creationId xmlns:a16="http://schemas.microsoft.com/office/drawing/2014/main" id="{3CDFECF0-AED1-2C89-BE71-2502850C7947}"/>
-              </a:ext>
-            </a:extLst>
-          </p:cNvPr>
-          <p:cNvSpPr/>
-          <p:nvPr/>
-        </p:nvSpPr>
-        <p:spPr bwMode="auto">
-          <a:xfrm>
-            <a:off x="8232335" y="5600911"/>
-            <a:ext cx="1624625" cy="920909"/>
-          </a:xfrm>
-          <a:prstGeom prst="roundRect">
-            <a:avLst/>
-          </a:prstGeom>
-          <a:solidFill>
-            <a:schemeClr val="dk2">
-              <a:alpha val="80000"/>
-            </a:schemeClr>
-          </a:solidFill>
-          <a:ln w="19050">
-            <a:solidFill>
-              <a:schemeClr val="tx1">
-                <a:lumMod val="75000"/>
-                <a:alpha val="80000"/>
-              </a:schemeClr>
-            </a:solidFill>
-          </a:ln>
-          <a:effectLst/>
-        </p:spPr>
-        <p:style>
-          <a:lnRef idx="2">
-            <a:schemeClr val="accent1">
-              <a:shade val="50000"/>
-            </a:schemeClr>
-          </a:lnRef>
-          <a:fillRef idx="1001">
-            <a:schemeClr val="dk2"/>
-          </a:fillRef>
-          <a:effectRef idx="0">
-            <a:schemeClr val="accent1"/>
-          </a:effectRef>
-          <a:fontRef idx="minor">
-            <a:schemeClr val="lt1"/>
-          </a:fontRef>
-        </p:style>
-        <p:txBody>
-          <a:bodyPr rot="0" spcFirstLastPara="0" vertOverflow="overflow" horzOverflow="overflow" vert="horz" wrap="square" lIns="91440" tIns="45720" rIns="91440" bIns="45720" numCol="1" spcCol="0" rtlCol="0" fromWordArt="0" anchor="ctr" anchorCtr="0" forceAA="0" compatLnSpc="1">
-            <a:prstTxWarp prst="textNoShape">
-              <a:avLst/>
-            </a:prstTxWarp>
-            <a:noAutofit/>
-          </a:bodyPr>
-          <a:lstStyle/>
-          <a:p>
-            <a:pPr algn="ctr"/>
-            <a:r>
-              <a:rPr lang="bg-BG" sz="2000" b="1" dirty="0">
-                <a:solidFill>
-                  <a:srgbClr val="FFFFFF"/>
-                </a:solidFill>
-                <a:effectLst>
-                  <a:outerShdw blurRad="38100" dist="38100" dir="2700000" algn="tl">
-                    <a:srgbClr val="000000">
-                      <a:alpha val="43137"/>
-                    </a:srgbClr>
-                  </a:outerShdw>
-                </a:effectLst>
-              </a:rPr>
-              <a:t>добавяне</a:t>
-            </a:r>
-            <a:r>
-              <a:rPr lang="en-US" sz="2000" b="1" dirty="0">
-                <a:solidFill>
-                  <a:srgbClr val="FFFFFF"/>
-                </a:solidFill>
-                <a:effectLst>
-                  <a:outerShdw blurRad="38100" dist="38100" dir="2700000" algn="tl">
-                    <a:srgbClr val="000000">
-                      <a:alpha val="43137"/>
-                    </a:srgbClr>
-                  </a:outerShdw>
-                </a:effectLst>
-              </a:rPr>
-              <a:t> / </a:t>
-            </a:r>
-            <a:r>
-              <a:rPr lang="bg-BG" sz="2000" b="1" dirty="0">
-                <a:solidFill>
-                  <a:srgbClr val="FFFFFF"/>
-                </a:solidFill>
-                <a:effectLst>
-                  <a:outerShdw blurRad="38100" dist="38100" dir="2700000" algn="tl">
-                    <a:srgbClr val="000000">
-                      <a:alpha val="43137"/>
-                    </a:srgbClr>
-                  </a:outerShdw>
-                </a:effectLst>
-              </a:rPr>
-              <a:t>редакция</a:t>
-            </a:r>
-            <a:r>
-              <a:rPr lang="en-US" sz="2000" b="1" dirty="0">
-                <a:solidFill>
-                  <a:srgbClr val="FFFFFF"/>
-                </a:solidFill>
-                <a:effectLst>
-                  <a:outerShdw blurRad="38100" dist="38100" dir="2700000" algn="tl">
-                    <a:srgbClr val="000000">
-                      <a:alpha val="43137"/>
-                    </a:srgbClr>
-                  </a:outerShdw>
-                </a:effectLst>
-              </a:rPr>
-              <a:t> / </a:t>
-            </a:r>
-            <a:r>
-              <a:rPr lang="bg-BG" sz="2000" b="1" dirty="0">
-                <a:solidFill>
-                  <a:srgbClr val="FFFFFF"/>
-                </a:solidFill>
-                <a:effectLst>
-                  <a:outerShdw blurRad="38100" dist="38100" dir="2700000" algn="tl">
-                    <a:srgbClr val="000000">
-                      <a:alpha val="43137"/>
-                    </a:srgbClr>
-                  </a:outerShdw>
-                </a:effectLst>
-              </a:rPr>
-              <a:t>изтриване</a:t>
-            </a:r>
-            <a:endParaRPr lang="en-US" sz="2000" b="1" dirty="0">
-              <a:solidFill>
-                <a:srgbClr val="FFFFFF"/>
-              </a:solidFill>
-              <a:effectLst>
-                <a:outerShdw blurRad="38100" dist="38100" dir="2700000" algn="tl">
-                  <a:srgbClr val="000000">
-                    <a:alpha val="43137"/>
-                  </a:srgbClr>
-                </a:outerShdw>
-              </a:effectLst>
-            </a:endParaRPr>
-          </a:p>
-        </p:txBody>
-      </p:sp>
-      <p:cxnSp>
-        <p:nvCxnSpPr>
-          <p:cNvPr id="73" name="Straight Arrow Connector 9">
-            <a:extLst>
-              <a:ext uri="{FF2B5EF4-FFF2-40B4-BE49-F238E27FC236}">
-                <a16:creationId xmlns:a16="http://schemas.microsoft.com/office/drawing/2014/main" id="{0830783D-ED56-FFBD-D5E5-C8721972E7A6}"/>
-              </a:ext>
-            </a:extLst>
-          </p:cNvPr>
-          <p:cNvCxnSpPr>
-            <a:cxnSpLocks/>
-            <a:stCxn id="27" idx="2"/>
-            <a:endCxn id="72" idx="0"/>
-          </p:cNvCxnSpPr>
-          <p:nvPr/>
-        </p:nvCxnSpPr>
-        <p:spPr>
-          <a:xfrm>
-            <a:off x="9044648" y="5265853"/>
-            <a:ext cx="0" cy="335058"/>
-          </a:xfrm>
-          <a:prstGeom prst="straightConnector1">
-            <a:avLst/>
-          </a:prstGeom>
-          <a:ln w="38100" cap="flat" cmpd="sng" algn="ctr">
-            <a:solidFill>
-              <a:schemeClr val="dk1"/>
-            </a:solidFill>
-            <a:prstDash val="solid"/>
-            <a:round/>
-            <a:headEnd type="none" w="med" len="med"/>
-            <a:tailEnd type="arrow" w="med" len="med"/>
-          </a:ln>
-        </p:spPr>
-        <p:style>
-          <a:lnRef idx="0">
-            <a:scrgbClr r="0" g="0" b="0"/>
-          </a:lnRef>
-          <a:fillRef idx="0">
-            <a:scrgbClr r="0" g="0" b="0"/>
-          </a:fillRef>
-          <a:effectRef idx="0">
-            <a:scrgbClr r="0" g="0" b="0"/>
-          </a:effectRef>
-          <a:fontRef idx="minor">
-            <a:schemeClr val="tx1"/>
-          </a:fontRef>
-        </p:style>
-      </p:cxnSp>
-      <p:sp>
-        <p:nvSpPr>
-          <p:cNvPr id="75" name="Rectangle: Rounded Corners 74">
-            <a:extLst>
-              <a:ext uri="{FF2B5EF4-FFF2-40B4-BE49-F238E27FC236}">
-                <a16:creationId xmlns:a16="http://schemas.microsoft.com/office/drawing/2014/main" id="{9C3AAC77-F3C3-071C-05C9-D7CB30E41A1E}"/>
-              </a:ext>
-            </a:extLst>
-          </p:cNvPr>
-          <p:cNvSpPr/>
-          <p:nvPr/>
-        </p:nvSpPr>
-        <p:spPr bwMode="auto">
-          <a:xfrm>
-            <a:off x="10135339" y="5600911"/>
-            <a:ext cx="1624625" cy="920909"/>
-          </a:xfrm>
-          <a:prstGeom prst="roundRect">
-            <a:avLst/>
-          </a:prstGeom>
-          <a:solidFill>
-            <a:schemeClr val="dk2">
-              <a:alpha val="80000"/>
-            </a:schemeClr>
-          </a:solidFill>
-          <a:ln w="19050">
-            <a:solidFill>
-              <a:schemeClr val="tx1">
-                <a:lumMod val="75000"/>
-                <a:alpha val="80000"/>
-              </a:schemeClr>
-            </a:solidFill>
-          </a:ln>
-          <a:effectLst/>
-        </p:spPr>
-        <p:style>
-          <a:lnRef idx="2">
-            <a:schemeClr val="accent1">
-              <a:shade val="50000"/>
-            </a:schemeClr>
-          </a:lnRef>
-          <a:fillRef idx="1001">
-            <a:schemeClr val="dk2"/>
-          </a:fillRef>
-          <a:effectRef idx="0">
-            <a:schemeClr val="accent1"/>
-          </a:effectRef>
-          <a:fontRef idx="minor">
-            <a:schemeClr val="lt1"/>
-          </a:fontRef>
-        </p:style>
-        <p:txBody>
-          <a:bodyPr rot="0" spcFirstLastPara="0" vertOverflow="overflow" horzOverflow="overflow" vert="horz" wrap="square" lIns="91440" tIns="45720" rIns="91440" bIns="45720" numCol="1" spcCol="0" rtlCol="0" fromWordArt="0" anchor="ctr" anchorCtr="0" forceAA="0" compatLnSpc="1">
-            <a:prstTxWarp prst="textNoShape">
-              <a:avLst/>
-            </a:prstTxWarp>
-            <a:noAutofit/>
-          </a:bodyPr>
-          <a:lstStyle/>
-          <a:p>
-            <a:pPr algn="ctr"/>
-            <a:r>
-              <a:rPr lang="bg-BG" sz="2000" b="1" dirty="0">
-                <a:solidFill>
-                  <a:srgbClr val="FFFFFF"/>
-                </a:solidFill>
-                <a:effectLst>
-                  <a:outerShdw blurRad="38100" dist="38100" dir="2700000" algn="tl">
-                    <a:srgbClr val="000000">
-                      <a:alpha val="43137"/>
-                    </a:srgbClr>
-                  </a:outerShdw>
-                </a:effectLst>
-              </a:rPr>
-              <a:t>добавяне</a:t>
-            </a:r>
-            <a:r>
-              <a:rPr lang="en-US" sz="2000" b="1" dirty="0">
-                <a:solidFill>
-                  <a:srgbClr val="FFFFFF"/>
-                </a:solidFill>
-                <a:effectLst>
-                  <a:outerShdw blurRad="38100" dist="38100" dir="2700000" algn="tl">
-                    <a:srgbClr val="000000">
-                      <a:alpha val="43137"/>
-                    </a:srgbClr>
-                  </a:outerShdw>
-                </a:effectLst>
-              </a:rPr>
-              <a:t> / </a:t>
-            </a:r>
-            <a:r>
-              <a:rPr lang="bg-BG" sz="2000" b="1" dirty="0">
-                <a:solidFill>
-                  <a:srgbClr val="FFFFFF"/>
-                </a:solidFill>
-                <a:effectLst>
-                  <a:outerShdw blurRad="38100" dist="38100" dir="2700000" algn="tl">
-                    <a:srgbClr val="000000">
-                      <a:alpha val="43137"/>
-                    </a:srgbClr>
-                  </a:outerShdw>
-                </a:effectLst>
-              </a:rPr>
-              <a:t>редакция</a:t>
-            </a:r>
-            <a:r>
-              <a:rPr lang="en-US" sz="2000" b="1" dirty="0">
-                <a:solidFill>
-                  <a:srgbClr val="FFFFFF"/>
-                </a:solidFill>
-                <a:effectLst>
-                  <a:outerShdw blurRad="38100" dist="38100" dir="2700000" algn="tl">
-                    <a:srgbClr val="000000">
-                      <a:alpha val="43137"/>
-                    </a:srgbClr>
-                  </a:outerShdw>
-                </a:effectLst>
-              </a:rPr>
-              <a:t> / </a:t>
-            </a:r>
-            <a:r>
-              <a:rPr lang="bg-BG" sz="2000" b="1" dirty="0">
-                <a:solidFill>
-                  <a:srgbClr val="FFFFFF"/>
-                </a:solidFill>
-                <a:effectLst>
-                  <a:outerShdw blurRad="38100" dist="38100" dir="2700000" algn="tl">
-                    <a:srgbClr val="000000">
-                      <a:alpha val="43137"/>
-                    </a:srgbClr>
-                  </a:outerShdw>
-                </a:effectLst>
-              </a:rPr>
-              <a:t>изтриване</a:t>
-            </a:r>
-            <a:endParaRPr lang="en-US" sz="2000" b="1" dirty="0">
-              <a:solidFill>
-                <a:srgbClr val="FFFFFF"/>
-              </a:solidFill>
-              <a:effectLst>
-                <a:outerShdw blurRad="38100" dist="38100" dir="2700000" algn="tl">
-                  <a:srgbClr val="000000">
-                    <a:alpha val="43137"/>
-                  </a:srgbClr>
-                </a:outerShdw>
-              </a:effectLst>
-            </a:endParaRPr>
-          </a:p>
-        </p:txBody>
-      </p:sp>
-      <p:cxnSp>
-        <p:nvCxnSpPr>
-          <p:cNvPr id="76" name="Straight Arrow Connector 9">
-            <a:extLst>
-              <a:ext uri="{FF2B5EF4-FFF2-40B4-BE49-F238E27FC236}">
-                <a16:creationId xmlns:a16="http://schemas.microsoft.com/office/drawing/2014/main" id="{2B0ED029-1CA9-8FBB-709E-AE164934370B}"/>
-              </a:ext>
-            </a:extLst>
-          </p:cNvPr>
-          <p:cNvCxnSpPr>
-            <a:cxnSpLocks/>
-            <a:stCxn id="36" idx="2"/>
-            <a:endCxn id="75" idx="0"/>
-          </p:cNvCxnSpPr>
-          <p:nvPr/>
-        </p:nvCxnSpPr>
-        <p:spPr>
-          <a:xfrm>
-            <a:off x="10945978" y="5265853"/>
-            <a:ext cx="1674" cy="335058"/>
-          </a:xfrm>
-          <a:prstGeom prst="straightConnector1">
-            <a:avLst/>
-          </a:prstGeom>
-          <a:ln w="38100" cap="flat" cmpd="sng" algn="ctr">
-            <a:solidFill>
-              <a:schemeClr val="dk1"/>
-            </a:solidFill>
-            <a:prstDash val="solid"/>
-            <a:round/>
-            <a:headEnd type="none" w="med" len="med"/>
-            <a:tailEnd type="arrow" w="med" len="med"/>
-          </a:ln>
-        </p:spPr>
-        <p:style>
-          <a:lnRef idx="0">
-            <a:scrgbClr r="0" g="0" b="0"/>
-          </a:lnRef>
-          <a:fillRef idx="0">
-            <a:scrgbClr r="0" g="0" b="0"/>
-          </a:fillRef>
-          <a:effectRef idx="0">
-            <a:scrgbClr r="0" g="0" b="0"/>
-          </a:effectRef>
-          <a:fontRef idx="minor">
-            <a:schemeClr val="tx1"/>
-          </a:fontRef>
-        </p:style>
-      </p:cxnSp>
-    </p:spTree>
-    <p:extLst>
-      <p:ext uri="{BB962C8B-B14F-4D97-AF65-F5344CB8AC3E}">
-        <p14:creationId xmlns:p14="http://schemas.microsoft.com/office/powerpoint/2010/main" val="959532821"/>
-      </p:ext>
-    </p:extLst>
-  </p:cSld>
-  <p:clrMapOvr>
-    <a:masterClrMapping/>
-  </p:clrMapOvr>
-  <mc:AlternateContent xmlns:mc="http://schemas.openxmlformats.org/markup-compatibility/2006" xmlns:p14="http://schemas.microsoft.com/office/powerpoint/2010/main">
-    <mc:Choice Requires="p14">
-      <p:transition spd="slow" p14:dur="2000" advClick="0" advTm="5000"/>
-    </mc:Choice>
-    <mc:Fallback xmlns="">
-      <p:transition spd="slow" advClick="0" advTm="5000"/>
-    </mc:Fallback>
-  </mc:AlternateContent>
-  <p:timing>
-    <p:tnLst>
-      <p:par>
-        <p:cTn id="1" dur="indefinite" restart="never" nodeType="tmRoot">
-          <p:childTnLst>
-            <p:seq concurrent="1" nextAc="seek">
-              <p:cTn id="2" dur="indefinite" nodeType="mainSeq">
-                <p:childTnLst>
-                  <p:par>
-                    <p:cTn id="3" fill="hold">
-                      <p:stCondLst>
-                        <p:cond delay="indefinite"/>
-                        <p:cond evt="onBegin" delay="0">
-                          <p:tn val="2"/>
-                        </p:cond>
-                      </p:stCondLst>
-                      <p:childTnLst>
-                        <p:par>
-                          <p:cTn id="4" fill="hold">
-                            <p:stCondLst>
-                              <p:cond delay="0"/>
-                            </p:stCondLst>
-                            <p:childTnLst>
-                              <p:par>
-                                <p:cTn id="5" presetID="1" presetClass="entr" presetSubtype="0" fill="hold" nodeType="withEffect">
-                                  <p:stCondLst>
-                                    <p:cond delay="0"/>
-                                  </p:stCondLst>
-                                  <p:childTnLst>
-                                    <p:set>
-                                      <p:cBhvr>
-                                        <p:cTn id="6" dur="1" fill="hold">
-                                          <p:stCondLst>
-                                            <p:cond delay="0"/>
-                                          </p:stCondLst>
-                                        </p:cTn>
-                                        <p:tgtEl>
-                                          <p:spTgt spid="7">
-                                            <p:txEl>
-                                              <p:pRg st="0" end="0"/>
-                                            </p:txEl>
-                                          </p:spTgt>
-                                        </p:tgtEl>
-                                        <p:attrNameLst>
-                                          <p:attrName>style.visibility</p:attrName>
-                                        </p:attrNameLst>
-                                      </p:cBhvr>
-                                      <p:to>
-                                        <p:strVal val="visible"/>
-                                      </p:to>
-                                    </p:set>
-                                  </p:childTnLst>
-                                </p:cTn>
-                              </p:par>
-                            </p:childTnLst>
-                          </p:cTn>
-                        </p:par>
-                      </p:childTnLst>
-                    </p:cTn>
-                  </p:par>
-                </p:childTnLst>
-              </p:cTn>
-              <p:prevCondLst>
-                <p:cond evt="onPrev" delay="0">
-                  <p:tgtEl>
-                    <p:sldTgt/>
-                  </p:tgtEl>
-                </p:cond>
-              </p:prevCondLst>
-              <p:nextCondLst>
-                <p:cond evt="onNext" delay="0">
-                  <p:tgtEl>
-                    <p:sldTgt/>
-                  </p:tgtEl>
-                </p:cond>
-              </p:nextCondLst>
-            </p:seq>
-          </p:childTnLst>
-        </p:cTn>
-      </p:par>
-    </p:tnLst>
-  </p:timing>
-</p:sld>
-</file>
-
-<file path=ppt/slides/slide22.xml><?xml version="1.0" encoding="utf-8"?>
-<p:sld xmlns:a="http://schemas.openxmlformats.org/drawingml/2006/main" xmlns:r="http://schemas.openxmlformats.org/officeDocument/2006/relationships" xmlns:p="http://schemas.openxmlformats.org/presentationml/2006/main">
-  <p:cSld>
-    <p:spTree>
-      <p:nvGrpSpPr>
-        <p:cNvPr id="1" name=""/>
-        <p:cNvGrpSpPr/>
-        <p:nvPr/>
-      </p:nvGrpSpPr>
-      <p:grpSpPr>
-        <a:xfrm>
-          <a:off x="0" y="0"/>
-          <a:ext cx="0" cy="0"/>
-          <a:chOff x="0" y="0"/>
-          <a:chExt cx="0" cy="0"/>
-        </a:xfrm>
-      </p:grpSpPr>
-      <p:sp>
-        <p:nvSpPr>
-          <p:cNvPr id="2" name="Slide Number Placeholder 1">
-            <a:extLst>
-              <a:ext uri="{FF2B5EF4-FFF2-40B4-BE49-F238E27FC236}">
-                <a16:creationId xmlns:a16="http://schemas.microsoft.com/office/drawing/2014/main" id="{CCAABC86-82E0-F099-701A-D4347B605385}"/>
-              </a:ext>
-            </a:extLst>
-          </p:cNvPr>
-          <p:cNvSpPr>
-            <a:spLocks noGrp="1"/>
-          </p:cNvSpPr>
-          <p:nvPr>
-            <p:ph type="sldNum" sz="quarter" idx="5"/>
-          </p:nvPr>
-        </p:nvSpPr>
-        <p:spPr/>
-        <p:txBody>
-          <a:bodyPr/>
-          <a:lstStyle/>
-          <a:p>
-            <a:fld id="{2BF067CD-8E6B-4360-9AA8-C5DF2A48A6D1}" type="slidenum">
-              <a:rPr lang="en-US" noProof="0" smtClean="0"/>
-              <a:pPr/>
-              <a:t>22</a:t>
-            </a:fld>
-            <a:endParaRPr lang="en-US" noProof="0" dirty="0"/>
-          </a:p>
-        </p:txBody>
-      </p:sp>
-      <p:sp>
-        <p:nvSpPr>
-          <p:cNvPr id="4" name="Title 3">
-            <a:extLst>
-              <a:ext uri="{FF2B5EF4-FFF2-40B4-BE49-F238E27FC236}">
-                <a16:creationId xmlns:a16="http://schemas.microsoft.com/office/drawing/2014/main" id="{67B6A643-676D-3506-B008-B24B36AA34F1}"/>
-              </a:ext>
-            </a:extLst>
-          </p:cNvPr>
-          <p:cNvSpPr>
-            <a:spLocks noGrp="1"/>
-          </p:cNvSpPr>
-          <p:nvPr>
-            <p:ph type="title"/>
-          </p:nvPr>
-        </p:nvSpPr>
-        <p:spPr/>
-        <p:txBody>
-          <a:bodyPr>
-            <a:normAutofit/>
-          </a:bodyPr>
-          <a:lstStyle/>
-          <a:p>
-            <a:r>
-              <a:rPr lang="bg-BG" dirty="0"/>
-              <a:t>Проектиране</a:t>
-            </a:r>
-            <a:r>
-              <a:rPr lang="en-US" dirty="0"/>
-              <a:t>: </a:t>
-            </a:r>
-            <a:r>
-              <a:rPr lang="bg-BG" dirty="0"/>
-              <a:t>дизайн на </a:t>
-            </a:r>
-            <a:r>
-              <a:rPr lang="en-US" dirty="0"/>
               <a:t>UI </a:t>
             </a:r>
             <a:r>
@@ -16592,25 +13553,6 @@
               <a:rPr lang="bg-BG" b="1" dirty="0"/>
               <a:t>вход</a:t>
             </a:r>
-          </a:p>
-          <a:p>
-            <a:pPr lvl="1"/>
-            <a:r>
-              <a:rPr lang="en-US" b="1" dirty="0">
-                <a:highlight>
-                  <a:srgbClr val="FFFF00"/>
-                </a:highlight>
-              </a:rPr>
-              <a:t>TODO: </a:t>
-            </a:r>
-            <a:r>
-              <a:rPr lang="bg-BG" b="1" dirty="0">
-                <a:highlight>
-                  <a:srgbClr val="FFFF00"/>
-                </a:highlight>
-              </a:rPr>
-              <a:t>картинка</a:t>
-            </a:r>
             <a:endParaRPr lang="bg-BG" dirty="0">
               <a:highlight>
                 <a:srgbClr val="FFFF00"/>
@@ -16619,421 +13561,49 @@
           </a:p>
         </p:txBody>
       </p:sp>
-      <p:sp>
-        <p:nvSpPr>
-          <p:cNvPr id="3" name="Rectangle: Rounded Corners 2">
+      <p:pic>
+        <p:nvPicPr>
+          <p:cNvPr id="12" name="Picture 11">
             <a:extLst>
               <a:ext uri="{FF2B5EF4-FFF2-40B4-BE49-F238E27FC236}">
-                <a16:creationId xmlns:a16="http://schemas.microsoft.com/office/drawing/2014/main" id="{62598AF5-9639-C89E-A60A-DCECD53EDAEA}"/>
+                <a16:creationId xmlns:a16="http://schemas.microsoft.com/office/drawing/2014/main" id="{B5D15311-D85A-5EAE-13E4-F1E079DE2D0A}"/>
               </a:ext>
             </a:extLst>
           </p:cNvPr>
-          <p:cNvSpPr/>
+          <p:cNvPicPr>
+            <a:picLocks noChangeAspect="1"/>
+          </p:cNvPicPr>
           <p:nvPr/>
-        </p:nvSpPr>
-        <p:spPr bwMode="auto">
-          <a:xfrm>
-            <a:off x="5196000" y="2934000"/>
-            <a:ext cx="4860000" cy="2340000"/>
-          </a:xfrm>
-          <a:prstGeom prst="roundRect">
-            <a:avLst>
-              <a:gd name="adj" fmla="val 2965"/>
-            </a:avLst>
-          </a:prstGeom>
-          <a:solidFill>
-            <a:schemeClr val="dk2">
-              <a:alpha val="80000"/>
-            </a:schemeClr>
-          </a:solidFill>
-          <a:ln w="19050">
-            <a:solidFill>
-              <a:schemeClr val="tx1">
-                <a:lumMod val="75000"/>
-                <a:alpha val="80000"/>
-              </a:schemeClr>
-            </a:solidFill>
-          </a:ln>
-          <a:effectLst/>
-        </p:spPr>
-        <p:style>
-          <a:lnRef idx="2">
-            <a:schemeClr val="accent1">
-              <a:shade val="50000"/>
-            </a:schemeClr>
-          </a:lnRef>
-          <a:fillRef idx="1001">
-            <a:schemeClr val="dk2"/>
-          </a:fillRef>
-          <a:effectRef idx="0">
-            <a:schemeClr val="accent1"/>
-          </a:effectRef>
-          <a:fontRef idx="minor">
-            <a:schemeClr val="lt1"/>
-          </a:fontRef>
-        </p:style>
-        <p:txBody>
-          <a:bodyPr rot="0" spcFirstLastPara="0" vertOverflow="overflow" horzOverflow="overflow" vert="horz" wrap="square" lIns="91440" tIns="45720" rIns="91440" bIns="45720" numCol="1" spcCol="0" rtlCol="0" fromWordArt="0" anchor="ctr" anchorCtr="0" forceAA="0" compatLnSpc="1">
-            <a:prstTxWarp prst="textNoShape">
-              <a:avLst/>
-            </a:prstTxWarp>
-            <a:noAutofit/>
-          </a:bodyPr>
-          <a:lstStyle/>
-          <a:p>
-            <a:pPr algn="ctr"/>
-            <a:endParaRPr lang="en-US" sz="2800" b="1" dirty="0">
-              <a:solidFill>
-                <a:srgbClr val="FFFFFF"/>
-              </a:solidFill>
-              <a:effectLst>
-                <a:outerShdw blurRad="38100" dist="38100" dir="2700000" algn="tl">
-                  <a:srgbClr val="000000">
-                    <a:alpha val="43137"/>
-                  </a:srgbClr>
-                </a:outerShdw>
-              </a:effectLst>
-            </a:endParaRPr>
-          </a:p>
-        </p:txBody>
-      </p:sp>
-      <p:sp>
-        <p:nvSpPr>
-          <p:cNvPr id="5" name="Rectangle: Rounded Corners 4">
+        </p:nvPicPr>
+        <p:blipFill>
+          <a:blip r:embed="rId2">
             <a:extLst>
-              <a:ext uri="{FF2B5EF4-FFF2-40B4-BE49-F238E27FC236}">
-                <a16:creationId xmlns:a16="http://schemas.microsoft.com/office/drawing/2014/main" id="{F1A32295-85D0-9609-569D-EBE2A9E03CD7}"/>
+              <a:ext uri="{28A0092B-C50C-407E-A947-70E740481C1C}">
+                <a14:useLocalDpi xmlns:a14="http://schemas.microsoft.com/office/drawing/2010/main" val="0"/>
               </a:ext>
             </a:extLst>
-          </p:cNvPr>
-          <p:cNvSpPr/>
-          <p:nvPr/>
-        </p:nvSpPr>
-        <p:spPr bwMode="auto">
-          <a:xfrm>
-            <a:off x="6113834" y="4440333"/>
-            <a:ext cx="2715021" cy="564833"/>
-          </a:xfrm>
-          <a:prstGeom prst="roundRect">
-            <a:avLst/>
-          </a:prstGeom>
-          <a:solidFill>
-            <a:schemeClr val="dk2">
-              <a:alpha val="80000"/>
-            </a:schemeClr>
-          </a:solidFill>
-          <a:ln w="19050">
-            <a:solidFill>
-              <a:schemeClr val="tx1">
-                <a:lumMod val="75000"/>
-                <a:alpha val="80000"/>
-              </a:schemeClr>
-            </a:solidFill>
-          </a:ln>
-          <a:effectLst/>
-        </p:spPr>
-        <p:style>
-          <a:lnRef idx="2">
-            <a:schemeClr val="accent1">
-              <a:shade val="50000"/>
-            </a:schemeClr>
-          </a:lnRef>
-          <a:fillRef idx="1001">
-            <a:schemeClr val="dk2"/>
-          </a:fillRef>
-          <a:effectRef idx="0">
-            <a:schemeClr val="accent1"/>
-          </a:effectRef>
-          <a:fontRef idx="minor">
-            <a:schemeClr val="lt1"/>
-          </a:fontRef>
-        </p:style>
-        <p:txBody>
-          <a:bodyPr rot="0" spcFirstLastPara="0" vertOverflow="overflow" horzOverflow="overflow" vert="horz" wrap="square" lIns="91440" tIns="45720" rIns="91440" bIns="45720" numCol="1" spcCol="0" rtlCol="0" fromWordArt="0" anchor="ctr" anchorCtr="0" forceAA="0" compatLnSpc="1">
-            <a:prstTxWarp prst="textNoShape">
-              <a:avLst/>
-            </a:prstTxWarp>
-            <a:noAutofit/>
-          </a:bodyPr>
-          <a:lstStyle/>
-          <a:p>
-            <a:pPr algn="ctr"/>
-            <a:r>
-              <a:rPr lang="bg-BG" sz="2800" b="1" dirty="0">
-                <a:solidFill>
-                  <a:srgbClr val="FFFFFF"/>
-                </a:solidFill>
-                <a:effectLst>
-                  <a:outerShdw blurRad="38100" dist="38100" dir="2700000" algn="tl">
-                    <a:srgbClr val="000000">
-                      <a:alpha val="43137"/>
-                    </a:srgbClr>
-                  </a:outerShdw>
-                </a:effectLst>
-              </a:rPr>
-              <a:t>вход</a:t>
-            </a:r>
-            <a:endParaRPr lang="en-US" sz="2800" b="1" dirty="0">
-              <a:solidFill>
-                <a:srgbClr val="FFFFFF"/>
-              </a:solidFill>
-              <a:effectLst>
-                <a:outerShdw blurRad="38100" dist="38100" dir="2700000" algn="tl">
-                  <a:srgbClr val="000000">
-                    <a:alpha val="43137"/>
-                  </a:srgbClr>
-                </a:outerShdw>
-              </a:effectLst>
-            </a:endParaRPr>
-          </a:p>
-        </p:txBody>
-      </p:sp>
-      <p:sp>
-        <p:nvSpPr>
-          <p:cNvPr id="6" name="Rectangle: Rounded Corners 5">
-            <a:extLst>
-              <a:ext uri="{FF2B5EF4-FFF2-40B4-BE49-F238E27FC236}">
-                <a16:creationId xmlns:a16="http://schemas.microsoft.com/office/drawing/2014/main" id="{9027D307-D482-71F2-C719-F7656EEB68EF}"/>
-              </a:ext>
-            </a:extLst>
-          </p:cNvPr>
-          <p:cNvSpPr/>
-          <p:nvPr/>
-        </p:nvSpPr>
-        <p:spPr bwMode="auto">
-          <a:xfrm>
-            <a:off x="7025978" y="3226500"/>
-            <a:ext cx="2715021" cy="405000"/>
-          </a:xfrm>
-          <a:prstGeom prst="roundRect">
-            <a:avLst/>
-          </a:prstGeom>
-          <a:solidFill>
-            <a:schemeClr val="dk2">
-              <a:alpha val="80000"/>
-            </a:schemeClr>
-          </a:solidFill>
-          <a:ln w="19050">
-            <a:solidFill>
-              <a:schemeClr val="tx1">
-                <a:lumMod val="75000"/>
-                <a:alpha val="80000"/>
-              </a:schemeClr>
-            </a:solidFill>
-          </a:ln>
-          <a:effectLst/>
-        </p:spPr>
-        <p:style>
-          <a:lnRef idx="2">
-            <a:schemeClr val="accent1">
-              <a:shade val="50000"/>
-            </a:schemeClr>
-          </a:lnRef>
-          <a:fillRef idx="1001">
-            <a:schemeClr val="dk2"/>
-          </a:fillRef>
-          <a:effectRef idx="0">
-            <a:schemeClr val="accent1"/>
-          </a:effectRef>
-          <a:fontRef idx="minor">
-            <a:schemeClr val="lt1"/>
-          </a:fontRef>
-        </p:style>
-        <p:txBody>
-          <a:bodyPr rot="0" spcFirstLastPara="0" vertOverflow="overflow" horzOverflow="overflow" vert="horz" wrap="square" lIns="91440" tIns="45720" rIns="91440" bIns="45720" numCol="1" spcCol="0" rtlCol="0" fromWordArt="0" anchor="ctr" anchorCtr="0" forceAA="0" compatLnSpc="1">
-            <a:prstTxWarp prst="textNoShape">
-              <a:avLst/>
-            </a:prstTxWarp>
-            <a:noAutofit/>
-          </a:bodyPr>
-          <a:lstStyle/>
-          <a:p>
-            <a:pPr algn="ctr"/>
-            <a:endParaRPr lang="en-US" sz="2800" b="1" dirty="0">
-              <a:solidFill>
-                <a:srgbClr val="FFFFFF"/>
-              </a:solidFill>
-              <a:effectLst>
-                <a:outerShdw blurRad="38100" dist="38100" dir="2700000" algn="tl">
-                  <a:srgbClr val="000000">
-                    <a:alpha val="43137"/>
-                  </a:srgbClr>
-                </a:outerShdw>
-              </a:effectLst>
-            </a:endParaRPr>
-          </a:p>
-        </p:txBody>
-      </p:sp>
-      <p:sp>
-        <p:nvSpPr>
-          <p:cNvPr id="9" name="TextBox 8">
-            <a:extLst>
-              <a:ext uri="{FF2B5EF4-FFF2-40B4-BE49-F238E27FC236}">
-                <a16:creationId xmlns:a16="http://schemas.microsoft.com/office/drawing/2014/main" id="{D5934B73-7A1D-1FE8-5713-62FC2F6E5555}"/>
-              </a:ext>
-            </a:extLst>
-          </p:cNvPr>
-          <p:cNvSpPr txBox="1"/>
-          <p:nvPr/>
-        </p:nvSpPr>
+          </a:blip>
+          <a:stretch>
+            <a:fillRect/>
+          </a:stretch>
+        </p:blipFill>
         <p:spPr>
           <a:xfrm>
-            <a:off x="5466000" y="3244334"/>
-            <a:ext cx="1305000" cy="369332"/>
+            <a:off x="6456000" y="2619000"/>
+            <a:ext cx="4734783" cy="3465000"/>
           </a:xfrm>
           <a:prstGeom prst="rect">
             <a:avLst/>
           </a:prstGeom>
-          <a:solidFill>
-            <a:schemeClr val="accent6">
-              <a:lumMod val="75000"/>
-              <a:alpha val="15000"/>
-            </a:schemeClr>
-          </a:solidFill>
-          <a:ln w="12700">
-            <a:noFill/>
-          </a:ln>
-        </p:spPr>
-        <p:txBody>
-          <a:bodyPr wrap="square">
-            <a:spAutoFit/>
-          </a:bodyPr>
-          <a:lstStyle/>
-          <a:p>
-            <a:r>
-              <a:rPr lang="en-US" dirty="0">
-                <a:solidFill>
-                  <a:schemeClr val="bg2"/>
-                </a:solidFill>
-              </a:rPr>
-              <a:t>Username:</a:t>
-            </a:r>
-          </a:p>
-        </p:txBody>
-      </p:sp>
-      <p:sp>
-        <p:nvSpPr>
-          <p:cNvPr id="10" name="Rectangle: Rounded Corners 9">
-            <a:extLst>
-              <a:ext uri="{FF2B5EF4-FFF2-40B4-BE49-F238E27FC236}">
-                <a16:creationId xmlns:a16="http://schemas.microsoft.com/office/drawing/2014/main" id="{69C125C7-9397-DD33-5664-EBE275FCBC00}"/>
-              </a:ext>
-            </a:extLst>
-          </p:cNvPr>
-          <p:cNvSpPr/>
-          <p:nvPr/>
-        </p:nvSpPr>
-        <p:spPr bwMode="auto">
-          <a:xfrm>
-            <a:off x="7025978" y="3739334"/>
-            <a:ext cx="2715021" cy="405000"/>
-          </a:xfrm>
-          <a:prstGeom prst="roundRect">
-            <a:avLst/>
-          </a:prstGeom>
-          <a:solidFill>
-            <a:schemeClr val="dk2">
-              <a:alpha val="80000"/>
-            </a:schemeClr>
-          </a:solidFill>
-          <a:ln w="19050">
+          <a:ln>
             <a:solidFill>
-              <a:schemeClr val="tx1">
+              <a:schemeClr val="bg2">
                 <a:lumMod val="75000"/>
-                <a:alpha val="80000"/>
               </a:schemeClr>
             </a:solidFill>
           </a:ln>
-          <a:effectLst/>
         </p:spPr>
-        <p:style>
-          <a:lnRef idx="2">
-            <a:schemeClr val="accent1">
-              <a:shade val="50000"/>
-            </a:schemeClr>
-          </a:lnRef>
-          <a:fillRef idx="1001">
-            <a:schemeClr val="dk2"/>
-          </a:fillRef>
-          <a:effectRef idx="0">
-            <a:schemeClr val="accent1"/>
-          </a:effectRef>
-          <a:fontRef idx="minor">
-            <a:schemeClr val="lt1"/>
-          </a:fontRef>
-        </p:style>
-        <p:txBody>
-          <a:bodyPr rot="0" spcFirstLastPara="0" vertOverflow="overflow" horzOverflow="overflow" vert="horz" wrap="square" lIns="91440" tIns="45720" rIns="91440" bIns="45720" numCol="1" spcCol="0" rtlCol="0" fromWordArt="0" anchor="ctr" anchorCtr="0" forceAA="0" compatLnSpc="1">
-            <a:prstTxWarp prst="textNoShape">
-              <a:avLst/>
-            </a:prstTxWarp>
-            <a:noAutofit/>
-          </a:bodyPr>
-          <a:lstStyle/>
-          <a:p>
-            <a:pPr algn="ctr"/>
-            <a:endParaRPr lang="en-US" sz="2800" b="1" dirty="0">
-              <a:solidFill>
-                <a:srgbClr val="FFFFFF"/>
-              </a:solidFill>
-              <a:effectLst>
-                <a:outerShdw blurRad="38100" dist="38100" dir="2700000" algn="tl">
-                  <a:srgbClr val="000000">
-                    <a:alpha val="43137"/>
-                  </a:srgbClr>
-                </a:outerShdw>
-              </a:effectLst>
-            </a:endParaRPr>
-          </a:p>
-        </p:txBody>
-      </p:sp>
-      <p:sp>
-        <p:nvSpPr>
-          <p:cNvPr id="11" name="TextBox 10">
-            <a:extLst>
-              <a:ext uri="{FF2B5EF4-FFF2-40B4-BE49-F238E27FC236}">
-                <a16:creationId xmlns:a16="http://schemas.microsoft.com/office/drawing/2014/main" id="{3E13D148-2712-EF5C-3C83-03C0B412E7D9}"/>
-              </a:ext>
-            </a:extLst>
-          </p:cNvPr>
-          <p:cNvSpPr txBox="1"/>
-          <p:nvPr/>
-        </p:nvSpPr>
-        <p:spPr>
-          <a:xfrm>
-            <a:off x="5466000" y="3757168"/>
-            <a:ext cx="1305000" cy="369332"/>
-          </a:xfrm>
-          <a:prstGeom prst="rect">
-            <a:avLst/>
-          </a:prstGeom>
-          <a:solidFill>
-            <a:schemeClr val="accent6">
-              <a:lumMod val="75000"/>
-              <a:alpha val="15000"/>
-            </a:schemeClr>
-          </a:solidFill>
-          <a:ln w="12700">
-            <a:noFill/>
-          </a:ln>
-        </p:spPr>
-        <p:txBody>
-          <a:bodyPr wrap="square">
-            <a:spAutoFit/>
-          </a:bodyPr>
-          <a:lstStyle/>
-          <a:p>
-            <a:r>
-              <a:rPr lang="en-US" dirty="0">
-                <a:solidFill>
-                  <a:schemeClr val="bg2"/>
-                </a:solidFill>
-              </a:rPr>
-              <a:t>Password:</a:t>
-            </a:r>
-          </a:p>
-        </p:txBody>
-      </p:sp>
+      </p:pic>
     </p:spTree>
     <p:extLst>
       <p:ext uri="{BB962C8B-B14F-4D97-AF65-F5344CB8AC3E}">
@@ -17192,55 +13762,6 @@
                       </p:childTnLst>
                     </p:cTn>
                   </p:par>
-                  <p:par>
-                    <p:cTn id="13" fill="hold">
-                      <p:stCondLst>
-                        <p:cond delay="indefinite"/>
-                      </p:stCondLst>
-                      <p:childTnLst>
-                        <p:par>
-                          <p:cTn id="14" fill="hold">
-                            <p:stCondLst>
-                              <p:cond delay="0"/>
-                            </p:stCondLst>
-                            <p:childTnLst>
-                              <p:par>
-                                <p:cTn id="15" presetID="1" presetClass="entr" presetSubtype="0" fill="hold" nodeType="clickEffect">
-                                  <p:stCondLst>
-                                    <p:cond delay="0"/>
-                                  </p:stCondLst>
-                                  <p:childTnLst>
-                                    <p:set>
-                                      <p:cBhvr>
-                                        <p:cTn id="16" dur="1" fill="hold">
-                                          <p:stCondLst>
-                                            <p:cond delay="0"/>
-                                          </p:stCondLst>
-                                        </p:cTn>
-                                        <p:tgtEl>
-                                          <p:spTgt spid="7">
-                                            <p:txEl>
-                                              <p:pRg st="3" end="3"/>
-                                            </p:txEl>
-                                          </p:spTgt>
-                                        </p:tgtEl>
-                                        <p:attrNameLst>
-                                          <p:attrName>style.visibility</p:attrName>
-                                        </p:attrNameLst>
-                                      </p:cBhvr>
-                                      <p:to>
-                                        <p:strVal val="visible"/>
-                                      </p:to>
-                                    </p:set>
-                                  </p:childTnLst>
-                                </p:cTn>
-                              </p:par>
-                            </p:childTnLst>
-                          </p:cTn>
-                        </p:par>
-                      </p:childTnLst>
-                    </p:cTn>
-                  </p:par>
                 </p:childTnLst>
               </p:cTn>
               <p:prevCondLst>
@@ -17266,7 +13787,7 @@
 </p:sld>
 </file>
 
-<file path=ppt/slides/slide23.xml><?xml version="1.0" encoding="utf-8"?>
+<file path=ppt/slides/slide22.xml><?xml version="1.0" encoding="utf-8"?>
 <p:sld xmlns:a="http://schemas.openxmlformats.org/drawingml/2006/main" xmlns:r="http://schemas.openxmlformats.org/officeDocument/2006/relationships" xmlns:p="http://schemas.openxmlformats.org/presentationml/2006/main">
   <p:cSld>
     <p:spTree>
@@ -17307,7 +13828,7 @@
             <a:fld id="{2BF067CD-8E6B-4360-9AA8-C5DF2A48A6D1}" type="slidenum">
               <a:rPr lang="en-US" noProof="0" smtClean="0"/>
               <a:pPr/>
-              <a:t>23</a:t>
+              <a:t>22</a:t>
             </a:fld>
             <a:endParaRPr lang="en-US" noProof="0" dirty="0"/>
           </a:p>
@@ -17342,7 +13863,7 @@
             </a:r>
             <a:r>
               <a:rPr lang="en-US" dirty="0"/>
-              <a:t>UI</a:t>
+              <a:t>UI (1)</a:t>
             </a:r>
             <a:endParaRPr lang="en-BG" dirty="0"/>
           </a:p>
@@ -17367,7 +13888,7 @@
         <p:spPr/>
         <p:txBody>
           <a:bodyPr>
-            <a:normAutofit fontScale="47500" lnSpcReduction="20000"/>
+            <a:normAutofit fontScale="70000" lnSpcReduction="20000"/>
           </a:bodyPr>
           <a:lstStyle/>
           <a:p>
@@ -17550,6 +14071,7 @@
               <a:rPr lang="bg-BG" b="1" dirty="0"/>
               <a:t>на пациент</a:t>
             </a:r>
+            <a:endParaRPr lang="en-US" b="1" dirty="0"/>
           </a:p>
           <a:p>
             <a:r>
@@ -17631,126 +14153,6 @@
               <a:rPr lang="bg-BG" b="1" dirty="0"/>
               <a:t>изтриване</a:t>
             </a:r>
-          </a:p>
-          <a:p>
-            <a:r>
-              <a:rPr lang="bg-BG" b="1" dirty="0">
-                <a:solidFill>
-                  <a:schemeClr val="bg1"/>
-                </a:solidFill>
-              </a:rPr>
-              <a:t>Управление на лекари</a:t>
-            </a:r>
-            <a:r>
-              <a:rPr lang="en-US" b="1" dirty="0">
-                <a:solidFill>
-                  <a:schemeClr val="bg1"/>
-                </a:solidFill>
-              </a:rPr>
-              <a:t> (</a:t>
-            </a:r>
-            <a:r>
-              <a:rPr lang="bg-BG" b="1" dirty="0">
-                <a:solidFill>
-                  <a:schemeClr val="bg1"/>
-                </a:solidFill>
-              </a:rPr>
-              <a:t>за админи)</a:t>
-            </a:r>
-          </a:p>
-          <a:p>
-            <a:pPr lvl="1"/>
-            <a:r>
-              <a:rPr lang="bg-BG" dirty="0"/>
-              <a:t>Полета за </a:t>
-            </a:r>
-            <a:r>
-              <a:rPr lang="bg-BG" b="1" dirty="0"/>
-              <a:t>име</a:t>
-            </a:r>
-            <a:r>
-              <a:rPr lang="bg-BG" dirty="0"/>
-              <a:t>, </a:t>
-            </a:r>
-            <a:r>
-              <a:rPr lang="bg-BG" b="1" dirty="0"/>
-              <a:t>фамилия</a:t>
-            </a:r>
-            <a:r>
-              <a:rPr lang="bg-BG" dirty="0"/>
-              <a:t>, </a:t>
-            </a:r>
-            <a:r>
-              <a:rPr lang="bg-BG" b="1" dirty="0"/>
-              <a:t>специалност</a:t>
-            </a:r>
-            <a:r>
-              <a:rPr lang="bg-BG" dirty="0"/>
-              <a:t>, </a:t>
-            </a:r>
-            <a:r>
-              <a:rPr lang="bg-BG" b="1" dirty="0"/>
-              <a:t>телефон</a:t>
-            </a:r>
-            <a:endParaRPr lang="bg-BG" dirty="0"/>
-          </a:p>
-          <a:p>
-            <a:pPr lvl="1"/>
-            <a:r>
-              <a:rPr lang="bg-BG" dirty="0"/>
-              <a:t>Бутони за </a:t>
-            </a:r>
-            <a:r>
-              <a:rPr lang="bg-BG" b="1" dirty="0"/>
-              <a:t>добавян</a:t>
-            </a:r>
-            <a:r>
-              <a:rPr lang="en-US" b="1" dirty="0"/>
-              <a:t>e</a:t>
-            </a:r>
-            <a:r>
-              <a:rPr lang="en-US" dirty="0"/>
-              <a:t>, </a:t>
-            </a:r>
-            <a:r>
-              <a:rPr lang="bg-BG" b="1" dirty="0"/>
-              <a:t>редактиране</a:t>
-            </a:r>
-            <a:r>
-              <a:rPr lang="bg-BG" dirty="0"/>
-              <a:t> и </a:t>
-            </a:r>
-            <a:r>
-              <a:rPr lang="bg-BG" b="1" dirty="0"/>
-              <a:t>изтриване</a:t>
-            </a:r>
-          </a:p>
-          <a:p>
-            <a:r>
-              <a:rPr lang="bg-BG" b="1" dirty="0">
-                <a:solidFill>
-                  <a:schemeClr val="bg1"/>
-                </a:solidFill>
-              </a:rPr>
-              <a:t>Управление на админи</a:t>
-            </a:r>
-            <a:r>
-              <a:rPr lang="en-US" b="1" dirty="0">
-                <a:solidFill>
-                  <a:schemeClr val="bg1"/>
-                </a:solidFill>
-              </a:rPr>
-              <a:t> (</a:t>
-            </a:r>
-            <a:r>
-              <a:rPr lang="bg-BG" b="1" dirty="0">
-                <a:solidFill>
-                  <a:schemeClr val="bg1"/>
-                </a:solidFill>
-              </a:rPr>
-              <a:t>за админи)</a:t>
-            </a:r>
-            <a:endParaRPr lang="bg-BG" b="1" dirty="0"/>
           </a:p>
         </p:txBody>
       </p:sp>
@@ -18110,15 +14512,33 @@
                                   </p:childTnLst>
                                 </p:cTn>
                               </p:par>
+                            </p:childTnLst>
+                          </p:cTn>
+                        </p:par>
+                      </p:childTnLst>
+                    </p:cTn>
+                  </p:par>
+                  <p:par>
+                    <p:cTn id="27" fill="hold">
+                      <p:stCondLst>
+                        <p:cond delay="indefinite"/>
+                      </p:stCondLst>
+                      <p:childTnLst>
+                        <p:par>
+                          <p:cTn id="28" fill="hold">
+                            <p:stCondLst>
+                              <p:cond delay="0"/>
+                            </p:stCondLst>
+                            <p:childTnLst>
                               <p:par>
-                                <p:cTn id="27" presetID="1" presetClass="entr" presetSubtype="0" fill="hold" nodeType="withEffect">
+                                <p:cTn id="29" presetID="1" presetClass="entr" presetSubtype="0" fill="hold" nodeType="clickEffect">
                                   <p:stCondLst>
                                     <p:cond delay="0"/>
                                   </p:stCondLst>
                                   <p:childTnLst>
                                     <p:set>
                                       <p:cBhvr>
-                                        <p:cTn id="28" dur="1" fill="hold">
+                                        <p:cTn id="30" dur="1" fill="hold">
                                           <p:stCondLst>
                                             <p:cond delay="0"/>
                                           </p:stCondLst>
@@ -18148,26 +14568,26 @@
                     </p:cTn>
                   </p:par>
                   <p:par>
-                    <p:cTn id="29" fill="hold">
+                    <p:cTn id="31" fill="hold">
                       <p:stCondLst>
                         <p:cond delay="indefinite"/>
                       </p:stCondLst>
                       <p:childTnLst>
                         <p:par>
-                          <p:cTn id="30" fill="hold">
+                          <p:cTn id="32" fill="hold">
                             <p:stCondLst>
                               <p:cond delay="0"/>
                             </p:stCondLst>
                             <p:childTnLst>
                               <p:par>
-                                <p:cTn id="31" presetID="1" presetClass="entr" presetSubtype="0" fill="hold" nodeType="clickEffect">
+                                <p:cTn id="33" presetID="1" presetClass="entr" presetSubtype="0" fill="hold" nodeType="clickEffect">
                                   <p:stCondLst>
                                     <p:cond delay="0"/>
                                   </p:stCondLst>
                                   <p:childTnLst>
                                     <p:set>
                                       <p:cBhvr>
-                                        <p:cTn id="32" dur="1" fill="hold">
+                                        <p:cTn id="34" dur="1" fill="hold">
                                           <p:stCondLst>
                                             <p:cond delay="0"/>
                                           </p:stCondLst>
@@ -18176,184 +14596,6 @@
                                           <p:spTgt spid="7">
                                             <p:txEl>
                                               <p:pRg st="10" end="10"/>
-                                            </p:txEl>
-                                          </p:spTgt>
-                                        </p:tgtEl>
-                                        <p:attrNameLst>
-                                          <p:attrName>style.visibility</p:attrName>
-                                        </p:attrNameLst>
-                                      </p:cBhvr>
-                                      <p:to>
-                                        <p:strVal val="visible"/>
-                                      </p:to>
-                                    </p:set>
-                                  </p:childTnLst>
-                                </p:cTn>
-                              </p:par>
-                            </p:childTnLst>
-                          </p:cTn>
-                        </p:par>
-                      </p:childTnLst>
-                    </p:cTn>
-                  </p:par>
-                  <p:par>
-                    <p:cTn id="33" fill="hold">
-                      <p:stCondLst>
-                        <p:cond delay="indefinite"/>
-                      </p:stCondLst>
-                      <p:childTnLst>
-                        <p:par>
-                          <p:cTn id="34" fill="hold">
-                            <p:stCondLst>
-                              <p:cond delay="0"/>
-                            </p:stCondLst>
-                            <p:childTnLst>
-                              <p:par>
-                                <p:cTn id="35" presetID="1" presetClass="entr" presetSubtype="0" fill="hold" nodeType="clickEffect">
-                                  <p:stCondLst>
-                                    <p:cond delay="0"/>
-                                  </p:stCondLst>
-                                  <p:childTnLst>
-                                    <p:set>
-                                      <p:cBhvr>
-                                        <p:cTn id="36" dur="1" fill="hold">
-                                          <p:stCondLst>
-                                            <p:cond delay="0"/>
-                                          </p:stCondLst>
-                                        </p:cTn>
-                                        <p:tgtEl>
-                                          <p:spTgt spid="7">
-                                            <p:txEl>
-                                              <p:pRg st="11" end="11"/>
-                                            </p:txEl>
-                                          </p:spTgt>
-                                        </p:tgtEl>
-                                        <p:attrNameLst>
-                                          <p:attrName>style.visibility</p:attrName>
-                                        </p:attrNameLst>
-                                      </p:cBhvr>
-                                      <p:to>
-                                        <p:strVal val="visible"/>
-                                      </p:to>
-                                    </p:set>
-                                  </p:childTnLst>
-                                </p:cTn>
-                              </p:par>
-                              <p:par>
-                                <p:cTn id="37" presetID="1" presetClass="entr" presetSubtype="0" fill="hold" nodeType="withEffect">
-                                  <p:stCondLst>
-                                    <p:cond delay="0"/>
-                                  </p:stCondLst>
-                                  <p:childTnLst>
-                                    <p:set>
-                                      <p:cBhvr>
-                                        <p:cTn id="38" dur="1" fill="hold">
-                                          <p:stCondLst>
-                                            <p:cond delay="0"/>
-                                          </p:stCondLst>
-                                        </p:cTn>
-                                        <p:tgtEl>
-                                          <p:spTgt spid="7">
-                                            <p:txEl>
-                                              <p:pRg st="12" end="12"/>
-                                            </p:txEl>
-                                          </p:spTgt>
-                                        </p:tgtEl>
-                                        <p:attrNameLst>
-                                          <p:attrName>style.visibility</p:attrName>
-                                        </p:attrNameLst>
-                                      </p:cBhvr>
-                                      <p:to>
-                                        <p:strVal val="visible"/>
-                                      </p:to>
-                                    </p:set>
-                                  </p:childTnLst>
-                                </p:cTn>
-                              </p:par>
-                            </p:childTnLst>
-                          </p:cTn>
-                        </p:par>
-                      </p:childTnLst>
-                    </p:cTn>
-                  </p:par>
-                  <p:par>
-                    <p:cTn id="39" fill="hold">
-                      <p:stCondLst>
-                        <p:cond delay="indefinite"/>
-                      </p:stCondLst>
-                      <p:childTnLst>
-                        <p:par>
-                          <p:cTn id="40" fill="hold">
-                            <p:stCondLst>
-                              <p:cond delay="0"/>
-                            </p:stCondLst>
-                            <p:childTnLst>
-                              <p:par>
-                                <p:cTn id="41" presetID="1" presetClass="entr" presetSubtype="0" fill="hold" nodeType="clickEffect">
-                                  <p:stCondLst>
-                                    <p:cond delay="0"/>
-                                  </p:stCondLst>
-                                  <p:childTnLst>
-                                    <p:set>
-                                      <p:cBhvr>
-                                        <p:cTn id="42" dur="1" fill="hold">
-                                          <p:stCondLst>
-                                            <p:cond delay="0"/>
-                                          </p:stCondLst>
-                                        </p:cTn>
-                                        <p:tgtEl>
-                                          <p:spTgt spid="7">
-                                            <p:txEl>
-                                              <p:pRg st="13" end="13"/>
-                                            </p:txEl>
-                                          </p:spTgt>
-                                        </p:tgtEl>
-                                        <p:attrNameLst>
-                                          <p:attrName>style.visibility</p:attrName>
-                                        </p:attrNameLst>
-                                      </p:cBhvr>
-                                      <p:to>
-                                        <p:strVal val="visible"/>
-                                      </p:to>
-                                    </p:set>
-                                  </p:childTnLst>
-                                </p:cTn>
-                              </p:par>
-                            </p:childTnLst>
-                          </p:cTn>
-                        </p:par>
-                      </p:childTnLst>
-                    </p:cTn>
-                  </p:par>
-                  <p:par>
-                    <p:cTn id="43" fill="hold">
-                      <p:stCondLst>
-                        <p:cond delay="indefinite"/>
-                      </p:stCondLst>
-                      <p:childTnLst>
-                        <p:par>
-                          <p:cTn id="44" fill="hold">
-                            <p:stCondLst>
-                              <p:cond delay="0"/>
-                            </p:stCondLst>
-                            <p:childTnLst>
-                              <p:par>
-                                <p:cTn id="45" presetID="1" presetClass="entr" presetSubtype="0" fill="hold" nodeType="clickEffect">
-                                  <p:stCondLst>
-                                    <p:cond delay="0"/>
-                                  </p:stCondLst>
-                                  <p:childTnLst>
-                                    <p:set>
-                                      <p:cBhvr>
-                                        <p:cTn id="46" dur="1" fill="hold">
-                                          <p:stCondLst>
-                                            <p:cond delay="0"/>
-                                          </p:stCondLst>
-                                        </p:cTn>
-                                        <p:tgtEl>
-                                          <p:spTgt spid="7">
-                                            <p:txEl>
-                                              <p:pRg st="14" end="14"/>
                                             </p:txEl>
                                           </p:spTgt>
                                         </p:tgtEl>
@@ -18399,7 +14641,7 @@
 </p:sld>
 </file>
 
-<file path=ppt/slides/slide24.xml><?xml version="1.0" encoding="utf-8"?>
+<file path=ppt/slides/slide23.xml><?xml version="1.0" encoding="utf-8"?>
 <p:sld xmlns:a="http://schemas.openxmlformats.org/drawingml/2006/main" xmlns:r="http://schemas.openxmlformats.org/officeDocument/2006/relationships" xmlns:p="http://schemas.openxmlformats.org/presentationml/2006/main">
   <p:cSld>
     <p:spTree>
@@ -18440,7 +14682,7 @@
             <a:fld id="{2BF067CD-8E6B-4360-9AA8-C5DF2A48A6D1}" type="slidenum">
               <a:rPr lang="en-US" noProof="0" smtClean="0"/>
               <a:pPr/>
-              <a:t>24</a:t>
+              <a:t>23</a:t>
             </a:fld>
             <a:endParaRPr lang="en-US" noProof="0" dirty="0"/>
           </a:p>
@@ -18471,23 +14713,11 @@
           <a:p>
             <a:r>
               <a:rPr lang="bg-BG" dirty="0"/>
-              <a:t>Проектиране</a:t>
+              <a:t>Проектиране на </a:t>
             </a:r>
             <a:r>
               <a:rPr lang="en-US" dirty="0"/>
-              <a:t>: </a:t>
-            </a:r>
-            <a:r>
-              <a:rPr lang="bg-BG" dirty="0"/>
-              <a:t>дизайн на </a:t>
-            </a:r>
-            <a:r>
-              <a:rPr lang="en-US" dirty="0"/>
-              <a:t>UI </a:t>
-            </a:r>
-            <a:r>
-              <a:rPr lang="bg-BG" dirty="0"/>
-              <a:t>- Пациенти</a:t>
+              <a:t>UI (2)</a:t>
             </a:r>
             <a:endParaRPr lang="en-BG" dirty="0"/>
           </a:p>
@@ -18512,7 +14742,7 @@
         <p:spPr/>
         <p:txBody>
           <a:bodyPr>
-            <a:normAutofit fontScale="92500" lnSpcReduction="10000"/>
+            <a:normAutofit/>
           </a:bodyPr>
           <a:lstStyle/>
           <a:p>
@@ -18522,86 +14752,30 @@
                   <a:schemeClr val="bg1"/>
                 </a:solidFill>
               </a:rPr>
-              <a:t>Форма за добавяне на нов пациент</a:t>
-            </a:r>
-          </a:p>
-          <a:p>
-            <a:pPr lvl="1"/>
-            <a:r>
-              <a:rPr lang="bg-BG" dirty="0"/>
-              <a:t>Полета за </a:t>
-            </a:r>
-            <a:r>
-              <a:rPr lang="bg-BG" b="1" dirty="0"/>
-              <a:t>име</a:t>
-            </a:r>
-            <a:r>
-              <a:rPr lang="bg-BG" dirty="0"/>
-              <a:t>, </a:t>
-            </a:r>
-            <a:r>
-              <a:rPr lang="bg-BG" b="1" dirty="0"/>
-              <a:t>фамилия</a:t>
-            </a:r>
-            <a:r>
-              <a:rPr lang="bg-BG" dirty="0"/>
-              <a:t>, </a:t>
-            </a:r>
-            <a:r>
-              <a:rPr lang="bg-BG" b="1" dirty="0"/>
-              <a:t>ЕГН</a:t>
-            </a:r>
-            <a:r>
-              <a:rPr lang="bg-BG" dirty="0"/>
-              <a:t>, </a:t>
-            </a:r>
-            <a:r>
-              <a:rPr lang="bg-BG" b="1" dirty="0"/>
-              <a:t>пол</a:t>
-            </a:r>
-            <a:r>
-              <a:rPr lang="bg-BG" dirty="0"/>
-              <a:t>, </a:t>
-            </a:r>
-            <a:r>
-              <a:rPr lang="bg-BG" b="1" dirty="0"/>
-              <a:t>телефон</a:t>
-            </a:r>
-          </a:p>
-          <a:p>
-            <a:pPr lvl="1"/>
-            <a:r>
-              <a:rPr lang="bg-BG" dirty="0"/>
-              <a:t>Бутони за </a:t>
-            </a:r>
-            <a:r>
-              <a:rPr lang="bg-BG" b="1" dirty="0"/>
-              <a:t>добавяне</a:t>
-            </a:r>
-            <a:r>
-              <a:rPr lang="bg-BG" dirty="0"/>
-              <a:t> и </a:t>
-            </a:r>
-            <a:r>
-              <a:rPr lang="bg-BG" b="1" dirty="0"/>
-              <a:t>отказ</a:t>
-            </a:r>
-          </a:p>
-          <a:p>
+              <a:t>Управление на лекари</a:t>
+            </a:r>
+            <a:r>
+              <a:rPr lang="en-US" b="1" dirty="0">
+                <a:solidFill>
+                  <a:schemeClr val="bg1"/>
+                </a:solidFill>
+              </a:rPr>
+              <a:t> (</a:t>
+            </a:r>
             <a:r>
               <a:rPr lang="bg-BG" b="1" dirty="0">
                 <a:solidFill>
                   <a:schemeClr val="bg1"/>
                 </a:solidFill>
               </a:rPr>
-              <a:t>Форма за редактиране на съществуващ пациент</a:t>
+              <a:t>за админи)</a:t>
             </a:r>
           </a:p>
           <a:p>
             <a:pPr lvl="1"/>
             <a:r>
               <a:rPr lang="bg-BG" dirty="0"/>
-              <a:t>Полета </a:t>
+              <a:t>Полета за </a:t>
             </a:r>
             <a:r>
               <a:rPr lang="bg-BG" b="1" dirty="0"/>
@@ -18621,7 +14795,7 @@
             </a:r>
             <a:r>
               <a:rPr lang="bg-BG" b="1" dirty="0"/>
-              <a:t>ЕГН</a:t>
+              <a:t>специалност</a:t>
             </a:r>
             <a:r>
               <a:rPr lang="bg-BG" dirty="0"/>
@@ -18629,16 +14803,9 @@
             </a:r>
             <a:r>
               <a:rPr lang="bg-BG" b="1" dirty="0"/>
-              <a:t>пол</a:t>
-            </a:r>
-            <a:r>
-              <a:rPr lang="bg-BG" dirty="0"/>
-              <a:t>, </a:t>
-            </a:r>
-            <a:r>
-              <a:rPr lang="bg-BG" b="1" dirty="0"/>
               <a:t>телефон</a:t>
             </a:r>
+            <a:endParaRPr lang="bg-BG" dirty="0"/>
           </a:p>
           <a:p>
             <a:pPr lvl="1"/>
@@ -18648,6 +14815,18 @@
             </a:r>
             <a:r>
               <a:rPr lang="bg-BG" b="1" dirty="0"/>
+              <a:t>добавян</a:t>
+            </a:r>
+            <a:r>
+              <a:rPr lang="en-US" b="1" dirty="0"/>
+              <a:t>e</a:t>
+            </a:r>
+            <a:r>
+              <a:rPr lang="en-US" dirty="0"/>
+              <a:t>, </a:t>
+            </a:r>
+            <a:r>
+              <a:rPr lang="bg-BG" b="1" dirty="0"/>
               <a:t>редактиране</a:t>
             </a:r>
             <a:r>
@@ -18656,7 +14835,7 @@
             </a:r>
             <a:r>
               <a:rPr lang="bg-BG" b="1" dirty="0"/>
-              <a:t>отказ</a:t>
+              <a:t>изтриване</a:t>
             </a:r>
           </a:p>
           <a:p>
@@ -18666,14 +14845,35 @@
                   <a:schemeClr val="bg1"/>
                 </a:solidFill>
               </a:rPr>
-              <a:t>Форма за изтриване на съществуващ пациент</a:t>
-            </a:r>
+              <a:t>Управление на админи</a:t>
+            </a:r>
+            <a:r>
+              <a:rPr lang="en-US" b="1" dirty="0">
+                <a:solidFill>
+                  <a:schemeClr val="bg1"/>
+                </a:solidFill>
+              </a:rPr>
+              <a:t> (</a:t>
+            </a:r>
+            <a:r>
+              <a:rPr lang="bg-BG" b="1" dirty="0">
+                <a:solidFill>
+                  <a:schemeClr val="bg1"/>
+                </a:solidFill>
+              </a:rPr>
+              <a:t>за админи)</a:t>
+            </a:r>
+            <a:endParaRPr lang="en-US" b="1" dirty="0">
+              <a:solidFill>
+                <a:schemeClr val="bg1"/>
+              </a:solidFill>
+            </a:endParaRPr>
           </a:p>
           <a:p>
             <a:pPr lvl="1"/>
             <a:r>
               <a:rPr lang="bg-BG" dirty="0"/>
-              <a:t>Поле за </a:t>
+              <a:t>Полета за </a:t>
             </a:r>
             <a:r>
               <a:rPr lang="bg-BG" b="1" dirty="0"/>
@@ -18681,12 +14881,25 @@
             </a:r>
             <a:r>
               <a:rPr lang="bg-BG" dirty="0"/>
-              <a:t> и </a:t>
+              <a:t>, </a:t>
             </a:r>
             <a:r>
               <a:rPr lang="bg-BG" b="1" dirty="0"/>
               <a:t>фамилия</a:t>
             </a:r>
+            <a:r>
+              <a:rPr lang="bg-BG" dirty="0"/>
+              <a:t>, </a:t>
+            </a:r>
+            <a:r>
+              <a:rPr lang="bg-BG" sz="3200" b="1" dirty="0"/>
+              <a:t>телефон, </a:t>
+            </a:r>
+            <a:r>
+              <a:rPr lang="en-US" sz="3200" b="1" dirty="0"/>
+              <a:t>email</a:t>
+            </a:r>
+            <a:endParaRPr lang="bg-BG" dirty="0"/>
           </a:p>
           <a:p>
             <a:pPr lvl="1"/>
@@ -18696,7 +14909,19 @@
             </a:r>
             <a:r>
               <a:rPr lang="bg-BG" b="1" dirty="0"/>
-              <a:t>изтриване</a:t>
+              <a:t>добавян</a:t>
+            </a:r>
+            <a:r>
+              <a:rPr lang="en-US" b="1" dirty="0"/>
+              <a:t>e</a:t>
+            </a:r>
+            <a:r>
+              <a:rPr lang="en-US" dirty="0"/>
+              <a:t>, </a:t>
+            </a:r>
+            <a:r>
+              <a:rPr lang="bg-BG" b="1" dirty="0"/>
+              <a:t>редактиране</a:t>
             </a:r>
             <a:r>
               <a:rPr lang="bg-BG" dirty="0"/>
@@ -18704,16 +14929,19 @@
             </a:r>
             <a:r>
               <a:rPr lang="bg-BG" b="1" dirty="0"/>
-              <a:t>отказ</a:t>
-            </a:r>
-            <a:endParaRPr lang="en-BG" b="1" dirty="0"/>
+              <a:t>изтриване</a:t>
+            </a:r>
+          </a:p>
+          <a:p>
+            <a:pPr lvl="1"/>
+            <a:endParaRPr lang="bg-BG" b="1" dirty="0"/>
           </a:p>
         </p:txBody>
       </p:sp>
     </p:spTree>
     <p:extLst>
       <p:ext uri="{BB962C8B-B14F-4D97-AF65-F5344CB8AC3E}">
-        <p14:creationId xmlns:p14="http://schemas.microsoft.com/office/powerpoint/2010/main" val="2251554703"/>
+        <p14:creationId xmlns:p14="http://schemas.microsoft.com/office/powerpoint/2010/main" val="1219928633"/>
       </p:ext>
     </p:extLst>
   </p:cSld>
@@ -18740,9 +14968,6 @@
                     <p:cTn id="3" fill="hold">
                       <p:stCondLst>
                         <p:cond delay="indefinite"/>
-                        <p:cond evt="onBegin" delay="0">
-                          <p:tn val="2"/>
-                        </p:cond>
                       </p:stCondLst>
                       <p:childTnLst>
                         <p:par>
@@ -18752,7 +14977,7 @@
                             </p:stCondLst>
                             <p:childTnLst>
                               <p:par>
-                                <p:cTn id="5" presetID="1" presetClass="entr" presetSubtype="0" fill="hold" nodeType="withEffect">
+                                <p:cTn id="5" presetID="1" presetClass="entr" presetSubtype="0" fill="hold" nodeType="clickEffect">
                                   <p:stCondLst>
                                     <p:cond delay="0"/>
                                   </p:stCondLst>
@@ -18911,8 +15136,710 @@
                                   </p:childTnLst>
                                 </p:cTn>
                               </p:par>
+                            </p:childTnLst>
+                          </p:cTn>
+                        </p:par>
+                      </p:childTnLst>
+                    </p:cTn>
+                  </p:par>
+                  <p:par>
+                    <p:cTn id="17" fill="hold">
+                      <p:stCondLst>
+                        <p:cond delay="indefinite"/>
+                      </p:stCondLst>
+                      <p:childTnLst>
+                        <p:par>
+                          <p:cTn id="18" fill="hold">
+                            <p:stCondLst>
+                              <p:cond delay="0"/>
+                            </p:stCondLst>
+                            <p:childTnLst>
                               <p:par>
-                                <p:cTn id="17" presetID="1" presetClass="entr" presetSubtype="0" fill="hold" nodeType="withEffect">
+                                <p:cTn id="19" presetID="1" presetClass="entr" presetSubtype="0" fill="hold" nodeType="clickEffect">
+                                  <p:stCondLst>
+                                    <p:cond delay="0"/>
+                                  </p:stCondLst>
+                                  <p:childTnLst>
+                                    <p:set>
+                                      <p:cBhvr>
+                                        <p:cTn id="20" dur="1" fill="hold">
+                                          <p:stCondLst>
+                                            <p:cond delay="0"/>
+                                          </p:stCondLst>
+                                        </p:cTn>
+                                        <p:tgtEl>
+                                          <p:spTgt spid="7">
+                                            <p:txEl>
+                                              <p:pRg st="4" end="4"/>
+                                            </p:txEl>
+                                          </p:spTgt>
+                                        </p:tgtEl>
+                                        <p:attrNameLst>
+                                          <p:attrName>style.visibility</p:attrName>
+                                        </p:attrNameLst>
+                                      </p:cBhvr>
+                                      <p:to>
+                                        <p:strVal val="visible"/>
+                                      </p:to>
+                                    </p:set>
+                                  </p:childTnLst>
+                                </p:cTn>
+                              </p:par>
+                            </p:childTnLst>
+                          </p:cTn>
+                        </p:par>
+                      </p:childTnLst>
+                    </p:cTn>
+                  </p:par>
+                  <p:par>
+                    <p:cTn id="21" fill="hold">
+                      <p:stCondLst>
+                        <p:cond delay="indefinite"/>
+                      </p:stCondLst>
+                      <p:childTnLst>
+                        <p:par>
+                          <p:cTn id="22" fill="hold">
+                            <p:stCondLst>
+                              <p:cond delay="0"/>
+                            </p:stCondLst>
+                            <p:childTnLst>
+                              <p:par>
+                                <p:cTn id="23" presetID="1" presetClass="entr" presetSubtype="0" fill="hold" nodeType="clickEffect">
+                                  <p:stCondLst>
+                                    <p:cond delay="0"/>
+                                  </p:stCondLst>
+                                  <p:childTnLst>
+                                    <p:set>
+                                      <p:cBhvr>
+                                        <p:cTn id="24" dur="1" fill="hold">
+                                          <p:stCondLst>
+                                            <p:cond delay="0"/>
+                                          </p:stCondLst>
+                                        </p:cTn>
+                                        <p:tgtEl>
+                                          <p:spTgt spid="7">
+                                            <p:txEl>
+                                              <p:pRg st="5" end="5"/>
+                                            </p:txEl>
+                                          </p:spTgt>
+                                        </p:tgtEl>
+                                        <p:attrNameLst>
+                                          <p:attrName>style.visibility</p:attrName>
+                                        </p:attrNameLst>
+                                      </p:cBhvr>
+                                      <p:to>
+                                        <p:strVal val="visible"/>
+                                      </p:to>
+                                    </p:set>
+                                  </p:childTnLst>
+                                </p:cTn>
+                              </p:par>
+                            </p:childTnLst>
+                          </p:cTn>
+                        </p:par>
+                      </p:childTnLst>
+                    </p:cTn>
+                  </p:par>
+                </p:childTnLst>
+              </p:cTn>
+              <p:prevCondLst>
+                <p:cond evt="onPrev" delay="0">
+                  <p:tgtEl>
+                    <p:sldTgt/>
+                  </p:tgtEl>
+                </p:cond>
+              </p:prevCondLst>
+              <p:nextCondLst>
+                <p:cond evt="onNext" delay="0">
+                  <p:tgtEl>
+                    <p:sldTgt/>
+                  </p:tgtEl>
+                </p:cond>
+              </p:nextCondLst>
+            </p:seq>
+          </p:childTnLst>
+        </p:cTn>
+      </p:par>
+    </p:tnLst>
+  </p:timing>
+</p:sld>
+</file>
+
+<file path=ppt/slides/slide24.xml><?xml version="1.0" encoding="utf-8"?>
+<p:sld xmlns:a="http://schemas.openxmlformats.org/drawingml/2006/main" xmlns:r="http://schemas.openxmlformats.org/officeDocument/2006/relationships" xmlns:p="http://schemas.openxmlformats.org/presentationml/2006/main">
+  <p:cSld>
+    <p:spTree>
+      <p:nvGrpSpPr>
+        <p:cNvPr id="1" name=""/>
+        <p:cNvGrpSpPr/>
+        <p:nvPr/>
+      </p:nvGrpSpPr>
+      <p:grpSpPr>
+        <a:xfrm>
+          <a:off x="0" y="0"/>
+          <a:ext cx="0" cy="0"/>
+          <a:chOff x="0" y="0"/>
+          <a:chExt cx="0" cy="0"/>
+        </a:xfrm>
+      </p:grpSpPr>
+      <p:sp>
+        <p:nvSpPr>
+          <p:cNvPr id="2" name="Slide Number Placeholder 1">
+            <a:extLst>
+              <a:ext uri="{FF2B5EF4-FFF2-40B4-BE49-F238E27FC236}">
+                <a16:creationId xmlns:a16="http://schemas.microsoft.com/office/drawing/2014/main" id="{CCAABC86-82E0-F099-701A-D4347B605385}"/>
+              </a:ext>
+            </a:extLst>
+          </p:cNvPr>
+          <p:cNvSpPr>
+            <a:spLocks noGrp="1"/>
+          </p:cNvSpPr>
+          <p:nvPr>
+            <p:ph type="sldNum" sz="quarter" idx="5"/>
+          </p:nvPr>
+        </p:nvSpPr>
+        <p:spPr/>
+        <p:txBody>
+          <a:bodyPr/>
+          <a:lstStyle/>
+          <a:p>
+            <a:fld id="{2BF067CD-8E6B-4360-9AA8-C5DF2A48A6D1}" type="slidenum">
+              <a:rPr lang="en-US" noProof="0" smtClean="0"/>
+              <a:pPr/>
+              <a:t>24</a:t>
+            </a:fld>
+            <a:endParaRPr lang="en-US" noProof="0" dirty="0"/>
+          </a:p>
+        </p:txBody>
+      </p:sp>
+      <p:sp>
+        <p:nvSpPr>
+          <p:cNvPr id="4" name="Title 3">
+            <a:extLst>
+              <a:ext uri="{FF2B5EF4-FFF2-40B4-BE49-F238E27FC236}">
+                <a16:creationId xmlns:a16="http://schemas.microsoft.com/office/drawing/2014/main" id="{67B6A643-676D-3506-B008-B24B36AA34F1}"/>
+              </a:ext>
+            </a:extLst>
+          </p:cNvPr>
+          <p:cNvSpPr>
+            <a:spLocks noGrp="1"/>
+          </p:cNvSpPr>
+          <p:nvPr>
+            <p:ph type="title"/>
+          </p:nvPr>
+        </p:nvSpPr>
+        <p:spPr/>
+        <p:txBody>
+          <a:bodyPr>
+            <a:normAutofit/>
+          </a:bodyPr>
+          <a:lstStyle/>
+          <a:p>
+            <a:r>
+              <a:rPr lang="bg-BG" dirty="0"/>
+              <a:t>Проектиране</a:t>
+            </a:r>
+            <a:r>
+              <a:rPr lang="en-US" dirty="0"/>
+              <a:t>: </a:t>
+            </a:r>
+            <a:r>
+              <a:rPr lang="bg-BG" dirty="0"/>
+              <a:t>дизайн на </a:t>
+            </a:r>
+            <a:r>
+              <a:rPr lang="en-US" dirty="0"/>
+              <a:t>UI </a:t>
+            </a:r>
+            <a:r>
+              <a:rPr lang="bg-BG" dirty="0"/>
+              <a:t>- Пациенти</a:t>
+            </a:r>
+            <a:endParaRPr lang="en-BG" dirty="0"/>
+          </a:p>
+        </p:txBody>
+      </p:sp>
+      <p:sp>
+        <p:nvSpPr>
+          <p:cNvPr id="7" name="Text Placeholder 6">
+            <a:extLst>
+              <a:ext uri="{FF2B5EF4-FFF2-40B4-BE49-F238E27FC236}">
+                <a16:creationId xmlns:a16="http://schemas.microsoft.com/office/drawing/2014/main" id="{FBFEFCDD-E454-D1E7-D67F-EE67BB2A7ACE}"/>
+              </a:ext>
+            </a:extLst>
+          </p:cNvPr>
+          <p:cNvSpPr>
+            <a:spLocks noGrp="1"/>
+          </p:cNvSpPr>
+          <p:nvPr>
+            <p:ph type="body" sz="quarter" idx="10"/>
+          </p:nvPr>
+        </p:nvSpPr>
+        <p:spPr/>
+        <p:txBody>
+          <a:bodyPr>
+            <a:normAutofit fontScale="70000" lnSpcReduction="20000"/>
+          </a:bodyPr>
+          <a:lstStyle/>
+          <a:p>
+            <a:r>
+              <a:rPr lang="bg-BG" b="1" dirty="0">
+                <a:solidFill>
+                  <a:schemeClr val="bg1"/>
+                </a:solidFill>
+              </a:rPr>
+              <a:t>Форма за показване на пациенти</a:t>
+            </a:r>
+          </a:p>
+          <a:p>
+            <a:pPr lvl="1"/>
+            <a:r>
+              <a:rPr lang="bg-BG" dirty="0"/>
+              <a:t>Таблица с всички </a:t>
+            </a:r>
+            <a:r>
+              <a:rPr lang="bg-BG" b="1" dirty="0"/>
+              <a:t>пациенти</a:t>
+            </a:r>
+          </a:p>
+          <a:p>
+            <a:pPr lvl="1"/>
+            <a:r>
+              <a:rPr lang="bg-BG" dirty="0"/>
+              <a:t>Бутони за </a:t>
+            </a:r>
+            <a:r>
+              <a:rPr lang="bg-BG" b="1" dirty="0"/>
+              <a:t>добавяне</a:t>
+            </a:r>
+            <a:r>
+              <a:rPr lang="bg-BG" dirty="0"/>
+              <a:t>, </a:t>
+            </a:r>
+            <a:r>
+              <a:rPr lang="bg-BG" b="1" dirty="0"/>
+              <a:t>редактиране</a:t>
+            </a:r>
+            <a:r>
+              <a:rPr lang="bg-BG" dirty="0"/>
+              <a:t> и </a:t>
+            </a:r>
+            <a:r>
+              <a:rPr lang="bg-BG" b="1" dirty="0"/>
+              <a:t>изтриване</a:t>
+            </a:r>
+          </a:p>
+          <a:p>
+            <a:r>
+              <a:rPr lang="bg-BG" b="1" dirty="0">
+                <a:solidFill>
+                  <a:schemeClr val="bg1"/>
+                </a:solidFill>
+              </a:rPr>
+              <a:t>Форма за добавяне на нов пациент</a:t>
+            </a:r>
+          </a:p>
+          <a:p>
+            <a:pPr lvl="1"/>
+            <a:r>
+              <a:rPr lang="bg-BG" dirty="0"/>
+              <a:t>Полета за </a:t>
+            </a:r>
+            <a:r>
+              <a:rPr lang="bg-BG" b="1" dirty="0"/>
+              <a:t>име</a:t>
+            </a:r>
+            <a:r>
+              <a:rPr lang="bg-BG" dirty="0"/>
+              <a:t>, </a:t>
+            </a:r>
+            <a:r>
+              <a:rPr lang="bg-BG" b="1" dirty="0"/>
+              <a:t>фамилия</a:t>
+            </a:r>
+            <a:r>
+              <a:rPr lang="bg-BG" dirty="0"/>
+              <a:t>, </a:t>
+            </a:r>
+            <a:r>
+              <a:rPr lang="bg-BG" b="1" dirty="0"/>
+              <a:t>ЕГН</a:t>
+            </a:r>
+            <a:r>
+              <a:rPr lang="bg-BG" dirty="0"/>
+              <a:t>, </a:t>
+            </a:r>
+            <a:r>
+              <a:rPr lang="bg-BG" b="1" dirty="0"/>
+              <a:t>пол</a:t>
+            </a:r>
+            <a:r>
+              <a:rPr lang="bg-BG" dirty="0"/>
+              <a:t>, </a:t>
+            </a:r>
+            <a:r>
+              <a:rPr lang="bg-BG" b="1" dirty="0"/>
+              <a:t>телефон</a:t>
+            </a:r>
+          </a:p>
+          <a:p>
+            <a:pPr lvl="1"/>
+            <a:r>
+              <a:rPr lang="bg-BG" dirty="0"/>
+              <a:t>Бутони за </a:t>
+            </a:r>
+            <a:r>
+              <a:rPr lang="bg-BG" b="1" dirty="0"/>
+              <a:t>добавяне</a:t>
+            </a:r>
+            <a:r>
+              <a:rPr lang="bg-BG" dirty="0"/>
+              <a:t> и </a:t>
+            </a:r>
+            <a:r>
+              <a:rPr lang="bg-BG" b="1" dirty="0"/>
+              <a:t>отказ</a:t>
+            </a:r>
+          </a:p>
+          <a:p>
+            <a:r>
+              <a:rPr lang="bg-BG" b="1" dirty="0">
+                <a:solidFill>
+                  <a:schemeClr val="bg1"/>
+                </a:solidFill>
+              </a:rPr>
+              <a:t>Форма за редактиране на съществуващ пациент</a:t>
+            </a:r>
+          </a:p>
+          <a:p>
+            <a:pPr lvl="1"/>
+            <a:r>
+              <a:rPr lang="bg-BG" dirty="0"/>
+              <a:t>Полета </a:t>
+            </a:r>
+            <a:r>
+              <a:rPr lang="bg-BG" b="1" dirty="0"/>
+              <a:t>име</a:t>
+            </a:r>
+            <a:r>
+              <a:rPr lang="bg-BG" dirty="0"/>
+              <a:t>, </a:t>
+            </a:r>
+            <a:r>
+              <a:rPr lang="bg-BG" b="1" dirty="0"/>
+              <a:t>фамилия</a:t>
+            </a:r>
+            <a:r>
+              <a:rPr lang="bg-BG" dirty="0"/>
+              <a:t>, </a:t>
+            </a:r>
+            <a:r>
+              <a:rPr lang="bg-BG" b="1" dirty="0"/>
+              <a:t>ЕГН</a:t>
+            </a:r>
+            <a:r>
+              <a:rPr lang="bg-BG" dirty="0"/>
+              <a:t>, </a:t>
+            </a:r>
+            <a:r>
+              <a:rPr lang="bg-BG" b="1" dirty="0"/>
+              <a:t>пол</a:t>
+            </a:r>
+            <a:r>
+              <a:rPr lang="bg-BG" dirty="0"/>
+              <a:t>, </a:t>
+            </a:r>
+            <a:r>
+              <a:rPr lang="bg-BG" b="1" dirty="0"/>
+              <a:t>телефон</a:t>
+            </a:r>
+          </a:p>
+          <a:p>
+            <a:pPr lvl="1"/>
+            <a:r>
+              <a:rPr lang="bg-BG" dirty="0"/>
+              <a:t>Бутони за </a:t>
+            </a:r>
+            <a:r>
+              <a:rPr lang="bg-BG" b="1" dirty="0"/>
+              <a:t>редактиране</a:t>
+            </a:r>
+            <a:r>
+              <a:rPr lang="bg-BG" dirty="0"/>
+              <a:t> и </a:t>
+            </a:r>
+            <a:r>
+              <a:rPr lang="bg-BG" b="1" dirty="0"/>
+              <a:t>отказ</a:t>
+            </a:r>
+          </a:p>
+          <a:p>
+            <a:r>
+              <a:rPr lang="bg-BG" b="1" dirty="0">
+                <a:solidFill>
+                  <a:schemeClr val="bg1"/>
+                </a:solidFill>
+              </a:rPr>
+              <a:t>Форма за изтриване на съществуващ пациент</a:t>
+            </a:r>
+          </a:p>
+          <a:p>
+            <a:pPr lvl="1"/>
+            <a:r>
+              <a:rPr lang="bg-BG" dirty="0"/>
+              <a:t>Поле за </a:t>
+            </a:r>
+            <a:r>
+              <a:rPr lang="bg-BG" b="1" dirty="0"/>
+              <a:t>име</a:t>
+            </a:r>
+            <a:r>
+              <a:rPr lang="bg-BG" dirty="0"/>
+              <a:t> и </a:t>
+            </a:r>
+            <a:r>
+              <a:rPr lang="bg-BG" b="1" dirty="0"/>
+              <a:t>фамилия</a:t>
+            </a:r>
+          </a:p>
+          <a:p>
+            <a:pPr lvl="1"/>
+            <a:r>
+              <a:rPr lang="bg-BG" dirty="0"/>
+              <a:t>Бутони за </a:t>
+            </a:r>
+            <a:r>
+              <a:rPr lang="bg-BG" b="1" dirty="0"/>
+              <a:t>изтриване</a:t>
+            </a:r>
+            <a:r>
+              <a:rPr lang="bg-BG" dirty="0"/>
+              <a:t> и </a:t>
+            </a:r>
+            <a:r>
+              <a:rPr lang="bg-BG" b="1" dirty="0"/>
+              <a:t>отказ</a:t>
+            </a:r>
+            <a:endParaRPr lang="en-BG" b="1" dirty="0"/>
+          </a:p>
+        </p:txBody>
+      </p:sp>
+    </p:spTree>
+    <p:extLst>
+      <p:ext uri="{BB962C8B-B14F-4D97-AF65-F5344CB8AC3E}">
+        <p14:creationId xmlns:p14="http://schemas.microsoft.com/office/powerpoint/2010/main" val="2251554703"/>
+      </p:ext>
+    </p:extLst>
+  </p:cSld>
+  <p:clrMapOvr>
+    <a:masterClrMapping/>
+  </p:clrMapOvr>
+  <mc:AlternateContent xmlns:mc="http://schemas.openxmlformats.org/markup-compatibility/2006" xmlns:p14="http://schemas.microsoft.com/office/powerpoint/2010/main">
+    <mc:Choice Requires="p14">
+      <p:transition spd="slow" p14:dur="2000" advClick="0" advTm="5000"/>
+    </mc:Choice>
+    <mc:Fallback xmlns="">
+      <p:transition spd="slow" advClick="0" advTm="5000"/>
+    </mc:Fallback>
+  </mc:AlternateContent>
+  <p:timing>
+    <p:tnLst>
+      <p:par>
+        <p:cTn id="1" dur="indefinite" restart="never" nodeType="tmRoot">
+          <p:childTnLst>
+            <p:seq concurrent="1" nextAc="seek">
+              <p:cTn id="2" dur="indefinite" nodeType="mainSeq">
+                <p:childTnLst>
+                  <p:par>
+                    <p:cTn id="3" fill="hold">
+                      <p:stCondLst>
+                        <p:cond delay="indefinite"/>
+                        <p:cond evt="onBegin" delay="0">
+                          <p:tn val="2"/>
+                        </p:cond>
+                      </p:stCondLst>
+                      <p:childTnLst>
+                        <p:par>
+                          <p:cTn id="4" fill="hold">
+                            <p:stCondLst>
+                              <p:cond delay="0"/>
+                            </p:stCondLst>
+                            <p:childTnLst>
+                              <p:par>
+                                <p:cTn id="5" presetID="1" presetClass="entr" presetSubtype="0" fill="hold" nodeType="withEffect">
+                                  <p:stCondLst>
+                                    <p:cond delay="0"/>
+                                  </p:stCondLst>
+                                  <p:childTnLst>
+                                    <p:set>
+                                      <p:cBhvr>
+                                        <p:cTn id="6" dur="1" fill="hold">
+                                          <p:stCondLst>
+                                            <p:cond delay="0"/>
+                                          </p:stCondLst>
+                                        </p:cTn>
+                                        <p:tgtEl>
+                                          <p:spTgt spid="7">
+                                            <p:txEl>
+                                              <p:pRg st="3" end="3"/>
+                                            </p:txEl>
+                                          </p:spTgt>
+                                        </p:tgtEl>
+                                        <p:attrNameLst>
+                                          <p:attrName>style.visibility</p:attrName>
+                                        </p:attrNameLst>
+                                      </p:cBhvr>
+                                      <p:to>
+                                        <p:strVal val="visible"/>
+                                      </p:to>
+                                    </p:set>
+                                  </p:childTnLst>
+                                </p:cTn>
+                              </p:par>
+                              <p:par>
+                                <p:cTn id="7" presetID="1" presetClass="entr" presetSubtype="0" fill="hold" nodeType="withEffect">
+                                  <p:stCondLst>
+                                    <p:cond delay="0"/>
+                                  </p:stCondLst>
+                                  <p:childTnLst>
+                                    <p:set>
+                                      <p:cBhvr>
+                                        <p:cTn id="8" dur="1" fill="hold">
+                                          <p:stCondLst>
+                                            <p:cond delay="0"/>
+                                          </p:stCondLst>
+                                        </p:cTn>
+                                        <p:tgtEl>
+                                          <p:spTgt spid="7">
+                                            <p:txEl>
+                                              <p:pRg st="0" end="0"/>
+                                            </p:txEl>
+                                          </p:spTgt>
+                                        </p:tgtEl>
+                                        <p:attrNameLst>
+                                          <p:attrName>style.visibility</p:attrName>
+                                        </p:attrNameLst>
+                                      </p:cBhvr>
+                                      <p:to>
+                                        <p:strVal val="visible"/>
+                                      </p:to>
+                                    </p:set>
+                                  </p:childTnLst>
+                                </p:cTn>
+                              </p:par>
+                              <p:par>
+                                <p:cTn id="9" presetID="1" presetClass="entr" presetSubtype="0" fill="hold" nodeType="withEffect">
+                                  <p:stCondLst>
+                                    <p:cond delay="0"/>
+                                  </p:stCondLst>
+                                  <p:childTnLst>
+                                    <p:set>
+                                      <p:cBhvr>
+                                        <p:cTn id="10" dur="1" fill="hold">
+                                          <p:stCondLst>
+                                            <p:cond delay="0"/>
+                                          </p:stCondLst>
+                                        </p:cTn>
+                                        <p:tgtEl>
+                                          <p:spTgt spid="7">
+                                            <p:txEl>
+                                              <p:pRg st="1" end="1"/>
+                                            </p:txEl>
+                                          </p:spTgt>
+                                        </p:tgtEl>
+                                        <p:attrNameLst>
+                                          <p:attrName>style.visibility</p:attrName>
+                                        </p:attrNameLst>
+                                      </p:cBhvr>
+                                      <p:to>
+                                        <p:strVal val="visible"/>
+                                      </p:to>
+                                    </p:set>
+                                  </p:childTnLst>
+                                </p:cTn>
+                              </p:par>
+                              <p:par>
+                                <p:cTn id="11" presetID="1" presetClass="entr" presetSubtype="0" fill="hold" nodeType="withEffect">
+                                  <p:stCondLst>
+                                    <p:cond delay="0"/>
+                                  </p:stCondLst>
+                                  <p:childTnLst>
+                                    <p:set>
+                                      <p:cBhvr>
+                                        <p:cTn id="12" dur="1" fill="hold">
+                                          <p:stCondLst>
+                                            <p:cond delay="0"/>
+                                          </p:stCondLst>
+                                        </p:cTn>
+                                        <p:tgtEl>
+                                          <p:spTgt spid="7">
+                                            <p:txEl>
+                                              <p:pRg st="2" end="2"/>
+                                            </p:txEl>
+                                          </p:spTgt>
+                                        </p:tgtEl>
+                                        <p:attrNameLst>
+                                          <p:attrName>style.visibility</p:attrName>
+                                        </p:attrNameLst>
+                                      </p:cBhvr>
+                                      <p:to>
+                                        <p:strVal val="visible"/>
+                                      </p:to>
+                                    </p:set>
+                                  </p:childTnLst>
+                                </p:cTn>
+                              </p:par>
+                              <p:par>
+                                <p:cTn id="13" presetID="1" presetClass="entr" presetSubtype="0" fill="hold" nodeType="withEffect">
+                                  <p:stCondLst>
+                                    <p:cond delay="0"/>
+                                  </p:stCondLst>
+                                  <p:childTnLst>
+                                    <p:set>
+                                      <p:cBhvr>
+                                        <p:cTn id="14" dur="1" fill="hold">
+                                          <p:stCondLst>
+                                            <p:cond delay="0"/>
+                                          </p:stCondLst>
+                                        </p:cTn>
+                                        <p:tgtEl>
+                                          <p:spTgt spid="7">
+                                            <p:txEl>
+                                              <p:pRg st="4" end="4"/>
+                                            </p:txEl>
+                                          </p:spTgt>
+                                        </p:tgtEl>
+                                        <p:attrNameLst>
+                                          <p:attrName>style.visibility</p:attrName>
+                                        </p:attrNameLst>
+                                      </p:cBhvr>
+                                      <p:to>
+                                        <p:strVal val="visible"/>
+                                      </p:to>
+                                    </p:set>
+                                  </p:childTnLst>
+                                </p:cTn>
+                              </p:par>
+                            </p:childTnLst>
+                          </p:cTn>
+                        </p:par>
+                      </p:childTnLst>
+                    </p:cTn>
+                  </p:par>
+                  <p:par>
+                    <p:cTn id="15" fill="hold">
+                      <p:stCondLst>
+                        <p:cond delay="indefinite"/>
+                      </p:stCondLst>
+                      <p:childTnLst>
+                        <p:par>
+                          <p:cTn id="16" fill="hold">
+                            <p:stCondLst>
+                              <p:cond delay="0"/>
+                            </p:stCondLst>
+                            <p:childTnLst>
+                              <p:par>
+                                <p:cTn id="17" presetID="1" presetClass="entr" presetSubtype="0" fill="hold" nodeType="clickEffect">
                                   <p:stCondLst>
                                     <p:cond delay="0"/>
                                   </p:stCondLst>
@@ -18927,7 +15854,7 @@
                                         <p:tgtEl>
                                           <p:spTgt spid="7">
                                             <p:txEl>
-                                              <p:pRg st="4" end="4"/>
+                                              <p:pRg st="5" end="5"/>
                                             </p:txEl>
                                           </p:spTgt>
                                         </p:tgtEl>
@@ -18976,7 +15903,38 @@
                                         <p:tgtEl>
                                           <p:spTgt spid="7">
                                             <p:txEl>
-                                              <p:pRg st="5" end="5"/>
+                                              <p:pRg st="6" end="6"/>
+                                            </p:txEl>
+                                          </p:spTgt>
+                                        </p:tgtEl>
+                                        <p:attrNameLst>
+                                          <p:attrName>style.visibility</p:attrName>
+                                        </p:attrNameLst>
+                                      </p:cBhvr>
+                                      <p:to>
+                                        <p:strVal val="visible"/>
+                                      </p:to>
+                                    </p:set>
+                                  </p:childTnLst>
+                                </p:cTn>
+                              </p:par>
+                              <p:par>
+                                <p:cTn id="23" presetID="1" presetClass="entr" presetSubtype="0" fill="hold" nodeType="withEffect">
+                                  <p:stCondLst>
+                                    <p:cond delay="0"/>
+                                  </p:stCondLst>
+                                  <p:childTnLst>
+                                    <p:set>
+                                      <p:cBhvr>
+                                        <p:cTn id="24" dur="1" fill="hold">
+                                          <p:stCondLst>
+                                            <p:cond delay="0"/>
+                                          </p:stCondLst>
+                                        </p:cTn>
+                                        <p:tgtEl>
+                                          <p:spTgt spid="7">
+                                            <p:txEl>
+                                              <p:pRg st="7" end="7"/>
                                             </p:txEl>
                                           </p:spTgt>
                                         </p:tgtEl>
@@ -18998,50 +15956,19 @@
                     </p:cTn>
                   </p:par>
                   <p:par>
-                    <p:cTn id="23" fill="hold">
+                    <p:cTn id="25" fill="hold">
                       <p:stCondLst>
                         <p:cond delay="indefinite"/>
                       </p:stCondLst>
                       <p:childTnLst>
                         <p:par>
-                          <p:cTn id="24" fill="hold">
+                          <p:cTn id="26" fill="hold">
                             <p:stCondLst>
                               <p:cond delay="0"/>
                             </p:stCondLst>
                             <p:childTnLst>
                               <p:par>
-                                <p:cTn id="25" presetID="1" presetClass="entr" presetSubtype="0" fill="hold" nodeType="clickEffect">
-                                  <p:stCondLst>
-                                    <p:cond delay="0"/>
-                                  </p:stCondLst>
-                                  <p:childTnLst>
-                                    <p:set>
-                                      <p:cBhvr>
-                                        <p:cTn id="26" dur="1" fill="hold">
-                                          <p:stCondLst>
-                                            <p:cond delay="0"/>
-                                          </p:stCondLst>
-                                        </p:cTn>
-                                        <p:tgtEl>
-                                          <p:spTgt spid="7">
-                                            <p:txEl>
-                                              <p:pRg st="6" end="6"/>
-                                            </p:txEl>
-                                          </p:spTgt>
-                                        </p:tgtEl>
-                                        <p:attrNameLst>
-                                          <p:attrName>style.visibility</p:attrName>
-                                        </p:attrNameLst>
-                                      </p:cBhvr>
-                                      <p:to>
-                                        <p:strVal val="visible"/>
-                                      </p:to>
-                                    </p:set>
-                                  </p:childTnLst>
-                                </p:cTn>
-                              </p:par>
-                              <p:par>
-                                <p:cTn id="27" presetID="1" presetClass="entr" presetSubtype="0" fill="hold" nodeType="withEffect">
+                                <p:cTn id="27" presetID="1" presetClass="entr" presetSubtype="0" fill="hold" nodeType="clickEffect">
                                   <p:stCondLst>
                                     <p:cond delay="0"/>
                                   </p:stCondLst>
@@ -19056,7 +15983,7 @@
                                         <p:tgtEl>
                                           <p:spTgt spid="7">
                                             <p:txEl>
-                                              <p:pRg st="7" end="7"/>
+                                              <p:pRg st="8" end="8"/>
                                             </p:txEl>
                                           </p:spTgt>
                                         </p:tgtEl>
@@ -19105,7 +16032,87 @@
                                         <p:tgtEl>
                                           <p:spTgt spid="7">
                                             <p:txEl>
-                                              <p:pRg st="8" end="8"/>
+                                              <p:pRg st="9" end="9"/>
+                                            </p:txEl>
+                                          </p:spTgt>
+                                        </p:tgtEl>
+                                        <p:attrNameLst>
+                                          <p:attrName>style.visibility</p:attrName>
+                                        </p:attrNameLst>
+                                      </p:cBhvr>
+                                      <p:to>
+                                        <p:strVal val="visible"/>
+                                      </p:to>
+                                    </p:set>
+                                  </p:childTnLst>
+                                </p:cTn>
+                              </p:par>
+                              <p:par>
+                                <p:cTn id="33" presetID="1" presetClass="entr" presetSubtype="0" fill="hold" nodeType="withEffect">
+                                  <p:stCondLst>
+                                    <p:cond delay="0"/>
+                                  </p:stCondLst>
+                                  <p:childTnLst>
+                                    <p:set>
+                                      <p:cBhvr>
+                                        <p:cTn id="34" dur="1" fill="hold">
+                                          <p:stCondLst>
+                                            <p:cond delay="0"/>
+                                          </p:stCondLst>
+                                        </p:cTn>
+                                        <p:tgtEl>
+                                          <p:spTgt spid="7">
+                                            <p:txEl>
+                                              <p:pRg st="10" end="10"/>
+                                            </p:txEl>
+                                          </p:spTgt>
+                                        </p:tgtEl>
+                                        <p:attrNameLst>
+                                          <p:attrName>style.visibility</p:attrName>
+                                        </p:attrNameLst>
+                                      </p:cBhvr>
+                                      <p:to>
+                                        <p:strVal val="visible"/>
+                                      </p:to>
+                                    </p:set>
+                                  </p:childTnLst>
+                                </p:cTn>
+                              </p:par>
+                            </p:childTnLst>
+                          </p:cTn>
+                        </p:par>
+                      </p:childTnLst>
+                    </p:cTn>
+                  </p:par>
+                  <p:par>
+                    <p:cTn id="35" fill="hold">
+                      <p:stCondLst>
+                        <p:cond delay="indefinite"/>
+                      </p:stCondLst>
+                      <p:childTnLst>
+                        <p:par>
+                          <p:cTn id="36" fill="hold">
+                            <p:stCondLst>
+                              <p:cond delay="0"/>
+                            </p:stCondLst>
+                            <p:childTnLst>
+                              <p:par>
+                                <p:cTn id="37" presetID="1" presetClass="entr" presetSubtype="0" fill="hold" nodeType="clickEffect">
+                                  <p:stCondLst>
+                                    <p:cond delay="0"/>
+                                  </p:stCondLst>
+                                  <p:childTnLst>
+                                    <p:set>
+                                      <p:cBhvr>
+                                        <p:cTn id="38" dur="1" fill="hold">
+                                          <p:stCondLst>
+                                            <p:cond delay="0"/>
+                                          </p:stCondLst>
+                                        </p:cTn>
+                                        <p:tgtEl>
+                                          <p:spTgt spid="7">
+                                            <p:txEl>
+                                              <p:pRg st="11" end="11"/>
                                             </p:txEl>
                                           </p:spTgt>
                                         </p:tgtEl>
@@ -19264,12 +16271,60 @@
         <p:spPr/>
         <p:txBody>
           <a:bodyPr>
-            <a:normAutofit fontScale="70000" lnSpcReduction="20000"/>
+            <a:normAutofit fontScale="40000" lnSpcReduction="20000"/>
           </a:bodyPr>
           <a:lstStyle/>
           <a:p>
             <a:r>
-              <a:rPr lang="bg-BG" b="1" dirty="0">
+              <a:rPr lang="bg-BG" sz="4500" b="1" dirty="0">
+                <a:solidFill>
+                  <a:schemeClr val="bg1"/>
+                </a:solidFill>
+              </a:rPr>
+              <a:t>Форма за показване на прегледи</a:t>
+            </a:r>
+          </a:p>
+          <a:p>
+            <a:pPr lvl="1"/>
+            <a:r>
+              <a:rPr lang="bg-BG" sz="4000" dirty="0"/>
+              <a:t>Таблица с всички </a:t>
+            </a:r>
+            <a:r>
+              <a:rPr lang="bg-BG" sz="4000" b="1" dirty="0"/>
+              <a:t>прегледи</a:t>
+            </a:r>
+          </a:p>
+          <a:p>
+            <a:pPr lvl="1"/>
+            <a:r>
+              <a:rPr lang="bg-BG" sz="4000" dirty="0"/>
+              <a:t>Бутони за </a:t>
+            </a:r>
+            <a:r>
+              <a:rPr lang="bg-BG" sz="4000" b="1" dirty="0"/>
+              <a:t>добавяне</a:t>
+            </a:r>
+            <a:r>
+              <a:rPr lang="bg-BG" sz="4000" dirty="0"/>
+              <a:t>, </a:t>
+            </a:r>
+            <a:r>
+              <a:rPr lang="bg-BG" sz="4000" b="1" dirty="0"/>
+              <a:t>редактиране</a:t>
+            </a:r>
+            <a:r>
+              <a:rPr lang="bg-BG" sz="4000" dirty="0"/>
+              <a:t> и </a:t>
+            </a:r>
+            <a:r>
+              <a:rPr lang="bg-BG" sz="4000" b="1" dirty="0"/>
+              <a:t>изтриване</a:t>
+            </a:r>
+          </a:p>
+          <a:p>
+            <a:r>
+              <a:rPr lang="bg-BG" sz="4500" b="1" dirty="0">
                 <a:solidFill>
                   <a:schemeClr val="bg1"/>
                 </a:solidFill>
@@ -19280,131 +16335,120 @@
           <a:p>
             <a:pPr lvl="1"/>
             <a:r>
-              <a:rPr lang="bg-BG" dirty="0"/>
+              <a:rPr lang="bg-BG" sz="4000" dirty="0"/>
               <a:t>Полета за </a:t>
             </a:r>
             <a:r>
-              <a:rPr lang="bg-BG" b="1" dirty="0"/>
+              <a:rPr lang="bg-BG" sz="4000" b="1" dirty="0"/>
               <a:t>име</a:t>
             </a:r>
             <a:r>
-              <a:rPr lang="bg-BG" dirty="0"/>
+              <a:rPr lang="bg-BG" sz="4000" dirty="0"/>
               <a:t> и </a:t>
             </a:r>
             <a:r>
-              <a:rPr lang="bg-BG" b="1" dirty="0"/>
+              <a:rPr lang="bg-BG" sz="4000" b="1" dirty="0"/>
               <a:t>фамилия</a:t>
             </a:r>
             <a:r>
-              <a:rPr lang="bg-BG" dirty="0"/>
+              <a:rPr lang="bg-BG" sz="4000" dirty="0"/>
               <a:t> на </a:t>
             </a:r>
             <a:r>
-              <a:rPr lang="bg-BG" b="1" dirty="0"/>
+              <a:rPr lang="bg-BG" sz="4000" b="1" dirty="0"/>
               <a:t>пациент</a:t>
             </a:r>
             <a:r>
-              <a:rPr lang="bg-BG" dirty="0"/>
+              <a:rPr lang="bg-BG" sz="4000" dirty="0"/>
               <a:t> (само за четене</a:t>
             </a:r>
             <a:r>
-              <a:rPr lang="en-US" dirty="0"/>
+              <a:rPr lang="en-US" sz="4000" dirty="0"/>
               <a:t> – </a:t>
             </a:r>
             <a:r>
-              <a:rPr lang="bg-BG" dirty="0"/>
-              <a:t>избрания пациент),</a:t>
-            </a:r>
-            <a:br>
-              <a:rPr lang="en-US" dirty="0"/>
-            </a:br>
-            <a:r>
-              <a:rPr lang="bg-BG" b="1" dirty="0"/>
+              <a:rPr lang="bg-BG" sz="4000" dirty="0"/>
+              <a:t>избрания пациент), </a:t>
+            </a:r>
+            <a:r>
+              <a:rPr lang="bg-BG" sz="4000" b="1" dirty="0"/>
               <a:t>име</a:t>
             </a:r>
             <a:r>
-              <a:rPr lang="bg-BG" dirty="0"/>
+              <a:rPr lang="bg-BG" sz="4000" dirty="0"/>
               <a:t> и </a:t>
             </a:r>
             <a:r>
-              <a:rPr lang="bg-BG" b="1" dirty="0"/>
+              <a:rPr lang="bg-BG" sz="4000" b="1" dirty="0"/>
               <a:t>фамилия</a:t>
             </a:r>
             <a:r>
-              <a:rPr lang="bg-BG" dirty="0"/>
+              <a:rPr lang="bg-BG" sz="4000" dirty="0"/>
               <a:t> на </a:t>
             </a:r>
             <a:r>
-              <a:rPr lang="bg-BG" b="1" dirty="0"/>
+              <a:rPr lang="bg-BG" sz="4000" b="1" dirty="0"/>
               <a:t>лекар</a:t>
             </a:r>
             <a:r>
-              <a:rPr lang="en-US" b="1" dirty="0"/>
+              <a:rPr lang="en-US" sz="4000" b="1" dirty="0"/>
               <a:t> </a:t>
             </a:r>
             <a:r>
-              <a:rPr lang="en-US" dirty="0"/>
+              <a:rPr lang="en-US" sz="4000" dirty="0"/>
               <a:t>(</a:t>
             </a:r>
             <a:r>
-              <a:rPr lang="bg-BG" dirty="0"/>
-              <a:t>само за четене – текущия </a:t>
-            </a:r>
-            <a:r>
-              <a:rPr lang="bg-BG" dirty="0" err="1"/>
-              <a:t>логнат</a:t>
-            </a:r>
-            <a:r>
-              <a:rPr lang="bg-BG" dirty="0"/>
-              <a:t> лекар), </a:t>
-            </a:r>
-            <a:r>
-              <a:rPr lang="bg-BG" b="1" dirty="0"/>
+              <a:rPr lang="bg-BG" sz="4000" dirty="0"/>
+              <a:t>само за четене – текущия логнат лекар), </a:t>
+            </a:r>
+            <a:r>
+              <a:rPr lang="bg-BG" sz="4000" b="1" dirty="0"/>
               <a:t>дата </a:t>
             </a:r>
             <a:r>
-              <a:rPr lang="bg-BG" dirty="0"/>
+              <a:rPr lang="bg-BG" sz="4000" dirty="0"/>
               <a:t>(текущата, но може да се променя), </a:t>
             </a:r>
             <a:r>
-              <a:rPr lang="bg-BG" b="1" dirty="0"/>
+              <a:rPr lang="bg-BG" sz="4000" b="1" dirty="0"/>
               <a:t>състояние </a:t>
             </a:r>
             <a:r>
-              <a:rPr lang="bg-BG" dirty="0"/>
+              <a:rPr lang="bg-BG" sz="4000" dirty="0"/>
               <a:t>(многородово поле), </a:t>
             </a:r>
             <a:r>
-              <a:rPr lang="bg-BG" b="1" dirty="0"/>
+              <a:rPr lang="bg-BG" sz="4000" b="1" dirty="0"/>
               <a:t>лечение</a:t>
             </a:r>
             <a:r>
-              <a:rPr lang="bg-BG" dirty="0"/>
+              <a:rPr lang="bg-BG" sz="4000" dirty="0"/>
               <a:t> (предписания за лечение)</a:t>
             </a:r>
           </a:p>
           <a:p>
             <a:pPr lvl="1"/>
             <a:r>
-              <a:rPr lang="bg-BG" dirty="0"/>
+              <a:rPr lang="bg-BG" sz="4000" dirty="0"/>
               <a:t>Бутони за </a:t>
             </a:r>
             <a:r>
-              <a:rPr lang="bg-BG" b="1" dirty="0"/>
+              <a:rPr lang="bg-BG" sz="4000" b="1" dirty="0"/>
               <a:t>добавяне</a:t>
             </a:r>
             <a:r>
-              <a:rPr lang="bg-BG" dirty="0"/>
+              <a:rPr lang="bg-BG" sz="4000" dirty="0"/>
               <a:t> и </a:t>
             </a:r>
             <a:r>
-              <a:rPr lang="bg-BG" b="1" dirty="0"/>
+              <a:rPr lang="bg-BG" sz="4000" b="1" dirty="0"/>
               <a:t>отказ</a:t>
             </a:r>
           </a:p>
           <a:p>
             <a:r>
-              <a:rPr lang="bg-BG" b="1" dirty="0">
+              <a:rPr lang="bg-BG" sz="4500" b="1" dirty="0">
                 <a:solidFill>
                   <a:schemeClr val="bg1"/>
                 </a:solidFill>
@@ -19415,103 +16459,103 @@
           <a:p>
             <a:pPr lvl="1"/>
             <a:r>
-              <a:rPr lang="bg-BG" dirty="0"/>
+              <a:rPr lang="bg-BG" sz="4000" dirty="0"/>
               <a:t>Полета за </a:t>
             </a:r>
             <a:r>
-              <a:rPr lang="bg-BG" b="1" dirty="0"/>
+              <a:rPr lang="bg-BG" sz="4000" b="1" dirty="0"/>
               <a:t>име</a:t>
             </a:r>
             <a:r>
-              <a:rPr lang="bg-BG" dirty="0"/>
+              <a:rPr lang="bg-BG" sz="4000" dirty="0"/>
               <a:t> и </a:t>
             </a:r>
             <a:r>
-              <a:rPr lang="bg-BG" b="1" dirty="0"/>
+              <a:rPr lang="bg-BG" sz="4000" b="1" dirty="0"/>
               <a:t>фамилия</a:t>
             </a:r>
             <a:r>
-              <a:rPr lang="bg-BG" dirty="0"/>
+              <a:rPr lang="bg-BG" sz="4000" dirty="0"/>
               <a:t> на </a:t>
             </a:r>
             <a:r>
-              <a:rPr lang="bg-BG" b="1" dirty="0"/>
+              <a:rPr lang="bg-BG" sz="4000" b="1" dirty="0"/>
               <a:t>пациент</a:t>
             </a:r>
             <a:r>
-              <a:rPr lang="bg-BG" dirty="0"/>
+              <a:rPr lang="bg-BG" sz="4000" dirty="0"/>
               <a:t>, </a:t>
             </a:r>
             <a:r>
-              <a:rPr lang="bg-BG" b="1" dirty="0"/>
+              <a:rPr lang="bg-BG" sz="4000" b="1" dirty="0"/>
               <a:t>име</a:t>
             </a:r>
             <a:r>
-              <a:rPr lang="bg-BG" dirty="0"/>
+              <a:rPr lang="bg-BG" sz="4000" dirty="0"/>
               <a:t> и </a:t>
             </a:r>
             <a:r>
-              <a:rPr lang="bg-BG" b="1" dirty="0"/>
+              <a:rPr lang="bg-BG" sz="4000" b="1" dirty="0"/>
               <a:t>фамилия</a:t>
             </a:r>
             <a:r>
-              <a:rPr lang="bg-BG" dirty="0"/>
+              <a:rPr lang="bg-BG" sz="4000" dirty="0"/>
               <a:t> на </a:t>
             </a:r>
             <a:r>
-              <a:rPr lang="bg-BG" b="1" dirty="0"/>
+              <a:rPr lang="bg-BG" sz="4000" b="1" dirty="0"/>
               <a:t>лекар </a:t>
             </a:r>
             <a:r>
-              <a:rPr lang="bg-BG" dirty="0"/>
+              <a:rPr lang="bg-BG" sz="4000" dirty="0"/>
               <a:t>(само за четене)</a:t>
             </a:r>
             <a:br>
-              <a:rPr lang="bg-BG" dirty="0"/>
+              <a:rPr lang="bg-BG" sz="4000" dirty="0"/>
             </a:br>
             <a:r>
-              <a:rPr lang="bg-BG" b="1" dirty="0"/>
+              <a:rPr lang="bg-BG" sz="4000" b="1" dirty="0"/>
               <a:t>дата</a:t>
             </a:r>
             <a:r>
-              <a:rPr lang="bg-BG" dirty="0"/>
+              <a:rPr lang="bg-BG" sz="4000" dirty="0"/>
               <a:t>, </a:t>
             </a:r>
             <a:r>
-              <a:rPr lang="bg-BG" b="1" dirty="0"/>
+              <a:rPr lang="bg-BG" sz="4000" b="1" dirty="0"/>
               <a:t>състояние</a:t>
             </a:r>
             <a:r>
-              <a:rPr lang="bg-BG" dirty="0"/>
+              <a:rPr lang="bg-BG" sz="4000" dirty="0"/>
               <a:t>, </a:t>
             </a:r>
             <a:r>
-              <a:rPr lang="bg-BG" b="1" dirty="0"/>
+              <a:rPr lang="bg-BG" sz="4000" b="1" dirty="0"/>
               <a:t>лечение</a:t>
             </a:r>
           </a:p>
           <a:p>
             <a:pPr lvl="1"/>
             <a:r>
-              <a:rPr lang="bg-BG" dirty="0"/>
+              <a:rPr lang="bg-BG" sz="4000" dirty="0"/>
               <a:t>Бутони за </a:t>
             </a:r>
             <a:r>
-              <a:rPr lang="bg-BG" b="1" dirty="0"/>
+              <a:rPr lang="bg-BG" sz="4000" b="1" dirty="0"/>
               <a:t>редактиране</a:t>
             </a:r>
             <a:r>
-              <a:rPr lang="bg-BG" dirty="0"/>
+              <a:rPr lang="bg-BG" sz="4000" dirty="0"/>
               <a:t> и </a:t>
             </a:r>
             <a:r>
-              <a:rPr lang="bg-BG" b="1" dirty="0"/>
+              <a:rPr lang="bg-BG" sz="4000" b="1" dirty="0"/>
               <a:t>отказ</a:t>
             </a:r>
           </a:p>
           <a:p>
             <a:r>
-              <a:rPr lang="bg-BG" b="1" dirty="0">
+              <a:rPr lang="bg-BG" sz="4500" b="1" dirty="0">
                 <a:solidFill>
                   <a:schemeClr val="bg1"/>
                 </a:solidFill>
@@ -19522,100 +16566,101 @@
           <a:p>
             <a:pPr lvl="1"/>
             <a:r>
-              <a:rPr lang="bg-BG" dirty="0"/>
+              <a:rPr lang="bg-BG" sz="4000" dirty="0"/>
               <a:t>Полета за </a:t>
             </a:r>
             <a:r>
-              <a:rPr lang="bg-BG" b="1" dirty="0"/>
+              <a:rPr lang="bg-BG" sz="4000" b="1" dirty="0"/>
               <a:t>име</a:t>
             </a:r>
             <a:r>
-              <a:rPr lang="bg-BG" dirty="0"/>
+              <a:rPr lang="bg-BG" sz="4000" dirty="0"/>
               <a:t> и </a:t>
             </a:r>
             <a:r>
-              <a:rPr lang="bg-BG" b="1" dirty="0"/>
+              <a:rPr lang="bg-BG" sz="4000" b="1" dirty="0"/>
               <a:t>фамилия</a:t>
             </a:r>
             <a:r>
-              <a:rPr lang="bg-BG" dirty="0"/>
+              <a:rPr lang="bg-BG" sz="4000" dirty="0"/>
               <a:t> на </a:t>
             </a:r>
             <a:r>
-              <a:rPr lang="bg-BG" b="1" dirty="0"/>
+              <a:rPr lang="bg-BG" sz="4000" b="1" dirty="0"/>
               <a:t>пациент</a:t>
             </a:r>
             <a:r>
-              <a:rPr lang="bg-BG" dirty="0"/>
+              <a:rPr lang="bg-BG" sz="4000" dirty="0"/>
               <a:t>, </a:t>
             </a:r>
             <a:r>
-              <a:rPr lang="bg-BG" b="1" dirty="0"/>
+              <a:rPr lang="bg-BG" sz="4000" b="1" dirty="0"/>
               <a:t>име</a:t>
             </a:r>
             <a:r>
-              <a:rPr lang="bg-BG" dirty="0"/>
+              <a:rPr lang="bg-BG" sz="4000" dirty="0"/>
               <a:t> и </a:t>
             </a:r>
             <a:r>
-              <a:rPr lang="bg-BG" b="1" dirty="0"/>
+              <a:rPr lang="bg-BG" sz="4000" b="1" dirty="0"/>
               <a:t>фамилия</a:t>
             </a:r>
             <a:r>
-              <a:rPr lang="bg-BG" dirty="0"/>
+              <a:rPr lang="bg-BG" sz="4000" dirty="0"/>
               <a:t> на </a:t>
             </a:r>
             <a:r>
-              <a:rPr lang="bg-BG" b="1" dirty="0"/>
+              <a:rPr lang="bg-BG" sz="4000" b="1" dirty="0"/>
               <a:t>лекар</a:t>
             </a:r>
-            <a:br>
-              <a:rPr lang="bg-BG" dirty="0"/>
-            </a:br>
-            <a:r>
-              <a:rPr lang="bg-BG" b="1" dirty="0"/>
+            <a:r>
+              <a:rPr lang="bg-BG" sz="4000" dirty="0"/>
+              <a:t>, </a:t>
+            </a:r>
+            <a:r>
+              <a:rPr lang="bg-BG" sz="4000" b="1" dirty="0"/>
               <a:t>дата</a:t>
             </a:r>
             <a:r>
-              <a:rPr lang="bg-BG" dirty="0"/>
+              <a:rPr lang="bg-BG" sz="4000" dirty="0"/>
               <a:t>, </a:t>
             </a:r>
             <a:r>
-              <a:rPr lang="bg-BG" b="1" dirty="0"/>
+              <a:rPr lang="bg-BG" sz="4000" b="1" dirty="0"/>
               <a:t>състояние</a:t>
             </a:r>
             <a:r>
-              <a:rPr lang="bg-BG" dirty="0"/>
+              <a:rPr lang="bg-BG" sz="4000" dirty="0"/>
               <a:t>, </a:t>
             </a:r>
             <a:r>
-              <a:rPr lang="bg-BG" b="1" dirty="0"/>
+              <a:rPr lang="bg-BG" sz="4000" b="1" dirty="0"/>
               <a:t>лечение</a:t>
             </a:r>
             <a:r>
-              <a:rPr lang="bg-BG" dirty="0"/>
+              <a:rPr lang="bg-BG" sz="4000" dirty="0"/>
               <a:t> (всички полета са само за четене)</a:t>
             </a:r>
           </a:p>
           <a:p>
             <a:pPr lvl="1"/>
             <a:r>
-              <a:rPr lang="bg-BG" dirty="0"/>
+              <a:rPr lang="bg-BG" sz="4000" dirty="0"/>
               <a:t>Бутони за </a:t>
             </a:r>
             <a:r>
-              <a:rPr lang="bg-BG" b="1" dirty="0"/>
+              <a:rPr lang="bg-BG" sz="4000" b="1" dirty="0"/>
               <a:t>изтриване</a:t>
             </a:r>
             <a:r>
-              <a:rPr lang="bg-BG" dirty="0"/>
+              <a:rPr lang="bg-BG" sz="4000" dirty="0"/>
               <a:t> и </a:t>
             </a:r>
             <a:r>
-              <a:rPr lang="bg-BG" b="1" dirty="0"/>
+              <a:rPr lang="bg-BG" sz="4000" b="1" dirty="0"/>
               <a:t>отказ</a:t>
             </a:r>
-            <a:endParaRPr lang="en-BG" b="1" dirty="0"/>
+            <a:endParaRPr lang="en-BG" sz="4000" b="1" dirty="0"/>
           </a:p>
         </p:txBody>
       </p:sp>
@@ -19676,7 +16721,7 @@
                                         <p:tgtEl>
                                           <p:spTgt spid="7">
                                             <p:txEl>
-                                              <p:pRg st="0" end="0"/>
+                                              <p:pRg st="3" end="3"/>
                                             </p:txEl>
                                           </p:spTgt>
                                         </p:tgtEl>
@@ -19707,6 +16752,37 @@
                                         <p:tgtEl>
                                           <p:spTgt spid="7">
                                             <p:txEl>
+                                              <p:pRg st="0" end="0"/>
+                                            </p:txEl>
+                                          </p:spTgt>
+                                        </p:tgtEl>
+                                        <p:attrNameLst>
+                                          <p:attrName>style.visibility</p:attrName>
+                                        </p:attrNameLst>
+                                      </p:cBhvr>
+                                      <p:to>
+                                        <p:strVal val="visible"/>
+                                      </p:to>
+                                    </p:set>
+                                  </p:childTnLst>
+                                </p:cTn>
+                              </p:par>
+                              <p:par>
+                                <p:cTn id="9" presetID="1" presetClass="entr" presetSubtype="0" fill="hold" nodeType="withEffect">
+                                  <p:stCondLst>
+                                    <p:cond delay="0"/>
+                                  </p:stCondLst>
+                                  <p:childTnLst>
+                                    <p:set>
+                                      <p:cBhvr>
+                                        <p:cTn id="10" dur="1" fill="hold">
+                                          <p:stCondLst>
+                                            <p:cond delay="0"/>
+                                          </p:stCondLst>
+                                        </p:cTn>
+                                        <p:tgtEl>
+                                          <p:spTgt spid="7">
+                                            <p:txEl>
                                               <p:pRg st="1" end="1"/>
                                             </p:txEl>
                                           </p:spTgt>
@@ -19722,26 +16798,8 @@
                                   </p:childTnLst>
                                 </p:cTn>
                               </p:par>
-                            </p:childTnLst>
-                          </p:cTn>
-                        </p:par>
-                      </p:childTnLst>
-                    </p:cTn>
-                  </p:par>
-                  <p:par>
-                    <p:cTn id="9" fill="hold">
-                      <p:stCondLst>
-                        <p:cond delay="indefinite"/>
-                      </p:stCondLst>
-                      <p:childTnLst>
-                        <p:par>
-                          <p:cTn id="10" fill="hold">
-                            <p:stCondLst>
-                              <p:cond delay="0"/>
-                            </p:stCondLst>
-                            <p:childTnLst>
                               <p:par>
-                                <p:cTn id="11" presetID="1" presetClass="entr" presetSubtype="0" fill="hold" nodeType="clickEffect">
+                                <p:cTn id="11" presetID="1" presetClass="entr" presetSubtype="0" fill="hold" nodeType="withEffect">
                                   <p:stCondLst>
                                     <p:cond delay="0"/>
                                   </p:stCondLst>
@@ -19771,33 +16829,15 @@
                                   </p:childTnLst>
                                 </p:cTn>
                               </p:par>
-                            </p:childTnLst>
-                          </p:cTn>
-                        </p:par>
-                      </p:childTnLst>
-                    </p:cTn>
-                  </p:par>
-                  <p:par>
-                    <p:cTn id="13" fill="hold">
-                      <p:stCondLst>
-                        <p:cond delay="indefinite"/>
-                      </p:stCondLst>
-                      <p:childTnLst>
-                        <p:par>
-                          <p:cTn id="14" fill="hold">
-                            <p:stCondLst>
-                              <p:cond delay="0"/>
-                            </p:stCondLst>
-                            <p:childTnLst>
                               <p:par>
-                                <p:cTn id="15" presetID="1" presetClass="entr" presetSubtype="0" fill="hold" nodeType="clickEffect">
+                                <p:cTn id="13" presetID="1" presetClass="entr" presetSubtype="0" fill="hold" nodeType="withEffect">
                                   <p:stCondLst>
                                     <p:cond delay="0"/>
                                   </p:stCondLst>
                                   <p:childTnLst>
                                     <p:set>
                                       <p:cBhvr>
-                                        <p:cTn id="16" dur="1" fill="hold">
+                                        <p:cTn id="14" dur="1" fill="hold">
                                           <p:stCondLst>
                                             <p:cond delay="0"/>
                                           </p:stCondLst>
@@ -19805,7 +16845,7 @@
                                         <p:tgtEl>
                                           <p:spTgt spid="7">
                                             <p:txEl>
-                                              <p:pRg st="3" end="3"/>
+                                              <p:pRg st="4" end="4"/>
                                             </p:txEl>
                                           </p:spTgt>
                                         </p:tgtEl>
@@ -19820,8 +16860,26 @@
                                   </p:childTnLst>
                                 </p:cTn>
                               </p:par>
+                            </p:childTnLst>
+                          </p:cTn>
+                        </p:par>
+                      </p:childTnLst>
+                    </p:cTn>
+                  </p:par>
+                  <p:par>
+                    <p:cTn id="15" fill="hold">
+                      <p:stCondLst>
+                        <p:cond delay="indefinite"/>
+                      </p:stCondLst>
+                      <p:childTnLst>
+                        <p:par>
+                          <p:cTn id="16" fill="hold">
+                            <p:stCondLst>
+                              <p:cond delay="0"/>
+                            </p:stCondLst>
+                            <p:childTnLst>
                               <p:par>
-                                <p:cTn id="17" presetID="1" presetClass="entr" presetSubtype="0" fill="hold" nodeType="withEffect">
+                                <p:cTn id="17" presetID="1" presetClass="entr" presetSubtype="0" fill="hold" nodeType="clickEffect">
                                   <p:stCondLst>
                                     <p:cond delay="0"/>
                                   </p:stCondLst>
@@ -19836,7 +16894,7 @@
                                         <p:tgtEl>
                                           <p:spTgt spid="7">
                                             <p:txEl>
-                                              <p:pRg st="4" end="4"/>
+                                              <p:pRg st="5" end="5"/>
                                             </p:txEl>
                                           </p:spTgt>
                                         </p:tgtEl>
@@ -19885,7 +16943,38 @@
                                         <p:tgtEl>
                                           <p:spTgt spid="7">
                                             <p:txEl>
-                                              <p:pRg st="5" end="5"/>
+                                              <p:pRg st="6" end="6"/>
+                                            </p:txEl>
+                                          </p:spTgt>
+                                        </p:tgtEl>
+                                        <p:attrNameLst>
+                                          <p:attrName>style.visibility</p:attrName>
+                                        </p:attrNameLst>
+                                      </p:cBhvr>
+                                      <p:to>
+                                        <p:strVal val="visible"/>
+                                      </p:to>
+                                    </p:set>
+                                  </p:childTnLst>
+                                </p:cTn>
+                              </p:par>
+                              <p:par>
+                                <p:cTn id="23" presetID="1" presetClass="entr" presetSubtype="0" fill="hold" nodeType="withEffect">
+                                  <p:stCondLst>
+                                    <p:cond delay="0"/>
+                                  </p:stCondLst>
+                                  <p:childTnLst>
+                                    <p:set>
+                                      <p:cBhvr>
+                                        <p:cTn id="24" dur="1" fill="hold">
+                                          <p:stCondLst>
+                                            <p:cond delay="0"/>
+                                          </p:stCondLst>
+                                        </p:cTn>
+                                        <p:tgtEl>
+                                          <p:spTgt spid="7">
+                                            <p:txEl>
+                                              <p:pRg st="7" end="7"/>
                                             </p:txEl>
                                           </p:spTgt>
                                         </p:tgtEl>
@@ -19907,50 +16996,19 @@
                     </p:cTn>
                   </p:par>
                   <p:par>
-                    <p:cTn id="23" fill="hold">
+                    <p:cTn id="25" fill="hold">
                       <p:stCondLst>
                         <p:cond delay="indefinite"/>
                       </p:stCondLst>
                       <p:childTnLst>
                         <p:par>
-                          <p:cTn id="24" fill="hold">
+                          <p:cTn id="26" fill="hold">
                             <p:stCondLst>
                               <p:cond delay="0"/>
                             </p:stCondLst>
                             <p:childTnLst>
                               <p:par>
-                                <p:cTn id="25" presetID="1" presetClass="entr" presetSubtype="0" fill="hold" nodeType="clickEffect">
-                                  <p:stCondLst>
-                                    <p:cond delay="0"/>
-                                  </p:stCondLst>
-                                  <p:childTnLst>
-                                    <p:set>
-                                      <p:cBhvr>
-                                        <p:cTn id="26" dur="1" fill="hold">
-                                          <p:stCondLst>
-                                            <p:cond delay="0"/>
-                                          </p:stCondLst>
-                                        </p:cTn>
-                                        <p:tgtEl>
-                                          <p:spTgt spid="7">
-                                            <p:txEl>
-                                              <p:pRg st="6" end="6"/>
-                                            </p:txEl>
-                                          </p:spTgt>
-                                        </p:tgtEl>
-                                        <p:attrNameLst>
-                                          <p:attrName>style.visibility</p:attrName>
-                                        </p:attrNameLst>
-                                      </p:cBhvr>
-                                      <p:to>
-                                        <p:strVal val="visible"/>
-                                      </p:to>
-                                    </p:set>
-                                  </p:childTnLst>
-                                </p:cTn>
-                              </p:par>
-                              <p:par>
-                                <p:cTn id="27" presetID="1" presetClass="entr" presetSubtype="0" fill="hold" nodeType="withEffect">
+                                <p:cTn id="27" presetID="1" presetClass="entr" presetSubtype="0" fill="hold" nodeType="clickEffect">
                                   <p:stCondLst>
                                     <p:cond delay="0"/>
                                   </p:stCondLst>
@@ -19965,7 +17023,7 @@
                                         <p:tgtEl>
                                           <p:spTgt spid="7">
                                             <p:txEl>
-                                              <p:pRg st="7" end="7"/>
+                                              <p:pRg st="8" end="8"/>
                                             </p:txEl>
                                           </p:spTgt>
                                         </p:tgtEl>
@@ -20014,7 +17072,87 @@
                                         <p:tgtEl>
                                           <p:spTgt spid="7">
                                             <p:txEl>
-                                              <p:pRg st="8" end="8"/>
+                                              <p:pRg st="9" end="9"/>
+                                            </p:txEl>
+                                          </p:spTgt>
+                                        </p:tgtEl>
+                                        <p:attrNameLst>
+                                          <p:attrName>style.visibility</p:attrName>
+                                        </p:attrNameLst>
+                                      </p:cBhvr>
+                                      <p:to>
+                                        <p:strVal val="visible"/>
+                                      </p:to>
+                                    </p:set>
+                                  </p:childTnLst>
+                                </p:cTn>
+                              </p:par>
+                              <p:par>
+                                <p:cTn id="33" presetID="1" presetClass="entr" presetSubtype="0" fill="hold" nodeType="withEffect">
+                                  <p:stCondLst>
+                                    <p:cond delay="0"/>
+                                  </p:stCondLst>
+                                  <p:childTnLst>
+                                    <p:set>
+                                      <p:cBhvr>
+                                        <p:cTn id="34" dur="1" fill="hold">
+                                          <p:stCondLst>
+                                            <p:cond delay="0"/>
+                                          </p:stCondLst>
+                                        </p:cTn>
+                                        <p:tgtEl>
+                                          <p:spTgt spid="7">
+                                            <p:txEl>
+                                              <p:pRg st="10" end="10"/>
+                                            </p:txEl>
+                                          </p:spTgt>
+                                        </p:tgtEl>
+                                        <p:attrNameLst>
+                                          <p:attrName>style.visibility</p:attrName>
+                                        </p:attrNameLst>
+                                      </p:cBhvr>
+                                      <p:to>
+                                        <p:strVal val="visible"/>
+                                      </p:to>
+                                    </p:set>
+                                  </p:childTnLst>
+                                </p:cTn>
+                              </p:par>
+                            </p:childTnLst>
+                          </p:cTn>
+                        </p:par>
+                      </p:childTnLst>
+                    </p:cTn>
+                  </p:par>
+                  <p:par>
+                    <p:cTn id="35" fill="hold">
+                      <p:stCondLst>
+                        <p:cond delay="indefinite"/>
+                      </p:stCondLst>
+                      <p:childTnLst>
+                        <p:par>
+                          <p:cTn id="36" fill="hold">
+                            <p:stCondLst>
+                              <p:cond delay="0"/>
+                            </p:stCondLst>
+                            <p:childTnLst>
+                              <p:par>
+                                <p:cTn id="37" presetID="1" presetClass="entr" presetSubtype="0" fill="hold" nodeType="clickEffect">
+                                  <p:stCondLst>
+                                    <p:cond delay="0"/>
+                                  </p:stCondLst>
+                                  <p:childTnLst>
+                                    <p:set>
+                                      <p:cBhvr>
+                                        <p:cTn id="38" dur="1" fill="hold">
+                                          <p:stCondLst>
+                                            <p:cond delay="0"/>
+                                          </p:stCondLst>
+                                        </p:cTn>
+                                        <p:tgtEl>
+                                          <p:spTgt spid="7">
+                                            <p:txEl>
+                                              <p:pRg st="11" end="11"/>
                                             </p:txEl>
                                           </p:spTgt>
                                         </p:tgtEl>
@@ -20173,9 +17311,57 @@
         <p:spPr/>
         <p:txBody>
           <a:bodyPr>
-            <a:normAutofit fontScale="85000" lnSpcReduction="20000"/>
+            <a:normAutofit fontScale="70000" lnSpcReduction="20000"/>
           </a:bodyPr>
           <a:lstStyle/>
+          <a:p>
+            <a:r>
+              <a:rPr lang="bg-BG" b="1" dirty="0">
+                <a:solidFill>
+                  <a:schemeClr val="bg1"/>
+                </a:solidFill>
+              </a:rPr>
+              <a:t>Форма за показване на лекари</a:t>
+            </a:r>
+          </a:p>
+          <a:p>
+            <a:pPr lvl="1"/>
+            <a:r>
+              <a:rPr lang="bg-BG" dirty="0"/>
+              <a:t>Таблица с всички </a:t>
+            </a:r>
+            <a:r>
+              <a:rPr lang="bg-BG" b="1" dirty="0"/>
+              <a:t>лекари</a:t>
+            </a:r>
+          </a:p>
+          <a:p>
+            <a:pPr lvl="1"/>
+            <a:r>
+              <a:rPr lang="bg-BG" dirty="0"/>
+              <a:t>Бутони за </a:t>
+            </a:r>
+            <a:r>
+              <a:rPr lang="bg-BG" b="1" dirty="0"/>
+              <a:t>добавяне</a:t>
+            </a:r>
+            <a:r>
+              <a:rPr lang="bg-BG" dirty="0"/>
+              <a:t>, </a:t>
+            </a:r>
+            <a:r>
+              <a:rPr lang="bg-BG" b="1" dirty="0"/>
+              <a:t>редактиране</a:t>
+            </a:r>
+            <a:r>
+              <a:rPr lang="bg-BG" dirty="0"/>
+              <a:t> и </a:t>
+            </a:r>
+            <a:r>
+              <a:rPr lang="bg-BG" b="1" dirty="0"/>
+              <a:t>изтриване</a:t>
+            </a:r>
+          </a:p>
           <a:p>
             <a:r>
               <a:rPr lang="bg-BG" b="1" dirty="0">
@@ -20460,7 +17646,7 @@
                                         <p:tgtEl>
                                           <p:spTgt spid="7">
                                             <p:txEl>
-                                              <p:pRg st="0" end="0"/>
+                                              <p:pRg st="3" end="3"/>
                                             </p:txEl>
                                           </p:spTgt>
                                         </p:tgtEl>
@@ -20491,6 +17677,37 @@
                                         <p:tgtEl>
                                           <p:spTgt spid="7">
                                             <p:txEl>
+                                              <p:pRg st="0" end="0"/>
+                                            </p:txEl>
+                                          </p:spTgt>
+                                        </p:tgtEl>
+                                        <p:attrNameLst>
+                                          <p:attrName>style.visibility</p:attrName>
+                                        </p:attrNameLst>
+                                      </p:cBhvr>
+                                      <p:to>
+                                        <p:strVal val="visible"/>
+                                      </p:to>
+                                    </p:set>
+                                  </p:childTnLst>
+                                </p:cTn>
+                              </p:par>
+                              <p:par>
+                                <p:cTn id="9" presetID="1" presetClass="entr" presetSubtype="0" fill="hold" nodeType="withEffect">
+                                  <p:stCondLst>
+                                    <p:cond delay="0"/>
+                                  </p:stCondLst>
+                                  <p:childTnLst>
+                                    <p:set>
+                                      <p:cBhvr>
+                                        <p:cTn id="10" dur="1" fill="hold">
+                                          <p:stCondLst>
+                                            <p:cond delay="0"/>
+                                          </p:stCondLst>
+                                        </p:cTn>
+                                        <p:tgtEl>
+                                          <p:spTgt spid="7">
+                                            <p:txEl>
                                               <p:pRg st="1" end="1"/>
                                             </p:txEl>
                                           </p:spTgt>
@@ -20506,26 +17723,8 @@
                                   </p:childTnLst>
                                 </p:cTn>
                               </p:par>
-                            </p:childTnLst>
-                          </p:cTn>
-                        </p:par>
-                      </p:childTnLst>
-                    </p:cTn>
-                  </p:par>
-                  <p:par>
-                    <p:cTn id="9" fill="hold">
-                      <p:stCondLst>
-                        <p:cond delay="indefinite"/>
-                      </p:stCondLst>
-                      <p:childTnLst>
-                        <p:par>
-                          <p:cTn id="10" fill="hold">
-                            <p:stCondLst>
-                              <p:cond delay="0"/>
-                            </p:stCondLst>
-                            <p:childTnLst>
                               <p:par>
-                                <p:cTn id="11" presetID="1" presetClass="entr" presetSubtype="0" fill="hold" nodeType="clickEffect">
+                                <p:cTn id="11" presetID="1" presetClass="entr" presetSubtype="0" fill="hold" nodeType="withEffect">
                                   <p:stCondLst>
                                     <p:cond delay="0"/>
                                   </p:stCondLst>
@@ -20555,33 +17754,15 @@
                                   </p:childTnLst>
                                 </p:cTn>
                               </p:par>
-                            </p:childTnLst>
-                          </p:cTn>
-                        </p:par>
-                      </p:childTnLst>
-                    </p:cTn>
-                  </p:par>
-                  <p:par>
-                    <p:cTn id="13" fill="hold">
-                      <p:stCondLst>
-                        <p:cond delay="indefinite"/>
-                      </p:stCondLst>
-                      <p:childTnLst>
-                        <p:par>
-                          <p:cTn id="14" fill="hold">
-                            <p:stCondLst>
-                              <p:cond delay="0"/>
-                            </p:stCondLst>
-                            <p:childTnLst>
                               <p:par>
-                                <p:cTn id="15" presetID="1" presetClass="entr" presetSubtype="0" fill="hold" nodeType="clickEffect">
+                                <p:cTn id="13" presetID="1" presetClass="entr" presetSubtype="0" fill="hold" nodeType="withEffect">
                                   <p:stCondLst>
                                     <p:cond delay="0"/>
                                   </p:stCondLst>
                                   <p:childTnLst>
                                     <p:set>
                                       <p:cBhvr>
-                                        <p:cTn id="16" dur="1" fill="hold">
+                                        <p:cTn id="14" dur="1" fill="hold">
                                           <p:stCondLst>
                                             <p:cond delay="0"/>
                                           </p:stCondLst>
@@ -20589,7 +17770,7 @@
                                         <p:tgtEl>
                                           <p:spTgt spid="7">
                                             <p:txEl>
-                                              <p:pRg st="3" end="3"/>
+                                              <p:pRg st="4" end="4"/>
                                             </p:txEl>
                                           </p:spTgt>
                                         </p:tgtEl>
@@ -20604,8 +17785,26 @@
                                   </p:childTnLst>
                                 </p:cTn>
                               </p:par>
+                            </p:childTnLst>
+                          </p:cTn>
+                        </p:par>
+                      </p:childTnLst>
+                    </p:cTn>
+                  </p:par>
+                  <p:par>
+                    <p:cTn id="15" fill="hold">
+                      <p:stCondLst>
+                        <p:cond delay="indefinite"/>
+                      </p:stCondLst>
+                      <p:childTnLst>
+                        <p:par>
+                          <p:cTn id="16" fill="hold">
+                            <p:stCondLst>
+                              <p:cond delay="0"/>
+                            </p:stCondLst>
+                            <p:childTnLst>
                               <p:par>
-                                <p:cTn id="17" presetID="1" presetClass="entr" presetSubtype="0" fill="hold" nodeType="withEffect">
+                                <p:cTn id="17" presetID="1" presetClass="entr" presetSubtype="0" fill="hold" nodeType="clickEffect">
                                   <p:stCondLst>
                                     <p:cond delay="0"/>
                                   </p:stCondLst>
@@ -20620,7 +17819,7 @@
                                         <p:tgtEl>
                                           <p:spTgt spid="7">
                                             <p:txEl>
-                                              <p:pRg st="4" end="4"/>
+                                              <p:pRg st="5" end="5"/>
                                             </p:txEl>
                                           </p:spTgt>
                                         </p:tgtEl>
@@ -20669,7 +17868,38 @@
                                         <p:tgtEl>
                                           <p:spTgt spid="7">
                                             <p:txEl>
-                                              <p:pRg st="5" end="5"/>
+                                              <p:pRg st="6" end="6"/>
+                                            </p:txEl>
+                                          </p:spTgt>
+                                        </p:tgtEl>
+                                        <p:attrNameLst>
+                                          <p:attrName>style.visibility</p:attrName>
+                                        </p:attrNameLst>
+                                      </p:cBhvr>
+                                      <p:to>
+                                        <p:strVal val="visible"/>
+                                      </p:to>
+                                    </p:set>
+                                  </p:childTnLst>
+                                </p:cTn>
+                              </p:par>
+                              <p:par>
+                                <p:cTn id="23" presetID="1" presetClass="entr" presetSubtype="0" fill="hold" nodeType="withEffect">
+                                  <p:stCondLst>
+                                    <p:cond delay="0"/>
+                                  </p:stCondLst>
+                                  <p:childTnLst>
+                                    <p:set>
+                                      <p:cBhvr>
+                                        <p:cTn id="24" dur="1" fill="hold">
+                                          <p:stCondLst>
+                                            <p:cond delay="0"/>
+                                          </p:stCondLst>
+                                        </p:cTn>
+                                        <p:tgtEl>
+                                          <p:spTgt spid="7">
+                                            <p:txEl>
+                                              <p:pRg st="7" end="7"/>
                                             </p:txEl>
                                           </p:spTgt>
                                         </p:tgtEl>
@@ -20691,50 +17921,19 @@
                     </p:cTn>
                   </p:par>
                   <p:par>
-                    <p:cTn id="23" fill="hold">
+                    <p:cTn id="25" fill="hold">
                       <p:stCondLst>
                         <p:cond delay="indefinite"/>
                       </p:stCondLst>
                       <p:childTnLst>
                         <p:par>
-                          <p:cTn id="24" fill="hold">
+                          <p:cTn id="26" fill="hold">
                             <p:stCondLst>
                               <p:cond delay="0"/>
                             </p:stCondLst>
                             <p:childTnLst>
                               <p:par>
-                                <p:cTn id="25" presetID="1" presetClass="entr" presetSubtype="0" fill="hold" nodeType="clickEffect">
-                                  <p:stCondLst>
-                                    <p:cond delay="0"/>
-                                  </p:stCondLst>
-                                  <p:childTnLst>
-                                    <p:set>
-                                      <p:cBhvr>
-                                        <p:cTn id="26" dur="1" fill="hold">
-                                          <p:stCondLst>
-                                            <p:cond delay="0"/>
-                                          </p:stCondLst>
-                                        </p:cTn>
-                                        <p:tgtEl>
-                                          <p:spTgt spid="7">
-                                            <p:txEl>
-                                              <p:pRg st="6" end="6"/>
-                                            </p:txEl>
-                                          </p:spTgt>
-                                        </p:tgtEl>
-                                        <p:attrNameLst>
-                                          <p:attrName>style.visibility</p:attrName>
-                                        </p:attrNameLst>
-                                      </p:cBhvr>
-                                      <p:to>
-                                        <p:strVal val="visible"/>
-                                      </p:to>
-                                    </p:set>
-                                  </p:childTnLst>
-                                </p:cTn>
-                              </p:par>
-                              <p:par>
-                                <p:cTn id="27" presetID="1" presetClass="entr" presetSubtype="0" fill="hold" nodeType="withEffect">
+                                <p:cTn id="27" presetID="1" presetClass="entr" presetSubtype="0" fill="hold" nodeType="clickEffect">
                                   <p:stCondLst>
                                     <p:cond delay="0"/>
                                   </p:stCondLst>
@@ -20749,7 +17948,7 @@
                                         <p:tgtEl>
                                           <p:spTgt spid="7">
                                             <p:txEl>
-                                              <p:pRg st="7" end="7"/>
+                                              <p:pRg st="8" end="8"/>
                                             </p:txEl>
                                           </p:spTgt>
                                         </p:tgtEl>
@@ -20798,7 +17997,87 @@
                                         <p:tgtEl>
                                           <p:spTgt spid="7">
                                             <p:txEl>
-                                              <p:pRg st="8" end="8"/>
+                                              <p:pRg st="9" end="9"/>
+                                            </p:txEl>
+                                          </p:spTgt>
+                                        </p:tgtEl>
+                                        <p:attrNameLst>
+                                          <p:attrName>style.visibility</p:attrName>
+                                        </p:attrNameLst>
+                                      </p:cBhvr>
+                                      <p:to>
+                                        <p:strVal val="visible"/>
+                                      </p:to>
+                                    </p:set>
+                                  </p:childTnLst>
+                                </p:cTn>
+                              </p:par>
+                              <p:par>
+                                <p:cTn id="33" presetID="1" presetClass="entr" presetSubtype="0" fill="hold" nodeType="withEffect">
+                                  <p:stCondLst>
+                                    <p:cond delay="0"/>
+                                  </p:stCondLst>
+                                  <p:childTnLst>
+                                    <p:set>
+                                      <p:cBhvr>
+                                        <p:cTn id="34" dur="1" fill="hold">
+                                          <p:stCondLst>
+                                            <p:cond delay="0"/>
+                                          </p:stCondLst>
+                                        </p:cTn>
+                                        <p:tgtEl>
+                                          <p:spTgt spid="7">
+                                            <p:txEl>
+                                              <p:pRg st="10" end="10"/>
+                                            </p:txEl>
+                                          </p:spTgt>
+                                        </p:tgtEl>
+                                        <p:attrNameLst>
+                                          <p:attrName>style.visibility</p:attrName>
+                                        </p:attrNameLst>
+                                      </p:cBhvr>
+                                      <p:to>
+                                        <p:strVal val="visible"/>
+                                      </p:to>
+                                    </p:set>
+                                  </p:childTnLst>
+                                </p:cTn>
+                              </p:par>
+                            </p:childTnLst>
+                          </p:cTn>
+                        </p:par>
+                      </p:childTnLst>
+                    </p:cTn>
+                  </p:par>
+                  <p:par>
+                    <p:cTn id="35" fill="hold">
+                      <p:stCondLst>
+                        <p:cond delay="indefinite"/>
+                      </p:stCondLst>
+                      <p:childTnLst>
+                        <p:par>
+                          <p:cTn id="36" fill="hold">
+                            <p:stCondLst>
+                              <p:cond delay="0"/>
+                            </p:stCondLst>
+                            <p:childTnLst>
+                              <p:par>
+                                <p:cTn id="37" presetID="1" presetClass="entr" presetSubtype="0" fill="hold" nodeType="clickEffect">
+                                  <p:stCondLst>
+                                    <p:cond delay="0"/>
+                                  </p:stCondLst>
+                                  <p:childTnLst>
+                                    <p:set>
+                                      <p:cBhvr>
+                                        <p:cTn id="38" dur="1" fill="hold">
+                                          <p:stCondLst>
+                                            <p:cond delay="0"/>
+                                          </p:stCondLst>
+                                        </p:cTn>
+                                        <p:tgtEl>
+                                          <p:spTgt spid="7">
+                                            <p:txEl>
+                                              <p:pRg st="11" end="11"/>
                                             </p:txEl>
                                           </p:spTgt>
                                         </p:tgtEl>
@@ -20909,16 +18188,230 @@
         </p:nvSpPr>
         <p:spPr/>
         <p:txBody>
-          <a:bodyPr/>
+          <a:bodyPr>
+            <a:normAutofit fontScale="70000" lnSpcReduction="20000"/>
+          </a:bodyPr>
           <a:lstStyle/>
           <a:p>
             <a:r>
-              <a:rPr lang="bg-BG" dirty="0">
-                <a:highlight>
-                  <a:srgbClr val="FFFF00"/>
-                </a:highlight>
+              <a:rPr lang="bg-BG" b="1" dirty="0">
+                <a:solidFill>
+                  <a:schemeClr val="bg1"/>
+                </a:solidFill>
               </a:rPr>
-              <a:t>Показване, добавяне, редакция, изтриване на админи</a:t>
+              <a:t>Форма за показване на админи</a:t>
+            </a:r>
+          </a:p>
+          <a:p>
+            <a:pPr lvl="1"/>
+            <a:r>
+              <a:rPr lang="bg-BG" dirty="0"/>
+              <a:t>Таблица с всички </a:t>
+            </a:r>
+            <a:r>
+              <a:rPr lang="bg-BG" b="1" dirty="0"/>
+              <a:t>админи</a:t>
+            </a:r>
+          </a:p>
+          <a:p>
+            <a:pPr lvl="1"/>
+            <a:r>
+              <a:rPr lang="bg-BG" dirty="0"/>
+              <a:t>Бутони за </a:t>
+            </a:r>
+            <a:r>
+              <a:rPr lang="bg-BG" b="1" dirty="0"/>
+              <a:t>добавяне</a:t>
+            </a:r>
+            <a:r>
+              <a:rPr lang="bg-BG" dirty="0"/>
+              <a:t>, </a:t>
+            </a:r>
+            <a:r>
+              <a:rPr lang="bg-BG" b="1" dirty="0"/>
+              <a:t>редактиране</a:t>
+            </a:r>
+            <a:r>
+              <a:rPr lang="bg-BG" dirty="0"/>
+              <a:t> и </a:t>
+            </a:r>
+            <a:r>
+              <a:rPr lang="bg-BG" b="1" dirty="0"/>
+              <a:t>изтриване</a:t>
+            </a:r>
+          </a:p>
+          <a:p>
+            <a:r>
+              <a:rPr lang="bg-BG" b="1" dirty="0">
+                <a:solidFill>
+                  <a:schemeClr val="bg1"/>
+                </a:solidFill>
+              </a:rPr>
+              <a:t>Форма за добавяне на нов админ</a:t>
+            </a:r>
+          </a:p>
+          <a:p>
+            <a:pPr lvl="1"/>
+            <a:r>
+              <a:rPr lang="bg-BG" dirty="0"/>
+              <a:t>Полета за </a:t>
+            </a:r>
+            <a:r>
+              <a:rPr lang="bg-BG" sz="3200" b="1" dirty="0"/>
+              <a:t>име</a:t>
+            </a:r>
+            <a:r>
+              <a:rPr lang="bg-BG" sz="3200" dirty="0"/>
+              <a:t>, </a:t>
+            </a:r>
+            <a:r>
+              <a:rPr lang="bg-BG" sz="3200" b="1" dirty="0"/>
+              <a:t>фамилия</a:t>
+            </a:r>
+            <a:r>
+              <a:rPr lang="bg-BG" sz="3200" dirty="0"/>
+              <a:t>, </a:t>
+            </a:r>
+            <a:r>
+              <a:rPr lang="bg-BG" sz="3200" b="1" dirty="0"/>
+              <a:t>телефон, </a:t>
+            </a:r>
+            <a:r>
+              <a:rPr lang="en-US" sz="3200" b="1" dirty="0"/>
+              <a:t>email</a:t>
+            </a:r>
+            <a:endParaRPr lang="bg-BG" sz="3200" b="1" dirty="0"/>
+          </a:p>
+          <a:p>
+            <a:pPr lvl="1"/>
+            <a:r>
+              <a:rPr lang="bg-BG" dirty="0"/>
+              <a:t>Бутони за </a:t>
+            </a:r>
+            <a:r>
+              <a:rPr lang="bg-BG" b="1" dirty="0"/>
+              <a:t>добавяне</a:t>
+            </a:r>
+            <a:r>
+              <a:rPr lang="bg-BG" dirty="0"/>
+              <a:t> и </a:t>
+            </a:r>
+            <a:r>
+              <a:rPr lang="bg-BG" b="1" dirty="0"/>
+              <a:t>отказ</a:t>
+            </a:r>
+          </a:p>
+          <a:p>
+            <a:r>
+              <a:rPr lang="bg-BG" b="1" dirty="0">
+                <a:solidFill>
+                  <a:schemeClr val="bg1"/>
+                </a:solidFill>
+              </a:rPr>
+              <a:t>Форма за редактиране на съществуващ админ</a:t>
+            </a:r>
+          </a:p>
+          <a:p>
+            <a:pPr lvl="1"/>
+            <a:r>
+              <a:rPr lang="bg-BG" dirty="0"/>
+              <a:t>Полета за </a:t>
+            </a:r>
+            <a:r>
+              <a:rPr lang="bg-BG" b="1" dirty="0"/>
+              <a:t>име</a:t>
+            </a:r>
+            <a:r>
+              <a:rPr lang="bg-BG" dirty="0"/>
+              <a:t>, </a:t>
+            </a:r>
+            <a:r>
+              <a:rPr lang="bg-BG" b="1" dirty="0"/>
+              <a:t>фамилия</a:t>
+            </a:r>
+            <a:r>
+              <a:rPr lang="bg-BG" dirty="0"/>
+              <a:t>, </a:t>
+            </a:r>
+            <a:r>
+              <a:rPr lang="bg-BG" b="1" dirty="0"/>
+              <a:t>телефон</a:t>
+            </a:r>
+            <a:r>
+              <a:rPr lang="bg-BG" dirty="0"/>
+              <a:t>, </a:t>
+            </a:r>
+            <a:r>
+              <a:rPr lang="en-US" sz="3200" b="1" dirty="0"/>
+              <a:t>email</a:t>
+            </a:r>
+            <a:endParaRPr lang="bg-BG" b="1" dirty="0"/>
+          </a:p>
+          <a:p>
+            <a:pPr lvl="1"/>
+            <a:r>
+              <a:rPr lang="bg-BG" dirty="0"/>
+              <a:t>Бутони за </a:t>
+            </a:r>
+            <a:r>
+              <a:rPr lang="bg-BG" b="1" dirty="0"/>
+              <a:t>редактиране</a:t>
+            </a:r>
+            <a:r>
+              <a:rPr lang="bg-BG" dirty="0"/>
+              <a:t> и </a:t>
+            </a:r>
+            <a:r>
+              <a:rPr lang="bg-BG" b="1" dirty="0"/>
+              <a:t>отказ</a:t>
+            </a:r>
+          </a:p>
+          <a:p>
+            <a:r>
+              <a:rPr lang="bg-BG" b="1" dirty="0">
+                <a:solidFill>
+                  <a:schemeClr val="bg1"/>
+                </a:solidFill>
+              </a:rPr>
+              <a:t>Форма за изтриване на съществуващ админ</a:t>
+            </a:r>
+          </a:p>
+          <a:p>
+            <a:pPr lvl="1"/>
+            <a:r>
+              <a:rPr lang="bg-BG" dirty="0"/>
+              <a:t>Поле за </a:t>
+            </a:r>
+            <a:r>
+              <a:rPr lang="bg-BG" b="1" dirty="0"/>
+              <a:t>име</a:t>
+            </a:r>
+            <a:r>
+              <a:rPr lang="bg-BG" dirty="0"/>
+              <a:t> и </a:t>
+            </a:r>
+            <a:r>
+              <a:rPr lang="bg-BG" b="1" dirty="0"/>
+              <a:t>фамилия</a:t>
+            </a:r>
+          </a:p>
+          <a:p>
+            <a:pPr lvl="1"/>
+            <a:r>
+              <a:rPr lang="bg-BG" dirty="0"/>
+              <a:t>Бутони за </a:t>
+            </a:r>
+            <a:r>
+              <a:rPr lang="bg-BG" b="1" dirty="0"/>
+              <a:t>изтриване</a:t>
+            </a:r>
+            <a:r>
+              <a:rPr lang="bg-BG" dirty="0"/>
+              <a:t> и </a:t>
+            </a:r>
+            <a:r>
+              <a:rPr lang="bg-BG" b="1" dirty="0"/>
+              <a:t>отказ</a:t>
             </a:r>
             <a:endParaRPr lang="en-US" dirty="0">
               <a:highlight>
@@ -25011,7 +22504,7 @@
           </p:cNvPicPr>
           <p:nvPr/>
         </p:nvPicPr>
-        <p:blipFill>
+        <p:blipFill rotWithShape="1">
           <a:blip r:embed="rId2">
             <a:extLst>
               <a:ext uri="{28A0092B-C50C-407E-A947-70E740481C1C}">
@@ -25019,14 +22512,13 @@
               </a:ext>
             </a:extLst>
           </a:blip>
-          <a:stretch>
-            <a:fillRect/>
-          </a:stretch>
+          <a:srcRect t="33072" b="28253"/>
+          <a:stretch/>
         </p:blipFill>
         <p:spPr>
           <a:xfrm>
-            <a:off x="2085516" y="3718775"/>
-            <a:ext cx="7772400" cy="3886200"/>
+            <a:off x="2085516" y="5004000"/>
+            <a:ext cx="7772400" cy="1503000"/>
           </a:xfrm>
           <a:prstGeom prst="rect">
             <a:avLst/>

--- a/Courses/Software-Sciences/Module-4-Information-Systems-New/09-Lifecycle-of-Information-System/09-Lifecycle-of-Information-System.pptx
+++ b/Courses/Software-Sciences/Module-4-Information-Systems-New/09-Lifecycle-of-Information-System/09-Lifecycle-of-Information-System.pptx
@@ -313,7 +313,7 @@
           <a:p>
             <a:fld id="{4E087215-0C8F-4762-A664-737A353EC9A4}" type="datetimeFigureOut">
               <a:rPr lang="bg-BG" smtClean="0"/>
-              <a:t>3.09.24 г.</a:t>
+              <a:t>6.09.24 г.</a:t>
             </a:fld>
             <a:endParaRPr lang="bg-BG"/>
           </a:p>
@@ -509,7 +509,7 @@
           <a:p>
             <a:fld id="{72D84649-876A-46C9-8472-14CB09C070D8}" type="datetimeFigureOut">
               <a:rPr lang="en-US" smtClean="0"/>
-              <a:t>9/3/24</a:t>
+              <a:t>9/6/24</a:t>
             </a:fld>
             <a:endParaRPr lang="en-US"/>
           </a:p>
@@ -8589,9 +8589,6 @@
                     <p:cTn id="3" fill="hold">
                       <p:stCondLst>
                         <p:cond delay="indefinite"/>
-                        <p:cond evt="onBegin" delay="0">
-                          <p:tn val="2"/>
-                        </p:cond>
                       </p:stCondLst>
                       <p:childTnLst>
                         <p:par>
@@ -8601,7 +8598,7 @@
                             </p:stCondLst>
                             <p:childTnLst>
                               <p:par>
-                                <p:cTn id="5" presetID="1" presetClass="entr" presetSubtype="0" fill="hold" nodeType="withEffect">
+                                <p:cTn id="5" presetID="1" presetClass="entr" presetSubtype="0" fill="hold" nodeType="clickEffect">
                                   <p:stCondLst>
                                     <p:cond delay="0"/>
                                   </p:stCondLst>
@@ -8616,7 +8613,7 @@
                                         <p:tgtEl>
                                           <p:spTgt spid="7">
                                             <p:txEl>
-                                              <p:pRg st="0" end="0"/>
+                                              <p:pRg st="1" end="1"/>
                                             </p:txEl>
                                           </p:spTgt>
                                         </p:tgtEl>
@@ -8665,7 +8662,7 @@
                                         <p:tgtEl>
                                           <p:spTgt spid="7">
                                             <p:txEl>
-                                              <p:pRg st="1" end="1"/>
+                                              <p:pRg st="2" end="2"/>
                                             </p:txEl>
                                           </p:spTgt>
                                         </p:tgtEl>
@@ -8707,55 +8704,6 @@
                                     <p:set>
                                       <p:cBhvr>
                                         <p:cTn id="14" dur="1" fill="hold">
-                                          <p:stCondLst>
-                                            <p:cond delay="0"/>
-                                          </p:stCondLst>
-                                        </p:cTn>
-                                        <p:tgtEl>
-                                          <p:spTgt spid="7">
-                                            <p:txEl>
-                                              <p:pRg st="2" end="2"/>
-                                            </p:txEl>
-                                          </p:spTgt>
-                                        </p:tgtEl>
-                                        <p:attrNameLst>
-                                          <p:attrName>style.visibility</p:attrName>
-                                        </p:attrNameLst>
-                                      </p:cBhvr>
-                                      <p:to>
-                                        <p:strVal val="visible"/>
-                                      </p:to>
-                                    </p:set>
-                                  </p:childTnLst>
-                                </p:cTn>
-                              </p:par>
-                            </p:childTnLst>
-                          </p:cTn>
-                        </p:par>
-                      </p:childTnLst>
-                    </p:cTn>
-                  </p:par>
-                  <p:par>
-                    <p:cTn id="15" fill="hold">
-                      <p:stCondLst>
-                        <p:cond delay="indefinite"/>
-                      </p:stCondLst>
-                      <p:childTnLst>
-                        <p:par>
-                          <p:cTn id="16" fill="hold">
-                            <p:stCondLst>
-                              <p:cond delay="0"/>
-                            </p:stCondLst>
-                            <p:childTnLst>
-                              <p:par>
-                                <p:cTn id="17" presetID="1" presetClass="entr" presetSubtype="0" fill="hold" nodeType="clickEffect">
-                                  <p:stCondLst>
-                                    <p:cond delay="0"/>
-                                  </p:stCondLst>
-                                  <p:childTnLst>
-                                    <p:set>
-                                      <p:cBhvr>
-                                        <p:cTn id="18" dur="1" fill="hold">
                                           <p:stCondLst>
                                             <p:cond delay="0"/>
                                           </p:stCondLst>
@@ -9252,9 +9200,6 @@
                     <p:cTn id="3" fill="hold">
                       <p:stCondLst>
                         <p:cond delay="indefinite"/>
-                        <p:cond evt="onBegin" delay="0">
-                          <p:tn val="2"/>
-                        </p:cond>
                       </p:stCondLst>
                       <p:childTnLst>
                         <p:par>
@@ -9264,7 +9209,7 @@
                             </p:stCondLst>
                             <p:childTnLst>
                               <p:par>
-                                <p:cTn id="5" presetID="1" presetClass="entr" presetSubtype="0" fill="hold" nodeType="withEffect">
+                                <p:cTn id="5" presetID="1" presetClass="entr" presetSubtype="0" fill="hold" nodeType="clickEffect">
                                   <p:stCondLst>
                                     <p:cond delay="0"/>
                                   </p:stCondLst>
@@ -9279,7 +9224,7 @@
                                         <p:tgtEl>
                                           <p:spTgt spid="7">
                                             <p:txEl>
-                                              <p:pRg st="0" end="0"/>
+                                              <p:pRg st="1" end="1"/>
                                             </p:txEl>
                                           </p:spTgt>
                                         </p:tgtEl>
@@ -9328,7 +9273,7 @@
                                         <p:tgtEl>
                                           <p:spTgt spid="7">
                                             <p:txEl>
-                                              <p:pRg st="1" end="1"/>
+                                              <p:pRg st="2" end="2"/>
                                             </p:txEl>
                                           </p:spTgt>
                                         </p:tgtEl>
@@ -9370,55 +9315,6 @@
                                     <p:set>
                                       <p:cBhvr>
                                         <p:cTn id="14" dur="1" fill="hold">
-                                          <p:stCondLst>
-                                            <p:cond delay="0"/>
-                                          </p:stCondLst>
-                                        </p:cTn>
-                                        <p:tgtEl>
-                                          <p:spTgt spid="7">
-                                            <p:txEl>
-                                              <p:pRg st="2" end="2"/>
-                                            </p:txEl>
-                                          </p:spTgt>
-                                        </p:tgtEl>
-                                        <p:attrNameLst>
-                                          <p:attrName>style.visibility</p:attrName>
-                                        </p:attrNameLst>
-                                      </p:cBhvr>
-                                      <p:to>
-                                        <p:strVal val="visible"/>
-                                      </p:to>
-                                    </p:set>
-                                  </p:childTnLst>
-                                </p:cTn>
-                              </p:par>
-                            </p:childTnLst>
-                          </p:cTn>
-                        </p:par>
-                      </p:childTnLst>
-                    </p:cTn>
-                  </p:par>
-                  <p:par>
-                    <p:cTn id="15" fill="hold">
-                      <p:stCondLst>
-                        <p:cond delay="indefinite"/>
-                      </p:stCondLst>
-                      <p:childTnLst>
-                        <p:par>
-                          <p:cTn id="16" fill="hold">
-                            <p:stCondLst>
-                              <p:cond delay="0"/>
-                            </p:stCondLst>
-                            <p:childTnLst>
-                              <p:par>
-                                <p:cTn id="17" presetID="1" presetClass="entr" presetSubtype="0" fill="hold" nodeType="clickEffect">
-                                  <p:stCondLst>
-                                    <p:cond delay="0"/>
-                                  </p:stCondLst>
-                                  <p:childTnLst>
-                                    <p:set>
-                                      <p:cBhvr>
-                                        <p:cTn id="18" dur="1" fill="hold">
                                           <p:stCondLst>
                                             <p:cond delay="0"/>
                                           </p:stCondLst>
@@ -9754,9 +9650,6 @@
                     <p:cTn id="3" fill="hold">
                       <p:stCondLst>
                         <p:cond delay="indefinite"/>
-                        <p:cond evt="onBegin" delay="0">
-                          <p:tn val="2"/>
-                        </p:cond>
                       </p:stCondLst>
                       <p:childTnLst>
                         <p:par>
@@ -9766,7 +9659,7 @@
                             </p:stCondLst>
                             <p:childTnLst>
                               <p:par>
-                                <p:cTn id="5" presetID="1" presetClass="entr" presetSubtype="0" fill="hold" nodeType="withEffect">
+                                <p:cTn id="5" presetID="1" presetClass="entr" presetSubtype="0" fill="hold" nodeType="clickEffect">
                                   <p:stCondLst>
                                     <p:cond delay="0"/>
                                   </p:stCondLst>
@@ -9774,37 +9667,6 @@
                                     <p:set>
                                       <p:cBhvr>
                                         <p:cTn id="6" dur="1" fill="hold">
-                                          <p:stCondLst>
-                                            <p:cond delay="0"/>
-                                          </p:stCondLst>
-                                        </p:cTn>
-                                        <p:tgtEl>
-                                          <p:spTgt spid="7">
-                                            <p:txEl>
-                                              <p:pRg st="0" end="0"/>
-                                            </p:txEl>
-                                          </p:spTgt>
-                                        </p:tgtEl>
-                                        <p:attrNameLst>
-                                          <p:attrName>style.visibility</p:attrName>
-                                        </p:attrNameLst>
-                                      </p:cBhvr>
-                                      <p:to>
-                                        <p:strVal val="visible"/>
-                                      </p:to>
-                                    </p:set>
-                                  </p:childTnLst>
-                                </p:cTn>
-                              </p:par>
-                              <p:par>
-                                <p:cTn id="7" presetID="1" presetClass="entr" presetSubtype="0" fill="hold" nodeType="withEffect">
-                                  <p:stCondLst>
-                                    <p:cond delay="0"/>
-                                  </p:stCondLst>
-                                  <p:childTnLst>
-                                    <p:set>
-                                      <p:cBhvr>
-                                        <p:cTn id="8" dur="1" fill="hold">
                                           <p:stCondLst>
                                             <p:cond delay="0"/>
                                           </p:stCondLst>
@@ -9834,26 +9696,26 @@
                     </p:cTn>
                   </p:par>
                   <p:par>
-                    <p:cTn id="9" fill="hold">
+                    <p:cTn id="7" fill="hold">
                       <p:stCondLst>
                         <p:cond delay="indefinite"/>
                       </p:stCondLst>
                       <p:childTnLst>
                         <p:par>
-                          <p:cTn id="10" fill="hold">
+                          <p:cTn id="8" fill="hold">
                             <p:stCondLst>
                               <p:cond delay="0"/>
                             </p:stCondLst>
                             <p:childTnLst>
                               <p:par>
-                                <p:cTn id="11" presetID="1" presetClass="entr" presetSubtype="0" fill="hold" nodeType="clickEffect">
+                                <p:cTn id="9" presetID="1" presetClass="entr" presetSubtype="0" fill="hold" nodeType="clickEffect">
                                   <p:stCondLst>
                                     <p:cond delay="0"/>
                                   </p:stCondLst>
                                   <p:childTnLst>
                                     <p:set>
                                       <p:cBhvr>
-                                        <p:cTn id="12" dur="1" fill="hold">
+                                        <p:cTn id="10" dur="1" fill="hold">
                                           <p:stCondLst>
                                             <p:cond delay="0"/>
                                           </p:stCondLst>
@@ -9876,8 +9738,26 @@
                                   </p:childTnLst>
                                 </p:cTn>
                               </p:par>
+                            </p:childTnLst>
+                          </p:cTn>
+                        </p:par>
+                      </p:childTnLst>
+                    </p:cTn>
+                  </p:par>
+                  <p:par>
+                    <p:cTn id="11" fill="hold">
+                      <p:stCondLst>
+                        <p:cond delay="indefinite"/>
+                      </p:stCondLst>
+                      <p:childTnLst>
+                        <p:par>
+                          <p:cTn id="12" fill="hold">
+                            <p:stCondLst>
+                              <p:cond delay="0"/>
+                            </p:stCondLst>
+                            <p:childTnLst>
                               <p:par>
-                                <p:cTn id="13" presetID="1" presetClass="entr" presetSubtype="0" fill="hold" nodeType="withEffect">
+                                <p:cTn id="13" presetID="1" presetClass="entr" presetSubtype="0" fill="hold" nodeType="clickEffect">
                                   <p:stCondLst>
                                     <p:cond delay="0"/>
                                   </p:stCondLst>
@@ -10005,15 +9885,33 @@
                                   </p:childTnLst>
                                 </p:cTn>
                               </p:par>
+                            </p:childTnLst>
+                          </p:cTn>
+                        </p:par>
+                      </p:childTnLst>
+                    </p:cTn>
+                  </p:par>
+                  <p:par>
+                    <p:cTn id="23" fill="hold">
+                      <p:stCondLst>
+                        <p:cond delay="indefinite"/>
+                      </p:stCondLst>
+                      <p:childTnLst>
+                        <p:par>
+                          <p:cTn id="24" fill="hold">
+                            <p:stCondLst>
+                              <p:cond delay="0"/>
+                            </p:stCondLst>
+                            <p:childTnLst>
                               <p:par>
-                                <p:cTn id="23" presetID="1" presetClass="entr" presetSubtype="0" fill="hold" nodeType="withEffect">
+                                <p:cTn id="25" presetID="1" presetClass="entr" presetSubtype="0" fill="hold" nodeType="clickEffect">
                                   <p:stCondLst>
                                     <p:cond delay="0"/>
                                   </p:stCondLst>
                                   <p:childTnLst>
                                     <p:set>
                                       <p:cBhvr>
-                                        <p:cTn id="24" dur="1" fill="hold">
+                                        <p:cTn id="26" dur="1" fill="hold">
                                           <p:stCondLst>
                                             <p:cond delay="0"/>
                                           </p:stCondLst>
@@ -10043,26 +9941,26 @@
                     </p:cTn>
                   </p:par>
                   <p:par>
-                    <p:cTn id="25" fill="hold">
+                    <p:cTn id="27" fill="hold">
                       <p:stCondLst>
                         <p:cond delay="indefinite"/>
                       </p:stCondLst>
                       <p:childTnLst>
                         <p:par>
-                          <p:cTn id="26" fill="hold">
+                          <p:cTn id="28" fill="hold">
                             <p:stCondLst>
                               <p:cond delay="0"/>
                             </p:stCondLst>
                             <p:childTnLst>
                               <p:par>
-                                <p:cTn id="27" presetID="1" presetClass="entr" presetSubtype="0" fill="hold" nodeType="clickEffect">
+                                <p:cTn id="29" presetID="1" presetClass="entr" presetSubtype="0" fill="hold" nodeType="clickEffect">
                                   <p:stCondLst>
                                     <p:cond delay="0"/>
                                   </p:stCondLst>
                                   <p:childTnLst>
                                     <p:set>
                                       <p:cBhvr>
-                                        <p:cTn id="28" dur="1" fill="hold">
+                                        <p:cTn id="30" dur="1" fill="hold">
                                           <p:stCondLst>
                                             <p:cond delay="0"/>
                                           </p:stCondLst>
@@ -10085,15 +9983,33 @@
                                   </p:childTnLst>
                                 </p:cTn>
                               </p:par>
+                            </p:childTnLst>
+                          </p:cTn>
+                        </p:par>
+                      </p:childTnLst>
+                    </p:cTn>
+                  </p:par>
+                  <p:par>
+                    <p:cTn id="31" fill="hold">
+                      <p:stCondLst>
+                        <p:cond delay="indefinite"/>
+                      </p:stCondLst>
+                      <p:childTnLst>
+                        <p:par>
+                          <p:cTn id="32" fill="hold">
+                            <p:stCondLst>
+                              <p:cond delay="0"/>
+                            </p:stCondLst>
+                            <p:childTnLst>
                               <p:par>
-                                <p:cTn id="29" presetID="1" presetClass="entr" presetSubtype="0" fill="hold" nodeType="withEffect">
+                                <p:cTn id="33" presetID="1" presetClass="entr" presetSubtype="0" fill="hold" nodeType="clickEffect">
                                   <p:stCondLst>
                                     <p:cond delay="0"/>
                                   </p:stCondLst>
                                   <p:childTnLst>
                                     <p:set>
                                       <p:cBhvr>
-                                        <p:cTn id="30" dur="1" fill="hold">
+                                        <p:cTn id="34" dur="1" fill="hold">
                                           <p:stCondLst>
                                             <p:cond delay="0"/>
                                           </p:stCondLst>
@@ -10576,9 +10492,6 @@
                     <p:cTn id="3" fill="hold">
                       <p:stCondLst>
                         <p:cond delay="indefinite"/>
-                        <p:cond evt="onBegin" delay="0">
-                          <p:tn val="2"/>
-                        </p:cond>
                       </p:stCondLst>
                       <p:childTnLst>
                         <p:par>
@@ -10588,7 +10501,7 @@
                             </p:stCondLst>
                             <p:childTnLst>
                               <p:par>
-                                <p:cTn id="5" presetID="1" presetClass="entr" presetSubtype="0" fill="hold" nodeType="withEffect">
+                                <p:cTn id="5" presetID="1" presetClass="entr" presetSubtype="0" fill="hold" nodeType="clickEffect">
                                   <p:stCondLst>
                                     <p:cond delay="0"/>
                                   </p:stCondLst>
@@ -10596,37 +10509,6 @@
                                     <p:set>
                                       <p:cBhvr>
                                         <p:cTn id="6" dur="1" fill="hold">
-                                          <p:stCondLst>
-                                            <p:cond delay="0"/>
-                                          </p:stCondLst>
-                                        </p:cTn>
-                                        <p:tgtEl>
-                                          <p:spTgt spid="3">
-                                            <p:txEl>
-                                              <p:pRg st="0" end="0"/>
-                                            </p:txEl>
-                                          </p:spTgt>
-                                        </p:tgtEl>
-                                        <p:attrNameLst>
-                                          <p:attrName>style.visibility</p:attrName>
-                                        </p:attrNameLst>
-                                      </p:cBhvr>
-                                      <p:to>
-                                        <p:strVal val="visible"/>
-                                      </p:to>
-                                    </p:set>
-                                  </p:childTnLst>
-                                </p:cTn>
-                              </p:par>
-                              <p:par>
-                                <p:cTn id="7" presetID="1" presetClass="entr" presetSubtype="0" fill="hold" nodeType="withEffect">
-                                  <p:stCondLst>
-                                    <p:cond delay="0"/>
-                                  </p:stCondLst>
-                                  <p:childTnLst>
-                                    <p:set>
-                                      <p:cBhvr>
-                                        <p:cTn id="8" dur="1" fill="hold">
                                           <p:stCondLst>
                                             <p:cond delay="0"/>
                                           </p:stCondLst>
@@ -10656,26 +10538,26 @@
                     </p:cTn>
                   </p:par>
                   <p:par>
-                    <p:cTn id="9" fill="hold">
+                    <p:cTn id="7" fill="hold">
                       <p:stCondLst>
                         <p:cond delay="indefinite"/>
                       </p:stCondLst>
                       <p:childTnLst>
                         <p:par>
-                          <p:cTn id="10" fill="hold">
+                          <p:cTn id="8" fill="hold">
                             <p:stCondLst>
                               <p:cond delay="0"/>
                             </p:stCondLst>
                             <p:childTnLst>
                               <p:par>
-                                <p:cTn id="11" presetID="1" presetClass="entr" presetSubtype="0" fill="hold" nodeType="clickEffect">
+                                <p:cTn id="9" presetID="1" presetClass="entr" presetSubtype="0" fill="hold" nodeType="clickEffect">
                                   <p:stCondLst>
                                     <p:cond delay="0"/>
                                   </p:stCondLst>
                                   <p:childTnLst>
                                     <p:set>
                                       <p:cBhvr>
-                                        <p:cTn id="12" dur="1" fill="hold">
+                                        <p:cTn id="10" dur="1" fill="hold">
                                           <p:stCondLst>
                                             <p:cond delay="0"/>
                                           </p:stCondLst>
@@ -10705,26 +10587,26 @@
                     </p:cTn>
                   </p:par>
                   <p:par>
-                    <p:cTn id="13" fill="hold">
+                    <p:cTn id="11" fill="hold">
                       <p:stCondLst>
                         <p:cond delay="indefinite"/>
                       </p:stCondLst>
                       <p:childTnLst>
                         <p:par>
-                          <p:cTn id="14" fill="hold">
+                          <p:cTn id="12" fill="hold">
                             <p:stCondLst>
                               <p:cond delay="0"/>
                             </p:stCondLst>
                             <p:childTnLst>
                               <p:par>
-                                <p:cTn id="15" presetID="1" presetClass="entr" presetSubtype="0" fill="hold" nodeType="clickEffect">
+                                <p:cTn id="13" presetID="1" presetClass="entr" presetSubtype="0" fill="hold" nodeType="clickEffect">
                                   <p:stCondLst>
                                     <p:cond delay="0"/>
                                   </p:stCondLst>
                                   <p:childTnLst>
                                     <p:set>
                                       <p:cBhvr>
-                                        <p:cTn id="16" dur="1" fill="hold">
+                                        <p:cTn id="14" dur="1" fill="hold">
                                           <p:stCondLst>
                                             <p:cond delay="0"/>
                                           </p:stCondLst>
@@ -10754,26 +10636,26 @@
                     </p:cTn>
                   </p:par>
                   <p:par>
-                    <p:cTn id="17" fill="hold">
+                    <p:cTn id="15" fill="hold">
                       <p:stCondLst>
                         <p:cond delay="indefinite"/>
                       </p:stCondLst>
                       <p:childTnLst>
                         <p:par>
-                          <p:cTn id="18" fill="hold">
+                          <p:cTn id="16" fill="hold">
                             <p:stCondLst>
                               <p:cond delay="0"/>
                             </p:stCondLst>
                             <p:childTnLst>
                               <p:par>
-                                <p:cTn id="19" presetID="1" presetClass="entr" presetSubtype="0" fill="hold" nodeType="clickEffect">
+                                <p:cTn id="17" presetID="1" presetClass="entr" presetSubtype="0" fill="hold" nodeType="clickEffect">
                                   <p:stCondLst>
                                     <p:cond delay="0"/>
                                   </p:stCondLst>
                                   <p:childTnLst>
                                     <p:set>
                                       <p:cBhvr>
-                                        <p:cTn id="20" dur="1" fill="hold">
+                                        <p:cTn id="18" dur="1" fill="hold">
                                           <p:stCondLst>
                                             <p:cond delay="0"/>
                                           </p:stCondLst>
@@ -10803,26 +10685,26 @@
                     </p:cTn>
                   </p:par>
                   <p:par>
-                    <p:cTn id="21" fill="hold">
+                    <p:cTn id="19" fill="hold">
                       <p:stCondLst>
                         <p:cond delay="indefinite"/>
                       </p:stCondLst>
                       <p:childTnLst>
                         <p:par>
-                          <p:cTn id="22" fill="hold">
+                          <p:cTn id="20" fill="hold">
                             <p:stCondLst>
                               <p:cond delay="0"/>
                             </p:stCondLst>
                             <p:childTnLst>
                               <p:par>
-                                <p:cTn id="23" presetID="1" presetClass="entr" presetSubtype="0" fill="hold" nodeType="clickEffect">
+                                <p:cTn id="21" presetID="1" presetClass="entr" presetSubtype="0" fill="hold" nodeType="clickEffect">
                                   <p:stCondLst>
                                     <p:cond delay="0"/>
                                   </p:stCondLst>
                                   <p:childTnLst>
                                     <p:set>
                                       <p:cBhvr>
-                                        <p:cTn id="24" dur="1" fill="hold">
+                                        <p:cTn id="22" dur="1" fill="hold">
                                           <p:stCondLst>
                                             <p:cond delay="0"/>
                                           </p:stCondLst>
@@ -10852,26 +10734,26 @@
                     </p:cTn>
                   </p:par>
                   <p:par>
-                    <p:cTn id="25" fill="hold">
+                    <p:cTn id="23" fill="hold">
                       <p:stCondLst>
                         <p:cond delay="indefinite"/>
                       </p:stCondLst>
                       <p:childTnLst>
                         <p:par>
-                          <p:cTn id="26" fill="hold">
+                          <p:cTn id="24" fill="hold">
                             <p:stCondLst>
                               <p:cond delay="0"/>
                             </p:stCondLst>
                             <p:childTnLst>
                               <p:par>
-                                <p:cTn id="27" presetID="1" presetClass="entr" presetSubtype="0" fill="hold" nodeType="clickEffect">
+                                <p:cTn id="25" presetID="1" presetClass="entr" presetSubtype="0" fill="hold" nodeType="clickEffect">
                                   <p:stCondLst>
                                     <p:cond delay="0"/>
                                   </p:stCondLst>
                                   <p:childTnLst>
                                     <p:set>
                                       <p:cBhvr>
-                                        <p:cTn id="28" dur="1" fill="hold">
+                                        <p:cTn id="26" dur="1" fill="hold">
                                           <p:stCondLst>
                                             <p:cond delay="0"/>
                                           </p:stCondLst>
@@ -10901,26 +10783,26 @@
                     </p:cTn>
                   </p:par>
                   <p:par>
-                    <p:cTn id="29" fill="hold">
+                    <p:cTn id="27" fill="hold">
                       <p:stCondLst>
                         <p:cond delay="indefinite"/>
                       </p:stCondLst>
                       <p:childTnLst>
                         <p:par>
-                          <p:cTn id="30" fill="hold">
+                          <p:cTn id="28" fill="hold">
                             <p:stCondLst>
                               <p:cond delay="0"/>
                             </p:stCondLst>
                             <p:childTnLst>
                               <p:par>
-                                <p:cTn id="31" presetID="1" presetClass="entr" presetSubtype="0" fill="hold" nodeType="clickEffect">
+                                <p:cTn id="29" presetID="1" presetClass="entr" presetSubtype="0" fill="hold" nodeType="clickEffect">
                                   <p:stCondLst>
                                     <p:cond delay="0"/>
                                   </p:stCondLst>
                                   <p:childTnLst>
                                     <p:set>
                                       <p:cBhvr>
-                                        <p:cTn id="32" dur="1" fill="hold">
+                                        <p:cTn id="30" dur="1" fill="hold">
                                           <p:stCondLst>
                                             <p:cond delay="0"/>
                                           </p:stCondLst>
@@ -10943,8 +10825,26 @@
                                   </p:childTnLst>
                                 </p:cTn>
                               </p:par>
+                            </p:childTnLst>
+                          </p:cTn>
+                        </p:par>
+                      </p:childTnLst>
+                    </p:cTn>
+                  </p:par>
+                  <p:par>
+                    <p:cTn id="31" fill="hold">
+                      <p:stCondLst>
+                        <p:cond delay="indefinite"/>
+                      </p:stCondLst>
+                      <p:childTnLst>
+                        <p:par>
+                          <p:cTn id="32" fill="hold">
+                            <p:stCondLst>
+                              <p:cond delay="0"/>
+                            </p:stCondLst>
+                            <p:childTnLst>
                               <p:par>
-                                <p:cTn id="33" presetID="1" presetClass="entr" presetSubtype="0" fill="hold" nodeType="withEffect">
+                                <p:cTn id="33" presetID="1" presetClass="entr" presetSubtype="0" fill="hold" nodeType="clickEffect">
                                   <p:stCondLst>
                                     <p:cond delay="0"/>
                                   </p:stCondLst>
@@ -11413,9 +11313,6 @@
                     <p:cTn id="3" fill="hold">
                       <p:stCondLst>
                         <p:cond delay="indefinite"/>
-                        <p:cond evt="onBegin" delay="0">
-                          <p:tn val="2"/>
-                        </p:cond>
                       </p:stCondLst>
                       <p:childTnLst>
                         <p:par>
@@ -11425,7 +11322,7 @@
                             </p:stCondLst>
                             <p:childTnLst>
                               <p:par>
-                                <p:cTn id="5" presetID="1" presetClass="entr" presetSubtype="0" fill="hold" nodeType="withEffect">
+                                <p:cTn id="5" presetID="1" presetClass="entr" presetSubtype="0" fill="hold" nodeType="clickEffect">
                                   <p:stCondLst>
                                     <p:cond delay="0"/>
                                   </p:stCondLst>
@@ -11433,37 +11330,6 @@
                                     <p:set>
                                       <p:cBhvr>
                                         <p:cTn id="6" dur="1" fill="hold">
-                                          <p:stCondLst>
-                                            <p:cond delay="0"/>
-                                          </p:stCondLst>
-                                        </p:cTn>
-                                        <p:tgtEl>
-                                          <p:spTgt spid="7">
-                                            <p:txEl>
-                                              <p:pRg st="0" end="0"/>
-                                            </p:txEl>
-                                          </p:spTgt>
-                                        </p:tgtEl>
-                                        <p:attrNameLst>
-                                          <p:attrName>style.visibility</p:attrName>
-                                        </p:attrNameLst>
-                                      </p:cBhvr>
-                                      <p:to>
-                                        <p:strVal val="visible"/>
-                                      </p:to>
-                                    </p:set>
-                                  </p:childTnLst>
-                                </p:cTn>
-                              </p:par>
-                              <p:par>
-                                <p:cTn id="7" presetID="1" presetClass="entr" presetSubtype="0" fill="hold" nodeType="withEffect">
-                                  <p:stCondLst>
-                                    <p:cond delay="0"/>
-                                  </p:stCondLst>
-                                  <p:childTnLst>
-                                    <p:set>
-                                      <p:cBhvr>
-                                        <p:cTn id="8" dur="1" fill="hold">
                                           <p:stCondLst>
                                             <p:cond delay="0"/>
                                           </p:stCondLst>
@@ -11493,26 +11359,26 @@
                     </p:cTn>
                   </p:par>
                   <p:par>
-                    <p:cTn id="9" fill="hold">
+                    <p:cTn id="7" fill="hold">
                       <p:stCondLst>
                         <p:cond delay="indefinite"/>
                       </p:stCondLst>
                       <p:childTnLst>
                         <p:par>
-                          <p:cTn id="10" fill="hold">
+                          <p:cTn id="8" fill="hold">
                             <p:stCondLst>
                               <p:cond delay="0"/>
                             </p:stCondLst>
                             <p:childTnLst>
                               <p:par>
-                                <p:cTn id="11" presetID="1" presetClass="entr" presetSubtype="0" fill="hold" nodeType="clickEffect">
+                                <p:cTn id="9" presetID="1" presetClass="entr" presetSubtype="0" fill="hold" nodeType="clickEffect">
                                   <p:stCondLst>
                                     <p:cond delay="0"/>
                                   </p:stCondLst>
                                   <p:childTnLst>
                                     <p:set>
                                       <p:cBhvr>
-                                        <p:cTn id="12" dur="1" fill="hold">
+                                        <p:cTn id="10" dur="1" fill="hold">
                                           <p:stCondLst>
                                             <p:cond delay="0"/>
                                           </p:stCondLst>
@@ -11542,26 +11408,26 @@
                     </p:cTn>
                   </p:par>
                   <p:par>
-                    <p:cTn id="13" fill="hold">
+                    <p:cTn id="11" fill="hold">
                       <p:stCondLst>
                         <p:cond delay="indefinite"/>
                       </p:stCondLst>
                       <p:childTnLst>
                         <p:par>
-                          <p:cTn id="14" fill="hold">
+                          <p:cTn id="12" fill="hold">
                             <p:stCondLst>
                               <p:cond delay="0"/>
                             </p:stCondLst>
                             <p:childTnLst>
                               <p:par>
-                                <p:cTn id="15" presetID="1" presetClass="entr" presetSubtype="0" fill="hold" nodeType="clickEffect">
+                                <p:cTn id="13" presetID="1" presetClass="entr" presetSubtype="0" fill="hold" nodeType="clickEffect">
                                   <p:stCondLst>
                                     <p:cond delay="0"/>
                                   </p:stCondLst>
                                   <p:childTnLst>
                                     <p:set>
                                       <p:cBhvr>
-                                        <p:cTn id="16" dur="1" fill="hold">
+                                        <p:cTn id="14" dur="1" fill="hold">
                                           <p:stCondLst>
                                             <p:cond delay="0"/>
                                           </p:stCondLst>
@@ -11570,6 +11436,349 @@
                                           <p:spTgt spid="7">
                                             <p:txEl>
                                               <p:pRg st="3" end="3"/>
+                                            </p:txEl>
+                                          </p:spTgt>
+                                        </p:tgtEl>
+                                        <p:attrNameLst>
+                                          <p:attrName>style.visibility</p:attrName>
+                                        </p:attrNameLst>
+                                      </p:cBhvr>
+                                      <p:to>
+                                        <p:strVal val="visible"/>
+                                      </p:to>
+                                    </p:set>
+                                  </p:childTnLst>
+                                </p:cTn>
+                              </p:par>
+                            </p:childTnLst>
+                          </p:cTn>
+                        </p:par>
+                      </p:childTnLst>
+                    </p:cTn>
+                  </p:par>
+                  <p:par>
+                    <p:cTn id="15" fill="hold">
+                      <p:stCondLst>
+                        <p:cond delay="indefinite"/>
+                      </p:stCondLst>
+                      <p:childTnLst>
+                        <p:par>
+                          <p:cTn id="16" fill="hold">
+                            <p:stCondLst>
+                              <p:cond delay="0"/>
+                            </p:stCondLst>
+                            <p:childTnLst>
+                              <p:par>
+                                <p:cTn id="17" presetID="1" presetClass="entr" presetSubtype="0" fill="hold" nodeType="clickEffect">
+                                  <p:stCondLst>
+                                    <p:cond delay="0"/>
+                                  </p:stCondLst>
+                                  <p:childTnLst>
+                                    <p:set>
+                                      <p:cBhvr>
+                                        <p:cTn id="18" dur="1" fill="hold">
+                                          <p:stCondLst>
+                                            <p:cond delay="0"/>
+                                          </p:stCondLst>
+                                        </p:cTn>
+                                        <p:tgtEl>
+                                          <p:spTgt spid="7">
+                                            <p:txEl>
+                                              <p:pRg st="4" end="4"/>
+                                            </p:txEl>
+                                          </p:spTgt>
+                                        </p:tgtEl>
+                                        <p:attrNameLst>
+                                          <p:attrName>style.visibility</p:attrName>
+                                        </p:attrNameLst>
+                                      </p:cBhvr>
+                                      <p:to>
+                                        <p:strVal val="visible"/>
+                                      </p:to>
+                                    </p:set>
+                                  </p:childTnLst>
+                                </p:cTn>
+                              </p:par>
+                            </p:childTnLst>
+                          </p:cTn>
+                        </p:par>
+                      </p:childTnLst>
+                    </p:cTn>
+                  </p:par>
+                  <p:par>
+                    <p:cTn id="19" fill="hold">
+                      <p:stCondLst>
+                        <p:cond delay="indefinite"/>
+                      </p:stCondLst>
+                      <p:childTnLst>
+                        <p:par>
+                          <p:cTn id="20" fill="hold">
+                            <p:stCondLst>
+                              <p:cond delay="0"/>
+                            </p:stCondLst>
+                            <p:childTnLst>
+                              <p:par>
+                                <p:cTn id="21" presetID="1" presetClass="entr" presetSubtype="0" fill="hold" nodeType="clickEffect">
+                                  <p:stCondLst>
+                                    <p:cond delay="0"/>
+                                  </p:stCondLst>
+                                  <p:childTnLst>
+                                    <p:set>
+                                      <p:cBhvr>
+                                        <p:cTn id="22" dur="1" fill="hold">
+                                          <p:stCondLst>
+                                            <p:cond delay="0"/>
+                                          </p:stCondLst>
+                                        </p:cTn>
+                                        <p:tgtEl>
+                                          <p:spTgt spid="7">
+                                            <p:txEl>
+                                              <p:pRg st="5" end="5"/>
+                                            </p:txEl>
+                                          </p:spTgt>
+                                        </p:tgtEl>
+                                        <p:attrNameLst>
+                                          <p:attrName>style.visibility</p:attrName>
+                                        </p:attrNameLst>
+                                      </p:cBhvr>
+                                      <p:to>
+                                        <p:strVal val="visible"/>
+                                      </p:to>
+                                    </p:set>
+                                  </p:childTnLst>
+                                </p:cTn>
+                              </p:par>
+                            </p:childTnLst>
+                          </p:cTn>
+                        </p:par>
+                      </p:childTnLst>
+                    </p:cTn>
+                  </p:par>
+                  <p:par>
+                    <p:cTn id="23" fill="hold">
+                      <p:stCondLst>
+                        <p:cond delay="indefinite"/>
+                      </p:stCondLst>
+                      <p:childTnLst>
+                        <p:par>
+                          <p:cTn id="24" fill="hold">
+                            <p:stCondLst>
+                              <p:cond delay="0"/>
+                            </p:stCondLst>
+                            <p:childTnLst>
+                              <p:par>
+                                <p:cTn id="25" presetID="1" presetClass="entr" presetSubtype="0" fill="hold" nodeType="clickEffect">
+                                  <p:stCondLst>
+                                    <p:cond delay="0"/>
+                                  </p:stCondLst>
+                                  <p:childTnLst>
+                                    <p:set>
+                                      <p:cBhvr>
+                                        <p:cTn id="26" dur="1" fill="hold">
+                                          <p:stCondLst>
+                                            <p:cond delay="0"/>
+                                          </p:stCondLst>
+                                        </p:cTn>
+                                        <p:tgtEl>
+                                          <p:spTgt spid="7">
+                                            <p:txEl>
+                                              <p:pRg st="6" end="6"/>
+                                            </p:txEl>
+                                          </p:spTgt>
+                                        </p:tgtEl>
+                                        <p:attrNameLst>
+                                          <p:attrName>style.visibility</p:attrName>
+                                        </p:attrNameLst>
+                                      </p:cBhvr>
+                                      <p:to>
+                                        <p:strVal val="visible"/>
+                                      </p:to>
+                                    </p:set>
+                                  </p:childTnLst>
+                                </p:cTn>
+                              </p:par>
+                            </p:childTnLst>
+                          </p:cTn>
+                        </p:par>
+                      </p:childTnLst>
+                    </p:cTn>
+                  </p:par>
+                  <p:par>
+                    <p:cTn id="27" fill="hold">
+                      <p:stCondLst>
+                        <p:cond delay="indefinite"/>
+                      </p:stCondLst>
+                      <p:childTnLst>
+                        <p:par>
+                          <p:cTn id="28" fill="hold">
+                            <p:stCondLst>
+                              <p:cond delay="0"/>
+                            </p:stCondLst>
+                            <p:childTnLst>
+                              <p:par>
+                                <p:cTn id="29" presetID="1" presetClass="entr" presetSubtype="0" fill="hold" nodeType="clickEffect">
+                                  <p:stCondLst>
+                                    <p:cond delay="0"/>
+                                  </p:stCondLst>
+                                  <p:childTnLst>
+                                    <p:set>
+                                      <p:cBhvr>
+                                        <p:cTn id="30" dur="1" fill="hold">
+                                          <p:stCondLst>
+                                            <p:cond delay="0"/>
+                                          </p:stCondLst>
+                                        </p:cTn>
+                                        <p:tgtEl>
+                                          <p:spTgt spid="7">
+                                            <p:txEl>
+                                              <p:pRg st="7" end="7"/>
+                                            </p:txEl>
+                                          </p:spTgt>
+                                        </p:tgtEl>
+                                        <p:attrNameLst>
+                                          <p:attrName>style.visibility</p:attrName>
+                                        </p:attrNameLst>
+                                      </p:cBhvr>
+                                      <p:to>
+                                        <p:strVal val="visible"/>
+                                      </p:to>
+                                    </p:set>
+                                  </p:childTnLst>
+                                </p:cTn>
+                              </p:par>
+                            </p:childTnLst>
+                          </p:cTn>
+                        </p:par>
+                      </p:childTnLst>
+                    </p:cTn>
+                  </p:par>
+                  <p:par>
+                    <p:cTn id="31" fill="hold">
+                      <p:stCondLst>
+                        <p:cond delay="indefinite"/>
+                      </p:stCondLst>
+                      <p:childTnLst>
+                        <p:par>
+                          <p:cTn id="32" fill="hold">
+                            <p:stCondLst>
+                              <p:cond delay="0"/>
+                            </p:stCondLst>
+                            <p:childTnLst>
+                              <p:par>
+                                <p:cTn id="33" presetID="1" presetClass="entr" presetSubtype="0" fill="hold" nodeType="clickEffect">
+                                  <p:stCondLst>
+                                    <p:cond delay="0"/>
+                                  </p:stCondLst>
+                                  <p:childTnLst>
+                                    <p:set>
+                                      <p:cBhvr>
+                                        <p:cTn id="34" dur="1" fill="hold">
+                                          <p:stCondLst>
+                                            <p:cond delay="0"/>
+                                          </p:stCondLst>
+                                        </p:cTn>
+                                        <p:tgtEl>
+                                          <p:spTgt spid="7">
+                                            <p:txEl>
+                                              <p:pRg st="8" end="8"/>
+                                            </p:txEl>
+                                          </p:spTgt>
+                                        </p:tgtEl>
+                                        <p:attrNameLst>
+                                          <p:attrName>style.visibility</p:attrName>
+                                        </p:attrNameLst>
+                                      </p:cBhvr>
+                                      <p:to>
+                                        <p:strVal val="visible"/>
+                                      </p:to>
+                                    </p:set>
+                                  </p:childTnLst>
+                                </p:cTn>
+                              </p:par>
+                            </p:childTnLst>
+                          </p:cTn>
+                        </p:par>
+                      </p:childTnLst>
+                    </p:cTn>
+                  </p:par>
+                  <p:par>
+                    <p:cTn id="35" fill="hold">
+                      <p:stCondLst>
+                        <p:cond delay="indefinite"/>
+                      </p:stCondLst>
+                      <p:childTnLst>
+                        <p:par>
+                          <p:cTn id="36" fill="hold">
+                            <p:stCondLst>
+                              <p:cond delay="0"/>
+                            </p:stCondLst>
+                            <p:childTnLst>
+                              <p:par>
+                                <p:cTn id="37" presetID="1" presetClass="entr" presetSubtype="0" fill="hold" nodeType="clickEffect">
+                                  <p:stCondLst>
+                                    <p:cond delay="0"/>
+                                  </p:stCondLst>
+                                  <p:childTnLst>
+                                    <p:set>
+                                      <p:cBhvr>
+                                        <p:cTn id="38" dur="1" fill="hold">
+                                          <p:stCondLst>
+                                            <p:cond delay="0"/>
+                                          </p:stCondLst>
+                                        </p:cTn>
+                                        <p:tgtEl>
+                                          <p:spTgt spid="7">
+                                            <p:txEl>
+                                              <p:pRg st="9" end="9"/>
+                                            </p:txEl>
+                                          </p:spTgt>
+                                        </p:tgtEl>
+                                        <p:attrNameLst>
+                                          <p:attrName>style.visibility</p:attrName>
+                                        </p:attrNameLst>
+                                      </p:cBhvr>
+                                      <p:to>
+                                        <p:strVal val="visible"/>
+                                      </p:to>
+                                    </p:set>
+                                  </p:childTnLst>
+                                </p:cTn>
+                              </p:par>
+                            </p:childTnLst>
+                          </p:cTn>
+                        </p:par>
+                      </p:childTnLst>
+                    </p:cTn>
+                  </p:par>
+                  <p:par>
+                    <p:cTn id="39" fill="hold">
+                      <p:stCondLst>
+                        <p:cond delay="indefinite"/>
+                      </p:stCondLst>
+                      <p:childTnLst>
+                        <p:par>
+                          <p:cTn id="40" fill="hold">
+                            <p:stCondLst>
+                              <p:cond delay="0"/>
+                            </p:stCondLst>
+                            <p:childTnLst>
+                              <p:par>
+                                <p:cTn id="41" presetID="1" presetClass="entr" presetSubtype="0" fill="hold" nodeType="clickEffect">
+                                  <p:stCondLst>
+                                    <p:cond delay="0"/>
+                                  </p:stCondLst>
+                                  <p:childTnLst>
+                                    <p:set>
+                                      <p:cBhvr>
+                                        <p:cTn id="42" dur="1" fill="hold">
+                                          <p:stCondLst>
+                                            <p:cond delay="0"/>
+                                          </p:stCondLst>
+                                        </p:cTn>
+                                        <p:tgtEl>
+                                          <p:spTgt spid="7">
+                                            <p:txEl>
+                                              <p:pRg st="10" end="10"/>
                                             </p:txEl>
                                           </p:spTgt>
                                         </p:tgtEl>
@@ -11987,9 +12196,6 @@
                     <p:cTn id="3" fill="hold">
                       <p:stCondLst>
                         <p:cond delay="indefinite"/>
-                        <p:cond evt="onBegin" delay="0">
-                          <p:tn val="2"/>
-                        </p:cond>
                       </p:stCondLst>
                       <p:childTnLst>
                         <p:par>
@@ -11999,7 +12205,7 @@
                             </p:stCondLst>
                             <p:childTnLst>
                               <p:par>
-                                <p:cTn id="5" presetID="1" presetClass="entr" presetSubtype="0" fill="hold" nodeType="withEffect">
+                                <p:cTn id="5" presetID="1" presetClass="entr" presetSubtype="0" fill="hold" nodeType="clickEffect">
                                   <p:stCondLst>
                                     <p:cond delay="0"/>
                                   </p:stCondLst>
@@ -12007,37 +12213,6 @@
                                     <p:set>
                                       <p:cBhvr>
                                         <p:cTn id="6" dur="1" fill="hold">
-                                          <p:stCondLst>
-                                            <p:cond delay="0"/>
-                                          </p:stCondLst>
-                                        </p:cTn>
-                                        <p:tgtEl>
-                                          <p:spTgt spid="7">
-                                            <p:txEl>
-                                              <p:pRg st="0" end="0"/>
-                                            </p:txEl>
-                                          </p:spTgt>
-                                        </p:tgtEl>
-                                        <p:attrNameLst>
-                                          <p:attrName>style.visibility</p:attrName>
-                                        </p:attrNameLst>
-                                      </p:cBhvr>
-                                      <p:to>
-                                        <p:strVal val="visible"/>
-                                      </p:to>
-                                    </p:set>
-                                  </p:childTnLst>
-                                </p:cTn>
-                              </p:par>
-                              <p:par>
-                                <p:cTn id="7" presetID="1" presetClass="entr" presetSubtype="0" fill="hold" nodeType="withEffect">
-                                  <p:stCondLst>
-                                    <p:cond delay="0"/>
-                                  </p:stCondLst>
-                                  <p:childTnLst>
-                                    <p:set>
-                                      <p:cBhvr>
-                                        <p:cTn id="8" dur="1" fill="hold">
                                           <p:stCondLst>
                                             <p:cond delay="0"/>
                                           </p:stCondLst>
@@ -12060,8 +12235,26 @@
                                   </p:childTnLst>
                                 </p:cTn>
                               </p:par>
+                            </p:childTnLst>
+                          </p:cTn>
+                        </p:par>
+                      </p:childTnLst>
+                    </p:cTn>
+                  </p:par>
+                  <p:par>
+                    <p:cTn id="7" fill="hold">
+                      <p:stCondLst>
+                        <p:cond delay="indefinite"/>
+                      </p:stCondLst>
+                      <p:childTnLst>
+                        <p:par>
+                          <p:cTn id="8" fill="hold">
+                            <p:stCondLst>
+                              <p:cond delay="0"/>
+                            </p:stCondLst>
+                            <p:childTnLst>
                               <p:par>
-                                <p:cTn id="9" presetID="1" presetClass="entr" presetSubtype="0" fill="hold" nodeType="withEffect">
+                                <p:cTn id="9" presetID="1" presetClass="entr" presetSubtype="0" fill="hold" nodeType="clickEffect">
                                   <p:stCondLst>
                                     <p:cond delay="0"/>
                                   </p:stCondLst>
@@ -12091,15 +12284,33 @@
                                   </p:childTnLst>
                                 </p:cTn>
                               </p:par>
+                            </p:childTnLst>
+                          </p:cTn>
+                        </p:par>
+                      </p:childTnLst>
+                    </p:cTn>
+                  </p:par>
+                  <p:par>
+                    <p:cTn id="11" fill="hold">
+                      <p:stCondLst>
+                        <p:cond delay="indefinite"/>
+                      </p:stCondLst>
+                      <p:childTnLst>
+                        <p:par>
+                          <p:cTn id="12" fill="hold">
+                            <p:stCondLst>
+                              <p:cond delay="0"/>
+                            </p:stCondLst>
+                            <p:childTnLst>
                               <p:par>
-                                <p:cTn id="11" presetID="1" presetClass="entr" presetSubtype="0" fill="hold" nodeType="withEffect">
+                                <p:cTn id="13" presetID="1" presetClass="entr" presetSubtype="0" fill="hold" nodeType="clickEffect">
                                   <p:stCondLst>
                                     <p:cond delay="0"/>
                                   </p:stCondLst>
                                   <p:childTnLst>
                                     <p:set>
                                       <p:cBhvr>
-                                        <p:cTn id="12" dur="1" fill="hold">
+                                        <p:cTn id="14" dur="1" fill="hold">
                                           <p:stCondLst>
                                             <p:cond delay="0"/>
                                           </p:stCondLst>
@@ -12129,26 +12340,26 @@
                     </p:cTn>
                   </p:par>
                   <p:par>
-                    <p:cTn id="13" fill="hold">
+                    <p:cTn id="15" fill="hold">
                       <p:stCondLst>
                         <p:cond delay="indefinite"/>
                       </p:stCondLst>
                       <p:childTnLst>
                         <p:par>
-                          <p:cTn id="14" fill="hold">
+                          <p:cTn id="16" fill="hold">
                             <p:stCondLst>
                               <p:cond delay="0"/>
                             </p:stCondLst>
                             <p:childTnLst>
                               <p:par>
-                                <p:cTn id="15" presetID="1" presetClass="entr" presetSubtype="0" fill="hold" nodeType="clickEffect">
+                                <p:cTn id="17" presetID="1" presetClass="entr" presetSubtype="0" fill="hold" nodeType="clickEffect">
                                   <p:stCondLst>
                                     <p:cond delay="0"/>
                                   </p:stCondLst>
                                   <p:childTnLst>
                                     <p:set>
                                       <p:cBhvr>
-                                        <p:cTn id="16" dur="1" fill="hold">
+                                        <p:cTn id="18" dur="1" fill="hold">
                                           <p:stCondLst>
                                             <p:cond delay="0"/>
                                           </p:stCondLst>
@@ -12171,15 +12382,33 @@
                                   </p:childTnLst>
                                 </p:cTn>
                               </p:par>
+                            </p:childTnLst>
+                          </p:cTn>
+                        </p:par>
+                      </p:childTnLst>
+                    </p:cTn>
+                  </p:par>
+                  <p:par>
+                    <p:cTn id="19" fill="hold">
+                      <p:stCondLst>
+                        <p:cond delay="indefinite"/>
+                      </p:stCondLst>
+                      <p:childTnLst>
+                        <p:par>
+                          <p:cTn id="20" fill="hold">
+                            <p:stCondLst>
+                              <p:cond delay="0"/>
+                            </p:stCondLst>
+                            <p:childTnLst>
                               <p:par>
-                                <p:cTn id="17" presetID="1" presetClass="entr" presetSubtype="0" fill="hold" nodeType="withEffect">
+                                <p:cTn id="21" presetID="1" presetClass="entr" presetSubtype="0" fill="hold" nodeType="clickEffect">
                                   <p:stCondLst>
                                     <p:cond delay="0"/>
                                   </p:stCondLst>
                                   <p:childTnLst>
                                     <p:set>
                                       <p:cBhvr>
-                                        <p:cTn id="18" dur="1" fill="hold">
+                                        <p:cTn id="22" dur="1" fill="hold">
                                           <p:stCondLst>
                                             <p:cond delay="0"/>
                                           </p:stCondLst>
@@ -12202,101 +12431,26 @@
                                   </p:childTnLst>
                                 </p:cTn>
                               </p:par>
+                            </p:childTnLst>
+                          </p:cTn>
+                        </p:par>
+                      </p:childTnLst>
+                    </p:cTn>
+                  </p:par>
+                  <p:par>
+                    <p:cTn id="23" fill="hold">
+                      <p:stCondLst>
+                        <p:cond delay="indefinite"/>
+                      </p:stCondLst>
+                      <p:childTnLst>
+                        <p:par>
+                          <p:cTn id="24" fill="hold">
+                            <p:stCondLst>
+                              <p:cond delay="0"/>
+                            </p:stCondLst>
+                            <p:childTnLst>
                               <p:par>
-                                <p:cTn id="19" presetID="1" presetClass="entr" presetSubtype="0" fill="hold" nodeType="withEffect">
-                                  <p:stCondLst>
-                                    <p:cond delay="0"/>
-                                  </p:stCondLst>
-                                  <p:childTnLst>
-                                    <p:set>
-                                      <p:cBhvr>
-                                        <p:cTn id="20" dur="1" fill="hold">
-                                          <p:stCondLst>
-                                            <p:cond delay="0"/>
-                                          </p:stCondLst>
-                                        </p:cTn>
-                                        <p:tgtEl>
-                                          <p:spTgt spid="7">
-                                            <p:txEl>
-                                              <p:pRg st="6" end="6"/>
-                                            </p:txEl>
-                                          </p:spTgt>
-                                        </p:tgtEl>
-                                        <p:attrNameLst>
-                                          <p:attrName>style.visibility</p:attrName>
-                                        </p:attrNameLst>
-                                      </p:cBhvr>
-                                      <p:to>
-                                        <p:strVal val="visible"/>
-                                      </p:to>
-                                    </p:set>
-                                  </p:childTnLst>
-                                </p:cTn>
-                              </p:par>
-                              <p:par>
-                                <p:cTn id="21" presetID="1" presetClass="entr" presetSubtype="0" fill="hold" nodeType="withEffect">
-                                  <p:stCondLst>
-                                    <p:cond delay="0"/>
-                                  </p:stCondLst>
-                                  <p:childTnLst>
-                                    <p:set>
-                                      <p:cBhvr>
-                                        <p:cTn id="22" dur="1" fill="hold">
-                                          <p:stCondLst>
-                                            <p:cond delay="0"/>
-                                          </p:stCondLst>
-                                        </p:cTn>
-                                        <p:tgtEl>
-                                          <p:spTgt spid="7">
-                                            <p:txEl>
-                                              <p:pRg st="7" end="7"/>
-                                            </p:txEl>
-                                          </p:spTgt>
-                                        </p:tgtEl>
-                                        <p:attrNameLst>
-                                          <p:attrName>style.visibility</p:attrName>
-                                        </p:attrNameLst>
-                                      </p:cBhvr>
-                                      <p:to>
-                                        <p:strVal val="visible"/>
-                                      </p:to>
-                                    </p:set>
-                                  </p:childTnLst>
-                                </p:cTn>
-                              </p:par>
-                              <p:par>
-                                <p:cTn id="23" presetID="1" presetClass="entr" presetSubtype="0" fill="hold" nodeType="withEffect">
-                                  <p:stCondLst>
-                                    <p:cond delay="0"/>
-                                  </p:stCondLst>
-                                  <p:childTnLst>
-                                    <p:set>
-                                      <p:cBhvr>
-                                        <p:cTn id="24" dur="1" fill="hold">
-                                          <p:stCondLst>
-                                            <p:cond delay="0"/>
-                                          </p:stCondLst>
-                                        </p:cTn>
-                                        <p:tgtEl>
-                                          <p:spTgt spid="7">
-                                            <p:txEl>
-                                              <p:pRg st="8" end="8"/>
-                                            </p:txEl>
-                                          </p:spTgt>
-                                        </p:tgtEl>
-                                        <p:attrNameLst>
-                                          <p:attrName>style.visibility</p:attrName>
-                                        </p:attrNameLst>
-                                      </p:cBhvr>
-                                      <p:to>
-                                        <p:strVal val="visible"/>
-                                      </p:to>
-                                    </p:set>
-                                  </p:childTnLst>
-                                </p:cTn>
-                              </p:par>
-                              <p:par>
-                                <p:cTn id="25" presetID="1" presetClass="entr" presetSubtype="0" fill="hold" nodeType="withEffect">
+                                <p:cTn id="25" presetID="1" presetClass="entr" presetSubtype="0" fill="hold" nodeType="clickEffect">
                                   <p:stCondLst>
                                     <p:cond delay="0"/>
                                   </p:stCondLst>
@@ -12311,7 +12465,7 @@
                                         <p:tgtEl>
                                           <p:spTgt spid="7">
                                             <p:txEl>
-                                              <p:pRg st="9" end="9"/>
+                                              <p:pRg st="6" end="6"/>
                                             </p:txEl>
                                           </p:spTgt>
                                         </p:tgtEl>
@@ -12360,6 +12514,153 @@
                                         <p:tgtEl>
                                           <p:spTgt spid="7">
                                             <p:txEl>
+                                              <p:pRg st="7" end="7"/>
+                                            </p:txEl>
+                                          </p:spTgt>
+                                        </p:tgtEl>
+                                        <p:attrNameLst>
+                                          <p:attrName>style.visibility</p:attrName>
+                                        </p:attrNameLst>
+                                      </p:cBhvr>
+                                      <p:to>
+                                        <p:strVal val="visible"/>
+                                      </p:to>
+                                    </p:set>
+                                  </p:childTnLst>
+                                </p:cTn>
+                              </p:par>
+                            </p:childTnLst>
+                          </p:cTn>
+                        </p:par>
+                      </p:childTnLst>
+                    </p:cTn>
+                  </p:par>
+                  <p:par>
+                    <p:cTn id="31" fill="hold">
+                      <p:stCondLst>
+                        <p:cond delay="indefinite"/>
+                      </p:stCondLst>
+                      <p:childTnLst>
+                        <p:par>
+                          <p:cTn id="32" fill="hold">
+                            <p:stCondLst>
+                              <p:cond delay="0"/>
+                            </p:stCondLst>
+                            <p:childTnLst>
+                              <p:par>
+                                <p:cTn id="33" presetID="1" presetClass="entr" presetSubtype="0" fill="hold" nodeType="clickEffect">
+                                  <p:stCondLst>
+                                    <p:cond delay="0"/>
+                                  </p:stCondLst>
+                                  <p:childTnLst>
+                                    <p:set>
+                                      <p:cBhvr>
+                                        <p:cTn id="34" dur="1" fill="hold">
+                                          <p:stCondLst>
+                                            <p:cond delay="0"/>
+                                          </p:stCondLst>
+                                        </p:cTn>
+                                        <p:tgtEl>
+                                          <p:spTgt spid="7">
+                                            <p:txEl>
+                                              <p:pRg st="8" end="8"/>
+                                            </p:txEl>
+                                          </p:spTgt>
+                                        </p:tgtEl>
+                                        <p:attrNameLst>
+                                          <p:attrName>style.visibility</p:attrName>
+                                        </p:attrNameLst>
+                                      </p:cBhvr>
+                                      <p:to>
+                                        <p:strVal val="visible"/>
+                                      </p:to>
+                                    </p:set>
+                                  </p:childTnLst>
+                                </p:cTn>
+                              </p:par>
+                            </p:childTnLst>
+                          </p:cTn>
+                        </p:par>
+                      </p:childTnLst>
+                    </p:cTn>
+                  </p:par>
+                  <p:par>
+                    <p:cTn id="35" fill="hold">
+                      <p:stCondLst>
+                        <p:cond delay="indefinite"/>
+                      </p:stCondLst>
+                      <p:childTnLst>
+                        <p:par>
+                          <p:cTn id="36" fill="hold">
+                            <p:stCondLst>
+                              <p:cond delay="0"/>
+                            </p:stCondLst>
+                            <p:childTnLst>
+                              <p:par>
+                                <p:cTn id="37" presetID="1" presetClass="entr" presetSubtype="0" fill="hold" nodeType="clickEffect">
+                                  <p:stCondLst>
+                                    <p:cond delay="0"/>
+                                  </p:stCondLst>
+                                  <p:childTnLst>
+                                    <p:set>
+                                      <p:cBhvr>
+                                        <p:cTn id="38" dur="1" fill="hold">
+                                          <p:stCondLst>
+                                            <p:cond delay="0"/>
+                                          </p:stCondLst>
+                                        </p:cTn>
+                                        <p:tgtEl>
+                                          <p:spTgt spid="7">
+                                            <p:txEl>
+                                              <p:pRg st="9" end="9"/>
+                                            </p:txEl>
+                                          </p:spTgt>
+                                        </p:tgtEl>
+                                        <p:attrNameLst>
+                                          <p:attrName>style.visibility</p:attrName>
+                                        </p:attrNameLst>
+                                      </p:cBhvr>
+                                      <p:to>
+                                        <p:strVal val="visible"/>
+                                      </p:to>
+                                    </p:set>
+                                  </p:childTnLst>
+                                </p:cTn>
+                              </p:par>
+                            </p:childTnLst>
+                          </p:cTn>
+                        </p:par>
+                      </p:childTnLst>
+                    </p:cTn>
+                  </p:par>
+                  <p:par>
+                    <p:cTn id="39" fill="hold">
+                      <p:stCondLst>
+                        <p:cond delay="indefinite"/>
+                      </p:stCondLst>
+                      <p:childTnLst>
+                        <p:par>
+                          <p:cTn id="40" fill="hold">
+                            <p:stCondLst>
+                              <p:cond delay="0"/>
+                            </p:stCondLst>
+                            <p:childTnLst>
+                              <p:par>
+                                <p:cTn id="41" presetID="1" presetClass="entr" presetSubtype="0" fill="hold" nodeType="clickEffect">
+                                  <p:stCondLst>
+                                    <p:cond delay="0"/>
+                                  </p:stCondLst>
+                                  <p:childTnLst>
+                                    <p:set>
+                                      <p:cBhvr>
+                                        <p:cTn id="42" dur="1" fill="hold">
+                                          <p:stCondLst>
+                                            <p:cond delay="0"/>
+                                          </p:stCondLst>
+                                        </p:cTn>
+                                        <p:tgtEl>
+                                          <p:spTgt spid="7">
+                                            <p:txEl>
                                               <p:pRg st="10" end="10"/>
                                             </p:txEl>
                                           </p:spTgt>
@@ -12375,15 +12676,33 @@
                                   </p:childTnLst>
                                 </p:cTn>
                               </p:par>
+                            </p:childTnLst>
+                          </p:cTn>
+                        </p:par>
+                      </p:childTnLst>
+                    </p:cTn>
+                  </p:par>
+                  <p:par>
+                    <p:cTn id="43" fill="hold">
+                      <p:stCondLst>
+                        <p:cond delay="indefinite"/>
+                      </p:stCondLst>
+                      <p:childTnLst>
+                        <p:par>
+                          <p:cTn id="44" fill="hold">
+                            <p:stCondLst>
+                              <p:cond delay="0"/>
+                            </p:stCondLst>
+                            <p:childTnLst>
                               <p:par>
-                                <p:cTn id="31" presetID="1" presetClass="entr" presetSubtype="0" fill="hold" nodeType="withEffect">
+                                <p:cTn id="45" presetID="1" presetClass="entr" presetSubtype="0" fill="hold" nodeType="clickEffect">
                                   <p:stCondLst>
                                     <p:cond delay="0"/>
                                   </p:stCondLst>
                                   <p:childTnLst>
                                     <p:set>
                                       <p:cBhvr>
-                                        <p:cTn id="32" dur="1" fill="hold">
+                                        <p:cTn id="46" dur="1" fill="hold">
                                           <p:stCondLst>
                                             <p:cond delay="0"/>
                                           </p:stCondLst>
@@ -12406,15 +12725,33 @@
                                   </p:childTnLst>
                                 </p:cTn>
                               </p:par>
+                            </p:childTnLst>
+                          </p:cTn>
+                        </p:par>
+                      </p:childTnLst>
+                    </p:cTn>
+                  </p:par>
+                  <p:par>
+                    <p:cTn id="47" fill="hold">
+                      <p:stCondLst>
+                        <p:cond delay="indefinite"/>
+                      </p:stCondLst>
+                      <p:childTnLst>
+                        <p:par>
+                          <p:cTn id="48" fill="hold">
+                            <p:stCondLst>
+                              <p:cond delay="0"/>
+                            </p:stCondLst>
+                            <p:childTnLst>
                               <p:par>
-                                <p:cTn id="33" presetID="1" presetClass="entr" presetSubtype="0" fill="hold" nodeType="withEffect">
+                                <p:cTn id="49" presetID="1" presetClass="entr" presetSubtype="0" fill="hold" nodeType="clickEffect">
                                   <p:stCondLst>
                                     <p:cond delay="0"/>
                                   </p:stCondLst>
                                   <p:childTnLst>
                                     <p:set>
                                       <p:cBhvr>
-                                        <p:cTn id="34" dur="1" fill="hold">
+                                        <p:cTn id="50" dur="1" fill="hold">
                                           <p:stCondLst>
                                             <p:cond delay="0"/>
                                           </p:stCondLst>
@@ -12947,9 +13284,6 @@
                     <p:cTn id="3" fill="hold">
                       <p:stCondLst>
                         <p:cond delay="indefinite"/>
-                        <p:cond evt="onBegin" delay="0">
-                          <p:tn val="2"/>
-                        </p:cond>
                       </p:stCondLst>
                       <p:childTnLst>
                         <p:par>
@@ -12959,7 +13293,7 @@
                             </p:stCondLst>
                             <p:childTnLst>
                               <p:par>
-                                <p:cTn id="5" presetID="1" presetClass="entr" presetSubtype="0" fill="hold" nodeType="withEffect">
+                                <p:cTn id="5" presetID="1" presetClass="entr" presetSubtype="0" fill="hold" nodeType="clickEffect">
                                   <p:stCondLst>
                                     <p:cond delay="0"/>
                                   </p:stCondLst>
@@ -12974,7 +13308,7 @@
                                         <p:tgtEl>
                                           <p:spTgt spid="444419">
                                             <p:txEl>
-                                              <p:pRg st="0" end="0"/>
+                                              <p:pRg st="1" end="1"/>
                                             </p:txEl>
                                           </p:spTgt>
                                         </p:tgtEl>
@@ -13023,7 +13357,7 @@
                                         <p:tgtEl>
                                           <p:spTgt spid="444419">
                                             <p:txEl>
-                                              <p:pRg st="1" end="1"/>
+                                              <p:pRg st="2" end="2"/>
                                             </p:txEl>
                                           </p:spTgt>
                                         </p:tgtEl>
@@ -13072,7 +13406,7 @@
                                         <p:tgtEl>
                                           <p:spTgt spid="444419">
                                             <p:txEl>
-                                              <p:pRg st="2" end="2"/>
+                                              <p:pRg st="3" end="3"/>
                                             </p:txEl>
                                           </p:spTgt>
                                         </p:tgtEl>
@@ -13121,37 +13455,6 @@
                                         <p:tgtEl>
                                           <p:spTgt spid="444419">
                                             <p:txEl>
-                                              <p:pRg st="3" end="3"/>
-                                            </p:txEl>
-                                          </p:spTgt>
-                                        </p:tgtEl>
-                                        <p:attrNameLst>
-                                          <p:attrName>style.visibility</p:attrName>
-                                        </p:attrNameLst>
-                                      </p:cBhvr>
-                                      <p:to>
-                                        <p:strVal val="visible"/>
-                                      </p:to>
-                                    </p:set>
-                                  </p:childTnLst>
-                                </p:cTn>
-                              </p:par>
-                              <p:par>
-                                <p:cTn id="19" presetID="1" presetClass="entr" presetSubtype="0" fill="hold" nodeType="withEffect">
-                                  <p:stCondLst>
-                                    <p:cond delay="0"/>
-                                  </p:stCondLst>
-                                  <p:childTnLst>
-                                    <p:set>
-                                      <p:cBhvr>
-                                        <p:cTn id="20" dur="1" fill="hold">
-                                          <p:stCondLst>
-                                            <p:cond delay="0"/>
-                                          </p:stCondLst>
-                                        </p:cTn>
-                                        <p:tgtEl>
-                                          <p:spTgt spid="444419">
-                                            <p:txEl>
                                               <p:pRg st="4" end="4"/>
                                             </p:txEl>
                                           </p:spTgt>
@@ -13174,26 +13477,26 @@
                     </p:cTn>
                   </p:par>
                   <p:par>
-                    <p:cTn id="21" fill="hold">
+                    <p:cTn id="19" fill="hold">
                       <p:stCondLst>
                         <p:cond delay="indefinite"/>
                       </p:stCondLst>
                       <p:childTnLst>
                         <p:par>
-                          <p:cTn id="22" fill="hold">
+                          <p:cTn id="20" fill="hold">
                             <p:stCondLst>
                               <p:cond delay="0"/>
                             </p:stCondLst>
                             <p:childTnLst>
                               <p:par>
-                                <p:cTn id="23" presetID="1" presetClass="entr" presetSubtype="0" fill="hold" nodeType="clickEffect">
+                                <p:cTn id="21" presetID="1" presetClass="entr" presetSubtype="0" fill="hold" nodeType="clickEffect">
                                   <p:stCondLst>
                                     <p:cond delay="0"/>
                                   </p:stCondLst>
                                   <p:childTnLst>
                                     <p:set>
                                       <p:cBhvr>
-                                        <p:cTn id="24" dur="1" fill="hold">
+                                        <p:cTn id="22" dur="1" fill="hold">
                                           <p:stCondLst>
                                             <p:cond delay="0"/>
                                           </p:stCondLst>
@@ -13634,9 +13937,6 @@
                     <p:cTn id="3" fill="hold">
                       <p:stCondLst>
                         <p:cond delay="indefinite"/>
-                        <p:cond evt="onBegin" delay="0">
-                          <p:tn val="2"/>
-                        </p:cond>
                       </p:stCondLst>
                       <p:childTnLst>
                         <p:par>
@@ -13646,7 +13946,7 @@
                             </p:stCondLst>
                             <p:childTnLst>
                               <p:par>
-                                <p:cTn id="5" presetID="1" presetClass="entr" presetSubtype="0" fill="hold" nodeType="withEffect">
+                                <p:cTn id="5" presetID="1" presetClass="entr" presetSubtype="0" fill="hold" nodeType="clickEffect">
                                   <p:stCondLst>
                                     <p:cond delay="0"/>
                                   </p:stCondLst>
@@ -13654,37 +13954,6 @@
                                     <p:set>
                                       <p:cBhvr>
                                         <p:cTn id="6" dur="1" fill="hold">
-                                          <p:stCondLst>
-                                            <p:cond delay="0"/>
-                                          </p:stCondLst>
-                                        </p:cTn>
-                                        <p:tgtEl>
-                                          <p:spTgt spid="7">
-                                            <p:txEl>
-                                              <p:pRg st="0" end="0"/>
-                                            </p:txEl>
-                                          </p:spTgt>
-                                        </p:tgtEl>
-                                        <p:attrNameLst>
-                                          <p:attrName>style.visibility</p:attrName>
-                                        </p:attrNameLst>
-                                      </p:cBhvr>
-                                      <p:to>
-                                        <p:strVal val="visible"/>
-                                      </p:to>
-                                    </p:set>
-                                  </p:childTnLst>
-                                </p:cTn>
-                              </p:par>
-                              <p:par>
-                                <p:cTn id="7" presetID="1" presetClass="entr" presetSubtype="0" fill="hold" nodeType="withEffect">
-                                  <p:stCondLst>
-                                    <p:cond delay="0"/>
-                                  </p:stCondLst>
-                                  <p:childTnLst>
-                                    <p:set>
-                                      <p:cBhvr>
-                                        <p:cTn id="8" dur="1" fill="hold">
                                           <p:stCondLst>
                                             <p:cond delay="0"/>
                                           </p:stCondLst>
@@ -13714,26 +13983,26 @@
                     </p:cTn>
                   </p:par>
                   <p:par>
-                    <p:cTn id="9" fill="hold">
+                    <p:cTn id="7" fill="hold">
                       <p:stCondLst>
                         <p:cond delay="indefinite"/>
                       </p:stCondLst>
                       <p:childTnLst>
                         <p:par>
-                          <p:cTn id="10" fill="hold">
+                          <p:cTn id="8" fill="hold">
                             <p:stCondLst>
                               <p:cond delay="0"/>
                             </p:stCondLst>
                             <p:childTnLst>
                               <p:par>
-                                <p:cTn id="11" presetID="1" presetClass="entr" presetSubtype="0" fill="hold" nodeType="clickEffect">
+                                <p:cTn id="9" presetID="1" presetClass="entr" presetSubtype="0" fill="hold" nodeType="clickEffect">
                                   <p:stCondLst>
                                     <p:cond delay="0"/>
                                   </p:stCondLst>
                                   <p:childTnLst>
                                     <p:set>
                                       <p:cBhvr>
-                                        <p:cTn id="12" dur="1" fill="hold">
+                                        <p:cTn id="10" dur="1" fill="hold">
                                           <p:stCondLst>
                                             <p:cond delay="0"/>
                                           </p:stCondLst>
@@ -14186,9 +14455,6 @@
                     <p:cTn id="3" fill="hold">
                       <p:stCondLst>
                         <p:cond delay="indefinite"/>
-                        <p:cond evt="onBegin" delay="0">
-                          <p:tn val="2"/>
-                        </p:cond>
                       </p:stCondLst>
                       <p:childTnLst>
                         <p:par>
@@ -14198,7 +14464,7 @@
                             </p:stCondLst>
                             <p:childTnLst>
                               <p:par>
-                                <p:cTn id="5" presetID="1" presetClass="entr" presetSubtype="0" fill="hold" nodeType="withEffect">
+                                <p:cTn id="5" presetID="1" presetClass="entr" presetSubtype="0" fill="hold" nodeType="clickEffect">
                                   <p:stCondLst>
                                     <p:cond delay="0"/>
                                   </p:stCondLst>
@@ -14206,37 +14472,6 @@
                                     <p:set>
                                       <p:cBhvr>
                                         <p:cTn id="6" dur="1" fill="hold">
-                                          <p:stCondLst>
-                                            <p:cond delay="0"/>
-                                          </p:stCondLst>
-                                        </p:cTn>
-                                        <p:tgtEl>
-                                          <p:spTgt spid="7">
-                                            <p:txEl>
-                                              <p:pRg st="0" end="0"/>
-                                            </p:txEl>
-                                          </p:spTgt>
-                                        </p:tgtEl>
-                                        <p:attrNameLst>
-                                          <p:attrName>style.visibility</p:attrName>
-                                        </p:attrNameLst>
-                                      </p:cBhvr>
-                                      <p:to>
-                                        <p:strVal val="visible"/>
-                                      </p:to>
-                                    </p:set>
-                                  </p:childTnLst>
-                                </p:cTn>
-                              </p:par>
-                              <p:par>
-                                <p:cTn id="7" presetID="1" presetClass="entr" presetSubtype="0" fill="hold" nodeType="withEffect">
-                                  <p:stCondLst>
-                                    <p:cond delay="0"/>
-                                  </p:stCondLst>
-                                  <p:childTnLst>
-                                    <p:set>
-                                      <p:cBhvr>
-                                        <p:cTn id="8" dur="1" fill="hold">
                                           <p:stCondLst>
                                             <p:cond delay="0"/>
                                           </p:stCondLst>
@@ -14259,8 +14494,26 @@
                                   </p:childTnLst>
                                 </p:cTn>
                               </p:par>
+                            </p:childTnLst>
+                          </p:cTn>
+                        </p:par>
+                      </p:childTnLst>
+                    </p:cTn>
+                  </p:par>
+                  <p:par>
+                    <p:cTn id="7" fill="hold">
+                      <p:stCondLst>
+                        <p:cond delay="indefinite"/>
+                      </p:stCondLst>
+                      <p:childTnLst>
+                        <p:par>
+                          <p:cTn id="8" fill="hold">
+                            <p:stCondLst>
+                              <p:cond delay="0"/>
+                            </p:stCondLst>
+                            <p:childTnLst>
                               <p:par>
-                                <p:cTn id="9" presetID="1" presetClass="entr" presetSubtype="0" fill="hold" nodeType="withEffect">
+                                <p:cTn id="9" presetID="1" presetClass="entr" presetSubtype="0" fill="hold" nodeType="clickEffect">
                                   <p:stCondLst>
                                     <p:cond delay="0"/>
                                   </p:stCondLst>
@@ -14268,37 +14521,6 @@
                                     <p:set>
                                       <p:cBhvr>
                                         <p:cTn id="10" dur="1" fill="hold">
-                                          <p:stCondLst>
-                                            <p:cond delay="0"/>
-                                          </p:stCondLst>
-                                        </p:cTn>
-                                        <p:tgtEl>
-                                          <p:spTgt spid="7">
-                                            <p:txEl>
-                                              <p:pRg st="4" end="4"/>
-                                            </p:txEl>
-                                          </p:spTgt>
-                                        </p:tgtEl>
-                                        <p:attrNameLst>
-                                          <p:attrName>style.visibility</p:attrName>
-                                        </p:attrNameLst>
-                                      </p:cBhvr>
-                                      <p:to>
-                                        <p:strVal val="visible"/>
-                                      </p:to>
-                                    </p:set>
-                                  </p:childTnLst>
-                                </p:cTn>
-                              </p:par>
-                              <p:par>
-                                <p:cTn id="11" presetID="1" presetClass="entr" presetSubtype="0" fill="hold" nodeType="withEffect">
-                                  <p:stCondLst>
-                                    <p:cond delay="0"/>
-                                  </p:stCondLst>
-                                  <p:childTnLst>
-                                    <p:set>
-                                      <p:cBhvr>
-                                        <p:cTn id="12" dur="1" fill="hold">
                                           <p:stCondLst>
                                             <p:cond delay="0"/>
                                           </p:stCondLst>
@@ -14321,8 +14543,26 @@
                                   </p:childTnLst>
                                 </p:cTn>
                               </p:par>
+                            </p:childTnLst>
+                          </p:cTn>
+                        </p:par>
+                      </p:childTnLst>
+                    </p:cTn>
+                  </p:par>
+                  <p:par>
+                    <p:cTn id="11" fill="hold">
+                      <p:stCondLst>
+                        <p:cond delay="indefinite"/>
+                      </p:stCondLst>
+                      <p:childTnLst>
+                        <p:par>
+                          <p:cTn id="12" fill="hold">
+                            <p:stCondLst>
+                              <p:cond delay="0"/>
+                            </p:stCondLst>
+                            <p:childTnLst>
                               <p:par>
-                                <p:cTn id="13" presetID="1" presetClass="entr" presetSubtype="0" fill="hold" nodeType="withEffect">
+                                <p:cTn id="13" presetID="1" presetClass="entr" presetSubtype="0" fill="hold" nodeType="clickEffect">
                                   <p:stCondLst>
                                     <p:cond delay="0"/>
                                   </p:stCondLst>
@@ -14352,39 +14592,26 @@
                                   </p:childTnLst>
                                 </p:cTn>
                               </p:par>
+                            </p:childTnLst>
+                          </p:cTn>
+                        </p:par>
+                      </p:childTnLst>
+                    </p:cTn>
+                  </p:par>
+                  <p:par>
+                    <p:cTn id="15" fill="hold">
+                      <p:stCondLst>
+                        <p:cond delay="indefinite"/>
+                      </p:stCondLst>
+                      <p:childTnLst>
+                        <p:par>
+                          <p:cTn id="16" fill="hold">
+                            <p:stCondLst>
+                              <p:cond delay="0"/>
+                            </p:stCondLst>
+                            <p:childTnLst>
                               <p:par>
-                                <p:cTn id="15" presetID="1" presetClass="entr" presetSubtype="0" fill="hold" nodeType="withEffect">
-                                  <p:stCondLst>
-                                    <p:cond delay="0"/>
-                                  </p:stCondLst>
-                                  <p:childTnLst>
-                                    <p:set>
-                                      <p:cBhvr>
-                                        <p:cTn id="16" dur="1" fill="hold">
-                                          <p:stCondLst>
-                                            <p:cond delay="0"/>
-                                          </p:stCondLst>
-                                        </p:cTn>
-                                        <p:tgtEl>
-                                          <p:spTgt spid="7">
-                                            <p:txEl>
-                                              <p:pRg st="5" end="5"/>
-                                            </p:txEl>
-                                          </p:spTgt>
-                                        </p:tgtEl>
-                                        <p:attrNameLst>
-                                          <p:attrName>style.visibility</p:attrName>
-                                        </p:attrNameLst>
-                                      </p:cBhvr>
-                                      <p:to>
-                                        <p:strVal val="visible"/>
-                                      </p:to>
-                                    </p:set>
-                                  </p:childTnLst>
-                                </p:cTn>
-                              </p:par>
-                              <p:par>
-                                <p:cTn id="17" presetID="1" presetClass="entr" presetSubtype="0" fill="hold" nodeType="withEffect">
+                                <p:cTn id="17" presetID="1" presetClass="entr" presetSubtype="0" fill="hold" nodeType="clickEffect">
                                   <p:stCondLst>
                                     <p:cond delay="0"/>
                                   </p:stCondLst>
@@ -14399,7 +14626,7 @@
                                         <p:tgtEl>
                                           <p:spTgt spid="7">
                                             <p:txEl>
-                                              <p:pRg st="6" end="6"/>
+                                              <p:pRg st="4" end="4"/>
                                             </p:txEl>
                                           </p:spTgt>
                                         </p:tgtEl>
@@ -14448,7 +14675,7 @@
                                         <p:tgtEl>
                                           <p:spTgt spid="7">
                                             <p:txEl>
-                                              <p:pRg st="7" end="7"/>
+                                              <p:pRg st="5" end="5"/>
                                             </p:txEl>
                                           </p:spTgt>
                                         </p:tgtEl>
@@ -14497,7 +14724,7 @@
                                         <p:tgtEl>
                                           <p:spTgt spid="7">
                                             <p:txEl>
-                                              <p:pRg st="8" end="8"/>
+                                              <p:pRg st="6" end="6"/>
                                             </p:txEl>
                                           </p:spTgt>
                                         </p:tgtEl>
@@ -14546,7 +14773,7 @@
                                         <p:tgtEl>
                                           <p:spTgt spid="7">
                                             <p:txEl>
-                                              <p:pRg st="9" end="9"/>
+                                              <p:pRg st="7" end="7"/>
                                             </p:txEl>
                                           </p:spTgt>
                                         </p:tgtEl>
@@ -14588,6 +14815,104 @@
                                     <p:set>
                                       <p:cBhvr>
                                         <p:cTn id="34" dur="1" fill="hold">
+                                          <p:stCondLst>
+                                            <p:cond delay="0"/>
+                                          </p:stCondLst>
+                                        </p:cTn>
+                                        <p:tgtEl>
+                                          <p:spTgt spid="7">
+                                            <p:txEl>
+                                              <p:pRg st="8" end="8"/>
+                                            </p:txEl>
+                                          </p:spTgt>
+                                        </p:tgtEl>
+                                        <p:attrNameLst>
+                                          <p:attrName>style.visibility</p:attrName>
+                                        </p:attrNameLst>
+                                      </p:cBhvr>
+                                      <p:to>
+                                        <p:strVal val="visible"/>
+                                      </p:to>
+                                    </p:set>
+                                  </p:childTnLst>
+                                </p:cTn>
+                              </p:par>
+                            </p:childTnLst>
+                          </p:cTn>
+                        </p:par>
+                      </p:childTnLst>
+                    </p:cTn>
+                  </p:par>
+                  <p:par>
+                    <p:cTn id="35" fill="hold">
+                      <p:stCondLst>
+                        <p:cond delay="indefinite"/>
+                      </p:stCondLst>
+                      <p:childTnLst>
+                        <p:par>
+                          <p:cTn id="36" fill="hold">
+                            <p:stCondLst>
+                              <p:cond delay="0"/>
+                            </p:stCondLst>
+                            <p:childTnLst>
+                              <p:par>
+                                <p:cTn id="37" presetID="1" presetClass="entr" presetSubtype="0" fill="hold" nodeType="clickEffect">
+                                  <p:stCondLst>
+                                    <p:cond delay="0"/>
+                                  </p:stCondLst>
+                                  <p:childTnLst>
+                                    <p:set>
+                                      <p:cBhvr>
+                                        <p:cTn id="38" dur="1" fill="hold">
+                                          <p:stCondLst>
+                                            <p:cond delay="0"/>
+                                          </p:stCondLst>
+                                        </p:cTn>
+                                        <p:tgtEl>
+                                          <p:spTgt spid="7">
+                                            <p:txEl>
+                                              <p:pRg st="9" end="9"/>
+                                            </p:txEl>
+                                          </p:spTgt>
+                                        </p:tgtEl>
+                                        <p:attrNameLst>
+                                          <p:attrName>style.visibility</p:attrName>
+                                        </p:attrNameLst>
+                                      </p:cBhvr>
+                                      <p:to>
+                                        <p:strVal val="visible"/>
+                                      </p:to>
+                                    </p:set>
+                                  </p:childTnLst>
+                                </p:cTn>
+                              </p:par>
+                            </p:childTnLst>
+                          </p:cTn>
+                        </p:par>
+                      </p:childTnLst>
+                    </p:cTn>
+                  </p:par>
+                  <p:par>
+                    <p:cTn id="39" fill="hold">
+                      <p:stCondLst>
+                        <p:cond delay="indefinite"/>
+                      </p:stCondLst>
+                      <p:childTnLst>
+                        <p:par>
+                          <p:cTn id="40" fill="hold">
+                            <p:stCondLst>
+                              <p:cond delay="0"/>
+                            </p:stCondLst>
+                            <p:childTnLst>
+                              <p:par>
+                                <p:cTn id="41" presetID="1" presetClass="entr" presetSubtype="0" fill="hold" nodeType="clickEffect">
+                                  <p:stCondLst>
+                                    <p:cond delay="0"/>
+                                  </p:stCondLst>
+                                  <p:childTnLst>
+                                    <p:set>
+                                      <p:cBhvr>
+                                        <p:cTn id="42" dur="1" fill="hold">
                                           <p:stCondLst>
                                             <p:cond delay="0"/>
                                           </p:stCondLst>
@@ -14992,37 +15317,6 @@
                                         <p:tgtEl>
                                           <p:spTgt spid="7">
                                             <p:txEl>
-                                              <p:pRg st="0" end="0"/>
-                                            </p:txEl>
-                                          </p:spTgt>
-                                        </p:tgtEl>
-                                        <p:attrNameLst>
-                                          <p:attrName>style.visibility</p:attrName>
-                                        </p:attrNameLst>
-                                      </p:cBhvr>
-                                      <p:to>
-                                        <p:strVal val="visible"/>
-                                      </p:to>
-                                    </p:set>
-                                  </p:childTnLst>
-                                </p:cTn>
-                              </p:par>
-                              <p:par>
-                                <p:cTn id="7" presetID="1" presetClass="entr" presetSubtype="0" fill="hold" nodeType="withEffect">
-                                  <p:stCondLst>
-                                    <p:cond delay="0"/>
-                                  </p:stCondLst>
-                                  <p:childTnLst>
-                                    <p:set>
-                                      <p:cBhvr>
-                                        <p:cTn id="8" dur="1" fill="hold">
-                                          <p:stCondLst>
-                                            <p:cond delay="0"/>
-                                          </p:stCondLst>
-                                        </p:cTn>
-                                        <p:tgtEl>
-                                          <p:spTgt spid="7">
-                                            <p:txEl>
                                               <p:pRg st="1" end="1"/>
                                             </p:txEl>
                                           </p:spTgt>
@@ -15045,26 +15339,26 @@
                     </p:cTn>
                   </p:par>
                   <p:par>
-                    <p:cTn id="9" fill="hold">
+                    <p:cTn id="7" fill="hold">
                       <p:stCondLst>
                         <p:cond delay="indefinite"/>
                       </p:stCondLst>
                       <p:childTnLst>
                         <p:par>
-                          <p:cTn id="10" fill="hold">
+                          <p:cTn id="8" fill="hold">
                             <p:stCondLst>
                               <p:cond delay="0"/>
                             </p:stCondLst>
                             <p:childTnLst>
                               <p:par>
-                                <p:cTn id="11" presetID="1" presetClass="entr" presetSubtype="0" fill="hold" nodeType="clickEffect">
+                                <p:cTn id="9" presetID="1" presetClass="entr" presetSubtype="0" fill="hold" nodeType="clickEffect">
                                   <p:stCondLst>
                                     <p:cond delay="0"/>
                                   </p:stCondLst>
                                   <p:childTnLst>
                                     <p:set>
                                       <p:cBhvr>
-                                        <p:cTn id="12" dur="1" fill="hold">
+                                        <p:cTn id="10" dur="1" fill="hold">
                                           <p:stCondLst>
                                             <p:cond delay="0"/>
                                           </p:stCondLst>
@@ -15094,26 +15388,26 @@
                     </p:cTn>
                   </p:par>
                   <p:par>
-                    <p:cTn id="13" fill="hold">
+                    <p:cTn id="11" fill="hold">
                       <p:stCondLst>
                         <p:cond delay="indefinite"/>
                       </p:stCondLst>
                       <p:childTnLst>
                         <p:par>
-                          <p:cTn id="14" fill="hold">
+                          <p:cTn id="12" fill="hold">
                             <p:stCondLst>
                               <p:cond delay="0"/>
                             </p:stCondLst>
                             <p:childTnLst>
                               <p:par>
-                                <p:cTn id="15" presetID="1" presetClass="entr" presetSubtype="0" fill="hold" nodeType="clickEffect">
+                                <p:cTn id="13" presetID="1" presetClass="entr" presetSubtype="0" fill="hold" nodeType="clickEffect">
                                   <p:stCondLst>
                                     <p:cond delay="0"/>
                                   </p:stCondLst>
                                   <p:childTnLst>
                                     <p:set>
                                       <p:cBhvr>
-                                        <p:cTn id="16" dur="1" fill="hold">
+                                        <p:cTn id="14" dur="1" fill="hold">
                                           <p:stCondLst>
                                             <p:cond delay="0"/>
                                           </p:stCondLst>
@@ -15143,26 +15437,26 @@
                     </p:cTn>
                   </p:par>
                   <p:par>
-                    <p:cTn id="17" fill="hold">
+                    <p:cTn id="15" fill="hold">
                       <p:stCondLst>
                         <p:cond delay="indefinite"/>
                       </p:stCondLst>
                       <p:childTnLst>
                         <p:par>
-                          <p:cTn id="18" fill="hold">
+                          <p:cTn id="16" fill="hold">
                             <p:stCondLst>
                               <p:cond delay="0"/>
                             </p:stCondLst>
                             <p:childTnLst>
                               <p:par>
-                                <p:cTn id="19" presetID="1" presetClass="entr" presetSubtype="0" fill="hold" nodeType="clickEffect">
+                                <p:cTn id="17" presetID="1" presetClass="entr" presetSubtype="0" fill="hold" nodeType="clickEffect">
                                   <p:stCondLst>
                                     <p:cond delay="0"/>
                                   </p:stCondLst>
                                   <p:childTnLst>
                                     <p:set>
                                       <p:cBhvr>
-                                        <p:cTn id="20" dur="1" fill="hold">
+                                        <p:cTn id="18" dur="1" fill="hold">
                                           <p:stCondLst>
                                             <p:cond delay="0"/>
                                           </p:stCondLst>
@@ -15192,26 +15486,26 @@
                     </p:cTn>
                   </p:par>
                   <p:par>
-                    <p:cTn id="21" fill="hold">
+                    <p:cTn id="19" fill="hold">
                       <p:stCondLst>
                         <p:cond delay="indefinite"/>
                       </p:stCondLst>
                       <p:childTnLst>
                         <p:par>
-                          <p:cTn id="22" fill="hold">
+                          <p:cTn id="20" fill="hold">
                             <p:stCondLst>
                               <p:cond delay="0"/>
                             </p:stCondLst>
                             <p:childTnLst>
                               <p:par>
-                                <p:cTn id="23" presetID="1" presetClass="entr" presetSubtype="0" fill="hold" nodeType="clickEffect">
+                                <p:cTn id="21" presetID="1" presetClass="entr" presetSubtype="0" fill="hold" nodeType="clickEffect">
                                   <p:stCondLst>
                                     <p:cond delay="0"/>
                                   </p:stCondLst>
                                   <p:childTnLst>
                                     <p:set>
                                       <p:cBhvr>
-                                        <p:cTn id="24" dur="1" fill="hold">
+                                        <p:cTn id="22" dur="1" fill="hold">
                                           <p:stCondLst>
                                             <p:cond delay="0"/>
                                           </p:stCondLst>
@@ -15654,9 +15948,6 @@
                     <p:cTn id="3" fill="hold">
                       <p:stCondLst>
                         <p:cond delay="indefinite"/>
-                        <p:cond evt="onBegin" delay="0">
-                          <p:tn val="2"/>
-                        </p:cond>
                       </p:stCondLst>
                       <p:childTnLst>
                         <p:par>
@@ -15666,7 +15957,7 @@
                             </p:stCondLst>
                             <p:childTnLst>
                               <p:par>
-                                <p:cTn id="5" presetID="1" presetClass="entr" presetSubtype="0" fill="hold" nodeType="withEffect">
+                                <p:cTn id="5" presetID="1" presetClass="entr" presetSubtype="0" fill="hold" nodeType="clickEffect">
                                   <p:stCondLst>
                                     <p:cond delay="0"/>
                                   </p:stCondLst>
@@ -15674,68 +15965,6 @@
                                     <p:set>
                                       <p:cBhvr>
                                         <p:cTn id="6" dur="1" fill="hold">
-                                          <p:stCondLst>
-                                            <p:cond delay="0"/>
-                                          </p:stCondLst>
-                                        </p:cTn>
-                                        <p:tgtEl>
-                                          <p:spTgt spid="7">
-                                            <p:txEl>
-                                              <p:pRg st="3" end="3"/>
-                                            </p:txEl>
-                                          </p:spTgt>
-                                        </p:tgtEl>
-                                        <p:attrNameLst>
-                                          <p:attrName>style.visibility</p:attrName>
-                                        </p:attrNameLst>
-                                      </p:cBhvr>
-                                      <p:to>
-                                        <p:strVal val="visible"/>
-                                      </p:to>
-                                    </p:set>
-                                  </p:childTnLst>
-                                </p:cTn>
-                              </p:par>
-                              <p:par>
-                                <p:cTn id="7" presetID="1" presetClass="entr" presetSubtype="0" fill="hold" nodeType="withEffect">
-                                  <p:stCondLst>
-                                    <p:cond delay="0"/>
-                                  </p:stCondLst>
-                                  <p:childTnLst>
-                                    <p:set>
-                                      <p:cBhvr>
-                                        <p:cTn id="8" dur="1" fill="hold">
-                                          <p:stCondLst>
-                                            <p:cond delay="0"/>
-                                          </p:stCondLst>
-                                        </p:cTn>
-                                        <p:tgtEl>
-                                          <p:spTgt spid="7">
-                                            <p:txEl>
-                                              <p:pRg st="0" end="0"/>
-                                            </p:txEl>
-                                          </p:spTgt>
-                                        </p:tgtEl>
-                                        <p:attrNameLst>
-                                          <p:attrName>style.visibility</p:attrName>
-                                        </p:attrNameLst>
-                                      </p:cBhvr>
-                                      <p:to>
-                                        <p:strVal val="visible"/>
-                                      </p:to>
-                                    </p:set>
-                                  </p:childTnLst>
-                                </p:cTn>
-                              </p:par>
-                              <p:par>
-                                <p:cTn id="9" presetID="1" presetClass="entr" presetSubtype="0" fill="hold" nodeType="withEffect">
-                                  <p:stCondLst>
-                                    <p:cond delay="0"/>
-                                  </p:stCondLst>
-                                  <p:childTnLst>
-                                    <p:set>
-                                      <p:cBhvr>
-                                        <p:cTn id="10" dur="1" fill="hold">
                                           <p:stCondLst>
                                             <p:cond delay="0"/>
                                           </p:stCondLst>
@@ -15758,15 +15987,33 @@
                                   </p:childTnLst>
                                 </p:cTn>
                               </p:par>
+                            </p:childTnLst>
+                          </p:cTn>
+                        </p:par>
+                      </p:childTnLst>
+                    </p:cTn>
+                  </p:par>
+                  <p:par>
+                    <p:cTn id="7" fill="hold">
+                      <p:stCondLst>
+                        <p:cond delay="indefinite"/>
+                      </p:stCondLst>
+                      <p:childTnLst>
+                        <p:par>
+                          <p:cTn id="8" fill="hold">
+                            <p:stCondLst>
+                              <p:cond delay="0"/>
+                            </p:stCondLst>
+                            <p:childTnLst>
                               <p:par>
-                                <p:cTn id="11" presetID="1" presetClass="entr" presetSubtype="0" fill="hold" nodeType="withEffect">
+                                <p:cTn id="9" presetID="1" presetClass="entr" presetSubtype="0" fill="hold" nodeType="clickEffect">
                                   <p:stCondLst>
                                     <p:cond delay="0"/>
                                   </p:stCondLst>
                                   <p:childTnLst>
                                     <p:set>
                                       <p:cBhvr>
-                                        <p:cTn id="12" dur="1" fill="hold">
+                                        <p:cTn id="10" dur="1" fill="hold">
                                           <p:stCondLst>
                                             <p:cond delay="0"/>
                                           </p:stCondLst>
@@ -15789,8 +16036,26 @@
                                   </p:childTnLst>
                                 </p:cTn>
                               </p:par>
+                            </p:childTnLst>
+                          </p:cTn>
+                        </p:par>
+                      </p:childTnLst>
+                    </p:cTn>
+                  </p:par>
+                  <p:par>
+                    <p:cTn id="11" fill="hold">
+                      <p:stCondLst>
+                        <p:cond delay="indefinite"/>
+                      </p:stCondLst>
+                      <p:childTnLst>
+                        <p:par>
+                          <p:cTn id="12" fill="hold">
+                            <p:stCondLst>
+                              <p:cond delay="0"/>
+                            </p:stCondLst>
+                            <p:childTnLst>
                               <p:par>
-                                <p:cTn id="13" presetID="1" presetClass="entr" presetSubtype="0" fill="hold" nodeType="withEffect">
+                                <p:cTn id="13" presetID="1" presetClass="entr" presetSubtype="0" fill="hold" nodeType="clickEffect">
                                   <p:stCondLst>
                                     <p:cond delay="0"/>
                                   </p:stCondLst>
@@ -15805,7 +16070,7 @@
                                         <p:tgtEl>
                                           <p:spTgt spid="7">
                                             <p:txEl>
-                                              <p:pRg st="4" end="4"/>
+                                              <p:pRg st="3" end="3"/>
                                             </p:txEl>
                                           </p:spTgt>
                                         </p:tgtEl>
@@ -15854,7 +16119,7 @@
                                         <p:tgtEl>
                                           <p:spTgt spid="7">
                                             <p:txEl>
-                                              <p:pRg st="5" end="5"/>
+                                              <p:pRg st="4" end="4"/>
                                             </p:txEl>
                                           </p:spTgt>
                                         </p:tgtEl>
@@ -15903,6 +16168,55 @@
                                         <p:tgtEl>
                                           <p:spTgt spid="7">
                                             <p:txEl>
+                                              <p:pRg st="5" end="5"/>
+                                            </p:txEl>
+                                          </p:spTgt>
+                                        </p:tgtEl>
+                                        <p:attrNameLst>
+                                          <p:attrName>style.visibility</p:attrName>
+                                        </p:attrNameLst>
+                                      </p:cBhvr>
+                                      <p:to>
+                                        <p:strVal val="visible"/>
+                                      </p:to>
+                                    </p:set>
+                                  </p:childTnLst>
+                                </p:cTn>
+                              </p:par>
+                            </p:childTnLst>
+                          </p:cTn>
+                        </p:par>
+                      </p:childTnLst>
+                    </p:cTn>
+                  </p:par>
+                  <p:par>
+                    <p:cTn id="23" fill="hold">
+                      <p:stCondLst>
+                        <p:cond delay="indefinite"/>
+                      </p:stCondLst>
+                      <p:childTnLst>
+                        <p:par>
+                          <p:cTn id="24" fill="hold">
+                            <p:stCondLst>
+                              <p:cond delay="0"/>
+                            </p:stCondLst>
+                            <p:childTnLst>
+                              <p:par>
+                                <p:cTn id="25" presetID="1" presetClass="entr" presetSubtype="0" fill="hold" nodeType="clickEffect">
+                                  <p:stCondLst>
+                                    <p:cond delay="0"/>
+                                  </p:stCondLst>
+                                  <p:childTnLst>
+                                    <p:set>
+                                      <p:cBhvr>
+                                        <p:cTn id="26" dur="1" fill="hold">
+                                          <p:stCondLst>
+                                            <p:cond delay="0"/>
+                                          </p:stCondLst>
+                                        </p:cTn>
+                                        <p:tgtEl>
+                                          <p:spTgt spid="7">
+                                            <p:txEl>
                                               <p:pRg st="6" end="6"/>
                                             </p:txEl>
                                           </p:spTgt>
@@ -15918,15 +16232,33 @@
                                   </p:childTnLst>
                                 </p:cTn>
                               </p:par>
+                            </p:childTnLst>
+                          </p:cTn>
+                        </p:par>
+                      </p:childTnLst>
+                    </p:cTn>
+                  </p:par>
+                  <p:par>
+                    <p:cTn id="27" fill="hold">
+                      <p:stCondLst>
+                        <p:cond delay="indefinite"/>
+                      </p:stCondLst>
+                      <p:childTnLst>
+                        <p:par>
+                          <p:cTn id="28" fill="hold">
+                            <p:stCondLst>
+                              <p:cond delay="0"/>
+                            </p:stCondLst>
+                            <p:childTnLst>
                               <p:par>
-                                <p:cTn id="23" presetID="1" presetClass="entr" presetSubtype="0" fill="hold" nodeType="withEffect">
+                                <p:cTn id="29" presetID="1" presetClass="entr" presetSubtype="0" fill="hold" nodeType="clickEffect">
                                   <p:stCondLst>
                                     <p:cond delay="0"/>
                                   </p:stCondLst>
                                   <p:childTnLst>
                                     <p:set>
                                       <p:cBhvr>
-                                        <p:cTn id="24" dur="1" fill="hold">
+                                        <p:cTn id="30" dur="1" fill="hold">
                                           <p:stCondLst>
                                             <p:cond delay="0"/>
                                           </p:stCondLst>
@@ -15956,99 +16288,19 @@
                     </p:cTn>
                   </p:par>
                   <p:par>
-                    <p:cTn id="25" fill="hold">
+                    <p:cTn id="31" fill="hold">
                       <p:stCondLst>
                         <p:cond delay="indefinite"/>
                       </p:stCondLst>
                       <p:childTnLst>
                         <p:par>
-                          <p:cTn id="26" fill="hold">
+                          <p:cTn id="32" fill="hold">
                             <p:stCondLst>
                               <p:cond delay="0"/>
                             </p:stCondLst>
                             <p:childTnLst>
                               <p:par>
-                                <p:cTn id="27" presetID="1" presetClass="entr" presetSubtype="0" fill="hold" nodeType="clickEffect">
-                                  <p:stCondLst>
-                                    <p:cond delay="0"/>
-                                  </p:stCondLst>
-                                  <p:childTnLst>
-                                    <p:set>
-                                      <p:cBhvr>
-                                        <p:cTn id="28" dur="1" fill="hold">
-                                          <p:stCondLst>
-                                            <p:cond delay="0"/>
-                                          </p:stCondLst>
-                                        </p:cTn>
-                                        <p:tgtEl>
-                                          <p:spTgt spid="7">
-                                            <p:txEl>
-                                              <p:pRg st="8" end="8"/>
-                                            </p:txEl>
-                                          </p:spTgt>
-                                        </p:tgtEl>
-                                        <p:attrNameLst>
-                                          <p:attrName>style.visibility</p:attrName>
-                                        </p:attrNameLst>
-                                      </p:cBhvr>
-                                      <p:to>
-                                        <p:strVal val="visible"/>
-                                      </p:to>
-                                    </p:set>
-                                  </p:childTnLst>
-                                </p:cTn>
-                              </p:par>
-                            </p:childTnLst>
-                          </p:cTn>
-                        </p:par>
-                      </p:childTnLst>
-                    </p:cTn>
-                  </p:par>
-                  <p:par>
-                    <p:cTn id="29" fill="hold">
-                      <p:stCondLst>
-                        <p:cond delay="indefinite"/>
-                      </p:stCondLst>
-                      <p:childTnLst>
-                        <p:par>
-                          <p:cTn id="30" fill="hold">
-                            <p:stCondLst>
-                              <p:cond delay="0"/>
-                            </p:stCondLst>
-                            <p:childTnLst>
-                              <p:par>
-                                <p:cTn id="31" presetID="1" presetClass="entr" presetSubtype="0" fill="hold" nodeType="clickEffect">
-                                  <p:stCondLst>
-                                    <p:cond delay="0"/>
-                                  </p:stCondLst>
-                                  <p:childTnLst>
-                                    <p:set>
-                                      <p:cBhvr>
-                                        <p:cTn id="32" dur="1" fill="hold">
-                                          <p:stCondLst>
-                                            <p:cond delay="0"/>
-                                          </p:stCondLst>
-                                        </p:cTn>
-                                        <p:tgtEl>
-                                          <p:spTgt spid="7">
-                                            <p:txEl>
-                                              <p:pRg st="9" end="9"/>
-                                            </p:txEl>
-                                          </p:spTgt>
-                                        </p:tgtEl>
-                                        <p:attrNameLst>
-                                          <p:attrName>style.visibility</p:attrName>
-                                        </p:attrNameLst>
-                                      </p:cBhvr>
-                                      <p:to>
-                                        <p:strVal val="visible"/>
-                                      </p:to>
-                                    </p:set>
-                                  </p:childTnLst>
-                                </p:cTn>
-                              </p:par>
-                              <p:par>
-                                <p:cTn id="33" presetID="1" presetClass="entr" presetSubtype="0" fill="hold" nodeType="withEffect">
+                                <p:cTn id="33" presetID="1" presetClass="entr" presetSubtype="0" fill="hold" nodeType="clickEffect">
                                   <p:stCondLst>
                                     <p:cond delay="0"/>
                                   </p:stCondLst>
@@ -16063,7 +16315,7 @@
                                         <p:tgtEl>
                                           <p:spTgt spid="7">
                                             <p:txEl>
-                                              <p:pRg st="10" end="10"/>
+                                              <p:pRg st="8" end="8"/>
                                             </p:txEl>
                                           </p:spTgt>
                                         </p:tgtEl>
@@ -16105,6 +16357,104 @@
                                     <p:set>
                                       <p:cBhvr>
                                         <p:cTn id="38" dur="1" fill="hold">
+                                          <p:stCondLst>
+                                            <p:cond delay="0"/>
+                                          </p:stCondLst>
+                                        </p:cTn>
+                                        <p:tgtEl>
+                                          <p:spTgt spid="7">
+                                            <p:txEl>
+                                              <p:pRg st="9" end="9"/>
+                                            </p:txEl>
+                                          </p:spTgt>
+                                        </p:tgtEl>
+                                        <p:attrNameLst>
+                                          <p:attrName>style.visibility</p:attrName>
+                                        </p:attrNameLst>
+                                      </p:cBhvr>
+                                      <p:to>
+                                        <p:strVal val="visible"/>
+                                      </p:to>
+                                    </p:set>
+                                  </p:childTnLst>
+                                </p:cTn>
+                              </p:par>
+                            </p:childTnLst>
+                          </p:cTn>
+                        </p:par>
+                      </p:childTnLst>
+                    </p:cTn>
+                  </p:par>
+                  <p:par>
+                    <p:cTn id="39" fill="hold">
+                      <p:stCondLst>
+                        <p:cond delay="indefinite"/>
+                      </p:stCondLst>
+                      <p:childTnLst>
+                        <p:par>
+                          <p:cTn id="40" fill="hold">
+                            <p:stCondLst>
+                              <p:cond delay="0"/>
+                            </p:stCondLst>
+                            <p:childTnLst>
+                              <p:par>
+                                <p:cTn id="41" presetID="1" presetClass="entr" presetSubtype="0" fill="hold" nodeType="clickEffect">
+                                  <p:stCondLst>
+                                    <p:cond delay="0"/>
+                                  </p:stCondLst>
+                                  <p:childTnLst>
+                                    <p:set>
+                                      <p:cBhvr>
+                                        <p:cTn id="42" dur="1" fill="hold">
+                                          <p:stCondLst>
+                                            <p:cond delay="0"/>
+                                          </p:stCondLst>
+                                        </p:cTn>
+                                        <p:tgtEl>
+                                          <p:spTgt spid="7">
+                                            <p:txEl>
+                                              <p:pRg st="10" end="10"/>
+                                            </p:txEl>
+                                          </p:spTgt>
+                                        </p:tgtEl>
+                                        <p:attrNameLst>
+                                          <p:attrName>style.visibility</p:attrName>
+                                        </p:attrNameLst>
+                                      </p:cBhvr>
+                                      <p:to>
+                                        <p:strVal val="visible"/>
+                                      </p:to>
+                                    </p:set>
+                                  </p:childTnLst>
+                                </p:cTn>
+                              </p:par>
+                            </p:childTnLst>
+                          </p:cTn>
+                        </p:par>
+                      </p:childTnLst>
+                    </p:cTn>
+                  </p:par>
+                  <p:par>
+                    <p:cTn id="43" fill="hold">
+                      <p:stCondLst>
+                        <p:cond delay="indefinite"/>
+                      </p:stCondLst>
+                      <p:childTnLst>
+                        <p:par>
+                          <p:cTn id="44" fill="hold">
+                            <p:stCondLst>
+                              <p:cond delay="0"/>
+                            </p:stCondLst>
+                            <p:childTnLst>
+                              <p:par>
+                                <p:cTn id="45" presetID="1" presetClass="entr" presetSubtype="0" fill="hold" nodeType="clickEffect">
+                                  <p:stCondLst>
+                                    <p:cond delay="0"/>
+                                  </p:stCondLst>
+                                  <p:childTnLst>
+                                    <p:set>
+                                      <p:cBhvr>
+                                        <p:cTn id="46" dur="1" fill="hold">
                                           <p:stCondLst>
                                             <p:cond delay="0"/>
                                           </p:stCondLst>
@@ -16694,9 +17044,6 @@
                     <p:cTn id="3" fill="hold">
                       <p:stCondLst>
                         <p:cond delay="indefinite"/>
-                        <p:cond evt="onBegin" delay="0">
-                          <p:tn val="2"/>
-                        </p:cond>
                       </p:stCondLst>
                       <p:childTnLst>
                         <p:par>
@@ -16706,7 +17053,7 @@
                             </p:stCondLst>
                             <p:childTnLst>
                               <p:par>
-                                <p:cTn id="5" presetID="1" presetClass="entr" presetSubtype="0" fill="hold" nodeType="withEffect">
+                                <p:cTn id="5" presetID="1" presetClass="entr" presetSubtype="0" fill="hold" nodeType="clickEffect">
                                   <p:stCondLst>
                                     <p:cond delay="0"/>
                                   </p:stCondLst>
@@ -16714,68 +17061,6 @@
                                     <p:set>
                                       <p:cBhvr>
                                         <p:cTn id="6" dur="1" fill="hold">
-                                          <p:stCondLst>
-                                            <p:cond delay="0"/>
-                                          </p:stCondLst>
-                                        </p:cTn>
-                                        <p:tgtEl>
-                                          <p:spTgt spid="7">
-                                            <p:txEl>
-                                              <p:pRg st="3" end="3"/>
-                                            </p:txEl>
-                                          </p:spTgt>
-                                        </p:tgtEl>
-                                        <p:attrNameLst>
-                                          <p:attrName>style.visibility</p:attrName>
-                                        </p:attrNameLst>
-                                      </p:cBhvr>
-                                      <p:to>
-                                        <p:strVal val="visible"/>
-                                      </p:to>
-                                    </p:set>
-                                  </p:childTnLst>
-                                </p:cTn>
-                              </p:par>
-                              <p:par>
-                                <p:cTn id="7" presetID="1" presetClass="entr" presetSubtype="0" fill="hold" nodeType="withEffect">
-                                  <p:stCondLst>
-                                    <p:cond delay="0"/>
-                                  </p:stCondLst>
-                                  <p:childTnLst>
-                                    <p:set>
-                                      <p:cBhvr>
-                                        <p:cTn id="8" dur="1" fill="hold">
-                                          <p:stCondLst>
-                                            <p:cond delay="0"/>
-                                          </p:stCondLst>
-                                        </p:cTn>
-                                        <p:tgtEl>
-                                          <p:spTgt spid="7">
-                                            <p:txEl>
-                                              <p:pRg st="0" end="0"/>
-                                            </p:txEl>
-                                          </p:spTgt>
-                                        </p:tgtEl>
-                                        <p:attrNameLst>
-                                          <p:attrName>style.visibility</p:attrName>
-                                        </p:attrNameLst>
-                                      </p:cBhvr>
-                                      <p:to>
-                                        <p:strVal val="visible"/>
-                                      </p:to>
-                                    </p:set>
-                                  </p:childTnLst>
-                                </p:cTn>
-                              </p:par>
-                              <p:par>
-                                <p:cTn id="9" presetID="1" presetClass="entr" presetSubtype="0" fill="hold" nodeType="withEffect">
-                                  <p:stCondLst>
-                                    <p:cond delay="0"/>
-                                  </p:stCondLst>
-                                  <p:childTnLst>
-                                    <p:set>
-                                      <p:cBhvr>
-                                        <p:cTn id="10" dur="1" fill="hold">
                                           <p:stCondLst>
                                             <p:cond delay="0"/>
                                           </p:stCondLst>
@@ -16798,15 +17083,33 @@
                                   </p:childTnLst>
                                 </p:cTn>
                               </p:par>
+                            </p:childTnLst>
+                          </p:cTn>
+                        </p:par>
+                      </p:childTnLst>
+                    </p:cTn>
+                  </p:par>
+                  <p:par>
+                    <p:cTn id="7" fill="hold">
+                      <p:stCondLst>
+                        <p:cond delay="indefinite"/>
+                      </p:stCondLst>
+                      <p:childTnLst>
+                        <p:par>
+                          <p:cTn id="8" fill="hold">
+                            <p:stCondLst>
+                              <p:cond delay="0"/>
+                            </p:stCondLst>
+                            <p:childTnLst>
                               <p:par>
-                                <p:cTn id="11" presetID="1" presetClass="entr" presetSubtype="0" fill="hold" nodeType="withEffect">
+                                <p:cTn id="9" presetID="1" presetClass="entr" presetSubtype="0" fill="hold" nodeType="clickEffect">
                                   <p:stCondLst>
                                     <p:cond delay="0"/>
                                   </p:stCondLst>
                                   <p:childTnLst>
                                     <p:set>
                                       <p:cBhvr>
-                                        <p:cTn id="12" dur="1" fill="hold">
+                                        <p:cTn id="10" dur="1" fill="hold">
                                           <p:stCondLst>
                                             <p:cond delay="0"/>
                                           </p:stCondLst>
@@ -16829,8 +17132,26 @@
                                   </p:childTnLst>
                                 </p:cTn>
                               </p:par>
+                            </p:childTnLst>
+                          </p:cTn>
+                        </p:par>
+                      </p:childTnLst>
+                    </p:cTn>
+                  </p:par>
+                  <p:par>
+                    <p:cTn id="11" fill="hold">
+                      <p:stCondLst>
+                        <p:cond delay="indefinite"/>
+                      </p:stCondLst>
+                      <p:childTnLst>
+                        <p:par>
+                          <p:cTn id="12" fill="hold">
+                            <p:stCondLst>
+                              <p:cond delay="0"/>
+                            </p:stCondLst>
+                            <p:childTnLst>
                               <p:par>
-                                <p:cTn id="13" presetID="1" presetClass="entr" presetSubtype="0" fill="hold" nodeType="withEffect">
+                                <p:cTn id="13" presetID="1" presetClass="entr" presetSubtype="0" fill="hold" nodeType="clickEffect">
                                   <p:stCondLst>
                                     <p:cond delay="0"/>
                                   </p:stCondLst>
@@ -16845,7 +17166,7 @@
                                         <p:tgtEl>
                                           <p:spTgt spid="7">
                                             <p:txEl>
-                                              <p:pRg st="4" end="4"/>
+                                              <p:pRg st="3" end="3"/>
                                             </p:txEl>
                                           </p:spTgt>
                                         </p:tgtEl>
@@ -16894,7 +17215,7 @@
                                         <p:tgtEl>
                                           <p:spTgt spid="7">
                                             <p:txEl>
-                                              <p:pRg st="5" end="5"/>
+                                              <p:pRg st="4" end="4"/>
                                             </p:txEl>
                                           </p:spTgt>
                                         </p:tgtEl>
@@ -16943,6 +17264,55 @@
                                         <p:tgtEl>
                                           <p:spTgt spid="7">
                                             <p:txEl>
+                                              <p:pRg st="5" end="5"/>
+                                            </p:txEl>
+                                          </p:spTgt>
+                                        </p:tgtEl>
+                                        <p:attrNameLst>
+                                          <p:attrName>style.visibility</p:attrName>
+                                        </p:attrNameLst>
+                                      </p:cBhvr>
+                                      <p:to>
+                                        <p:strVal val="visible"/>
+                                      </p:to>
+                                    </p:set>
+                                  </p:childTnLst>
+                                </p:cTn>
+                              </p:par>
+                            </p:childTnLst>
+                          </p:cTn>
+                        </p:par>
+                      </p:childTnLst>
+                    </p:cTn>
+                  </p:par>
+                  <p:par>
+                    <p:cTn id="23" fill="hold">
+                      <p:stCondLst>
+                        <p:cond delay="indefinite"/>
+                      </p:stCondLst>
+                      <p:childTnLst>
+                        <p:par>
+                          <p:cTn id="24" fill="hold">
+                            <p:stCondLst>
+                              <p:cond delay="0"/>
+                            </p:stCondLst>
+                            <p:childTnLst>
+                              <p:par>
+                                <p:cTn id="25" presetID="1" presetClass="entr" presetSubtype="0" fill="hold" nodeType="clickEffect">
+                                  <p:stCondLst>
+                                    <p:cond delay="0"/>
+                                  </p:stCondLst>
+                                  <p:childTnLst>
+                                    <p:set>
+                                      <p:cBhvr>
+                                        <p:cTn id="26" dur="1" fill="hold">
+                                          <p:stCondLst>
+                                            <p:cond delay="0"/>
+                                          </p:stCondLst>
+                                        </p:cTn>
+                                        <p:tgtEl>
+                                          <p:spTgt spid="7">
+                                            <p:txEl>
                                               <p:pRg st="6" end="6"/>
                                             </p:txEl>
                                           </p:spTgt>
@@ -16958,15 +17328,33 @@
                                   </p:childTnLst>
                                 </p:cTn>
                               </p:par>
+                            </p:childTnLst>
+                          </p:cTn>
+                        </p:par>
+                      </p:childTnLst>
+                    </p:cTn>
+                  </p:par>
+                  <p:par>
+                    <p:cTn id="27" fill="hold">
+                      <p:stCondLst>
+                        <p:cond delay="indefinite"/>
+                      </p:stCondLst>
+                      <p:childTnLst>
+                        <p:par>
+                          <p:cTn id="28" fill="hold">
+                            <p:stCondLst>
+                              <p:cond delay="0"/>
+                            </p:stCondLst>
+                            <p:childTnLst>
                               <p:par>
-                                <p:cTn id="23" presetID="1" presetClass="entr" presetSubtype="0" fill="hold" nodeType="withEffect">
+                                <p:cTn id="29" presetID="1" presetClass="entr" presetSubtype="0" fill="hold" nodeType="clickEffect">
                                   <p:stCondLst>
                                     <p:cond delay="0"/>
                                   </p:stCondLst>
                                   <p:childTnLst>
                                     <p:set>
                                       <p:cBhvr>
-                                        <p:cTn id="24" dur="1" fill="hold">
+                                        <p:cTn id="30" dur="1" fill="hold">
                                           <p:stCondLst>
                                             <p:cond delay="0"/>
                                           </p:stCondLst>
@@ -16996,99 +17384,19 @@
                     </p:cTn>
                   </p:par>
                   <p:par>
-                    <p:cTn id="25" fill="hold">
+                    <p:cTn id="31" fill="hold">
                       <p:stCondLst>
                         <p:cond delay="indefinite"/>
                       </p:stCondLst>
                       <p:childTnLst>
                         <p:par>
-                          <p:cTn id="26" fill="hold">
+                          <p:cTn id="32" fill="hold">
                             <p:stCondLst>
                               <p:cond delay="0"/>
                             </p:stCondLst>
                             <p:childTnLst>
                               <p:par>
-                                <p:cTn id="27" presetID="1" presetClass="entr" presetSubtype="0" fill="hold" nodeType="clickEffect">
-                                  <p:stCondLst>
-                                    <p:cond delay="0"/>
-                                  </p:stCondLst>
-                                  <p:childTnLst>
-                                    <p:set>
-                                      <p:cBhvr>
-                                        <p:cTn id="28" dur="1" fill="hold">
-                                          <p:stCondLst>
-                                            <p:cond delay="0"/>
-                                          </p:stCondLst>
-                                        </p:cTn>
-                                        <p:tgtEl>
-                                          <p:spTgt spid="7">
-                                            <p:txEl>
-                                              <p:pRg st="8" end="8"/>
-                                            </p:txEl>
-                                          </p:spTgt>
-                                        </p:tgtEl>
-                                        <p:attrNameLst>
-                                          <p:attrName>style.visibility</p:attrName>
-                                        </p:attrNameLst>
-                                      </p:cBhvr>
-                                      <p:to>
-                                        <p:strVal val="visible"/>
-                                      </p:to>
-                                    </p:set>
-                                  </p:childTnLst>
-                                </p:cTn>
-                              </p:par>
-                            </p:childTnLst>
-                          </p:cTn>
-                        </p:par>
-                      </p:childTnLst>
-                    </p:cTn>
-                  </p:par>
-                  <p:par>
-                    <p:cTn id="29" fill="hold">
-                      <p:stCondLst>
-                        <p:cond delay="indefinite"/>
-                      </p:stCondLst>
-                      <p:childTnLst>
-                        <p:par>
-                          <p:cTn id="30" fill="hold">
-                            <p:stCondLst>
-                              <p:cond delay="0"/>
-                            </p:stCondLst>
-                            <p:childTnLst>
-                              <p:par>
-                                <p:cTn id="31" presetID="1" presetClass="entr" presetSubtype="0" fill="hold" nodeType="clickEffect">
-                                  <p:stCondLst>
-                                    <p:cond delay="0"/>
-                                  </p:stCondLst>
-                                  <p:childTnLst>
-                                    <p:set>
-                                      <p:cBhvr>
-                                        <p:cTn id="32" dur="1" fill="hold">
-                                          <p:stCondLst>
-                                            <p:cond delay="0"/>
-                                          </p:stCondLst>
-                                        </p:cTn>
-                                        <p:tgtEl>
-                                          <p:spTgt spid="7">
-                                            <p:txEl>
-                                              <p:pRg st="9" end="9"/>
-                                            </p:txEl>
-                                          </p:spTgt>
-                                        </p:tgtEl>
-                                        <p:attrNameLst>
-                                          <p:attrName>style.visibility</p:attrName>
-                                        </p:attrNameLst>
-                                      </p:cBhvr>
-                                      <p:to>
-                                        <p:strVal val="visible"/>
-                                      </p:to>
-                                    </p:set>
-                                  </p:childTnLst>
-                                </p:cTn>
-                              </p:par>
-                              <p:par>
-                                <p:cTn id="33" presetID="1" presetClass="entr" presetSubtype="0" fill="hold" nodeType="withEffect">
+                                <p:cTn id="33" presetID="1" presetClass="entr" presetSubtype="0" fill="hold" nodeType="clickEffect">
                                   <p:stCondLst>
                                     <p:cond delay="0"/>
                                   </p:stCondLst>
@@ -17103,7 +17411,7 @@
                                         <p:tgtEl>
                                           <p:spTgt spid="7">
                                             <p:txEl>
-                                              <p:pRg st="10" end="10"/>
+                                              <p:pRg st="8" end="8"/>
                                             </p:txEl>
                                           </p:spTgt>
                                         </p:tgtEl>
@@ -17145,6 +17453,104 @@
                                     <p:set>
                                       <p:cBhvr>
                                         <p:cTn id="38" dur="1" fill="hold">
+                                          <p:stCondLst>
+                                            <p:cond delay="0"/>
+                                          </p:stCondLst>
+                                        </p:cTn>
+                                        <p:tgtEl>
+                                          <p:spTgt spid="7">
+                                            <p:txEl>
+                                              <p:pRg st="9" end="9"/>
+                                            </p:txEl>
+                                          </p:spTgt>
+                                        </p:tgtEl>
+                                        <p:attrNameLst>
+                                          <p:attrName>style.visibility</p:attrName>
+                                        </p:attrNameLst>
+                                      </p:cBhvr>
+                                      <p:to>
+                                        <p:strVal val="visible"/>
+                                      </p:to>
+                                    </p:set>
+                                  </p:childTnLst>
+                                </p:cTn>
+                              </p:par>
+                            </p:childTnLst>
+                          </p:cTn>
+                        </p:par>
+                      </p:childTnLst>
+                    </p:cTn>
+                  </p:par>
+                  <p:par>
+                    <p:cTn id="39" fill="hold">
+                      <p:stCondLst>
+                        <p:cond delay="indefinite"/>
+                      </p:stCondLst>
+                      <p:childTnLst>
+                        <p:par>
+                          <p:cTn id="40" fill="hold">
+                            <p:stCondLst>
+                              <p:cond delay="0"/>
+                            </p:stCondLst>
+                            <p:childTnLst>
+                              <p:par>
+                                <p:cTn id="41" presetID="1" presetClass="entr" presetSubtype="0" fill="hold" nodeType="clickEffect">
+                                  <p:stCondLst>
+                                    <p:cond delay="0"/>
+                                  </p:stCondLst>
+                                  <p:childTnLst>
+                                    <p:set>
+                                      <p:cBhvr>
+                                        <p:cTn id="42" dur="1" fill="hold">
+                                          <p:stCondLst>
+                                            <p:cond delay="0"/>
+                                          </p:stCondLst>
+                                        </p:cTn>
+                                        <p:tgtEl>
+                                          <p:spTgt spid="7">
+                                            <p:txEl>
+                                              <p:pRg st="10" end="10"/>
+                                            </p:txEl>
+                                          </p:spTgt>
+                                        </p:tgtEl>
+                                        <p:attrNameLst>
+                                          <p:attrName>style.visibility</p:attrName>
+                                        </p:attrNameLst>
+                                      </p:cBhvr>
+                                      <p:to>
+                                        <p:strVal val="visible"/>
+                                      </p:to>
+                                    </p:set>
+                                  </p:childTnLst>
+                                </p:cTn>
+                              </p:par>
+                            </p:childTnLst>
+                          </p:cTn>
+                        </p:par>
+                      </p:childTnLst>
+                    </p:cTn>
+                  </p:par>
+                  <p:par>
+                    <p:cTn id="43" fill="hold">
+                      <p:stCondLst>
+                        <p:cond delay="indefinite"/>
+                      </p:stCondLst>
+                      <p:childTnLst>
+                        <p:par>
+                          <p:cTn id="44" fill="hold">
+                            <p:stCondLst>
+                              <p:cond delay="0"/>
+                            </p:stCondLst>
+                            <p:childTnLst>
+                              <p:par>
+                                <p:cTn id="45" presetID="1" presetClass="entr" presetSubtype="0" fill="hold" nodeType="clickEffect">
+                                  <p:stCondLst>
+                                    <p:cond delay="0"/>
+                                  </p:stCondLst>
+                                  <p:childTnLst>
+                                    <p:set>
+                                      <p:cBhvr>
+                                        <p:cTn id="46" dur="1" fill="hold">
                                           <p:stCondLst>
                                             <p:cond delay="0"/>
                                           </p:stCondLst>
@@ -17619,9 +18025,6 @@
                     <p:cTn id="3" fill="hold">
                       <p:stCondLst>
                         <p:cond delay="indefinite"/>
-                        <p:cond evt="onBegin" delay="0">
-                          <p:tn val="2"/>
-                        </p:cond>
                       </p:stCondLst>
                       <p:childTnLst>
                         <p:par>
@@ -17631,7 +18034,7 @@
                             </p:stCondLst>
                             <p:childTnLst>
                               <p:par>
-                                <p:cTn id="5" presetID="1" presetClass="entr" presetSubtype="0" fill="hold" nodeType="withEffect">
+                                <p:cTn id="5" presetID="1" presetClass="entr" presetSubtype="0" fill="hold" nodeType="clickEffect">
                                   <p:stCondLst>
                                     <p:cond delay="0"/>
                                   </p:stCondLst>
@@ -17639,68 +18042,6 @@
                                     <p:set>
                                       <p:cBhvr>
                                         <p:cTn id="6" dur="1" fill="hold">
-                                          <p:stCondLst>
-                                            <p:cond delay="0"/>
-                                          </p:stCondLst>
-                                        </p:cTn>
-                                        <p:tgtEl>
-                                          <p:spTgt spid="7">
-                                            <p:txEl>
-                                              <p:pRg st="3" end="3"/>
-                                            </p:txEl>
-                                          </p:spTgt>
-                                        </p:tgtEl>
-                                        <p:attrNameLst>
-                                          <p:attrName>style.visibility</p:attrName>
-                                        </p:attrNameLst>
-                                      </p:cBhvr>
-                                      <p:to>
-                                        <p:strVal val="visible"/>
-                                      </p:to>
-                                    </p:set>
-                                  </p:childTnLst>
-                                </p:cTn>
-                              </p:par>
-                              <p:par>
-                                <p:cTn id="7" presetID="1" presetClass="entr" presetSubtype="0" fill="hold" nodeType="withEffect">
-                                  <p:stCondLst>
-                                    <p:cond delay="0"/>
-                                  </p:stCondLst>
-                                  <p:childTnLst>
-                                    <p:set>
-                                      <p:cBhvr>
-                                        <p:cTn id="8" dur="1" fill="hold">
-                                          <p:stCondLst>
-                                            <p:cond delay="0"/>
-                                          </p:stCondLst>
-                                        </p:cTn>
-                                        <p:tgtEl>
-                                          <p:spTgt spid="7">
-                                            <p:txEl>
-                                              <p:pRg st="0" end="0"/>
-                                            </p:txEl>
-                                          </p:spTgt>
-                                        </p:tgtEl>
-                                        <p:attrNameLst>
-                                          <p:attrName>style.visibility</p:attrName>
-                                        </p:attrNameLst>
-                                      </p:cBhvr>
-                                      <p:to>
-                                        <p:strVal val="visible"/>
-                                      </p:to>
-                                    </p:set>
-                                  </p:childTnLst>
-                                </p:cTn>
-                              </p:par>
-                              <p:par>
-                                <p:cTn id="9" presetID="1" presetClass="entr" presetSubtype="0" fill="hold" nodeType="withEffect">
-                                  <p:stCondLst>
-                                    <p:cond delay="0"/>
-                                  </p:stCondLst>
-                                  <p:childTnLst>
-                                    <p:set>
-                                      <p:cBhvr>
-                                        <p:cTn id="10" dur="1" fill="hold">
                                           <p:stCondLst>
                                             <p:cond delay="0"/>
                                           </p:stCondLst>
@@ -17723,15 +18064,33 @@
                                   </p:childTnLst>
                                 </p:cTn>
                               </p:par>
+                            </p:childTnLst>
+                          </p:cTn>
+                        </p:par>
+                      </p:childTnLst>
+                    </p:cTn>
+                  </p:par>
+                  <p:par>
+                    <p:cTn id="7" fill="hold">
+                      <p:stCondLst>
+                        <p:cond delay="indefinite"/>
+                      </p:stCondLst>
+                      <p:childTnLst>
+                        <p:par>
+                          <p:cTn id="8" fill="hold">
+                            <p:stCondLst>
+                              <p:cond delay="0"/>
+                            </p:stCondLst>
+                            <p:childTnLst>
                               <p:par>
-                                <p:cTn id="11" presetID="1" presetClass="entr" presetSubtype="0" fill="hold" nodeType="withEffect">
+                                <p:cTn id="9" presetID="1" presetClass="entr" presetSubtype="0" fill="hold" nodeType="clickEffect">
                                   <p:stCondLst>
                                     <p:cond delay="0"/>
                                   </p:stCondLst>
                                   <p:childTnLst>
                                     <p:set>
                                       <p:cBhvr>
-                                        <p:cTn id="12" dur="1" fill="hold">
+                                        <p:cTn id="10" dur="1" fill="hold">
                                           <p:stCondLst>
                                             <p:cond delay="0"/>
                                           </p:stCondLst>
@@ -17754,8 +18113,26 @@
                                   </p:childTnLst>
                                 </p:cTn>
                               </p:par>
+                            </p:childTnLst>
+                          </p:cTn>
+                        </p:par>
+                      </p:childTnLst>
+                    </p:cTn>
+                  </p:par>
+                  <p:par>
+                    <p:cTn id="11" fill="hold">
+                      <p:stCondLst>
+                        <p:cond delay="indefinite"/>
+                      </p:stCondLst>
+                      <p:childTnLst>
+                        <p:par>
+                          <p:cTn id="12" fill="hold">
+                            <p:stCondLst>
+                              <p:cond delay="0"/>
+                            </p:stCondLst>
+                            <p:childTnLst>
                               <p:par>
-                                <p:cTn id="13" presetID="1" presetClass="entr" presetSubtype="0" fill="hold" nodeType="withEffect">
+                                <p:cTn id="13" presetID="1" presetClass="entr" presetSubtype="0" fill="hold" nodeType="clickEffect">
                                   <p:stCondLst>
                                     <p:cond delay="0"/>
                                   </p:stCondLst>
@@ -17770,7 +18147,7 @@
                                         <p:tgtEl>
                                           <p:spTgt spid="7">
                                             <p:txEl>
-                                              <p:pRg st="4" end="4"/>
+                                              <p:pRg st="3" end="3"/>
                                             </p:txEl>
                                           </p:spTgt>
                                         </p:tgtEl>
@@ -17819,7 +18196,7 @@
                                         <p:tgtEl>
                                           <p:spTgt spid="7">
                                             <p:txEl>
-                                              <p:pRg st="5" end="5"/>
+                                              <p:pRg st="4" end="4"/>
                                             </p:txEl>
                                           </p:spTgt>
                                         </p:tgtEl>
@@ -17868,6 +18245,55 @@
                                         <p:tgtEl>
                                           <p:spTgt spid="7">
                                             <p:txEl>
+                                              <p:pRg st="5" end="5"/>
+                                            </p:txEl>
+                                          </p:spTgt>
+                                        </p:tgtEl>
+                                        <p:attrNameLst>
+                                          <p:attrName>style.visibility</p:attrName>
+                                        </p:attrNameLst>
+                                      </p:cBhvr>
+                                      <p:to>
+                                        <p:strVal val="visible"/>
+                                      </p:to>
+                                    </p:set>
+                                  </p:childTnLst>
+                                </p:cTn>
+                              </p:par>
+                            </p:childTnLst>
+                          </p:cTn>
+                        </p:par>
+                      </p:childTnLst>
+                    </p:cTn>
+                  </p:par>
+                  <p:par>
+                    <p:cTn id="23" fill="hold">
+                      <p:stCondLst>
+                        <p:cond delay="indefinite"/>
+                      </p:stCondLst>
+                      <p:childTnLst>
+                        <p:par>
+                          <p:cTn id="24" fill="hold">
+                            <p:stCondLst>
+                              <p:cond delay="0"/>
+                            </p:stCondLst>
+                            <p:childTnLst>
+                              <p:par>
+                                <p:cTn id="25" presetID="1" presetClass="entr" presetSubtype="0" fill="hold" nodeType="clickEffect">
+                                  <p:stCondLst>
+                                    <p:cond delay="0"/>
+                                  </p:stCondLst>
+                                  <p:childTnLst>
+                                    <p:set>
+                                      <p:cBhvr>
+                                        <p:cTn id="26" dur="1" fill="hold">
+                                          <p:stCondLst>
+                                            <p:cond delay="0"/>
+                                          </p:stCondLst>
+                                        </p:cTn>
+                                        <p:tgtEl>
+                                          <p:spTgt spid="7">
+                                            <p:txEl>
                                               <p:pRg st="6" end="6"/>
                                             </p:txEl>
                                           </p:spTgt>
@@ -17883,15 +18309,33 @@
                                   </p:childTnLst>
                                 </p:cTn>
                               </p:par>
+                            </p:childTnLst>
+                          </p:cTn>
+                        </p:par>
+                      </p:childTnLst>
+                    </p:cTn>
+                  </p:par>
+                  <p:par>
+                    <p:cTn id="27" fill="hold">
+                      <p:stCondLst>
+                        <p:cond delay="indefinite"/>
+                      </p:stCondLst>
+                      <p:childTnLst>
+                        <p:par>
+                          <p:cTn id="28" fill="hold">
+                            <p:stCondLst>
+                              <p:cond delay="0"/>
+                            </p:stCondLst>
+                            <p:childTnLst>
                               <p:par>
-                                <p:cTn id="23" presetID="1" presetClass="entr" presetSubtype="0" fill="hold" nodeType="withEffect">
+                                <p:cTn id="29" presetID="1" presetClass="entr" presetSubtype="0" fill="hold" nodeType="clickEffect">
                                   <p:stCondLst>
                                     <p:cond delay="0"/>
                                   </p:stCondLst>
                                   <p:childTnLst>
                                     <p:set>
                                       <p:cBhvr>
-                                        <p:cTn id="24" dur="1" fill="hold">
+                                        <p:cTn id="30" dur="1" fill="hold">
                                           <p:stCondLst>
                                             <p:cond delay="0"/>
                                           </p:stCondLst>
@@ -17921,99 +18365,19 @@
                     </p:cTn>
                   </p:par>
                   <p:par>
-                    <p:cTn id="25" fill="hold">
+                    <p:cTn id="31" fill="hold">
                       <p:stCondLst>
                         <p:cond delay="indefinite"/>
                       </p:stCondLst>
                       <p:childTnLst>
                         <p:par>
-                          <p:cTn id="26" fill="hold">
+                          <p:cTn id="32" fill="hold">
                             <p:stCondLst>
                               <p:cond delay="0"/>
                             </p:stCondLst>
                             <p:childTnLst>
                               <p:par>
-                                <p:cTn id="27" presetID="1" presetClass="entr" presetSubtype="0" fill="hold" nodeType="clickEffect">
-                                  <p:stCondLst>
-                                    <p:cond delay="0"/>
-                                  </p:stCondLst>
-                                  <p:childTnLst>
-                                    <p:set>
-                                      <p:cBhvr>
-                                        <p:cTn id="28" dur="1" fill="hold">
-                                          <p:stCondLst>
-                                            <p:cond delay="0"/>
-                                          </p:stCondLst>
-                                        </p:cTn>
-                                        <p:tgtEl>
-                                          <p:spTgt spid="7">
-                                            <p:txEl>
-                                              <p:pRg st="8" end="8"/>
-                                            </p:txEl>
-                                          </p:spTgt>
-                                        </p:tgtEl>
-                                        <p:attrNameLst>
-                                          <p:attrName>style.visibility</p:attrName>
-                                        </p:attrNameLst>
-                                      </p:cBhvr>
-                                      <p:to>
-                                        <p:strVal val="visible"/>
-                                      </p:to>
-                                    </p:set>
-                                  </p:childTnLst>
-                                </p:cTn>
-                              </p:par>
-                            </p:childTnLst>
-                          </p:cTn>
-                        </p:par>
-                      </p:childTnLst>
-                    </p:cTn>
-                  </p:par>
-                  <p:par>
-                    <p:cTn id="29" fill="hold">
-                      <p:stCondLst>
-                        <p:cond delay="indefinite"/>
-                      </p:stCondLst>
-                      <p:childTnLst>
-                        <p:par>
-                          <p:cTn id="30" fill="hold">
-                            <p:stCondLst>
-                              <p:cond delay="0"/>
-                            </p:stCondLst>
-                            <p:childTnLst>
-                              <p:par>
-                                <p:cTn id="31" presetID="1" presetClass="entr" presetSubtype="0" fill="hold" nodeType="clickEffect">
-                                  <p:stCondLst>
-                                    <p:cond delay="0"/>
-                                  </p:stCondLst>
-                                  <p:childTnLst>
-                                    <p:set>
-                                      <p:cBhvr>
-                                        <p:cTn id="32" dur="1" fill="hold">
-                                          <p:stCondLst>
-                                            <p:cond delay="0"/>
-                                          </p:stCondLst>
-                                        </p:cTn>
-                                        <p:tgtEl>
-                                          <p:spTgt spid="7">
-                                            <p:txEl>
-                                              <p:pRg st="9" end="9"/>
-                                            </p:txEl>
-                                          </p:spTgt>
-                                        </p:tgtEl>
-                                        <p:attrNameLst>
-                                          <p:attrName>style.visibility</p:attrName>
-                                        </p:attrNameLst>
-                                      </p:cBhvr>
-                                      <p:to>
-                                        <p:strVal val="visible"/>
-                                      </p:to>
-                                    </p:set>
-                                  </p:childTnLst>
-                                </p:cTn>
-                              </p:par>
-                              <p:par>
-                                <p:cTn id="33" presetID="1" presetClass="entr" presetSubtype="0" fill="hold" nodeType="withEffect">
+                                <p:cTn id="33" presetID="1" presetClass="entr" presetSubtype="0" fill="hold" nodeType="clickEffect">
                                   <p:stCondLst>
                                     <p:cond delay="0"/>
                                   </p:stCondLst>
@@ -18028,7 +18392,7 @@
                                         <p:tgtEl>
                                           <p:spTgt spid="7">
                                             <p:txEl>
-                                              <p:pRg st="10" end="10"/>
+                                              <p:pRg st="8" end="8"/>
                                             </p:txEl>
                                           </p:spTgt>
                                         </p:tgtEl>
@@ -18070,6 +18434,104 @@
                                     <p:set>
                                       <p:cBhvr>
                                         <p:cTn id="38" dur="1" fill="hold">
+                                          <p:stCondLst>
+                                            <p:cond delay="0"/>
+                                          </p:stCondLst>
+                                        </p:cTn>
+                                        <p:tgtEl>
+                                          <p:spTgt spid="7">
+                                            <p:txEl>
+                                              <p:pRg st="9" end="9"/>
+                                            </p:txEl>
+                                          </p:spTgt>
+                                        </p:tgtEl>
+                                        <p:attrNameLst>
+                                          <p:attrName>style.visibility</p:attrName>
+                                        </p:attrNameLst>
+                                      </p:cBhvr>
+                                      <p:to>
+                                        <p:strVal val="visible"/>
+                                      </p:to>
+                                    </p:set>
+                                  </p:childTnLst>
+                                </p:cTn>
+                              </p:par>
+                            </p:childTnLst>
+                          </p:cTn>
+                        </p:par>
+                      </p:childTnLst>
+                    </p:cTn>
+                  </p:par>
+                  <p:par>
+                    <p:cTn id="39" fill="hold">
+                      <p:stCondLst>
+                        <p:cond delay="indefinite"/>
+                      </p:stCondLst>
+                      <p:childTnLst>
+                        <p:par>
+                          <p:cTn id="40" fill="hold">
+                            <p:stCondLst>
+                              <p:cond delay="0"/>
+                            </p:stCondLst>
+                            <p:childTnLst>
+                              <p:par>
+                                <p:cTn id="41" presetID="1" presetClass="entr" presetSubtype="0" fill="hold" nodeType="clickEffect">
+                                  <p:stCondLst>
+                                    <p:cond delay="0"/>
+                                  </p:stCondLst>
+                                  <p:childTnLst>
+                                    <p:set>
+                                      <p:cBhvr>
+                                        <p:cTn id="42" dur="1" fill="hold">
+                                          <p:stCondLst>
+                                            <p:cond delay="0"/>
+                                          </p:stCondLst>
+                                        </p:cTn>
+                                        <p:tgtEl>
+                                          <p:spTgt spid="7">
+                                            <p:txEl>
+                                              <p:pRg st="10" end="10"/>
+                                            </p:txEl>
+                                          </p:spTgt>
+                                        </p:tgtEl>
+                                        <p:attrNameLst>
+                                          <p:attrName>style.visibility</p:attrName>
+                                        </p:attrNameLst>
+                                      </p:cBhvr>
+                                      <p:to>
+                                        <p:strVal val="visible"/>
+                                      </p:to>
+                                    </p:set>
+                                  </p:childTnLst>
+                                </p:cTn>
+                              </p:par>
+                            </p:childTnLst>
+                          </p:cTn>
+                        </p:par>
+                      </p:childTnLst>
+                    </p:cTn>
+                  </p:par>
+                  <p:par>
+                    <p:cTn id="43" fill="hold">
+                      <p:stCondLst>
+                        <p:cond delay="indefinite"/>
+                      </p:stCondLst>
+                      <p:childTnLst>
+                        <p:par>
+                          <p:cTn id="44" fill="hold">
+                            <p:stCondLst>
+                              <p:cond delay="0"/>
+                            </p:stCondLst>
+                            <p:childTnLst>
+                              <p:par>
+                                <p:cTn id="45" presetID="1" presetClass="entr" presetSubtype="0" fill="hold" nodeType="clickEffect">
+                                  <p:stCondLst>
+                                    <p:cond delay="0"/>
+                                  </p:stCondLst>
+                                  <p:childTnLst>
+                                    <p:set>
+                                      <p:cBhvr>
+                                        <p:cTn id="46" dur="1" fill="hold">
                                           <p:stCondLst>
                                             <p:cond delay="0"/>
                                           </p:stCondLst>
@@ -18484,6 +18946,575 @@
       <p:transition spd="slow" advClick="0" advTm="5000"/>
     </mc:Fallback>
   </mc:AlternateContent>
+  <p:timing>
+    <p:tnLst>
+      <p:par>
+        <p:cTn id="1" dur="indefinite" restart="never" nodeType="tmRoot">
+          <p:childTnLst>
+            <p:seq concurrent="1" nextAc="seek">
+              <p:cTn id="2" dur="indefinite" nodeType="mainSeq">
+                <p:childTnLst>
+                  <p:par>
+                    <p:cTn id="3" fill="hold">
+                      <p:stCondLst>
+                        <p:cond delay="indefinite"/>
+                      </p:stCondLst>
+                      <p:childTnLst>
+                        <p:par>
+                          <p:cTn id="4" fill="hold">
+                            <p:stCondLst>
+                              <p:cond delay="0"/>
+                            </p:stCondLst>
+                            <p:childTnLst>
+                              <p:par>
+                                <p:cTn id="5" presetID="1" presetClass="entr" presetSubtype="0" fill="hold" nodeType="clickEffect">
+                                  <p:stCondLst>
+                                    <p:cond delay="0"/>
+                                  </p:stCondLst>
+                                  <p:childTnLst>
+                                    <p:set>
+                                      <p:cBhvr>
+                                        <p:cTn id="6" dur="1" fill="hold">
+                                          <p:stCondLst>
+                                            <p:cond delay="0"/>
+                                          </p:stCondLst>
+                                        </p:cTn>
+                                        <p:tgtEl>
+                                          <p:spTgt spid="3">
+                                            <p:txEl>
+                                              <p:pRg st="1" end="1"/>
+                                            </p:txEl>
+                                          </p:spTgt>
+                                        </p:tgtEl>
+                                        <p:attrNameLst>
+                                          <p:attrName>style.visibility</p:attrName>
+                                        </p:attrNameLst>
+                                      </p:cBhvr>
+                                      <p:to>
+                                        <p:strVal val="visible"/>
+                                      </p:to>
+                                    </p:set>
+                                  </p:childTnLst>
+                                </p:cTn>
+                              </p:par>
+                            </p:childTnLst>
+                          </p:cTn>
+                        </p:par>
+                      </p:childTnLst>
+                    </p:cTn>
+                  </p:par>
+                  <p:par>
+                    <p:cTn id="7" fill="hold">
+                      <p:stCondLst>
+                        <p:cond delay="indefinite"/>
+                      </p:stCondLst>
+                      <p:childTnLst>
+                        <p:par>
+                          <p:cTn id="8" fill="hold">
+                            <p:stCondLst>
+                              <p:cond delay="0"/>
+                            </p:stCondLst>
+                            <p:childTnLst>
+                              <p:par>
+                                <p:cTn id="9" presetID="1" presetClass="entr" presetSubtype="0" fill="hold" nodeType="clickEffect">
+                                  <p:stCondLst>
+                                    <p:cond delay="0"/>
+                                  </p:stCondLst>
+                                  <p:childTnLst>
+                                    <p:set>
+                                      <p:cBhvr>
+                                        <p:cTn id="10" dur="1" fill="hold">
+                                          <p:stCondLst>
+                                            <p:cond delay="0"/>
+                                          </p:stCondLst>
+                                        </p:cTn>
+                                        <p:tgtEl>
+                                          <p:spTgt spid="3">
+                                            <p:txEl>
+                                              <p:pRg st="2" end="2"/>
+                                            </p:txEl>
+                                          </p:spTgt>
+                                        </p:tgtEl>
+                                        <p:attrNameLst>
+                                          <p:attrName>style.visibility</p:attrName>
+                                        </p:attrNameLst>
+                                      </p:cBhvr>
+                                      <p:to>
+                                        <p:strVal val="visible"/>
+                                      </p:to>
+                                    </p:set>
+                                  </p:childTnLst>
+                                </p:cTn>
+                              </p:par>
+                            </p:childTnLst>
+                          </p:cTn>
+                        </p:par>
+                      </p:childTnLst>
+                    </p:cTn>
+                  </p:par>
+                  <p:par>
+                    <p:cTn id="11" fill="hold">
+                      <p:stCondLst>
+                        <p:cond delay="indefinite"/>
+                      </p:stCondLst>
+                      <p:childTnLst>
+                        <p:par>
+                          <p:cTn id="12" fill="hold">
+                            <p:stCondLst>
+                              <p:cond delay="0"/>
+                            </p:stCondLst>
+                            <p:childTnLst>
+                              <p:par>
+                                <p:cTn id="13" presetID="1" presetClass="entr" presetSubtype="0" fill="hold" nodeType="clickEffect">
+                                  <p:stCondLst>
+                                    <p:cond delay="0"/>
+                                  </p:stCondLst>
+                                  <p:childTnLst>
+                                    <p:set>
+                                      <p:cBhvr>
+                                        <p:cTn id="14" dur="1" fill="hold">
+                                          <p:stCondLst>
+                                            <p:cond delay="0"/>
+                                          </p:stCondLst>
+                                        </p:cTn>
+                                        <p:tgtEl>
+                                          <p:spTgt spid="3">
+                                            <p:txEl>
+                                              <p:pRg st="3" end="3"/>
+                                            </p:txEl>
+                                          </p:spTgt>
+                                        </p:tgtEl>
+                                        <p:attrNameLst>
+                                          <p:attrName>style.visibility</p:attrName>
+                                        </p:attrNameLst>
+                                      </p:cBhvr>
+                                      <p:to>
+                                        <p:strVal val="visible"/>
+                                      </p:to>
+                                    </p:set>
+                                  </p:childTnLst>
+                                </p:cTn>
+                              </p:par>
+                            </p:childTnLst>
+                          </p:cTn>
+                        </p:par>
+                      </p:childTnLst>
+                    </p:cTn>
+                  </p:par>
+                  <p:par>
+                    <p:cTn id="15" fill="hold">
+                      <p:stCondLst>
+                        <p:cond delay="indefinite"/>
+                      </p:stCondLst>
+                      <p:childTnLst>
+                        <p:par>
+                          <p:cTn id="16" fill="hold">
+                            <p:stCondLst>
+                              <p:cond delay="0"/>
+                            </p:stCondLst>
+                            <p:childTnLst>
+                              <p:par>
+                                <p:cTn id="17" presetID="1" presetClass="entr" presetSubtype="0" fill="hold" nodeType="clickEffect">
+                                  <p:stCondLst>
+                                    <p:cond delay="0"/>
+                                  </p:stCondLst>
+                                  <p:childTnLst>
+                                    <p:set>
+                                      <p:cBhvr>
+                                        <p:cTn id="18" dur="1" fill="hold">
+                                          <p:stCondLst>
+                                            <p:cond delay="0"/>
+                                          </p:stCondLst>
+                                        </p:cTn>
+                                        <p:tgtEl>
+                                          <p:spTgt spid="3">
+                                            <p:txEl>
+                                              <p:pRg st="4" end="4"/>
+                                            </p:txEl>
+                                          </p:spTgt>
+                                        </p:tgtEl>
+                                        <p:attrNameLst>
+                                          <p:attrName>style.visibility</p:attrName>
+                                        </p:attrNameLst>
+                                      </p:cBhvr>
+                                      <p:to>
+                                        <p:strVal val="visible"/>
+                                      </p:to>
+                                    </p:set>
+                                  </p:childTnLst>
+                                </p:cTn>
+                              </p:par>
+                            </p:childTnLst>
+                          </p:cTn>
+                        </p:par>
+                      </p:childTnLst>
+                    </p:cTn>
+                  </p:par>
+                  <p:par>
+                    <p:cTn id="19" fill="hold">
+                      <p:stCondLst>
+                        <p:cond delay="indefinite"/>
+                      </p:stCondLst>
+                      <p:childTnLst>
+                        <p:par>
+                          <p:cTn id="20" fill="hold">
+                            <p:stCondLst>
+                              <p:cond delay="0"/>
+                            </p:stCondLst>
+                            <p:childTnLst>
+                              <p:par>
+                                <p:cTn id="21" presetID="1" presetClass="entr" presetSubtype="0" fill="hold" nodeType="clickEffect">
+                                  <p:stCondLst>
+                                    <p:cond delay="0"/>
+                                  </p:stCondLst>
+                                  <p:childTnLst>
+                                    <p:set>
+                                      <p:cBhvr>
+                                        <p:cTn id="22" dur="1" fill="hold">
+                                          <p:stCondLst>
+                                            <p:cond delay="0"/>
+                                          </p:stCondLst>
+                                        </p:cTn>
+                                        <p:tgtEl>
+                                          <p:spTgt spid="3">
+                                            <p:txEl>
+                                              <p:pRg st="5" end="5"/>
+                                            </p:txEl>
+                                          </p:spTgt>
+                                        </p:tgtEl>
+                                        <p:attrNameLst>
+                                          <p:attrName>style.visibility</p:attrName>
+                                        </p:attrNameLst>
+                                      </p:cBhvr>
+                                      <p:to>
+                                        <p:strVal val="visible"/>
+                                      </p:to>
+                                    </p:set>
+                                  </p:childTnLst>
+                                </p:cTn>
+                              </p:par>
+                            </p:childTnLst>
+                          </p:cTn>
+                        </p:par>
+                      </p:childTnLst>
+                    </p:cTn>
+                  </p:par>
+                  <p:par>
+                    <p:cTn id="23" fill="hold">
+                      <p:stCondLst>
+                        <p:cond delay="indefinite"/>
+                      </p:stCondLst>
+                      <p:childTnLst>
+                        <p:par>
+                          <p:cTn id="24" fill="hold">
+                            <p:stCondLst>
+                              <p:cond delay="0"/>
+                            </p:stCondLst>
+                            <p:childTnLst>
+                              <p:par>
+                                <p:cTn id="25" presetID="1" presetClass="entr" presetSubtype="0" fill="hold" nodeType="clickEffect">
+                                  <p:stCondLst>
+                                    <p:cond delay="0"/>
+                                  </p:stCondLst>
+                                  <p:childTnLst>
+                                    <p:set>
+                                      <p:cBhvr>
+                                        <p:cTn id="26" dur="1" fill="hold">
+                                          <p:stCondLst>
+                                            <p:cond delay="0"/>
+                                          </p:stCondLst>
+                                        </p:cTn>
+                                        <p:tgtEl>
+                                          <p:spTgt spid="3">
+                                            <p:txEl>
+                                              <p:pRg st="6" end="6"/>
+                                            </p:txEl>
+                                          </p:spTgt>
+                                        </p:tgtEl>
+                                        <p:attrNameLst>
+                                          <p:attrName>style.visibility</p:attrName>
+                                        </p:attrNameLst>
+                                      </p:cBhvr>
+                                      <p:to>
+                                        <p:strVal val="visible"/>
+                                      </p:to>
+                                    </p:set>
+                                  </p:childTnLst>
+                                </p:cTn>
+                              </p:par>
+                            </p:childTnLst>
+                          </p:cTn>
+                        </p:par>
+                      </p:childTnLst>
+                    </p:cTn>
+                  </p:par>
+                  <p:par>
+                    <p:cTn id="27" fill="hold">
+                      <p:stCondLst>
+                        <p:cond delay="indefinite"/>
+                      </p:stCondLst>
+                      <p:childTnLst>
+                        <p:par>
+                          <p:cTn id="28" fill="hold">
+                            <p:stCondLst>
+                              <p:cond delay="0"/>
+                            </p:stCondLst>
+                            <p:childTnLst>
+                              <p:par>
+                                <p:cTn id="29" presetID="1" presetClass="entr" presetSubtype="0" fill="hold" nodeType="clickEffect">
+                                  <p:stCondLst>
+                                    <p:cond delay="0"/>
+                                  </p:stCondLst>
+                                  <p:childTnLst>
+                                    <p:set>
+                                      <p:cBhvr>
+                                        <p:cTn id="30" dur="1" fill="hold">
+                                          <p:stCondLst>
+                                            <p:cond delay="0"/>
+                                          </p:stCondLst>
+                                        </p:cTn>
+                                        <p:tgtEl>
+                                          <p:spTgt spid="3">
+                                            <p:txEl>
+                                              <p:pRg st="7" end="7"/>
+                                            </p:txEl>
+                                          </p:spTgt>
+                                        </p:tgtEl>
+                                        <p:attrNameLst>
+                                          <p:attrName>style.visibility</p:attrName>
+                                        </p:attrNameLst>
+                                      </p:cBhvr>
+                                      <p:to>
+                                        <p:strVal val="visible"/>
+                                      </p:to>
+                                    </p:set>
+                                  </p:childTnLst>
+                                </p:cTn>
+                              </p:par>
+                            </p:childTnLst>
+                          </p:cTn>
+                        </p:par>
+                      </p:childTnLst>
+                    </p:cTn>
+                  </p:par>
+                  <p:par>
+                    <p:cTn id="31" fill="hold">
+                      <p:stCondLst>
+                        <p:cond delay="indefinite"/>
+                      </p:stCondLst>
+                      <p:childTnLst>
+                        <p:par>
+                          <p:cTn id="32" fill="hold">
+                            <p:stCondLst>
+                              <p:cond delay="0"/>
+                            </p:stCondLst>
+                            <p:childTnLst>
+                              <p:par>
+                                <p:cTn id="33" presetID="1" presetClass="entr" presetSubtype="0" fill="hold" nodeType="clickEffect">
+                                  <p:stCondLst>
+                                    <p:cond delay="0"/>
+                                  </p:stCondLst>
+                                  <p:childTnLst>
+                                    <p:set>
+                                      <p:cBhvr>
+                                        <p:cTn id="34" dur="1" fill="hold">
+                                          <p:stCondLst>
+                                            <p:cond delay="0"/>
+                                          </p:stCondLst>
+                                        </p:cTn>
+                                        <p:tgtEl>
+                                          <p:spTgt spid="3">
+                                            <p:txEl>
+                                              <p:pRg st="8" end="8"/>
+                                            </p:txEl>
+                                          </p:spTgt>
+                                        </p:tgtEl>
+                                        <p:attrNameLst>
+                                          <p:attrName>style.visibility</p:attrName>
+                                        </p:attrNameLst>
+                                      </p:cBhvr>
+                                      <p:to>
+                                        <p:strVal val="visible"/>
+                                      </p:to>
+                                    </p:set>
+                                  </p:childTnLst>
+                                </p:cTn>
+                              </p:par>
+                            </p:childTnLst>
+                          </p:cTn>
+                        </p:par>
+                      </p:childTnLst>
+                    </p:cTn>
+                  </p:par>
+                  <p:par>
+                    <p:cTn id="35" fill="hold">
+                      <p:stCondLst>
+                        <p:cond delay="indefinite"/>
+                      </p:stCondLst>
+                      <p:childTnLst>
+                        <p:par>
+                          <p:cTn id="36" fill="hold">
+                            <p:stCondLst>
+                              <p:cond delay="0"/>
+                            </p:stCondLst>
+                            <p:childTnLst>
+                              <p:par>
+                                <p:cTn id="37" presetID="1" presetClass="entr" presetSubtype="0" fill="hold" nodeType="clickEffect">
+                                  <p:stCondLst>
+                                    <p:cond delay="0"/>
+                                  </p:stCondLst>
+                                  <p:childTnLst>
+                                    <p:set>
+                                      <p:cBhvr>
+                                        <p:cTn id="38" dur="1" fill="hold">
+                                          <p:stCondLst>
+                                            <p:cond delay="0"/>
+                                          </p:stCondLst>
+                                        </p:cTn>
+                                        <p:tgtEl>
+                                          <p:spTgt spid="3">
+                                            <p:txEl>
+                                              <p:pRg st="9" end="9"/>
+                                            </p:txEl>
+                                          </p:spTgt>
+                                        </p:tgtEl>
+                                        <p:attrNameLst>
+                                          <p:attrName>style.visibility</p:attrName>
+                                        </p:attrNameLst>
+                                      </p:cBhvr>
+                                      <p:to>
+                                        <p:strVal val="visible"/>
+                                      </p:to>
+                                    </p:set>
+                                  </p:childTnLst>
+                                </p:cTn>
+                              </p:par>
+                            </p:childTnLst>
+                          </p:cTn>
+                        </p:par>
+                      </p:childTnLst>
+                    </p:cTn>
+                  </p:par>
+                  <p:par>
+                    <p:cTn id="39" fill="hold">
+                      <p:stCondLst>
+                        <p:cond delay="indefinite"/>
+                      </p:stCondLst>
+                      <p:childTnLst>
+                        <p:par>
+                          <p:cTn id="40" fill="hold">
+                            <p:stCondLst>
+                              <p:cond delay="0"/>
+                            </p:stCondLst>
+                            <p:childTnLst>
+                              <p:par>
+                                <p:cTn id="41" presetID="1" presetClass="entr" presetSubtype="0" fill="hold" nodeType="clickEffect">
+                                  <p:stCondLst>
+                                    <p:cond delay="0"/>
+                                  </p:stCondLst>
+                                  <p:childTnLst>
+                                    <p:set>
+                                      <p:cBhvr>
+                                        <p:cTn id="42" dur="1" fill="hold">
+                                          <p:stCondLst>
+                                            <p:cond delay="0"/>
+                                          </p:stCondLst>
+                                        </p:cTn>
+                                        <p:tgtEl>
+                                          <p:spTgt spid="3">
+                                            <p:txEl>
+                                              <p:pRg st="10" end="10"/>
+                                            </p:txEl>
+                                          </p:spTgt>
+                                        </p:tgtEl>
+                                        <p:attrNameLst>
+                                          <p:attrName>style.visibility</p:attrName>
+                                        </p:attrNameLst>
+                                      </p:cBhvr>
+                                      <p:to>
+                                        <p:strVal val="visible"/>
+                                      </p:to>
+                                    </p:set>
+                                  </p:childTnLst>
+                                </p:cTn>
+                              </p:par>
+                            </p:childTnLst>
+                          </p:cTn>
+                        </p:par>
+                      </p:childTnLst>
+                    </p:cTn>
+                  </p:par>
+                  <p:par>
+                    <p:cTn id="43" fill="hold">
+                      <p:stCondLst>
+                        <p:cond delay="indefinite"/>
+                      </p:stCondLst>
+                      <p:childTnLst>
+                        <p:par>
+                          <p:cTn id="44" fill="hold">
+                            <p:stCondLst>
+                              <p:cond delay="0"/>
+                            </p:stCondLst>
+                            <p:childTnLst>
+                              <p:par>
+                                <p:cTn id="45" presetID="1" presetClass="entr" presetSubtype="0" fill="hold" nodeType="clickEffect">
+                                  <p:stCondLst>
+                                    <p:cond delay="0"/>
+                                  </p:stCondLst>
+                                  <p:childTnLst>
+                                    <p:set>
+                                      <p:cBhvr>
+                                        <p:cTn id="46" dur="1" fill="hold">
+                                          <p:stCondLst>
+                                            <p:cond delay="0"/>
+                                          </p:stCondLst>
+                                        </p:cTn>
+                                        <p:tgtEl>
+                                          <p:spTgt spid="3">
+                                            <p:txEl>
+                                              <p:pRg st="11" end="11"/>
+                                            </p:txEl>
+                                          </p:spTgt>
+                                        </p:tgtEl>
+                                        <p:attrNameLst>
+                                          <p:attrName>style.visibility</p:attrName>
+                                        </p:attrNameLst>
+                                      </p:cBhvr>
+                                      <p:to>
+                                        <p:strVal val="visible"/>
+                                      </p:to>
+                                    </p:set>
+                                  </p:childTnLst>
+                                </p:cTn>
+                              </p:par>
+                            </p:childTnLst>
+                          </p:cTn>
+                        </p:par>
+                      </p:childTnLst>
+                    </p:cTn>
+                  </p:par>
+                </p:childTnLst>
+              </p:cTn>
+              <p:prevCondLst>
+                <p:cond evt="onPrev" delay="0">
+                  <p:tgtEl>
+                    <p:sldTgt/>
+                  </p:tgtEl>
+                </p:cond>
+              </p:prevCondLst>
+              <p:nextCondLst>
+                <p:cond evt="onNext" delay="0">
+                  <p:tgtEl>
+                    <p:sldTgt/>
+                  </p:tgtEl>
+                </p:cond>
+              </p:nextCondLst>
+            </p:seq>
+          </p:childTnLst>
+        </p:cTn>
+      </p:par>
+    </p:tnLst>
+  </p:timing>
 </p:sld>
 </file>
 
@@ -19149,9 +20180,6 @@
                     <p:cTn id="3" fill="hold">
                       <p:stCondLst>
                         <p:cond delay="indefinite"/>
-                        <p:cond evt="onBegin" delay="0">
-                          <p:tn val="2"/>
-                        </p:cond>
                       </p:stCondLst>
                       <p:childTnLst>
                         <p:par>
@@ -19161,7 +20189,7 @@
                             </p:stCondLst>
                             <p:childTnLst>
                               <p:par>
-                                <p:cTn id="5" presetID="1" presetClass="entr" presetSubtype="0" fill="hold" nodeType="withEffect">
+                                <p:cTn id="5" presetID="1" presetClass="entr" presetSubtype="0" fill="hold" nodeType="clickEffect">
                                   <p:stCondLst>
                                     <p:cond delay="0"/>
                                   </p:stCondLst>
@@ -19176,7 +20204,7 @@
                                         <p:tgtEl>
                                           <p:spTgt spid="14">
                                             <p:txEl>
-                                              <p:pRg st="0" end="0"/>
+                                              <p:pRg st="1" end="1"/>
                                             </p:txEl>
                                           </p:spTgt>
                                         </p:tgtEl>
@@ -19225,37 +20253,6 @@
                                         <p:tgtEl>
                                           <p:spTgt spid="14">
                                             <p:txEl>
-                                              <p:pRg st="1" end="1"/>
-                                            </p:txEl>
-                                          </p:spTgt>
-                                        </p:tgtEl>
-                                        <p:attrNameLst>
-                                          <p:attrName>style.visibility</p:attrName>
-                                        </p:attrNameLst>
-                                      </p:cBhvr>
-                                      <p:to>
-                                        <p:strVal val="visible"/>
-                                      </p:to>
-                                    </p:set>
-                                  </p:childTnLst>
-                                </p:cTn>
-                              </p:par>
-                              <p:par>
-                                <p:cTn id="11" presetID="1" presetClass="entr" presetSubtype="0" fill="hold" nodeType="withEffect">
-                                  <p:stCondLst>
-                                    <p:cond delay="0"/>
-                                  </p:stCondLst>
-                                  <p:childTnLst>
-                                    <p:set>
-                                      <p:cBhvr>
-                                        <p:cTn id="12" dur="1" fill="hold">
-                                          <p:stCondLst>
-                                            <p:cond delay="0"/>
-                                          </p:stCondLst>
-                                        </p:cTn>
-                                        <p:tgtEl>
-                                          <p:spTgt spid="14">
-                                            <p:txEl>
                                               <p:pRg st="2" end="2"/>
                                             </p:txEl>
                                           </p:spTgt>
@@ -19278,26 +20275,26 @@
                     </p:cTn>
                   </p:par>
                   <p:par>
-                    <p:cTn id="13" fill="hold">
+                    <p:cTn id="11" fill="hold">
                       <p:stCondLst>
                         <p:cond delay="indefinite"/>
                       </p:stCondLst>
                       <p:childTnLst>
                         <p:par>
-                          <p:cTn id="14" fill="hold">
+                          <p:cTn id="12" fill="hold">
                             <p:stCondLst>
                               <p:cond delay="0"/>
                             </p:stCondLst>
                             <p:childTnLst>
                               <p:par>
-                                <p:cTn id="15" presetID="1" presetClass="entr" presetSubtype="0" fill="hold" nodeType="clickEffect">
+                                <p:cTn id="13" presetID="1" presetClass="entr" presetSubtype="0" fill="hold" nodeType="clickEffect">
                                   <p:stCondLst>
                                     <p:cond delay="0"/>
                                   </p:stCondLst>
                                   <p:childTnLst>
                                     <p:set>
                                       <p:cBhvr>
-                                        <p:cTn id="16" dur="1" fill="hold">
+                                        <p:cTn id="14" dur="1" fill="hold">
                                           <p:stCondLst>
                                             <p:cond delay="0"/>
                                           </p:stCondLst>
@@ -19327,26 +20324,26 @@
                     </p:cTn>
                   </p:par>
                   <p:par>
-                    <p:cTn id="17" fill="hold">
+                    <p:cTn id="15" fill="hold">
                       <p:stCondLst>
                         <p:cond delay="indefinite"/>
                       </p:stCondLst>
                       <p:childTnLst>
                         <p:par>
-                          <p:cTn id="18" fill="hold">
+                          <p:cTn id="16" fill="hold">
                             <p:stCondLst>
                               <p:cond delay="0"/>
                             </p:stCondLst>
                             <p:childTnLst>
                               <p:par>
-                                <p:cTn id="19" presetID="1" presetClass="entr" presetSubtype="0" fill="hold" nodeType="clickEffect">
+                                <p:cTn id="17" presetID="1" presetClass="entr" presetSubtype="0" fill="hold" nodeType="clickEffect">
                                   <p:stCondLst>
                                     <p:cond delay="0"/>
                                   </p:stCondLst>
                                   <p:childTnLst>
                                     <p:set>
                                       <p:cBhvr>
-                                        <p:cTn id="20" dur="1" fill="hold">
+                                        <p:cTn id="18" dur="1" fill="hold">
                                           <p:stCondLst>
                                             <p:cond delay="0"/>
                                           </p:stCondLst>
@@ -19376,26 +20373,26 @@
                     </p:cTn>
                   </p:par>
                   <p:par>
-                    <p:cTn id="21" fill="hold">
+                    <p:cTn id="19" fill="hold">
                       <p:stCondLst>
                         <p:cond delay="indefinite"/>
                       </p:stCondLst>
                       <p:childTnLst>
                         <p:par>
-                          <p:cTn id="22" fill="hold">
+                          <p:cTn id="20" fill="hold">
                             <p:stCondLst>
                               <p:cond delay="0"/>
                             </p:stCondLst>
                             <p:childTnLst>
                               <p:par>
-                                <p:cTn id="23" presetID="1" presetClass="entr" presetSubtype="0" fill="hold" nodeType="clickEffect">
+                                <p:cTn id="21" presetID="1" presetClass="entr" presetSubtype="0" fill="hold" nodeType="clickEffect">
                                   <p:stCondLst>
                                     <p:cond delay="0"/>
                                   </p:stCondLst>
                                   <p:childTnLst>
                                     <p:set>
                                       <p:cBhvr>
-                                        <p:cTn id="24" dur="1" fill="hold">
+                                        <p:cTn id="22" dur="1" fill="hold">
                                           <p:stCondLst>
                                             <p:cond delay="0"/>
                                           </p:stCondLst>
@@ -19425,26 +20422,26 @@
                     </p:cTn>
                   </p:par>
                   <p:par>
-                    <p:cTn id="25" fill="hold">
+                    <p:cTn id="23" fill="hold">
                       <p:stCondLst>
                         <p:cond delay="indefinite"/>
                       </p:stCondLst>
                       <p:childTnLst>
                         <p:par>
-                          <p:cTn id="26" fill="hold">
+                          <p:cTn id="24" fill="hold">
                             <p:stCondLst>
                               <p:cond delay="0"/>
                             </p:stCondLst>
                             <p:childTnLst>
                               <p:par>
-                                <p:cTn id="27" presetID="1" presetClass="entr" presetSubtype="0" fill="hold" nodeType="clickEffect">
+                                <p:cTn id="25" presetID="1" presetClass="entr" presetSubtype="0" fill="hold" nodeType="clickEffect">
                                   <p:stCondLst>
                                     <p:cond delay="0"/>
                                   </p:stCondLst>
                                   <p:childTnLst>
                                     <p:set>
                                       <p:cBhvr>
-                                        <p:cTn id="28" dur="1" fill="hold">
+                                        <p:cTn id="26" dur="1" fill="hold">
                                           <p:stCondLst>
                                             <p:cond delay="0"/>
                                           </p:stCondLst>
@@ -19474,26 +20471,26 @@
                     </p:cTn>
                   </p:par>
                   <p:par>
-                    <p:cTn id="29" fill="hold">
+                    <p:cTn id="27" fill="hold">
                       <p:stCondLst>
                         <p:cond delay="indefinite"/>
                       </p:stCondLst>
                       <p:childTnLst>
                         <p:par>
-                          <p:cTn id="30" fill="hold">
+                          <p:cTn id="28" fill="hold">
                             <p:stCondLst>
                               <p:cond delay="0"/>
                             </p:stCondLst>
                             <p:childTnLst>
                               <p:par>
-                                <p:cTn id="31" presetID="1" presetClass="entr" presetSubtype="0" fill="hold" nodeType="clickEffect">
+                                <p:cTn id="29" presetID="1" presetClass="entr" presetSubtype="0" fill="hold" nodeType="clickEffect">
                                   <p:stCondLst>
                                     <p:cond delay="0"/>
                                   </p:stCondLst>
                                   <p:childTnLst>
                                     <p:set>
                                       <p:cBhvr>
-                                        <p:cTn id="32" dur="1" fill="hold">
+                                        <p:cTn id="30" dur="1" fill="hold">
                                           <p:stCondLst>
                                             <p:cond delay="0"/>
                                           </p:stCondLst>
@@ -19523,26 +20520,26 @@
                     </p:cTn>
                   </p:par>
                   <p:par>
-                    <p:cTn id="33" fill="hold">
+                    <p:cTn id="31" fill="hold">
                       <p:stCondLst>
                         <p:cond delay="indefinite"/>
                       </p:stCondLst>
                       <p:childTnLst>
                         <p:par>
-                          <p:cTn id="34" fill="hold">
+                          <p:cTn id="32" fill="hold">
                             <p:stCondLst>
                               <p:cond delay="0"/>
                             </p:stCondLst>
                             <p:childTnLst>
                               <p:par>
-                                <p:cTn id="35" presetID="1" presetClass="entr" presetSubtype="0" fill="hold" nodeType="clickEffect">
+                                <p:cTn id="33" presetID="1" presetClass="entr" presetSubtype="0" fill="hold" nodeType="clickEffect">
                                   <p:stCondLst>
                                     <p:cond delay="0"/>
                                   </p:stCondLst>
                                   <p:childTnLst>
                                     <p:set>
                                       <p:cBhvr>
-                                        <p:cTn id="36" dur="1" fill="hold">
+                                        <p:cTn id="34" dur="1" fill="hold">
                                           <p:stCondLst>
                                             <p:cond delay="0"/>
                                           </p:stCondLst>
@@ -20583,9 +21580,6 @@
                     <p:cTn id="3" fill="hold">
                       <p:stCondLst>
                         <p:cond delay="indefinite"/>
-                        <p:cond evt="onBegin" delay="0">
-                          <p:tn val="2"/>
-                        </p:cond>
                       </p:stCondLst>
                       <p:childTnLst>
                         <p:par>
@@ -20595,7 +21589,7 @@
                             </p:stCondLst>
                             <p:childTnLst>
                               <p:par>
-                                <p:cTn id="5" presetID="1" presetClass="entr" presetSubtype="0" fill="hold" nodeType="withEffect">
+                                <p:cTn id="5" presetID="1" presetClass="entr" presetSubtype="0" fill="hold" nodeType="clickEffect">
                                   <p:stCondLst>
                                     <p:cond delay="0"/>
                                   </p:stCondLst>
@@ -20603,82 +21597,6 @@
                                     <p:set>
                                       <p:cBhvr>
                                         <p:cTn id="6" dur="1" fill="hold">
-                                          <p:stCondLst>
-                                            <p:cond delay="0"/>
-                                          </p:stCondLst>
-                                        </p:cTn>
-                                        <p:tgtEl>
-                                          <p:spTgt spid="7">
-                                            <p:txEl>
-                                              <p:pRg st="0" end="0"/>
-                                            </p:txEl>
-                                          </p:spTgt>
-                                        </p:tgtEl>
-                                        <p:attrNameLst>
-                                          <p:attrName>style.visibility</p:attrName>
-                                        </p:attrNameLst>
-                                      </p:cBhvr>
-                                      <p:to>
-                                        <p:strVal val="visible"/>
-                                      </p:to>
-                                    </p:set>
-                                  </p:childTnLst>
-                                </p:cTn>
-                              </p:par>
-                              <p:par>
-                                <p:cTn id="7" presetID="1" presetClass="entr" presetSubtype="0" fill="hold" nodeType="withEffect">
-                                  <p:stCondLst>
-                                    <p:cond delay="0"/>
-                                  </p:stCondLst>
-                                  <p:childTnLst>
-                                    <p:set>
-                                      <p:cBhvr>
-                                        <p:cTn id="8" dur="1" fill="hold">
-                                          <p:stCondLst>
-                                            <p:cond delay="0"/>
-                                          </p:stCondLst>
-                                        </p:cTn>
-                                        <p:tgtEl>
-                                          <p:spTgt spid="17"/>
-                                        </p:tgtEl>
-                                        <p:attrNameLst>
-                                          <p:attrName>style.visibility</p:attrName>
-                                        </p:attrNameLst>
-                                      </p:cBhvr>
-                                      <p:to>
-                                        <p:strVal val="visible"/>
-                                      </p:to>
-                                    </p:set>
-                                  </p:childTnLst>
-                                </p:cTn>
-                              </p:par>
-                            </p:childTnLst>
-                          </p:cTn>
-                        </p:par>
-                      </p:childTnLst>
-                    </p:cTn>
-                  </p:par>
-                  <p:par>
-                    <p:cTn id="9" fill="hold">
-                      <p:stCondLst>
-                        <p:cond delay="indefinite"/>
-                      </p:stCondLst>
-                      <p:childTnLst>
-                        <p:par>
-                          <p:cTn id="10" fill="hold">
-                            <p:stCondLst>
-                              <p:cond delay="0"/>
-                            </p:stCondLst>
-                            <p:childTnLst>
-                              <p:par>
-                                <p:cTn id="11" presetID="1" presetClass="entr" presetSubtype="0" fill="hold" nodeType="clickEffect">
-                                  <p:stCondLst>
-                                    <p:cond delay="0"/>
-                                  </p:stCondLst>
-                                  <p:childTnLst>
-                                    <p:set>
-                                      <p:cBhvr>
-                                        <p:cTn id="12" dur="1" fill="hold">
                                           <p:stCondLst>
                                             <p:cond delay="0"/>
                                           </p:stCondLst>
@@ -22241,6 +23159,232 @@
       <p:transition spd="slow" advClick="0" advTm="5000"/>
     </mc:Fallback>
   </mc:AlternateContent>
+  <p:timing>
+    <p:tnLst>
+      <p:par>
+        <p:cTn id="1" dur="indefinite" restart="never" nodeType="tmRoot">
+          <p:childTnLst>
+            <p:seq concurrent="1" nextAc="seek">
+              <p:cTn id="2" dur="indefinite" nodeType="mainSeq">
+                <p:childTnLst>
+                  <p:par>
+                    <p:cTn id="3" fill="hold">
+                      <p:stCondLst>
+                        <p:cond delay="indefinite"/>
+                      </p:stCondLst>
+                      <p:childTnLst>
+                        <p:par>
+                          <p:cTn id="4" fill="hold">
+                            <p:stCondLst>
+                              <p:cond delay="0"/>
+                            </p:stCondLst>
+                            <p:childTnLst>
+                              <p:par>
+                                <p:cTn id="5" presetID="1" presetClass="entr" presetSubtype="0" fill="hold" nodeType="clickEffect">
+                                  <p:stCondLst>
+                                    <p:cond delay="0"/>
+                                  </p:stCondLst>
+                                  <p:childTnLst>
+                                    <p:set>
+                                      <p:cBhvr>
+                                        <p:cTn id="6" dur="1" fill="hold">
+                                          <p:stCondLst>
+                                            <p:cond delay="0"/>
+                                          </p:stCondLst>
+                                        </p:cTn>
+                                        <p:tgtEl>
+                                          <p:spTgt spid="21">
+                                            <p:txEl>
+                                              <p:pRg st="1" end="1"/>
+                                            </p:txEl>
+                                          </p:spTgt>
+                                        </p:tgtEl>
+                                        <p:attrNameLst>
+                                          <p:attrName>style.visibility</p:attrName>
+                                        </p:attrNameLst>
+                                      </p:cBhvr>
+                                      <p:to>
+                                        <p:strVal val="visible"/>
+                                      </p:to>
+                                    </p:set>
+                                  </p:childTnLst>
+                                </p:cTn>
+                              </p:par>
+                            </p:childTnLst>
+                          </p:cTn>
+                        </p:par>
+                      </p:childTnLst>
+                    </p:cTn>
+                  </p:par>
+                  <p:par>
+                    <p:cTn id="7" fill="hold">
+                      <p:stCondLst>
+                        <p:cond delay="indefinite"/>
+                      </p:stCondLst>
+                      <p:childTnLst>
+                        <p:par>
+                          <p:cTn id="8" fill="hold">
+                            <p:stCondLst>
+                              <p:cond delay="0"/>
+                            </p:stCondLst>
+                            <p:childTnLst>
+                              <p:par>
+                                <p:cTn id="9" presetID="1" presetClass="entr" presetSubtype="0" fill="hold" nodeType="clickEffect">
+                                  <p:stCondLst>
+                                    <p:cond delay="0"/>
+                                  </p:stCondLst>
+                                  <p:childTnLst>
+                                    <p:set>
+                                      <p:cBhvr>
+                                        <p:cTn id="10" dur="1" fill="hold">
+                                          <p:stCondLst>
+                                            <p:cond delay="0"/>
+                                          </p:stCondLst>
+                                        </p:cTn>
+                                        <p:tgtEl>
+                                          <p:spTgt spid="21">
+                                            <p:txEl>
+                                              <p:pRg st="2" end="2"/>
+                                            </p:txEl>
+                                          </p:spTgt>
+                                        </p:tgtEl>
+                                        <p:attrNameLst>
+                                          <p:attrName>style.visibility</p:attrName>
+                                        </p:attrNameLst>
+                                      </p:cBhvr>
+                                      <p:to>
+                                        <p:strVal val="visible"/>
+                                      </p:to>
+                                    </p:set>
+                                  </p:childTnLst>
+                                </p:cTn>
+                              </p:par>
+                            </p:childTnLst>
+                          </p:cTn>
+                        </p:par>
+                      </p:childTnLst>
+                    </p:cTn>
+                  </p:par>
+                  <p:par>
+                    <p:cTn id="11" fill="hold">
+                      <p:stCondLst>
+                        <p:cond delay="indefinite"/>
+                      </p:stCondLst>
+                      <p:childTnLst>
+                        <p:par>
+                          <p:cTn id="12" fill="hold">
+                            <p:stCondLst>
+                              <p:cond delay="0"/>
+                            </p:stCondLst>
+                            <p:childTnLst>
+                              <p:par>
+                                <p:cTn id="13" presetID="1" presetClass="entr" presetSubtype="0" fill="hold" nodeType="clickEffect">
+                                  <p:stCondLst>
+                                    <p:cond delay="0"/>
+                                  </p:stCondLst>
+                                  <p:childTnLst>
+                                    <p:set>
+                                      <p:cBhvr>
+                                        <p:cTn id="14" dur="1" fill="hold">
+                                          <p:stCondLst>
+                                            <p:cond delay="0"/>
+                                          </p:stCondLst>
+                                        </p:cTn>
+                                        <p:tgtEl>
+                                          <p:spTgt spid="21">
+                                            <p:txEl>
+                                              <p:pRg st="3" end="3"/>
+                                            </p:txEl>
+                                          </p:spTgt>
+                                        </p:tgtEl>
+                                        <p:attrNameLst>
+                                          <p:attrName>style.visibility</p:attrName>
+                                        </p:attrNameLst>
+                                      </p:cBhvr>
+                                      <p:to>
+                                        <p:strVal val="visible"/>
+                                      </p:to>
+                                    </p:set>
+                                  </p:childTnLst>
+                                </p:cTn>
+                              </p:par>
+                            </p:childTnLst>
+                          </p:cTn>
+                        </p:par>
+                      </p:childTnLst>
+                    </p:cTn>
+                  </p:par>
+                  <p:par>
+                    <p:cTn id="15" fill="hold">
+                      <p:stCondLst>
+                        <p:cond delay="indefinite"/>
+                      </p:stCondLst>
+                      <p:childTnLst>
+                        <p:par>
+                          <p:cTn id="16" fill="hold">
+                            <p:stCondLst>
+                              <p:cond delay="0"/>
+                            </p:stCondLst>
+                            <p:childTnLst>
+                              <p:par>
+                                <p:cTn id="17" presetID="1" presetClass="entr" presetSubtype="0" fill="hold" nodeType="clickEffect">
+                                  <p:stCondLst>
+                                    <p:cond delay="0"/>
+                                  </p:stCondLst>
+                                  <p:childTnLst>
+                                    <p:set>
+                                      <p:cBhvr>
+                                        <p:cTn id="18" dur="1" fill="hold">
+                                          <p:stCondLst>
+                                            <p:cond delay="0"/>
+                                          </p:stCondLst>
+                                        </p:cTn>
+                                        <p:tgtEl>
+                                          <p:spTgt spid="21">
+                                            <p:txEl>
+                                              <p:pRg st="4" end="4"/>
+                                            </p:txEl>
+                                          </p:spTgt>
+                                        </p:tgtEl>
+                                        <p:attrNameLst>
+                                          <p:attrName>style.visibility</p:attrName>
+                                        </p:attrNameLst>
+                                      </p:cBhvr>
+                                      <p:to>
+                                        <p:strVal val="visible"/>
+                                      </p:to>
+                                    </p:set>
+                                  </p:childTnLst>
+                                </p:cTn>
+                              </p:par>
+                            </p:childTnLst>
+                          </p:cTn>
+                        </p:par>
+                      </p:childTnLst>
+                    </p:cTn>
+                  </p:par>
+                </p:childTnLst>
+              </p:cTn>
+              <p:prevCondLst>
+                <p:cond evt="onPrev" delay="0">
+                  <p:tgtEl>
+                    <p:sldTgt/>
+                  </p:tgtEl>
+                </p:cond>
+              </p:prevCondLst>
+              <p:nextCondLst>
+                <p:cond evt="onNext" delay="0">
+                  <p:tgtEl>
+                    <p:sldTgt/>
+                  </p:tgtEl>
+                </p:cond>
+              </p:nextCondLst>
+            </p:seq>
+          </p:childTnLst>
+        </p:cTn>
+      </p:par>
+    </p:tnLst>
+  </p:timing>
 </p:sld>
 </file>
 
@@ -22555,9 +23699,6 @@
                     <p:cTn id="3" fill="hold">
                       <p:stCondLst>
                         <p:cond delay="indefinite"/>
-                        <p:cond evt="onBegin" delay="0">
-                          <p:tn val="2"/>
-                        </p:cond>
                       </p:stCondLst>
                       <p:childTnLst>
                         <p:par>
@@ -22567,7 +23708,7 @@
                             </p:stCondLst>
                             <p:childTnLst>
                               <p:par>
-                                <p:cTn id="5" presetID="1" presetClass="entr" presetSubtype="0" fill="hold" nodeType="withEffect">
+                                <p:cTn id="5" presetID="1" presetClass="entr" presetSubtype="0" fill="hold" nodeType="clickEffect">
                                   <p:stCondLst>
                                     <p:cond delay="0"/>
                                   </p:stCondLst>
@@ -22582,7 +23723,7 @@
                                         <p:tgtEl>
                                           <p:spTgt spid="7">
                                             <p:txEl>
-                                              <p:pRg st="0" end="0"/>
+                                              <p:pRg st="1" end="1"/>
                                             </p:txEl>
                                           </p:spTgt>
                                         </p:tgtEl>
@@ -22597,35 +23738,26 @@
                                   </p:childTnLst>
                                 </p:cTn>
                               </p:par>
+                            </p:childTnLst>
+                          </p:cTn>
+                        </p:par>
+                      </p:childTnLst>
+                    </p:cTn>
+                  </p:par>
+                  <p:par>
+                    <p:cTn id="7" fill="hold">
+                      <p:stCondLst>
+                        <p:cond delay="indefinite"/>
+                      </p:stCondLst>
+                      <p:childTnLst>
+                        <p:par>
+                          <p:cTn id="8" fill="hold">
+                            <p:stCondLst>
+                              <p:cond delay="0"/>
+                            </p:stCondLst>
+                            <p:childTnLst>
                               <p:par>
-                                <p:cTn id="7" presetID="1" presetClass="entr" presetSubtype="0" fill="hold" nodeType="withEffect">
-                                  <p:stCondLst>
-                                    <p:cond delay="0"/>
-                                  </p:stCondLst>
-                                  <p:childTnLst>
-                                    <p:set>
-                                      <p:cBhvr>
-                                        <p:cTn id="8" dur="1" fill="hold">
-                                          <p:stCondLst>
-                                            <p:cond delay="0"/>
-                                          </p:stCondLst>
-                                        </p:cTn>
-                                        <p:tgtEl>
-                                          <p:spTgt spid="6"/>
-                                        </p:tgtEl>
-                                        <p:attrNameLst>
-                                          <p:attrName>style.visibility</p:attrName>
-                                        </p:attrNameLst>
-                                      </p:cBhvr>
-                                      <p:to>
-                                        <p:strVal val="visible"/>
-                                      </p:to>
-                                    </p:set>
-                                  </p:childTnLst>
-                                </p:cTn>
-                              </p:par>
-                              <p:par>
-                                <p:cTn id="9" presetID="1" presetClass="entr" presetSubtype="0" fill="hold" nodeType="withEffect">
+                                <p:cTn id="9" presetID="1" presetClass="entr" presetSubtype="0" fill="hold" nodeType="clickEffect">
                                   <p:stCondLst>
                                     <p:cond delay="0"/>
                                   </p:stCondLst>
@@ -22640,7 +23772,7 @@
                                         <p:tgtEl>
                                           <p:spTgt spid="7">
                                             <p:txEl>
-                                              <p:pRg st="1" end="1"/>
+                                              <p:pRg st="2" end="2"/>
                                             </p:txEl>
                                           </p:spTgt>
                                         </p:tgtEl>
@@ -22689,7 +23821,7 @@
                                         <p:tgtEl>
                                           <p:spTgt spid="7">
                                             <p:txEl>
-                                              <p:pRg st="2" end="2"/>
+                                              <p:pRg st="3" end="3"/>
                                             </p:txEl>
                                           </p:spTgt>
                                         </p:tgtEl>
@@ -22738,37 +23870,6 @@
                                         <p:tgtEl>
                                           <p:spTgt spid="7">
                                             <p:txEl>
-                                              <p:pRg st="3" end="3"/>
-                                            </p:txEl>
-                                          </p:spTgt>
-                                        </p:tgtEl>
-                                        <p:attrNameLst>
-                                          <p:attrName>style.visibility</p:attrName>
-                                        </p:attrNameLst>
-                                      </p:cBhvr>
-                                      <p:to>
-                                        <p:strVal val="visible"/>
-                                      </p:to>
-                                    </p:set>
-                                  </p:childTnLst>
-                                </p:cTn>
-                              </p:par>
-                              <p:par>
-                                <p:cTn id="19" presetID="1" presetClass="entr" presetSubtype="0" fill="hold" nodeType="withEffect">
-                                  <p:stCondLst>
-                                    <p:cond delay="0"/>
-                                  </p:stCondLst>
-                                  <p:childTnLst>
-                                    <p:set>
-                                      <p:cBhvr>
-                                        <p:cTn id="20" dur="1" fill="hold">
-                                          <p:stCondLst>
-                                            <p:cond delay="0"/>
-                                          </p:stCondLst>
-                                        </p:cTn>
-                                        <p:tgtEl>
-                                          <p:spTgt spid="7">
-                                            <p:txEl>
                                               <p:pRg st="4" end="4"/>
                                             </p:txEl>
                                           </p:spTgt>
@@ -22791,26 +23892,26 @@
                     </p:cTn>
                   </p:par>
                   <p:par>
-                    <p:cTn id="21" fill="hold">
+                    <p:cTn id="19" fill="hold">
                       <p:stCondLst>
                         <p:cond delay="indefinite"/>
                       </p:stCondLst>
                       <p:childTnLst>
                         <p:par>
-                          <p:cTn id="22" fill="hold">
+                          <p:cTn id="20" fill="hold">
                             <p:stCondLst>
                               <p:cond delay="0"/>
                             </p:stCondLst>
                             <p:childTnLst>
                               <p:par>
-                                <p:cTn id="23" presetID="1" presetClass="entr" presetSubtype="0" fill="hold" nodeType="clickEffect">
+                                <p:cTn id="21" presetID="1" presetClass="entr" presetSubtype="0" fill="hold" nodeType="clickEffect">
                                   <p:stCondLst>
                                     <p:cond delay="0"/>
                                   </p:stCondLst>
                                   <p:childTnLst>
                                     <p:set>
                                       <p:cBhvr>
-                                        <p:cTn id="24" dur="1" fill="hold">
+                                        <p:cTn id="22" dur="1" fill="hold">
                                           <p:stCondLst>
                                             <p:cond delay="0"/>
                                           </p:stCondLst>
@@ -23168,9 +24269,6 @@
                     <p:cTn id="3" fill="hold">
                       <p:stCondLst>
                         <p:cond delay="indefinite"/>
-                        <p:cond evt="onBegin" delay="0">
-                          <p:tn val="2"/>
-                        </p:cond>
                       </p:stCondLst>
                       <p:childTnLst>
                         <p:par>
@@ -23180,7 +24278,7 @@
                             </p:stCondLst>
                             <p:childTnLst>
                               <p:par>
-                                <p:cTn id="5" presetID="1" presetClass="entr" presetSubtype="0" fill="hold" nodeType="withEffect">
+                                <p:cTn id="5" presetID="1" presetClass="entr" presetSubtype="0" fill="hold" nodeType="clickEffect">
                                   <p:stCondLst>
                                     <p:cond delay="0"/>
                                   </p:stCondLst>
@@ -23188,37 +24286,6 @@
                                     <p:set>
                                       <p:cBhvr>
                                         <p:cTn id="6" dur="1" fill="hold">
-                                          <p:stCondLst>
-                                            <p:cond delay="0"/>
-                                          </p:stCondLst>
-                                        </p:cTn>
-                                        <p:tgtEl>
-                                          <p:spTgt spid="7">
-                                            <p:txEl>
-                                              <p:pRg st="0" end="0"/>
-                                            </p:txEl>
-                                          </p:spTgt>
-                                        </p:tgtEl>
-                                        <p:attrNameLst>
-                                          <p:attrName>style.visibility</p:attrName>
-                                        </p:attrNameLst>
-                                      </p:cBhvr>
-                                      <p:to>
-                                        <p:strVal val="visible"/>
-                                      </p:to>
-                                    </p:set>
-                                  </p:childTnLst>
-                                </p:cTn>
-                              </p:par>
-                              <p:par>
-                                <p:cTn id="7" presetID="1" presetClass="entr" presetSubtype="0" fill="hold" nodeType="withEffect">
-                                  <p:stCondLst>
-                                    <p:cond delay="0"/>
-                                  </p:stCondLst>
-                                  <p:childTnLst>
-                                    <p:set>
-                                      <p:cBhvr>
-                                        <p:cTn id="8" dur="1" fill="hold">
                                           <p:stCondLst>
                                             <p:cond delay="0"/>
                                           </p:stCondLst>
@@ -23248,26 +24315,26 @@
                     </p:cTn>
                   </p:par>
                   <p:par>
-                    <p:cTn id="9" fill="hold">
+                    <p:cTn id="7" fill="hold">
                       <p:stCondLst>
                         <p:cond delay="indefinite"/>
                       </p:stCondLst>
                       <p:childTnLst>
                         <p:par>
-                          <p:cTn id="10" fill="hold">
+                          <p:cTn id="8" fill="hold">
                             <p:stCondLst>
                               <p:cond delay="0"/>
                             </p:stCondLst>
                             <p:childTnLst>
                               <p:par>
-                                <p:cTn id="11" presetID="1" presetClass="entr" presetSubtype="0" fill="hold" nodeType="clickEffect">
+                                <p:cTn id="9" presetID="1" presetClass="entr" presetSubtype="0" fill="hold" nodeType="clickEffect">
                                   <p:stCondLst>
                                     <p:cond delay="0"/>
                                   </p:stCondLst>
                                   <p:childTnLst>
                                     <p:set>
                                       <p:cBhvr>
-                                        <p:cTn id="12" dur="1" fill="hold">
+                                        <p:cTn id="10" dur="1" fill="hold">
                                           <p:stCondLst>
                                             <p:cond delay="0"/>
                                           </p:stCondLst>
@@ -23297,26 +24364,26 @@
                     </p:cTn>
                   </p:par>
                   <p:par>
-                    <p:cTn id="13" fill="hold">
+                    <p:cTn id="11" fill="hold">
                       <p:stCondLst>
                         <p:cond delay="indefinite"/>
                       </p:stCondLst>
                       <p:childTnLst>
                         <p:par>
-                          <p:cTn id="14" fill="hold">
+                          <p:cTn id="12" fill="hold">
                             <p:stCondLst>
                               <p:cond delay="0"/>
                             </p:stCondLst>
                             <p:childTnLst>
                               <p:par>
-                                <p:cTn id="15" presetID="1" presetClass="entr" presetSubtype="0" fill="hold" nodeType="clickEffect">
+                                <p:cTn id="13" presetID="1" presetClass="entr" presetSubtype="0" fill="hold" nodeType="clickEffect">
                                   <p:stCondLst>
                                     <p:cond delay="0"/>
                                   </p:stCondLst>
                                   <p:childTnLst>
                                     <p:set>
                                       <p:cBhvr>
-                                        <p:cTn id="16" dur="1" fill="hold">
+                                        <p:cTn id="14" dur="1" fill="hold">
                                           <p:stCondLst>
                                             <p:cond delay="0"/>
                                           </p:stCondLst>
@@ -23339,8 +24406,26 @@
                                   </p:childTnLst>
                                 </p:cTn>
                               </p:par>
+                            </p:childTnLst>
+                          </p:cTn>
+                        </p:par>
+                      </p:childTnLst>
+                    </p:cTn>
+                  </p:par>
+                  <p:par>
+                    <p:cTn id="15" fill="hold">
+                      <p:stCondLst>
+                        <p:cond delay="indefinite"/>
+                      </p:stCondLst>
+                      <p:childTnLst>
+                        <p:par>
+                          <p:cTn id="16" fill="hold">
+                            <p:stCondLst>
+                              <p:cond delay="0"/>
+                            </p:stCondLst>
+                            <p:childTnLst>
                               <p:par>
-                                <p:cTn id="17" presetID="1" presetClass="entr" presetSubtype="0" fill="hold" nodeType="withEffect">
+                                <p:cTn id="17" presetID="1" presetClass="entr" presetSubtype="0" fill="hold" nodeType="clickEffect">
                                   <p:stCondLst>
                                     <p:cond delay="0"/>
                                   </p:stCondLst>
@@ -23419,15 +24504,33 @@
                                   </p:childTnLst>
                                 </p:cTn>
                               </p:par>
+                            </p:childTnLst>
+                          </p:cTn>
+                        </p:par>
+                      </p:childTnLst>
+                    </p:cTn>
+                  </p:par>
+                  <p:par>
+                    <p:cTn id="23" fill="hold">
+                      <p:stCondLst>
+                        <p:cond delay="indefinite"/>
+                      </p:stCondLst>
+                      <p:childTnLst>
+                        <p:par>
+                          <p:cTn id="24" fill="hold">
+                            <p:stCondLst>
+                              <p:cond delay="0"/>
+                            </p:stCondLst>
+                            <p:childTnLst>
                               <p:par>
-                                <p:cTn id="23" presetID="1" presetClass="entr" presetSubtype="0" fill="hold" nodeType="withEffect">
+                                <p:cTn id="25" presetID="1" presetClass="entr" presetSubtype="0" fill="hold" nodeType="clickEffect">
                                   <p:stCondLst>
                                     <p:cond delay="0"/>
                                   </p:stCondLst>
                                   <p:childTnLst>
                                     <p:set>
                                       <p:cBhvr>
-                                        <p:cTn id="24" dur="1" fill="hold">
+                                        <p:cTn id="26" dur="1" fill="hold">
                                           <p:stCondLst>
                                             <p:cond delay="0"/>
                                           </p:stCondLst>
@@ -23457,26 +24560,26 @@
                     </p:cTn>
                   </p:par>
                   <p:par>
-                    <p:cTn id="25" fill="hold">
+                    <p:cTn id="27" fill="hold">
                       <p:stCondLst>
                         <p:cond delay="indefinite"/>
                       </p:stCondLst>
                       <p:childTnLst>
                         <p:par>
-                          <p:cTn id="26" fill="hold">
+                          <p:cTn id="28" fill="hold">
                             <p:stCondLst>
                               <p:cond delay="0"/>
                             </p:stCondLst>
                             <p:childTnLst>
                               <p:par>
-                                <p:cTn id="27" presetID="1" presetClass="entr" presetSubtype="0" fill="hold" nodeType="clickEffect">
+                                <p:cTn id="29" presetID="1" presetClass="entr" presetSubtype="0" fill="hold" nodeType="clickEffect">
                                   <p:stCondLst>
                                     <p:cond delay="0"/>
                                   </p:stCondLst>
                                   <p:childTnLst>
                                     <p:set>
                                       <p:cBhvr>
-                                        <p:cTn id="28" dur="1" fill="hold">
+                                        <p:cTn id="30" dur="1" fill="hold">
                                           <p:stCondLst>
                                             <p:cond delay="0"/>
                                           </p:stCondLst>
@@ -23782,9 +24885,6 @@
                     <p:cTn id="3" fill="hold">
                       <p:stCondLst>
                         <p:cond delay="indefinite"/>
-                        <p:cond evt="onBegin" delay="0">
-                          <p:tn val="2"/>
-                        </p:cond>
                       </p:stCondLst>
                       <p:childTnLst>
                         <p:par>
@@ -23794,7 +24894,7 @@
                             </p:stCondLst>
                             <p:childTnLst>
                               <p:par>
-                                <p:cTn id="5" presetID="1" presetClass="entr" presetSubtype="0" fill="hold" nodeType="withEffect">
+                                <p:cTn id="5" presetID="1" presetClass="entr" presetSubtype="0" fill="hold" nodeType="clickEffect">
                                   <p:stCondLst>
                                     <p:cond delay="0"/>
                                   </p:stCondLst>
@@ -23802,37 +24902,6 @@
                                     <p:set>
                                       <p:cBhvr>
                                         <p:cTn id="6" dur="1" fill="hold">
-                                          <p:stCondLst>
-                                            <p:cond delay="0"/>
-                                          </p:stCondLst>
-                                        </p:cTn>
-                                        <p:tgtEl>
-                                          <p:spTgt spid="7">
-                                            <p:txEl>
-                                              <p:pRg st="0" end="0"/>
-                                            </p:txEl>
-                                          </p:spTgt>
-                                        </p:tgtEl>
-                                        <p:attrNameLst>
-                                          <p:attrName>style.visibility</p:attrName>
-                                        </p:attrNameLst>
-                                      </p:cBhvr>
-                                      <p:to>
-                                        <p:strVal val="visible"/>
-                                      </p:to>
-                                    </p:set>
-                                  </p:childTnLst>
-                                </p:cTn>
-                              </p:par>
-                              <p:par>
-                                <p:cTn id="7" presetID="1" presetClass="entr" presetSubtype="0" fill="hold" nodeType="withEffect">
-                                  <p:stCondLst>
-                                    <p:cond delay="0"/>
-                                  </p:stCondLst>
-                                  <p:childTnLst>
-                                    <p:set>
-                                      <p:cBhvr>
-                                        <p:cTn id="8" dur="1" fill="hold">
                                           <p:stCondLst>
                                             <p:cond delay="0"/>
                                           </p:stCondLst>
@@ -23862,26 +24931,26 @@
                     </p:cTn>
                   </p:par>
                   <p:par>
-                    <p:cTn id="9" fill="hold">
+                    <p:cTn id="7" fill="hold">
                       <p:stCondLst>
                         <p:cond delay="indefinite"/>
                       </p:stCondLst>
                       <p:childTnLst>
                         <p:par>
-                          <p:cTn id="10" fill="hold">
+                          <p:cTn id="8" fill="hold">
                             <p:stCondLst>
                               <p:cond delay="0"/>
                             </p:stCondLst>
                             <p:childTnLst>
                               <p:par>
-                                <p:cTn id="11" presetID="1" presetClass="entr" presetSubtype="0" fill="hold" nodeType="clickEffect">
+                                <p:cTn id="9" presetID="1" presetClass="entr" presetSubtype="0" fill="hold" nodeType="clickEffect">
                                   <p:stCondLst>
                                     <p:cond delay="0"/>
                                   </p:stCondLst>
                                   <p:childTnLst>
                                     <p:set>
                                       <p:cBhvr>
-                                        <p:cTn id="12" dur="1" fill="hold">
+                                        <p:cTn id="10" dur="1" fill="hold">
                                           <p:stCondLst>
                                             <p:cond delay="0"/>
                                           </p:stCondLst>
@@ -23911,26 +24980,26 @@
                     </p:cTn>
                   </p:par>
                   <p:par>
-                    <p:cTn id="13" fill="hold">
+                    <p:cTn id="11" fill="hold">
                       <p:stCondLst>
                         <p:cond delay="indefinite"/>
                       </p:stCondLst>
                       <p:childTnLst>
                         <p:par>
-                          <p:cTn id="14" fill="hold">
+                          <p:cTn id="12" fill="hold">
                             <p:stCondLst>
                               <p:cond delay="0"/>
                             </p:stCondLst>
                             <p:childTnLst>
                               <p:par>
-                                <p:cTn id="15" presetID="1" presetClass="entr" presetSubtype="0" fill="hold" nodeType="clickEffect">
+                                <p:cTn id="13" presetID="1" presetClass="entr" presetSubtype="0" fill="hold" nodeType="clickEffect">
                                   <p:stCondLst>
                                     <p:cond delay="0"/>
                                   </p:stCondLst>
                                   <p:childTnLst>
                                     <p:set>
                                       <p:cBhvr>
-                                        <p:cTn id="16" dur="1" fill="hold">
+                                        <p:cTn id="14" dur="1" fill="hold">
                                           <p:stCondLst>
                                             <p:cond delay="0"/>
                                           </p:stCondLst>
@@ -23953,8 +25022,26 @@
                                   </p:childTnLst>
                                 </p:cTn>
                               </p:par>
+                            </p:childTnLst>
+                          </p:cTn>
+                        </p:par>
+                      </p:childTnLst>
+                    </p:cTn>
+                  </p:par>
+                  <p:par>
+                    <p:cTn id="15" fill="hold">
+                      <p:stCondLst>
+                        <p:cond delay="indefinite"/>
+                      </p:stCondLst>
+                      <p:childTnLst>
+                        <p:par>
+                          <p:cTn id="16" fill="hold">
+                            <p:stCondLst>
+                              <p:cond delay="0"/>
+                            </p:stCondLst>
+                            <p:childTnLst>
                               <p:par>
-                                <p:cTn id="17" presetID="1" presetClass="entr" presetSubtype="0" fill="hold" nodeType="withEffect">
+                                <p:cTn id="17" presetID="1" presetClass="entr" presetSubtype="0" fill="hold" nodeType="clickEffect">
                                   <p:stCondLst>
                                     <p:cond delay="0"/>
                                   </p:stCondLst>
@@ -24272,9 +25359,6 @@
                     <p:cTn id="3" fill="hold">
                       <p:stCondLst>
                         <p:cond delay="indefinite"/>
-                        <p:cond evt="onBegin" delay="0">
-                          <p:tn val="2"/>
-                        </p:cond>
                       </p:stCondLst>
                       <p:childTnLst>
                         <p:par>
@@ -24284,7 +25368,7 @@
                             </p:stCondLst>
                             <p:childTnLst>
                               <p:par>
-                                <p:cTn id="5" presetID="1" presetClass="entr" presetSubtype="0" fill="hold" nodeType="withEffect">
+                                <p:cTn id="5" presetID="1" presetClass="entr" presetSubtype="0" fill="hold" nodeType="clickEffect">
                                   <p:stCondLst>
                                     <p:cond delay="0"/>
                                   </p:stCondLst>
@@ -24292,37 +25376,6 @@
                                     <p:set>
                                       <p:cBhvr>
                                         <p:cTn id="6" dur="1" fill="hold">
-                                          <p:stCondLst>
-                                            <p:cond delay="0"/>
-                                          </p:stCondLst>
-                                        </p:cTn>
-                                        <p:tgtEl>
-                                          <p:spTgt spid="7">
-                                            <p:txEl>
-                                              <p:pRg st="0" end="0"/>
-                                            </p:txEl>
-                                          </p:spTgt>
-                                        </p:tgtEl>
-                                        <p:attrNameLst>
-                                          <p:attrName>style.visibility</p:attrName>
-                                        </p:attrNameLst>
-                                      </p:cBhvr>
-                                      <p:to>
-                                        <p:strVal val="visible"/>
-                                      </p:to>
-                                    </p:set>
-                                  </p:childTnLst>
-                                </p:cTn>
-                              </p:par>
-                              <p:par>
-                                <p:cTn id="7" presetID="1" presetClass="entr" presetSubtype="0" fill="hold" nodeType="withEffect">
-                                  <p:stCondLst>
-                                    <p:cond delay="0"/>
-                                  </p:stCondLst>
-                                  <p:childTnLst>
-                                    <p:set>
-                                      <p:cBhvr>
-                                        <p:cTn id="8" dur="1" fill="hold">
                                           <p:stCondLst>
                                             <p:cond delay="0"/>
                                           </p:stCondLst>
@@ -24352,26 +25405,26 @@
                     </p:cTn>
                   </p:par>
                   <p:par>
-                    <p:cTn id="9" fill="hold">
+                    <p:cTn id="7" fill="hold">
                       <p:stCondLst>
                         <p:cond delay="indefinite"/>
                       </p:stCondLst>
                       <p:childTnLst>
                         <p:par>
-                          <p:cTn id="10" fill="hold">
+                          <p:cTn id="8" fill="hold">
                             <p:stCondLst>
                               <p:cond delay="0"/>
                             </p:stCondLst>
                             <p:childTnLst>
                               <p:par>
-                                <p:cTn id="11" presetID="1" presetClass="entr" presetSubtype="0" fill="hold" nodeType="clickEffect">
+                                <p:cTn id="9" presetID="1" presetClass="entr" presetSubtype="0" fill="hold" nodeType="clickEffect">
                                   <p:stCondLst>
                                     <p:cond delay="0"/>
                                   </p:stCondLst>
                                   <p:childTnLst>
                                     <p:set>
                                       <p:cBhvr>
-                                        <p:cTn id="12" dur="1" fill="hold">
+                                        <p:cTn id="10" dur="1" fill="hold">
                                           <p:stCondLst>
                                             <p:cond delay="0"/>
                                           </p:stCondLst>

--- a/Courses/Software-Sciences/Module-4-Information-Systems-New/09-Lifecycle-of-Information-System/09-Lifecycle-of-Information-System.pptx
+++ b/Courses/Software-Sciences/Module-4-Information-Systems-New/09-Lifecycle-of-Information-System/09-Lifecycle-of-Information-System.pptx
@@ -313,7 +313,7 @@
           <a:p>
             <a:fld id="{4E087215-0C8F-4762-A664-737A353EC9A4}" type="datetimeFigureOut">
               <a:rPr lang="bg-BG" smtClean="0"/>
-              <a:t>6.09.24 г.</a:t>
+              <a:t>17.09.24 г.</a:t>
             </a:fld>
             <a:endParaRPr lang="bg-BG"/>
           </a:p>
@@ -509,7 +509,7 @@
           <a:p>
             <a:fld id="{72D84649-876A-46C9-8472-14CB09C070D8}" type="datetimeFigureOut">
               <a:rPr lang="en-US" smtClean="0"/>
-              <a:t>9/6/24</a:t>
+              <a:t>9/17/24</a:t>
             </a:fld>
             <a:endParaRPr lang="en-US"/>
           </a:p>
@@ -8096,7 +8096,7 @@
         <p:spPr>
           <a:xfrm>
             <a:off x="642407" y="3070787"/>
-            <a:ext cx="1757160" cy="819755"/>
+            <a:ext cx="1757160" cy="819754"/>
           </a:xfrm>
           <a:prstGeom prst="rect">
             <a:avLst/>
@@ -13173,8 +13173,16 @@
           </a:p>
           <a:p>
             <a:r>
+              <a:rPr lang="en-US" sz="3400" dirty="0"/>
+              <a:t>​​</a:t>
+            </a:r>
+            <a:r>
+              <a:rPr lang="bg-BG" sz="3400" b="1" dirty="0"/>
+              <a:t>Примерно приложение</a:t>
+            </a:r>
+            <a:r>
               <a:rPr lang="bg-BG" sz="3400" dirty="0"/>
-              <a:t>Примерно приложение: Здравна информационна система</a:t>
+              <a:t>: Здравна информационна система</a:t>
             </a:r>
             <a:endParaRPr lang="en-US" sz="3400" b="1" dirty="0"/>
           </a:p>

--- a/Courses/Software-Sciences/Module-4-Information-Systems-New/09-Lifecycle-of-Information-System/09-Lifecycle-of-Information-System.pptx
+++ b/Courses/Software-Sciences/Module-4-Information-Systems-New/09-Lifecycle-of-Information-System/09-Lifecycle-of-Information-System.pptx
@@ -5,10 +5,10 @@
     <p:sldMasterId id="2147483675" r:id="rId1"/>
   </p:sldMasterIdLst>
   <p:notesMasterIdLst>
-    <p:notesMasterId r:id="rId32"/>
+    <p:notesMasterId r:id="rId33"/>
   </p:notesMasterIdLst>
   <p:handoutMasterIdLst>
-    <p:handoutMasterId r:id="rId33"/>
+    <p:handoutMasterId r:id="rId34"/>
   </p:handoutMasterIdLst>
   <p:sldIdLst>
     <p:sldId id="503" r:id="rId2"/>
@@ -36,11 +36,12 @@
     <p:sldId id="786" r:id="rId24"/>
     <p:sldId id="768" r:id="rId25"/>
     <p:sldId id="785" r:id="rId26"/>
-    <p:sldId id="776" r:id="rId27"/>
-    <p:sldId id="784" r:id="rId28"/>
-    <p:sldId id="633" r:id="rId29"/>
-    <p:sldId id="504" r:id="rId30"/>
-    <p:sldId id="505" r:id="rId31"/>
+    <p:sldId id="787" r:id="rId27"/>
+    <p:sldId id="776" r:id="rId28"/>
+    <p:sldId id="784" r:id="rId29"/>
+    <p:sldId id="633" r:id="rId30"/>
+    <p:sldId id="504" r:id="rId31"/>
+    <p:sldId id="505" r:id="rId32"/>
   </p:sldIdLst>
   <p:sldSz cx="12192000" cy="6858000"/>
   <p:notesSz cx="6858000" cy="9144000"/>
@@ -185,6 +186,7 @@
             <p14:sldId id="786"/>
             <p14:sldId id="768"/>
             <p14:sldId id="785"/>
+            <p14:sldId id="787"/>
             <p14:sldId id="776"/>
             <p14:sldId id="784"/>
           </p14:sldIdLst>
@@ -217,6 +219,88 @@
     </p:ext>
   </p:extLst>
 </p:presentation>
+</file>
+
+<file path=ppt/commentAuthors.xml><?xml version="1.0" encoding="utf-8"?>
+<p:cmAuthorLst xmlns:a="http://schemas.openxmlformats.org/drawingml/2006/main" xmlns:r="http://schemas.openxmlformats.org/officeDocument/2006/relationships" xmlns:p="http://schemas.openxmlformats.org/presentationml/2006/main">
+  <p:cmAuthor id="1" name="Mirela Damyanova" initials="MD" lastIdx="5" clrIdx="0">
+    <p:extLst>
+      <p:ext uri="{19B8F6BF-5375-455C-9EA6-DF929625EA0E}">
+        <p15:presenceInfo xmlns:p15="http://schemas.microsoft.com/office/powerpoint/2012/main" userId="Mirela Damyanova" providerId="None"/>
+      </p:ext>
+    </p:extLst>
+  </p:cmAuthor>
+</p:cmAuthorLst>
+</file>
+
+<file path=ppt/comments/comment1.xml><?xml version="1.0" encoding="utf-8"?>
+<p:cmLst xmlns:a="http://schemas.openxmlformats.org/drawingml/2006/main" xmlns:r="http://schemas.openxmlformats.org/officeDocument/2006/relationships" xmlns:p="http://schemas.openxmlformats.org/presentationml/2006/main">
+  <p:cm authorId="1" dt="2024-09-18T10:27:50.452" idx="2">
+    <p:pos x="10" y="10"/>
+    <p:text>Ще се смени с друга форма от проекта</p:text>
+    <p:extLst>
+      <p:ext uri="{C676402C-5697-4E1C-873F-D02D1690AC5C}">
+        <p15:threadingInfo xmlns:p15="http://schemas.microsoft.com/office/powerpoint/2012/main" timeZoneBias="-180"/>
+      </p:ext>
+    </p:extLst>
+  </p:cm>
+</p:cmLst>
+</file>
+
+<file path=ppt/comments/comment2.xml><?xml version="1.0" encoding="utf-8"?>
+<p:cmLst xmlns:a="http://schemas.openxmlformats.org/drawingml/2006/main" xmlns:r="http://schemas.openxmlformats.org/officeDocument/2006/relationships" xmlns:p="http://schemas.openxmlformats.org/presentationml/2006/main">
+  <p:cm authorId="1" dt="2024-09-18T10:28:22.172" idx="3">
+    <p:pos x="10" y="10"/>
+    <p:text>Ще се добави и форма за потребители при Админ</p:text>
+    <p:extLst>
+      <p:ext uri="{C676402C-5697-4E1C-873F-D02D1690AC5C}">
+        <p15:threadingInfo xmlns:p15="http://schemas.microsoft.com/office/powerpoint/2012/main" timeZoneBias="-180"/>
+      </p:ext>
+    </p:extLst>
+  </p:cm>
+</p:cmLst>
+</file>
+
+<file path=ppt/comments/comment3.xml><?xml version="1.0" encoding="utf-8"?>
+<p:cmLst xmlns:a="http://schemas.openxmlformats.org/drawingml/2006/main" xmlns:r="http://schemas.openxmlformats.org/officeDocument/2006/relationships" xmlns:p="http://schemas.openxmlformats.org/presentationml/2006/main">
+  <p:cm authorId="1" dt="2024-09-18T10:27:11.526" idx="1">
+    <p:pos x="10" y="10"/>
+    <p:text>Бутон за изтриване на админ</p:text>
+    <p:extLst>
+      <p:ext uri="{C676402C-5697-4E1C-873F-D02D1690AC5C}">
+        <p15:threadingInfo xmlns:p15="http://schemas.microsoft.com/office/powerpoint/2012/main" timeZoneBias="-180"/>
+      </p:ext>
+    </p:extLst>
+  </p:cm>
+</p:cmLst>
+</file>
+
+<file path=ppt/comments/comment4.xml><?xml version="1.0" encoding="utf-8"?>
+<p:cmLst xmlns:a="http://schemas.openxmlformats.org/drawingml/2006/main" xmlns:r="http://schemas.openxmlformats.org/officeDocument/2006/relationships" xmlns:p="http://schemas.openxmlformats.org/presentationml/2006/main">
+  <p:cm authorId="1" dt="2024-09-18T10:30:17.617" idx="4">
+    <p:pos x="10" y="10"/>
+    <p:text>Таблица с потребители</p:text>
+    <p:extLst>
+      <p:ext uri="{C676402C-5697-4E1C-873F-D02D1690AC5C}">
+        <p15:threadingInfo xmlns:p15="http://schemas.microsoft.com/office/powerpoint/2012/main" timeZoneBias="-180"/>
+      </p:ext>
+    </p:extLst>
+  </p:cm>
+</p:cmLst>
+</file>
+
+<file path=ppt/comments/comment5.xml><?xml version="1.0" encoding="utf-8"?>
+<p:cmLst xmlns:a="http://schemas.openxmlformats.org/drawingml/2006/main" xmlns:r="http://schemas.openxmlformats.org/officeDocument/2006/relationships" xmlns:p="http://schemas.openxmlformats.org/presentationml/2006/main">
+  <p:cm authorId="1" dt="2024-09-18T10:41:51.625" idx="5">
+    <p:pos x="10" y="10"/>
+    <p:text>Админът ще може ли да променя потребителско име и парола на админите</p:text>
+    <p:extLst>
+      <p:ext uri="{C676402C-5697-4E1C-873F-D02D1690AC5C}">
+        <p15:threadingInfo xmlns:p15="http://schemas.microsoft.com/office/powerpoint/2012/main" timeZoneBias="-180"/>
+      </p:ext>
+    </p:extLst>
+  </p:cm>
+</p:cmLst>
 </file>
 
 <file path=ppt/handoutMasters/handoutMaster1.xml><?xml version="1.0" encoding="utf-8"?>
@@ -313,7 +397,7 @@
           <a:p>
             <a:fld id="{4E087215-0C8F-4762-A664-737A353EC9A4}" type="datetimeFigureOut">
               <a:rPr lang="bg-BG" smtClean="0"/>
-              <a:t>17.09.24 г.</a:t>
+              <a:t>21.09.24 г.</a:t>
             </a:fld>
             <a:endParaRPr lang="bg-BG"/>
           </a:p>
@@ -509,7 +593,7 @@
           <a:p>
             <a:fld id="{72D84649-876A-46C9-8472-14CB09C070D8}" type="datetimeFigureOut">
               <a:rPr lang="en-US" smtClean="0"/>
-              <a:t>9/17/24</a:t>
+              <a:t>9/21/24</a:t>
             </a:fld>
             <a:endParaRPr lang="en-US"/>
           </a:p>
@@ -937,6 +1021,833 @@
 </p:notes>
 </file>
 
+<file path=ppt/notesSlides/notesSlide10.xml><?xml version="1.0" encoding="utf-8"?>
+<p:notes xmlns:a="http://schemas.openxmlformats.org/drawingml/2006/main" xmlns:r="http://schemas.openxmlformats.org/officeDocument/2006/relationships" xmlns:p="http://schemas.openxmlformats.org/presentationml/2006/main">
+  <p:cSld>
+    <p:spTree>
+      <p:nvGrpSpPr>
+        <p:cNvPr id="1" name=""/>
+        <p:cNvGrpSpPr/>
+        <p:nvPr/>
+      </p:nvGrpSpPr>
+      <p:grpSpPr>
+        <a:xfrm>
+          <a:off x="0" y="0"/>
+          <a:ext cx="0" cy="0"/>
+          <a:chOff x="0" y="0"/>
+          <a:chExt cx="0" cy="0"/>
+        </a:xfrm>
+      </p:grpSpPr>
+      <p:sp>
+        <p:nvSpPr>
+          <p:cNvPr id="2" name="Slide Image Placeholder 1"/>
+          <p:cNvSpPr>
+            <a:spLocks noGrp="1" noRot="1" noChangeAspect="1"/>
+          </p:cNvSpPr>
+          <p:nvPr>
+            <p:ph type="sldImg"/>
+          </p:nvPr>
+        </p:nvSpPr>
+        <p:spPr/>
+      </p:sp>
+      <p:sp>
+        <p:nvSpPr>
+          <p:cNvPr id="3" name="Notes Placeholder 2"/>
+          <p:cNvSpPr>
+            <a:spLocks noGrp="1"/>
+          </p:cNvSpPr>
+          <p:nvPr>
+            <p:ph type="body" idx="1"/>
+          </p:nvPr>
+        </p:nvSpPr>
+        <p:spPr/>
+        <p:txBody>
+          <a:bodyPr/>
+          <a:lstStyle/>
+          <a:p>
+            <a:endParaRPr lang="en-BG" dirty="0"/>
+          </a:p>
+        </p:txBody>
+      </p:sp>
+      <p:sp>
+        <p:nvSpPr>
+          <p:cNvPr id="4" name="Slide Number Placeholder 3"/>
+          <p:cNvSpPr>
+            <a:spLocks noGrp="1"/>
+          </p:cNvSpPr>
+          <p:nvPr>
+            <p:ph type="sldNum" sz="quarter" idx="5"/>
+          </p:nvPr>
+        </p:nvSpPr>
+        <p:spPr/>
+        <p:txBody>
+          <a:bodyPr/>
+          <a:lstStyle/>
+          <a:p>
+            <a:fld id="{2BF067CD-8E6B-4360-9AA8-C5DF2A48A6D1}" type="slidenum">
+              <a:rPr lang="en-US" smtClean="0"/>
+              <a:t>26</a:t>
+            </a:fld>
+            <a:endParaRPr lang="en-US" dirty="0"/>
+          </a:p>
+        </p:txBody>
+      </p:sp>
+      <p:sp>
+        <p:nvSpPr>
+          <p:cNvPr id="5" name="Footer Placeholder 4"/>
+          <p:cNvSpPr>
+            <a:spLocks noGrp="1"/>
+          </p:cNvSpPr>
+          <p:nvPr>
+            <p:ph type="ftr" sz="quarter" idx="4"/>
+          </p:nvPr>
+        </p:nvSpPr>
+        <p:spPr/>
+        <p:txBody>
+          <a:bodyPr/>
+          <a:lstStyle/>
+          <a:p>
+            <a:r>
+              <a:rPr lang="bg-BG" sz="1100"/>
+              <a:t>Работна група </a:t>
+            </a:r>
+            <a:r>
+              <a:rPr lang="bg-BG"/>
+              <a:t>"Образование по програмиране и ИТ"</a:t>
+            </a:r>
+            <a:r>
+              <a:rPr lang="bg-BG" sz="1100"/>
+              <a:t>, с подкрепата на </a:t>
+            </a:r>
+            <a:r>
+              <a:rPr lang="en-US" sz="1100">
+                <a:hlinkClick r:id="rId3"/>
+              </a:rPr>
+              <a:t>SoftUni</a:t>
+            </a:r>
+            <a:endParaRPr lang="en-US" sz="1100" dirty="0"/>
+          </a:p>
+        </p:txBody>
+      </p:sp>
+    </p:spTree>
+    <p:extLst>
+      <p:ext uri="{BB962C8B-B14F-4D97-AF65-F5344CB8AC3E}">
+        <p14:creationId xmlns:p14="http://schemas.microsoft.com/office/powerpoint/2010/main" val="3592922299"/>
+      </p:ext>
+    </p:extLst>
+  </p:cSld>
+  <p:clrMapOvr>
+    <a:masterClrMapping/>
+  </p:clrMapOvr>
+</p:notes>
+</file>
+
+<file path=ppt/notesSlides/notesSlide11.xml><?xml version="1.0" encoding="utf-8"?>
+<p:notes xmlns:a="http://schemas.openxmlformats.org/drawingml/2006/main" xmlns:r="http://schemas.openxmlformats.org/officeDocument/2006/relationships" xmlns:p="http://schemas.openxmlformats.org/presentationml/2006/main">
+  <p:cSld>
+    <p:spTree>
+      <p:nvGrpSpPr>
+        <p:cNvPr id="1" name=""/>
+        <p:cNvGrpSpPr/>
+        <p:nvPr/>
+      </p:nvGrpSpPr>
+      <p:grpSpPr>
+        <a:xfrm>
+          <a:off x="0" y="0"/>
+          <a:ext cx="0" cy="0"/>
+          <a:chOff x="0" y="0"/>
+          <a:chExt cx="0" cy="0"/>
+        </a:xfrm>
+      </p:grpSpPr>
+      <p:sp>
+        <p:nvSpPr>
+          <p:cNvPr id="2" name="Slide Image Placeholder 1"/>
+          <p:cNvSpPr>
+            <a:spLocks noGrp="1" noRot="1" noChangeAspect="1"/>
+          </p:cNvSpPr>
+          <p:nvPr>
+            <p:ph type="sldImg"/>
+          </p:nvPr>
+        </p:nvSpPr>
+        <p:spPr/>
+      </p:sp>
+      <p:sp>
+        <p:nvSpPr>
+          <p:cNvPr id="3" name="Notes Placeholder 2"/>
+          <p:cNvSpPr>
+            <a:spLocks noGrp="1"/>
+          </p:cNvSpPr>
+          <p:nvPr>
+            <p:ph type="body" idx="1"/>
+          </p:nvPr>
+        </p:nvSpPr>
+        <p:spPr/>
+        <p:txBody>
+          <a:bodyPr/>
+          <a:lstStyle/>
+          <a:p>
+            <a:endParaRPr lang="en-US" dirty="0"/>
+          </a:p>
+        </p:txBody>
+      </p:sp>
+      <p:sp>
+        <p:nvSpPr>
+          <p:cNvPr id="7" name="Slide Number Placeholder 5">
+            <a:extLst>
+              <a:ext uri="{FF2B5EF4-FFF2-40B4-BE49-F238E27FC236}">
+                <a16:creationId xmlns:a16="http://schemas.microsoft.com/office/drawing/2014/main" id="{E65F1CA9-65DC-416B-8882-B3A5E415CE67}"/>
+              </a:ext>
+            </a:extLst>
+          </p:cNvPr>
+          <p:cNvSpPr txBox="1">
+            <a:spLocks/>
+          </p:cNvSpPr>
+          <p:nvPr/>
+        </p:nvSpPr>
+        <p:spPr>
+          <a:xfrm>
+            <a:off x="6488999" y="8847000"/>
+            <a:ext cx="367414" cy="297000"/>
+          </a:xfrm>
+          <a:prstGeom prst="rect">
+            <a:avLst/>
+          </a:prstGeom>
+        </p:spPr>
+        <p:txBody>
+          <a:bodyPr vert="horz" lIns="91440" tIns="45720" rIns="91440" bIns="45720" rtlCol="0" anchor="b"/>
+          <a:lstStyle>
+            <a:defPPr>
+              <a:defRPr lang="en-US"/>
+            </a:defPPr>
+            <a:lvl1pPr marL="0" algn="r" defTabSz="914400" rtl="0" eaLnBrk="1" latinLnBrk="0" hangingPunct="1">
+              <a:defRPr sz="1200" kern="1200">
+                <a:solidFill>
+                  <a:schemeClr val="tx1"/>
+                </a:solidFill>
+                <a:latin typeface="+mn-lt"/>
+                <a:ea typeface="+mn-ea"/>
+                <a:cs typeface="+mn-cs"/>
+              </a:defRPr>
+            </a:lvl1pPr>
+            <a:lvl2pPr marL="457200" algn="l" defTabSz="914400" rtl="0" eaLnBrk="1" latinLnBrk="0" hangingPunct="1">
+              <a:defRPr sz="1800" kern="1200">
+                <a:solidFill>
+                  <a:schemeClr val="tx1"/>
+                </a:solidFill>
+                <a:latin typeface="+mn-lt"/>
+                <a:ea typeface="+mn-ea"/>
+                <a:cs typeface="+mn-cs"/>
+              </a:defRPr>
+            </a:lvl2pPr>
+            <a:lvl3pPr marL="914400" algn="l" defTabSz="914400" rtl="0" eaLnBrk="1" latinLnBrk="0" hangingPunct="1">
+              <a:defRPr sz="1800" kern="1200">
+                <a:solidFill>
+                  <a:schemeClr val="tx1"/>
+                </a:solidFill>
+                <a:latin typeface="+mn-lt"/>
+                <a:ea typeface="+mn-ea"/>
+                <a:cs typeface="+mn-cs"/>
+              </a:defRPr>
+            </a:lvl3pPr>
+            <a:lvl4pPr marL="1371600" algn="l" defTabSz="914400" rtl="0" eaLnBrk="1" latinLnBrk="0" hangingPunct="1">
+              <a:defRPr sz="1800" kern="1200">
+                <a:solidFill>
+                  <a:schemeClr val="tx1"/>
+                </a:solidFill>
+                <a:latin typeface="+mn-lt"/>
+                <a:ea typeface="+mn-ea"/>
+                <a:cs typeface="+mn-cs"/>
+              </a:defRPr>
+            </a:lvl4pPr>
+            <a:lvl5pPr marL="1828800" algn="l" defTabSz="914400" rtl="0" eaLnBrk="1" latinLnBrk="0" hangingPunct="1">
+              <a:defRPr sz="1800" kern="1200">
+                <a:solidFill>
+                  <a:schemeClr val="tx1"/>
+                </a:solidFill>
+                <a:latin typeface="+mn-lt"/>
+                <a:ea typeface="+mn-ea"/>
+                <a:cs typeface="+mn-cs"/>
+              </a:defRPr>
+            </a:lvl5pPr>
+            <a:lvl6pPr marL="2286000" algn="l" defTabSz="914400" rtl="0" eaLnBrk="1" latinLnBrk="0" hangingPunct="1">
+              <a:defRPr sz="1800" kern="1200">
+                <a:solidFill>
+                  <a:schemeClr val="tx1"/>
+                </a:solidFill>
+                <a:latin typeface="+mn-lt"/>
+                <a:ea typeface="+mn-ea"/>
+                <a:cs typeface="+mn-cs"/>
+              </a:defRPr>
+            </a:lvl6pPr>
+            <a:lvl7pPr marL="2743200" algn="l" defTabSz="914400" rtl="0" eaLnBrk="1" latinLnBrk="0" hangingPunct="1">
+              <a:defRPr sz="1800" kern="1200">
+                <a:solidFill>
+                  <a:schemeClr val="tx1"/>
+                </a:solidFill>
+                <a:latin typeface="+mn-lt"/>
+                <a:ea typeface="+mn-ea"/>
+                <a:cs typeface="+mn-cs"/>
+              </a:defRPr>
+            </a:lvl7pPr>
+            <a:lvl8pPr marL="3200400" algn="l" defTabSz="914400" rtl="0" eaLnBrk="1" latinLnBrk="0" hangingPunct="1">
+              <a:defRPr sz="1800" kern="1200">
+                <a:solidFill>
+                  <a:schemeClr val="tx1"/>
+                </a:solidFill>
+                <a:latin typeface="+mn-lt"/>
+                <a:ea typeface="+mn-ea"/>
+                <a:cs typeface="+mn-cs"/>
+              </a:defRPr>
+            </a:lvl8pPr>
+            <a:lvl9pPr marL="3657600" algn="l" defTabSz="914400" rtl="0" eaLnBrk="1" latinLnBrk="0" hangingPunct="1">
+              <a:defRPr sz="1800" kern="1200">
+                <a:solidFill>
+                  <a:schemeClr val="tx1"/>
+                </a:solidFill>
+                <a:latin typeface="+mn-lt"/>
+                <a:ea typeface="+mn-ea"/>
+                <a:cs typeface="+mn-cs"/>
+              </a:defRPr>
+            </a:lvl9pPr>
+          </a:lstStyle>
+          <a:p>
+            <a:fld id="{3EBA5BD7-F043-4D1B-AA17-CD412FC534DE}" type="slidenum">
+              <a:rPr lang="en-US" smtClean="0"/>
+              <a:pPr/>
+              <a:t>29</a:t>
+            </a:fld>
+            <a:endParaRPr lang="en-US" dirty="0"/>
+          </a:p>
+        </p:txBody>
+      </p:sp>
+      <p:sp>
+        <p:nvSpPr>
+          <p:cNvPr id="5" name="Footer Placeholder 7">
+            <a:extLst>
+              <a:ext uri="{FF2B5EF4-FFF2-40B4-BE49-F238E27FC236}">
+                <a16:creationId xmlns:a16="http://schemas.microsoft.com/office/drawing/2014/main" id="{43FAF785-0C8D-730E-8E59-68198DC82CE0}"/>
+              </a:ext>
+            </a:extLst>
+          </p:cNvPr>
+          <p:cNvSpPr>
+            <a:spLocks noGrp="1"/>
+          </p:cNvSpPr>
+          <p:nvPr>
+            <p:ph type="ftr" sz="quarter" idx="4"/>
+          </p:nvPr>
+        </p:nvSpPr>
+        <p:spPr>
+          <a:xfrm>
+            <a:off x="-1" y="8892000"/>
+            <a:ext cx="6488999" cy="252000"/>
+          </a:xfrm>
+          <a:prstGeom prst="rect">
+            <a:avLst/>
+          </a:prstGeom>
+        </p:spPr>
+        <p:txBody>
+          <a:bodyPr vert="horz" lIns="91440" tIns="45720" rIns="91440" bIns="45720" rtlCol="0" anchor="b"/>
+          <a:lstStyle>
+            <a:lvl1pPr algn="l">
+              <a:defRPr sz="1100"/>
+            </a:lvl1pPr>
+          </a:lstStyle>
+          <a:p>
+            <a:r>
+              <a:rPr lang="bg-BG" sz="1100" dirty="0"/>
+              <a:t>Работна група </a:t>
+            </a:r>
+            <a:r>
+              <a:rPr lang="bg-BG" dirty="0"/>
+              <a:t>"Образование по програмиране и ИТ"</a:t>
+            </a:r>
+            <a:r>
+              <a:rPr lang="bg-BG" sz="1100" dirty="0"/>
+              <a:t>, с подкрепата на </a:t>
+            </a:r>
+            <a:r>
+              <a:rPr lang="en-US" sz="1100" dirty="0">
+                <a:hlinkClick r:id="rId3"/>
+              </a:rPr>
+              <a:t>SoftUni</a:t>
+            </a:r>
+            <a:endParaRPr lang="en-US" sz="1100" dirty="0"/>
+          </a:p>
+        </p:txBody>
+      </p:sp>
+    </p:spTree>
+    <p:extLst>
+      <p:ext uri="{BB962C8B-B14F-4D97-AF65-F5344CB8AC3E}">
+        <p14:creationId xmlns:p14="http://schemas.microsoft.com/office/powerpoint/2010/main" val="2689344733"/>
+      </p:ext>
+    </p:extLst>
+  </p:cSld>
+  <p:clrMapOvr>
+    <a:masterClrMapping/>
+  </p:clrMapOvr>
+</p:notes>
+</file>
+
+<file path=ppt/notesSlides/notesSlide12.xml><?xml version="1.0" encoding="utf-8"?>
+<p:notes xmlns:a="http://schemas.openxmlformats.org/drawingml/2006/main" xmlns:r="http://schemas.openxmlformats.org/officeDocument/2006/relationships" xmlns:p="http://schemas.openxmlformats.org/presentationml/2006/main">
+  <p:cSld>
+    <p:spTree>
+      <p:nvGrpSpPr>
+        <p:cNvPr id="1" name=""/>
+        <p:cNvGrpSpPr/>
+        <p:nvPr/>
+      </p:nvGrpSpPr>
+      <p:grpSpPr>
+        <a:xfrm>
+          <a:off x="0" y="0"/>
+          <a:ext cx="0" cy="0"/>
+          <a:chOff x="0" y="0"/>
+          <a:chExt cx="0" cy="0"/>
+        </a:xfrm>
+      </p:grpSpPr>
+      <p:sp>
+        <p:nvSpPr>
+          <p:cNvPr id="2" name="Slide Image Placeholder 1"/>
+          <p:cNvSpPr>
+            <a:spLocks noGrp="1" noRot="1" noChangeAspect="1"/>
+          </p:cNvSpPr>
+          <p:nvPr>
+            <p:ph type="sldImg"/>
+          </p:nvPr>
+        </p:nvSpPr>
+        <p:spPr/>
+      </p:sp>
+      <p:sp>
+        <p:nvSpPr>
+          <p:cNvPr id="3" name="Notes Placeholder 2"/>
+          <p:cNvSpPr>
+            <a:spLocks noGrp="1"/>
+          </p:cNvSpPr>
+          <p:nvPr>
+            <p:ph type="body" idx="1"/>
+          </p:nvPr>
+        </p:nvSpPr>
+        <p:spPr/>
+        <p:txBody>
+          <a:bodyPr/>
+          <a:lstStyle/>
+          <a:p>
+            <a:endParaRPr lang="en-US" dirty="0"/>
+          </a:p>
+        </p:txBody>
+      </p:sp>
+      <p:sp>
+        <p:nvSpPr>
+          <p:cNvPr id="7" name="Slide Number Placeholder 5">
+            <a:extLst>
+              <a:ext uri="{FF2B5EF4-FFF2-40B4-BE49-F238E27FC236}">
+                <a16:creationId xmlns:a16="http://schemas.microsoft.com/office/drawing/2014/main" id="{5049B984-F964-47FF-8179-0A3007CE21CD}"/>
+              </a:ext>
+            </a:extLst>
+          </p:cNvPr>
+          <p:cNvSpPr txBox="1">
+            <a:spLocks/>
+          </p:cNvSpPr>
+          <p:nvPr/>
+        </p:nvSpPr>
+        <p:spPr>
+          <a:xfrm>
+            <a:off x="6488999" y="8847000"/>
+            <a:ext cx="367414" cy="297000"/>
+          </a:xfrm>
+          <a:prstGeom prst="rect">
+            <a:avLst/>
+          </a:prstGeom>
+        </p:spPr>
+        <p:txBody>
+          <a:bodyPr vert="horz" lIns="91440" tIns="45720" rIns="91440" bIns="45720" rtlCol="0" anchor="b"/>
+          <a:lstStyle>
+            <a:defPPr>
+              <a:defRPr lang="en-US"/>
+            </a:defPPr>
+            <a:lvl1pPr marL="0" algn="r" defTabSz="914400" rtl="0" eaLnBrk="1" latinLnBrk="0" hangingPunct="1">
+              <a:defRPr sz="1200" kern="1200">
+                <a:solidFill>
+                  <a:schemeClr val="tx1"/>
+                </a:solidFill>
+                <a:latin typeface="+mn-lt"/>
+                <a:ea typeface="+mn-ea"/>
+                <a:cs typeface="+mn-cs"/>
+              </a:defRPr>
+            </a:lvl1pPr>
+            <a:lvl2pPr marL="457200" algn="l" defTabSz="914400" rtl="0" eaLnBrk="1" latinLnBrk="0" hangingPunct="1">
+              <a:defRPr sz="1800" kern="1200">
+                <a:solidFill>
+                  <a:schemeClr val="tx1"/>
+                </a:solidFill>
+                <a:latin typeface="+mn-lt"/>
+                <a:ea typeface="+mn-ea"/>
+                <a:cs typeface="+mn-cs"/>
+              </a:defRPr>
+            </a:lvl2pPr>
+            <a:lvl3pPr marL="914400" algn="l" defTabSz="914400" rtl="0" eaLnBrk="1" latinLnBrk="0" hangingPunct="1">
+              <a:defRPr sz="1800" kern="1200">
+                <a:solidFill>
+                  <a:schemeClr val="tx1"/>
+                </a:solidFill>
+                <a:latin typeface="+mn-lt"/>
+                <a:ea typeface="+mn-ea"/>
+                <a:cs typeface="+mn-cs"/>
+              </a:defRPr>
+            </a:lvl3pPr>
+            <a:lvl4pPr marL="1371600" algn="l" defTabSz="914400" rtl="0" eaLnBrk="1" latinLnBrk="0" hangingPunct="1">
+              <a:defRPr sz="1800" kern="1200">
+                <a:solidFill>
+                  <a:schemeClr val="tx1"/>
+                </a:solidFill>
+                <a:latin typeface="+mn-lt"/>
+                <a:ea typeface="+mn-ea"/>
+                <a:cs typeface="+mn-cs"/>
+              </a:defRPr>
+            </a:lvl4pPr>
+            <a:lvl5pPr marL="1828800" algn="l" defTabSz="914400" rtl="0" eaLnBrk="1" latinLnBrk="0" hangingPunct="1">
+              <a:defRPr sz="1800" kern="1200">
+                <a:solidFill>
+                  <a:schemeClr val="tx1"/>
+                </a:solidFill>
+                <a:latin typeface="+mn-lt"/>
+                <a:ea typeface="+mn-ea"/>
+                <a:cs typeface="+mn-cs"/>
+              </a:defRPr>
+            </a:lvl5pPr>
+            <a:lvl6pPr marL="2286000" algn="l" defTabSz="914400" rtl="0" eaLnBrk="1" latinLnBrk="0" hangingPunct="1">
+              <a:defRPr sz="1800" kern="1200">
+                <a:solidFill>
+                  <a:schemeClr val="tx1"/>
+                </a:solidFill>
+                <a:latin typeface="+mn-lt"/>
+                <a:ea typeface="+mn-ea"/>
+                <a:cs typeface="+mn-cs"/>
+              </a:defRPr>
+            </a:lvl6pPr>
+            <a:lvl7pPr marL="2743200" algn="l" defTabSz="914400" rtl="0" eaLnBrk="1" latinLnBrk="0" hangingPunct="1">
+              <a:defRPr sz="1800" kern="1200">
+                <a:solidFill>
+                  <a:schemeClr val="tx1"/>
+                </a:solidFill>
+                <a:latin typeface="+mn-lt"/>
+                <a:ea typeface="+mn-ea"/>
+                <a:cs typeface="+mn-cs"/>
+              </a:defRPr>
+            </a:lvl7pPr>
+            <a:lvl8pPr marL="3200400" algn="l" defTabSz="914400" rtl="0" eaLnBrk="1" latinLnBrk="0" hangingPunct="1">
+              <a:defRPr sz="1800" kern="1200">
+                <a:solidFill>
+                  <a:schemeClr val="tx1"/>
+                </a:solidFill>
+                <a:latin typeface="+mn-lt"/>
+                <a:ea typeface="+mn-ea"/>
+                <a:cs typeface="+mn-cs"/>
+              </a:defRPr>
+            </a:lvl8pPr>
+            <a:lvl9pPr marL="3657600" algn="l" defTabSz="914400" rtl="0" eaLnBrk="1" latinLnBrk="0" hangingPunct="1">
+              <a:defRPr sz="1800" kern="1200">
+                <a:solidFill>
+                  <a:schemeClr val="tx1"/>
+                </a:solidFill>
+                <a:latin typeface="+mn-lt"/>
+                <a:ea typeface="+mn-ea"/>
+                <a:cs typeface="+mn-cs"/>
+              </a:defRPr>
+            </a:lvl9pPr>
+          </a:lstStyle>
+          <a:p>
+            <a:fld id="{3EBA5BD7-F043-4D1B-AA17-CD412FC534DE}" type="slidenum">
+              <a:rPr lang="en-US" smtClean="0"/>
+              <a:pPr/>
+              <a:t>30</a:t>
+            </a:fld>
+            <a:endParaRPr lang="en-US" dirty="0"/>
+          </a:p>
+        </p:txBody>
+      </p:sp>
+      <p:sp>
+        <p:nvSpPr>
+          <p:cNvPr id="4" name="Footer Placeholder 3">
+            <a:extLst>
+              <a:ext uri="{FF2B5EF4-FFF2-40B4-BE49-F238E27FC236}">
+                <a16:creationId xmlns:a16="http://schemas.microsoft.com/office/drawing/2014/main" id="{8E059BE0-D868-413B-AAA1-1CC88D1F52C5}"/>
+              </a:ext>
+            </a:extLst>
+          </p:cNvPr>
+          <p:cNvSpPr>
+            <a:spLocks noGrp="1"/>
+          </p:cNvSpPr>
+          <p:nvPr>
+            <p:ph type="ftr" sz="quarter" idx="4"/>
+          </p:nvPr>
+        </p:nvSpPr>
+        <p:spPr/>
+        <p:txBody>
+          <a:bodyPr/>
+          <a:lstStyle/>
+          <a:p>
+            <a:r>
+              <a:rPr lang="en-US"/>
+              <a:t>© SoftUni – </a:t>
+            </a:r>
+            <a:r>
+              <a:rPr lang="en-US" u="sng">
+                <a:hlinkClick r:id="rId3"/>
+              </a:rPr>
+              <a:t>https://softuni.org</a:t>
+            </a:r>
+            <a:r>
+              <a:rPr lang="en-US"/>
+              <a:t>. Copyrighted document. Unauthorized copy or reproduction is not permitted.</a:t>
+            </a:r>
+            <a:endParaRPr lang="en-US" dirty="0"/>
+          </a:p>
+        </p:txBody>
+      </p:sp>
+    </p:spTree>
+    <p:extLst>
+      <p:ext uri="{BB962C8B-B14F-4D97-AF65-F5344CB8AC3E}">
+        <p14:creationId xmlns:p14="http://schemas.microsoft.com/office/powerpoint/2010/main" val="3466590374"/>
+      </p:ext>
+    </p:extLst>
+  </p:cSld>
+  <p:clrMapOvr>
+    <a:masterClrMapping/>
+  </p:clrMapOvr>
+</p:notes>
+</file>
+
+<file path=ppt/notesSlides/notesSlide13.xml><?xml version="1.0" encoding="utf-8"?>
+<p:notes xmlns:a="http://schemas.openxmlformats.org/drawingml/2006/main" xmlns:r="http://schemas.openxmlformats.org/officeDocument/2006/relationships" xmlns:p="http://schemas.openxmlformats.org/presentationml/2006/main">
+  <p:cSld>
+    <p:spTree>
+      <p:nvGrpSpPr>
+        <p:cNvPr id="1" name=""/>
+        <p:cNvGrpSpPr/>
+        <p:nvPr/>
+      </p:nvGrpSpPr>
+      <p:grpSpPr>
+        <a:xfrm>
+          <a:off x="0" y="0"/>
+          <a:ext cx="0" cy="0"/>
+          <a:chOff x="0" y="0"/>
+          <a:chExt cx="0" cy="0"/>
+        </a:xfrm>
+      </p:grpSpPr>
+      <p:sp>
+        <p:nvSpPr>
+          <p:cNvPr id="2" name="Slide Image Placeholder 1"/>
+          <p:cNvSpPr>
+            <a:spLocks noGrp="1" noRot="1" noChangeAspect="1"/>
+          </p:cNvSpPr>
+          <p:nvPr>
+            <p:ph type="sldImg"/>
+          </p:nvPr>
+        </p:nvSpPr>
+        <p:spPr/>
+      </p:sp>
+      <p:sp>
+        <p:nvSpPr>
+          <p:cNvPr id="3" name="Notes Placeholder 2"/>
+          <p:cNvSpPr>
+            <a:spLocks noGrp="1"/>
+          </p:cNvSpPr>
+          <p:nvPr>
+            <p:ph type="body" idx="1"/>
+          </p:nvPr>
+        </p:nvSpPr>
+        <p:spPr/>
+        <p:txBody>
+          <a:bodyPr/>
+          <a:lstStyle/>
+          <a:p>
+            <a:endParaRPr lang="en-US"/>
+          </a:p>
+        </p:txBody>
+      </p:sp>
+      <p:sp>
+        <p:nvSpPr>
+          <p:cNvPr id="6" name="Slide Number Placeholder 5">
+            <a:extLst>
+              <a:ext uri="{FF2B5EF4-FFF2-40B4-BE49-F238E27FC236}">
+                <a16:creationId xmlns:a16="http://schemas.microsoft.com/office/drawing/2014/main" id="{6627548A-4D3C-449B-81A5-FA4BE4628490}"/>
+              </a:ext>
+            </a:extLst>
+          </p:cNvPr>
+          <p:cNvSpPr txBox="1">
+            <a:spLocks/>
+          </p:cNvSpPr>
+          <p:nvPr/>
+        </p:nvSpPr>
+        <p:spPr>
+          <a:xfrm>
+            <a:off x="6488999" y="8847000"/>
+            <a:ext cx="367414" cy="297000"/>
+          </a:xfrm>
+          <a:prstGeom prst="rect">
+            <a:avLst/>
+          </a:prstGeom>
+        </p:spPr>
+        <p:txBody>
+          <a:bodyPr vert="horz" lIns="91440" tIns="45720" rIns="91440" bIns="45720" rtlCol="0" anchor="b"/>
+          <a:lstStyle>
+            <a:defPPr>
+              <a:defRPr lang="en-US"/>
+            </a:defPPr>
+            <a:lvl1pPr marL="0" algn="r" defTabSz="914400" rtl="0" eaLnBrk="1" latinLnBrk="0" hangingPunct="1">
+              <a:defRPr sz="1200" kern="1200">
+                <a:solidFill>
+                  <a:schemeClr val="tx1"/>
+                </a:solidFill>
+                <a:latin typeface="+mn-lt"/>
+                <a:ea typeface="+mn-ea"/>
+                <a:cs typeface="+mn-cs"/>
+              </a:defRPr>
+            </a:lvl1pPr>
+            <a:lvl2pPr marL="457200" algn="l" defTabSz="914400" rtl="0" eaLnBrk="1" latinLnBrk="0" hangingPunct="1">
+              <a:defRPr sz="1800" kern="1200">
+                <a:solidFill>
+                  <a:schemeClr val="tx1"/>
+                </a:solidFill>
+                <a:latin typeface="+mn-lt"/>
+                <a:ea typeface="+mn-ea"/>
+                <a:cs typeface="+mn-cs"/>
+              </a:defRPr>
+            </a:lvl2pPr>
+            <a:lvl3pPr marL="914400" algn="l" defTabSz="914400" rtl="0" eaLnBrk="1" latinLnBrk="0" hangingPunct="1">
+              <a:defRPr sz="1800" kern="1200">
+                <a:solidFill>
+                  <a:schemeClr val="tx1"/>
+                </a:solidFill>
+                <a:latin typeface="+mn-lt"/>
+                <a:ea typeface="+mn-ea"/>
+                <a:cs typeface="+mn-cs"/>
+              </a:defRPr>
+            </a:lvl3pPr>
+            <a:lvl4pPr marL="1371600" algn="l" defTabSz="914400" rtl="0" eaLnBrk="1" latinLnBrk="0" hangingPunct="1">
+              <a:defRPr sz="1800" kern="1200">
+                <a:solidFill>
+                  <a:schemeClr val="tx1"/>
+                </a:solidFill>
+                <a:latin typeface="+mn-lt"/>
+                <a:ea typeface="+mn-ea"/>
+                <a:cs typeface="+mn-cs"/>
+              </a:defRPr>
+            </a:lvl4pPr>
+            <a:lvl5pPr marL="1828800" algn="l" defTabSz="914400" rtl="0" eaLnBrk="1" latinLnBrk="0" hangingPunct="1">
+              <a:defRPr sz="1800" kern="1200">
+                <a:solidFill>
+                  <a:schemeClr val="tx1"/>
+                </a:solidFill>
+                <a:latin typeface="+mn-lt"/>
+                <a:ea typeface="+mn-ea"/>
+                <a:cs typeface="+mn-cs"/>
+              </a:defRPr>
+            </a:lvl5pPr>
+            <a:lvl6pPr marL="2286000" algn="l" defTabSz="914400" rtl="0" eaLnBrk="1" latinLnBrk="0" hangingPunct="1">
+              <a:defRPr sz="1800" kern="1200">
+                <a:solidFill>
+                  <a:schemeClr val="tx1"/>
+                </a:solidFill>
+                <a:latin typeface="+mn-lt"/>
+                <a:ea typeface="+mn-ea"/>
+                <a:cs typeface="+mn-cs"/>
+              </a:defRPr>
+            </a:lvl6pPr>
+            <a:lvl7pPr marL="2743200" algn="l" defTabSz="914400" rtl="0" eaLnBrk="1" latinLnBrk="0" hangingPunct="1">
+              <a:defRPr sz="1800" kern="1200">
+                <a:solidFill>
+                  <a:schemeClr val="tx1"/>
+                </a:solidFill>
+                <a:latin typeface="+mn-lt"/>
+                <a:ea typeface="+mn-ea"/>
+                <a:cs typeface="+mn-cs"/>
+              </a:defRPr>
+            </a:lvl7pPr>
+            <a:lvl8pPr marL="3200400" algn="l" defTabSz="914400" rtl="0" eaLnBrk="1" latinLnBrk="0" hangingPunct="1">
+              <a:defRPr sz="1800" kern="1200">
+                <a:solidFill>
+                  <a:schemeClr val="tx1"/>
+                </a:solidFill>
+                <a:latin typeface="+mn-lt"/>
+                <a:ea typeface="+mn-ea"/>
+                <a:cs typeface="+mn-cs"/>
+              </a:defRPr>
+            </a:lvl8pPr>
+            <a:lvl9pPr marL="3657600" algn="l" defTabSz="914400" rtl="0" eaLnBrk="1" latinLnBrk="0" hangingPunct="1">
+              <a:defRPr sz="1800" kern="1200">
+                <a:solidFill>
+                  <a:schemeClr val="tx1"/>
+                </a:solidFill>
+                <a:latin typeface="+mn-lt"/>
+                <a:ea typeface="+mn-ea"/>
+                <a:cs typeface="+mn-cs"/>
+              </a:defRPr>
+            </a:lvl9pPr>
+          </a:lstStyle>
+          <a:p>
+            <a:fld id="{3EBA5BD7-F043-4D1B-AA17-CD412FC534DE}" type="slidenum">
+              <a:rPr lang="en-US" smtClean="0"/>
+              <a:pPr/>
+              <a:t>31</a:t>
+            </a:fld>
+            <a:endParaRPr lang="en-US" dirty="0"/>
+          </a:p>
+        </p:txBody>
+      </p:sp>
+      <p:sp>
+        <p:nvSpPr>
+          <p:cNvPr id="4" name="Footer Placeholder 3">
+            <a:extLst>
+              <a:ext uri="{FF2B5EF4-FFF2-40B4-BE49-F238E27FC236}">
+                <a16:creationId xmlns:a16="http://schemas.microsoft.com/office/drawing/2014/main" id="{D2472CE7-61C1-4B7B-B0C8-5A45F0178717}"/>
+              </a:ext>
+            </a:extLst>
+          </p:cNvPr>
+          <p:cNvSpPr>
+            <a:spLocks noGrp="1"/>
+          </p:cNvSpPr>
+          <p:nvPr>
+            <p:ph type="ftr" sz="quarter" idx="4"/>
+          </p:nvPr>
+        </p:nvSpPr>
+        <p:spPr/>
+        <p:txBody>
+          <a:bodyPr/>
+          <a:lstStyle/>
+          <a:p>
+            <a:r>
+              <a:rPr lang="en-US"/>
+              <a:t>© SoftUni – </a:t>
+            </a:r>
+            <a:r>
+              <a:rPr lang="en-US" u="sng">
+                <a:hlinkClick r:id="rId3"/>
+              </a:rPr>
+              <a:t>https://softuni.org</a:t>
+            </a:r>
+            <a:r>
+              <a:rPr lang="en-US"/>
+              <a:t>. Copyrighted document. Unauthorized copy or reproduction is not permitted.</a:t>
+            </a:r>
+            <a:endParaRPr lang="en-US" dirty="0"/>
+          </a:p>
+        </p:txBody>
+      </p:sp>
+    </p:spTree>
+    <p:extLst>
+      <p:ext uri="{BB962C8B-B14F-4D97-AF65-F5344CB8AC3E}">
+        <p14:creationId xmlns:p14="http://schemas.microsoft.com/office/powerpoint/2010/main" val="3648844402"/>
+      </p:ext>
+    </p:extLst>
+  </p:cSld>
+  <p:clrMapOvr>
+    <a:masterClrMapping/>
+  </p:clrMapOvr>
+</p:notes>
+</file>
+
 <file path=ppt/notesSlides/notesSlide2.xml><?xml version="1.0" encoding="utf-8"?>
 <p:notes xmlns:a="http://schemas.openxmlformats.org/drawingml/2006/main" xmlns:r="http://schemas.openxmlformats.org/officeDocument/2006/relationships" xmlns:p="http://schemas.openxmlformats.org/presentationml/2006/main">
   <p:cSld>
@@ -1913,6 +2824,127 @@
           <a:bodyPr/>
           <a:lstStyle/>
           <a:p>
+            <a:endParaRPr lang="en-BG" dirty="0"/>
+          </a:p>
+        </p:txBody>
+      </p:sp>
+      <p:sp>
+        <p:nvSpPr>
+          <p:cNvPr id="4" name="Slide Number Placeholder 3"/>
+          <p:cNvSpPr>
+            <a:spLocks noGrp="1"/>
+          </p:cNvSpPr>
+          <p:nvPr>
+            <p:ph type="sldNum" sz="quarter" idx="5"/>
+          </p:nvPr>
+        </p:nvSpPr>
+        <p:spPr/>
+        <p:txBody>
+          <a:bodyPr/>
+          <a:lstStyle/>
+          <a:p>
+            <a:fld id="{2BF067CD-8E6B-4360-9AA8-C5DF2A48A6D1}" type="slidenum">
+              <a:rPr lang="en-US" smtClean="0"/>
+              <a:t>15</a:t>
+            </a:fld>
+            <a:endParaRPr lang="en-US" dirty="0"/>
+          </a:p>
+        </p:txBody>
+      </p:sp>
+      <p:sp>
+        <p:nvSpPr>
+          <p:cNvPr id="5" name="Footer Placeholder 4"/>
+          <p:cNvSpPr>
+            <a:spLocks noGrp="1"/>
+          </p:cNvSpPr>
+          <p:nvPr>
+            <p:ph type="ftr" sz="quarter" idx="4"/>
+          </p:nvPr>
+        </p:nvSpPr>
+        <p:spPr/>
+        <p:txBody>
+          <a:bodyPr/>
+          <a:lstStyle/>
+          <a:p>
+            <a:r>
+              <a:rPr lang="bg-BG" sz="1100"/>
+              <a:t>Работна група </a:t>
+            </a:r>
+            <a:r>
+              <a:rPr lang="bg-BG"/>
+              <a:t>"Образование по програмиране и ИТ"</a:t>
+            </a:r>
+            <a:r>
+              <a:rPr lang="bg-BG" sz="1100"/>
+              <a:t>, с подкрепата на </a:t>
+            </a:r>
+            <a:r>
+              <a:rPr lang="en-US" sz="1100">
+                <a:hlinkClick r:id="rId3"/>
+              </a:rPr>
+              <a:t>SoftUni</a:t>
+            </a:r>
+            <a:endParaRPr lang="en-US" sz="1100" dirty="0"/>
+          </a:p>
+        </p:txBody>
+      </p:sp>
+    </p:spTree>
+    <p:extLst>
+      <p:ext uri="{BB962C8B-B14F-4D97-AF65-F5344CB8AC3E}">
+        <p14:creationId xmlns:p14="http://schemas.microsoft.com/office/powerpoint/2010/main" val="3810644513"/>
+      </p:ext>
+    </p:extLst>
+  </p:cSld>
+  <p:clrMapOvr>
+    <a:masterClrMapping/>
+  </p:clrMapOvr>
+</p:notes>
+</file>
+
+<file path=ppt/notesSlides/notesSlide7.xml><?xml version="1.0" encoding="utf-8"?>
+<p:notes xmlns:a="http://schemas.openxmlformats.org/drawingml/2006/main" xmlns:r="http://schemas.openxmlformats.org/officeDocument/2006/relationships" xmlns:p="http://schemas.openxmlformats.org/presentationml/2006/main">
+  <p:cSld>
+    <p:spTree>
+      <p:nvGrpSpPr>
+        <p:cNvPr id="1" name=""/>
+        <p:cNvGrpSpPr/>
+        <p:nvPr/>
+      </p:nvGrpSpPr>
+      <p:grpSpPr>
+        <a:xfrm>
+          <a:off x="0" y="0"/>
+          <a:ext cx="0" cy="0"/>
+          <a:chOff x="0" y="0"/>
+          <a:chExt cx="0" cy="0"/>
+        </a:xfrm>
+      </p:grpSpPr>
+      <p:sp>
+        <p:nvSpPr>
+          <p:cNvPr id="2" name="Slide Image Placeholder 1"/>
+          <p:cNvSpPr>
+            <a:spLocks noGrp="1" noRot="1" noChangeAspect="1"/>
+          </p:cNvSpPr>
+          <p:nvPr>
+            <p:ph type="sldImg"/>
+          </p:nvPr>
+        </p:nvSpPr>
+        <p:spPr/>
+      </p:sp>
+      <p:sp>
+        <p:nvSpPr>
+          <p:cNvPr id="3" name="Notes Placeholder 2"/>
+          <p:cNvSpPr>
+            <a:spLocks noGrp="1"/>
+          </p:cNvSpPr>
+          <p:nvPr>
+            <p:ph type="body" idx="1"/>
+          </p:nvPr>
+        </p:nvSpPr>
+        <p:spPr/>
+        <p:txBody>
+          <a:bodyPr/>
+          <a:lstStyle/>
+          <a:p>
             <a:endParaRPr lang="en-US"/>
           </a:p>
         </p:txBody>
@@ -2099,252 +3131,6 @@
 </p:notes>
 </file>
 
-<file path=ppt/notesSlides/notesSlide7.xml><?xml version="1.0" encoding="utf-8"?>
-<p:notes xmlns:a="http://schemas.openxmlformats.org/drawingml/2006/main" xmlns:r="http://schemas.openxmlformats.org/officeDocument/2006/relationships" xmlns:p="http://schemas.openxmlformats.org/presentationml/2006/main">
-  <p:cSld>
-    <p:spTree>
-      <p:nvGrpSpPr>
-        <p:cNvPr id="1" name=""/>
-        <p:cNvGrpSpPr/>
-        <p:nvPr/>
-      </p:nvGrpSpPr>
-      <p:grpSpPr>
-        <a:xfrm>
-          <a:off x="0" y="0"/>
-          <a:ext cx="0" cy="0"/>
-          <a:chOff x="0" y="0"/>
-          <a:chExt cx="0" cy="0"/>
-        </a:xfrm>
-      </p:grpSpPr>
-      <p:sp>
-        <p:nvSpPr>
-          <p:cNvPr id="2" name="Slide Image Placeholder 1"/>
-          <p:cNvSpPr>
-            <a:spLocks noGrp="1" noRot="1" noChangeAspect="1"/>
-          </p:cNvSpPr>
-          <p:nvPr>
-            <p:ph type="sldImg"/>
-          </p:nvPr>
-        </p:nvSpPr>
-        <p:spPr/>
-      </p:sp>
-      <p:sp>
-        <p:nvSpPr>
-          <p:cNvPr id="3" name="Notes Placeholder 2"/>
-          <p:cNvSpPr>
-            <a:spLocks noGrp="1"/>
-          </p:cNvSpPr>
-          <p:nvPr>
-            <p:ph type="body" idx="1"/>
-          </p:nvPr>
-        </p:nvSpPr>
-        <p:spPr/>
-        <p:txBody>
-          <a:bodyPr/>
-          <a:lstStyle/>
-          <a:p>
-            <a:endParaRPr lang="en-US" dirty="0"/>
-          </a:p>
-        </p:txBody>
-      </p:sp>
-      <p:sp>
-        <p:nvSpPr>
-          <p:cNvPr id="7" name="Slide Number Placeholder 5">
-            <a:extLst>
-              <a:ext uri="{FF2B5EF4-FFF2-40B4-BE49-F238E27FC236}">
-                <a16:creationId xmlns:a16="http://schemas.microsoft.com/office/drawing/2014/main" id="{E65F1CA9-65DC-416B-8882-B3A5E415CE67}"/>
-              </a:ext>
-            </a:extLst>
-          </p:cNvPr>
-          <p:cNvSpPr txBox="1">
-            <a:spLocks/>
-          </p:cNvSpPr>
-          <p:nvPr/>
-        </p:nvSpPr>
-        <p:spPr>
-          <a:xfrm>
-            <a:off x="6488999" y="8847000"/>
-            <a:ext cx="367414" cy="297000"/>
-          </a:xfrm>
-          <a:prstGeom prst="rect">
-            <a:avLst/>
-          </a:prstGeom>
-        </p:spPr>
-        <p:txBody>
-          <a:bodyPr vert="horz" lIns="91440" tIns="45720" rIns="91440" bIns="45720" rtlCol="0" anchor="b"/>
-          <a:lstStyle>
-            <a:defPPr>
-              <a:defRPr lang="en-US"/>
-            </a:defPPr>
-            <a:lvl1pPr marL="0" algn="r" defTabSz="914400" rtl="0" eaLnBrk="1" latinLnBrk="0" hangingPunct="1">
-              <a:defRPr sz="1200" kern="1200">
-                <a:solidFill>
-                  <a:schemeClr val="tx1"/>
-                </a:solidFill>
-                <a:latin typeface="+mn-lt"/>
-                <a:ea typeface="+mn-ea"/>
-                <a:cs typeface="+mn-cs"/>
-              </a:defRPr>
-            </a:lvl1pPr>
-            <a:lvl2pPr marL="457200" algn="l" defTabSz="914400" rtl="0" eaLnBrk="1" latinLnBrk="0" hangingPunct="1">
-              <a:defRPr sz="1800" kern="1200">
-                <a:solidFill>
-                  <a:schemeClr val="tx1"/>
-                </a:solidFill>
-                <a:latin typeface="+mn-lt"/>
-                <a:ea typeface="+mn-ea"/>
-                <a:cs typeface="+mn-cs"/>
-              </a:defRPr>
-            </a:lvl2pPr>
-            <a:lvl3pPr marL="914400" algn="l" defTabSz="914400" rtl="0" eaLnBrk="1" latinLnBrk="0" hangingPunct="1">
-              <a:defRPr sz="1800" kern="1200">
-                <a:solidFill>
-                  <a:schemeClr val="tx1"/>
-                </a:solidFill>
-                <a:latin typeface="+mn-lt"/>
-                <a:ea typeface="+mn-ea"/>
-                <a:cs typeface="+mn-cs"/>
-              </a:defRPr>
-            </a:lvl3pPr>
-            <a:lvl4pPr marL="1371600" algn="l" defTabSz="914400" rtl="0" eaLnBrk="1" latinLnBrk="0" hangingPunct="1">
-              <a:defRPr sz="1800" kern="1200">
-                <a:solidFill>
-                  <a:schemeClr val="tx1"/>
-                </a:solidFill>
-                <a:latin typeface="+mn-lt"/>
-                <a:ea typeface="+mn-ea"/>
-                <a:cs typeface="+mn-cs"/>
-              </a:defRPr>
-            </a:lvl4pPr>
-            <a:lvl5pPr marL="1828800" algn="l" defTabSz="914400" rtl="0" eaLnBrk="1" latinLnBrk="0" hangingPunct="1">
-              <a:defRPr sz="1800" kern="1200">
-                <a:solidFill>
-                  <a:schemeClr val="tx1"/>
-                </a:solidFill>
-                <a:latin typeface="+mn-lt"/>
-                <a:ea typeface="+mn-ea"/>
-                <a:cs typeface="+mn-cs"/>
-              </a:defRPr>
-            </a:lvl5pPr>
-            <a:lvl6pPr marL="2286000" algn="l" defTabSz="914400" rtl="0" eaLnBrk="1" latinLnBrk="0" hangingPunct="1">
-              <a:defRPr sz="1800" kern="1200">
-                <a:solidFill>
-                  <a:schemeClr val="tx1"/>
-                </a:solidFill>
-                <a:latin typeface="+mn-lt"/>
-                <a:ea typeface="+mn-ea"/>
-                <a:cs typeface="+mn-cs"/>
-              </a:defRPr>
-            </a:lvl6pPr>
-            <a:lvl7pPr marL="2743200" algn="l" defTabSz="914400" rtl="0" eaLnBrk="1" latinLnBrk="0" hangingPunct="1">
-              <a:defRPr sz="1800" kern="1200">
-                <a:solidFill>
-                  <a:schemeClr val="tx1"/>
-                </a:solidFill>
-                <a:latin typeface="+mn-lt"/>
-                <a:ea typeface="+mn-ea"/>
-                <a:cs typeface="+mn-cs"/>
-              </a:defRPr>
-            </a:lvl7pPr>
-            <a:lvl8pPr marL="3200400" algn="l" defTabSz="914400" rtl="0" eaLnBrk="1" latinLnBrk="0" hangingPunct="1">
-              <a:defRPr sz="1800" kern="1200">
-                <a:solidFill>
-                  <a:schemeClr val="tx1"/>
-                </a:solidFill>
-                <a:latin typeface="+mn-lt"/>
-                <a:ea typeface="+mn-ea"/>
-                <a:cs typeface="+mn-cs"/>
-              </a:defRPr>
-            </a:lvl8pPr>
-            <a:lvl9pPr marL="3657600" algn="l" defTabSz="914400" rtl="0" eaLnBrk="1" latinLnBrk="0" hangingPunct="1">
-              <a:defRPr sz="1800" kern="1200">
-                <a:solidFill>
-                  <a:schemeClr val="tx1"/>
-                </a:solidFill>
-                <a:latin typeface="+mn-lt"/>
-                <a:ea typeface="+mn-ea"/>
-                <a:cs typeface="+mn-cs"/>
-              </a:defRPr>
-            </a:lvl9pPr>
-          </a:lstStyle>
-          <a:p>
-            <a:fld id="{3EBA5BD7-F043-4D1B-AA17-CD412FC534DE}" type="slidenum">
-              <a:rPr lang="en-US" smtClean="0"/>
-              <a:pPr/>
-              <a:t>28</a:t>
-            </a:fld>
-            <a:endParaRPr lang="en-US" dirty="0"/>
-          </a:p>
-        </p:txBody>
-      </p:sp>
-      <p:sp>
-        <p:nvSpPr>
-          <p:cNvPr id="5" name="Footer Placeholder 7">
-            <a:extLst>
-              <a:ext uri="{FF2B5EF4-FFF2-40B4-BE49-F238E27FC236}">
-                <a16:creationId xmlns:a16="http://schemas.microsoft.com/office/drawing/2014/main" id="{43FAF785-0C8D-730E-8E59-68198DC82CE0}"/>
-              </a:ext>
-            </a:extLst>
-          </p:cNvPr>
-          <p:cNvSpPr>
-            <a:spLocks noGrp="1"/>
-          </p:cNvSpPr>
-          <p:nvPr>
-            <p:ph type="ftr" sz="quarter" idx="4"/>
-          </p:nvPr>
-        </p:nvSpPr>
-        <p:spPr>
-          <a:xfrm>
-            <a:off x="-1" y="8892000"/>
-            <a:ext cx="6488999" cy="252000"/>
-          </a:xfrm>
-          <a:prstGeom prst="rect">
-            <a:avLst/>
-          </a:prstGeom>
-        </p:spPr>
-        <p:txBody>
-          <a:bodyPr vert="horz" lIns="91440" tIns="45720" rIns="91440" bIns="45720" rtlCol="0" anchor="b"/>
-          <a:lstStyle>
-            <a:lvl1pPr algn="l">
-              <a:defRPr sz="1100"/>
-            </a:lvl1pPr>
-          </a:lstStyle>
-          <a:p>
-            <a:r>
-              <a:rPr lang="bg-BG" sz="1100" dirty="0"/>
-              <a:t>Работна група </a:t>
-            </a:r>
-            <a:r>
-              <a:rPr lang="bg-BG" dirty="0"/>
-              <a:t>"Образование по програмиране и ИТ"</a:t>
-            </a:r>
-            <a:r>
-              <a:rPr lang="bg-BG" sz="1100" dirty="0"/>
-              <a:t>, с подкрепата на </a:t>
-            </a:r>
-            <a:r>
-              <a:rPr lang="en-US" sz="1100" dirty="0">
-                <a:hlinkClick r:id="rId3"/>
-              </a:rPr>
-              <a:t>SoftUni</a:t>
-            </a:r>
-            <a:endParaRPr lang="en-US" sz="1100" dirty="0"/>
-          </a:p>
-        </p:txBody>
-      </p:sp>
-    </p:spTree>
-    <p:extLst>
-      <p:ext uri="{BB962C8B-B14F-4D97-AF65-F5344CB8AC3E}">
-        <p14:creationId xmlns:p14="http://schemas.microsoft.com/office/powerpoint/2010/main" val="2689344733"/>
-      </p:ext>
-    </p:extLst>
-  </p:cSld>
-  <p:clrMapOvr>
-    <a:masterClrMapping/>
-  </p:clrMapOvr>
-</p:notes>
-</file>
-
 <file path=ppt/notesSlides/notesSlide8.xml><?xml version="1.0" encoding="utf-8"?>
 <p:notes xmlns:a="http://schemas.openxmlformats.org/drawingml/2006/main" xmlns:r="http://schemas.openxmlformats.org/officeDocument/2006/relationships" xmlns:p="http://schemas.openxmlformats.org/presentationml/2006/main">
   <p:cSld>
@@ -2389,135 +3175,28 @@
           <a:bodyPr/>
           <a:lstStyle/>
           <a:p>
-            <a:endParaRPr lang="en-US" dirty="0"/>
+            <a:endParaRPr lang="en-BG" dirty="0"/>
           </a:p>
         </p:txBody>
       </p:sp>
       <p:sp>
         <p:nvSpPr>
-          <p:cNvPr id="7" name="Slide Number Placeholder 5">
-            <a:extLst>
-              <a:ext uri="{FF2B5EF4-FFF2-40B4-BE49-F238E27FC236}">
-                <a16:creationId xmlns:a16="http://schemas.microsoft.com/office/drawing/2014/main" id="{5049B984-F964-47FF-8179-0A3007CE21CD}"/>
-              </a:ext>
-            </a:extLst>
-          </p:cNvPr>
-          <p:cNvSpPr txBox="1">
-            <a:spLocks/>
+          <p:cNvPr id="4" name="Slide Number Placeholder 3"/>
+          <p:cNvSpPr>
+            <a:spLocks noGrp="1"/>
           </p:cNvSpPr>
-          <p:nvPr/>
+          <p:nvPr>
+            <p:ph type="sldNum" sz="quarter" idx="5"/>
+          </p:nvPr>
         </p:nvSpPr>
-        <p:spPr>
-          <a:xfrm>
-            <a:off x="6488999" y="8847000"/>
-            <a:ext cx="367414" cy="297000"/>
-          </a:xfrm>
-          <a:prstGeom prst="rect">
-            <a:avLst/>
-          </a:prstGeom>
-        </p:spPr>
+        <p:spPr/>
         <p:txBody>
-          <a:bodyPr vert="horz" lIns="91440" tIns="45720" rIns="91440" bIns="45720" rtlCol="0" anchor="b"/>
-          <a:lstStyle>
-            <a:defPPr>
-              <a:defRPr lang="en-US"/>
-            </a:defPPr>
-            <a:lvl1pPr marL="0" algn="r" defTabSz="914400" rtl="0" eaLnBrk="1" latinLnBrk="0" hangingPunct="1">
-              <a:defRPr sz="1200" kern="1200">
-                <a:solidFill>
-                  <a:schemeClr val="tx1"/>
-                </a:solidFill>
-                <a:latin typeface="+mn-lt"/>
-                <a:ea typeface="+mn-ea"/>
-                <a:cs typeface="+mn-cs"/>
-              </a:defRPr>
-            </a:lvl1pPr>
-            <a:lvl2pPr marL="457200" algn="l" defTabSz="914400" rtl="0" eaLnBrk="1" latinLnBrk="0" hangingPunct="1">
-              <a:defRPr sz="1800" kern="1200">
-                <a:solidFill>
-                  <a:schemeClr val="tx1"/>
-                </a:solidFill>
-                <a:latin typeface="+mn-lt"/>
-                <a:ea typeface="+mn-ea"/>
-                <a:cs typeface="+mn-cs"/>
-              </a:defRPr>
-            </a:lvl2pPr>
-            <a:lvl3pPr marL="914400" algn="l" defTabSz="914400" rtl="0" eaLnBrk="1" latinLnBrk="0" hangingPunct="1">
-              <a:defRPr sz="1800" kern="1200">
-                <a:solidFill>
-                  <a:schemeClr val="tx1"/>
-                </a:solidFill>
-                <a:latin typeface="+mn-lt"/>
-                <a:ea typeface="+mn-ea"/>
-                <a:cs typeface="+mn-cs"/>
-              </a:defRPr>
-            </a:lvl3pPr>
-            <a:lvl4pPr marL="1371600" algn="l" defTabSz="914400" rtl="0" eaLnBrk="1" latinLnBrk="0" hangingPunct="1">
-              <a:defRPr sz="1800" kern="1200">
-                <a:solidFill>
-                  <a:schemeClr val="tx1"/>
-                </a:solidFill>
-                <a:latin typeface="+mn-lt"/>
-                <a:ea typeface="+mn-ea"/>
-                <a:cs typeface="+mn-cs"/>
-              </a:defRPr>
-            </a:lvl4pPr>
-            <a:lvl5pPr marL="1828800" algn="l" defTabSz="914400" rtl="0" eaLnBrk="1" latinLnBrk="0" hangingPunct="1">
-              <a:defRPr sz="1800" kern="1200">
-                <a:solidFill>
-                  <a:schemeClr val="tx1"/>
-                </a:solidFill>
-                <a:latin typeface="+mn-lt"/>
-                <a:ea typeface="+mn-ea"/>
-                <a:cs typeface="+mn-cs"/>
-              </a:defRPr>
-            </a:lvl5pPr>
-            <a:lvl6pPr marL="2286000" algn="l" defTabSz="914400" rtl="0" eaLnBrk="1" latinLnBrk="0" hangingPunct="1">
-              <a:defRPr sz="1800" kern="1200">
-                <a:solidFill>
-                  <a:schemeClr val="tx1"/>
-                </a:solidFill>
-                <a:latin typeface="+mn-lt"/>
-                <a:ea typeface="+mn-ea"/>
-                <a:cs typeface="+mn-cs"/>
-              </a:defRPr>
-            </a:lvl6pPr>
-            <a:lvl7pPr marL="2743200" algn="l" defTabSz="914400" rtl="0" eaLnBrk="1" latinLnBrk="0" hangingPunct="1">
-              <a:defRPr sz="1800" kern="1200">
-                <a:solidFill>
-                  <a:schemeClr val="tx1"/>
-                </a:solidFill>
-                <a:latin typeface="+mn-lt"/>
-                <a:ea typeface="+mn-ea"/>
-                <a:cs typeface="+mn-cs"/>
-              </a:defRPr>
-            </a:lvl7pPr>
-            <a:lvl8pPr marL="3200400" algn="l" defTabSz="914400" rtl="0" eaLnBrk="1" latinLnBrk="0" hangingPunct="1">
-              <a:defRPr sz="1800" kern="1200">
-                <a:solidFill>
-                  <a:schemeClr val="tx1"/>
-                </a:solidFill>
-                <a:latin typeface="+mn-lt"/>
-                <a:ea typeface="+mn-ea"/>
-                <a:cs typeface="+mn-cs"/>
-              </a:defRPr>
-            </a:lvl8pPr>
-            <a:lvl9pPr marL="3657600" algn="l" defTabSz="914400" rtl="0" eaLnBrk="1" latinLnBrk="0" hangingPunct="1">
-              <a:defRPr sz="1800" kern="1200">
-                <a:solidFill>
-                  <a:schemeClr val="tx1"/>
-                </a:solidFill>
-                <a:latin typeface="+mn-lt"/>
-                <a:ea typeface="+mn-ea"/>
-                <a:cs typeface="+mn-cs"/>
-              </a:defRPr>
-            </a:lvl9pPr>
-          </a:lstStyle>
-          <a:p>
-            <a:fld id="{3EBA5BD7-F043-4D1B-AA17-CD412FC534DE}" type="slidenum">
+          <a:bodyPr/>
+          <a:lstStyle/>
+          <a:p>
+            <a:fld id="{2BF067CD-8E6B-4360-9AA8-C5DF2A48A6D1}" type="slidenum">
               <a:rPr lang="en-US" smtClean="0"/>
-              <a:pPr/>
-              <a:t>29</a:t>
+              <a:t>22</a:t>
             </a:fld>
             <a:endParaRPr lang="en-US" dirty="0"/>
           </a:p>
@@ -2525,13 +3204,7 @@
       </p:sp>
       <p:sp>
         <p:nvSpPr>
-          <p:cNvPr id="4" name="Footer Placeholder 3">
-            <a:extLst>
-              <a:ext uri="{FF2B5EF4-FFF2-40B4-BE49-F238E27FC236}">
-                <a16:creationId xmlns:a16="http://schemas.microsoft.com/office/drawing/2014/main" id="{8E059BE0-D868-413B-AAA1-1CC88D1F52C5}"/>
-              </a:ext>
-            </a:extLst>
-          </p:cNvPr>
+          <p:cNvPr id="5" name="Footer Placeholder 4"/>
           <p:cNvSpPr>
             <a:spLocks noGrp="1"/>
           </p:cNvSpPr>
@@ -2545,27 +3218,31 @@
           <a:lstStyle/>
           <a:p>
             <a:r>
-              <a:rPr lang="en-US"/>
-              <a:t>© SoftUni – </a:t>
-            </a:r>
-            <a:r>
-              <a:rPr lang="en-US" u="sng">
+              <a:rPr lang="bg-BG" sz="1100"/>
+              <a:t>Работна група </a:t>
+            </a:r>
+            <a:r>
+              <a:rPr lang="bg-BG"/>
+              <a:t>"Образование по програмиране и ИТ"</a:t>
+            </a:r>
+            <a:r>
+              <a:rPr lang="bg-BG" sz="1100"/>
+              <a:t>, с подкрепата на </a:t>
+            </a:r>
+            <a:r>
+              <a:rPr lang="en-US" sz="1100">
                 <a:hlinkClick r:id="rId3"/>
               </a:rPr>
-              <a:t>https://softuni.org</a:t>
-            </a:r>
-            <a:r>
-              <a:rPr lang="en-US"/>
-              <a:t>. Copyrighted document. Unauthorized copy or reproduction is not permitted.</a:t>
-            </a:r>
-            <a:endParaRPr lang="en-US" dirty="0"/>
+              <a:t>SoftUni</a:t>
+            </a:r>
+            <a:endParaRPr lang="en-US" sz="1100" dirty="0"/>
           </a:p>
         </p:txBody>
       </p:sp>
     </p:spTree>
     <p:extLst>
       <p:ext uri="{BB962C8B-B14F-4D97-AF65-F5344CB8AC3E}">
-        <p14:creationId xmlns:p14="http://schemas.microsoft.com/office/powerpoint/2010/main" val="3466590374"/>
+        <p14:creationId xmlns:p14="http://schemas.microsoft.com/office/powerpoint/2010/main" val="2229360596"/>
       </p:ext>
     </p:extLst>
   </p:cSld>
@@ -2619,135 +3296,28 @@
           <a:bodyPr/>
           <a:lstStyle/>
           <a:p>
-            <a:endParaRPr lang="en-US"/>
+            <a:endParaRPr lang="en-BG" dirty="0"/>
           </a:p>
         </p:txBody>
       </p:sp>
       <p:sp>
         <p:nvSpPr>
-          <p:cNvPr id="6" name="Slide Number Placeholder 5">
-            <a:extLst>
-              <a:ext uri="{FF2B5EF4-FFF2-40B4-BE49-F238E27FC236}">
-                <a16:creationId xmlns:a16="http://schemas.microsoft.com/office/drawing/2014/main" id="{6627548A-4D3C-449B-81A5-FA4BE4628490}"/>
-              </a:ext>
-            </a:extLst>
-          </p:cNvPr>
-          <p:cNvSpPr txBox="1">
-            <a:spLocks/>
+          <p:cNvPr id="4" name="Slide Number Placeholder 3"/>
+          <p:cNvSpPr>
+            <a:spLocks noGrp="1"/>
           </p:cNvSpPr>
-          <p:nvPr/>
+          <p:nvPr>
+            <p:ph type="sldNum" sz="quarter" idx="5"/>
+          </p:nvPr>
         </p:nvSpPr>
-        <p:spPr>
-          <a:xfrm>
-            <a:off x="6488999" y="8847000"/>
-            <a:ext cx="367414" cy="297000"/>
-          </a:xfrm>
-          <a:prstGeom prst="rect">
-            <a:avLst/>
-          </a:prstGeom>
-        </p:spPr>
+        <p:spPr/>
         <p:txBody>
-          <a:bodyPr vert="horz" lIns="91440" tIns="45720" rIns="91440" bIns="45720" rtlCol="0" anchor="b"/>
-          <a:lstStyle>
-            <a:defPPr>
-              <a:defRPr lang="en-US"/>
-            </a:defPPr>
-            <a:lvl1pPr marL="0" algn="r" defTabSz="914400" rtl="0" eaLnBrk="1" latinLnBrk="0" hangingPunct="1">
-              <a:defRPr sz="1200" kern="1200">
-                <a:solidFill>
-                  <a:schemeClr val="tx1"/>
-                </a:solidFill>
-                <a:latin typeface="+mn-lt"/>
-                <a:ea typeface="+mn-ea"/>
-                <a:cs typeface="+mn-cs"/>
-              </a:defRPr>
-            </a:lvl1pPr>
-            <a:lvl2pPr marL="457200" algn="l" defTabSz="914400" rtl="0" eaLnBrk="1" latinLnBrk="0" hangingPunct="1">
-              <a:defRPr sz="1800" kern="1200">
-                <a:solidFill>
-                  <a:schemeClr val="tx1"/>
-                </a:solidFill>
-                <a:latin typeface="+mn-lt"/>
-                <a:ea typeface="+mn-ea"/>
-                <a:cs typeface="+mn-cs"/>
-              </a:defRPr>
-            </a:lvl2pPr>
-            <a:lvl3pPr marL="914400" algn="l" defTabSz="914400" rtl="0" eaLnBrk="1" latinLnBrk="0" hangingPunct="1">
-              <a:defRPr sz="1800" kern="1200">
-                <a:solidFill>
-                  <a:schemeClr val="tx1"/>
-                </a:solidFill>
-                <a:latin typeface="+mn-lt"/>
-                <a:ea typeface="+mn-ea"/>
-                <a:cs typeface="+mn-cs"/>
-              </a:defRPr>
-            </a:lvl3pPr>
-            <a:lvl4pPr marL="1371600" algn="l" defTabSz="914400" rtl="0" eaLnBrk="1" latinLnBrk="0" hangingPunct="1">
-              <a:defRPr sz="1800" kern="1200">
-                <a:solidFill>
-                  <a:schemeClr val="tx1"/>
-                </a:solidFill>
-                <a:latin typeface="+mn-lt"/>
-                <a:ea typeface="+mn-ea"/>
-                <a:cs typeface="+mn-cs"/>
-              </a:defRPr>
-            </a:lvl4pPr>
-            <a:lvl5pPr marL="1828800" algn="l" defTabSz="914400" rtl="0" eaLnBrk="1" latinLnBrk="0" hangingPunct="1">
-              <a:defRPr sz="1800" kern="1200">
-                <a:solidFill>
-                  <a:schemeClr val="tx1"/>
-                </a:solidFill>
-                <a:latin typeface="+mn-lt"/>
-                <a:ea typeface="+mn-ea"/>
-                <a:cs typeface="+mn-cs"/>
-              </a:defRPr>
-            </a:lvl5pPr>
-            <a:lvl6pPr marL="2286000" algn="l" defTabSz="914400" rtl="0" eaLnBrk="1" latinLnBrk="0" hangingPunct="1">
-              <a:defRPr sz="1800" kern="1200">
-                <a:solidFill>
-                  <a:schemeClr val="tx1"/>
-                </a:solidFill>
-                <a:latin typeface="+mn-lt"/>
-                <a:ea typeface="+mn-ea"/>
-                <a:cs typeface="+mn-cs"/>
-              </a:defRPr>
-            </a:lvl6pPr>
-            <a:lvl7pPr marL="2743200" algn="l" defTabSz="914400" rtl="0" eaLnBrk="1" latinLnBrk="0" hangingPunct="1">
-              <a:defRPr sz="1800" kern="1200">
-                <a:solidFill>
-                  <a:schemeClr val="tx1"/>
-                </a:solidFill>
-                <a:latin typeface="+mn-lt"/>
-                <a:ea typeface="+mn-ea"/>
-                <a:cs typeface="+mn-cs"/>
-              </a:defRPr>
-            </a:lvl7pPr>
-            <a:lvl8pPr marL="3200400" algn="l" defTabSz="914400" rtl="0" eaLnBrk="1" latinLnBrk="0" hangingPunct="1">
-              <a:defRPr sz="1800" kern="1200">
-                <a:solidFill>
-                  <a:schemeClr val="tx1"/>
-                </a:solidFill>
-                <a:latin typeface="+mn-lt"/>
-                <a:ea typeface="+mn-ea"/>
-                <a:cs typeface="+mn-cs"/>
-              </a:defRPr>
-            </a:lvl8pPr>
-            <a:lvl9pPr marL="3657600" algn="l" defTabSz="914400" rtl="0" eaLnBrk="1" latinLnBrk="0" hangingPunct="1">
-              <a:defRPr sz="1800" kern="1200">
-                <a:solidFill>
-                  <a:schemeClr val="tx1"/>
-                </a:solidFill>
-                <a:latin typeface="+mn-lt"/>
-                <a:ea typeface="+mn-ea"/>
-                <a:cs typeface="+mn-cs"/>
-              </a:defRPr>
-            </a:lvl9pPr>
-          </a:lstStyle>
-          <a:p>
-            <a:fld id="{3EBA5BD7-F043-4D1B-AA17-CD412FC534DE}" type="slidenum">
+          <a:bodyPr/>
+          <a:lstStyle/>
+          <a:p>
+            <a:fld id="{2BF067CD-8E6B-4360-9AA8-C5DF2A48A6D1}" type="slidenum">
               <a:rPr lang="en-US" smtClean="0"/>
-              <a:pPr/>
-              <a:t>30</a:t>
+              <a:t>25</a:t>
             </a:fld>
             <a:endParaRPr lang="en-US" dirty="0"/>
           </a:p>
@@ -2755,13 +3325,7 @@
       </p:sp>
       <p:sp>
         <p:nvSpPr>
-          <p:cNvPr id="4" name="Footer Placeholder 3">
-            <a:extLst>
-              <a:ext uri="{FF2B5EF4-FFF2-40B4-BE49-F238E27FC236}">
-                <a16:creationId xmlns:a16="http://schemas.microsoft.com/office/drawing/2014/main" id="{D2472CE7-61C1-4B7B-B0C8-5A45F0178717}"/>
-              </a:ext>
-            </a:extLst>
-          </p:cNvPr>
+          <p:cNvPr id="5" name="Footer Placeholder 4"/>
           <p:cNvSpPr>
             <a:spLocks noGrp="1"/>
           </p:cNvSpPr>
@@ -2775,27 +3339,31 @@
           <a:lstStyle/>
           <a:p>
             <a:r>
-              <a:rPr lang="en-US"/>
-              <a:t>© SoftUni – </a:t>
-            </a:r>
-            <a:r>
-              <a:rPr lang="en-US" u="sng">
+              <a:rPr lang="bg-BG" sz="1100"/>
+              <a:t>Работна група </a:t>
+            </a:r>
+            <a:r>
+              <a:rPr lang="bg-BG"/>
+              <a:t>"Образование по програмиране и ИТ"</a:t>
+            </a:r>
+            <a:r>
+              <a:rPr lang="bg-BG" sz="1100"/>
+              <a:t>, с подкрепата на </a:t>
+            </a:r>
+            <a:r>
+              <a:rPr lang="en-US" sz="1100">
                 <a:hlinkClick r:id="rId3"/>
               </a:rPr>
-              <a:t>https://softuni.org</a:t>
-            </a:r>
-            <a:r>
-              <a:rPr lang="en-US"/>
-              <a:t>. Copyrighted document. Unauthorized copy or reproduction is not permitted.</a:t>
-            </a:r>
-            <a:endParaRPr lang="en-US" dirty="0"/>
+              <a:t>SoftUni</a:t>
+            </a:r>
+            <a:endParaRPr lang="en-US" sz="1100" dirty="0"/>
           </a:p>
         </p:txBody>
       </p:sp>
     </p:spTree>
     <p:extLst>
       <p:ext uri="{BB962C8B-B14F-4D97-AF65-F5344CB8AC3E}">
-        <p14:creationId xmlns:p14="http://schemas.microsoft.com/office/powerpoint/2010/main" val="3648844402"/>
+        <p14:creationId xmlns:p14="http://schemas.microsoft.com/office/powerpoint/2010/main" val="4253582146"/>
       </p:ext>
     </p:extLst>
   </p:cSld>
@@ -15903,6 +16471,23 @@
               <a:rPr lang="bg-BG" b="1" dirty="0"/>
               <a:t>фамилия</a:t>
             </a:r>
+            <a:r>
+              <a:rPr lang="en-US" b="1" dirty="0"/>
+              <a:t> </a:t>
+            </a:r>
+            <a:r>
+              <a:rPr lang="en-US" dirty="0"/>
+              <a:t>(</a:t>
+            </a:r>
+            <a:r>
+              <a:rPr lang="bg-BG" dirty="0"/>
+              <a:t>само за четене</a:t>
+            </a:r>
+            <a:r>
+              <a:rPr lang="en-US" dirty="0"/>
+              <a:t>)</a:t>
+            </a:r>
+            <a:endParaRPr lang="bg-BG" dirty="0"/>
           </a:p>
           <a:p>
             <a:pPr lvl="1"/>
@@ -16606,6 +17191,10 @@
               <a:rPr lang="bg-BG" dirty="0"/>
               <a:t>- Прегледи</a:t>
             </a:r>
+            <a:r>
+              <a:rPr lang="en-US" dirty="0"/>
+              <a:t> (1)</a:t>
+            </a:r>
             <a:endParaRPr lang="en-BG" dirty="0"/>
           </a:p>
         </p:txBody>
@@ -16629,12 +17218,12 @@
         <p:spPr/>
         <p:txBody>
           <a:bodyPr>
-            <a:normAutofit fontScale="40000" lnSpcReduction="20000"/>
+            <a:normAutofit fontScale="55000" lnSpcReduction="20000"/>
           </a:bodyPr>
           <a:lstStyle/>
           <a:p>
             <a:r>
-              <a:rPr lang="bg-BG" sz="4500" b="1" dirty="0">
+              <a:rPr lang="bg-BG" sz="5100" b="1" dirty="0">
                 <a:solidFill>
                   <a:schemeClr val="bg1"/>
                 </a:solidFill>
@@ -16645,44 +17234,44 @@
           <a:p>
             <a:pPr lvl="1"/>
             <a:r>
-              <a:rPr lang="bg-BG" sz="4000" dirty="0"/>
+              <a:rPr lang="bg-BG" sz="4400" dirty="0"/>
               <a:t>Таблица с всички </a:t>
             </a:r>
             <a:r>
-              <a:rPr lang="bg-BG" sz="4000" b="1" dirty="0"/>
+              <a:rPr lang="bg-BG" sz="4400" b="1" dirty="0"/>
               <a:t>прегледи</a:t>
             </a:r>
           </a:p>
           <a:p>
             <a:pPr lvl="1"/>
             <a:r>
-              <a:rPr lang="bg-BG" sz="4000" dirty="0"/>
+              <a:rPr lang="bg-BG" sz="4400" dirty="0"/>
               <a:t>Бутони за </a:t>
             </a:r>
             <a:r>
-              <a:rPr lang="bg-BG" sz="4000" b="1" dirty="0"/>
+              <a:rPr lang="bg-BG" sz="4400" b="1" dirty="0"/>
               <a:t>добавяне</a:t>
             </a:r>
             <a:r>
-              <a:rPr lang="bg-BG" sz="4000" dirty="0"/>
+              <a:rPr lang="bg-BG" sz="4400" dirty="0"/>
               <a:t>, </a:t>
             </a:r>
             <a:r>
-              <a:rPr lang="bg-BG" sz="4000" b="1" dirty="0"/>
+              <a:rPr lang="bg-BG" sz="4400" b="1" dirty="0"/>
               <a:t>редактиране</a:t>
             </a:r>
             <a:r>
-              <a:rPr lang="bg-BG" sz="4000" dirty="0"/>
+              <a:rPr lang="bg-BG" sz="4400" dirty="0"/>
               <a:t> и </a:t>
             </a:r>
             <a:r>
-              <a:rPr lang="bg-BG" sz="4000" b="1" dirty="0"/>
+              <a:rPr lang="bg-BG" sz="4400" b="1" dirty="0"/>
               <a:t>изтриване</a:t>
             </a:r>
           </a:p>
           <a:p>
             <a:r>
-              <a:rPr lang="bg-BG" sz="4500" b="1" dirty="0">
+              <a:rPr lang="bg-BG" sz="5100" b="1" dirty="0">
                 <a:solidFill>
                   <a:schemeClr val="bg1"/>
                 </a:solidFill>
@@ -16693,120 +17282,120 @@
           <a:p>
             <a:pPr lvl="1"/>
             <a:r>
-              <a:rPr lang="bg-BG" sz="4000" dirty="0"/>
+              <a:rPr lang="bg-BG" sz="4400" dirty="0"/>
               <a:t>Полета за </a:t>
             </a:r>
             <a:r>
-              <a:rPr lang="bg-BG" sz="4000" b="1" dirty="0"/>
+              <a:rPr lang="bg-BG" sz="4400" b="1" dirty="0"/>
               <a:t>име</a:t>
             </a:r>
             <a:r>
-              <a:rPr lang="bg-BG" sz="4000" dirty="0"/>
+              <a:rPr lang="bg-BG" sz="4400" dirty="0"/>
               <a:t> и </a:t>
             </a:r>
             <a:r>
-              <a:rPr lang="bg-BG" sz="4000" b="1" dirty="0"/>
+              <a:rPr lang="bg-BG" sz="4400" b="1" dirty="0"/>
               <a:t>фамилия</a:t>
             </a:r>
             <a:r>
-              <a:rPr lang="bg-BG" sz="4000" dirty="0"/>
+              <a:rPr lang="bg-BG" sz="4400" dirty="0"/>
               <a:t> на </a:t>
             </a:r>
             <a:r>
-              <a:rPr lang="bg-BG" sz="4000" b="1" dirty="0"/>
+              <a:rPr lang="bg-BG" sz="4400" b="1" dirty="0"/>
               <a:t>пациент</a:t>
             </a:r>
             <a:r>
-              <a:rPr lang="bg-BG" sz="4000" dirty="0"/>
+              <a:rPr lang="bg-BG" sz="4400" dirty="0"/>
               <a:t> (само за четене</a:t>
             </a:r>
             <a:r>
-              <a:rPr lang="en-US" sz="4000" dirty="0"/>
+              <a:rPr lang="en-US" sz="4400" dirty="0"/>
               <a:t> – </a:t>
             </a:r>
             <a:r>
-              <a:rPr lang="bg-BG" sz="4000" dirty="0"/>
-              <a:t>избрания пациент), </a:t>
-            </a:r>
-            <a:r>
-              <a:rPr lang="bg-BG" sz="4000" b="1" dirty="0"/>
+              <a:rPr lang="bg-BG" sz="4400" dirty="0"/>
+              <a:t>избран пациент), </a:t>
+            </a:r>
+            <a:r>
+              <a:rPr lang="bg-BG" sz="4400" b="1" dirty="0"/>
               <a:t>име</a:t>
             </a:r>
             <a:r>
-              <a:rPr lang="bg-BG" sz="4000" dirty="0"/>
+              <a:rPr lang="bg-BG" sz="4400" dirty="0"/>
               <a:t> и </a:t>
             </a:r>
             <a:r>
-              <a:rPr lang="bg-BG" sz="4000" b="1" dirty="0"/>
+              <a:rPr lang="bg-BG" sz="4400" b="1" dirty="0"/>
               <a:t>фамилия</a:t>
             </a:r>
             <a:r>
-              <a:rPr lang="bg-BG" sz="4000" dirty="0"/>
+              <a:rPr lang="bg-BG" sz="4400" dirty="0"/>
               <a:t> на </a:t>
             </a:r>
             <a:r>
-              <a:rPr lang="bg-BG" sz="4000" b="1" dirty="0"/>
+              <a:rPr lang="bg-BG" sz="4400" b="1" dirty="0"/>
               <a:t>лекар</a:t>
             </a:r>
             <a:r>
-              <a:rPr lang="en-US" sz="4000" b="1" dirty="0"/>
+              <a:rPr lang="en-US" sz="4400" b="1" dirty="0"/>
               <a:t> </a:t>
             </a:r>
             <a:r>
-              <a:rPr lang="en-US" sz="4000" dirty="0"/>
+              <a:rPr lang="en-US" sz="4400" dirty="0"/>
               <a:t>(</a:t>
             </a:r>
             <a:r>
-              <a:rPr lang="bg-BG" sz="4000" dirty="0"/>
-              <a:t>само за четене – текущия логнат лекар), </a:t>
-            </a:r>
-            <a:r>
-              <a:rPr lang="bg-BG" sz="4000" b="1" dirty="0"/>
+              <a:rPr lang="bg-BG" sz="4400" dirty="0"/>
+              <a:t>само за четене – текущ логнат лекар), </a:t>
+            </a:r>
+            <a:r>
+              <a:rPr lang="bg-BG" sz="4400" b="1" dirty="0"/>
               <a:t>дата </a:t>
             </a:r>
             <a:r>
-              <a:rPr lang="bg-BG" sz="4000" dirty="0"/>
-              <a:t>(текущата, но може да се променя), </a:t>
-            </a:r>
-            <a:r>
-              <a:rPr lang="bg-BG" sz="4000" b="1" dirty="0"/>
+              <a:rPr lang="bg-BG" sz="4400" dirty="0"/>
+              <a:t>(текуща, но може да се променя), </a:t>
+            </a:r>
+            <a:r>
+              <a:rPr lang="bg-BG" sz="4400" b="1" dirty="0"/>
               <a:t>състояние </a:t>
             </a:r>
             <a:r>
-              <a:rPr lang="bg-BG" sz="4000" dirty="0"/>
+              <a:rPr lang="bg-BG" sz="4400" dirty="0"/>
               <a:t>(многородово поле), </a:t>
             </a:r>
             <a:r>
-              <a:rPr lang="bg-BG" sz="4000" b="1" dirty="0"/>
+              <a:rPr lang="bg-BG" sz="4400" b="1" dirty="0"/>
               <a:t>лечение</a:t>
             </a:r>
             <a:r>
-              <a:rPr lang="bg-BG" sz="4000" dirty="0"/>
-              <a:t> (предписания за лечение)</a:t>
+              <a:rPr lang="bg-BG" sz="4400" dirty="0"/>
+              <a:t> </a:t>
             </a:r>
           </a:p>
           <a:p>
             <a:pPr lvl="1"/>
             <a:r>
-              <a:rPr lang="bg-BG" sz="4000" dirty="0"/>
+              <a:rPr lang="bg-BG" sz="4400" dirty="0"/>
               <a:t>Бутони за </a:t>
             </a:r>
             <a:r>
-              <a:rPr lang="bg-BG" sz="4000" b="1" dirty="0"/>
+              <a:rPr lang="bg-BG" sz="4400" b="1" dirty="0"/>
               <a:t>добавяне</a:t>
             </a:r>
             <a:r>
-              <a:rPr lang="bg-BG" sz="4000" dirty="0"/>
+              <a:rPr lang="bg-BG" sz="4400" dirty="0"/>
               <a:t> и </a:t>
             </a:r>
             <a:r>
-              <a:rPr lang="bg-BG" sz="4000" b="1" dirty="0"/>
+              <a:rPr lang="bg-BG" sz="4400" b="1" dirty="0"/>
               <a:t>отказ</a:t>
             </a:r>
           </a:p>
           <a:p>
             <a:r>
-              <a:rPr lang="bg-BG" sz="4500" b="1" dirty="0">
+              <a:rPr lang="bg-BG" sz="5100" b="1" dirty="0">
                 <a:solidFill>
                   <a:schemeClr val="bg1"/>
                 </a:solidFill>
@@ -16817,208 +17406,121 @@
           <a:p>
             <a:pPr lvl="1"/>
             <a:r>
-              <a:rPr lang="bg-BG" sz="4000" dirty="0"/>
+              <a:rPr lang="bg-BG" sz="4400" dirty="0"/>
               <a:t>Полета за </a:t>
             </a:r>
             <a:r>
-              <a:rPr lang="bg-BG" sz="4000" b="1" dirty="0"/>
+              <a:rPr lang="bg-BG" sz="4400" b="1" dirty="0"/>
               <a:t>име</a:t>
             </a:r>
             <a:r>
-              <a:rPr lang="bg-BG" sz="4000" dirty="0"/>
+              <a:rPr lang="bg-BG" sz="4400" dirty="0"/>
               <a:t> и </a:t>
             </a:r>
             <a:r>
-              <a:rPr lang="bg-BG" sz="4000" b="1" dirty="0"/>
+              <a:rPr lang="bg-BG" sz="4400" b="1" dirty="0"/>
               <a:t>фамилия</a:t>
             </a:r>
             <a:r>
-              <a:rPr lang="bg-BG" sz="4000" dirty="0"/>
+              <a:rPr lang="bg-BG" sz="4400" dirty="0"/>
               <a:t> на </a:t>
             </a:r>
             <a:r>
-              <a:rPr lang="bg-BG" sz="4000" b="1" dirty="0"/>
+              <a:rPr lang="bg-BG" sz="4400" b="1" dirty="0"/>
               <a:t>пациент</a:t>
             </a:r>
             <a:r>
-              <a:rPr lang="bg-BG" sz="4000" dirty="0"/>
+              <a:rPr lang="en-US" sz="4400" b="1" dirty="0"/>
+              <a:t> </a:t>
+            </a:r>
+            <a:r>
+              <a:rPr lang="en-US" sz="4400" dirty="0"/>
+              <a:t>(</a:t>
+            </a:r>
+            <a:r>
+              <a:rPr lang="bg-BG" sz="4400" dirty="0"/>
+              <a:t>само за четене</a:t>
+            </a:r>
+            <a:r>
+              <a:rPr lang="en-US" sz="4400" dirty="0"/>
+              <a:t> – </a:t>
+            </a:r>
+            <a:r>
+              <a:rPr lang="bg-BG" sz="4400" dirty="0"/>
+              <a:t>избран пациент</a:t>
+            </a:r>
+            <a:r>
+              <a:rPr lang="en-US" sz="4400" dirty="0"/>
+              <a:t>)</a:t>
+            </a:r>
+            <a:r>
+              <a:rPr lang="bg-BG" sz="4400" dirty="0"/>
               <a:t>, </a:t>
             </a:r>
             <a:r>
-              <a:rPr lang="bg-BG" sz="4000" b="1" dirty="0"/>
+              <a:rPr lang="bg-BG" sz="4400" b="1" dirty="0"/>
               <a:t>име</a:t>
             </a:r>
             <a:r>
-              <a:rPr lang="bg-BG" sz="4000" dirty="0"/>
+              <a:rPr lang="bg-BG" sz="4400" dirty="0"/>
               <a:t> и </a:t>
             </a:r>
             <a:r>
-              <a:rPr lang="bg-BG" sz="4000" b="1" dirty="0"/>
+              <a:rPr lang="bg-BG" sz="4400" b="1" dirty="0"/>
               <a:t>фамилия</a:t>
             </a:r>
             <a:r>
-              <a:rPr lang="bg-BG" sz="4000" dirty="0"/>
+              <a:rPr lang="bg-BG" sz="4400" dirty="0"/>
               <a:t> на </a:t>
             </a:r>
             <a:r>
-              <a:rPr lang="bg-BG" sz="4000" b="1" dirty="0"/>
+              <a:rPr lang="bg-BG" sz="4400" b="1" dirty="0"/>
               <a:t>лекар </a:t>
             </a:r>
             <a:r>
-              <a:rPr lang="bg-BG" sz="4000" dirty="0"/>
-              <a:t>(само за четене)</a:t>
-            </a:r>
-            <a:br>
-              <a:rPr lang="bg-BG" sz="4000" dirty="0"/>
-            </a:br>
-            <a:r>
-              <a:rPr lang="bg-BG" sz="4000" b="1" dirty="0"/>
+              <a:rPr lang="bg-BG" sz="4400" dirty="0"/>
+              <a:t>(само за четене – текущ логнат лекар), </a:t>
+            </a:r>
+            <a:r>
+              <a:rPr lang="bg-BG" sz="4400" b="1" dirty="0"/>
               <a:t>дата</a:t>
             </a:r>
             <a:r>
-              <a:rPr lang="bg-BG" sz="4000" dirty="0"/>
+              <a:rPr lang="bg-BG" sz="4400" dirty="0"/>
               <a:t>, </a:t>
             </a:r>
             <a:r>
-              <a:rPr lang="bg-BG" sz="4000" b="1" dirty="0"/>
+              <a:rPr lang="bg-BG" sz="4400" b="1" dirty="0"/>
               <a:t>състояние</a:t>
             </a:r>
             <a:r>
-              <a:rPr lang="bg-BG" sz="4000" dirty="0"/>
+              <a:rPr lang="bg-BG" sz="4400" dirty="0"/>
               <a:t>, </a:t>
             </a:r>
             <a:r>
-              <a:rPr lang="bg-BG" sz="4000" b="1" dirty="0"/>
+              <a:rPr lang="bg-BG" sz="4400" b="1" dirty="0"/>
               <a:t>лечение</a:t>
             </a:r>
           </a:p>
           <a:p>
             <a:pPr lvl="1"/>
             <a:r>
-              <a:rPr lang="bg-BG" sz="4000" dirty="0"/>
+              <a:rPr lang="bg-BG" sz="4400" dirty="0"/>
               <a:t>Бутони за </a:t>
             </a:r>
             <a:r>
-              <a:rPr lang="bg-BG" sz="4000" b="1" dirty="0"/>
+              <a:rPr lang="bg-BG" sz="4400" b="1" dirty="0"/>
               <a:t>редактиране</a:t>
             </a:r>
             <a:r>
-              <a:rPr lang="bg-BG" sz="4000" dirty="0"/>
+              <a:rPr lang="bg-BG" sz="4400" dirty="0"/>
               <a:t> и </a:t>
             </a:r>
             <a:r>
-              <a:rPr lang="bg-BG" sz="4000" b="1" dirty="0"/>
+              <a:rPr lang="bg-BG" sz="4400" b="1" dirty="0"/>
               <a:t>отказ</a:t>
             </a:r>
-          </a:p>
-          <a:p>
-            <a:r>
-              <a:rPr lang="bg-BG" sz="4500" b="1" dirty="0">
-                <a:solidFill>
-                  <a:schemeClr val="bg1"/>
-                </a:solidFill>
-              </a:rPr>
-              <a:t>Форма за изтриване на съществуващ преглед</a:t>
-            </a:r>
-          </a:p>
-          <a:p>
-            <a:pPr lvl="1"/>
-            <a:r>
-              <a:rPr lang="bg-BG" sz="4000" dirty="0"/>
-              <a:t>Полета за </a:t>
-            </a:r>
-            <a:r>
-              <a:rPr lang="bg-BG" sz="4000" b="1" dirty="0"/>
-              <a:t>име</a:t>
-            </a:r>
-            <a:r>
-              <a:rPr lang="bg-BG" sz="4000" dirty="0"/>
-              <a:t> и </a:t>
-            </a:r>
-            <a:r>
-              <a:rPr lang="bg-BG" sz="4000" b="1" dirty="0"/>
-              <a:t>фамилия</a:t>
-            </a:r>
-            <a:r>
-              <a:rPr lang="bg-BG" sz="4000" dirty="0"/>
-              <a:t> на </a:t>
-            </a:r>
-            <a:r>
-              <a:rPr lang="bg-BG" sz="4000" b="1" dirty="0"/>
-              <a:t>пациент</a:t>
-            </a:r>
-            <a:r>
-              <a:rPr lang="bg-BG" sz="4000" dirty="0"/>
-              <a:t>, </a:t>
-            </a:r>
-            <a:r>
-              <a:rPr lang="bg-BG" sz="4000" b="1" dirty="0"/>
-              <a:t>име</a:t>
-            </a:r>
-            <a:r>
-              <a:rPr lang="bg-BG" sz="4000" dirty="0"/>
-              <a:t> и </a:t>
-            </a:r>
-            <a:r>
-              <a:rPr lang="bg-BG" sz="4000" b="1" dirty="0"/>
-              <a:t>фамилия</a:t>
-            </a:r>
-            <a:r>
-              <a:rPr lang="bg-BG" sz="4000" dirty="0"/>
-              <a:t> на </a:t>
-            </a:r>
-            <a:r>
-              <a:rPr lang="bg-BG" sz="4000" b="1" dirty="0"/>
-              <a:t>лекар</a:t>
-            </a:r>
-            <a:r>
-              <a:rPr lang="bg-BG" sz="4000" dirty="0"/>
-              <a:t>, </a:t>
-            </a:r>
-            <a:r>
-              <a:rPr lang="bg-BG" sz="4000" b="1" dirty="0"/>
-              <a:t>дата</a:t>
-            </a:r>
-            <a:r>
-              <a:rPr lang="bg-BG" sz="4000" dirty="0"/>
-              <a:t>, </a:t>
-            </a:r>
-            <a:r>
-              <a:rPr lang="bg-BG" sz="4000" b="1" dirty="0"/>
-              <a:t>състояние</a:t>
-            </a:r>
-            <a:r>
-              <a:rPr lang="bg-BG" sz="4000" dirty="0"/>
-              <a:t>, </a:t>
-            </a:r>
-            <a:r>
-              <a:rPr lang="bg-BG" sz="4000" b="1" dirty="0"/>
-              <a:t>лечение</a:t>
-            </a:r>
-            <a:r>
-              <a:rPr lang="bg-BG" sz="4000" dirty="0"/>
-              <a:t> (всички полета са само за четене)</a:t>
-            </a:r>
-          </a:p>
-          <a:p>
-            <a:pPr lvl="1"/>
-            <a:r>
-              <a:rPr lang="bg-BG" sz="4000" dirty="0"/>
-              <a:t>Бутони за </a:t>
-            </a:r>
-            <a:r>
-              <a:rPr lang="bg-BG" sz="4000" b="1" dirty="0"/>
-              <a:t>изтриване</a:t>
-            </a:r>
-            <a:r>
-              <a:rPr lang="bg-BG" sz="4000" dirty="0"/>
-              <a:t> и </a:t>
-            </a:r>
-            <a:r>
-              <a:rPr lang="bg-BG" sz="4000" b="1" dirty="0"/>
-              <a:t>отказ</a:t>
-            </a:r>
-            <a:endParaRPr lang="en-BG" sz="4000" b="1" dirty="0"/>
+            <a:endParaRPr lang="en-BG" sz="4400" b="1" dirty="0"/>
           </a:p>
         </p:txBody>
       </p:sp>
@@ -17440,153 +17942,6 @@
                       </p:childTnLst>
                     </p:cTn>
                   </p:par>
-                  <p:par>
-                    <p:cTn id="35" fill="hold">
-                      <p:stCondLst>
-                        <p:cond delay="indefinite"/>
-                      </p:stCondLst>
-                      <p:childTnLst>
-                        <p:par>
-                          <p:cTn id="36" fill="hold">
-                            <p:stCondLst>
-                              <p:cond delay="0"/>
-                            </p:stCondLst>
-                            <p:childTnLst>
-                              <p:par>
-                                <p:cTn id="37" presetID="1" presetClass="entr" presetSubtype="0" fill="hold" nodeType="clickEffect">
-                                  <p:stCondLst>
-                                    <p:cond delay="0"/>
-                                  </p:stCondLst>
-                                  <p:childTnLst>
-                                    <p:set>
-                                      <p:cBhvr>
-                                        <p:cTn id="38" dur="1" fill="hold">
-                                          <p:stCondLst>
-                                            <p:cond delay="0"/>
-                                          </p:stCondLst>
-                                        </p:cTn>
-                                        <p:tgtEl>
-                                          <p:spTgt spid="7">
-                                            <p:txEl>
-                                              <p:pRg st="9" end="9"/>
-                                            </p:txEl>
-                                          </p:spTgt>
-                                        </p:tgtEl>
-                                        <p:attrNameLst>
-                                          <p:attrName>style.visibility</p:attrName>
-                                        </p:attrNameLst>
-                                      </p:cBhvr>
-                                      <p:to>
-                                        <p:strVal val="visible"/>
-                                      </p:to>
-                                    </p:set>
-                                  </p:childTnLst>
-                                </p:cTn>
-                              </p:par>
-                            </p:childTnLst>
-                          </p:cTn>
-                        </p:par>
-                      </p:childTnLst>
-                    </p:cTn>
-                  </p:par>
-                  <p:par>
-                    <p:cTn id="39" fill="hold">
-                      <p:stCondLst>
-                        <p:cond delay="indefinite"/>
-                      </p:stCondLst>
-                      <p:childTnLst>
-                        <p:par>
-                          <p:cTn id="40" fill="hold">
-                            <p:stCondLst>
-                              <p:cond delay="0"/>
-                            </p:stCondLst>
-                            <p:childTnLst>
-                              <p:par>
-                                <p:cTn id="41" presetID="1" presetClass="entr" presetSubtype="0" fill="hold" nodeType="clickEffect">
-                                  <p:stCondLst>
-                                    <p:cond delay="0"/>
-                                  </p:stCondLst>
-                                  <p:childTnLst>
-                                    <p:set>
-                                      <p:cBhvr>
-                                        <p:cTn id="42" dur="1" fill="hold">
-                                          <p:stCondLst>
-                                            <p:cond delay="0"/>
-                                          </p:stCondLst>
-                                        </p:cTn>
-                                        <p:tgtEl>
-                                          <p:spTgt spid="7">
-                                            <p:txEl>
-                                              <p:pRg st="10" end="10"/>
-                                            </p:txEl>
-                                          </p:spTgt>
-                                        </p:tgtEl>
-                                        <p:attrNameLst>
-                                          <p:attrName>style.visibility</p:attrName>
-                                        </p:attrNameLst>
-                                      </p:cBhvr>
-                                      <p:to>
-                                        <p:strVal val="visible"/>
-                                      </p:to>
-                                    </p:set>
-                                  </p:childTnLst>
-                                </p:cTn>
-                              </p:par>
-                            </p:childTnLst>
-                          </p:cTn>
-                        </p:par>
-                      </p:childTnLst>
-                    </p:cTn>
-                  </p:par>
-                  <p:par>
-                    <p:cTn id="43" fill="hold">
-                      <p:stCondLst>
-                        <p:cond delay="indefinite"/>
-                      </p:stCondLst>
-                      <p:childTnLst>
-                        <p:par>
-                          <p:cTn id="44" fill="hold">
-                            <p:stCondLst>
-                              <p:cond delay="0"/>
-                            </p:stCondLst>
-                            <p:childTnLst>
-                              <p:par>
-                                <p:cTn id="45" presetID="1" presetClass="entr" presetSubtype="0" fill="hold" nodeType="clickEffect">
-                                  <p:stCondLst>
-                                    <p:cond delay="0"/>
-                                  </p:stCondLst>
-                                  <p:childTnLst>
-                                    <p:set>
-                                      <p:cBhvr>
-                                        <p:cTn id="46" dur="1" fill="hold">
-                                          <p:stCondLst>
-                                            <p:cond delay="0"/>
-                                          </p:stCondLst>
-                                        </p:cTn>
-                                        <p:tgtEl>
-                                          <p:spTgt spid="7">
-                                            <p:txEl>
-                                              <p:pRg st="11" end="11"/>
-                                            </p:txEl>
-                                          </p:spTgt>
-                                        </p:tgtEl>
-                                        <p:attrNameLst>
-                                          <p:attrName>style.visibility</p:attrName>
-                                        </p:attrNameLst>
-                                      </p:cBhvr>
-                                      <p:to>
-                                        <p:strVal val="visible"/>
-                                      </p:to>
-                                    </p:set>
-                                  </p:childTnLst>
-                                </p:cTn>
-                              </p:par>
-                            </p:childTnLst>
-                          </p:cTn>
-                        </p:par>
-                      </p:childTnLst>
-                    </p:cTn>
-                  </p:par>
                 </p:childTnLst>
               </p:cTn>
               <p:prevCondLst>
@@ -17700,6 +18055,394 @@
             </a:r>
             <a:r>
               <a:rPr lang="bg-BG" dirty="0"/>
+              <a:t>- Прегледи</a:t>
+            </a:r>
+            <a:r>
+              <a:rPr lang="en-US" dirty="0"/>
+              <a:t> (2)</a:t>
+            </a:r>
+            <a:endParaRPr lang="en-BG" dirty="0"/>
+          </a:p>
+        </p:txBody>
+      </p:sp>
+      <p:sp>
+        <p:nvSpPr>
+          <p:cNvPr id="7" name="Text Placeholder 6">
+            <a:extLst>
+              <a:ext uri="{FF2B5EF4-FFF2-40B4-BE49-F238E27FC236}">
+                <a16:creationId xmlns:a16="http://schemas.microsoft.com/office/drawing/2014/main" id="{FBFEFCDD-E454-D1E7-D67F-EE67BB2A7ACE}"/>
+              </a:ext>
+            </a:extLst>
+          </p:cNvPr>
+          <p:cNvSpPr>
+            <a:spLocks noGrp="1"/>
+          </p:cNvSpPr>
+          <p:nvPr>
+            <p:ph type="body" sz="quarter" idx="10"/>
+          </p:nvPr>
+        </p:nvSpPr>
+        <p:spPr/>
+        <p:txBody>
+          <a:bodyPr>
+            <a:normAutofit/>
+          </a:bodyPr>
+          <a:lstStyle/>
+          <a:p>
+            <a:r>
+              <a:rPr lang="bg-BG" sz="3200" b="1" dirty="0">
+                <a:solidFill>
+                  <a:schemeClr val="bg1"/>
+                </a:solidFill>
+              </a:rPr>
+              <a:t>Форма за изтриване на съществуващ преглед</a:t>
+            </a:r>
+          </a:p>
+          <a:p>
+            <a:pPr lvl="1"/>
+            <a:r>
+              <a:rPr lang="bg-BG" sz="2800" dirty="0"/>
+              <a:t>Полета за </a:t>
+            </a:r>
+            <a:r>
+              <a:rPr lang="bg-BG" sz="2800" b="1" dirty="0"/>
+              <a:t>име</a:t>
+            </a:r>
+            <a:r>
+              <a:rPr lang="bg-BG" sz="2800" dirty="0"/>
+              <a:t> и </a:t>
+            </a:r>
+            <a:r>
+              <a:rPr lang="bg-BG" sz="2800" b="1" dirty="0"/>
+              <a:t>фамилия</a:t>
+            </a:r>
+            <a:r>
+              <a:rPr lang="bg-BG" sz="2800" dirty="0"/>
+              <a:t> на </a:t>
+            </a:r>
+            <a:r>
+              <a:rPr lang="bg-BG" sz="2800" b="1" dirty="0"/>
+              <a:t>пациент</a:t>
+            </a:r>
+            <a:r>
+              <a:rPr lang="bg-BG" sz="2800" dirty="0"/>
+              <a:t>, </a:t>
+            </a:r>
+            <a:r>
+              <a:rPr lang="bg-BG" sz="2800" b="1" dirty="0"/>
+              <a:t>име</a:t>
+            </a:r>
+            <a:r>
+              <a:rPr lang="bg-BG" sz="2800" dirty="0"/>
+              <a:t> и </a:t>
+            </a:r>
+            <a:r>
+              <a:rPr lang="bg-BG" sz="2800" b="1" dirty="0"/>
+              <a:t>фамилия</a:t>
+            </a:r>
+            <a:r>
+              <a:rPr lang="bg-BG" sz="2800" dirty="0"/>
+              <a:t> на </a:t>
+            </a:r>
+            <a:r>
+              <a:rPr lang="bg-BG" sz="2800" b="1" dirty="0"/>
+              <a:t>лекар</a:t>
+            </a:r>
+            <a:r>
+              <a:rPr lang="bg-BG" sz="2800" dirty="0"/>
+              <a:t>, </a:t>
+            </a:r>
+            <a:r>
+              <a:rPr lang="bg-BG" sz="2800" b="1" dirty="0"/>
+              <a:t>дата</a:t>
+            </a:r>
+            <a:r>
+              <a:rPr lang="bg-BG" sz="2800" dirty="0"/>
+              <a:t>, </a:t>
+            </a:r>
+            <a:r>
+              <a:rPr lang="bg-BG" sz="2800" b="1" dirty="0"/>
+              <a:t>състояние</a:t>
+            </a:r>
+            <a:r>
+              <a:rPr lang="bg-BG" sz="2800" dirty="0"/>
+              <a:t>, </a:t>
+            </a:r>
+            <a:r>
+              <a:rPr lang="bg-BG" sz="2800" b="1" dirty="0"/>
+              <a:t>лечение</a:t>
+            </a:r>
+            <a:r>
+              <a:rPr lang="bg-BG" sz="2800" dirty="0"/>
+              <a:t> (само за четене</a:t>
+            </a:r>
+            <a:r>
+              <a:rPr lang="en-US" sz="2800" dirty="0"/>
+              <a:t> – </a:t>
+            </a:r>
+            <a:r>
+              <a:rPr lang="bg-BG" sz="2800" dirty="0"/>
+              <a:t>всички полета)</a:t>
+            </a:r>
+          </a:p>
+          <a:p>
+            <a:pPr lvl="1"/>
+            <a:r>
+              <a:rPr lang="bg-BG" sz="2800" dirty="0"/>
+              <a:t>Бутони за </a:t>
+            </a:r>
+            <a:r>
+              <a:rPr lang="bg-BG" sz="2800" b="1" dirty="0"/>
+              <a:t>изтриване</a:t>
+            </a:r>
+            <a:r>
+              <a:rPr lang="bg-BG" sz="2800" dirty="0"/>
+              <a:t> и </a:t>
+            </a:r>
+            <a:r>
+              <a:rPr lang="bg-BG" sz="2800" b="1" dirty="0"/>
+              <a:t>отказ</a:t>
+            </a:r>
+            <a:endParaRPr lang="en-BG" sz="2800" b="1" dirty="0"/>
+          </a:p>
+        </p:txBody>
+      </p:sp>
+    </p:spTree>
+    <p:extLst>
+      <p:ext uri="{BB962C8B-B14F-4D97-AF65-F5344CB8AC3E}">
+        <p14:creationId xmlns:p14="http://schemas.microsoft.com/office/powerpoint/2010/main" val="3021418514"/>
+      </p:ext>
+    </p:extLst>
+  </p:cSld>
+  <p:clrMapOvr>
+    <a:masterClrMapping/>
+  </p:clrMapOvr>
+  <mc:AlternateContent xmlns:mc="http://schemas.openxmlformats.org/markup-compatibility/2006" xmlns:p14="http://schemas.microsoft.com/office/powerpoint/2010/main">
+    <mc:Choice Requires="p14">
+      <p:transition spd="slow" p14:dur="2000" advClick="0" advTm="5000"/>
+    </mc:Choice>
+    <mc:Fallback xmlns="">
+      <p:transition spd="slow" advClick="0" advTm="5000"/>
+    </mc:Fallback>
+  </mc:AlternateContent>
+  <p:timing>
+    <p:tnLst>
+      <p:par>
+        <p:cTn id="1" dur="indefinite" restart="never" nodeType="tmRoot">
+          <p:childTnLst>
+            <p:seq concurrent="1" nextAc="seek">
+              <p:cTn id="2" dur="indefinite" nodeType="mainSeq">
+                <p:childTnLst>
+                  <p:par>
+                    <p:cTn id="3" fill="hold">
+                      <p:stCondLst>
+                        <p:cond delay="indefinite"/>
+                      </p:stCondLst>
+                      <p:childTnLst>
+                        <p:par>
+                          <p:cTn id="4" fill="hold">
+                            <p:stCondLst>
+                              <p:cond delay="0"/>
+                            </p:stCondLst>
+                            <p:childTnLst>
+                              <p:par>
+                                <p:cTn id="5" presetID="1" presetClass="entr" presetSubtype="0" fill="hold" nodeType="clickEffect">
+                                  <p:stCondLst>
+                                    <p:cond delay="0"/>
+                                  </p:stCondLst>
+                                  <p:childTnLst>
+                                    <p:set>
+                                      <p:cBhvr>
+                                        <p:cTn id="6" dur="1" fill="hold">
+                                          <p:stCondLst>
+                                            <p:cond delay="0"/>
+                                          </p:stCondLst>
+                                        </p:cTn>
+                                        <p:tgtEl>
+                                          <p:spTgt spid="7">
+                                            <p:txEl>
+                                              <p:pRg st="1" end="1"/>
+                                            </p:txEl>
+                                          </p:spTgt>
+                                        </p:tgtEl>
+                                        <p:attrNameLst>
+                                          <p:attrName>style.visibility</p:attrName>
+                                        </p:attrNameLst>
+                                      </p:cBhvr>
+                                      <p:to>
+                                        <p:strVal val="visible"/>
+                                      </p:to>
+                                    </p:set>
+                                  </p:childTnLst>
+                                </p:cTn>
+                              </p:par>
+                            </p:childTnLst>
+                          </p:cTn>
+                        </p:par>
+                      </p:childTnLst>
+                    </p:cTn>
+                  </p:par>
+                  <p:par>
+                    <p:cTn id="7" fill="hold">
+                      <p:stCondLst>
+                        <p:cond delay="indefinite"/>
+                      </p:stCondLst>
+                      <p:childTnLst>
+                        <p:par>
+                          <p:cTn id="8" fill="hold">
+                            <p:stCondLst>
+                              <p:cond delay="0"/>
+                            </p:stCondLst>
+                            <p:childTnLst>
+                              <p:par>
+                                <p:cTn id="9" presetID="1" presetClass="entr" presetSubtype="0" fill="hold" nodeType="clickEffect">
+                                  <p:stCondLst>
+                                    <p:cond delay="0"/>
+                                  </p:stCondLst>
+                                  <p:childTnLst>
+                                    <p:set>
+                                      <p:cBhvr>
+                                        <p:cTn id="10" dur="1" fill="hold">
+                                          <p:stCondLst>
+                                            <p:cond delay="0"/>
+                                          </p:stCondLst>
+                                        </p:cTn>
+                                        <p:tgtEl>
+                                          <p:spTgt spid="7">
+                                            <p:txEl>
+                                              <p:pRg st="2" end="2"/>
+                                            </p:txEl>
+                                          </p:spTgt>
+                                        </p:tgtEl>
+                                        <p:attrNameLst>
+                                          <p:attrName>style.visibility</p:attrName>
+                                        </p:attrNameLst>
+                                      </p:cBhvr>
+                                      <p:to>
+                                        <p:strVal val="visible"/>
+                                      </p:to>
+                                    </p:set>
+                                  </p:childTnLst>
+                                </p:cTn>
+                              </p:par>
+                            </p:childTnLst>
+                          </p:cTn>
+                        </p:par>
+                      </p:childTnLst>
+                    </p:cTn>
+                  </p:par>
+                </p:childTnLst>
+              </p:cTn>
+              <p:prevCondLst>
+                <p:cond evt="onPrev" delay="0">
+                  <p:tgtEl>
+                    <p:sldTgt/>
+                  </p:tgtEl>
+                </p:cond>
+              </p:prevCondLst>
+              <p:nextCondLst>
+                <p:cond evt="onNext" delay="0">
+                  <p:tgtEl>
+                    <p:sldTgt/>
+                  </p:tgtEl>
+                </p:cond>
+              </p:nextCondLst>
+            </p:seq>
+          </p:childTnLst>
+        </p:cTn>
+      </p:par>
+    </p:tnLst>
+  </p:timing>
+</p:sld>
+</file>
+
+<file path=ppt/slides/slide27.xml><?xml version="1.0" encoding="utf-8"?>
+<p:sld xmlns:a="http://schemas.openxmlformats.org/drawingml/2006/main" xmlns:r="http://schemas.openxmlformats.org/officeDocument/2006/relationships" xmlns:p="http://schemas.openxmlformats.org/presentationml/2006/main">
+  <p:cSld>
+    <p:spTree>
+      <p:nvGrpSpPr>
+        <p:cNvPr id="1" name=""/>
+        <p:cNvGrpSpPr/>
+        <p:nvPr/>
+      </p:nvGrpSpPr>
+      <p:grpSpPr>
+        <a:xfrm>
+          <a:off x="0" y="0"/>
+          <a:ext cx="0" cy="0"/>
+          <a:chOff x="0" y="0"/>
+          <a:chExt cx="0" cy="0"/>
+        </a:xfrm>
+      </p:grpSpPr>
+      <p:sp>
+        <p:nvSpPr>
+          <p:cNvPr id="2" name="Slide Number Placeholder 1">
+            <a:extLst>
+              <a:ext uri="{FF2B5EF4-FFF2-40B4-BE49-F238E27FC236}">
+                <a16:creationId xmlns:a16="http://schemas.microsoft.com/office/drawing/2014/main" id="{CCAABC86-82E0-F099-701A-D4347B605385}"/>
+              </a:ext>
+            </a:extLst>
+          </p:cNvPr>
+          <p:cNvSpPr>
+            <a:spLocks noGrp="1"/>
+          </p:cNvSpPr>
+          <p:nvPr>
+            <p:ph type="sldNum" sz="quarter" idx="5"/>
+          </p:nvPr>
+        </p:nvSpPr>
+        <p:spPr/>
+        <p:txBody>
+          <a:bodyPr/>
+          <a:lstStyle/>
+          <a:p>
+            <a:fld id="{2BF067CD-8E6B-4360-9AA8-C5DF2A48A6D1}" type="slidenum">
+              <a:rPr lang="en-US" noProof="0" smtClean="0"/>
+              <a:pPr/>
+              <a:t>27</a:t>
+            </a:fld>
+            <a:endParaRPr lang="en-US" noProof="0" dirty="0"/>
+          </a:p>
+        </p:txBody>
+      </p:sp>
+      <p:sp>
+        <p:nvSpPr>
+          <p:cNvPr id="4" name="Title 3">
+            <a:extLst>
+              <a:ext uri="{FF2B5EF4-FFF2-40B4-BE49-F238E27FC236}">
+                <a16:creationId xmlns:a16="http://schemas.microsoft.com/office/drawing/2014/main" id="{67B6A643-676D-3506-B008-B24B36AA34F1}"/>
+              </a:ext>
+            </a:extLst>
+          </p:cNvPr>
+          <p:cNvSpPr>
+            <a:spLocks noGrp="1"/>
+          </p:cNvSpPr>
+          <p:nvPr>
+            <p:ph type="title"/>
+          </p:nvPr>
+        </p:nvSpPr>
+        <p:spPr/>
+        <p:txBody>
+          <a:bodyPr>
+            <a:normAutofit/>
+          </a:bodyPr>
+          <a:lstStyle/>
+          <a:p>
+            <a:r>
+              <a:rPr lang="bg-BG" dirty="0"/>
+              <a:t>Проектиране</a:t>
+            </a:r>
+            <a:r>
+              <a:rPr lang="en-US" dirty="0"/>
+              <a:t>: </a:t>
+            </a:r>
+            <a:r>
+              <a:rPr lang="bg-BG" dirty="0"/>
+              <a:t>дизайн на </a:t>
+            </a:r>
+            <a:r>
+              <a:rPr lang="en-US" dirty="0"/>
+              <a:t>UI </a:t>
+            </a:r>
+            <a:r>
+              <a:rPr lang="bg-BG" dirty="0"/>
               <a:t>- Лекари</a:t>
             </a:r>
             <a:endParaRPr lang="en-BG" dirty="0"/>
@@ -17978,8 +18721,21 @@
             </a:r>
             <a:r>
               <a:rPr lang="bg-BG" b="1" dirty="0"/>
-              <a:t>фамилия</a:t>
-            </a:r>
+              <a:t>фамилия </a:t>
+            </a:r>
+            <a:r>
+              <a:rPr lang="en-US" dirty="0"/>
+              <a:t>(</a:t>
+            </a:r>
+            <a:r>
+              <a:rPr lang="bg-BG" dirty="0"/>
+              <a:t>само за четене</a:t>
+            </a:r>
+            <a:r>
+              <a:rPr lang="en-US" dirty="0"/>
+              <a:t>)</a:t>
+            </a:r>
+            <a:endParaRPr lang="bg-BG" dirty="0"/>
           </a:p>
           <a:p>
             <a:pPr lvl="1"/>
@@ -18593,7 +19349,7 @@
 </p:sld>
 </file>
 
-<file path=ppt/slides/slide27.xml><?xml version="1.0" encoding="utf-8"?>
+<file path=ppt/slides/slide28.xml><?xml version="1.0" encoding="utf-8"?>
 <p:sld xmlns:a="http://schemas.openxmlformats.org/drawingml/2006/main" xmlns:r="http://schemas.openxmlformats.org/officeDocument/2006/relationships" xmlns:p="http://schemas.openxmlformats.org/presentationml/2006/main">
   <p:cSld>
     <p:spTree>
@@ -18634,7 +19390,7 @@
             <a:fld id="{2BF067CD-8E6B-4360-9AA8-C5DF2A48A6D1}" type="slidenum">
               <a:rPr lang="en-US" noProof="0" smtClean="0"/>
               <a:pPr/>
-              <a:t>27</a:t>
+              <a:t>28</a:t>
             </a:fld>
             <a:endParaRPr lang="en-US" noProof="0" dirty="0"/>
           </a:p>
@@ -18862,8 +19618,21 @@
             </a:r>
             <a:r>
               <a:rPr lang="bg-BG" b="1" dirty="0"/>
-              <a:t>фамилия</a:t>
-            </a:r>
+              <a:t>фамилия </a:t>
+            </a:r>
+            <a:r>
+              <a:rPr lang="en-US" dirty="0"/>
+              <a:t>(</a:t>
+            </a:r>
+            <a:r>
+              <a:rPr lang="bg-BG" dirty="0"/>
+              <a:t>само за четене</a:t>
+            </a:r>
+            <a:r>
+              <a:rPr lang="en-US" dirty="0"/>
+              <a:t>)</a:t>
+            </a:r>
+            <a:endParaRPr lang="bg-BG" dirty="0"/>
           </a:p>
           <a:p>
             <a:pPr lvl="1"/>
@@ -19526,7 +20295,7 @@
 </p:sld>
 </file>
 
-<file path=ppt/slides/slide28.xml><?xml version="1.0" encoding="utf-8"?>
+<file path=ppt/slides/slide29.xml><?xml version="1.0" encoding="utf-8"?>
 <p:sld xmlns:a="http://schemas.openxmlformats.org/drawingml/2006/main" xmlns:r="http://schemas.openxmlformats.org/officeDocument/2006/relationships" xmlns:p="http://schemas.openxmlformats.org/presentationml/2006/main">
   <p:cSld>
     <p:spTree>
@@ -20152,7 +20921,7 @@
             <a:fld id="{2BF067CD-8E6B-4360-9AA8-C5DF2A48A6D1}" type="slidenum">
               <a:rPr lang="en-US" noProof="0" smtClean="0"/>
               <a:pPr/>
-              <a:t>28</a:t>
+              <a:t>29</a:t>
             </a:fld>
             <a:endParaRPr lang="en-US" noProof="0" dirty="0"/>
           </a:p>
@@ -20601,196 +21370,6 @@
 </p:sld>
 </file>
 
-<file path=ppt/slides/slide29.xml><?xml version="1.0" encoding="utf-8"?>
-<p:sld xmlns:a="http://schemas.openxmlformats.org/drawingml/2006/main" xmlns:r="http://schemas.openxmlformats.org/officeDocument/2006/relationships" xmlns:p="http://schemas.openxmlformats.org/presentationml/2006/main">
-  <p:cSld>
-    <p:spTree>
-      <p:nvGrpSpPr>
-        <p:cNvPr id="1" name=""/>
-        <p:cNvGrpSpPr/>
-        <p:nvPr/>
-      </p:nvGrpSpPr>
-      <p:grpSpPr>
-        <a:xfrm>
-          <a:off x="0" y="0"/>
-          <a:ext cx="0" cy="0"/>
-          <a:chOff x="0" y="0"/>
-          <a:chExt cx="0" cy="0"/>
-        </a:xfrm>
-      </p:grpSpPr>
-      <p:sp>
-        <p:nvSpPr>
-          <p:cNvPr id="5" name="Slide Title">
-            <a:extLst>
-              <a:ext uri="{FF2B5EF4-FFF2-40B4-BE49-F238E27FC236}">
-                <a16:creationId xmlns:a16="http://schemas.microsoft.com/office/drawing/2014/main" id="{FA0703FC-0F8F-4C80-A615-E4B381EC0E0C}"/>
-              </a:ext>
-            </a:extLst>
-          </p:cNvPr>
-          <p:cNvSpPr>
-            <a:spLocks noGrp="1"/>
-          </p:cNvSpPr>
-          <p:nvPr>
-            <p:ph type="title"/>
-          </p:nvPr>
-        </p:nvSpPr>
-        <p:spPr/>
-        <p:txBody>
-          <a:bodyPr/>
-          <a:lstStyle/>
-          <a:p>
-            <a:r>
-              <a:rPr lang="bg-BG" dirty="0"/>
-              <a:t>Въпроси</a:t>
-            </a:r>
-            <a:r>
-              <a:rPr lang="en-US" dirty="0"/>
-              <a:t>?</a:t>
-            </a:r>
-          </a:p>
-        </p:txBody>
-      </p:sp>
-      <p:sp>
-        <p:nvSpPr>
-          <p:cNvPr id="2" name="Rectangle Bottom Copyright">
-            <a:extLst>
-              <a:ext uri="{FF2B5EF4-FFF2-40B4-BE49-F238E27FC236}">
-                <a16:creationId xmlns:a16="http://schemas.microsoft.com/office/drawing/2014/main" id="{664812A4-2991-44D1-BFE9-32E55AADF8A5}"/>
-              </a:ext>
-            </a:extLst>
-          </p:cNvPr>
-          <p:cNvSpPr/>
-          <p:nvPr/>
-        </p:nvSpPr>
-        <p:spPr>
-          <a:xfrm>
-            <a:off x="111000" y="6454758"/>
-            <a:ext cx="11970000" cy="304242"/>
-          </a:xfrm>
-          <a:prstGeom prst="rect">
-            <a:avLst/>
-          </a:prstGeom>
-        </p:spPr>
-        <p:txBody>
-          <a:bodyPr wrap="square">
-            <a:noAutofit/>
-          </a:bodyPr>
-          <a:lstStyle/>
-          <a:p>
-            <a:pPr algn="ctr">
-              <a:lnSpc>
-                <a:spcPct val="100000"/>
-              </a:lnSpc>
-              <a:spcBef>
-                <a:spcPts val="0"/>
-              </a:spcBef>
-              <a:spcAft>
-                <a:spcPts val="0"/>
-              </a:spcAft>
-            </a:pPr>
-            <a:r>
-              <a:rPr lang="bg-BG" sz="1600" dirty="0">
-                <a:solidFill>
-                  <a:schemeClr val="bg2"/>
-                </a:solidFill>
-                <a:effectLst/>
-                <a:latin typeface="Calibri" panose="020F0502020204030204" pitchFamily="34" charset="0"/>
-                <a:ea typeface="Calibri" panose="020F0502020204030204" pitchFamily="34" charset="0"/>
-                <a:cs typeface="Arial" panose="020B0604020202020204" pitchFamily="34" charset="0"/>
-              </a:rPr>
-              <a:t>Проект "</a:t>
-            </a:r>
-            <a:r>
-              <a:rPr lang="bg-BG" sz="1600" dirty="0">
-                <a:solidFill>
-                  <a:schemeClr val="bg1">
-                    <a:lumMod val="20000"/>
-                    <a:lumOff val="80000"/>
-                  </a:schemeClr>
-                </a:solidFill>
-                <a:effectLst/>
-                <a:latin typeface="Calibri" panose="020F0502020204030204" pitchFamily="34" charset="0"/>
-                <a:ea typeface="Calibri" panose="020F0502020204030204" pitchFamily="34" charset="0"/>
-                <a:cs typeface="Arial" panose="020B0604020202020204" pitchFamily="34" charset="0"/>
-                <a:hlinkClick r:id="rId3">
-                  <a:extLst>
-                    <a:ext uri="{A12FA001-AC4F-418D-AE19-62706E023703}">
-                      <ahyp:hlinkClr xmlns:ahyp="http://schemas.microsoft.com/office/drawing/2018/hyperlinkcolor" val="tx"/>
-                    </a:ext>
-                  </a:extLst>
-                </a:hlinkClick>
-              </a:rPr>
-              <a:t>Отворено учебно съдържание по програмиране и ИТ</a:t>
-            </a:r>
-            <a:r>
-              <a:rPr lang="bg-BG" sz="1600" dirty="0">
-                <a:solidFill>
-                  <a:schemeClr val="bg2"/>
-                </a:solidFill>
-                <a:effectLst/>
-                <a:latin typeface="Calibri" panose="020F0502020204030204" pitchFamily="34" charset="0"/>
-                <a:ea typeface="Calibri" panose="020F0502020204030204" pitchFamily="34" charset="0"/>
-                <a:cs typeface="Arial" panose="020B0604020202020204" pitchFamily="34" charset="0"/>
-              </a:rPr>
-              <a:t>", СофтУни Фондация (лиценз </a:t>
-            </a:r>
-            <a:r>
-              <a:rPr lang="en-US" sz="1600" dirty="0">
-                <a:solidFill>
-                  <a:schemeClr val="bg2"/>
-                </a:solidFill>
-                <a:effectLst/>
-                <a:latin typeface="Calibri" panose="020F0502020204030204" pitchFamily="34" charset="0"/>
-                <a:ea typeface="Calibri" panose="020F0502020204030204" pitchFamily="34" charset="0"/>
-                <a:cs typeface="Arial" panose="020B0604020202020204" pitchFamily="34" charset="0"/>
-              </a:rPr>
-              <a:t>CC-BY-NC-SA</a:t>
-            </a:r>
-            <a:r>
-              <a:rPr lang="bg-BG" sz="1600" dirty="0">
-                <a:solidFill>
-                  <a:schemeClr val="bg2"/>
-                </a:solidFill>
-                <a:effectLst/>
-                <a:latin typeface="Calibri" panose="020F0502020204030204" pitchFamily="34" charset="0"/>
-                <a:ea typeface="Calibri" panose="020F0502020204030204" pitchFamily="34" charset="0"/>
-                <a:cs typeface="Arial" panose="020B0604020202020204" pitchFamily="34" charset="0"/>
-              </a:rPr>
-              <a:t>)</a:t>
-            </a:r>
-            <a:endParaRPr lang="bg-BG" sz="2400" dirty="0">
-              <a:solidFill>
-                <a:schemeClr val="bg2"/>
-              </a:solidFill>
-              <a:effectLst/>
-              <a:latin typeface="Calibri" panose="020F0502020204030204" pitchFamily="34" charset="0"/>
-              <a:ea typeface="Calibri" panose="020F0502020204030204" pitchFamily="34" charset="0"/>
-              <a:cs typeface="Arial" panose="020B0604020202020204" pitchFamily="34" charset="0"/>
-            </a:endParaRPr>
-          </a:p>
-        </p:txBody>
-      </p:sp>
-    </p:spTree>
-    <p:extLst>
-      <p:ext uri="{BB962C8B-B14F-4D97-AF65-F5344CB8AC3E}">
-        <p14:creationId xmlns:p14="http://schemas.microsoft.com/office/powerpoint/2010/main" val="1472534970"/>
-      </p:ext>
-    </p:extLst>
-  </p:cSld>
-  <p:clrMapOvr>
-    <a:masterClrMapping/>
-  </p:clrMapOvr>
-  <mc:AlternateContent xmlns:mc="http://schemas.openxmlformats.org/markup-compatibility/2006" xmlns:p14="http://schemas.microsoft.com/office/powerpoint/2010/main">
-    <mc:Choice Requires="p14">
-      <p:transition spd="slow" p14:dur="2000" advClick="0" advTm="5000"/>
-    </mc:Choice>
-    <mc:Fallback xmlns="">
-      <p:transition spd="slow" advClick="0" advTm="5000"/>
-    </mc:Fallback>
-  </mc:AlternateContent>
-</p:sld>
-</file>
-
 <file path=ppt/slides/slide3.xml><?xml version="1.0" encoding="utf-8"?>
 <p:sld xmlns:a="http://schemas.openxmlformats.org/drawingml/2006/main" xmlns:r="http://schemas.openxmlformats.org/officeDocument/2006/relationships" xmlns:p="http://schemas.openxmlformats.org/presentationml/2006/main">
   <p:cSld>
@@ -20923,6 +21502,196 @@
 </file>
 
 <file path=ppt/slides/slide30.xml><?xml version="1.0" encoding="utf-8"?>
+<p:sld xmlns:a="http://schemas.openxmlformats.org/drawingml/2006/main" xmlns:r="http://schemas.openxmlformats.org/officeDocument/2006/relationships" xmlns:p="http://schemas.openxmlformats.org/presentationml/2006/main">
+  <p:cSld>
+    <p:spTree>
+      <p:nvGrpSpPr>
+        <p:cNvPr id="1" name=""/>
+        <p:cNvGrpSpPr/>
+        <p:nvPr/>
+      </p:nvGrpSpPr>
+      <p:grpSpPr>
+        <a:xfrm>
+          <a:off x="0" y="0"/>
+          <a:ext cx="0" cy="0"/>
+          <a:chOff x="0" y="0"/>
+          <a:chExt cx="0" cy="0"/>
+        </a:xfrm>
+      </p:grpSpPr>
+      <p:sp>
+        <p:nvSpPr>
+          <p:cNvPr id="5" name="Slide Title">
+            <a:extLst>
+              <a:ext uri="{FF2B5EF4-FFF2-40B4-BE49-F238E27FC236}">
+                <a16:creationId xmlns:a16="http://schemas.microsoft.com/office/drawing/2014/main" id="{FA0703FC-0F8F-4C80-A615-E4B381EC0E0C}"/>
+              </a:ext>
+            </a:extLst>
+          </p:cNvPr>
+          <p:cNvSpPr>
+            <a:spLocks noGrp="1"/>
+          </p:cNvSpPr>
+          <p:nvPr>
+            <p:ph type="title"/>
+          </p:nvPr>
+        </p:nvSpPr>
+        <p:spPr/>
+        <p:txBody>
+          <a:bodyPr/>
+          <a:lstStyle/>
+          <a:p>
+            <a:r>
+              <a:rPr lang="bg-BG" dirty="0"/>
+              <a:t>Въпроси</a:t>
+            </a:r>
+            <a:r>
+              <a:rPr lang="en-US" dirty="0"/>
+              <a:t>?</a:t>
+            </a:r>
+          </a:p>
+        </p:txBody>
+      </p:sp>
+      <p:sp>
+        <p:nvSpPr>
+          <p:cNvPr id="2" name="Rectangle Bottom Copyright">
+            <a:extLst>
+              <a:ext uri="{FF2B5EF4-FFF2-40B4-BE49-F238E27FC236}">
+                <a16:creationId xmlns:a16="http://schemas.microsoft.com/office/drawing/2014/main" id="{664812A4-2991-44D1-BFE9-32E55AADF8A5}"/>
+              </a:ext>
+            </a:extLst>
+          </p:cNvPr>
+          <p:cNvSpPr/>
+          <p:nvPr/>
+        </p:nvSpPr>
+        <p:spPr>
+          <a:xfrm>
+            <a:off x="111000" y="6454758"/>
+            <a:ext cx="11970000" cy="304242"/>
+          </a:xfrm>
+          <a:prstGeom prst="rect">
+            <a:avLst/>
+          </a:prstGeom>
+        </p:spPr>
+        <p:txBody>
+          <a:bodyPr wrap="square">
+            <a:noAutofit/>
+          </a:bodyPr>
+          <a:lstStyle/>
+          <a:p>
+            <a:pPr algn="ctr">
+              <a:lnSpc>
+                <a:spcPct val="100000"/>
+              </a:lnSpc>
+              <a:spcBef>
+                <a:spcPts val="0"/>
+              </a:spcBef>
+              <a:spcAft>
+                <a:spcPts val="0"/>
+              </a:spcAft>
+            </a:pPr>
+            <a:r>
+              <a:rPr lang="bg-BG" sz="1600" dirty="0">
+                <a:solidFill>
+                  <a:schemeClr val="bg2"/>
+                </a:solidFill>
+                <a:effectLst/>
+                <a:latin typeface="Calibri" panose="020F0502020204030204" pitchFamily="34" charset="0"/>
+                <a:ea typeface="Calibri" panose="020F0502020204030204" pitchFamily="34" charset="0"/>
+                <a:cs typeface="Arial" panose="020B0604020202020204" pitchFamily="34" charset="0"/>
+              </a:rPr>
+              <a:t>Проект "</a:t>
+            </a:r>
+            <a:r>
+              <a:rPr lang="bg-BG" sz="1600" dirty="0">
+                <a:solidFill>
+                  <a:schemeClr val="bg1">
+                    <a:lumMod val="20000"/>
+                    <a:lumOff val="80000"/>
+                  </a:schemeClr>
+                </a:solidFill>
+                <a:effectLst/>
+                <a:latin typeface="Calibri" panose="020F0502020204030204" pitchFamily="34" charset="0"/>
+                <a:ea typeface="Calibri" panose="020F0502020204030204" pitchFamily="34" charset="0"/>
+                <a:cs typeface="Arial" panose="020B0604020202020204" pitchFamily="34" charset="0"/>
+                <a:hlinkClick r:id="rId3">
+                  <a:extLst>
+                    <a:ext uri="{A12FA001-AC4F-418D-AE19-62706E023703}">
+                      <ahyp:hlinkClr xmlns:ahyp="http://schemas.microsoft.com/office/drawing/2018/hyperlinkcolor" val="tx"/>
+                    </a:ext>
+                  </a:extLst>
+                </a:hlinkClick>
+              </a:rPr>
+              <a:t>Отворено учебно съдържание по програмиране и ИТ</a:t>
+            </a:r>
+            <a:r>
+              <a:rPr lang="bg-BG" sz="1600" dirty="0">
+                <a:solidFill>
+                  <a:schemeClr val="bg2"/>
+                </a:solidFill>
+                <a:effectLst/>
+                <a:latin typeface="Calibri" panose="020F0502020204030204" pitchFamily="34" charset="0"/>
+                <a:ea typeface="Calibri" panose="020F0502020204030204" pitchFamily="34" charset="0"/>
+                <a:cs typeface="Arial" panose="020B0604020202020204" pitchFamily="34" charset="0"/>
+              </a:rPr>
+              <a:t>", СофтУни Фондация (лиценз </a:t>
+            </a:r>
+            <a:r>
+              <a:rPr lang="en-US" sz="1600" dirty="0">
+                <a:solidFill>
+                  <a:schemeClr val="bg2"/>
+                </a:solidFill>
+                <a:effectLst/>
+                <a:latin typeface="Calibri" panose="020F0502020204030204" pitchFamily="34" charset="0"/>
+                <a:ea typeface="Calibri" panose="020F0502020204030204" pitchFamily="34" charset="0"/>
+                <a:cs typeface="Arial" panose="020B0604020202020204" pitchFamily="34" charset="0"/>
+              </a:rPr>
+              <a:t>CC-BY-NC-SA</a:t>
+            </a:r>
+            <a:r>
+              <a:rPr lang="bg-BG" sz="1600" dirty="0">
+                <a:solidFill>
+                  <a:schemeClr val="bg2"/>
+                </a:solidFill>
+                <a:effectLst/>
+                <a:latin typeface="Calibri" panose="020F0502020204030204" pitchFamily="34" charset="0"/>
+                <a:ea typeface="Calibri" panose="020F0502020204030204" pitchFamily="34" charset="0"/>
+                <a:cs typeface="Arial" panose="020B0604020202020204" pitchFamily="34" charset="0"/>
+              </a:rPr>
+              <a:t>)</a:t>
+            </a:r>
+            <a:endParaRPr lang="bg-BG" sz="2400" dirty="0">
+              <a:solidFill>
+                <a:schemeClr val="bg2"/>
+              </a:solidFill>
+              <a:effectLst/>
+              <a:latin typeface="Calibri" panose="020F0502020204030204" pitchFamily="34" charset="0"/>
+              <a:ea typeface="Calibri" panose="020F0502020204030204" pitchFamily="34" charset="0"/>
+              <a:cs typeface="Arial" panose="020B0604020202020204" pitchFamily="34" charset="0"/>
+            </a:endParaRPr>
+          </a:p>
+        </p:txBody>
+      </p:sp>
+    </p:spTree>
+    <p:extLst>
+      <p:ext uri="{BB962C8B-B14F-4D97-AF65-F5344CB8AC3E}">
+        <p14:creationId xmlns:p14="http://schemas.microsoft.com/office/powerpoint/2010/main" val="1472534970"/>
+      </p:ext>
+    </p:extLst>
+  </p:cSld>
+  <p:clrMapOvr>
+    <a:masterClrMapping/>
+  </p:clrMapOvr>
+  <mc:AlternateContent xmlns:mc="http://schemas.openxmlformats.org/markup-compatibility/2006" xmlns:p14="http://schemas.microsoft.com/office/powerpoint/2010/main">
+    <mc:Choice Requires="p14">
+      <p:transition spd="slow" p14:dur="2000" advClick="0" advTm="5000"/>
+    </mc:Choice>
+    <mc:Fallback xmlns="">
+      <p:transition spd="slow" advClick="0" advTm="5000"/>
+    </mc:Fallback>
+  </mc:AlternateContent>
+</p:sld>
+</file>
+
+<file path=ppt/slides/slide31.xml><?xml version="1.0" encoding="utf-8"?>
 <p:sld xmlns:a="http://schemas.openxmlformats.org/drawingml/2006/main" xmlns:r="http://schemas.openxmlformats.org/officeDocument/2006/relationships" xmlns:p="http://schemas.openxmlformats.org/presentationml/2006/main" show="0">
   <p:cSld>
     <p:spTree>
@@ -20975,7 +21744,7 @@
             <a:fld id="{2BF067CD-8E6B-4360-9AA8-C5DF2A48A6D1}" type="slidenum">
               <a:rPr lang="en-US" smtClean="0"/>
               <a:pPr/>
-              <a:t>30</a:t>
+              <a:t>31</a:t>
             </a:fld>
             <a:endParaRPr lang="en-US" dirty="0"/>
           </a:p>

--- a/Courses/Software-Sciences/Module-4-Information-Systems-New/09-Lifecycle-of-Information-System/09-Lifecycle-of-Information-System.pptx
+++ b/Courses/Software-Sciences/Module-4-Information-Systems-New/09-Lifecycle-of-Information-System/09-Lifecycle-of-Information-System.pptx
@@ -223,7 +223,7 @@
 
 <file path=ppt/commentAuthors.xml><?xml version="1.0" encoding="utf-8"?>
 <p:cmAuthorLst xmlns:a="http://schemas.openxmlformats.org/drawingml/2006/main" xmlns:r="http://schemas.openxmlformats.org/officeDocument/2006/relationships" xmlns:p="http://schemas.openxmlformats.org/presentationml/2006/main">
-  <p:cmAuthor id="1" name="Mirela Damyanova" initials="MD" lastIdx="5" clrIdx="0">
+  <p:cmAuthor id="1" name="Mirela Damyanova" initials="MD" lastIdx="6" clrIdx="0">
     <p:extLst>
       <p:ext uri="{19B8F6BF-5375-455C-9EA6-DF929625EA0E}">
         <p15:presenceInfo xmlns:p15="http://schemas.microsoft.com/office/powerpoint/2012/main" userId="Mirela Damyanova" providerId="None"/>
@@ -249,51 +249,18 @@
 
 <file path=ppt/comments/comment2.xml><?xml version="1.0" encoding="utf-8"?>
 <p:cmLst xmlns:a="http://schemas.openxmlformats.org/drawingml/2006/main" xmlns:r="http://schemas.openxmlformats.org/officeDocument/2006/relationships" xmlns:p="http://schemas.openxmlformats.org/presentationml/2006/main">
-  <p:cm authorId="1" dt="2024-09-18T10:28:22.172" idx="3">
+  <p:cm authorId="1" dt="2024-09-18T10:41:51.625" idx="5">
     <p:pos x="10" y="10"/>
-    <p:text>Ще се добави и форма за потребители при Админ</p:text>
+    <p:text>Админът ще може ли да променя потребителско име и парола на админите</p:text>
     <p:extLst>
       <p:ext uri="{C676402C-5697-4E1C-873F-D02D1690AC5C}">
         <p15:threadingInfo xmlns:p15="http://schemas.microsoft.com/office/powerpoint/2012/main" timeZoneBias="-180"/>
       </p:ext>
     </p:extLst>
   </p:cm>
-</p:cmLst>
-</file>
-
-<file path=ppt/comments/comment3.xml><?xml version="1.0" encoding="utf-8"?>
-<p:cmLst xmlns:a="http://schemas.openxmlformats.org/drawingml/2006/main" xmlns:r="http://schemas.openxmlformats.org/officeDocument/2006/relationships" xmlns:p="http://schemas.openxmlformats.org/presentationml/2006/main">
-  <p:cm authorId="1" dt="2024-09-18T10:27:11.526" idx="1">
-    <p:pos x="10" y="10"/>
-    <p:text>Бутон за изтриване на админ</p:text>
-    <p:extLst>
-      <p:ext uri="{C676402C-5697-4E1C-873F-D02D1690AC5C}">
-        <p15:threadingInfo xmlns:p15="http://schemas.microsoft.com/office/powerpoint/2012/main" timeZoneBias="-180"/>
-      </p:ext>
-    </p:extLst>
-  </p:cm>
-</p:cmLst>
-</file>
-
-<file path=ppt/comments/comment4.xml><?xml version="1.0" encoding="utf-8"?>
-<p:cmLst xmlns:a="http://schemas.openxmlformats.org/drawingml/2006/main" xmlns:r="http://schemas.openxmlformats.org/officeDocument/2006/relationships" xmlns:p="http://schemas.openxmlformats.org/presentationml/2006/main">
-  <p:cm authorId="1" dt="2024-09-18T10:30:17.617" idx="4">
-    <p:pos x="10" y="10"/>
-    <p:text>Таблица с потребители</p:text>
-    <p:extLst>
-      <p:ext uri="{C676402C-5697-4E1C-873F-D02D1690AC5C}">
-        <p15:threadingInfo xmlns:p15="http://schemas.microsoft.com/office/powerpoint/2012/main" timeZoneBias="-180"/>
-      </p:ext>
-    </p:extLst>
-  </p:cm>
-</p:cmLst>
-</file>
-
-<file path=ppt/comments/comment5.xml><?xml version="1.0" encoding="utf-8"?>
-<p:cmLst xmlns:a="http://schemas.openxmlformats.org/drawingml/2006/main" xmlns:r="http://schemas.openxmlformats.org/officeDocument/2006/relationships" xmlns:p="http://schemas.openxmlformats.org/presentationml/2006/main">
-  <p:cm authorId="1" dt="2024-09-18T10:41:51.625" idx="5">
-    <p:pos x="10" y="10"/>
-    <p:text>Админът ще може ли да променя потребителско име и парола на админите</p:text>
+  <p:cm authorId="1" dt="2024-09-23T11:17:45.384" idx="6">
+    <p:pos x="6023" y="2708"/>
+    <p:text>Ще се добавят проверки</p:text>
     <p:extLst>
       <p:ext uri="{C676402C-5697-4E1C-873F-D02D1690AC5C}">
         <p15:threadingInfo xmlns:p15="http://schemas.microsoft.com/office/powerpoint/2012/main" timeZoneBias="-180"/>
@@ -397,7 +364,7 @@
           <a:p>
             <a:fld id="{4E087215-0C8F-4762-A664-737A353EC9A4}" type="datetimeFigureOut">
               <a:rPr lang="bg-BG" smtClean="0"/>
-              <a:t>21.09.24 г.</a:t>
+              <a:t>23.09.24 г.</a:t>
             </a:fld>
             <a:endParaRPr lang="bg-BG"/>
           </a:p>
@@ -593,7 +560,7 @@
           <a:p>
             <a:fld id="{72D84649-876A-46C9-8472-14CB09C070D8}" type="datetimeFigureOut">
               <a:rPr lang="en-US" smtClean="0"/>
-              <a:t>9/21/24</a:t>
+              <a:t>9/23/24</a:t>
             </a:fld>
             <a:endParaRPr lang="en-US"/>
           </a:p>
@@ -14890,7 +14857,7 @@
             </a:r>
             <a:r>
               <a:rPr lang="bg-BG" b="1" dirty="0"/>
-              <a:t>покажи прегледи</a:t>
+              <a:t>показване на прегледи</a:t>
             </a:r>
             <a:r>
               <a:rPr lang="bg-BG" dirty="0"/>
@@ -14902,19 +14869,27 @@
             </a:r>
             <a:r>
               <a:rPr lang="bg-BG" dirty="0"/>
-              <a:t> и </a:t>
+              <a:t>, </a:t>
             </a:r>
             <a:r>
               <a:rPr lang="bg-BG" b="1" dirty="0"/>
-              <a:t>редактиране</a:t>
+              <a:t>редактиране </a:t>
             </a:r>
             <a:r>
               <a:rPr lang="bg-BG" dirty="0"/>
-              <a:t> </a:t>
+              <a:t>и</a:t>
             </a:r>
             <a:r>
               <a:rPr lang="bg-BG" b="1" dirty="0"/>
-              <a:t>на пациент</a:t>
+              <a:t> изтриване </a:t>
+            </a:r>
+            <a:r>
+              <a:rPr lang="bg-BG" dirty="0"/>
+              <a:t>на </a:t>
+            </a:r>
+            <a:r>
+              <a:rPr lang="bg-BG" b="1" dirty="0"/>
+              <a:t>пациент</a:t>
             </a:r>
             <a:endParaRPr lang="en-US" b="1" dirty="0"/>
           </a:p>
@@ -19506,6 +19481,30 @@
               <a:rPr lang="en-US" sz="3200" b="1" dirty="0"/>
               <a:t>email</a:t>
             </a:r>
+            <a:r>
+              <a:rPr lang="bg-BG" sz="3200" b="1" dirty="0"/>
+              <a:t>, </a:t>
+            </a:r>
+            <a:r>
+              <a:rPr lang="bg-BG" b="1" dirty="0"/>
+              <a:t>потребителско</a:t>
+            </a:r>
+            <a:r>
+              <a:rPr lang="bg-BG" dirty="0"/>
+              <a:t> </a:t>
+            </a:r>
+            <a:r>
+              <a:rPr lang="bg-BG" b="1" dirty="0"/>
+              <a:t>име</a:t>
+            </a:r>
+            <a:r>
+              <a:rPr lang="bg-BG" dirty="0"/>
+              <a:t>, </a:t>
+            </a:r>
+            <a:r>
+              <a:rPr lang="bg-BG" b="1" dirty="0"/>
+              <a:t>парола</a:t>
+            </a:r>
             <a:endParaRPr lang="bg-BG" sz="3200" b="1" dirty="0"/>
           </a:p>
           <a:p>
@@ -19571,7 +19570,30 @@
               <a:rPr lang="en-US" sz="3200" b="1" dirty="0"/>
               <a:t>email</a:t>
             </a:r>
-            <a:endParaRPr lang="bg-BG" b="1" dirty="0"/>
+            <a:r>
+              <a:rPr lang="bg-BG" sz="3200" b="1" dirty="0"/>
+              <a:t>, </a:t>
+            </a:r>
+            <a:r>
+              <a:rPr lang="bg-BG" b="1" dirty="0"/>
+              <a:t>потребителско</a:t>
+            </a:r>
+            <a:r>
+              <a:rPr lang="bg-BG" dirty="0"/>
+              <a:t> </a:t>
+            </a:r>
+            <a:r>
+              <a:rPr lang="bg-BG" b="1" dirty="0"/>
+              <a:t>име</a:t>
+            </a:r>
+            <a:r>
+              <a:rPr lang="bg-BG" dirty="0"/>
+              <a:t>, </a:t>
+            </a:r>
+            <a:r>
+              <a:rPr lang="bg-BG" b="1" dirty="0"/>
+              <a:t>парола</a:t>
+            </a:r>
           </a:p>
           <a:p>
             <a:pPr lvl="1"/>

--- a/Courses/Software-Sciences/Module-4-Information-Systems-New/09-Lifecycle-of-Information-System/09-Lifecycle-of-Information-System.pptx
+++ b/Courses/Software-Sciences/Module-4-Information-Systems-New/09-Lifecycle-of-Information-System/09-Lifecycle-of-Information-System.pptx
@@ -5,10 +5,10 @@
     <p:sldMasterId id="2147483675" r:id="rId1"/>
   </p:sldMasterIdLst>
   <p:notesMasterIdLst>
-    <p:notesMasterId r:id="rId33"/>
+    <p:notesMasterId r:id="rId34"/>
   </p:notesMasterIdLst>
   <p:handoutMasterIdLst>
-    <p:handoutMasterId r:id="rId34"/>
+    <p:handoutMasterId r:id="rId35"/>
   </p:handoutMasterIdLst>
   <p:sldIdLst>
     <p:sldId id="503" r:id="rId2"/>
@@ -39,9 +39,10 @@
     <p:sldId id="787" r:id="rId27"/>
     <p:sldId id="776" r:id="rId28"/>
     <p:sldId id="784" r:id="rId29"/>
-    <p:sldId id="633" r:id="rId30"/>
-    <p:sldId id="504" r:id="rId31"/>
-    <p:sldId id="505" r:id="rId32"/>
+    <p:sldId id="788" r:id="rId30"/>
+    <p:sldId id="633" r:id="rId31"/>
+    <p:sldId id="504" r:id="rId32"/>
+    <p:sldId id="505" r:id="rId33"/>
   </p:sldIdLst>
   <p:sldSz cx="12192000" cy="6858000"/>
   <p:notesSz cx="6858000" cy="9144000"/>
@@ -189,6 +190,7 @@
             <p14:sldId id="787"/>
             <p14:sldId id="776"/>
             <p14:sldId id="784"/>
+            <p14:sldId id="788"/>
           </p14:sldIdLst>
         </p14:section>
         <p14:section name="Заключение" id="{E19D07F1-86E2-47E9-B2AB-7ADC4F89DC12}">
@@ -223,7 +225,7 @@
 
 <file path=ppt/commentAuthors.xml><?xml version="1.0" encoding="utf-8"?>
 <p:cmAuthorLst xmlns:a="http://schemas.openxmlformats.org/drawingml/2006/main" xmlns:r="http://schemas.openxmlformats.org/officeDocument/2006/relationships" xmlns:p="http://schemas.openxmlformats.org/presentationml/2006/main">
-  <p:cmAuthor id="1" name="Mirela Damyanova" initials="MD" lastIdx="6" clrIdx="0">
+  <p:cmAuthor id="1" name="Mirela Damyanova" initials="MD" lastIdx="9" clrIdx="0">
     <p:extLst>
       <p:ext uri="{19B8F6BF-5375-455C-9EA6-DF929625EA0E}">
         <p15:presenceInfo xmlns:p15="http://schemas.microsoft.com/office/powerpoint/2012/main" userId="Mirela Damyanova" providerId="None"/>
@@ -249,15 +251,48 @@
 
 <file path=ppt/comments/comment2.xml><?xml version="1.0" encoding="utf-8"?>
 <p:cmLst xmlns:a="http://schemas.openxmlformats.org/drawingml/2006/main" xmlns:r="http://schemas.openxmlformats.org/officeDocument/2006/relationships" xmlns:p="http://schemas.openxmlformats.org/presentationml/2006/main">
-  <p:cm authorId="1" dt="2024-09-18T10:41:51.625" idx="5">
+  <p:cm authorId="1" dt="2024-09-24T11:09:59.106" idx="7">
     <p:pos x="10" y="10"/>
-    <p:text>Админът ще може ли да променя потребителско име и парола на админите</p:text>
+    <p:text>Таблица с потребители</p:text>
     <p:extLst>
       <p:ext uri="{C676402C-5697-4E1C-873F-D02D1690AC5C}">
         <p15:threadingInfo xmlns:p15="http://schemas.microsoft.com/office/powerpoint/2012/main" timeZoneBias="-180"/>
       </p:ext>
     </p:extLst>
   </p:cm>
+</p:cmLst>
+</file>
+
+<file path=ppt/comments/comment3.xml><?xml version="1.0" encoding="utf-8"?>
+<p:cmLst xmlns:a="http://schemas.openxmlformats.org/drawingml/2006/main" xmlns:r="http://schemas.openxmlformats.org/officeDocument/2006/relationships" xmlns:p="http://schemas.openxmlformats.org/presentationml/2006/main">
+  <p:cm authorId="1" dt="2024-09-24T11:10:11.953" idx="8">
+    <p:pos x="10" y="10"/>
+    <p:text>Ще се редактира</p:text>
+    <p:extLst>
+      <p:ext uri="{C676402C-5697-4E1C-873F-D02D1690AC5C}">
+        <p15:threadingInfo xmlns:p15="http://schemas.microsoft.com/office/powerpoint/2012/main" timeZoneBias="-180"/>
+      </p:ext>
+    </p:extLst>
+  </p:cm>
+</p:cmLst>
+</file>
+
+<file path=ppt/comments/comment4.xml><?xml version="1.0" encoding="utf-8"?>
+<p:cmLst xmlns:a="http://schemas.openxmlformats.org/drawingml/2006/main" xmlns:r="http://schemas.openxmlformats.org/officeDocument/2006/relationships" xmlns:p="http://schemas.openxmlformats.org/presentationml/2006/main">
+  <p:cm authorId="1" dt="2024-09-24T11:10:24.867" idx="9">
+    <p:pos x="10" y="10"/>
+    <p:text>Ще се редактира</p:text>
+    <p:extLst>
+      <p:ext uri="{C676402C-5697-4E1C-873F-D02D1690AC5C}">
+        <p15:threadingInfo xmlns:p15="http://schemas.microsoft.com/office/powerpoint/2012/main" timeZoneBias="-180"/>
+      </p:ext>
+    </p:extLst>
+  </p:cm>
+</p:cmLst>
+</file>
+
+<file path=ppt/comments/comment5.xml><?xml version="1.0" encoding="utf-8"?>
+<p:cmLst xmlns:a="http://schemas.openxmlformats.org/drawingml/2006/main" xmlns:r="http://schemas.openxmlformats.org/officeDocument/2006/relationships" xmlns:p="http://schemas.openxmlformats.org/presentationml/2006/main">
   <p:cm authorId="1" dt="2024-09-23T11:17:45.384" idx="6">
     <p:pos x="6023" y="2708"/>
     <p:text>Ще се добавят проверки</p:text>
@@ -364,7 +399,7 @@
           <a:p>
             <a:fld id="{4E087215-0C8F-4762-A664-737A353EC9A4}" type="datetimeFigureOut">
               <a:rPr lang="bg-BG" smtClean="0"/>
-              <a:t>23.09.24 г.</a:t>
+              <a:t>24.09.24 г.</a:t>
             </a:fld>
             <a:endParaRPr lang="bg-BG"/>
           </a:p>
@@ -560,7 +595,7 @@
           <a:p>
             <a:fld id="{72D84649-876A-46C9-8472-14CB09C070D8}" type="datetimeFigureOut">
               <a:rPr lang="en-US" smtClean="0"/>
-              <a:t>9/23/24</a:t>
+              <a:t>9/24/24</a:t>
             </a:fld>
             <a:endParaRPr lang="en-US"/>
           </a:p>
@@ -1281,7 +1316,7 @@
             <a:fld id="{3EBA5BD7-F043-4D1B-AA17-CD412FC534DE}" type="slidenum">
               <a:rPr lang="en-US" smtClean="0"/>
               <a:pPr/>
-              <a:t>29</a:t>
+              <a:t>30</a:t>
             </a:fld>
             <a:endParaRPr lang="en-US" dirty="0"/>
           </a:p>
@@ -1527,7 +1562,7 @@
             <a:fld id="{3EBA5BD7-F043-4D1B-AA17-CD412FC534DE}" type="slidenum">
               <a:rPr lang="en-US" smtClean="0"/>
               <a:pPr/>
-              <a:t>30</a:t>
+              <a:t>31</a:t>
             </a:fld>
             <a:endParaRPr lang="en-US" dirty="0"/>
           </a:p>
@@ -1757,7 +1792,7 @@
             <a:fld id="{3EBA5BD7-F043-4D1B-AA17-CD412FC534DE}" type="slidenum">
               <a:rPr lang="en-US" smtClean="0"/>
               <a:pPr/>
-              <a:t>31</a:t>
+              <a:t>32</a:t>
             </a:fld>
             <a:endParaRPr lang="en-US" dirty="0"/>
           </a:p>
@@ -11685,7 +11720,7 @@
         <p:spPr/>
         <p:txBody>
           <a:bodyPr>
-            <a:normAutofit fontScale="92500" lnSpcReduction="10000"/>
+            <a:normAutofit fontScale="92500" lnSpcReduction="20000"/>
           </a:bodyPr>
           <a:lstStyle/>
           <a:p>
@@ -11782,7 +11817,19 @@
               <a:rPr lang="bg-BG" sz="2400" b="1" dirty="0"/>
               <a:t> админи</a:t>
             </a:r>
-            <a:endParaRPr lang="en-BG" sz="2400" dirty="0"/>
+            <a:endParaRPr lang="en-US" sz="2400" b="1" dirty="0"/>
+          </a:p>
+          <a:p>
+            <a:pPr lvl="2"/>
+            <a:r>
+              <a:rPr lang="bg-BG" sz="2400" dirty="0"/>
+              <a:t>Чете, добавя, редактира и изтрива </a:t>
+            </a:r>
+            <a:r>
+              <a:rPr lang="bg-BG" sz="2400" b="1" dirty="0"/>
+              <a:t>потребители</a:t>
+            </a:r>
+            <a:endParaRPr lang="en-BG" sz="2400" b="1" dirty="0"/>
           </a:p>
           <a:p>
             <a:pPr lvl="1"/>
@@ -12314,6 +12361,55 @@
                                           <p:spTgt spid="7">
                                             <p:txEl>
                                               <p:pRg st="10" end="10"/>
+                                            </p:txEl>
+                                          </p:spTgt>
+                                        </p:tgtEl>
+                                        <p:attrNameLst>
+                                          <p:attrName>style.visibility</p:attrName>
+                                        </p:attrNameLst>
+                                      </p:cBhvr>
+                                      <p:to>
+                                        <p:strVal val="visible"/>
+                                      </p:to>
+                                    </p:set>
+                                  </p:childTnLst>
+                                </p:cTn>
+                              </p:par>
+                            </p:childTnLst>
+                          </p:cTn>
+                        </p:par>
+                      </p:childTnLst>
+                    </p:cTn>
+                  </p:par>
+                  <p:par>
+                    <p:cTn id="43" fill="hold">
+                      <p:stCondLst>
+                        <p:cond delay="indefinite"/>
+                      </p:stCondLst>
+                      <p:childTnLst>
+                        <p:par>
+                          <p:cTn id="44" fill="hold">
+                            <p:stCondLst>
+                              <p:cond delay="0"/>
+                            </p:stCondLst>
+                            <p:childTnLst>
+                              <p:par>
+                                <p:cTn id="45" presetID="1" presetClass="entr" presetSubtype="0" fill="hold" nodeType="clickEffect">
+                                  <p:stCondLst>
+                                    <p:cond delay="0"/>
+                                  </p:stCondLst>
+                                  <p:childTnLst>
+                                    <p:set>
+                                      <p:cBhvr>
+                                        <p:cTn id="46" dur="1" fill="hold">
+                                          <p:stCondLst>
+                                            <p:cond delay="0"/>
+                                          </p:stCondLst>
+                                        </p:cTn>
+                                        <p:tgtEl>
+                                          <p:spTgt spid="7">
+                                            <p:txEl>
+                                              <p:pRg st="11" end="11"/>
                                             </p:txEl>
                                           </p:spTgt>
                                         </p:tgtEl>
@@ -15618,7 +15714,7 @@
         <p:spPr/>
         <p:txBody>
           <a:bodyPr>
-            <a:normAutofit/>
+            <a:normAutofit fontScale="92500" lnSpcReduction="10000"/>
           </a:bodyPr>
           <a:lstStyle/>
           <a:p>
@@ -15793,6 +15889,99 @@
             </a:r>
             <a:r>
               <a:rPr lang="en-US" dirty="0"/>
+              <a:t>, </a:t>
+            </a:r>
+            <a:r>
+              <a:rPr lang="bg-BG" b="1" dirty="0"/>
+              <a:t>редактиране</a:t>
+            </a:r>
+            <a:r>
+              <a:rPr lang="bg-BG" dirty="0"/>
+              <a:t> и </a:t>
+            </a:r>
+            <a:r>
+              <a:rPr lang="bg-BG" b="1" dirty="0"/>
+              <a:t>изтриване</a:t>
+            </a:r>
+          </a:p>
+          <a:p>
+            <a:r>
+              <a:rPr lang="bg-BG" b="1" dirty="0">
+                <a:solidFill>
+                  <a:schemeClr val="bg1"/>
+                </a:solidFill>
+              </a:rPr>
+              <a:t>Управление на потребители </a:t>
+            </a:r>
+            <a:r>
+              <a:rPr lang="en-US" b="1" dirty="0">
+                <a:solidFill>
+                  <a:schemeClr val="bg1"/>
+                </a:solidFill>
+              </a:rPr>
+              <a:t>(</a:t>
+            </a:r>
+            <a:r>
+              <a:rPr lang="bg-BG" b="1" dirty="0">
+                <a:solidFill>
+                  <a:schemeClr val="bg1"/>
+                </a:solidFill>
+              </a:rPr>
+              <a:t>за админи</a:t>
+            </a:r>
+            <a:r>
+              <a:rPr lang="en-US" b="1" dirty="0">
+                <a:solidFill>
+                  <a:schemeClr val="bg1"/>
+                </a:solidFill>
+              </a:rPr>
+              <a:t>)</a:t>
+            </a:r>
+            <a:endParaRPr lang="bg-BG" b="1" dirty="0">
+              <a:solidFill>
+                <a:schemeClr val="bg1"/>
+              </a:solidFill>
+            </a:endParaRPr>
+          </a:p>
+          <a:p>
+            <a:pPr lvl="1"/>
+            <a:r>
+              <a:rPr lang="bg-BG" dirty="0"/>
+              <a:t>Полета за </a:t>
+            </a:r>
+            <a:r>
+              <a:rPr lang="bg-BG" b="1" dirty="0"/>
+              <a:t>потребителско</a:t>
+            </a:r>
+            <a:r>
+              <a:rPr lang="bg-BG" dirty="0"/>
+              <a:t> </a:t>
+            </a:r>
+            <a:r>
+              <a:rPr lang="bg-BG" b="1" dirty="0"/>
+              <a:t>име</a:t>
+            </a:r>
+            <a:r>
+              <a:rPr lang="bg-BG" dirty="0"/>
+              <a:t> и </a:t>
+            </a:r>
+            <a:r>
+              <a:rPr lang="bg-BG" b="1" dirty="0"/>
+              <a:t>роля</a:t>
+            </a:r>
+          </a:p>
+          <a:p>
+            <a:pPr lvl="1"/>
+            <a:r>
+              <a:rPr lang="bg-BG" dirty="0"/>
+              <a:t>Бутони за </a:t>
+            </a:r>
+            <a:r>
+              <a:rPr lang="bg-BG" b="1" dirty="0"/>
+              <a:t>добавяне</a:t>
+            </a:r>
+            <a:r>
+              <a:rPr lang="bg-BG" dirty="0"/>
               <a:t>, </a:t>
             </a:r>
             <a:r>
@@ -16065,6 +16254,153 @@
                                           <p:spTgt spid="7">
                                             <p:txEl>
                                               <p:pRg st="5" end="5"/>
+                                            </p:txEl>
+                                          </p:spTgt>
+                                        </p:tgtEl>
+                                        <p:attrNameLst>
+                                          <p:attrName>style.visibility</p:attrName>
+                                        </p:attrNameLst>
+                                      </p:cBhvr>
+                                      <p:to>
+                                        <p:strVal val="visible"/>
+                                      </p:to>
+                                    </p:set>
+                                  </p:childTnLst>
+                                </p:cTn>
+                              </p:par>
+                            </p:childTnLst>
+                          </p:cTn>
+                        </p:par>
+                      </p:childTnLst>
+                    </p:cTn>
+                  </p:par>
+                  <p:par>
+                    <p:cTn id="23" fill="hold">
+                      <p:stCondLst>
+                        <p:cond delay="indefinite"/>
+                      </p:stCondLst>
+                      <p:childTnLst>
+                        <p:par>
+                          <p:cTn id="24" fill="hold">
+                            <p:stCondLst>
+                              <p:cond delay="0"/>
+                            </p:stCondLst>
+                            <p:childTnLst>
+                              <p:par>
+                                <p:cTn id="25" presetID="1" presetClass="entr" presetSubtype="0" fill="hold" nodeType="clickEffect">
+                                  <p:stCondLst>
+                                    <p:cond delay="0"/>
+                                  </p:stCondLst>
+                                  <p:childTnLst>
+                                    <p:set>
+                                      <p:cBhvr>
+                                        <p:cTn id="26" dur="1" fill="hold">
+                                          <p:stCondLst>
+                                            <p:cond delay="0"/>
+                                          </p:stCondLst>
+                                        </p:cTn>
+                                        <p:tgtEl>
+                                          <p:spTgt spid="7">
+                                            <p:txEl>
+                                              <p:pRg st="6" end="6"/>
+                                            </p:txEl>
+                                          </p:spTgt>
+                                        </p:tgtEl>
+                                        <p:attrNameLst>
+                                          <p:attrName>style.visibility</p:attrName>
+                                        </p:attrNameLst>
+                                      </p:cBhvr>
+                                      <p:to>
+                                        <p:strVal val="visible"/>
+                                      </p:to>
+                                    </p:set>
+                                  </p:childTnLst>
+                                </p:cTn>
+                              </p:par>
+                            </p:childTnLst>
+                          </p:cTn>
+                        </p:par>
+                      </p:childTnLst>
+                    </p:cTn>
+                  </p:par>
+                  <p:par>
+                    <p:cTn id="27" fill="hold">
+                      <p:stCondLst>
+                        <p:cond delay="indefinite"/>
+                      </p:stCondLst>
+                      <p:childTnLst>
+                        <p:par>
+                          <p:cTn id="28" fill="hold">
+                            <p:stCondLst>
+                              <p:cond delay="0"/>
+                            </p:stCondLst>
+                            <p:childTnLst>
+                              <p:par>
+                                <p:cTn id="29" presetID="1" presetClass="entr" presetSubtype="0" fill="hold" nodeType="clickEffect">
+                                  <p:stCondLst>
+                                    <p:cond delay="0"/>
+                                  </p:stCondLst>
+                                  <p:childTnLst>
+                                    <p:set>
+                                      <p:cBhvr>
+                                        <p:cTn id="30" dur="1" fill="hold">
+                                          <p:stCondLst>
+                                            <p:cond delay="0"/>
+                                          </p:stCondLst>
+                                        </p:cTn>
+                                        <p:tgtEl>
+                                          <p:spTgt spid="7">
+                                            <p:txEl>
+                                              <p:pRg st="7" end="7"/>
+                                            </p:txEl>
+                                          </p:spTgt>
+                                        </p:tgtEl>
+                                        <p:attrNameLst>
+                                          <p:attrName>style.visibility</p:attrName>
+                                        </p:attrNameLst>
+                                      </p:cBhvr>
+                                      <p:to>
+                                        <p:strVal val="visible"/>
+                                      </p:to>
+                                    </p:set>
+                                  </p:childTnLst>
+                                </p:cTn>
+                              </p:par>
+                            </p:childTnLst>
+                          </p:cTn>
+                        </p:par>
+                      </p:childTnLst>
+                    </p:cTn>
+                  </p:par>
+                  <p:par>
+                    <p:cTn id="31" fill="hold">
+                      <p:stCondLst>
+                        <p:cond delay="indefinite"/>
+                      </p:stCondLst>
+                      <p:childTnLst>
+                        <p:par>
+                          <p:cTn id="32" fill="hold">
+                            <p:stCondLst>
+                              <p:cond delay="0"/>
+                            </p:stCondLst>
+                            <p:childTnLst>
+                              <p:par>
+                                <p:cTn id="33" presetID="1" presetClass="entr" presetSubtype="0" fill="hold" nodeType="clickEffect">
+                                  <p:stCondLst>
+                                    <p:cond delay="0"/>
+                                  </p:stCondLst>
+                                  <p:childTnLst>
+                                    <p:set>
+                                      <p:cBhvr>
+                                        <p:cTn id="34" dur="1" fill="hold">
+                                          <p:stCondLst>
+                                            <p:cond delay="0"/>
+                                          </p:stCondLst>
+                                        </p:cTn>
+                                        <p:tgtEl>
+                                          <p:spTgt spid="7">
+                                            <p:txEl>
+                                              <p:pRg st="8" end="8"/>
                                             </p:txEl>
                                           </p:spTgt>
                                         </p:tgtEl>
@@ -18538,30 +18874,6 @@
               <a:rPr lang="bg-BG" b="1" dirty="0"/>
               <a:t>телефон</a:t>
             </a:r>
-            <a:r>
-              <a:rPr lang="bg-BG" dirty="0"/>
-              <a:t>, </a:t>
-            </a:r>
-            <a:r>
-              <a:rPr lang="bg-BG" b="1" dirty="0"/>
-              <a:t>потребителско</a:t>
-            </a:r>
-            <a:r>
-              <a:rPr lang="bg-BG" dirty="0"/>
-              <a:t> </a:t>
-            </a:r>
-            <a:r>
-              <a:rPr lang="bg-BG" b="1" dirty="0"/>
-              <a:t>име</a:t>
-            </a:r>
-            <a:r>
-              <a:rPr lang="bg-BG" dirty="0"/>
-              <a:t>, </a:t>
-            </a:r>
-            <a:r>
-              <a:rPr lang="bg-BG" b="1" dirty="0"/>
-              <a:t>парола</a:t>
-            </a:r>
           </a:p>
           <a:p>
             <a:pPr lvl="1"/>
@@ -18625,30 +18937,6 @@
             <a:r>
               <a:rPr lang="bg-BG" b="1" dirty="0"/>
               <a:t>телефон</a:t>
-            </a:r>
-            <a:r>
-              <a:rPr lang="bg-BG" dirty="0"/>
-              <a:t>, </a:t>
-            </a:r>
-            <a:r>
-              <a:rPr lang="bg-BG" b="1" dirty="0"/>
-              <a:t>потребителско</a:t>
-            </a:r>
-            <a:r>
-              <a:rPr lang="bg-BG" dirty="0"/>
-              <a:t> </a:t>
-            </a:r>
-            <a:r>
-              <a:rPr lang="bg-BG" b="1" dirty="0"/>
-              <a:t>име</a:t>
-            </a:r>
-            <a:r>
-              <a:rPr lang="bg-BG" dirty="0"/>
-              <a:t>, </a:t>
-            </a:r>
-            <a:r>
-              <a:rPr lang="bg-BG" b="1" dirty="0"/>
-              <a:t>парола</a:t>
             </a:r>
           </a:p>
           <a:p>
@@ -19481,30 +19769,6 @@
               <a:rPr lang="en-US" sz="3200" b="1" dirty="0"/>
               <a:t>email</a:t>
             </a:r>
-            <a:r>
-              <a:rPr lang="bg-BG" sz="3200" b="1" dirty="0"/>
-              <a:t>, </a:t>
-            </a:r>
-            <a:r>
-              <a:rPr lang="bg-BG" b="1" dirty="0"/>
-              <a:t>потребителско</a:t>
-            </a:r>
-            <a:r>
-              <a:rPr lang="bg-BG" dirty="0"/>
-              <a:t> </a:t>
-            </a:r>
-            <a:r>
-              <a:rPr lang="bg-BG" b="1" dirty="0"/>
-              <a:t>име</a:t>
-            </a:r>
-            <a:r>
-              <a:rPr lang="bg-BG" dirty="0"/>
-              <a:t>, </a:t>
-            </a:r>
-            <a:r>
-              <a:rPr lang="bg-BG" b="1" dirty="0"/>
-              <a:t>парола</a:t>
-            </a:r>
             <a:endParaRPr lang="bg-BG" sz="3200" b="1" dirty="0"/>
           </a:p>
           <a:p>
@@ -19570,30 +19834,7 @@
               <a:rPr lang="en-US" sz="3200" b="1" dirty="0"/>
               <a:t>email</a:t>
             </a:r>
-            <a:r>
-              <a:rPr lang="bg-BG" sz="3200" b="1" dirty="0"/>
-              <a:t>, </a:t>
-            </a:r>
-            <a:r>
-              <a:rPr lang="bg-BG" b="1" dirty="0"/>
-              <a:t>потребителско</a:t>
-            </a:r>
-            <a:r>
-              <a:rPr lang="bg-BG" dirty="0"/>
-              <a:t> </a:t>
-            </a:r>
-            <a:r>
-              <a:rPr lang="bg-BG" b="1" dirty="0"/>
-              <a:t>име</a:t>
-            </a:r>
-            <a:r>
-              <a:rPr lang="bg-BG" dirty="0"/>
-              <a:t>, </a:t>
-            </a:r>
-            <a:r>
-              <a:rPr lang="bg-BG" b="1" dirty="0"/>
-              <a:t>парола</a:t>
-            </a:r>
+            <a:endParaRPr lang="bg-BG" b="1" dirty="0"/>
           </a:p>
           <a:p>
             <a:pPr lvl="1"/>
@@ -20334,6 +20575,1059 @@
           <a:chExt cx="0" cy="0"/>
         </a:xfrm>
       </p:grpSpPr>
+      <p:sp>
+        <p:nvSpPr>
+          <p:cNvPr id="2" name="Slide Number Placeholder 1">
+            <a:extLst>
+              <a:ext uri="{FF2B5EF4-FFF2-40B4-BE49-F238E27FC236}">
+                <a16:creationId xmlns:a16="http://schemas.microsoft.com/office/drawing/2014/main" id="{CCAABC86-82E0-F099-701A-D4347B605385}"/>
+              </a:ext>
+            </a:extLst>
+          </p:cNvPr>
+          <p:cNvSpPr>
+            <a:spLocks noGrp="1"/>
+          </p:cNvSpPr>
+          <p:nvPr>
+            <p:ph type="sldNum" sz="quarter" idx="5"/>
+          </p:nvPr>
+        </p:nvSpPr>
+        <p:spPr/>
+        <p:txBody>
+          <a:bodyPr/>
+          <a:lstStyle/>
+          <a:p>
+            <a:fld id="{2BF067CD-8E6B-4360-9AA8-C5DF2A48A6D1}" type="slidenum">
+              <a:rPr lang="en-US" noProof="0" smtClean="0"/>
+              <a:pPr/>
+              <a:t>29</a:t>
+            </a:fld>
+            <a:endParaRPr lang="en-US" noProof="0" dirty="0"/>
+          </a:p>
+        </p:txBody>
+      </p:sp>
+      <p:sp>
+        <p:nvSpPr>
+          <p:cNvPr id="4" name="Title 3">
+            <a:extLst>
+              <a:ext uri="{FF2B5EF4-FFF2-40B4-BE49-F238E27FC236}">
+                <a16:creationId xmlns:a16="http://schemas.microsoft.com/office/drawing/2014/main" id="{67B6A643-676D-3506-B008-B24B36AA34F1}"/>
+              </a:ext>
+            </a:extLst>
+          </p:cNvPr>
+          <p:cNvSpPr>
+            <a:spLocks noGrp="1"/>
+          </p:cNvSpPr>
+          <p:nvPr>
+            <p:ph type="title"/>
+          </p:nvPr>
+        </p:nvSpPr>
+        <p:spPr/>
+        <p:txBody>
+          <a:bodyPr>
+            <a:normAutofit/>
+          </a:bodyPr>
+          <a:lstStyle/>
+          <a:p>
+            <a:r>
+              <a:rPr lang="bg-BG" dirty="0"/>
+              <a:t>Проектиране</a:t>
+            </a:r>
+            <a:r>
+              <a:rPr lang="en-US" dirty="0"/>
+              <a:t>: </a:t>
+            </a:r>
+            <a:r>
+              <a:rPr lang="bg-BG" dirty="0"/>
+              <a:t>дизайн на </a:t>
+            </a:r>
+            <a:r>
+              <a:rPr lang="en-US" dirty="0"/>
+              <a:t>UI </a:t>
+            </a:r>
+            <a:r>
+              <a:rPr lang="bg-BG" dirty="0"/>
+              <a:t>- Потребители</a:t>
+            </a:r>
+            <a:endParaRPr lang="en-BG" dirty="0"/>
+          </a:p>
+        </p:txBody>
+      </p:sp>
+      <p:sp>
+        <p:nvSpPr>
+          <p:cNvPr id="7" name="Text Placeholder 6">
+            <a:extLst>
+              <a:ext uri="{FF2B5EF4-FFF2-40B4-BE49-F238E27FC236}">
+                <a16:creationId xmlns:a16="http://schemas.microsoft.com/office/drawing/2014/main" id="{FBFEFCDD-E454-D1E7-D67F-EE67BB2A7ACE}"/>
+              </a:ext>
+            </a:extLst>
+          </p:cNvPr>
+          <p:cNvSpPr>
+            <a:spLocks noGrp="1"/>
+          </p:cNvSpPr>
+          <p:nvPr>
+            <p:ph type="body" sz="quarter" idx="10"/>
+          </p:nvPr>
+        </p:nvSpPr>
+        <p:spPr/>
+        <p:txBody>
+          <a:bodyPr>
+            <a:normAutofit fontScale="70000" lnSpcReduction="20000"/>
+          </a:bodyPr>
+          <a:lstStyle/>
+          <a:p>
+            <a:r>
+              <a:rPr lang="bg-BG" b="1" dirty="0">
+                <a:solidFill>
+                  <a:schemeClr val="bg1"/>
+                </a:solidFill>
+              </a:rPr>
+              <a:t>Форма за показване на потребители</a:t>
+            </a:r>
+          </a:p>
+          <a:p>
+            <a:pPr lvl="1"/>
+            <a:r>
+              <a:rPr lang="bg-BG" dirty="0"/>
+              <a:t>Таблица с всички </a:t>
+            </a:r>
+            <a:r>
+              <a:rPr lang="bg-BG" b="1" dirty="0"/>
+              <a:t>потребители</a:t>
+            </a:r>
+          </a:p>
+          <a:p>
+            <a:pPr lvl="1"/>
+            <a:r>
+              <a:rPr lang="bg-BG" dirty="0"/>
+              <a:t>Бутони за </a:t>
+            </a:r>
+            <a:r>
+              <a:rPr lang="bg-BG" b="1" dirty="0"/>
+              <a:t>добавяне</a:t>
+            </a:r>
+            <a:r>
+              <a:rPr lang="bg-BG" dirty="0"/>
+              <a:t>, </a:t>
+            </a:r>
+            <a:r>
+              <a:rPr lang="bg-BG" b="1" dirty="0"/>
+              <a:t>редактиране</a:t>
+            </a:r>
+            <a:r>
+              <a:rPr lang="bg-BG" dirty="0"/>
+              <a:t> и </a:t>
+            </a:r>
+            <a:r>
+              <a:rPr lang="bg-BG" b="1" dirty="0"/>
+              <a:t>изтриване</a:t>
+            </a:r>
+          </a:p>
+          <a:p>
+            <a:r>
+              <a:rPr lang="bg-BG" b="1" dirty="0">
+                <a:solidFill>
+                  <a:schemeClr val="bg1"/>
+                </a:solidFill>
+              </a:rPr>
+              <a:t>Форма за добавяне на нов потребител</a:t>
+            </a:r>
+          </a:p>
+          <a:p>
+            <a:pPr lvl="1"/>
+            <a:r>
+              <a:rPr lang="bg-BG" dirty="0"/>
+              <a:t>Полета за </a:t>
+            </a:r>
+            <a:r>
+              <a:rPr lang="bg-BG" b="1" dirty="0"/>
+              <a:t>потребителско име</a:t>
+            </a:r>
+            <a:r>
+              <a:rPr lang="bg-BG" dirty="0"/>
+              <a:t>, </a:t>
+            </a:r>
+            <a:r>
+              <a:rPr lang="bg-BG" b="1" dirty="0"/>
+              <a:t>парола</a:t>
+            </a:r>
+            <a:r>
+              <a:rPr lang="bg-BG" dirty="0"/>
+              <a:t>, </a:t>
+            </a:r>
+            <a:r>
+              <a:rPr lang="bg-BG" b="1" dirty="0"/>
+              <a:t>роля</a:t>
+            </a:r>
+          </a:p>
+          <a:p>
+            <a:pPr lvl="1"/>
+            <a:r>
+              <a:rPr lang="bg-BG" dirty="0"/>
+              <a:t>Бутони за </a:t>
+            </a:r>
+            <a:r>
+              <a:rPr lang="bg-BG" b="1" dirty="0"/>
+              <a:t>добавяне</a:t>
+            </a:r>
+            <a:r>
+              <a:rPr lang="bg-BG" dirty="0"/>
+              <a:t> и </a:t>
+            </a:r>
+            <a:r>
+              <a:rPr lang="bg-BG" b="1" dirty="0"/>
+              <a:t>отказ</a:t>
+            </a:r>
+          </a:p>
+          <a:p>
+            <a:r>
+              <a:rPr lang="bg-BG" b="1" dirty="0">
+                <a:solidFill>
+                  <a:schemeClr val="bg1"/>
+                </a:solidFill>
+              </a:rPr>
+              <a:t>Форма за редактиране на съществуващ потребител</a:t>
+            </a:r>
+          </a:p>
+          <a:p>
+            <a:pPr lvl="1"/>
+            <a:r>
+              <a:rPr lang="bg-BG" dirty="0"/>
+              <a:t>Полета за </a:t>
+            </a:r>
+            <a:r>
+              <a:rPr lang="bg-BG" b="1" dirty="0"/>
+              <a:t>потребителско име</a:t>
+            </a:r>
+            <a:r>
+              <a:rPr lang="bg-BG" dirty="0"/>
+              <a:t>, </a:t>
+            </a:r>
+            <a:r>
+              <a:rPr lang="bg-BG" b="1" dirty="0"/>
+              <a:t>парола</a:t>
+            </a:r>
+            <a:r>
+              <a:rPr lang="bg-BG" dirty="0"/>
+              <a:t>, </a:t>
+            </a:r>
+            <a:r>
+              <a:rPr lang="bg-BG" b="1" dirty="0"/>
+              <a:t>роля</a:t>
+            </a:r>
+          </a:p>
+          <a:p>
+            <a:pPr lvl="1"/>
+            <a:r>
+              <a:rPr lang="bg-BG" dirty="0"/>
+              <a:t>Бутони за </a:t>
+            </a:r>
+            <a:r>
+              <a:rPr lang="bg-BG" b="1" dirty="0"/>
+              <a:t>редактиране</a:t>
+            </a:r>
+            <a:r>
+              <a:rPr lang="bg-BG" dirty="0"/>
+              <a:t> и </a:t>
+            </a:r>
+            <a:r>
+              <a:rPr lang="bg-BG" b="1" dirty="0"/>
+              <a:t>отказ</a:t>
+            </a:r>
+          </a:p>
+          <a:p>
+            <a:r>
+              <a:rPr lang="bg-BG" b="1" dirty="0">
+                <a:solidFill>
+                  <a:schemeClr val="bg1"/>
+                </a:solidFill>
+              </a:rPr>
+              <a:t>Форма за изтриване на съществуващ потребител</a:t>
+            </a:r>
+          </a:p>
+          <a:p>
+            <a:pPr lvl="1"/>
+            <a:r>
+              <a:rPr lang="bg-BG" dirty="0"/>
+              <a:t>Поле за </a:t>
+            </a:r>
+            <a:r>
+              <a:rPr lang="bg-BG" b="1" dirty="0"/>
+              <a:t>потребителско име </a:t>
+            </a:r>
+            <a:r>
+              <a:rPr lang="en-US" dirty="0"/>
+              <a:t>(</a:t>
+            </a:r>
+            <a:r>
+              <a:rPr lang="bg-BG" dirty="0"/>
+              <a:t>само за четене</a:t>
+            </a:r>
+            <a:r>
+              <a:rPr lang="en-US" dirty="0"/>
+              <a:t>)</a:t>
+            </a:r>
+            <a:endParaRPr lang="bg-BG" dirty="0"/>
+          </a:p>
+          <a:p>
+            <a:pPr lvl="1"/>
+            <a:r>
+              <a:rPr lang="bg-BG" dirty="0"/>
+              <a:t>Бутони за </a:t>
+            </a:r>
+            <a:r>
+              <a:rPr lang="bg-BG" b="1" dirty="0"/>
+              <a:t>изтриване</a:t>
+            </a:r>
+            <a:r>
+              <a:rPr lang="bg-BG" dirty="0"/>
+              <a:t> и </a:t>
+            </a:r>
+            <a:r>
+              <a:rPr lang="bg-BG" b="1" dirty="0"/>
+              <a:t>отказ</a:t>
+            </a:r>
+            <a:endParaRPr lang="en-BG" b="1" dirty="0"/>
+          </a:p>
+        </p:txBody>
+      </p:sp>
+    </p:spTree>
+    <p:extLst>
+      <p:ext uri="{BB962C8B-B14F-4D97-AF65-F5344CB8AC3E}">
+        <p14:creationId xmlns:p14="http://schemas.microsoft.com/office/powerpoint/2010/main" val="2226927352"/>
+      </p:ext>
+    </p:extLst>
+  </p:cSld>
+  <p:clrMapOvr>
+    <a:masterClrMapping/>
+  </p:clrMapOvr>
+  <mc:AlternateContent xmlns:mc="http://schemas.openxmlformats.org/markup-compatibility/2006" xmlns:p14="http://schemas.microsoft.com/office/powerpoint/2010/main">
+    <mc:Choice Requires="p14">
+      <p:transition spd="slow" p14:dur="2000" advClick="0" advTm="5000"/>
+    </mc:Choice>
+    <mc:Fallback xmlns="">
+      <p:transition spd="slow" advClick="0" advTm="5000"/>
+    </mc:Fallback>
+  </mc:AlternateContent>
+  <p:timing>
+    <p:tnLst>
+      <p:par>
+        <p:cTn id="1" dur="indefinite" restart="never" nodeType="tmRoot">
+          <p:childTnLst>
+            <p:seq concurrent="1" nextAc="seek">
+              <p:cTn id="2" dur="indefinite" nodeType="mainSeq">
+                <p:childTnLst>
+                  <p:par>
+                    <p:cTn id="3" fill="hold">
+                      <p:stCondLst>
+                        <p:cond delay="indefinite"/>
+                      </p:stCondLst>
+                      <p:childTnLst>
+                        <p:par>
+                          <p:cTn id="4" fill="hold">
+                            <p:stCondLst>
+                              <p:cond delay="0"/>
+                            </p:stCondLst>
+                            <p:childTnLst>
+                              <p:par>
+                                <p:cTn id="5" presetID="1" presetClass="entr" presetSubtype="0" fill="hold" nodeType="clickEffect">
+                                  <p:stCondLst>
+                                    <p:cond delay="0"/>
+                                  </p:stCondLst>
+                                  <p:childTnLst>
+                                    <p:set>
+                                      <p:cBhvr>
+                                        <p:cTn id="6" dur="1" fill="hold">
+                                          <p:stCondLst>
+                                            <p:cond delay="0"/>
+                                          </p:stCondLst>
+                                        </p:cTn>
+                                        <p:tgtEl>
+                                          <p:spTgt spid="7">
+                                            <p:txEl>
+                                              <p:pRg st="1" end="1"/>
+                                            </p:txEl>
+                                          </p:spTgt>
+                                        </p:tgtEl>
+                                        <p:attrNameLst>
+                                          <p:attrName>style.visibility</p:attrName>
+                                        </p:attrNameLst>
+                                      </p:cBhvr>
+                                      <p:to>
+                                        <p:strVal val="visible"/>
+                                      </p:to>
+                                    </p:set>
+                                  </p:childTnLst>
+                                </p:cTn>
+                              </p:par>
+                            </p:childTnLst>
+                          </p:cTn>
+                        </p:par>
+                      </p:childTnLst>
+                    </p:cTn>
+                  </p:par>
+                  <p:par>
+                    <p:cTn id="7" fill="hold">
+                      <p:stCondLst>
+                        <p:cond delay="indefinite"/>
+                      </p:stCondLst>
+                      <p:childTnLst>
+                        <p:par>
+                          <p:cTn id="8" fill="hold">
+                            <p:stCondLst>
+                              <p:cond delay="0"/>
+                            </p:stCondLst>
+                            <p:childTnLst>
+                              <p:par>
+                                <p:cTn id="9" presetID="1" presetClass="entr" presetSubtype="0" fill="hold" nodeType="clickEffect">
+                                  <p:stCondLst>
+                                    <p:cond delay="0"/>
+                                  </p:stCondLst>
+                                  <p:childTnLst>
+                                    <p:set>
+                                      <p:cBhvr>
+                                        <p:cTn id="10" dur="1" fill="hold">
+                                          <p:stCondLst>
+                                            <p:cond delay="0"/>
+                                          </p:stCondLst>
+                                        </p:cTn>
+                                        <p:tgtEl>
+                                          <p:spTgt spid="7">
+                                            <p:txEl>
+                                              <p:pRg st="2" end="2"/>
+                                            </p:txEl>
+                                          </p:spTgt>
+                                        </p:tgtEl>
+                                        <p:attrNameLst>
+                                          <p:attrName>style.visibility</p:attrName>
+                                        </p:attrNameLst>
+                                      </p:cBhvr>
+                                      <p:to>
+                                        <p:strVal val="visible"/>
+                                      </p:to>
+                                    </p:set>
+                                  </p:childTnLst>
+                                </p:cTn>
+                              </p:par>
+                            </p:childTnLst>
+                          </p:cTn>
+                        </p:par>
+                      </p:childTnLst>
+                    </p:cTn>
+                  </p:par>
+                  <p:par>
+                    <p:cTn id="11" fill="hold">
+                      <p:stCondLst>
+                        <p:cond delay="indefinite"/>
+                      </p:stCondLst>
+                      <p:childTnLst>
+                        <p:par>
+                          <p:cTn id="12" fill="hold">
+                            <p:stCondLst>
+                              <p:cond delay="0"/>
+                            </p:stCondLst>
+                            <p:childTnLst>
+                              <p:par>
+                                <p:cTn id="13" presetID="1" presetClass="entr" presetSubtype="0" fill="hold" nodeType="clickEffect">
+                                  <p:stCondLst>
+                                    <p:cond delay="0"/>
+                                  </p:stCondLst>
+                                  <p:childTnLst>
+                                    <p:set>
+                                      <p:cBhvr>
+                                        <p:cTn id="14" dur="1" fill="hold">
+                                          <p:stCondLst>
+                                            <p:cond delay="0"/>
+                                          </p:stCondLst>
+                                        </p:cTn>
+                                        <p:tgtEl>
+                                          <p:spTgt spid="7">
+                                            <p:txEl>
+                                              <p:pRg st="3" end="3"/>
+                                            </p:txEl>
+                                          </p:spTgt>
+                                        </p:tgtEl>
+                                        <p:attrNameLst>
+                                          <p:attrName>style.visibility</p:attrName>
+                                        </p:attrNameLst>
+                                      </p:cBhvr>
+                                      <p:to>
+                                        <p:strVal val="visible"/>
+                                      </p:to>
+                                    </p:set>
+                                  </p:childTnLst>
+                                </p:cTn>
+                              </p:par>
+                            </p:childTnLst>
+                          </p:cTn>
+                        </p:par>
+                      </p:childTnLst>
+                    </p:cTn>
+                  </p:par>
+                  <p:par>
+                    <p:cTn id="15" fill="hold">
+                      <p:stCondLst>
+                        <p:cond delay="indefinite"/>
+                      </p:stCondLst>
+                      <p:childTnLst>
+                        <p:par>
+                          <p:cTn id="16" fill="hold">
+                            <p:stCondLst>
+                              <p:cond delay="0"/>
+                            </p:stCondLst>
+                            <p:childTnLst>
+                              <p:par>
+                                <p:cTn id="17" presetID="1" presetClass="entr" presetSubtype="0" fill="hold" nodeType="clickEffect">
+                                  <p:stCondLst>
+                                    <p:cond delay="0"/>
+                                  </p:stCondLst>
+                                  <p:childTnLst>
+                                    <p:set>
+                                      <p:cBhvr>
+                                        <p:cTn id="18" dur="1" fill="hold">
+                                          <p:stCondLst>
+                                            <p:cond delay="0"/>
+                                          </p:stCondLst>
+                                        </p:cTn>
+                                        <p:tgtEl>
+                                          <p:spTgt spid="7">
+                                            <p:txEl>
+                                              <p:pRg st="4" end="4"/>
+                                            </p:txEl>
+                                          </p:spTgt>
+                                        </p:tgtEl>
+                                        <p:attrNameLst>
+                                          <p:attrName>style.visibility</p:attrName>
+                                        </p:attrNameLst>
+                                      </p:cBhvr>
+                                      <p:to>
+                                        <p:strVal val="visible"/>
+                                      </p:to>
+                                    </p:set>
+                                  </p:childTnLst>
+                                </p:cTn>
+                              </p:par>
+                            </p:childTnLst>
+                          </p:cTn>
+                        </p:par>
+                      </p:childTnLst>
+                    </p:cTn>
+                  </p:par>
+                  <p:par>
+                    <p:cTn id="19" fill="hold">
+                      <p:stCondLst>
+                        <p:cond delay="indefinite"/>
+                      </p:stCondLst>
+                      <p:childTnLst>
+                        <p:par>
+                          <p:cTn id="20" fill="hold">
+                            <p:stCondLst>
+                              <p:cond delay="0"/>
+                            </p:stCondLst>
+                            <p:childTnLst>
+                              <p:par>
+                                <p:cTn id="21" presetID="1" presetClass="entr" presetSubtype="0" fill="hold" nodeType="clickEffect">
+                                  <p:stCondLst>
+                                    <p:cond delay="0"/>
+                                  </p:stCondLst>
+                                  <p:childTnLst>
+                                    <p:set>
+                                      <p:cBhvr>
+                                        <p:cTn id="22" dur="1" fill="hold">
+                                          <p:stCondLst>
+                                            <p:cond delay="0"/>
+                                          </p:stCondLst>
+                                        </p:cTn>
+                                        <p:tgtEl>
+                                          <p:spTgt spid="7">
+                                            <p:txEl>
+                                              <p:pRg st="5" end="5"/>
+                                            </p:txEl>
+                                          </p:spTgt>
+                                        </p:tgtEl>
+                                        <p:attrNameLst>
+                                          <p:attrName>style.visibility</p:attrName>
+                                        </p:attrNameLst>
+                                      </p:cBhvr>
+                                      <p:to>
+                                        <p:strVal val="visible"/>
+                                      </p:to>
+                                    </p:set>
+                                  </p:childTnLst>
+                                </p:cTn>
+                              </p:par>
+                            </p:childTnLst>
+                          </p:cTn>
+                        </p:par>
+                      </p:childTnLst>
+                    </p:cTn>
+                  </p:par>
+                  <p:par>
+                    <p:cTn id="23" fill="hold">
+                      <p:stCondLst>
+                        <p:cond delay="indefinite"/>
+                      </p:stCondLst>
+                      <p:childTnLst>
+                        <p:par>
+                          <p:cTn id="24" fill="hold">
+                            <p:stCondLst>
+                              <p:cond delay="0"/>
+                            </p:stCondLst>
+                            <p:childTnLst>
+                              <p:par>
+                                <p:cTn id="25" presetID="1" presetClass="entr" presetSubtype="0" fill="hold" nodeType="clickEffect">
+                                  <p:stCondLst>
+                                    <p:cond delay="0"/>
+                                  </p:stCondLst>
+                                  <p:childTnLst>
+                                    <p:set>
+                                      <p:cBhvr>
+                                        <p:cTn id="26" dur="1" fill="hold">
+                                          <p:stCondLst>
+                                            <p:cond delay="0"/>
+                                          </p:stCondLst>
+                                        </p:cTn>
+                                        <p:tgtEl>
+                                          <p:spTgt spid="7">
+                                            <p:txEl>
+                                              <p:pRg st="6" end="6"/>
+                                            </p:txEl>
+                                          </p:spTgt>
+                                        </p:tgtEl>
+                                        <p:attrNameLst>
+                                          <p:attrName>style.visibility</p:attrName>
+                                        </p:attrNameLst>
+                                      </p:cBhvr>
+                                      <p:to>
+                                        <p:strVal val="visible"/>
+                                      </p:to>
+                                    </p:set>
+                                  </p:childTnLst>
+                                </p:cTn>
+                              </p:par>
+                            </p:childTnLst>
+                          </p:cTn>
+                        </p:par>
+                      </p:childTnLst>
+                    </p:cTn>
+                  </p:par>
+                  <p:par>
+                    <p:cTn id="27" fill="hold">
+                      <p:stCondLst>
+                        <p:cond delay="indefinite"/>
+                      </p:stCondLst>
+                      <p:childTnLst>
+                        <p:par>
+                          <p:cTn id="28" fill="hold">
+                            <p:stCondLst>
+                              <p:cond delay="0"/>
+                            </p:stCondLst>
+                            <p:childTnLst>
+                              <p:par>
+                                <p:cTn id="29" presetID="1" presetClass="entr" presetSubtype="0" fill="hold" nodeType="clickEffect">
+                                  <p:stCondLst>
+                                    <p:cond delay="0"/>
+                                  </p:stCondLst>
+                                  <p:childTnLst>
+                                    <p:set>
+                                      <p:cBhvr>
+                                        <p:cTn id="30" dur="1" fill="hold">
+                                          <p:stCondLst>
+                                            <p:cond delay="0"/>
+                                          </p:stCondLst>
+                                        </p:cTn>
+                                        <p:tgtEl>
+                                          <p:spTgt spid="7">
+                                            <p:txEl>
+                                              <p:pRg st="8" end="8"/>
+                                            </p:txEl>
+                                          </p:spTgt>
+                                        </p:tgtEl>
+                                        <p:attrNameLst>
+                                          <p:attrName>style.visibility</p:attrName>
+                                        </p:attrNameLst>
+                                      </p:cBhvr>
+                                      <p:to>
+                                        <p:strVal val="visible"/>
+                                      </p:to>
+                                    </p:set>
+                                  </p:childTnLst>
+                                </p:cTn>
+                              </p:par>
+                            </p:childTnLst>
+                          </p:cTn>
+                        </p:par>
+                      </p:childTnLst>
+                    </p:cTn>
+                  </p:par>
+                  <p:par>
+                    <p:cTn id="31" fill="hold">
+                      <p:stCondLst>
+                        <p:cond delay="indefinite"/>
+                      </p:stCondLst>
+                      <p:childTnLst>
+                        <p:par>
+                          <p:cTn id="32" fill="hold">
+                            <p:stCondLst>
+                              <p:cond delay="0"/>
+                            </p:stCondLst>
+                            <p:childTnLst>
+                              <p:par>
+                                <p:cTn id="33" presetID="1" presetClass="entr" presetSubtype="0" fill="hold" nodeType="clickEffect">
+                                  <p:stCondLst>
+                                    <p:cond delay="0"/>
+                                  </p:stCondLst>
+                                  <p:childTnLst>
+                                    <p:set>
+                                      <p:cBhvr>
+                                        <p:cTn id="34" dur="1" fill="hold">
+                                          <p:stCondLst>
+                                            <p:cond delay="0"/>
+                                          </p:stCondLst>
+                                        </p:cTn>
+                                        <p:tgtEl>
+                                          <p:spTgt spid="7">
+                                            <p:txEl>
+                                              <p:pRg st="7" end="7"/>
+                                            </p:txEl>
+                                          </p:spTgt>
+                                        </p:tgtEl>
+                                        <p:attrNameLst>
+                                          <p:attrName>style.visibility</p:attrName>
+                                        </p:attrNameLst>
+                                      </p:cBhvr>
+                                      <p:to>
+                                        <p:strVal val="visible"/>
+                                      </p:to>
+                                    </p:set>
+                                  </p:childTnLst>
+                                </p:cTn>
+                              </p:par>
+                            </p:childTnLst>
+                          </p:cTn>
+                        </p:par>
+                      </p:childTnLst>
+                    </p:cTn>
+                  </p:par>
+                  <p:par>
+                    <p:cTn id="35" fill="hold">
+                      <p:stCondLst>
+                        <p:cond delay="indefinite"/>
+                      </p:stCondLst>
+                      <p:childTnLst>
+                        <p:par>
+                          <p:cTn id="36" fill="hold">
+                            <p:stCondLst>
+                              <p:cond delay="0"/>
+                            </p:stCondLst>
+                            <p:childTnLst>
+                              <p:par>
+                                <p:cTn id="37" presetID="1" presetClass="entr" presetSubtype="0" fill="hold" nodeType="clickEffect">
+                                  <p:stCondLst>
+                                    <p:cond delay="0"/>
+                                  </p:stCondLst>
+                                  <p:childTnLst>
+                                    <p:set>
+                                      <p:cBhvr>
+                                        <p:cTn id="38" dur="1" fill="hold">
+                                          <p:stCondLst>
+                                            <p:cond delay="0"/>
+                                          </p:stCondLst>
+                                        </p:cTn>
+                                        <p:tgtEl>
+                                          <p:spTgt spid="7">
+                                            <p:txEl>
+                                              <p:pRg st="9" end="9"/>
+                                            </p:txEl>
+                                          </p:spTgt>
+                                        </p:tgtEl>
+                                        <p:attrNameLst>
+                                          <p:attrName>style.visibility</p:attrName>
+                                        </p:attrNameLst>
+                                      </p:cBhvr>
+                                      <p:to>
+                                        <p:strVal val="visible"/>
+                                      </p:to>
+                                    </p:set>
+                                  </p:childTnLst>
+                                </p:cTn>
+                              </p:par>
+                            </p:childTnLst>
+                          </p:cTn>
+                        </p:par>
+                      </p:childTnLst>
+                    </p:cTn>
+                  </p:par>
+                  <p:par>
+                    <p:cTn id="39" fill="hold">
+                      <p:stCondLst>
+                        <p:cond delay="indefinite"/>
+                      </p:stCondLst>
+                      <p:childTnLst>
+                        <p:par>
+                          <p:cTn id="40" fill="hold">
+                            <p:stCondLst>
+                              <p:cond delay="0"/>
+                            </p:stCondLst>
+                            <p:childTnLst>
+                              <p:par>
+                                <p:cTn id="41" presetID="1" presetClass="entr" presetSubtype="0" fill="hold" nodeType="clickEffect">
+                                  <p:stCondLst>
+                                    <p:cond delay="0"/>
+                                  </p:stCondLst>
+                                  <p:childTnLst>
+                                    <p:set>
+                                      <p:cBhvr>
+                                        <p:cTn id="42" dur="1" fill="hold">
+                                          <p:stCondLst>
+                                            <p:cond delay="0"/>
+                                          </p:stCondLst>
+                                        </p:cTn>
+                                        <p:tgtEl>
+                                          <p:spTgt spid="7">
+                                            <p:txEl>
+                                              <p:pRg st="10" end="10"/>
+                                            </p:txEl>
+                                          </p:spTgt>
+                                        </p:tgtEl>
+                                        <p:attrNameLst>
+                                          <p:attrName>style.visibility</p:attrName>
+                                        </p:attrNameLst>
+                                      </p:cBhvr>
+                                      <p:to>
+                                        <p:strVal val="visible"/>
+                                      </p:to>
+                                    </p:set>
+                                  </p:childTnLst>
+                                </p:cTn>
+                              </p:par>
+                            </p:childTnLst>
+                          </p:cTn>
+                        </p:par>
+                      </p:childTnLst>
+                    </p:cTn>
+                  </p:par>
+                  <p:par>
+                    <p:cTn id="43" fill="hold">
+                      <p:stCondLst>
+                        <p:cond delay="indefinite"/>
+                      </p:stCondLst>
+                      <p:childTnLst>
+                        <p:par>
+                          <p:cTn id="44" fill="hold">
+                            <p:stCondLst>
+                              <p:cond delay="0"/>
+                            </p:stCondLst>
+                            <p:childTnLst>
+                              <p:par>
+                                <p:cTn id="45" presetID="1" presetClass="entr" presetSubtype="0" fill="hold" nodeType="clickEffect">
+                                  <p:stCondLst>
+                                    <p:cond delay="0"/>
+                                  </p:stCondLst>
+                                  <p:childTnLst>
+                                    <p:set>
+                                      <p:cBhvr>
+                                        <p:cTn id="46" dur="1" fill="hold">
+                                          <p:stCondLst>
+                                            <p:cond delay="0"/>
+                                          </p:stCondLst>
+                                        </p:cTn>
+                                        <p:tgtEl>
+                                          <p:spTgt spid="7">
+                                            <p:txEl>
+                                              <p:pRg st="11" end="11"/>
+                                            </p:txEl>
+                                          </p:spTgt>
+                                        </p:tgtEl>
+                                        <p:attrNameLst>
+                                          <p:attrName>style.visibility</p:attrName>
+                                        </p:attrNameLst>
+                                      </p:cBhvr>
+                                      <p:to>
+                                        <p:strVal val="visible"/>
+                                      </p:to>
+                                    </p:set>
+                                  </p:childTnLst>
+                                </p:cTn>
+                              </p:par>
+                            </p:childTnLst>
+                          </p:cTn>
+                        </p:par>
+                      </p:childTnLst>
+                    </p:cTn>
+                  </p:par>
+                </p:childTnLst>
+              </p:cTn>
+              <p:prevCondLst>
+                <p:cond evt="onPrev" delay="0">
+                  <p:tgtEl>
+                    <p:sldTgt/>
+                  </p:tgtEl>
+                </p:cond>
+              </p:prevCondLst>
+              <p:nextCondLst>
+                <p:cond evt="onNext" delay="0">
+                  <p:tgtEl>
+                    <p:sldTgt/>
+                  </p:tgtEl>
+                </p:cond>
+              </p:nextCondLst>
+            </p:seq>
+          </p:childTnLst>
+        </p:cTn>
+      </p:par>
+    </p:tnLst>
+  </p:timing>
+</p:sld>
+</file>
+
+<file path=ppt/slides/slide3.xml><?xml version="1.0" encoding="utf-8"?>
+<p:sld xmlns:a="http://schemas.openxmlformats.org/drawingml/2006/main" xmlns:r="http://schemas.openxmlformats.org/officeDocument/2006/relationships" xmlns:p="http://schemas.openxmlformats.org/presentationml/2006/main">
+  <p:cSld>
+    <p:spTree>
+      <p:nvGrpSpPr>
+        <p:cNvPr id="1" name=""/>
+        <p:cNvGrpSpPr/>
+        <p:nvPr/>
+      </p:nvGrpSpPr>
+      <p:grpSpPr>
+        <a:xfrm>
+          <a:off x="0" y="0"/>
+          <a:ext cx="0" cy="0"/>
+          <a:chOff x="0" y="0"/>
+          <a:chExt cx="0" cy="0"/>
+        </a:xfrm>
+      </p:grpSpPr>
+      <p:sp>
+        <p:nvSpPr>
+          <p:cNvPr id="4" name="Slide Subtitle">
+            <a:extLst>
+              <a:ext uri="{FF2B5EF4-FFF2-40B4-BE49-F238E27FC236}">
+                <a16:creationId xmlns:a16="http://schemas.microsoft.com/office/drawing/2014/main" id="{BEB5BB41-09D4-4E9F-8C80-EE8709171CB3}"/>
+              </a:ext>
+            </a:extLst>
+          </p:cNvPr>
+          <p:cNvSpPr>
+            <a:spLocks noGrp="1"/>
+          </p:cNvSpPr>
+          <p:nvPr>
+            <p:ph type="subTitle" sz="quarter" idx="11"/>
+          </p:nvPr>
+        </p:nvSpPr>
+        <p:spPr/>
+        <p:txBody>
+          <a:bodyPr/>
+          <a:lstStyle/>
+          <a:p>
+            <a:r>
+              <a:rPr lang="bg-BG" dirty="0"/>
+              <a:t>Етапи</a:t>
+            </a:r>
+          </a:p>
+        </p:txBody>
+      </p:sp>
+      <p:sp>
+        <p:nvSpPr>
+          <p:cNvPr id="6" name="Slide Title">
+            <a:extLst>
+              <a:ext uri="{FF2B5EF4-FFF2-40B4-BE49-F238E27FC236}">
+                <a16:creationId xmlns:a16="http://schemas.microsoft.com/office/drawing/2014/main" id="{028D9EA3-B5E0-4F17-9467-4BE3C280DA68}"/>
+              </a:ext>
+            </a:extLst>
+          </p:cNvPr>
+          <p:cNvSpPr>
+            <a:spLocks noGrp="1"/>
+          </p:cNvSpPr>
+          <p:nvPr>
+            <p:ph type="title" sz="quarter" idx="10"/>
+          </p:nvPr>
+        </p:nvSpPr>
+        <p:spPr/>
+        <p:txBody>
+          <a:bodyPr/>
+          <a:lstStyle/>
+          <a:p>
+            <a:r>
+              <a:rPr lang="bg-BG" sz="4400" dirty="0"/>
+              <a:t>Жизнен цикъл на информационна система</a:t>
+            </a:r>
+            <a:endParaRPr lang="en-US" sz="4400" dirty="0"/>
+          </a:p>
+        </p:txBody>
+      </p:sp>
+      <p:pic>
+        <p:nvPicPr>
+          <p:cNvPr id="3" name="Picture 2">
+            <a:extLst>
+              <a:ext uri="{FF2B5EF4-FFF2-40B4-BE49-F238E27FC236}">
+                <a16:creationId xmlns:a16="http://schemas.microsoft.com/office/drawing/2014/main" id="{4D3A8A43-2D38-9408-FD20-702F4C9CB58E}"/>
+              </a:ext>
+            </a:extLst>
+          </p:cNvPr>
+          <p:cNvPicPr>
+            <a:picLocks noChangeAspect="1"/>
+          </p:cNvPicPr>
+          <p:nvPr/>
+        </p:nvPicPr>
+        <p:blipFill>
+          <a:blip r:embed="rId3">
+            <a:extLst>
+              <a:ext uri="{28A0092B-C50C-407E-A947-70E740481C1C}">
+                <a14:useLocalDpi xmlns:a14="http://schemas.microsoft.com/office/drawing/2010/main" val="0"/>
+              </a:ext>
+            </a:extLst>
+          </a:blip>
+          <a:stretch>
+            <a:fillRect/>
+          </a:stretch>
+        </p:blipFill>
+        <p:spPr>
+          <a:xfrm>
+            <a:off x="4567768" y="1089000"/>
+            <a:ext cx="3056464" cy="3070858"/>
+          </a:xfrm>
+          <a:prstGeom prst="rect">
+            <a:avLst/>
+          </a:prstGeom>
+        </p:spPr>
+      </p:pic>
+    </p:spTree>
+    <p:extLst>
+      <p:ext uri="{BB962C8B-B14F-4D97-AF65-F5344CB8AC3E}">
+        <p14:creationId xmlns:p14="http://schemas.microsoft.com/office/powerpoint/2010/main" val="882194472"/>
+      </p:ext>
+    </p:extLst>
+  </p:cSld>
+  <p:clrMapOvr>
+    <a:masterClrMapping/>
+  </p:clrMapOvr>
+  <mc:AlternateContent xmlns:mc="http://schemas.openxmlformats.org/markup-compatibility/2006" xmlns:p14="http://schemas.microsoft.com/office/powerpoint/2010/main">
+    <mc:Choice Requires="p14">
+      <p:transition spd="slow" p14:dur="2000" advClick="0" advTm="5000"/>
+    </mc:Choice>
+    <mc:Fallback xmlns="">
+      <p:transition spd="slow" advClick="0" advTm="5000"/>
+    </mc:Fallback>
+  </mc:AlternateContent>
+</p:sld>
+</file>
+
+<file path=ppt/slides/slide30.xml><?xml version="1.0" encoding="utf-8"?>
+<p:sld xmlns:a="http://schemas.openxmlformats.org/drawingml/2006/main" xmlns:r="http://schemas.openxmlformats.org/officeDocument/2006/relationships" xmlns:p="http://schemas.openxmlformats.org/presentationml/2006/main">
+  <p:cSld>
+    <p:spTree>
+      <p:nvGrpSpPr>
+        <p:cNvPr id="1" name=""/>
+        <p:cNvGrpSpPr/>
+        <p:nvPr/>
+      </p:nvGrpSpPr>
+      <p:grpSpPr>
+        <a:xfrm>
+          <a:off x="0" y="0"/>
+          <a:ext cx="0" cy="0"/>
+          <a:chOff x="0" y="0"/>
+          <a:chExt cx="0" cy="0"/>
+        </a:xfrm>
+      </p:grpSpPr>
       <p:grpSp>
         <p:nvGrpSpPr>
           <p:cNvPr id="3" name="Summary Box Group">
@@ -20943,7 +22237,7 @@
             <a:fld id="{2BF067CD-8E6B-4360-9AA8-C5DF2A48A6D1}" type="slidenum">
               <a:rPr lang="en-US" noProof="0" smtClean="0"/>
               <a:pPr/>
-              <a:t>29</a:t>
+              <a:t>30</a:t>
             </a:fld>
             <a:endParaRPr lang="en-US" noProof="0" dirty="0"/>
           </a:p>
@@ -21392,138 +22686,7 @@
 </p:sld>
 </file>
 
-<file path=ppt/slides/slide3.xml><?xml version="1.0" encoding="utf-8"?>
-<p:sld xmlns:a="http://schemas.openxmlformats.org/drawingml/2006/main" xmlns:r="http://schemas.openxmlformats.org/officeDocument/2006/relationships" xmlns:p="http://schemas.openxmlformats.org/presentationml/2006/main">
-  <p:cSld>
-    <p:spTree>
-      <p:nvGrpSpPr>
-        <p:cNvPr id="1" name=""/>
-        <p:cNvGrpSpPr/>
-        <p:nvPr/>
-      </p:nvGrpSpPr>
-      <p:grpSpPr>
-        <a:xfrm>
-          <a:off x="0" y="0"/>
-          <a:ext cx="0" cy="0"/>
-          <a:chOff x="0" y="0"/>
-          <a:chExt cx="0" cy="0"/>
-        </a:xfrm>
-      </p:grpSpPr>
-      <p:sp>
-        <p:nvSpPr>
-          <p:cNvPr id="4" name="Slide Subtitle">
-            <a:extLst>
-              <a:ext uri="{FF2B5EF4-FFF2-40B4-BE49-F238E27FC236}">
-                <a16:creationId xmlns:a16="http://schemas.microsoft.com/office/drawing/2014/main" id="{BEB5BB41-09D4-4E9F-8C80-EE8709171CB3}"/>
-              </a:ext>
-            </a:extLst>
-          </p:cNvPr>
-          <p:cNvSpPr>
-            <a:spLocks noGrp="1"/>
-          </p:cNvSpPr>
-          <p:nvPr>
-            <p:ph type="subTitle" sz="quarter" idx="11"/>
-          </p:nvPr>
-        </p:nvSpPr>
-        <p:spPr/>
-        <p:txBody>
-          <a:bodyPr/>
-          <a:lstStyle/>
-          <a:p>
-            <a:r>
-              <a:rPr lang="bg-BG" dirty="0"/>
-              <a:t>Етапи</a:t>
-            </a:r>
-          </a:p>
-        </p:txBody>
-      </p:sp>
-      <p:sp>
-        <p:nvSpPr>
-          <p:cNvPr id="6" name="Slide Title">
-            <a:extLst>
-              <a:ext uri="{FF2B5EF4-FFF2-40B4-BE49-F238E27FC236}">
-                <a16:creationId xmlns:a16="http://schemas.microsoft.com/office/drawing/2014/main" id="{028D9EA3-B5E0-4F17-9467-4BE3C280DA68}"/>
-              </a:ext>
-            </a:extLst>
-          </p:cNvPr>
-          <p:cNvSpPr>
-            <a:spLocks noGrp="1"/>
-          </p:cNvSpPr>
-          <p:nvPr>
-            <p:ph type="title" sz="quarter" idx="10"/>
-          </p:nvPr>
-        </p:nvSpPr>
-        <p:spPr/>
-        <p:txBody>
-          <a:bodyPr/>
-          <a:lstStyle/>
-          <a:p>
-            <a:r>
-              <a:rPr lang="bg-BG" sz="4400" dirty="0"/>
-              <a:t>Жизнен цикъл на информационна система</a:t>
-            </a:r>
-            <a:endParaRPr lang="en-US" sz="4400" dirty="0"/>
-          </a:p>
-        </p:txBody>
-      </p:sp>
-      <p:pic>
-        <p:nvPicPr>
-          <p:cNvPr id="3" name="Picture 2">
-            <a:extLst>
-              <a:ext uri="{FF2B5EF4-FFF2-40B4-BE49-F238E27FC236}">
-                <a16:creationId xmlns:a16="http://schemas.microsoft.com/office/drawing/2014/main" id="{4D3A8A43-2D38-9408-FD20-702F4C9CB58E}"/>
-              </a:ext>
-            </a:extLst>
-          </p:cNvPr>
-          <p:cNvPicPr>
-            <a:picLocks noChangeAspect="1"/>
-          </p:cNvPicPr>
-          <p:nvPr/>
-        </p:nvPicPr>
-        <p:blipFill>
-          <a:blip r:embed="rId3">
-            <a:extLst>
-              <a:ext uri="{28A0092B-C50C-407E-A947-70E740481C1C}">
-                <a14:useLocalDpi xmlns:a14="http://schemas.microsoft.com/office/drawing/2010/main" val="0"/>
-              </a:ext>
-            </a:extLst>
-          </a:blip>
-          <a:stretch>
-            <a:fillRect/>
-          </a:stretch>
-        </p:blipFill>
-        <p:spPr>
-          <a:xfrm>
-            <a:off x="4567768" y="1089000"/>
-            <a:ext cx="3056464" cy="3070858"/>
-          </a:xfrm>
-          <a:prstGeom prst="rect">
-            <a:avLst/>
-          </a:prstGeom>
-        </p:spPr>
-      </p:pic>
-    </p:spTree>
-    <p:extLst>
-      <p:ext uri="{BB962C8B-B14F-4D97-AF65-F5344CB8AC3E}">
-        <p14:creationId xmlns:p14="http://schemas.microsoft.com/office/powerpoint/2010/main" val="882194472"/>
-      </p:ext>
-    </p:extLst>
-  </p:cSld>
-  <p:clrMapOvr>
-    <a:masterClrMapping/>
-  </p:clrMapOvr>
-  <mc:AlternateContent xmlns:mc="http://schemas.openxmlformats.org/markup-compatibility/2006" xmlns:p14="http://schemas.microsoft.com/office/powerpoint/2010/main">
-    <mc:Choice Requires="p14">
-      <p:transition spd="slow" p14:dur="2000" advClick="0" advTm="5000"/>
-    </mc:Choice>
-    <mc:Fallback xmlns="">
-      <p:transition spd="slow" advClick="0" advTm="5000"/>
-    </mc:Fallback>
-  </mc:AlternateContent>
-</p:sld>
-</file>
-
-<file path=ppt/slides/slide30.xml><?xml version="1.0" encoding="utf-8"?>
+<file path=ppt/slides/slide31.xml><?xml version="1.0" encoding="utf-8"?>
 <p:sld xmlns:a="http://schemas.openxmlformats.org/drawingml/2006/main" xmlns:r="http://schemas.openxmlformats.org/officeDocument/2006/relationships" xmlns:p="http://schemas.openxmlformats.org/presentationml/2006/main">
   <p:cSld>
     <p:spTree>
@@ -21713,7 +22876,7 @@
 </p:sld>
 </file>
 
-<file path=ppt/slides/slide31.xml><?xml version="1.0" encoding="utf-8"?>
+<file path=ppt/slides/slide32.xml><?xml version="1.0" encoding="utf-8"?>
 <p:sld xmlns:a="http://schemas.openxmlformats.org/drawingml/2006/main" xmlns:r="http://schemas.openxmlformats.org/officeDocument/2006/relationships" xmlns:p="http://schemas.openxmlformats.org/presentationml/2006/main" show="0">
   <p:cSld>
     <p:spTree>
@@ -21766,7 +22929,7 @@
             <a:fld id="{2BF067CD-8E6B-4360-9AA8-C5DF2A48A6D1}" type="slidenum">
               <a:rPr lang="en-US" smtClean="0"/>
               <a:pPr/>
-              <a:t>31</a:t>
+              <a:t>32</a:t>
             </a:fld>
             <a:endParaRPr lang="en-US" dirty="0"/>
           </a:p>

--- a/Courses/Software-Sciences/Module-4-Information-Systems-New/09-Lifecycle-of-Information-System/09-Lifecycle-of-Information-System.pptx
+++ b/Courses/Software-Sciences/Module-4-Information-Systems-New/09-Lifecycle-of-Information-System/09-Lifecycle-of-Information-System.pptx
@@ -5,10 +5,10 @@
     <p:sldMasterId id="2147483675" r:id="rId1"/>
   </p:sldMasterIdLst>
   <p:notesMasterIdLst>
-    <p:notesMasterId r:id="rId34"/>
+    <p:notesMasterId r:id="rId35"/>
   </p:notesMasterIdLst>
   <p:handoutMasterIdLst>
-    <p:handoutMasterId r:id="rId35"/>
+    <p:handoutMasterId r:id="rId36"/>
   </p:handoutMasterIdLst>
   <p:sldIdLst>
     <p:sldId id="503" r:id="rId2"/>
@@ -29,20 +29,21 @@
     <p:sldId id="649" r:id="rId17"/>
     <p:sldId id="766" r:id="rId18"/>
     <p:sldId id="767" r:id="rId19"/>
-    <p:sldId id="782" r:id="rId20"/>
-    <p:sldId id="783" r:id="rId21"/>
-    <p:sldId id="779" r:id="rId22"/>
-    <p:sldId id="770" r:id="rId23"/>
-    <p:sldId id="786" r:id="rId24"/>
-    <p:sldId id="768" r:id="rId25"/>
-    <p:sldId id="785" r:id="rId26"/>
-    <p:sldId id="787" r:id="rId27"/>
-    <p:sldId id="776" r:id="rId28"/>
-    <p:sldId id="784" r:id="rId29"/>
-    <p:sldId id="788" r:id="rId30"/>
-    <p:sldId id="633" r:id="rId31"/>
-    <p:sldId id="504" r:id="rId32"/>
-    <p:sldId id="505" r:id="rId33"/>
+    <p:sldId id="789" r:id="rId20"/>
+    <p:sldId id="782" r:id="rId21"/>
+    <p:sldId id="783" r:id="rId22"/>
+    <p:sldId id="779" r:id="rId23"/>
+    <p:sldId id="770" r:id="rId24"/>
+    <p:sldId id="786" r:id="rId25"/>
+    <p:sldId id="768" r:id="rId26"/>
+    <p:sldId id="785" r:id="rId27"/>
+    <p:sldId id="787" r:id="rId28"/>
+    <p:sldId id="776" r:id="rId29"/>
+    <p:sldId id="784" r:id="rId30"/>
+    <p:sldId id="788" r:id="rId31"/>
+    <p:sldId id="633" r:id="rId32"/>
+    <p:sldId id="504" r:id="rId33"/>
+    <p:sldId id="505" r:id="rId34"/>
   </p:sldIdLst>
   <p:sldSz cx="12192000" cy="6858000"/>
   <p:notesSz cx="6858000" cy="9144000"/>
@@ -180,6 +181,7 @@
             <p14:sldId id="649"/>
             <p14:sldId id="766"/>
             <p14:sldId id="767"/>
+            <p14:sldId id="789"/>
             <p14:sldId id="782"/>
             <p14:sldId id="783"/>
             <p14:sldId id="779"/>
@@ -249,62 +251,6 @@
 </p:cmLst>
 </file>
 
-<file path=ppt/comments/comment2.xml><?xml version="1.0" encoding="utf-8"?>
-<p:cmLst xmlns:a="http://schemas.openxmlformats.org/drawingml/2006/main" xmlns:r="http://schemas.openxmlformats.org/officeDocument/2006/relationships" xmlns:p="http://schemas.openxmlformats.org/presentationml/2006/main">
-  <p:cm authorId="1" dt="2024-09-24T11:09:59.106" idx="7">
-    <p:pos x="10" y="10"/>
-    <p:text>Таблица с потребители</p:text>
-    <p:extLst>
-      <p:ext uri="{C676402C-5697-4E1C-873F-D02D1690AC5C}">
-        <p15:threadingInfo xmlns:p15="http://schemas.microsoft.com/office/powerpoint/2012/main" timeZoneBias="-180"/>
-      </p:ext>
-    </p:extLst>
-  </p:cm>
-</p:cmLst>
-</file>
-
-<file path=ppt/comments/comment3.xml><?xml version="1.0" encoding="utf-8"?>
-<p:cmLst xmlns:a="http://schemas.openxmlformats.org/drawingml/2006/main" xmlns:r="http://schemas.openxmlformats.org/officeDocument/2006/relationships" xmlns:p="http://schemas.openxmlformats.org/presentationml/2006/main">
-  <p:cm authorId="1" dt="2024-09-24T11:10:11.953" idx="8">
-    <p:pos x="10" y="10"/>
-    <p:text>Ще се редактира</p:text>
-    <p:extLst>
-      <p:ext uri="{C676402C-5697-4E1C-873F-D02D1690AC5C}">
-        <p15:threadingInfo xmlns:p15="http://schemas.microsoft.com/office/powerpoint/2012/main" timeZoneBias="-180"/>
-      </p:ext>
-    </p:extLst>
-  </p:cm>
-</p:cmLst>
-</file>
-
-<file path=ppt/comments/comment4.xml><?xml version="1.0" encoding="utf-8"?>
-<p:cmLst xmlns:a="http://schemas.openxmlformats.org/drawingml/2006/main" xmlns:r="http://schemas.openxmlformats.org/officeDocument/2006/relationships" xmlns:p="http://schemas.openxmlformats.org/presentationml/2006/main">
-  <p:cm authorId="1" dt="2024-09-24T11:10:24.867" idx="9">
-    <p:pos x="10" y="10"/>
-    <p:text>Ще се редактира</p:text>
-    <p:extLst>
-      <p:ext uri="{C676402C-5697-4E1C-873F-D02D1690AC5C}">
-        <p15:threadingInfo xmlns:p15="http://schemas.microsoft.com/office/powerpoint/2012/main" timeZoneBias="-180"/>
-      </p:ext>
-    </p:extLst>
-  </p:cm>
-</p:cmLst>
-</file>
-
-<file path=ppt/comments/comment5.xml><?xml version="1.0" encoding="utf-8"?>
-<p:cmLst xmlns:a="http://schemas.openxmlformats.org/drawingml/2006/main" xmlns:r="http://schemas.openxmlformats.org/officeDocument/2006/relationships" xmlns:p="http://schemas.openxmlformats.org/presentationml/2006/main">
-  <p:cm authorId="1" dt="2024-09-23T11:17:45.384" idx="6">
-    <p:pos x="6023" y="2708"/>
-    <p:text>Ще се добавят проверки</p:text>
-    <p:extLst>
-      <p:ext uri="{C676402C-5697-4E1C-873F-D02D1690AC5C}">
-        <p15:threadingInfo xmlns:p15="http://schemas.microsoft.com/office/powerpoint/2012/main" timeZoneBias="-180"/>
-      </p:ext>
-    </p:extLst>
-  </p:cm>
-</p:cmLst>
-</file>
-
 <file path=ppt/handoutMasters/handoutMaster1.xml><?xml version="1.0" encoding="utf-8"?>
 <p:handoutMaster xmlns:a="http://schemas.openxmlformats.org/drawingml/2006/main" xmlns:r="http://schemas.openxmlformats.org/officeDocument/2006/relationships" xmlns:p="http://schemas.openxmlformats.org/presentationml/2006/main">
   <p:cSld>
@@ -399,7 +345,7 @@
           <a:p>
             <a:fld id="{4E087215-0C8F-4762-A664-737A353EC9A4}" type="datetimeFigureOut">
               <a:rPr lang="bg-BG" smtClean="0"/>
-              <a:t>24.09.24 г.</a:t>
+              <a:t>26.09.24 г.</a:t>
             </a:fld>
             <a:endParaRPr lang="bg-BG"/>
           </a:p>
@@ -595,7 +541,7 @@
           <a:p>
             <a:fld id="{72D84649-876A-46C9-8472-14CB09C070D8}" type="datetimeFigureOut">
               <a:rPr lang="en-US" smtClean="0"/>
-              <a:t>9/24/24</a:t>
+              <a:t>9/26/24</a:t>
             </a:fld>
             <a:endParaRPr lang="en-US"/>
           </a:p>
@@ -1088,7 +1034,7 @@
           <a:p>
             <a:fld id="{2BF067CD-8E6B-4360-9AA8-C5DF2A48A6D1}" type="slidenum">
               <a:rPr lang="en-US" smtClean="0"/>
-              <a:t>26</a:t>
+              <a:t>27</a:t>
             </a:fld>
             <a:endParaRPr lang="en-US" dirty="0"/>
           </a:p>
@@ -1316,7 +1262,7 @@
             <a:fld id="{3EBA5BD7-F043-4D1B-AA17-CD412FC534DE}" type="slidenum">
               <a:rPr lang="en-US" smtClean="0"/>
               <a:pPr/>
-              <a:t>30</a:t>
+              <a:t>31</a:t>
             </a:fld>
             <a:endParaRPr lang="en-US" dirty="0"/>
           </a:p>
@@ -1562,7 +1508,7 @@
             <a:fld id="{3EBA5BD7-F043-4D1B-AA17-CD412FC534DE}" type="slidenum">
               <a:rPr lang="en-US" smtClean="0"/>
               <a:pPr/>
-              <a:t>31</a:t>
+              <a:t>32</a:t>
             </a:fld>
             <a:endParaRPr lang="en-US" dirty="0"/>
           </a:p>
@@ -1792,7 +1738,7 @@
             <a:fld id="{3EBA5BD7-F043-4D1B-AA17-CD412FC534DE}" type="slidenum">
               <a:rPr lang="en-US" smtClean="0"/>
               <a:pPr/>
-              <a:t>32</a:t>
+              <a:t>33</a:t>
             </a:fld>
             <a:endParaRPr lang="en-US" dirty="0"/>
           </a:p>
@@ -3198,7 +3144,7 @@
           <a:p>
             <a:fld id="{2BF067CD-8E6B-4360-9AA8-C5DF2A48A6D1}" type="slidenum">
               <a:rPr lang="en-US" smtClean="0"/>
-              <a:t>22</a:t>
+              <a:t>23</a:t>
             </a:fld>
             <a:endParaRPr lang="en-US" dirty="0"/>
           </a:p>
@@ -3319,7 +3265,7 @@
           <a:p>
             <a:fld id="{2BF067CD-8E6B-4360-9AA8-C5DF2A48A6D1}" type="slidenum">
               <a:rPr lang="en-US" smtClean="0"/>
-              <a:t>25</a:t>
+              <a:t>26</a:t>
             </a:fld>
             <a:endParaRPr lang="en-US" dirty="0"/>
           </a:p>
@@ -12535,7 +12481,11 @@
             </a:r>
             <a:r>
               <a:rPr lang="bg-BG" dirty="0"/>
-              <a:t>дизайн на БД</a:t>
+              <a:t>дизайн на БД </a:t>
+            </a:r>
+            <a:r>
+              <a:rPr lang="en-US" dirty="0"/>
+              <a:t>(1)</a:t>
             </a:r>
             <a:endParaRPr lang="en-BG" dirty="0"/>
           </a:p>
@@ -12565,7 +12515,28 @@
           <a:lstStyle/>
           <a:p>
             <a:r>
-              <a:rPr lang="bg-BG" sz="1800" b="1" dirty="0">
+              <a:rPr lang="bg-BG" sz="2400" b="1" dirty="0">
+                <a:solidFill>
+                  <a:schemeClr val="bg1"/>
+                </a:solidFill>
+              </a:rPr>
+              <a:t>Таблица с роли</a:t>
+            </a:r>
+          </a:p>
+          <a:p>
+            <a:pPr lvl="1"/>
+            <a:r>
+              <a:rPr lang="bg-BG" sz="2000" dirty="0"/>
+              <a:t>Име на </a:t>
+            </a:r>
+            <a:r>
+              <a:rPr lang="bg-BG" sz="2000" b="1" dirty="0"/>
+              <a:t>роля</a:t>
+            </a:r>
+          </a:p>
+          <a:p>
+            <a:r>
+              <a:rPr lang="bg-BG" sz="2400" b="1" dirty="0">
                 <a:solidFill>
                   <a:schemeClr val="bg1"/>
                 </a:solidFill>
@@ -12576,70 +12547,53 @@
           <a:p>
             <a:pPr lvl="1"/>
             <a:r>
-              <a:rPr lang="bg-BG" sz="1600" b="1" dirty="0"/>
+              <a:rPr lang="bg-BG" sz="2000" b="1" dirty="0"/>
               <a:t>Потребителско име</a:t>
             </a:r>
             <a:r>
-              <a:rPr lang="bg-BG" sz="1600" dirty="0"/>
+              <a:rPr lang="bg-BG" sz="2000" dirty="0"/>
               <a:t>,</a:t>
             </a:r>
             <a:r>
-              <a:rPr lang="bg-BG" sz="1600" b="1" dirty="0"/>
-              <a:t> парола (криптирана)</a:t>
-            </a:r>
-          </a:p>
-          <a:p>
-            <a:r>
-              <a:rPr lang="bg-BG" sz="1800" b="1" dirty="0">
-                <a:solidFill>
-                  <a:schemeClr val="bg1"/>
-                </a:solidFill>
-              </a:rPr>
-              <a:t>Таблица с пациенти</a:t>
+              <a:rPr lang="bg-BG" sz="2000" b="1" dirty="0"/>
+              <a:t> парола </a:t>
+            </a:r>
+            <a:r>
+              <a:rPr lang="bg-BG" sz="2000" dirty="0"/>
+              <a:t>(криптирана)</a:t>
             </a:r>
           </a:p>
           <a:p>
             <a:pPr lvl="1"/>
             <a:r>
-              <a:rPr lang="bg-BG" sz="1600" b="1" dirty="0"/>
-              <a:t>Име</a:t>
-            </a:r>
-            <a:r>
-              <a:rPr lang="bg-BG" sz="1600" dirty="0"/>
-              <a:t>, </a:t>
-            </a:r>
-            <a:r>
-              <a:rPr lang="bg-BG" sz="1600" b="1" dirty="0"/>
-              <a:t>фамилия</a:t>
-            </a:r>
-            <a:r>
-              <a:rPr lang="bg-BG" sz="1600" dirty="0"/>
-              <a:t>, </a:t>
-            </a:r>
-            <a:r>
-              <a:rPr lang="bg-BG" sz="1600" b="1" dirty="0"/>
-              <a:t>ЕГН</a:t>
-            </a:r>
-            <a:r>
-              <a:rPr lang="bg-BG" sz="1600" dirty="0"/>
-              <a:t>, </a:t>
-            </a:r>
-            <a:r>
-              <a:rPr lang="bg-BG" sz="1600" b="1" dirty="0"/>
-              <a:t>пол</a:t>
-            </a:r>
-            <a:r>
-              <a:rPr lang="bg-BG" sz="1600" dirty="0"/>
-              <a:t>, </a:t>
-            </a:r>
-            <a:r>
-              <a:rPr lang="bg-BG" sz="1600" b="1" dirty="0"/>
-              <a:t>телефон</a:t>
-            </a:r>
-          </a:p>
-          <a:p>
-            <a:r>
-              <a:rPr lang="bg-BG" sz="1800" b="1" dirty="0">
+              <a:rPr lang="bg-BG" sz="2000" dirty="0"/>
+              <a:t>Връзка с </a:t>
+            </a:r>
+            <a:r>
+              <a:rPr lang="bg-BG" sz="2000" b="1" dirty="0"/>
+              <a:t>роля</a:t>
+            </a:r>
+            <a:r>
+              <a:rPr lang="bg-BG" sz="2000" dirty="0"/>
+              <a:t> </a:t>
+            </a:r>
+            <a:r>
+              <a:rPr lang="en-US" sz="2000" dirty="0"/>
+              <a:t>(</a:t>
+            </a:r>
+            <a:r>
+              <a:rPr lang="bg-BG" sz="2000" dirty="0"/>
+              <a:t>потребителят си има роля</a:t>
+            </a:r>
+            <a:r>
+              <a:rPr lang="en-US" sz="2000" dirty="0"/>
+              <a:t>)</a:t>
+            </a:r>
+            <a:endParaRPr lang="bg-BG" sz="2200" b="1" dirty="0"/>
+          </a:p>
+          <a:p>
+            <a:r>
+              <a:rPr lang="bg-BG" sz="2400" b="1" dirty="0">
                 <a:solidFill>
                   <a:schemeClr val="bg1"/>
                 </a:solidFill>
@@ -12650,56 +12604,56 @@
           <a:p>
             <a:pPr lvl="1"/>
             <a:r>
-              <a:rPr lang="bg-BG" sz="1600" b="1" dirty="0"/>
+              <a:rPr lang="bg-BG" sz="2000" b="1" dirty="0"/>
               <a:t>Име</a:t>
             </a:r>
             <a:r>
-              <a:rPr lang="bg-BG" sz="1600" dirty="0"/>
+              <a:rPr lang="bg-BG" sz="2000" dirty="0"/>
               <a:t>, </a:t>
             </a:r>
             <a:r>
-              <a:rPr lang="bg-BG" sz="1600" b="1" dirty="0"/>
+              <a:rPr lang="bg-BG" sz="2000" b="1" dirty="0"/>
               <a:t>фамилия</a:t>
             </a:r>
             <a:r>
-              <a:rPr lang="bg-BG" sz="1600" dirty="0"/>
+              <a:rPr lang="bg-BG" sz="2000" dirty="0"/>
               <a:t>, </a:t>
             </a:r>
             <a:r>
-              <a:rPr lang="bg-BG" sz="1600" b="1" dirty="0"/>
+              <a:rPr lang="bg-BG" sz="2000" b="1" dirty="0"/>
               <a:t>специалност</a:t>
             </a:r>
             <a:r>
-              <a:rPr lang="bg-BG" sz="1600" dirty="0"/>
+              <a:rPr lang="bg-BG" sz="2000" dirty="0"/>
               <a:t>, </a:t>
             </a:r>
             <a:r>
-              <a:rPr lang="bg-BG" sz="1600" b="1" dirty="0"/>
+              <a:rPr lang="bg-BG" sz="2000" b="1" dirty="0"/>
               <a:t>телефон</a:t>
             </a:r>
           </a:p>
           <a:p>
             <a:pPr lvl="1"/>
             <a:r>
-              <a:rPr lang="bg-BG" sz="1600" dirty="0"/>
+              <a:rPr lang="bg-BG" sz="2000" dirty="0"/>
               <a:t>Връзка с </a:t>
             </a:r>
             <a:r>
-              <a:rPr lang="bg-BG" sz="1600" b="1" dirty="0"/>
+              <a:rPr lang="bg-BG" sz="2000" b="1" dirty="0"/>
               <a:t>потребител</a:t>
             </a:r>
             <a:r>
-              <a:rPr lang="en-US" sz="1600" dirty="0"/>
+              <a:rPr lang="en-US" sz="2000" dirty="0"/>
               <a:t> (</a:t>
             </a:r>
             <a:r>
-              <a:rPr lang="bg-BG" sz="1600" dirty="0"/>
+              <a:rPr lang="bg-BG" sz="2000" dirty="0"/>
               <a:t>лекарят си има потребител)</a:t>
             </a:r>
           </a:p>
           <a:p>
             <a:r>
-              <a:rPr lang="bg-BG" sz="1800" b="1" dirty="0">
+              <a:rPr lang="bg-BG" sz="2400" b="1" dirty="0">
                 <a:solidFill>
                   <a:schemeClr val="bg1"/>
                 </a:solidFill>
@@ -12710,90 +12664,42 @@
           <a:p>
             <a:pPr lvl="1"/>
             <a:r>
-              <a:rPr lang="bg-BG" sz="1600" b="1" dirty="0"/>
+              <a:rPr lang="bg-BG" sz="2000" b="1" dirty="0"/>
               <a:t>Име</a:t>
             </a:r>
             <a:r>
-              <a:rPr lang="bg-BG" sz="1600" dirty="0"/>
+              <a:rPr lang="bg-BG" sz="2000" dirty="0"/>
               <a:t>, </a:t>
             </a:r>
             <a:r>
-              <a:rPr lang="bg-BG" sz="1600" b="1" dirty="0"/>
+              <a:rPr lang="bg-BG" sz="2000" b="1" dirty="0"/>
               <a:t>телефон, </a:t>
             </a:r>
             <a:r>
-              <a:rPr lang="en-US" sz="1600" b="1" dirty="0"/>
+              <a:rPr lang="en-US" sz="2000" b="1" dirty="0"/>
               <a:t>email</a:t>
             </a:r>
-            <a:endParaRPr lang="bg-BG" sz="1600" b="1" dirty="0"/>
+            <a:endParaRPr lang="bg-BG" sz="2000" b="1" dirty="0"/>
           </a:p>
           <a:p>
             <a:pPr lvl="1"/>
             <a:r>
-              <a:rPr lang="bg-BG" sz="1600" dirty="0"/>
+              <a:rPr lang="bg-BG" sz="2000" dirty="0"/>
               <a:t>Връзка с </a:t>
             </a:r>
             <a:r>
-              <a:rPr lang="bg-BG" sz="1600" b="1" dirty="0"/>
+              <a:rPr lang="bg-BG" sz="2000" b="1" dirty="0"/>
               <a:t>потребител</a:t>
             </a:r>
             <a:r>
-              <a:rPr lang="en-US" sz="1600" dirty="0"/>
+              <a:rPr lang="en-US" sz="2000" dirty="0"/>
               <a:t> (</a:t>
             </a:r>
             <a:r>
-              <a:rPr lang="bg-BG" sz="1600" dirty="0"/>
-              <a:t>лекарят си има потребител)</a:t>
-            </a:r>
-            <a:endParaRPr lang="bg-BG" sz="1600" b="1" dirty="0"/>
-          </a:p>
-          <a:p>
-            <a:r>
-              <a:rPr lang="bg-BG" sz="1800" b="1" dirty="0">
-                <a:solidFill>
-                  <a:schemeClr val="bg1"/>
-                </a:solidFill>
-              </a:rPr>
-              <a:t>Таблица с прегледи</a:t>
-            </a:r>
-          </a:p>
-          <a:p>
-            <a:pPr lvl="1"/>
-            <a:r>
-              <a:rPr lang="bg-BG" sz="1600" b="1" dirty="0"/>
-              <a:t>Дата</a:t>
-            </a:r>
-            <a:r>
-              <a:rPr lang="bg-BG" sz="1600" dirty="0"/>
-              <a:t>, </a:t>
-            </a:r>
-            <a:r>
-              <a:rPr lang="bg-BG" sz="1600" b="1" dirty="0"/>
-              <a:t>състояние, лечение</a:t>
-            </a:r>
-          </a:p>
-          <a:p>
-            <a:pPr lvl="1"/>
-            <a:r>
-              <a:rPr lang="bg-BG" sz="1600" dirty="0"/>
-              <a:t>Връзка с </a:t>
-            </a:r>
-            <a:r>
-              <a:rPr lang="bg-BG" sz="1600" b="1" dirty="0"/>
-              <a:t>пациент</a:t>
-            </a:r>
-            <a:r>
-              <a:rPr lang="bg-BG" sz="1600" dirty="0"/>
-              <a:t> и </a:t>
-            </a:r>
-            <a:r>
-              <a:rPr lang="bg-BG" sz="1600" b="1" dirty="0"/>
-              <a:t>лекар</a:t>
-            </a:r>
-            <a:r>
-              <a:rPr lang="bg-BG" sz="1600" dirty="0"/>
-              <a:t> (прегледът си има пациент и лекар)</a:t>
-            </a:r>
+              <a:rPr lang="bg-BG" sz="2000" dirty="0"/>
+              <a:t>администраторът си има потребител)</a:t>
+            </a:r>
+            <a:endParaRPr lang="bg-BG" sz="2000" b="1" dirty="0"/>
           </a:p>
         </p:txBody>
       </p:sp>
@@ -13313,104 +13219,6 @@
                       </p:childTnLst>
                     </p:cTn>
                   </p:par>
-                  <p:par>
-                    <p:cTn id="43" fill="hold">
-                      <p:stCondLst>
-                        <p:cond delay="indefinite"/>
-                      </p:stCondLst>
-                      <p:childTnLst>
-                        <p:par>
-                          <p:cTn id="44" fill="hold">
-                            <p:stCondLst>
-                              <p:cond delay="0"/>
-                            </p:stCondLst>
-                            <p:childTnLst>
-                              <p:par>
-                                <p:cTn id="45" presetID="1" presetClass="entr" presetSubtype="0" fill="hold" nodeType="clickEffect">
-                                  <p:stCondLst>
-                                    <p:cond delay="0"/>
-                                  </p:stCondLst>
-                                  <p:childTnLst>
-                                    <p:set>
-                                      <p:cBhvr>
-                                        <p:cTn id="46" dur="1" fill="hold">
-                                          <p:stCondLst>
-                                            <p:cond delay="0"/>
-                                          </p:stCondLst>
-                                        </p:cTn>
-                                        <p:tgtEl>
-                                          <p:spTgt spid="7">
-                                            <p:txEl>
-                                              <p:pRg st="11" end="11"/>
-                                            </p:txEl>
-                                          </p:spTgt>
-                                        </p:tgtEl>
-                                        <p:attrNameLst>
-                                          <p:attrName>style.visibility</p:attrName>
-                                        </p:attrNameLst>
-                                      </p:cBhvr>
-                                      <p:to>
-                                        <p:strVal val="visible"/>
-                                      </p:to>
-                                    </p:set>
-                                  </p:childTnLst>
-                                </p:cTn>
-                              </p:par>
-                            </p:childTnLst>
-                          </p:cTn>
-                        </p:par>
-                      </p:childTnLst>
-                    </p:cTn>
-                  </p:par>
-                  <p:par>
-                    <p:cTn id="47" fill="hold">
-                      <p:stCondLst>
-                        <p:cond delay="indefinite"/>
-                      </p:stCondLst>
-                      <p:childTnLst>
-                        <p:par>
-                          <p:cTn id="48" fill="hold">
-                            <p:stCondLst>
-                              <p:cond delay="0"/>
-                            </p:stCondLst>
-                            <p:childTnLst>
-                              <p:par>
-                                <p:cTn id="49" presetID="1" presetClass="entr" presetSubtype="0" fill="hold" nodeType="clickEffect">
-                                  <p:stCondLst>
-                                    <p:cond delay="0"/>
-                                  </p:stCondLst>
-                                  <p:childTnLst>
-                                    <p:set>
-                                      <p:cBhvr>
-                                        <p:cTn id="50" dur="1" fill="hold">
-                                          <p:stCondLst>
-                                            <p:cond delay="0"/>
-                                          </p:stCondLst>
-                                        </p:cTn>
-                                        <p:tgtEl>
-                                          <p:spTgt spid="7">
-                                            <p:txEl>
-                                              <p:pRg st="12" end="12"/>
-                                            </p:txEl>
-                                          </p:spTgt>
-                                        </p:tgtEl>
-                                        <p:attrNameLst>
-                                          <p:attrName>style.visibility</p:attrName>
-                                        </p:attrNameLst>
-                                      </p:cBhvr>
-                                      <p:to>
-                                        <p:strVal val="visible"/>
-                                      </p:to>
-                                    </p:set>
-                                  </p:childTnLst>
-                                </p:cTn>
-                              </p:par>
-                            </p:childTnLst>
-                          </p:cTn>
-                        </p:par>
-                      </p:childTnLst>
-                    </p:cTn>
-                  </p:par>
                 </p:childTnLst>
               </p:cTn>
               <p:prevCondLst>
@@ -13458,7 +13266,7 @@
           <p:cNvPr id="2" name="Slide Number Placeholder 1">
             <a:extLst>
               <a:ext uri="{FF2B5EF4-FFF2-40B4-BE49-F238E27FC236}">
-                <a16:creationId xmlns:a16="http://schemas.microsoft.com/office/drawing/2014/main" id="{DE068892-22B0-0781-814F-C94199C20C8F}"/>
+                <a16:creationId xmlns:a16="http://schemas.microsoft.com/office/drawing/2014/main" id="{CCAABC86-82E0-F099-701A-D4347B605385}"/>
               </a:ext>
             </a:extLst>
           </p:cNvPr>
@@ -13488,7 +13296,7 @@
           <p:cNvPr id="4" name="Title 3">
             <a:extLst>
               <a:ext uri="{FF2B5EF4-FFF2-40B4-BE49-F238E27FC236}">
-                <a16:creationId xmlns:a16="http://schemas.microsoft.com/office/drawing/2014/main" id="{8718B34B-E2E6-D29F-009D-C1CC0A9608C6}"/>
+                <a16:creationId xmlns:a16="http://schemas.microsoft.com/office/drawing/2014/main" id="{67B6A643-676D-3506-B008-B24B36AA34F1}"/>
               </a:ext>
             </a:extLst>
           </p:cNvPr>
@@ -13501,57 +13309,156 @@
         </p:nvSpPr>
         <p:spPr/>
         <p:txBody>
-          <a:bodyPr/>
+          <a:bodyPr>
+            <a:normAutofit/>
+          </a:bodyPr>
           <a:lstStyle/>
           <a:p>
             <a:r>
               <a:rPr lang="bg-BG" dirty="0"/>
-              <a:t>Диаграма на базата данни</a:t>
-            </a:r>
-            <a:endParaRPr lang="en-US" dirty="0"/>
+              <a:t>Проектиране</a:t>
+            </a:r>
+            <a:r>
+              <a:rPr lang="en-US" dirty="0"/>
+              <a:t>: </a:t>
+            </a:r>
+            <a:r>
+              <a:rPr lang="bg-BG" dirty="0"/>
+              <a:t>дизайн на БД</a:t>
+            </a:r>
+            <a:r>
+              <a:rPr lang="en-US"/>
+              <a:t> (2)</a:t>
+            </a:r>
+            <a:endParaRPr lang="en-BG" dirty="0"/>
           </a:p>
         </p:txBody>
       </p:sp>
-      <p:pic>
-        <p:nvPicPr>
-          <p:cNvPr id="6" name="Picture 5">
+      <p:sp>
+        <p:nvSpPr>
+          <p:cNvPr id="7" name="Text Placeholder 6">
             <a:extLst>
               <a:ext uri="{FF2B5EF4-FFF2-40B4-BE49-F238E27FC236}">
-                <a16:creationId xmlns:a16="http://schemas.microsoft.com/office/drawing/2014/main" id="{615D9262-B99F-DDFD-F3CB-465E95926B6C}"/>
+                <a16:creationId xmlns:a16="http://schemas.microsoft.com/office/drawing/2014/main" id="{FBFEFCDD-E454-D1E7-D67F-EE67BB2A7ACE}"/>
               </a:ext>
             </a:extLst>
           </p:cNvPr>
-          <p:cNvPicPr>
-            <a:picLocks noChangeAspect="1"/>
-          </p:cNvPicPr>
-          <p:nvPr/>
-        </p:nvPicPr>
-        <p:blipFill>
-          <a:blip r:embed="rId2">
-            <a:extLst>
-              <a:ext uri="{28A0092B-C50C-407E-A947-70E740481C1C}">
-                <a14:useLocalDpi xmlns:a14="http://schemas.microsoft.com/office/drawing/2010/main" val="0"/>
-              </a:ext>
-            </a:extLst>
-          </a:blip>
-          <a:stretch>
-            <a:fillRect/>
-          </a:stretch>
-        </p:blipFill>
-        <p:spPr>
-          <a:xfrm>
-            <a:off x="463672" y="2034000"/>
-            <a:ext cx="11264655" cy="3285000"/>
-          </a:xfrm>
-          <a:prstGeom prst="rect">
-            <a:avLst/>
-          </a:prstGeom>
-        </p:spPr>
-      </p:pic>
+          <p:cNvSpPr>
+            <a:spLocks noGrp="1"/>
+          </p:cNvSpPr>
+          <p:nvPr>
+            <p:ph type="body" sz="quarter" idx="10"/>
+          </p:nvPr>
+        </p:nvSpPr>
+        <p:spPr/>
+        <p:txBody>
+          <a:bodyPr>
+            <a:noAutofit/>
+          </a:bodyPr>
+          <a:lstStyle/>
+          <a:p>
+            <a:r>
+              <a:rPr lang="bg-BG" sz="2400" b="1" dirty="0">
+                <a:solidFill>
+                  <a:schemeClr val="bg1"/>
+                </a:solidFill>
+              </a:rPr>
+              <a:t>Таблица с пациенти</a:t>
+            </a:r>
+          </a:p>
+          <a:p>
+            <a:pPr lvl="1"/>
+            <a:r>
+              <a:rPr lang="bg-BG" sz="2000" b="1" dirty="0"/>
+              <a:t>Име</a:t>
+            </a:r>
+            <a:r>
+              <a:rPr lang="bg-BG" sz="2000" dirty="0"/>
+              <a:t>, </a:t>
+            </a:r>
+            <a:r>
+              <a:rPr lang="bg-BG" sz="2000" b="1" dirty="0"/>
+              <a:t>фамилия</a:t>
+            </a:r>
+            <a:r>
+              <a:rPr lang="bg-BG" sz="2000" dirty="0"/>
+              <a:t>, </a:t>
+            </a:r>
+            <a:r>
+              <a:rPr lang="bg-BG" sz="2000" b="1" dirty="0"/>
+              <a:t>ЕГН</a:t>
+            </a:r>
+            <a:r>
+              <a:rPr lang="bg-BG" sz="2000" dirty="0"/>
+              <a:t>, </a:t>
+            </a:r>
+            <a:r>
+              <a:rPr lang="bg-BG" sz="2000" b="1" dirty="0"/>
+              <a:t>пол</a:t>
+            </a:r>
+            <a:r>
+              <a:rPr lang="bg-BG" sz="2000" dirty="0"/>
+              <a:t>, </a:t>
+            </a:r>
+            <a:r>
+              <a:rPr lang="bg-BG" sz="2000" b="1" dirty="0"/>
+              <a:t>телефон</a:t>
+            </a:r>
+          </a:p>
+          <a:p>
+            <a:r>
+              <a:rPr lang="bg-BG" sz="2400" b="1" dirty="0">
+                <a:solidFill>
+                  <a:schemeClr val="bg1"/>
+                </a:solidFill>
+              </a:rPr>
+              <a:t>Таблица с прегледи</a:t>
+            </a:r>
+          </a:p>
+          <a:p>
+            <a:pPr lvl="1"/>
+            <a:r>
+              <a:rPr lang="bg-BG" sz="2000" b="1" dirty="0"/>
+              <a:t>Дата</a:t>
+            </a:r>
+            <a:r>
+              <a:rPr lang="bg-BG" sz="2000" dirty="0"/>
+              <a:t>, </a:t>
+            </a:r>
+            <a:r>
+              <a:rPr lang="bg-BG" sz="2000" b="1" dirty="0"/>
+              <a:t>състояние, лечение</a:t>
+            </a:r>
+          </a:p>
+          <a:p>
+            <a:pPr lvl="1"/>
+            <a:r>
+              <a:rPr lang="bg-BG" sz="2000" dirty="0"/>
+              <a:t>Връзка с </a:t>
+            </a:r>
+            <a:r>
+              <a:rPr lang="bg-BG" sz="2000" b="1" dirty="0"/>
+              <a:t>пациент</a:t>
+            </a:r>
+            <a:r>
+              <a:rPr lang="bg-BG" sz="2000" dirty="0"/>
+              <a:t> и </a:t>
+            </a:r>
+            <a:r>
+              <a:rPr lang="bg-BG" sz="2000" b="1" dirty="0"/>
+              <a:t>лекар</a:t>
+            </a:r>
+            <a:r>
+              <a:rPr lang="bg-BG" sz="2000" dirty="0"/>
+              <a:t> (прегледът си има пациент и лекар)</a:t>
+            </a:r>
+          </a:p>
+        </p:txBody>
+      </p:sp>
     </p:spTree>
     <p:extLst>
       <p:ext uri="{BB962C8B-B14F-4D97-AF65-F5344CB8AC3E}">
-        <p14:creationId xmlns:p14="http://schemas.microsoft.com/office/powerpoint/2010/main" val="2725041579"/>
+        <p14:creationId xmlns:p14="http://schemas.microsoft.com/office/powerpoint/2010/main" val="1822185347"/>
       </p:ext>
     </p:extLst>
   </p:cSld>
@@ -13566,6 +13473,232 @@
       <p:transition spd="slow" advClick="0" advTm="5000"/>
     </mc:Fallback>
   </mc:AlternateContent>
+  <p:timing>
+    <p:tnLst>
+      <p:par>
+        <p:cTn id="1" dur="indefinite" restart="never" nodeType="tmRoot">
+          <p:childTnLst>
+            <p:seq concurrent="1" nextAc="seek">
+              <p:cTn id="2" dur="indefinite" nodeType="mainSeq">
+                <p:childTnLst>
+                  <p:par>
+                    <p:cTn id="3" fill="hold">
+                      <p:stCondLst>
+                        <p:cond delay="indefinite"/>
+                      </p:stCondLst>
+                      <p:childTnLst>
+                        <p:par>
+                          <p:cTn id="4" fill="hold">
+                            <p:stCondLst>
+                              <p:cond delay="0"/>
+                            </p:stCondLst>
+                            <p:childTnLst>
+                              <p:par>
+                                <p:cTn id="5" presetID="1" presetClass="entr" presetSubtype="0" fill="hold" nodeType="clickEffect">
+                                  <p:stCondLst>
+                                    <p:cond delay="0"/>
+                                  </p:stCondLst>
+                                  <p:childTnLst>
+                                    <p:set>
+                                      <p:cBhvr>
+                                        <p:cTn id="6" dur="1" fill="hold">
+                                          <p:stCondLst>
+                                            <p:cond delay="0"/>
+                                          </p:stCondLst>
+                                        </p:cTn>
+                                        <p:tgtEl>
+                                          <p:spTgt spid="7">
+                                            <p:txEl>
+                                              <p:pRg st="1" end="1"/>
+                                            </p:txEl>
+                                          </p:spTgt>
+                                        </p:tgtEl>
+                                        <p:attrNameLst>
+                                          <p:attrName>style.visibility</p:attrName>
+                                        </p:attrNameLst>
+                                      </p:cBhvr>
+                                      <p:to>
+                                        <p:strVal val="visible"/>
+                                      </p:to>
+                                    </p:set>
+                                  </p:childTnLst>
+                                </p:cTn>
+                              </p:par>
+                            </p:childTnLst>
+                          </p:cTn>
+                        </p:par>
+                      </p:childTnLst>
+                    </p:cTn>
+                  </p:par>
+                  <p:par>
+                    <p:cTn id="7" fill="hold">
+                      <p:stCondLst>
+                        <p:cond delay="indefinite"/>
+                      </p:stCondLst>
+                      <p:childTnLst>
+                        <p:par>
+                          <p:cTn id="8" fill="hold">
+                            <p:stCondLst>
+                              <p:cond delay="0"/>
+                            </p:stCondLst>
+                            <p:childTnLst>
+                              <p:par>
+                                <p:cTn id="9" presetID="1" presetClass="entr" presetSubtype="0" fill="hold" nodeType="clickEffect">
+                                  <p:stCondLst>
+                                    <p:cond delay="0"/>
+                                  </p:stCondLst>
+                                  <p:childTnLst>
+                                    <p:set>
+                                      <p:cBhvr>
+                                        <p:cTn id="10" dur="1" fill="hold">
+                                          <p:stCondLst>
+                                            <p:cond delay="0"/>
+                                          </p:stCondLst>
+                                        </p:cTn>
+                                        <p:tgtEl>
+                                          <p:spTgt spid="7">
+                                            <p:txEl>
+                                              <p:pRg st="2" end="2"/>
+                                            </p:txEl>
+                                          </p:spTgt>
+                                        </p:tgtEl>
+                                        <p:attrNameLst>
+                                          <p:attrName>style.visibility</p:attrName>
+                                        </p:attrNameLst>
+                                      </p:cBhvr>
+                                      <p:to>
+                                        <p:strVal val="visible"/>
+                                      </p:to>
+                                    </p:set>
+                                  </p:childTnLst>
+                                </p:cTn>
+                              </p:par>
+                            </p:childTnLst>
+                          </p:cTn>
+                        </p:par>
+                      </p:childTnLst>
+                    </p:cTn>
+                  </p:par>
+                  <p:par>
+                    <p:cTn id="11" fill="hold">
+                      <p:stCondLst>
+                        <p:cond delay="indefinite"/>
+                      </p:stCondLst>
+                      <p:childTnLst>
+                        <p:par>
+                          <p:cTn id="12" fill="hold">
+                            <p:stCondLst>
+                              <p:cond delay="0"/>
+                            </p:stCondLst>
+                            <p:childTnLst>
+                              <p:par>
+                                <p:cTn id="13" presetID="1" presetClass="entr" presetSubtype="0" fill="hold" nodeType="clickEffect">
+                                  <p:stCondLst>
+                                    <p:cond delay="0"/>
+                                  </p:stCondLst>
+                                  <p:childTnLst>
+                                    <p:set>
+                                      <p:cBhvr>
+                                        <p:cTn id="14" dur="1" fill="hold">
+                                          <p:stCondLst>
+                                            <p:cond delay="0"/>
+                                          </p:stCondLst>
+                                        </p:cTn>
+                                        <p:tgtEl>
+                                          <p:spTgt spid="7">
+                                            <p:txEl>
+                                              <p:pRg st="3" end="3"/>
+                                            </p:txEl>
+                                          </p:spTgt>
+                                        </p:tgtEl>
+                                        <p:attrNameLst>
+                                          <p:attrName>style.visibility</p:attrName>
+                                        </p:attrNameLst>
+                                      </p:cBhvr>
+                                      <p:to>
+                                        <p:strVal val="visible"/>
+                                      </p:to>
+                                    </p:set>
+                                  </p:childTnLst>
+                                </p:cTn>
+                              </p:par>
+                            </p:childTnLst>
+                          </p:cTn>
+                        </p:par>
+                      </p:childTnLst>
+                    </p:cTn>
+                  </p:par>
+                  <p:par>
+                    <p:cTn id="15" fill="hold">
+                      <p:stCondLst>
+                        <p:cond delay="indefinite"/>
+                      </p:stCondLst>
+                      <p:childTnLst>
+                        <p:par>
+                          <p:cTn id="16" fill="hold">
+                            <p:stCondLst>
+                              <p:cond delay="0"/>
+                            </p:stCondLst>
+                            <p:childTnLst>
+                              <p:par>
+                                <p:cTn id="17" presetID="1" presetClass="entr" presetSubtype="0" fill="hold" nodeType="clickEffect">
+                                  <p:stCondLst>
+                                    <p:cond delay="0"/>
+                                  </p:stCondLst>
+                                  <p:childTnLst>
+                                    <p:set>
+                                      <p:cBhvr>
+                                        <p:cTn id="18" dur="1" fill="hold">
+                                          <p:stCondLst>
+                                            <p:cond delay="0"/>
+                                          </p:stCondLst>
+                                        </p:cTn>
+                                        <p:tgtEl>
+                                          <p:spTgt spid="7">
+                                            <p:txEl>
+                                              <p:pRg st="4" end="4"/>
+                                            </p:txEl>
+                                          </p:spTgt>
+                                        </p:tgtEl>
+                                        <p:attrNameLst>
+                                          <p:attrName>style.visibility</p:attrName>
+                                        </p:attrNameLst>
+                                      </p:cBhvr>
+                                      <p:to>
+                                        <p:strVal val="visible"/>
+                                      </p:to>
+                                    </p:set>
+                                  </p:childTnLst>
+                                </p:cTn>
+                              </p:par>
+                            </p:childTnLst>
+                          </p:cTn>
+                        </p:par>
+                      </p:childTnLst>
+                    </p:cTn>
+                  </p:par>
+                </p:childTnLst>
+              </p:cTn>
+              <p:prevCondLst>
+                <p:cond evt="onPrev" delay="0">
+                  <p:tgtEl>
+                    <p:sldTgt/>
+                  </p:tgtEl>
+                </p:cond>
+              </p:prevCondLst>
+              <p:nextCondLst>
+                <p:cond evt="onNext" delay="0">
+                  <p:tgtEl>
+                    <p:sldTgt/>
+                  </p:tgtEl>
+                </p:cond>
+              </p:nextCondLst>
+            </p:seq>
+          </p:childTnLst>
+        </p:cTn>
+      </p:par>
+    </p:tnLst>
+  </p:timing>
 </p:sld>
 </file>
 
@@ -14211,7 +14344,7 @@
           <p:cNvPr id="2" name="Slide Number Placeholder 1">
             <a:extLst>
               <a:ext uri="{FF2B5EF4-FFF2-40B4-BE49-F238E27FC236}">
-                <a16:creationId xmlns:a16="http://schemas.microsoft.com/office/drawing/2014/main" id="{CCAABC86-82E0-F099-701A-D4347B605385}"/>
+                <a16:creationId xmlns:a16="http://schemas.microsoft.com/office/drawing/2014/main" id="{DE068892-22B0-0781-814F-C94199C20C8F}"/>
               </a:ext>
             </a:extLst>
           </p:cNvPr>
@@ -14241,7 +14374,7 @@
           <p:cNvPr id="4" name="Title 3">
             <a:extLst>
               <a:ext uri="{FF2B5EF4-FFF2-40B4-BE49-F238E27FC236}">
-                <a16:creationId xmlns:a16="http://schemas.microsoft.com/office/drawing/2014/main" id="{67B6A643-676D-3506-B008-B24B36AA34F1}"/>
+                <a16:creationId xmlns:a16="http://schemas.microsoft.com/office/drawing/2014/main" id="{8718B34B-E2E6-D29F-009D-C1CC0A9608C6}"/>
               </a:ext>
             </a:extLst>
           </p:cNvPr>
@@ -14254,41 +14387,23 @@
         </p:nvSpPr>
         <p:spPr/>
         <p:txBody>
-          <a:bodyPr>
-            <a:normAutofit/>
-          </a:bodyPr>
+          <a:bodyPr/>
           <a:lstStyle/>
           <a:p>
             <a:r>
               <a:rPr lang="bg-BG" dirty="0"/>
-              <a:t>Проектиране</a:t>
-            </a:r>
-            <a:r>
-              <a:rPr lang="en-US" dirty="0"/>
-              <a:t>: </a:t>
-            </a:r>
-            <a:r>
-              <a:rPr lang="bg-BG" dirty="0"/>
-              <a:t>дизайн на </a:t>
-            </a:r>
-            <a:r>
-              <a:rPr lang="en-US" dirty="0"/>
-              <a:t>UI – </a:t>
-            </a:r>
-            <a:r>
-              <a:rPr lang="bg-BG" dirty="0"/>
-              <a:t>навигация</a:t>
-            </a:r>
-            <a:endParaRPr lang="en-BG" dirty="0"/>
+              <a:t>Диаграма на базата данни</a:t>
+            </a:r>
+            <a:endParaRPr lang="en-US" dirty="0"/>
           </a:p>
         </p:txBody>
       </p:sp>
       <p:pic>
         <p:nvPicPr>
-          <p:cNvPr id="16" name="Picture 15">
+          <p:cNvPr id="6" name="Picture 5">
             <a:extLst>
               <a:ext uri="{FF2B5EF4-FFF2-40B4-BE49-F238E27FC236}">
-                <a16:creationId xmlns:a16="http://schemas.microsoft.com/office/drawing/2014/main" id="{54152E59-50E3-A528-B957-BF140B50BE7A}"/>
+                <a16:creationId xmlns:a16="http://schemas.microsoft.com/office/drawing/2014/main" id="{615D9262-B99F-DDFD-F3CB-465E95926B6C}"/>
               </a:ext>
             </a:extLst>
           </p:cNvPr>
@@ -14310,8 +14425,8 @@
         </p:blipFill>
         <p:spPr>
           <a:xfrm>
-            <a:off x="284787" y="1449000"/>
-            <a:ext cx="11622425" cy="4590000"/>
+            <a:off x="79612" y="2529000"/>
+            <a:ext cx="12032776" cy="2495686"/>
           </a:xfrm>
           <a:prstGeom prst="rect">
             <a:avLst/>
@@ -14321,7 +14436,7 @@
     </p:spTree>
     <p:extLst>
       <p:ext uri="{BB962C8B-B14F-4D97-AF65-F5344CB8AC3E}">
-        <p14:creationId xmlns:p14="http://schemas.microsoft.com/office/powerpoint/2010/main" val="959532821"/>
+        <p14:creationId xmlns:p14="http://schemas.microsoft.com/office/powerpoint/2010/main" val="2725041579"/>
       </p:ext>
     </p:extLst>
   </p:cSld>
@@ -14381,6 +14496,156 @@
               <a:rPr lang="en-US" noProof="0" smtClean="0"/>
               <a:pPr/>
               <a:t>21</a:t>
+            </a:fld>
+            <a:endParaRPr lang="en-US" noProof="0" dirty="0"/>
+          </a:p>
+        </p:txBody>
+      </p:sp>
+      <p:sp>
+        <p:nvSpPr>
+          <p:cNvPr id="4" name="Title 3">
+            <a:extLst>
+              <a:ext uri="{FF2B5EF4-FFF2-40B4-BE49-F238E27FC236}">
+                <a16:creationId xmlns:a16="http://schemas.microsoft.com/office/drawing/2014/main" id="{67B6A643-676D-3506-B008-B24B36AA34F1}"/>
+              </a:ext>
+            </a:extLst>
+          </p:cNvPr>
+          <p:cNvSpPr>
+            <a:spLocks noGrp="1"/>
+          </p:cNvSpPr>
+          <p:nvPr>
+            <p:ph type="title"/>
+          </p:nvPr>
+        </p:nvSpPr>
+        <p:spPr/>
+        <p:txBody>
+          <a:bodyPr>
+            <a:normAutofit/>
+          </a:bodyPr>
+          <a:lstStyle/>
+          <a:p>
+            <a:r>
+              <a:rPr lang="bg-BG" dirty="0"/>
+              <a:t>Проектиране</a:t>
+            </a:r>
+            <a:r>
+              <a:rPr lang="en-US" dirty="0"/>
+              <a:t>: </a:t>
+            </a:r>
+            <a:r>
+              <a:rPr lang="bg-BG" dirty="0"/>
+              <a:t>дизайн на </a:t>
+            </a:r>
+            <a:r>
+              <a:rPr lang="en-US" dirty="0"/>
+              <a:t>UI – </a:t>
+            </a:r>
+            <a:r>
+              <a:rPr lang="bg-BG" dirty="0"/>
+              <a:t>навигация</a:t>
+            </a:r>
+            <a:endParaRPr lang="en-BG" dirty="0"/>
+          </a:p>
+        </p:txBody>
+      </p:sp>
+      <p:pic>
+        <p:nvPicPr>
+          <p:cNvPr id="16" name="Picture 15">
+            <a:extLst>
+              <a:ext uri="{FF2B5EF4-FFF2-40B4-BE49-F238E27FC236}">
+                <a16:creationId xmlns:a16="http://schemas.microsoft.com/office/drawing/2014/main" id="{54152E59-50E3-A528-B957-BF140B50BE7A}"/>
+              </a:ext>
+            </a:extLst>
+          </p:cNvPr>
+          <p:cNvPicPr>
+            <a:picLocks noChangeAspect="1"/>
+          </p:cNvPicPr>
+          <p:nvPr/>
+        </p:nvPicPr>
+        <p:blipFill>
+          <a:blip r:embed="rId2">
+            <a:extLst>
+              <a:ext uri="{28A0092B-C50C-407E-A947-70E740481C1C}">
+                <a14:useLocalDpi xmlns:a14="http://schemas.microsoft.com/office/drawing/2010/main" val="0"/>
+              </a:ext>
+            </a:extLst>
+          </a:blip>
+          <a:srcRect/>
+          <a:stretch/>
+        </p:blipFill>
+        <p:spPr>
+          <a:xfrm>
+            <a:off x="284787" y="1627145"/>
+            <a:ext cx="11622425" cy="4233709"/>
+          </a:xfrm>
+          <a:prstGeom prst="rect">
+            <a:avLst/>
+          </a:prstGeom>
+        </p:spPr>
+      </p:pic>
+    </p:spTree>
+    <p:extLst>
+      <p:ext uri="{BB962C8B-B14F-4D97-AF65-F5344CB8AC3E}">
+        <p14:creationId xmlns:p14="http://schemas.microsoft.com/office/powerpoint/2010/main" val="959532821"/>
+      </p:ext>
+    </p:extLst>
+  </p:cSld>
+  <p:clrMapOvr>
+    <a:masterClrMapping/>
+  </p:clrMapOvr>
+  <mc:AlternateContent xmlns:mc="http://schemas.openxmlformats.org/markup-compatibility/2006" xmlns:p14="http://schemas.microsoft.com/office/powerpoint/2010/main">
+    <mc:Choice Requires="p14">
+      <p:transition spd="slow" p14:dur="2000" advClick="0" advTm="5000"/>
+    </mc:Choice>
+    <mc:Fallback xmlns="">
+      <p:transition spd="slow" advClick="0" advTm="5000"/>
+    </mc:Fallback>
+  </mc:AlternateContent>
+</p:sld>
+</file>
+
+<file path=ppt/slides/slide22.xml><?xml version="1.0" encoding="utf-8"?>
+<p:sld xmlns:a="http://schemas.openxmlformats.org/drawingml/2006/main" xmlns:r="http://schemas.openxmlformats.org/officeDocument/2006/relationships" xmlns:p="http://schemas.openxmlformats.org/presentationml/2006/main">
+  <p:cSld>
+    <p:spTree>
+      <p:nvGrpSpPr>
+        <p:cNvPr id="1" name=""/>
+        <p:cNvGrpSpPr/>
+        <p:nvPr/>
+      </p:nvGrpSpPr>
+      <p:grpSpPr>
+        <a:xfrm>
+          <a:off x="0" y="0"/>
+          <a:ext cx="0" cy="0"/>
+          <a:chOff x="0" y="0"/>
+          <a:chExt cx="0" cy="0"/>
+        </a:xfrm>
+      </p:grpSpPr>
+      <p:sp>
+        <p:nvSpPr>
+          <p:cNvPr id="2" name="Slide Number Placeholder 1">
+            <a:extLst>
+              <a:ext uri="{FF2B5EF4-FFF2-40B4-BE49-F238E27FC236}">
+                <a16:creationId xmlns:a16="http://schemas.microsoft.com/office/drawing/2014/main" id="{CCAABC86-82E0-F099-701A-D4347B605385}"/>
+              </a:ext>
+            </a:extLst>
+          </p:cNvPr>
+          <p:cNvSpPr>
+            <a:spLocks noGrp="1"/>
+          </p:cNvSpPr>
+          <p:nvPr>
+            <p:ph type="sldNum" sz="quarter" idx="5"/>
+          </p:nvPr>
+        </p:nvSpPr>
+        <p:spPr/>
+        <p:txBody>
+          <a:bodyPr/>
+          <a:lstStyle/>
+          <a:p>
+            <a:fld id="{2BF067CD-8E6B-4360-9AA8-C5DF2A48A6D1}" type="slidenum">
+              <a:rPr lang="en-US" noProof="0" smtClean="0"/>
+              <a:pPr/>
+              <a:t>22</a:t>
             </a:fld>
             <a:endParaRPr lang="en-US" noProof="0" dirty="0"/>
           </a:p>
@@ -14695,7 +14960,7 @@
 </p:sld>
 </file>
 
-<file path=ppt/slides/slide22.xml><?xml version="1.0" encoding="utf-8"?>
+<file path=ppt/slides/slide23.xml><?xml version="1.0" encoding="utf-8"?>
 <p:sld xmlns:a="http://schemas.openxmlformats.org/drawingml/2006/main" xmlns:r="http://schemas.openxmlformats.org/officeDocument/2006/relationships" xmlns:p="http://schemas.openxmlformats.org/presentationml/2006/main">
   <p:cSld>
     <p:spTree>
@@ -14736,7 +15001,7 @@
             <a:fld id="{2BF067CD-8E6B-4360-9AA8-C5DF2A48A6D1}" type="slidenum">
               <a:rPr lang="en-US" noProof="0" smtClean="0"/>
               <a:pPr/>
-              <a:t>22</a:t>
+              <a:t>23</a:t>
             </a:fld>
             <a:endParaRPr lang="en-US" noProof="0" dirty="0"/>
           </a:p>
@@ -15613,7 +15878,7 @@
 </p:sld>
 </file>
 
-<file path=ppt/slides/slide23.xml><?xml version="1.0" encoding="utf-8"?>
+<file path=ppt/slides/slide24.xml><?xml version="1.0" encoding="utf-8"?>
 <p:sld xmlns:a="http://schemas.openxmlformats.org/drawingml/2006/main" xmlns:r="http://schemas.openxmlformats.org/officeDocument/2006/relationships" xmlns:p="http://schemas.openxmlformats.org/presentationml/2006/main">
   <p:cSld>
     <p:spTree>
@@ -15654,7 +15919,7 @@
             <a:fld id="{2BF067CD-8E6B-4360-9AA8-C5DF2A48A6D1}" type="slidenum">
               <a:rPr lang="en-US" noProof="0" smtClean="0"/>
               <a:pPr/>
-              <a:t>23</a:t>
+              <a:t>24</a:t>
             </a:fld>
             <a:endParaRPr lang="en-US" noProof="0" dirty="0"/>
           </a:p>
@@ -16446,7 +16711,7 @@
 </p:sld>
 </file>
 
-<file path=ppt/slides/slide24.xml><?xml version="1.0" encoding="utf-8"?>
+<file path=ppt/slides/slide25.xml><?xml version="1.0" encoding="utf-8"?>
 <p:sld xmlns:a="http://schemas.openxmlformats.org/drawingml/2006/main" xmlns:r="http://schemas.openxmlformats.org/officeDocument/2006/relationships" xmlns:p="http://schemas.openxmlformats.org/presentationml/2006/main">
   <p:cSld>
     <p:spTree>
@@ -16487,7 +16752,7 @@
             <a:fld id="{2BF067CD-8E6B-4360-9AA8-C5DF2A48A6D1}" type="slidenum">
               <a:rPr lang="en-US" noProof="0" smtClean="0"/>
               <a:pPr/>
-              <a:t>24</a:t>
+              <a:t>25</a:t>
             </a:fld>
             <a:endParaRPr lang="en-US" noProof="0" dirty="0"/>
           </a:p>
@@ -17412,7 +17677,7 @@
 </p:sld>
 </file>
 
-<file path=ppt/slides/slide25.xml><?xml version="1.0" encoding="utf-8"?>
+<file path=ppt/slides/slide26.xml><?xml version="1.0" encoding="utf-8"?>
 <p:sld xmlns:a="http://schemas.openxmlformats.org/drawingml/2006/main" xmlns:r="http://schemas.openxmlformats.org/officeDocument/2006/relationships" xmlns:p="http://schemas.openxmlformats.org/presentationml/2006/main">
   <p:cSld>
     <p:spTree>
@@ -17453,7 +17718,7 @@
             <a:fld id="{2BF067CD-8E6B-4360-9AA8-C5DF2A48A6D1}" type="slidenum">
               <a:rPr lang="en-US" noProof="0" smtClean="0"/>
               <a:pPr/>
-              <a:t>25</a:t>
+              <a:t>26</a:t>
             </a:fld>
             <a:endParaRPr lang="en-US" noProof="0" dirty="0"/>
           </a:p>
@@ -18278,7 +18543,7 @@
 </p:sld>
 </file>
 
-<file path=ppt/slides/slide26.xml><?xml version="1.0" encoding="utf-8"?>
+<file path=ppt/slides/slide27.xml><?xml version="1.0" encoding="utf-8"?>
 <p:sld xmlns:a="http://schemas.openxmlformats.org/drawingml/2006/main" xmlns:r="http://schemas.openxmlformats.org/officeDocument/2006/relationships" xmlns:p="http://schemas.openxmlformats.org/presentationml/2006/main">
   <p:cSld>
     <p:spTree>
@@ -18319,7 +18584,7 @@
             <a:fld id="{2BF067CD-8E6B-4360-9AA8-C5DF2A48A6D1}" type="slidenum">
               <a:rPr lang="en-US" noProof="0" smtClean="0"/>
               <a:pPr/>
-              <a:t>26</a:t>
+              <a:t>27</a:t>
             </a:fld>
             <a:endParaRPr lang="en-US" noProof="0" dirty="0"/>
           </a:p>
@@ -18666,7 +18931,7 @@
 </p:sld>
 </file>
 
-<file path=ppt/slides/slide27.xml><?xml version="1.0" encoding="utf-8"?>
+<file path=ppt/slides/slide28.xml><?xml version="1.0" encoding="utf-8"?>
 <p:sld xmlns:a="http://schemas.openxmlformats.org/drawingml/2006/main" xmlns:r="http://schemas.openxmlformats.org/officeDocument/2006/relationships" xmlns:p="http://schemas.openxmlformats.org/presentationml/2006/main">
   <p:cSld>
     <p:spTree>
@@ -18707,7 +18972,7 @@
             <a:fld id="{2BF067CD-8E6B-4360-9AA8-C5DF2A48A6D1}" type="slidenum">
               <a:rPr lang="en-US" noProof="0" smtClean="0"/>
               <a:pPr/>
-              <a:t>27</a:t>
+              <a:t>28</a:t>
             </a:fld>
             <a:endParaRPr lang="en-US" noProof="0" dirty="0"/>
           </a:p>
@@ -19612,7 +19877,7 @@
 </p:sld>
 </file>
 
-<file path=ppt/slides/slide28.xml><?xml version="1.0" encoding="utf-8"?>
+<file path=ppt/slides/slide29.xml><?xml version="1.0" encoding="utf-8"?>
 <p:sld xmlns:a="http://schemas.openxmlformats.org/drawingml/2006/main" xmlns:r="http://schemas.openxmlformats.org/officeDocument/2006/relationships" xmlns:p="http://schemas.openxmlformats.org/presentationml/2006/main">
   <p:cSld>
     <p:spTree>
@@ -19653,7 +19918,7 @@
             <a:fld id="{2BF067CD-8E6B-4360-9AA8-C5DF2A48A6D1}" type="slidenum">
               <a:rPr lang="en-US" noProof="0" smtClean="0"/>
               <a:pPr/>
-              <a:t>28</a:t>
+              <a:t>29</a:t>
             </a:fld>
             <a:endParaRPr lang="en-US" noProof="0" dirty="0"/>
           </a:p>
@@ -20558,7 +20823,138 @@
 </p:sld>
 </file>
 
-<file path=ppt/slides/slide29.xml><?xml version="1.0" encoding="utf-8"?>
+<file path=ppt/slides/slide3.xml><?xml version="1.0" encoding="utf-8"?>
+<p:sld xmlns:a="http://schemas.openxmlformats.org/drawingml/2006/main" xmlns:r="http://schemas.openxmlformats.org/officeDocument/2006/relationships" xmlns:p="http://schemas.openxmlformats.org/presentationml/2006/main">
+  <p:cSld>
+    <p:spTree>
+      <p:nvGrpSpPr>
+        <p:cNvPr id="1" name=""/>
+        <p:cNvGrpSpPr/>
+        <p:nvPr/>
+      </p:nvGrpSpPr>
+      <p:grpSpPr>
+        <a:xfrm>
+          <a:off x="0" y="0"/>
+          <a:ext cx="0" cy="0"/>
+          <a:chOff x="0" y="0"/>
+          <a:chExt cx="0" cy="0"/>
+        </a:xfrm>
+      </p:grpSpPr>
+      <p:sp>
+        <p:nvSpPr>
+          <p:cNvPr id="4" name="Slide Subtitle">
+            <a:extLst>
+              <a:ext uri="{FF2B5EF4-FFF2-40B4-BE49-F238E27FC236}">
+                <a16:creationId xmlns:a16="http://schemas.microsoft.com/office/drawing/2014/main" id="{BEB5BB41-09D4-4E9F-8C80-EE8709171CB3}"/>
+              </a:ext>
+            </a:extLst>
+          </p:cNvPr>
+          <p:cNvSpPr>
+            <a:spLocks noGrp="1"/>
+          </p:cNvSpPr>
+          <p:nvPr>
+            <p:ph type="subTitle" sz="quarter" idx="11"/>
+          </p:nvPr>
+        </p:nvSpPr>
+        <p:spPr/>
+        <p:txBody>
+          <a:bodyPr/>
+          <a:lstStyle/>
+          <a:p>
+            <a:r>
+              <a:rPr lang="bg-BG" dirty="0"/>
+              <a:t>Етапи</a:t>
+            </a:r>
+          </a:p>
+        </p:txBody>
+      </p:sp>
+      <p:sp>
+        <p:nvSpPr>
+          <p:cNvPr id="6" name="Slide Title">
+            <a:extLst>
+              <a:ext uri="{FF2B5EF4-FFF2-40B4-BE49-F238E27FC236}">
+                <a16:creationId xmlns:a16="http://schemas.microsoft.com/office/drawing/2014/main" id="{028D9EA3-B5E0-4F17-9467-4BE3C280DA68}"/>
+              </a:ext>
+            </a:extLst>
+          </p:cNvPr>
+          <p:cNvSpPr>
+            <a:spLocks noGrp="1"/>
+          </p:cNvSpPr>
+          <p:nvPr>
+            <p:ph type="title" sz="quarter" idx="10"/>
+          </p:nvPr>
+        </p:nvSpPr>
+        <p:spPr/>
+        <p:txBody>
+          <a:bodyPr/>
+          <a:lstStyle/>
+          <a:p>
+            <a:r>
+              <a:rPr lang="bg-BG" sz="4400" dirty="0"/>
+              <a:t>Жизнен цикъл на информационна система</a:t>
+            </a:r>
+            <a:endParaRPr lang="en-US" sz="4400" dirty="0"/>
+          </a:p>
+        </p:txBody>
+      </p:sp>
+      <p:pic>
+        <p:nvPicPr>
+          <p:cNvPr id="3" name="Picture 2">
+            <a:extLst>
+              <a:ext uri="{FF2B5EF4-FFF2-40B4-BE49-F238E27FC236}">
+                <a16:creationId xmlns:a16="http://schemas.microsoft.com/office/drawing/2014/main" id="{4D3A8A43-2D38-9408-FD20-702F4C9CB58E}"/>
+              </a:ext>
+            </a:extLst>
+          </p:cNvPr>
+          <p:cNvPicPr>
+            <a:picLocks noChangeAspect="1"/>
+          </p:cNvPicPr>
+          <p:nvPr/>
+        </p:nvPicPr>
+        <p:blipFill>
+          <a:blip r:embed="rId3">
+            <a:extLst>
+              <a:ext uri="{28A0092B-C50C-407E-A947-70E740481C1C}">
+                <a14:useLocalDpi xmlns:a14="http://schemas.microsoft.com/office/drawing/2010/main" val="0"/>
+              </a:ext>
+            </a:extLst>
+          </a:blip>
+          <a:stretch>
+            <a:fillRect/>
+          </a:stretch>
+        </p:blipFill>
+        <p:spPr>
+          <a:xfrm>
+            <a:off x="4567768" y="1089000"/>
+            <a:ext cx="3056464" cy="3070858"/>
+          </a:xfrm>
+          <a:prstGeom prst="rect">
+            <a:avLst/>
+          </a:prstGeom>
+        </p:spPr>
+      </p:pic>
+    </p:spTree>
+    <p:extLst>
+      <p:ext uri="{BB962C8B-B14F-4D97-AF65-F5344CB8AC3E}">
+        <p14:creationId xmlns:p14="http://schemas.microsoft.com/office/powerpoint/2010/main" val="882194472"/>
+      </p:ext>
+    </p:extLst>
+  </p:cSld>
+  <p:clrMapOvr>
+    <a:masterClrMapping/>
+  </p:clrMapOvr>
+  <mc:AlternateContent xmlns:mc="http://schemas.openxmlformats.org/markup-compatibility/2006" xmlns:p14="http://schemas.microsoft.com/office/powerpoint/2010/main">
+    <mc:Choice Requires="p14">
+      <p:transition spd="slow" p14:dur="2000" advClick="0" advTm="5000"/>
+    </mc:Choice>
+    <mc:Fallback xmlns="">
+      <p:transition spd="slow" advClick="0" advTm="5000"/>
+    </mc:Fallback>
+  </mc:AlternateContent>
+</p:sld>
+</file>
+
+<file path=ppt/slides/slide30.xml><?xml version="1.0" encoding="utf-8"?>
 <p:sld xmlns:a="http://schemas.openxmlformats.org/drawingml/2006/main" xmlns:r="http://schemas.openxmlformats.org/officeDocument/2006/relationships" xmlns:p="http://schemas.openxmlformats.org/presentationml/2006/main">
   <p:cSld>
     <p:spTree>
@@ -20599,7 +20995,7 @@
             <a:fld id="{2BF067CD-8E6B-4360-9AA8-C5DF2A48A6D1}" type="slidenum">
               <a:rPr lang="en-US" noProof="0" smtClean="0"/>
               <a:pPr/>
-              <a:t>29</a:t>
+              <a:t>30</a:t>
             </a:fld>
             <a:endParaRPr lang="en-US" noProof="0" dirty="0"/>
           </a:p>
@@ -21480,138 +21876,7 @@
 </p:sld>
 </file>
 
-<file path=ppt/slides/slide3.xml><?xml version="1.0" encoding="utf-8"?>
-<p:sld xmlns:a="http://schemas.openxmlformats.org/drawingml/2006/main" xmlns:r="http://schemas.openxmlformats.org/officeDocument/2006/relationships" xmlns:p="http://schemas.openxmlformats.org/presentationml/2006/main">
-  <p:cSld>
-    <p:spTree>
-      <p:nvGrpSpPr>
-        <p:cNvPr id="1" name=""/>
-        <p:cNvGrpSpPr/>
-        <p:nvPr/>
-      </p:nvGrpSpPr>
-      <p:grpSpPr>
-        <a:xfrm>
-          <a:off x="0" y="0"/>
-          <a:ext cx="0" cy="0"/>
-          <a:chOff x="0" y="0"/>
-          <a:chExt cx="0" cy="0"/>
-        </a:xfrm>
-      </p:grpSpPr>
-      <p:sp>
-        <p:nvSpPr>
-          <p:cNvPr id="4" name="Slide Subtitle">
-            <a:extLst>
-              <a:ext uri="{FF2B5EF4-FFF2-40B4-BE49-F238E27FC236}">
-                <a16:creationId xmlns:a16="http://schemas.microsoft.com/office/drawing/2014/main" id="{BEB5BB41-09D4-4E9F-8C80-EE8709171CB3}"/>
-              </a:ext>
-            </a:extLst>
-          </p:cNvPr>
-          <p:cNvSpPr>
-            <a:spLocks noGrp="1"/>
-          </p:cNvSpPr>
-          <p:nvPr>
-            <p:ph type="subTitle" sz="quarter" idx="11"/>
-          </p:nvPr>
-        </p:nvSpPr>
-        <p:spPr/>
-        <p:txBody>
-          <a:bodyPr/>
-          <a:lstStyle/>
-          <a:p>
-            <a:r>
-              <a:rPr lang="bg-BG" dirty="0"/>
-              <a:t>Етапи</a:t>
-            </a:r>
-          </a:p>
-        </p:txBody>
-      </p:sp>
-      <p:sp>
-        <p:nvSpPr>
-          <p:cNvPr id="6" name="Slide Title">
-            <a:extLst>
-              <a:ext uri="{FF2B5EF4-FFF2-40B4-BE49-F238E27FC236}">
-                <a16:creationId xmlns:a16="http://schemas.microsoft.com/office/drawing/2014/main" id="{028D9EA3-B5E0-4F17-9467-4BE3C280DA68}"/>
-              </a:ext>
-            </a:extLst>
-          </p:cNvPr>
-          <p:cNvSpPr>
-            <a:spLocks noGrp="1"/>
-          </p:cNvSpPr>
-          <p:nvPr>
-            <p:ph type="title" sz="quarter" idx="10"/>
-          </p:nvPr>
-        </p:nvSpPr>
-        <p:spPr/>
-        <p:txBody>
-          <a:bodyPr/>
-          <a:lstStyle/>
-          <a:p>
-            <a:r>
-              <a:rPr lang="bg-BG" sz="4400" dirty="0"/>
-              <a:t>Жизнен цикъл на информационна система</a:t>
-            </a:r>
-            <a:endParaRPr lang="en-US" sz="4400" dirty="0"/>
-          </a:p>
-        </p:txBody>
-      </p:sp>
-      <p:pic>
-        <p:nvPicPr>
-          <p:cNvPr id="3" name="Picture 2">
-            <a:extLst>
-              <a:ext uri="{FF2B5EF4-FFF2-40B4-BE49-F238E27FC236}">
-                <a16:creationId xmlns:a16="http://schemas.microsoft.com/office/drawing/2014/main" id="{4D3A8A43-2D38-9408-FD20-702F4C9CB58E}"/>
-              </a:ext>
-            </a:extLst>
-          </p:cNvPr>
-          <p:cNvPicPr>
-            <a:picLocks noChangeAspect="1"/>
-          </p:cNvPicPr>
-          <p:nvPr/>
-        </p:nvPicPr>
-        <p:blipFill>
-          <a:blip r:embed="rId3">
-            <a:extLst>
-              <a:ext uri="{28A0092B-C50C-407E-A947-70E740481C1C}">
-                <a14:useLocalDpi xmlns:a14="http://schemas.microsoft.com/office/drawing/2010/main" val="0"/>
-              </a:ext>
-            </a:extLst>
-          </a:blip>
-          <a:stretch>
-            <a:fillRect/>
-          </a:stretch>
-        </p:blipFill>
-        <p:spPr>
-          <a:xfrm>
-            <a:off x="4567768" y="1089000"/>
-            <a:ext cx="3056464" cy="3070858"/>
-          </a:xfrm>
-          <a:prstGeom prst="rect">
-            <a:avLst/>
-          </a:prstGeom>
-        </p:spPr>
-      </p:pic>
-    </p:spTree>
-    <p:extLst>
-      <p:ext uri="{BB962C8B-B14F-4D97-AF65-F5344CB8AC3E}">
-        <p14:creationId xmlns:p14="http://schemas.microsoft.com/office/powerpoint/2010/main" val="882194472"/>
-      </p:ext>
-    </p:extLst>
-  </p:cSld>
-  <p:clrMapOvr>
-    <a:masterClrMapping/>
-  </p:clrMapOvr>
-  <mc:AlternateContent xmlns:mc="http://schemas.openxmlformats.org/markup-compatibility/2006" xmlns:p14="http://schemas.microsoft.com/office/powerpoint/2010/main">
-    <mc:Choice Requires="p14">
-      <p:transition spd="slow" p14:dur="2000" advClick="0" advTm="5000"/>
-    </mc:Choice>
-    <mc:Fallback xmlns="">
-      <p:transition spd="slow" advClick="0" advTm="5000"/>
-    </mc:Fallback>
-  </mc:AlternateContent>
-</p:sld>
-</file>
-
-<file path=ppt/slides/slide30.xml><?xml version="1.0" encoding="utf-8"?>
+<file path=ppt/slides/slide31.xml><?xml version="1.0" encoding="utf-8"?>
 <p:sld xmlns:a="http://schemas.openxmlformats.org/drawingml/2006/main" xmlns:r="http://schemas.openxmlformats.org/officeDocument/2006/relationships" xmlns:p="http://schemas.openxmlformats.org/presentationml/2006/main">
   <p:cSld>
     <p:spTree>
@@ -22237,7 +22502,7 @@
             <a:fld id="{2BF067CD-8E6B-4360-9AA8-C5DF2A48A6D1}" type="slidenum">
               <a:rPr lang="en-US" noProof="0" smtClean="0"/>
               <a:pPr/>
-              <a:t>30</a:t>
+              <a:t>31</a:t>
             </a:fld>
             <a:endParaRPr lang="en-US" noProof="0" dirty="0"/>
           </a:p>
@@ -22686,7 +22951,7 @@
 </p:sld>
 </file>
 
-<file path=ppt/slides/slide31.xml><?xml version="1.0" encoding="utf-8"?>
+<file path=ppt/slides/slide32.xml><?xml version="1.0" encoding="utf-8"?>
 <p:sld xmlns:a="http://schemas.openxmlformats.org/drawingml/2006/main" xmlns:r="http://schemas.openxmlformats.org/officeDocument/2006/relationships" xmlns:p="http://schemas.openxmlformats.org/presentationml/2006/main">
   <p:cSld>
     <p:spTree>
@@ -22876,7 +23141,7 @@
 </p:sld>
 </file>
 
-<file path=ppt/slides/slide32.xml><?xml version="1.0" encoding="utf-8"?>
+<file path=ppt/slides/slide33.xml><?xml version="1.0" encoding="utf-8"?>
 <p:sld xmlns:a="http://schemas.openxmlformats.org/drawingml/2006/main" xmlns:r="http://schemas.openxmlformats.org/officeDocument/2006/relationships" xmlns:p="http://schemas.openxmlformats.org/presentationml/2006/main" show="0">
   <p:cSld>
     <p:spTree>
@@ -22929,7 +23194,7 @@
             <a:fld id="{2BF067CD-8E6B-4360-9AA8-C5DF2A48A6D1}" type="slidenum">
               <a:rPr lang="en-US" smtClean="0"/>
               <a:pPr/>
-              <a:t>32</a:t>
+              <a:t>33</a:t>
             </a:fld>
             <a:endParaRPr lang="en-US" dirty="0"/>
           </a:p>

--- a/Courses/Software-Sciences/Module-4-Information-Systems-New/09-Lifecycle-of-Information-System/09-Lifecycle-of-Information-System.pptx
+++ b/Courses/Software-Sciences/Module-4-Information-Systems-New/09-Lifecycle-of-Information-System/09-Lifecycle-of-Information-System.pptx
@@ -237,20 +237,6 @@
 </p:cmAuthorLst>
 </file>
 
-<file path=ppt/comments/comment1.xml><?xml version="1.0" encoding="utf-8"?>
-<p:cmLst xmlns:a="http://schemas.openxmlformats.org/drawingml/2006/main" xmlns:r="http://schemas.openxmlformats.org/officeDocument/2006/relationships" xmlns:p="http://schemas.openxmlformats.org/presentationml/2006/main">
-  <p:cm authorId="1" dt="2024-09-18T10:27:50.452" idx="2">
-    <p:pos x="10" y="10"/>
-    <p:text>Ще се смени с друга форма от проекта</p:text>
-    <p:extLst>
-      <p:ext uri="{C676402C-5697-4E1C-873F-D02D1690AC5C}">
-        <p15:threadingInfo xmlns:p15="http://schemas.microsoft.com/office/powerpoint/2012/main" timeZoneBias="-180"/>
-      </p:ext>
-    </p:extLst>
-  </p:cm>
-</p:cmLst>
-</file>
-
 <file path=ppt/handoutMasters/handoutMaster1.xml><?xml version="1.0" encoding="utf-8"?>
 <p:handoutMaster xmlns:a="http://schemas.openxmlformats.org/drawingml/2006/main" xmlns:r="http://schemas.openxmlformats.org/officeDocument/2006/relationships" xmlns:p="http://schemas.openxmlformats.org/presentationml/2006/main">
   <p:cSld>
@@ -345,7 +331,7 @@
           <a:p>
             <a:fld id="{4E087215-0C8F-4762-A664-737A353EC9A4}" type="datetimeFigureOut">
               <a:rPr lang="bg-BG" smtClean="0"/>
-              <a:t>26.09.24 г.</a:t>
+              <a:t>28.09.24 г.</a:t>
             </a:fld>
             <a:endParaRPr lang="bg-BG"/>
           </a:p>
@@ -541,7 +527,7 @@
           <a:p>
             <a:fld id="{72D84649-876A-46C9-8472-14CB09C070D8}" type="datetimeFigureOut">
               <a:rPr lang="en-US" smtClean="0"/>
-              <a:t>9/26/24</a:t>
+              <a:t>9/28/24</a:t>
             </a:fld>
             <a:endParaRPr lang="en-US"/>
           </a:p>
@@ -1034,7 +1020,7 @@
           <a:p>
             <a:fld id="{2BF067CD-8E6B-4360-9AA8-C5DF2A48A6D1}" type="slidenum">
               <a:rPr lang="en-US" smtClean="0"/>
-              <a:t>27</a:t>
+              <a:t>26</a:t>
             </a:fld>
             <a:endParaRPr lang="en-US" dirty="0"/>
           </a:p>
@@ -1080,6 +1066,127 @@
     </p:spTree>
     <p:extLst>
       <p:ext uri="{BB962C8B-B14F-4D97-AF65-F5344CB8AC3E}">
+        <p14:creationId xmlns:p14="http://schemas.microsoft.com/office/powerpoint/2010/main" val="4253582146"/>
+      </p:ext>
+    </p:extLst>
+  </p:cSld>
+  <p:clrMapOvr>
+    <a:masterClrMapping/>
+  </p:clrMapOvr>
+</p:notes>
+</file>
+
+<file path=ppt/notesSlides/notesSlide11.xml><?xml version="1.0" encoding="utf-8"?>
+<p:notes xmlns:a="http://schemas.openxmlformats.org/drawingml/2006/main" xmlns:r="http://schemas.openxmlformats.org/officeDocument/2006/relationships" xmlns:p="http://schemas.openxmlformats.org/presentationml/2006/main">
+  <p:cSld>
+    <p:spTree>
+      <p:nvGrpSpPr>
+        <p:cNvPr id="1" name=""/>
+        <p:cNvGrpSpPr/>
+        <p:nvPr/>
+      </p:nvGrpSpPr>
+      <p:grpSpPr>
+        <a:xfrm>
+          <a:off x="0" y="0"/>
+          <a:ext cx="0" cy="0"/>
+          <a:chOff x="0" y="0"/>
+          <a:chExt cx="0" cy="0"/>
+        </a:xfrm>
+      </p:grpSpPr>
+      <p:sp>
+        <p:nvSpPr>
+          <p:cNvPr id="2" name="Slide Image Placeholder 1"/>
+          <p:cNvSpPr>
+            <a:spLocks noGrp="1" noRot="1" noChangeAspect="1"/>
+          </p:cNvSpPr>
+          <p:nvPr>
+            <p:ph type="sldImg"/>
+          </p:nvPr>
+        </p:nvSpPr>
+        <p:spPr/>
+      </p:sp>
+      <p:sp>
+        <p:nvSpPr>
+          <p:cNvPr id="3" name="Notes Placeholder 2"/>
+          <p:cNvSpPr>
+            <a:spLocks noGrp="1"/>
+          </p:cNvSpPr>
+          <p:nvPr>
+            <p:ph type="body" idx="1"/>
+          </p:nvPr>
+        </p:nvSpPr>
+        <p:spPr/>
+        <p:txBody>
+          <a:bodyPr/>
+          <a:lstStyle/>
+          <a:p>
+            <a:endParaRPr lang="en-BG" dirty="0"/>
+          </a:p>
+        </p:txBody>
+      </p:sp>
+      <p:sp>
+        <p:nvSpPr>
+          <p:cNvPr id="4" name="Slide Number Placeholder 3"/>
+          <p:cNvSpPr>
+            <a:spLocks noGrp="1"/>
+          </p:cNvSpPr>
+          <p:nvPr>
+            <p:ph type="sldNum" sz="quarter" idx="5"/>
+          </p:nvPr>
+        </p:nvSpPr>
+        <p:spPr/>
+        <p:txBody>
+          <a:bodyPr/>
+          <a:lstStyle/>
+          <a:p>
+            <a:fld id="{2BF067CD-8E6B-4360-9AA8-C5DF2A48A6D1}" type="slidenum">
+              <a:rPr lang="en-US" smtClean="0"/>
+              <a:t>27</a:t>
+            </a:fld>
+            <a:endParaRPr lang="en-US" dirty="0"/>
+          </a:p>
+        </p:txBody>
+      </p:sp>
+      <p:sp>
+        <p:nvSpPr>
+          <p:cNvPr id="5" name="Footer Placeholder 4"/>
+          <p:cNvSpPr>
+            <a:spLocks noGrp="1"/>
+          </p:cNvSpPr>
+          <p:nvPr>
+            <p:ph type="ftr" sz="quarter" idx="4"/>
+          </p:nvPr>
+        </p:nvSpPr>
+        <p:spPr/>
+        <p:txBody>
+          <a:bodyPr/>
+          <a:lstStyle/>
+          <a:p>
+            <a:r>
+              <a:rPr lang="bg-BG" sz="1100"/>
+              <a:t>Работна група </a:t>
+            </a:r>
+            <a:r>
+              <a:rPr lang="bg-BG"/>
+              <a:t>"Образование по програмиране и ИТ"</a:t>
+            </a:r>
+            <a:r>
+              <a:rPr lang="bg-BG" sz="1100"/>
+              <a:t>, с подкрепата на </a:t>
+            </a:r>
+            <a:r>
+              <a:rPr lang="en-US" sz="1100">
+                <a:hlinkClick r:id="rId3"/>
+              </a:rPr>
+              <a:t>SoftUni</a:t>
+            </a:r>
+            <a:endParaRPr lang="en-US" sz="1100" dirty="0"/>
+          </a:p>
+        </p:txBody>
+      </p:sp>
+    </p:spTree>
+    <p:extLst>
+      <p:ext uri="{BB962C8B-B14F-4D97-AF65-F5344CB8AC3E}">
         <p14:creationId xmlns:p14="http://schemas.microsoft.com/office/powerpoint/2010/main" val="3592922299"/>
       </p:ext>
     </p:extLst>
@@ -1090,7 +1197,7 @@
 </p:notes>
 </file>
 
-<file path=ppt/notesSlides/notesSlide11.xml><?xml version="1.0" encoding="utf-8"?>
+<file path=ppt/notesSlides/notesSlide12.xml><?xml version="1.0" encoding="utf-8"?>
 <p:notes xmlns:a="http://schemas.openxmlformats.org/drawingml/2006/main" xmlns:r="http://schemas.openxmlformats.org/officeDocument/2006/relationships" xmlns:p="http://schemas.openxmlformats.org/presentationml/2006/main">
   <p:cSld>
     <p:spTree>
@@ -1336,7 +1443,7 @@
 </p:notes>
 </file>
 
-<file path=ppt/notesSlides/notesSlide12.xml><?xml version="1.0" encoding="utf-8"?>
+<file path=ppt/notesSlides/notesSlide13.xml><?xml version="1.0" encoding="utf-8"?>
 <p:notes xmlns:a="http://schemas.openxmlformats.org/drawingml/2006/main" xmlns:r="http://schemas.openxmlformats.org/officeDocument/2006/relationships" xmlns:p="http://schemas.openxmlformats.org/presentationml/2006/main">
   <p:cSld>
     <p:spTree>
@@ -1566,7 +1673,7 @@
 </p:notes>
 </file>
 
-<file path=ppt/notesSlides/notesSlide13.xml><?xml version="1.0" encoding="utf-8"?>
+<file path=ppt/notesSlides/notesSlide14.xml><?xml version="1.0" encoding="utf-8"?>
 <p:notes xmlns:a="http://schemas.openxmlformats.org/drawingml/2006/main" xmlns:r="http://schemas.openxmlformats.org/officeDocument/2006/relationships" xmlns:p="http://schemas.openxmlformats.org/presentationml/2006/main">
   <p:cSld>
     <p:spTree>
@@ -3265,7 +3372,7 @@
           <a:p>
             <a:fld id="{2BF067CD-8E6B-4360-9AA8-C5DF2A48A6D1}" type="slidenum">
               <a:rPr lang="en-US" smtClean="0"/>
-              <a:t>26</a:t>
+              <a:t>24</a:t>
             </a:fld>
             <a:endParaRPr lang="en-US" dirty="0"/>
           </a:p>
@@ -3311,7 +3418,7 @@
     </p:spTree>
     <p:extLst>
       <p:ext uri="{BB962C8B-B14F-4D97-AF65-F5344CB8AC3E}">
-        <p14:creationId xmlns:p14="http://schemas.microsoft.com/office/powerpoint/2010/main" val="4253582146"/>
+        <p14:creationId xmlns:p14="http://schemas.microsoft.com/office/powerpoint/2010/main" val="311614766"/>
       </p:ext>
     </p:extLst>
   </p:cSld>
@@ -11497,10 +11604,10 @@
       </p:sp>
       <p:pic>
         <p:nvPicPr>
-          <p:cNvPr id="5" name="Picture 4">
+          <p:cNvPr id="3" name="Picture 2">
             <a:extLst>
               <a:ext uri="{FF2B5EF4-FFF2-40B4-BE49-F238E27FC236}">
-                <a16:creationId xmlns:a16="http://schemas.microsoft.com/office/drawing/2014/main" id="{84E7B091-B772-9EBE-B5E0-4EF7F496130A}"/>
+                <a16:creationId xmlns:a16="http://schemas.microsoft.com/office/drawing/2014/main" id="{4A3286AC-82BB-C593-D3AF-3F2A41804F8A}"/>
               </a:ext>
             </a:extLst>
           </p:cNvPr>
@@ -11509,7 +11616,7 @@
           </p:cNvPicPr>
           <p:nvPr/>
         </p:nvPicPr>
-        <p:blipFill rotWithShape="1">
+        <p:blipFill>
           <a:blip r:embed="rId3">
             <a:extLst>
               <a:ext uri="{28A0092B-C50C-407E-A947-70E740481C1C}">
@@ -11517,13 +11624,14 @@
               </a:ext>
             </a:extLst>
           </a:blip>
-          <a:srcRect l="967" t="1860" b="590"/>
-          <a:stretch/>
+          <a:stretch>
+            <a:fillRect/>
+          </a:stretch>
         </p:blipFill>
         <p:spPr>
           <a:xfrm>
-            <a:off x="3441000" y="594000"/>
-            <a:ext cx="5361712" cy="3870000"/>
+            <a:off x="1697797" y="525993"/>
+            <a:ext cx="8796405" cy="4065825"/>
           </a:xfrm>
           <a:prstGeom prst="rect">
             <a:avLst/>

--- a/Courses/Software-Sciences/Module-4-Information-Systems-New/09-Lifecycle-of-Information-System/09-Lifecycle-of-Information-System.pptx
+++ b/Courses/Software-Sciences/Module-4-Information-Systems-New/09-Lifecycle-of-Information-System/09-Lifecycle-of-Information-System.pptx
@@ -331,7 +331,7 @@
           <a:p>
             <a:fld id="{4E087215-0C8F-4762-A664-737A353EC9A4}" type="datetimeFigureOut">
               <a:rPr lang="bg-BG" smtClean="0"/>
-              <a:t>28.09.24 г.</a:t>
+              <a:t>29.09.24 г.</a:t>
             </a:fld>
             <a:endParaRPr lang="bg-BG"/>
           </a:p>
@@ -527,7 +527,7 @@
           <a:p>
             <a:fld id="{72D84649-876A-46C9-8472-14CB09C070D8}" type="datetimeFigureOut">
               <a:rPr lang="en-US" smtClean="0"/>
-              <a:t>9/28/24</a:t>
+              <a:t>9/29/24</a:t>
             </a:fld>
             <a:endParaRPr lang="en-US"/>
           </a:p>

--- a/Courses/Software-Sciences/Module-4-Information-Systems-New/09-Lifecycle-of-Information-System/09-Lifecycle-of-Information-System.pptx
+++ b/Courses/Software-Sciences/Module-4-Information-Systems-New/09-Lifecycle-of-Information-System/09-Lifecycle-of-Information-System.pptx
@@ -331,7 +331,7 @@
           <a:p>
             <a:fld id="{4E087215-0C8F-4762-A664-737A353EC9A4}" type="datetimeFigureOut">
               <a:rPr lang="bg-BG" smtClean="0"/>
-              <a:t>29.09.24 г.</a:t>
+              <a:t>3.10.24 г.</a:t>
             </a:fld>
             <a:endParaRPr lang="bg-BG"/>
           </a:p>
@@ -527,7 +527,7 @@
           <a:p>
             <a:fld id="{72D84649-876A-46C9-8472-14CB09C070D8}" type="datetimeFigureOut">
               <a:rPr lang="en-US" smtClean="0"/>
-              <a:t>9/29/24</a:t>
+              <a:t>10/3/24</a:t>
             </a:fld>
             <a:endParaRPr lang="en-US"/>
           </a:p>
@@ -9447,13 +9447,10 @@
           <a:lstStyle/>
           <a:p>
             <a:r>
-              <a:rPr lang="bg-BG" sz="4400" dirty="0"/>
-              <a:t>Какво е </a:t>
-            </a:r>
-            <a:r>
-              <a:rPr lang="en-US" sz="4400" dirty="0"/>
-              <a:t>Use Case?</a:t>
-            </a:r>
+              <a:rPr lang="en-US" sz="4400"/>
+              <a:t>Use Case</a:t>
+            </a:r>
+            <a:endParaRPr lang="en-US" sz="4400" dirty="0"/>
           </a:p>
         </p:txBody>
       </p:sp>
@@ -13980,8 +13977,8 @@
           <a:lstStyle/>
           <a:p>
             <a:r>
-              <a:rPr lang="bg-BG" sz="3400" dirty="0"/>
-              <a:t>Какво е </a:t>
+              <a:rPr lang="en-US" sz="3400" dirty="0"/>
+              <a:t>​​</a:t>
             </a:r>
             <a:r>
               <a:rPr lang="bg-BG" sz="3400" b="1" dirty="0">
@@ -13989,11 +13986,7 @@
                   <a:schemeClr val="bg1"/>
                 </a:solidFill>
               </a:rPr>
-              <a:t>жизнен цикъл на информационна система</a:t>
-            </a:r>
-            <a:r>
-              <a:rPr lang="bg-BG" sz="3400" dirty="0"/>
-              <a:t>?</a:t>
+              <a:t>Жизнен цикъл на информационна система</a:t>
             </a:r>
             <a:endParaRPr lang="bg-BG" sz="3400" b="1" dirty="0"/>
           </a:p>
@@ -14027,7 +14020,7 @@
           <a:p>
             <a:r>
               <a:rPr lang="bg-BG" sz="3400" dirty="0"/>
-              <a:t>Какво е </a:t>
+              <a:t>​</a:t>
             </a:r>
             <a:r>
               <a:rPr lang="en-US" sz="3400" b="1" dirty="0">
@@ -14036,10 +14029,6 @@
                 </a:solidFill>
               </a:rPr>
               <a:t>Use Case</a:t>
-            </a:r>
-            <a:r>
-              <a:rPr lang="en-US" sz="3400" dirty="0"/>
-              <a:t>?</a:t>
             </a:r>
             <a:endParaRPr lang="bg-BG" sz="3400" dirty="0"/>
           </a:p>

--- a/Courses/Software-Sciences/Module-4-Information-Systems-New/09-Lifecycle-of-Information-System/09-Lifecycle-of-Information-System.pptx
+++ b/Courses/Software-Sciences/Module-4-Information-Systems-New/09-Lifecycle-of-Information-System/09-Lifecycle-of-Information-System.pptx
@@ -234,7 +234,70 @@
       </p:ext>
     </p:extLst>
   </p:cmAuthor>
+  <p:cmAuthor id="2" name="PC" initials="P" lastIdx="5" clrIdx="1">
+    <p:extLst>
+      <p:ext uri="{19B8F6BF-5375-455C-9EA6-DF929625EA0E}">
+        <p15:presenceInfo xmlns:p15="http://schemas.microsoft.com/office/powerpoint/2012/main" userId="PC" providerId="None"/>
+      </p:ext>
+    </p:extLst>
+  </p:cmAuthor>
 </p:cmAuthorLst>
+</file>
+
+<file path=ppt/comments/comment1.xml><?xml version="1.0" encoding="utf-8"?>
+<p:cmLst xmlns:a="http://schemas.openxmlformats.org/drawingml/2006/main" xmlns:r="http://schemas.openxmlformats.org/officeDocument/2006/relationships" xmlns:p="http://schemas.openxmlformats.org/presentationml/2006/main">
+  <p:cm authorId="2" dt="2024-10-12T15:42:44.849" idx="1">
+    <p:pos x="10" y="10"/>
+    <p:text>Сложи screenshot-и на отделните таблици от БД, за да не седи само сух текст</p:text>
+    <p:extLst>
+      <p:ext uri="{C676402C-5697-4E1C-873F-D02D1690AC5C}">
+        <p15:threadingInfo xmlns:p15="http://schemas.microsoft.com/office/powerpoint/2012/main" timeZoneBias="-180"/>
+      </p:ext>
+    </p:extLst>
+  </p:cm>
+</p:cmLst>
+</file>
+
+<file path=ppt/comments/comment2.xml><?xml version="1.0" encoding="utf-8"?>
+<p:cmLst xmlns:a="http://schemas.openxmlformats.org/drawingml/2006/main" xmlns:r="http://schemas.openxmlformats.org/officeDocument/2006/relationships" xmlns:p="http://schemas.openxmlformats.org/presentationml/2006/main">
+  <p:cm authorId="2" dt="2024-10-12T15:44:23.150" idx="2">
+    <p:pos x="10" y="10"/>
+    <p:text>Сложи screenshot-и на отделните таблици от БД, за да не седи само сух текст</p:text>
+    <p:extLst>
+      <p:ext uri="{C676402C-5697-4E1C-873F-D02D1690AC5C}">
+        <p15:threadingInfo xmlns:p15="http://schemas.microsoft.com/office/powerpoint/2012/main" timeZoneBias="-180"/>
+      </p:ext>
+    </p:extLst>
+  </p:cm>
+</p:cmLst>
+</file>
+
+<file path=ppt/comments/comment3.xml><?xml version="1.0" encoding="utf-8"?>
+<p:cmLst xmlns:a="http://schemas.openxmlformats.org/drawingml/2006/main" xmlns:r="http://schemas.openxmlformats.org/officeDocument/2006/relationships" xmlns:p="http://schemas.openxmlformats.org/presentationml/2006/main">
+  <p:cm authorId="2" dt="2024-10-12T15:44:47.122" idx="3">
+    <p:pos x="7630" y="1593"/>
+    <p:text>Ако има някакъв вариант, пренареди отделните таблици така, че да са по-събрани, за да може да стане снимката по-голяма (много е ситен шрифтът на таблиците)</p:text>
+    <p:extLst>
+      <p:ext uri="{C676402C-5697-4E1C-873F-D02D1690AC5C}">
+        <p15:threadingInfo xmlns:p15="http://schemas.microsoft.com/office/powerpoint/2012/main" timeZoneBias="-180"/>
+      </p:ext>
+    </p:extLst>
+  </p:cm>
+</p:cmLst>
+</file>
+
+<file path=ppt/comments/comment4.xml><?xml version="1.0" encoding="utf-8"?>
+<p:cmLst xmlns:a="http://schemas.openxmlformats.org/drawingml/2006/main" xmlns:r="http://schemas.openxmlformats.org/officeDocument/2006/relationships" xmlns:p="http://schemas.openxmlformats.org/presentationml/2006/main">
+  <p:cm authorId="2" dt="2024-10-12T15:51:02.092" idx="5">
+    <p:pos x="10" y="10"/>
+    <p:text>Иска ми се да има screenshot-и, "схеми" или нещо подобно на това как биха изглеждали описаните форми на слайдовете</p:text>
+    <p:extLst>
+      <p:ext uri="{C676402C-5697-4E1C-873F-D02D1690AC5C}">
+        <p15:threadingInfo xmlns:p15="http://schemas.microsoft.com/office/powerpoint/2012/main" timeZoneBias="-180"/>
+      </p:ext>
+    </p:extLst>
+  </p:cm>
+</p:cmLst>
 </file>
 
 <file path=ppt/handoutMasters/handoutMaster1.xml><?xml version="1.0" encoding="utf-8"?>
@@ -331,7 +394,7 @@
           <a:p>
             <a:fld id="{4E087215-0C8F-4762-A664-737A353EC9A4}" type="datetimeFigureOut">
               <a:rPr lang="bg-BG" smtClean="0"/>
-              <a:t>3.10.24 г.</a:t>
+              <a:t>12.10.2024 г.</a:t>
             </a:fld>
             <a:endParaRPr lang="bg-BG"/>
           </a:p>
@@ -527,7 +590,7 @@
           <a:p>
             <a:fld id="{72D84649-876A-46C9-8472-14CB09C070D8}" type="datetimeFigureOut">
               <a:rPr lang="en-US" smtClean="0"/>
-              <a:t>10/3/24</a:t>
+              <a:t>10/12/2024</a:t>
             </a:fld>
             <a:endParaRPr lang="en-US"/>
           </a:p>
@@ -8741,7 +8804,7 @@
           <p:nvPr/>
         </p:nvPicPr>
         <p:blipFill>
-          <a:blip r:embed="rId5">
+          <a:blip r:embed="rId5" cstate="hqprint">
             <a:extLst>
               <a:ext uri="{28A0092B-C50C-407E-A947-70E740481C1C}">
                 <a14:useLocalDpi xmlns:a14="http://schemas.microsoft.com/office/drawing/2010/main" val="0"/>
@@ -8790,6 +8853,13 @@
       <p:transition spd="slow" advClick="0" advTm="5000"/>
     </mc:Fallback>
   </mc:AlternateContent>
+  <p:timing>
+    <p:tnLst>
+      <p:par>
+        <p:cTn id="1" dur="indefinite" restart="never" nodeType="tmRoot"/>
+      </p:par>
+    </p:tnLst>
+  </p:timing>
 </p:sld>
 </file>
 
@@ -8934,6 +9004,13 @@
       <p:transition spd="slow" advClick="0" advTm="5000"/>
     </mc:Fallback>
   </mc:AlternateContent>
+  <p:timing>
+    <p:tnLst>
+      <p:par>
+        <p:cTn id="1" dur="indefinite" restart="never" nodeType="tmRoot"/>
+      </p:par>
+    </p:tnLst>
+  </p:timing>
 </p:sld>
 </file>
 
@@ -9469,7 +9546,7 @@
           <p:nvPr/>
         </p:nvPicPr>
         <p:blipFill>
-          <a:blip r:embed="rId3">
+          <a:blip r:embed="rId3" cstate="hqprint">
             <a:extLst>
               <a:ext uri="{28A0092B-C50C-407E-A947-70E740481C1C}">
                 <a14:useLocalDpi xmlns:a14="http://schemas.microsoft.com/office/drawing/2010/main" val="0"/>
@@ -9508,6 +9585,13 @@
       <p:transition spd="slow" advClick="0" advTm="5000"/>
     </mc:Fallback>
   </mc:AlternateContent>
+  <p:timing>
+    <p:tnLst>
+      <p:par>
+        <p:cTn id="1" dur="indefinite" restart="never" nodeType="tmRoot"/>
+      </p:par>
+    </p:tnLst>
+  </p:timing>
 </p:sld>
 </file>
 
@@ -11663,6 +11747,13 @@
       <p:transition spd="slow" advClick="0" advTm="5000"/>
     </mc:Fallback>
   </mc:AlternateContent>
+  <p:timing>
+    <p:tnLst>
+      <p:par>
+        <p:cTn id="1" dur="indefinite" restart="never" nodeType="tmRoot"/>
+      </p:par>
+    </p:tnLst>
+  </p:timing>
 </p:sld>
 </file>
 
@@ -12808,6 +12899,479 @@
           </a:p>
         </p:txBody>
       </p:sp>
+      <p:graphicFrame>
+        <p:nvGraphicFramePr>
+          <p:cNvPr id="3" name="Table 2"/>
+          <p:cNvGraphicFramePr>
+            <a:graphicFrameLocks noGrp="1"/>
+          </p:cNvGraphicFramePr>
+          <p:nvPr>
+            <p:extLst>
+              <p:ext uri="{D42A27DB-BD31-4B8C-83A1-F6EECF244321}">
+                <p14:modId xmlns:p14="http://schemas.microsoft.com/office/powerpoint/2010/main" val="1096886390"/>
+              </p:ext>
+            </p:extLst>
+          </p:nvPr>
+        </p:nvGraphicFramePr>
+        <p:xfrm>
+          <a:off x="6456000" y="2664000"/>
+          <a:ext cx="4353724" cy="1193165"/>
+        </p:xfrm>
+        <a:graphic>
+          <a:graphicData uri="http://schemas.openxmlformats.org/drawingml/2006/table">
+            <a:tbl>
+              <a:tblPr firstRow="1" bandRow="1">
+                <a:tableStyleId>{073A0DAA-6AF3-43AB-8588-CEC1D06C72B9}</a:tableStyleId>
+              </a:tblPr>
+              <a:tblGrid>
+                <a:gridCol w="2177796">
+                  <a:extLst>
+                    <a:ext uri="{9D8B030D-6E8A-4147-A177-3AD203B41FA5}">
+                      <a16:colId xmlns:a16="http://schemas.microsoft.com/office/drawing/2014/main" val="1587959541"/>
+                    </a:ext>
+                  </a:extLst>
+                </a:gridCol>
+                <a:gridCol w="1115160">
+                  <a:extLst>
+                    <a:ext uri="{9D8B030D-6E8A-4147-A177-3AD203B41FA5}">
+                      <a16:colId xmlns:a16="http://schemas.microsoft.com/office/drawing/2014/main" val="3094431195"/>
+                    </a:ext>
+                  </a:extLst>
+                </a:gridCol>
+                <a:gridCol w="1060768">
+                  <a:extLst>
+                    <a:ext uri="{9D8B030D-6E8A-4147-A177-3AD203B41FA5}">
+                      <a16:colId xmlns:a16="http://schemas.microsoft.com/office/drawing/2014/main" val="4188055043"/>
+                    </a:ext>
+                  </a:extLst>
+                </a:gridCol>
+              </a:tblGrid>
+              <a:tr h="370840">
+                <a:tc>
+                  <a:txBody>
+                    <a:bodyPr/>
+                    <a:lstStyle/>
+                    <a:p>
+                      <a:pPr algn="ctr"/>
+                      <a:r>
+                        <a:rPr lang="bg-BG" sz="1800" dirty="0" smtClean="0">
+                          <a:solidFill>
+                            <a:schemeClr val="bg2"/>
+                          </a:solidFill>
+                        </a:rPr>
+                        <a:t>Потребителско име</a:t>
+                      </a:r>
+                      <a:endParaRPr lang="en-US" sz="1800" dirty="0">
+                        <a:solidFill>
+                          <a:schemeClr val="bg2"/>
+                        </a:solidFill>
+                      </a:endParaRPr>
+                    </a:p>
+                  </a:txBody>
+                  <a:tcPr anchor="ctr">
+                    <a:lnL w="12700" cap="flat" cmpd="sng" algn="ctr">
+                      <a:solidFill>
+                        <a:schemeClr val="tx1"/>
+                      </a:solidFill>
+                      <a:prstDash val="solid"/>
+                      <a:round/>
+                      <a:headEnd type="none" w="med" len="med"/>
+                      <a:tailEnd type="none" w="med" len="med"/>
+                    </a:lnL>
+                    <a:lnR w="12700" cap="flat" cmpd="sng" algn="ctr">
+                      <a:solidFill>
+                        <a:schemeClr val="tx1"/>
+                      </a:solidFill>
+                      <a:prstDash val="solid"/>
+                      <a:round/>
+                      <a:headEnd type="none" w="med" len="med"/>
+                      <a:tailEnd type="none" w="med" len="med"/>
+                    </a:lnR>
+                    <a:lnT w="12700" cap="flat" cmpd="sng" algn="ctr">
+                      <a:solidFill>
+                        <a:schemeClr val="tx1"/>
+                      </a:solidFill>
+                      <a:prstDash val="solid"/>
+                      <a:round/>
+                      <a:headEnd type="none" w="med" len="med"/>
+                      <a:tailEnd type="none" w="med" len="med"/>
+                    </a:lnT>
+                    <a:lnB w="12700" cap="flat" cmpd="sng" algn="ctr">
+                      <a:solidFill>
+                        <a:schemeClr val="tx1"/>
+                      </a:solidFill>
+                      <a:prstDash val="solid"/>
+                      <a:round/>
+                      <a:headEnd type="none" w="med" len="med"/>
+                      <a:tailEnd type="none" w="med" len="med"/>
+                    </a:lnB>
+                    <a:lnTlToBr w="12700" cmpd="sng">
+                      <a:noFill/>
+                      <a:prstDash val="solid"/>
+                    </a:lnTlToBr>
+                    <a:lnBlToTr w="12700" cmpd="sng">
+                      <a:noFill/>
+                      <a:prstDash val="solid"/>
+                    </a:lnBlToTr>
+                  </a:tcPr>
+                </a:tc>
+                <a:tc>
+                  <a:txBody>
+                    <a:bodyPr/>
+                    <a:lstStyle/>
+                    <a:p>
+                      <a:pPr algn="ctr"/>
+                      <a:r>
+                        <a:rPr lang="bg-BG" sz="1800" dirty="0" smtClean="0">
+                          <a:solidFill>
+                            <a:schemeClr val="bg2"/>
+                          </a:solidFill>
+                        </a:rPr>
+                        <a:t>парола</a:t>
+                      </a:r>
+                      <a:endParaRPr lang="en-US" sz="1800" dirty="0">
+                        <a:solidFill>
+                          <a:schemeClr val="bg2"/>
+                        </a:solidFill>
+                      </a:endParaRPr>
+                    </a:p>
+                  </a:txBody>
+                  <a:tcPr anchor="ctr">
+                    <a:lnL w="12700" cap="flat" cmpd="sng" algn="ctr">
+                      <a:solidFill>
+                        <a:schemeClr val="tx1"/>
+                      </a:solidFill>
+                      <a:prstDash val="solid"/>
+                      <a:round/>
+                      <a:headEnd type="none" w="med" len="med"/>
+                      <a:tailEnd type="none" w="med" len="med"/>
+                    </a:lnL>
+                    <a:lnR w="12700" cap="flat" cmpd="sng" algn="ctr">
+                      <a:solidFill>
+                        <a:schemeClr val="tx1"/>
+                      </a:solidFill>
+                      <a:prstDash val="solid"/>
+                      <a:round/>
+                      <a:headEnd type="none" w="med" len="med"/>
+                      <a:tailEnd type="none" w="med" len="med"/>
+                    </a:lnR>
+                    <a:lnT w="12700" cap="flat" cmpd="sng" algn="ctr">
+                      <a:solidFill>
+                        <a:schemeClr val="tx1"/>
+                      </a:solidFill>
+                      <a:prstDash val="solid"/>
+                      <a:round/>
+                      <a:headEnd type="none" w="med" len="med"/>
+                      <a:tailEnd type="none" w="med" len="med"/>
+                    </a:lnT>
+                    <a:lnB w="12700" cap="flat" cmpd="sng" algn="ctr">
+                      <a:solidFill>
+                        <a:schemeClr val="tx1"/>
+                      </a:solidFill>
+                      <a:prstDash val="solid"/>
+                      <a:round/>
+                      <a:headEnd type="none" w="med" len="med"/>
+                      <a:tailEnd type="none" w="med" len="med"/>
+                    </a:lnB>
+                    <a:lnTlToBr w="12700" cmpd="sng">
+                      <a:noFill/>
+                      <a:prstDash val="solid"/>
+                    </a:lnTlToBr>
+                    <a:lnBlToTr w="12700" cmpd="sng">
+                      <a:noFill/>
+                      <a:prstDash val="solid"/>
+                    </a:lnBlToTr>
+                  </a:tcPr>
+                </a:tc>
+                <a:tc>
+                  <a:txBody>
+                    <a:bodyPr/>
+                    <a:lstStyle/>
+                    <a:p>
+                      <a:pPr algn="ctr"/>
+                      <a:r>
+                        <a:rPr lang="bg-BG" sz="1800" dirty="0" smtClean="0">
+                          <a:solidFill>
+                            <a:schemeClr val="bg2"/>
+                          </a:solidFill>
+                        </a:rPr>
+                        <a:t>Роля</a:t>
+                      </a:r>
+                      <a:endParaRPr lang="en-US" sz="1800" dirty="0">
+                        <a:solidFill>
+                          <a:schemeClr val="bg2"/>
+                        </a:solidFill>
+                      </a:endParaRPr>
+                    </a:p>
+                  </a:txBody>
+                  <a:tcPr anchor="ctr">
+                    <a:lnL w="12700" cap="flat" cmpd="sng" algn="ctr">
+                      <a:solidFill>
+                        <a:schemeClr val="tx1"/>
+                      </a:solidFill>
+                      <a:prstDash val="solid"/>
+                      <a:round/>
+                      <a:headEnd type="none" w="med" len="med"/>
+                      <a:tailEnd type="none" w="med" len="med"/>
+                    </a:lnL>
+                    <a:lnR w="12700" cap="flat" cmpd="sng" algn="ctr">
+                      <a:solidFill>
+                        <a:schemeClr val="tx1"/>
+                      </a:solidFill>
+                      <a:prstDash val="solid"/>
+                      <a:round/>
+                      <a:headEnd type="none" w="med" len="med"/>
+                      <a:tailEnd type="none" w="med" len="med"/>
+                    </a:lnR>
+                    <a:lnT w="12700" cap="flat" cmpd="sng" algn="ctr">
+                      <a:solidFill>
+                        <a:schemeClr val="tx1"/>
+                      </a:solidFill>
+                      <a:prstDash val="solid"/>
+                      <a:round/>
+                      <a:headEnd type="none" w="med" len="med"/>
+                      <a:tailEnd type="none" w="med" len="med"/>
+                    </a:lnT>
+                    <a:lnB w="12700" cap="flat" cmpd="sng" algn="ctr">
+                      <a:solidFill>
+                        <a:schemeClr val="tx1"/>
+                      </a:solidFill>
+                      <a:prstDash val="solid"/>
+                      <a:round/>
+                      <a:headEnd type="none" w="med" len="med"/>
+                      <a:tailEnd type="none" w="med" len="med"/>
+                    </a:lnB>
+                    <a:lnTlToBr w="12700" cmpd="sng">
+                      <a:noFill/>
+                      <a:prstDash val="solid"/>
+                    </a:lnTlToBr>
+                    <a:lnBlToTr w="12700" cmpd="sng">
+                      <a:noFill/>
+                      <a:prstDash val="solid"/>
+                    </a:lnBlToTr>
+                  </a:tcPr>
+                </a:tc>
+                <a:extLst>
+                  <a:ext uri="{0D108BD9-81ED-4DB2-BD59-A6C34878D82A}">
+                    <a16:rowId xmlns:a16="http://schemas.microsoft.com/office/drawing/2014/main" val="3591076447"/>
+                  </a:ext>
+                </a:extLst>
+              </a:tr>
+              <a:tr h="370840">
+                <a:tc>
+                  <a:txBody>
+                    <a:bodyPr/>
+                    <a:lstStyle/>
+                    <a:p>
+                      <a:pPr algn="ctr"/>
+                      <a:r>
+                        <a:rPr lang="en-US" dirty="0" err="1" smtClean="0">
+                          <a:solidFill>
+                            <a:schemeClr val="bg2"/>
+                          </a:solidFill>
+                        </a:rPr>
+                        <a:t>Shefut</a:t>
+                      </a:r>
+                      <a:endParaRPr lang="en-US" dirty="0">
+                        <a:solidFill>
+                          <a:schemeClr val="bg2"/>
+                        </a:solidFill>
+                      </a:endParaRPr>
+                    </a:p>
+                  </a:txBody>
+                  <a:tcPr anchor="ctr">
+                    <a:lnL w="12700" cap="flat" cmpd="sng" algn="ctr">
+                      <a:solidFill>
+                        <a:schemeClr val="tx1"/>
+                      </a:solidFill>
+                      <a:prstDash val="solid"/>
+                      <a:round/>
+                      <a:headEnd type="none" w="med" len="med"/>
+                      <a:tailEnd type="none" w="med" len="med"/>
+                    </a:lnL>
+                    <a:lnR w="12700" cap="flat" cmpd="sng" algn="ctr">
+                      <a:solidFill>
+                        <a:schemeClr val="tx1"/>
+                      </a:solidFill>
+                      <a:prstDash val="solid"/>
+                      <a:round/>
+                      <a:headEnd type="none" w="med" len="med"/>
+                      <a:tailEnd type="none" w="med" len="med"/>
+                    </a:lnR>
+                    <a:lnT w="12700" cap="flat" cmpd="sng" algn="ctr">
+                      <a:solidFill>
+                        <a:schemeClr val="tx1"/>
+                      </a:solidFill>
+                      <a:prstDash val="solid"/>
+                      <a:round/>
+                      <a:headEnd type="none" w="med" len="med"/>
+                      <a:tailEnd type="none" w="med" len="med"/>
+                    </a:lnT>
+                    <a:lnB w="12700" cap="flat" cmpd="sng" algn="ctr">
+                      <a:solidFill>
+                        <a:schemeClr val="tx1"/>
+                      </a:solidFill>
+                      <a:prstDash val="solid"/>
+                      <a:round/>
+                      <a:headEnd type="none" w="med" len="med"/>
+                      <a:tailEnd type="none" w="med" len="med"/>
+                    </a:lnB>
+                    <a:lnTlToBr w="12700" cmpd="sng">
+                      <a:noFill/>
+                      <a:prstDash val="solid"/>
+                    </a:lnTlToBr>
+                    <a:lnBlToTr w="12700" cmpd="sng">
+                      <a:noFill/>
+                      <a:prstDash val="solid"/>
+                    </a:lnBlToTr>
+                  </a:tcPr>
+                </a:tc>
+                <a:tc>
+                  <a:txBody>
+                    <a:bodyPr/>
+                    <a:lstStyle/>
+                    <a:p>
+                      <a:pPr algn="ctr"/>
+                      <a:r>
+                        <a:rPr lang="en-US" dirty="0" smtClean="0">
+                          <a:solidFill>
+                            <a:schemeClr val="bg2"/>
+                          </a:solidFill>
+                        </a:rPr>
+                        <a:t>parola123</a:t>
+                      </a:r>
+                      <a:endParaRPr lang="en-US" dirty="0">
+                        <a:solidFill>
+                          <a:schemeClr val="bg2"/>
+                        </a:solidFill>
+                      </a:endParaRPr>
+                    </a:p>
+                  </a:txBody>
+                  <a:tcPr anchor="ctr">
+                    <a:lnL w="12700" cap="flat" cmpd="sng" algn="ctr">
+                      <a:solidFill>
+                        <a:schemeClr val="tx1"/>
+                      </a:solidFill>
+                      <a:prstDash val="solid"/>
+                      <a:round/>
+                      <a:headEnd type="none" w="med" len="med"/>
+                      <a:tailEnd type="none" w="med" len="med"/>
+                    </a:lnL>
+                    <a:lnR w="12700" cap="flat" cmpd="sng" algn="ctr">
+                      <a:solidFill>
+                        <a:schemeClr val="tx1"/>
+                      </a:solidFill>
+                      <a:prstDash val="solid"/>
+                      <a:round/>
+                      <a:headEnd type="none" w="med" len="med"/>
+                      <a:tailEnd type="none" w="med" len="med"/>
+                    </a:lnR>
+                    <a:lnT w="12700" cap="flat" cmpd="sng" algn="ctr">
+                      <a:solidFill>
+                        <a:schemeClr val="tx1"/>
+                      </a:solidFill>
+                      <a:prstDash val="solid"/>
+                      <a:round/>
+                      <a:headEnd type="none" w="med" len="med"/>
+                      <a:tailEnd type="none" w="med" len="med"/>
+                    </a:lnT>
+                    <a:lnB w="12700" cap="flat" cmpd="sng" algn="ctr">
+                      <a:solidFill>
+                        <a:schemeClr val="tx1"/>
+                      </a:solidFill>
+                      <a:prstDash val="solid"/>
+                      <a:round/>
+                      <a:headEnd type="none" w="med" len="med"/>
+                      <a:tailEnd type="none" w="med" len="med"/>
+                    </a:lnB>
+                    <a:lnTlToBr w="12700" cmpd="sng">
+                      <a:noFill/>
+                      <a:prstDash val="solid"/>
+                    </a:lnTlToBr>
+                    <a:lnBlToTr w="12700" cmpd="sng">
+                      <a:noFill/>
+                      <a:prstDash val="solid"/>
+                    </a:lnBlToTr>
+                  </a:tcPr>
+                </a:tc>
+                <a:tc>
+                  <a:txBody>
+                    <a:bodyPr/>
+                    <a:lstStyle/>
+                    <a:p>
+                      <a:pPr algn="ctr"/>
+                      <a:r>
+                        <a:rPr lang="en-US" dirty="0" smtClean="0">
+                          <a:solidFill>
+                            <a:schemeClr val="bg2"/>
+                          </a:solidFill>
+                        </a:rPr>
+                        <a:t>Admin</a:t>
+                      </a:r>
+                      <a:endParaRPr lang="en-US" dirty="0">
+                        <a:solidFill>
+                          <a:schemeClr val="bg2"/>
+                        </a:solidFill>
+                      </a:endParaRPr>
+                    </a:p>
+                  </a:txBody>
+                  <a:tcPr anchor="ctr">
+                    <a:lnL w="12700" cap="flat" cmpd="sng" algn="ctr">
+                      <a:solidFill>
+                        <a:schemeClr val="tx1"/>
+                      </a:solidFill>
+                      <a:prstDash val="solid"/>
+                      <a:round/>
+                      <a:headEnd type="none" w="med" len="med"/>
+                      <a:tailEnd type="none" w="med" len="med"/>
+                    </a:lnL>
+                    <a:lnR w="12700" cap="flat" cmpd="sng" algn="ctr">
+                      <a:solidFill>
+                        <a:schemeClr val="tx1"/>
+                      </a:solidFill>
+                      <a:prstDash val="solid"/>
+                      <a:round/>
+                      <a:headEnd type="none" w="med" len="med"/>
+                      <a:tailEnd type="none" w="med" len="med"/>
+                    </a:lnR>
+                    <a:lnT w="12700" cap="flat" cmpd="sng" algn="ctr">
+                      <a:solidFill>
+                        <a:schemeClr val="tx1"/>
+                      </a:solidFill>
+                      <a:prstDash val="solid"/>
+                      <a:round/>
+                      <a:headEnd type="none" w="med" len="med"/>
+                      <a:tailEnd type="none" w="med" len="med"/>
+                    </a:lnT>
+                    <a:lnB w="12700" cap="flat" cmpd="sng" algn="ctr">
+                      <a:solidFill>
+                        <a:schemeClr val="tx1"/>
+                      </a:solidFill>
+                      <a:prstDash val="solid"/>
+                      <a:round/>
+                      <a:headEnd type="none" w="med" len="med"/>
+                      <a:tailEnd type="none" w="med" len="med"/>
+                    </a:lnB>
+                    <a:lnTlToBr w="12700" cmpd="sng">
+                      <a:noFill/>
+                      <a:prstDash val="solid"/>
+                    </a:lnTlToBr>
+                    <a:lnBlToTr w="12700" cmpd="sng">
+                      <a:noFill/>
+                      <a:prstDash val="solid"/>
+                    </a:lnBlToTr>
+                  </a:tcPr>
+                </a:tc>
+                <a:extLst>
+                  <a:ext uri="{0D108BD9-81ED-4DB2-BD59-A6C34878D82A}">
+                    <a16:rowId xmlns:a16="http://schemas.microsoft.com/office/drawing/2014/main" val="3234657244"/>
+                  </a:ext>
+                </a:extLst>
+              </a:tr>
+            </a:tbl>
+          </a:graphicData>
+        </a:graphic>
+      </p:graphicFrame>
     </p:spTree>
     <p:extLst>
       <p:ext uri="{BB962C8B-B14F-4D97-AF65-F5344CB8AC3E}">
@@ -14548,6 +15112,13 @@
       <p:transition spd="slow" advClick="0" advTm="5000"/>
     </mc:Fallback>
   </mc:AlternateContent>
+  <p:timing>
+    <p:tnLst>
+      <p:par>
+        <p:cTn id="1" dur="indefinite" restart="never" nodeType="tmRoot"/>
+      </p:par>
+    </p:tnLst>
+  </p:timing>
 </p:sld>
 </file>
 
@@ -14660,7 +15231,7 @@
           <p:nvPr/>
         </p:nvPicPr>
         <p:blipFill>
-          <a:blip r:embed="rId2">
+          <a:blip r:embed="rId2" cstate="hqprint">
             <a:extLst>
               <a:ext uri="{28A0092B-C50C-407E-A947-70E740481C1C}">
                 <a14:useLocalDpi xmlns:a14="http://schemas.microsoft.com/office/drawing/2010/main" val="0"/>
@@ -14698,6 +15269,13 @@
       <p:transition spd="slow" advClick="0" advTm="5000"/>
     </mc:Fallback>
   </mc:AlternateContent>
+  <p:timing>
+    <p:tnLst>
+      <p:par>
+        <p:cTn id="1" dur="indefinite" restart="never" nodeType="tmRoot"/>
+      </p:par>
+    </p:tnLst>
+  </p:timing>
 </p:sld>
 </file>
 
@@ -17184,6 +17762,69 @@
           </a:p>
         </p:txBody>
       </p:sp>
+      <p:pic>
+        <p:nvPicPr>
+          <p:cNvPr id="3" name="Picture 2"/>
+          <p:cNvPicPr>
+            <a:picLocks noChangeAspect="1"/>
+          </p:cNvPicPr>
+          <p:nvPr/>
+        </p:nvPicPr>
+        <p:blipFill>
+          <a:blip r:embed="rId2">
+            <a:extLst>
+              <a:ext uri="{28A0092B-C50C-407E-A947-70E740481C1C}">
+                <a14:useLocalDpi xmlns:a14="http://schemas.microsoft.com/office/drawing/2010/main" val="0"/>
+              </a:ext>
+            </a:extLst>
+          </a:blip>
+          <a:stretch>
+            <a:fillRect/>
+          </a:stretch>
+        </p:blipFill>
+        <p:spPr>
+          <a:xfrm>
+            <a:off x="7581000" y="1337543"/>
+            <a:ext cx="3861537" cy="2611636"/>
+          </a:xfrm>
+          <a:prstGeom prst="rect">
+            <a:avLst/>
+          </a:prstGeom>
+        </p:spPr>
+      </p:pic>
+      <p:cxnSp>
+        <p:nvCxnSpPr>
+          <p:cNvPr id="6" name="Straight Arrow Connector 5"/>
+          <p:cNvCxnSpPr/>
+          <p:nvPr/>
+        </p:nvCxnSpPr>
+        <p:spPr>
+          <a:xfrm>
+            <a:off x="5016000" y="1674000"/>
+            <a:ext cx="2745000" cy="472260"/>
+          </a:xfrm>
+          <a:prstGeom prst="straightConnector1">
+            <a:avLst/>
+          </a:prstGeom>
+          <a:ln w="76200">
+            <a:tailEnd type="triangle"/>
+          </a:ln>
+        </p:spPr>
+        <p:style>
+          <a:lnRef idx="1">
+            <a:schemeClr val="dk1"/>
+          </a:lnRef>
+          <a:fillRef idx="0">
+            <a:schemeClr val="dk1"/>
+          </a:fillRef>
+          <a:effectRef idx="0">
+            <a:schemeClr val="dk1"/>
+          </a:effectRef>
+          <a:fontRef idx="minor">
+            <a:schemeClr val="tx1"/>
+          </a:fontRef>
+        </p:style>
+      </p:cxnSp>
     </p:spTree>
     <p:extLst>
       <p:ext uri="{BB962C8B-B14F-4D97-AF65-F5344CB8AC3E}">
@@ -21009,7 +21650,7 @@
           <p:nvPr/>
         </p:nvPicPr>
         <p:blipFill>
-          <a:blip r:embed="rId3">
+          <a:blip r:embed="rId3" cstate="hqprint">
             <a:extLst>
               <a:ext uri="{28A0092B-C50C-407E-A947-70E740481C1C}">
                 <a14:useLocalDpi xmlns:a14="http://schemas.microsoft.com/office/drawing/2010/main" val="0"/>
@@ -21048,6 +21689,13 @@
       <p:transition spd="slow" advClick="0" advTm="5000"/>
     </mc:Fallback>
   </mc:AlternateContent>
+  <p:timing>
+    <p:tnLst>
+      <p:par>
+        <p:cTn id="1" dur="indefinite" restart="never" nodeType="tmRoot"/>
+      </p:par>
+    </p:tnLst>
+  </p:timing>
 </p:sld>
 </file>
 
@@ -21731,7 +22379,7 @@
                                         <p:tgtEl>
                                           <p:spTgt spid="7">
                                             <p:txEl>
-                                              <p:pRg st="8" end="8"/>
+                                              <p:pRg st="7" end="7"/>
                                             </p:txEl>
                                           </p:spTgt>
                                         </p:tgtEl>
@@ -21780,7 +22428,7 @@
                                         <p:tgtEl>
                                           <p:spTgt spid="7">
                                             <p:txEl>
-                                              <p:pRg st="7" end="7"/>
+                                              <p:pRg st="8" end="8"/>
                                             </p:txEl>
                                           </p:spTgt>
                                         </p:tgtEl>
@@ -23162,7 +23810,7 @@
                 <a:hlinkClick r:id="rId3">
                   <a:extLst>
                     <a:ext uri="{A12FA001-AC4F-418D-AE19-62706E023703}">
-                      <ahyp:hlinkClr xmlns:ahyp="http://schemas.microsoft.com/office/drawing/2018/hyperlinkcolor" val="tx"/>
+                      <ahyp:hlinkClr xmlns="" xmlns:ahyp="http://schemas.microsoft.com/office/drawing/2018/hyperlinkcolor" val="tx"/>
                     </a:ext>
                   </a:extLst>
                 </a:hlinkClick>
@@ -23235,6 +23883,13 @@
       <p:transition spd="slow" advClick="0" advTm="5000"/>
     </mc:Fallback>
   </mc:AlternateContent>
+  <p:timing>
+    <p:tnLst>
+      <p:par>
+        <p:cTn id="1" dur="indefinite" restart="never" nodeType="tmRoot"/>
+      </p:par>
+    </p:tnLst>
+  </p:timing>
 </p:sld>
 </file>
 
@@ -23853,7 +24508,7 @@
           <p:nvPr/>
         </p:nvPicPr>
         <p:blipFill>
-          <a:blip r:embed="rId2">
+          <a:blip r:embed="rId2" cstate="hqprint">
             <a:extLst>
               <a:ext uri="{28A0092B-C50C-407E-A947-70E740481C1C}">
                 <a14:useLocalDpi xmlns:a14="http://schemas.microsoft.com/office/drawing/2010/main" val="0"/>
@@ -24052,6 +24707,10 @@
             <a:r>
               <a:rPr lang="bg-BG" sz="3200" dirty="0"/>
               <a:t>Събираме и анализираме</a:t>
+            </a:r>
+            <a:r>
+              <a:rPr lang="en-US" sz="3200" dirty="0"/>
+              <a:t/>
             </a:r>
             <a:br>
               <a:rPr lang="en-US" sz="3200" dirty="0"/>

--- a/Courses/Software-Sciences/Module-4-Information-Systems-New/09-Lifecycle-of-Information-System/09-Lifecycle-of-Information-System.pptx
+++ b/Courses/Software-Sciences/Module-4-Information-Systems-New/09-Lifecycle-of-Information-System/09-Lifecycle-of-Information-System.pptx
@@ -227,7 +227,7 @@
 
 <file path=ppt/commentAuthors.xml><?xml version="1.0" encoding="utf-8"?>
 <p:cmAuthorLst xmlns:a="http://schemas.openxmlformats.org/drawingml/2006/main" xmlns:r="http://schemas.openxmlformats.org/officeDocument/2006/relationships" xmlns:p="http://schemas.openxmlformats.org/presentationml/2006/main">
-  <p:cmAuthor id="1" name="Mirela Damyanova" initials="MD" lastIdx="9" clrIdx="0">
+  <p:cmAuthor id="1" name="Mirela Damyanova" initials="MD" lastIdx="16" clrIdx="0">
     <p:extLst>
       <p:ext uri="{19B8F6BF-5375-455C-9EA6-DF929625EA0E}">
         <p15:presenceInfo xmlns:p15="http://schemas.microsoft.com/office/powerpoint/2012/main" userId="Mirela Damyanova" providerId="None"/>
@@ -255,6 +255,17 @@
       </p:ext>
     </p:extLst>
   </p:cm>
+  <p:cm authorId="1" dt="2024-10-13T10:09:13.896" idx="11">
+    <p:pos x="10" y="123"/>
+    <p:text>Това се прави в 11.Упражнение: Дизайн на база данни. Идеята тук е да се проектира дизайн на база данни - да се опише писмено в текст какво ще има бд</p:text>
+    <p:extLst>
+      <p:ext uri="{C676402C-5697-4E1C-873F-D02D1690AC5C}">
+        <p15:threadingInfo xmlns:p15="http://schemas.microsoft.com/office/powerpoint/2012/main" timeZoneBias="-180">
+          <p15:parentCm authorId="2" idx="1"/>
+        </p15:threadingInfo>
+      </p:ext>
+    </p:extLst>
+  </p:cm>
 </p:cmLst>
 </file>
 
@@ -266,6 +277,17 @@
     <p:extLst>
       <p:ext uri="{C676402C-5697-4E1C-873F-D02D1690AC5C}">
         <p15:threadingInfo xmlns:p15="http://schemas.microsoft.com/office/powerpoint/2012/main" timeZoneBias="-180"/>
+      </p:ext>
+    </p:extLst>
+  </p:cm>
+  <p:cm authorId="1" dt="2024-10-13T10:09:57.151" idx="13">
+    <p:pos x="10" y="236"/>
+    <p:text>Това се прави в 11.Упражнение: Дизайн на база данни. Идеята тук е да се проектира дизайн на база данни - да се опише писмено в текст какво ще има бд</p:text>
+    <p:extLst>
+      <p:ext uri="{C676402C-5697-4E1C-873F-D02D1690AC5C}">
+        <p15:threadingInfo xmlns:p15="http://schemas.microsoft.com/office/powerpoint/2012/main" timeZoneBias="-180">
+          <p15:parentCm authorId="2" idx="2"/>
+        </p15:threadingInfo>
       </p:ext>
     </p:extLst>
   </p:cm>
@@ -283,6 +305,17 @@
       </p:ext>
     </p:extLst>
   </p:cm>
+  <p:cm authorId="1" dt="2024-10-13T10:07:31.894" idx="10">
+    <p:pos x="7630" y="1706"/>
+    <p:text>Ако се промени да е по-голяма ще направим компромис с логичната подредба на таблиците. Според мен така е по-ясно структурирано...</p:text>
+    <p:extLst>
+      <p:ext uri="{C676402C-5697-4E1C-873F-D02D1690AC5C}">
+        <p15:threadingInfo xmlns:p15="http://schemas.microsoft.com/office/powerpoint/2012/main" timeZoneBias="-180">
+          <p15:parentCm authorId="2" idx="3"/>
+        </p15:threadingInfo>
+      </p:ext>
+    </p:extLst>
+  </p:cm>
 </p:cmLst>
 </file>
 
@@ -294,6 +327,17 @@
     <p:extLst>
       <p:ext uri="{C676402C-5697-4E1C-873F-D02D1690AC5C}">
         <p15:threadingInfo xmlns:p15="http://schemas.microsoft.com/office/powerpoint/2012/main" timeZoneBias="-180"/>
+      </p:ext>
+    </p:extLst>
+  </p:cm>
+  <p:cm authorId="1" dt="2024-10-13T10:12:04.519" idx="16">
+    <p:pos x="10" y="349"/>
+    <p:text>Това се прави в 10.Упражнение: Анализ на изискванията и проектиране на UI. Идеята тук е да се проектира дизайн на UI - да се опише писмено в текст кои ще са формите и какво ще съдържат. Ако се добави една от формите, не трябва ли да се добавят всички? Няма ли да стане, че показваме нещо предварително, когато то трябва да се направи в следващия урок?</p:text>
+    <p:extLst>
+      <p:ext uri="{C676402C-5697-4E1C-873F-D02D1690AC5C}">
+        <p15:threadingInfo xmlns:p15="http://schemas.microsoft.com/office/powerpoint/2012/main" timeZoneBias="-180">
+          <p15:parentCm authorId="2" idx="5"/>
+        </p15:threadingInfo>
       </p:ext>
     </p:extLst>
   </p:cm>
@@ -394,7 +438,7 @@
           <a:p>
             <a:fld id="{4E087215-0C8F-4762-A664-737A353EC9A4}" type="datetimeFigureOut">
               <a:rPr lang="bg-BG" smtClean="0"/>
-              <a:t>12.10.2024 г.</a:t>
+              <a:t>13.10.24 г.</a:t>
             </a:fld>
             <a:endParaRPr lang="bg-BG"/>
           </a:p>
@@ -590,7 +634,7 @@
           <a:p>
             <a:fld id="{72D84649-876A-46C9-8472-14CB09C070D8}" type="datetimeFigureOut">
               <a:rPr lang="en-US" smtClean="0"/>
-              <a:t>10/12/2024</a:t>
+              <a:t>10/13/24</a:t>
             </a:fld>
             <a:endParaRPr lang="en-US"/>
           </a:p>
@@ -8853,13 +8897,6 @@
       <p:transition spd="slow" advClick="0" advTm="5000"/>
     </mc:Fallback>
   </mc:AlternateContent>
-  <p:timing>
-    <p:tnLst>
-      <p:par>
-        <p:cTn id="1" dur="indefinite" restart="never" nodeType="tmRoot"/>
-      </p:par>
-    </p:tnLst>
-  </p:timing>
 </p:sld>
 </file>
 
@@ -9004,13 +9041,6 @@
       <p:transition spd="slow" advClick="0" advTm="5000"/>
     </mc:Fallback>
   </mc:AlternateContent>
-  <p:timing>
-    <p:tnLst>
-      <p:par>
-        <p:cTn id="1" dur="indefinite" restart="never" nodeType="tmRoot"/>
-      </p:par>
-    </p:tnLst>
-  </p:timing>
 </p:sld>
 </file>
 
@@ -9585,13 +9615,6 @@
       <p:transition spd="slow" advClick="0" advTm="5000"/>
     </mc:Fallback>
   </mc:AlternateContent>
-  <p:timing>
-    <p:tnLst>
-      <p:par>
-        <p:cTn id="1" dur="indefinite" restart="never" nodeType="tmRoot"/>
-      </p:par>
-    </p:tnLst>
-  </p:timing>
 </p:sld>
 </file>
 
@@ -11747,13 +11770,6 @@
       <p:transition spd="slow" advClick="0" advTm="5000"/>
     </mc:Fallback>
   </mc:AlternateContent>
-  <p:timing>
-    <p:tnLst>
-      <p:par>
-        <p:cTn id="1" dur="indefinite" restart="never" nodeType="tmRoot"/>
-      </p:par>
-    </p:tnLst>
-  </p:timing>
 </p:sld>
 </file>
 
@@ -12954,7 +12970,7 @@
                     <a:p>
                       <a:pPr algn="ctr"/>
                       <a:r>
-                        <a:rPr lang="bg-BG" sz="1800" dirty="0" smtClean="0">
+                        <a:rPr lang="bg-BG" sz="1800" dirty="0">
                           <a:solidFill>
                             <a:schemeClr val="bg2"/>
                           </a:solidFill>
@@ -13022,7 +13038,7 @@
                     <a:p>
                       <a:pPr algn="ctr"/>
                       <a:r>
-                        <a:rPr lang="bg-BG" sz="1800" dirty="0" smtClean="0">
+                        <a:rPr lang="bg-BG" sz="1800" dirty="0">
                           <a:solidFill>
                             <a:schemeClr val="bg2"/>
                           </a:solidFill>
@@ -13090,7 +13106,7 @@
                     <a:p>
                       <a:pPr algn="ctr"/>
                       <a:r>
-                        <a:rPr lang="bg-BG" sz="1800" dirty="0" smtClean="0">
+                        <a:rPr lang="bg-BG" sz="1800" dirty="0">
                           <a:solidFill>
                             <a:schemeClr val="bg2"/>
                           </a:solidFill>
@@ -13165,7 +13181,7 @@
                     <a:p>
                       <a:pPr algn="ctr"/>
                       <a:r>
-                        <a:rPr lang="en-US" dirty="0" err="1" smtClean="0">
+                        <a:rPr lang="en-US" dirty="0" err="1">
                           <a:solidFill>
                             <a:schemeClr val="bg2"/>
                           </a:solidFill>
@@ -13233,18 +13249,13 @@
                     <a:p>
                       <a:pPr algn="ctr"/>
                       <a:r>
-                        <a:rPr lang="en-US" dirty="0" smtClean="0">
+                        <a:rPr lang="en-US" dirty="0">
                           <a:solidFill>
                             <a:schemeClr val="bg2"/>
                           </a:solidFill>
                         </a:rPr>
                         <a:t>parola123</a:t>
                       </a:r>
-                      <a:endParaRPr lang="en-US" dirty="0">
-                        <a:solidFill>
-                          <a:schemeClr val="bg2"/>
-                        </a:solidFill>
-                      </a:endParaRPr>
                     </a:p>
                   </a:txBody>
                   <a:tcPr anchor="ctr">
@@ -13301,18 +13312,13 @@
                     <a:p>
                       <a:pPr algn="ctr"/>
                       <a:r>
-                        <a:rPr lang="en-US" dirty="0" smtClean="0">
+                        <a:rPr lang="en-US" dirty="0">
                           <a:solidFill>
                             <a:schemeClr val="bg2"/>
                           </a:solidFill>
                         </a:rPr>
                         <a:t>Admin</a:t>
                       </a:r>
-                      <a:endParaRPr lang="en-US" dirty="0">
-                        <a:solidFill>
-                          <a:schemeClr val="bg2"/>
-                        </a:solidFill>
-                      </a:endParaRPr>
                     </a:p>
                   </a:txBody>
                   <a:tcPr anchor="ctr">
@@ -15112,13 +15118,6 @@
       <p:transition spd="slow" advClick="0" advTm="5000"/>
     </mc:Fallback>
   </mc:AlternateContent>
-  <p:timing>
-    <p:tnLst>
-      <p:par>
-        <p:cTn id="1" dur="indefinite" restart="never" nodeType="tmRoot"/>
-      </p:par>
-    </p:tnLst>
-  </p:timing>
 </p:sld>
 </file>
 
@@ -15269,13 +15268,6 @@
       <p:transition spd="slow" advClick="0" advTm="5000"/>
     </mc:Fallback>
   </mc:AlternateContent>
-  <p:timing>
-    <p:tnLst>
-      <p:par>
-        <p:cTn id="1" dur="indefinite" restart="never" nodeType="tmRoot"/>
-      </p:par>
-    </p:tnLst>
-  </p:timing>
 </p:sld>
 </file>
 
@@ -21689,13 +21681,6 @@
       <p:transition spd="slow" advClick="0" advTm="5000"/>
     </mc:Fallback>
   </mc:AlternateContent>
-  <p:timing>
-    <p:tnLst>
-      <p:par>
-        <p:cTn id="1" dur="indefinite" restart="never" nodeType="tmRoot"/>
-      </p:par>
-    </p:tnLst>
-  </p:timing>
 </p:sld>
 </file>
 
@@ -23810,7 +23795,7 @@
                 <a:hlinkClick r:id="rId3">
                   <a:extLst>
                     <a:ext uri="{A12FA001-AC4F-418D-AE19-62706E023703}">
-                      <ahyp:hlinkClr xmlns="" xmlns:ahyp="http://schemas.microsoft.com/office/drawing/2018/hyperlinkcolor" val="tx"/>
+                      <ahyp:hlinkClr xmlns:ahyp="http://schemas.microsoft.com/office/drawing/2018/hyperlinkcolor" val="tx"/>
                     </a:ext>
                   </a:extLst>
                 </a:hlinkClick>
@@ -23883,13 +23868,6 @@
       <p:transition spd="slow" advClick="0" advTm="5000"/>
     </mc:Fallback>
   </mc:AlternateContent>
-  <p:timing>
-    <p:tnLst>
-      <p:par>
-        <p:cTn id="1" dur="indefinite" restart="never" nodeType="tmRoot"/>
-      </p:par>
-    </p:tnLst>
-  </p:timing>
 </p:sld>
 </file>
 
@@ -24707,10 +24685,6 @@
             <a:r>
               <a:rPr lang="bg-BG" sz="3200" dirty="0"/>
               <a:t>Събираме и анализираме</a:t>
-            </a:r>
-            <a:r>
-              <a:rPr lang="en-US" sz="3200" dirty="0"/>
-              <a:t/>
             </a:r>
             <a:br>
               <a:rPr lang="en-US" sz="3200" dirty="0"/>

--- a/Courses/Software-Sciences/Module-4-Information-Systems-New/09-Lifecycle-of-Information-System/09-Lifecycle-of-Information-System.pptx
+++ b/Courses/Software-Sciences/Module-4-Information-Systems-New/09-Lifecycle-of-Information-System/09-Lifecycle-of-Information-System.pptx
@@ -5,10 +5,10 @@
     <p:sldMasterId id="2147483675" r:id="rId1"/>
   </p:sldMasterIdLst>
   <p:notesMasterIdLst>
-    <p:notesMasterId r:id="rId35"/>
+    <p:notesMasterId r:id="rId34"/>
   </p:notesMasterIdLst>
   <p:handoutMasterIdLst>
-    <p:handoutMasterId r:id="rId36"/>
+    <p:handoutMasterId r:id="rId35"/>
   </p:handoutMasterIdLst>
   <p:sldIdLst>
     <p:sldId id="503" r:id="rId2"/>
@@ -40,10 +40,9 @@
     <p:sldId id="787" r:id="rId28"/>
     <p:sldId id="776" r:id="rId29"/>
     <p:sldId id="784" r:id="rId30"/>
-    <p:sldId id="788" r:id="rId31"/>
-    <p:sldId id="633" r:id="rId32"/>
-    <p:sldId id="504" r:id="rId33"/>
-    <p:sldId id="505" r:id="rId34"/>
+    <p:sldId id="633" r:id="rId31"/>
+    <p:sldId id="504" r:id="rId32"/>
+    <p:sldId id="505" r:id="rId33"/>
   </p:sldIdLst>
   <p:sldSz cx="12192000" cy="6858000"/>
   <p:notesSz cx="6858000" cy="9144000"/>
@@ -192,7 +191,6 @@
             <p14:sldId id="787"/>
             <p14:sldId id="776"/>
             <p14:sldId id="784"/>
-            <p14:sldId id="788"/>
           </p14:sldIdLst>
         </p14:section>
         <p14:section name="Заключение" id="{E19D07F1-86E2-47E9-B2AB-7ADC4F89DC12}">
@@ -242,106 +240,6 @@
     </p:extLst>
   </p:cmAuthor>
 </p:cmAuthorLst>
-</file>
-
-<file path=ppt/comments/comment1.xml><?xml version="1.0" encoding="utf-8"?>
-<p:cmLst xmlns:a="http://schemas.openxmlformats.org/drawingml/2006/main" xmlns:r="http://schemas.openxmlformats.org/officeDocument/2006/relationships" xmlns:p="http://schemas.openxmlformats.org/presentationml/2006/main">
-  <p:cm authorId="2" dt="2024-10-12T15:42:44.849" idx="1">
-    <p:pos x="10" y="10"/>
-    <p:text>Сложи screenshot-и на отделните таблици от БД, за да не седи само сух текст</p:text>
-    <p:extLst>
-      <p:ext uri="{C676402C-5697-4E1C-873F-D02D1690AC5C}">
-        <p15:threadingInfo xmlns:p15="http://schemas.microsoft.com/office/powerpoint/2012/main" timeZoneBias="-180"/>
-      </p:ext>
-    </p:extLst>
-  </p:cm>
-  <p:cm authorId="1" dt="2024-10-13T10:09:13.896" idx="11">
-    <p:pos x="10" y="123"/>
-    <p:text>Това се прави в 11.Упражнение: Дизайн на база данни. Идеята тук е да се проектира дизайн на база данни - да се опише писмено в текст какво ще има бд</p:text>
-    <p:extLst>
-      <p:ext uri="{C676402C-5697-4E1C-873F-D02D1690AC5C}">
-        <p15:threadingInfo xmlns:p15="http://schemas.microsoft.com/office/powerpoint/2012/main" timeZoneBias="-180">
-          <p15:parentCm authorId="2" idx="1"/>
-        </p15:threadingInfo>
-      </p:ext>
-    </p:extLst>
-  </p:cm>
-</p:cmLst>
-</file>
-
-<file path=ppt/comments/comment2.xml><?xml version="1.0" encoding="utf-8"?>
-<p:cmLst xmlns:a="http://schemas.openxmlformats.org/drawingml/2006/main" xmlns:r="http://schemas.openxmlformats.org/officeDocument/2006/relationships" xmlns:p="http://schemas.openxmlformats.org/presentationml/2006/main">
-  <p:cm authorId="2" dt="2024-10-12T15:44:23.150" idx="2">
-    <p:pos x="10" y="10"/>
-    <p:text>Сложи screenshot-и на отделните таблици от БД, за да не седи само сух текст</p:text>
-    <p:extLst>
-      <p:ext uri="{C676402C-5697-4E1C-873F-D02D1690AC5C}">
-        <p15:threadingInfo xmlns:p15="http://schemas.microsoft.com/office/powerpoint/2012/main" timeZoneBias="-180"/>
-      </p:ext>
-    </p:extLst>
-  </p:cm>
-  <p:cm authorId="1" dt="2024-10-13T10:09:57.151" idx="13">
-    <p:pos x="10" y="236"/>
-    <p:text>Това се прави в 11.Упражнение: Дизайн на база данни. Идеята тук е да се проектира дизайн на база данни - да се опише писмено в текст какво ще има бд</p:text>
-    <p:extLst>
-      <p:ext uri="{C676402C-5697-4E1C-873F-D02D1690AC5C}">
-        <p15:threadingInfo xmlns:p15="http://schemas.microsoft.com/office/powerpoint/2012/main" timeZoneBias="-180">
-          <p15:parentCm authorId="2" idx="2"/>
-        </p15:threadingInfo>
-      </p:ext>
-    </p:extLst>
-  </p:cm>
-</p:cmLst>
-</file>
-
-<file path=ppt/comments/comment3.xml><?xml version="1.0" encoding="utf-8"?>
-<p:cmLst xmlns:a="http://schemas.openxmlformats.org/drawingml/2006/main" xmlns:r="http://schemas.openxmlformats.org/officeDocument/2006/relationships" xmlns:p="http://schemas.openxmlformats.org/presentationml/2006/main">
-  <p:cm authorId="2" dt="2024-10-12T15:44:47.122" idx="3">
-    <p:pos x="7630" y="1593"/>
-    <p:text>Ако има някакъв вариант, пренареди отделните таблици така, че да са по-събрани, за да може да стане снимката по-голяма (много е ситен шрифтът на таблиците)</p:text>
-    <p:extLst>
-      <p:ext uri="{C676402C-5697-4E1C-873F-D02D1690AC5C}">
-        <p15:threadingInfo xmlns:p15="http://schemas.microsoft.com/office/powerpoint/2012/main" timeZoneBias="-180"/>
-      </p:ext>
-    </p:extLst>
-  </p:cm>
-  <p:cm authorId="1" dt="2024-10-13T10:07:31.894" idx="10">
-    <p:pos x="7630" y="1706"/>
-    <p:text>Ако се промени да е по-голяма ще направим компромис с логичната подредба на таблиците. Според мен така е по-ясно структурирано...</p:text>
-    <p:extLst>
-      <p:ext uri="{C676402C-5697-4E1C-873F-D02D1690AC5C}">
-        <p15:threadingInfo xmlns:p15="http://schemas.microsoft.com/office/powerpoint/2012/main" timeZoneBias="-180">
-          <p15:parentCm authorId="2" idx="3"/>
-        </p15:threadingInfo>
-      </p:ext>
-    </p:extLst>
-  </p:cm>
-</p:cmLst>
-</file>
-
-<file path=ppt/comments/comment4.xml><?xml version="1.0" encoding="utf-8"?>
-<p:cmLst xmlns:a="http://schemas.openxmlformats.org/drawingml/2006/main" xmlns:r="http://schemas.openxmlformats.org/officeDocument/2006/relationships" xmlns:p="http://schemas.openxmlformats.org/presentationml/2006/main">
-  <p:cm authorId="2" dt="2024-10-12T15:51:02.092" idx="5">
-    <p:pos x="10" y="10"/>
-    <p:text>Иска ми се да има screenshot-и, "схеми" или нещо подобно на това как биха изглеждали описаните форми на слайдовете</p:text>
-    <p:extLst>
-      <p:ext uri="{C676402C-5697-4E1C-873F-D02D1690AC5C}">
-        <p15:threadingInfo xmlns:p15="http://schemas.microsoft.com/office/powerpoint/2012/main" timeZoneBias="-180"/>
-      </p:ext>
-    </p:extLst>
-  </p:cm>
-  <p:cm authorId="1" dt="2024-10-13T10:12:04.519" idx="16">
-    <p:pos x="10" y="349"/>
-    <p:text>Това се прави в 10.Упражнение: Анализ на изискванията и проектиране на UI. Идеята тук е да се проектира дизайн на UI - да се опише писмено в текст кои ще са формите и какво ще съдържат. Ако се добави една от формите, не трябва ли да се добавят всички? Няма ли да стане, че показваме нещо предварително, когато то трябва да се направи в следващия урок?</p:text>
-    <p:extLst>
-      <p:ext uri="{C676402C-5697-4E1C-873F-D02D1690AC5C}">
-        <p15:threadingInfo xmlns:p15="http://schemas.microsoft.com/office/powerpoint/2012/main" timeZoneBias="-180">
-          <p15:parentCm authorId="2" idx="5"/>
-        </p15:threadingInfo>
-      </p:ext>
-    </p:extLst>
-  </p:cm>
-</p:cmLst>
 </file>
 
 <file path=ppt/handoutMasters/handoutMaster1.xml><?xml version="1.0" encoding="utf-8"?>
@@ -438,7 +336,7 @@
           <a:p>
             <a:fld id="{4E087215-0C8F-4762-A664-737A353EC9A4}" type="datetimeFigureOut">
               <a:rPr lang="bg-BG" smtClean="0"/>
-              <a:t>13.10.24 г.</a:t>
+              <a:t>4.11.24 г.</a:t>
             </a:fld>
             <a:endParaRPr lang="bg-BG"/>
           </a:p>
@@ -634,7 +532,7 @@
           <a:p>
             <a:fld id="{72D84649-876A-46C9-8472-14CB09C070D8}" type="datetimeFigureOut">
               <a:rPr lang="en-US" smtClean="0"/>
-              <a:t>10/13/24</a:t>
+              <a:t>11/4/24</a:t>
             </a:fld>
             <a:endParaRPr lang="en-US"/>
           </a:p>
@@ -1476,7 +1374,7 @@
             <a:fld id="{3EBA5BD7-F043-4D1B-AA17-CD412FC534DE}" type="slidenum">
               <a:rPr lang="en-US" smtClean="0"/>
               <a:pPr/>
-              <a:t>31</a:t>
+              <a:t>30</a:t>
             </a:fld>
             <a:endParaRPr lang="en-US" dirty="0"/>
           </a:p>
@@ -1722,7 +1620,7 @@
             <a:fld id="{3EBA5BD7-F043-4D1B-AA17-CD412FC534DE}" type="slidenum">
               <a:rPr lang="en-US" smtClean="0"/>
               <a:pPr/>
-              <a:t>32</a:t>
+              <a:t>31</a:t>
             </a:fld>
             <a:endParaRPr lang="en-US" dirty="0"/>
           </a:p>
@@ -1952,7 +1850,7 @@
             <a:fld id="{3EBA5BD7-F043-4D1B-AA17-CD412FC534DE}" type="slidenum">
               <a:rPr lang="en-US" smtClean="0"/>
               <a:pPr/>
-              <a:t>33</a:t>
+              <a:t>32</a:t>
             </a:fld>
             <a:endParaRPr lang="en-US" dirty="0"/>
           </a:p>
@@ -8825,8 +8723,8 @@
         </p:blipFill>
         <p:spPr>
           <a:xfrm>
-            <a:off x="642407" y="3070787"/>
-            <a:ext cx="1757160" cy="819754"/>
+            <a:off x="642407" y="3086623"/>
+            <a:ext cx="1757160" cy="788082"/>
           </a:xfrm>
           <a:prstGeom prst="rect">
             <a:avLst/>
@@ -11878,7 +11776,7 @@
         <p:spPr/>
         <p:txBody>
           <a:bodyPr>
-            <a:normAutofit fontScale="92500" lnSpcReduction="20000"/>
+            <a:normAutofit fontScale="92500" lnSpcReduction="10000"/>
           </a:bodyPr>
           <a:lstStyle/>
           <a:p>
@@ -11975,27 +11873,14 @@
               <a:rPr lang="bg-BG" sz="2400" b="1" dirty="0"/>
               <a:t> админи</a:t>
             </a:r>
-            <a:endParaRPr lang="en-US" sz="2400" b="1" dirty="0"/>
-          </a:p>
-          <a:p>
-            <a:pPr lvl="2"/>
-            <a:r>
-              <a:rPr lang="bg-BG" sz="2400" dirty="0"/>
-              <a:t>Чете, добавя, редактира и изтрива </a:t>
-            </a:r>
-            <a:r>
-              <a:rPr lang="bg-BG" sz="2400" b="1" dirty="0"/>
-              <a:t>потребители</a:t>
-            </a:r>
-            <a:endParaRPr lang="en-BG" sz="2400" b="1" dirty="0"/>
           </a:p>
           <a:p>
             <a:pPr lvl="1"/>
             <a:r>
-              <a:rPr lang="en-BG" sz="2600" b="1" dirty="0"/>
+              <a:rPr lang="en-BG" sz="2800" b="1" dirty="0"/>
               <a:t>Лекар (Doctor)</a:t>
             </a:r>
-            <a:endParaRPr lang="en-BG" sz="2600" dirty="0"/>
+            <a:endParaRPr lang="en-BG" sz="2800" dirty="0"/>
           </a:p>
           <a:p>
             <a:pPr lvl="2"/>
@@ -12539,55 +12424,6 @@
                       </p:childTnLst>
                     </p:cTn>
                   </p:par>
-                  <p:par>
-                    <p:cTn id="43" fill="hold">
-                      <p:stCondLst>
-                        <p:cond delay="indefinite"/>
-                      </p:stCondLst>
-                      <p:childTnLst>
-                        <p:par>
-                          <p:cTn id="44" fill="hold">
-                            <p:stCondLst>
-                              <p:cond delay="0"/>
-                            </p:stCondLst>
-                            <p:childTnLst>
-                              <p:par>
-                                <p:cTn id="45" presetID="1" presetClass="entr" presetSubtype="0" fill="hold" nodeType="clickEffect">
-                                  <p:stCondLst>
-                                    <p:cond delay="0"/>
-                                  </p:stCondLst>
-                                  <p:childTnLst>
-                                    <p:set>
-                                      <p:cBhvr>
-                                        <p:cTn id="46" dur="1" fill="hold">
-                                          <p:stCondLst>
-                                            <p:cond delay="0"/>
-                                          </p:stCondLst>
-                                        </p:cTn>
-                                        <p:tgtEl>
-                                          <p:spTgt spid="7">
-                                            <p:txEl>
-                                              <p:pRg st="11" end="11"/>
-                                            </p:txEl>
-                                          </p:spTgt>
-                                        </p:tgtEl>
-                                        <p:attrNameLst>
-                                          <p:attrName>style.visibility</p:attrName>
-                                        </p:attrNameLst>
-                                      </p:cBhvr>
-                                      <p:to>
-                                        <p:strVal val="visible"/>
-                                      </p:to>
-                                    </p:set>
-                                  </p:childTnLst>
-                                </p:cTn>
-                              </p:par>
-                            </p:childTnLst>
-                          </p:cTn>
-                        </p:par>
-                      </p:childTnLst>
-                    </p:cTn>
-                  </p:par>
                 </p:childTnLst>
               </p:cTn>
               <p:prevCondLst>
@@ -12915,469 +12751,48 @@
           </a:p>
         </p:txBody>
       </p:sp>
-      <p:graphicFrame>
-        <p:nvGraphicFramePr>
-          <p:cNvPr id="3" name="Table 2"/>
-          <p:cNvGraphicFramePr>
-            <a:graphicFrameLocks noGrp="1"/>
-          </p:cNvGraphicFramePr>
-          <p:nvPr>
-            <p:extLst>
-              <p:ext uri="{D42A27DB-BD31-4B8C-83A1-F6EECF244321}">
-                <p14:modId xmlns:p14="http://schemas.microsoft.com/office/powerpoint/2010/main" val="1096886390"/>
-              </p:ext>
-            </p:extLst>
-          </p:nvPr>
-        </p:nvGraphicFramePr>
-        <p:xfrm>
-          <a:off x="6456000" y="2664000"/>
-          <a:ext cx="4353724" cy="1193165"/>
-        </p:xfrm>
-        <a:graphic>
-          <a:graphicData uri="http://schemas.openxmlformats.org/drawingml/2006/table">
-            <a:tbl>
-              <a:tblPr firstRow="1" bandRow="1">
-                <a:tableStyleId>{073A0DAA-6AF3-43AB-8588-CEC1D06C72B9}</a:tableStyleId>
-              </a:tblPr>
-              <a:tblGrid>
-                <a:gridCol w="2177796">
-                  <a:extLst>
-                    <a:ext uri="{9D8B030D-6E8A-4147-A177-3AD203B41FA5}">
-                      <a16:colId xmlns:a16="http://schemas.microsoft.com/office/drawing/2014/main" val="1587959541"/>
-                    </a:ext>
-                  </a:extLst>
-                </a:gridCol>
-                <a:gridCol w="1115160">
-                  <a:extLst>
-                    <a:ext uri="{9D8B030D-6E8A-4147-A177-3AD203B41FA5}">
-                      <a16:colId xmlns:a16="http://schemas.microsoft.com/office/drawing/2014/main" val="3094431195"/>
-                    </a:ext>
-                  </a:extLst>
-                </a:gridCol>
-                <a:gridCol w="1060768">
-                  <a:extLst>
-                    <a:ext uri="{9D8B030D-6E8A-4147-A177-3AD203B41FA5}">
-                      <a16:colId xmlns:a16="http://schemas.microsoft.com/office/drawing/2014/main" val="4188055043"/>
-                    </a:ext>
-                  </a:extLst>
-                </a:gridCol>
-              </a:tblGrid>
-              <a:tr h="370840">
-                <a:tc>
-                  <a:txBody>
-                    <a:bodyPr/>
-                    <a:lstStyle/>
-                    <a:p>
-                      <a:pPr algn="ctr"/>
-                      <a:r>
-                        <a:rPr lang="bg-BG" sz="1800" dirty="0">
-                          <a:solidFill>
-                            <a:schemeClr val="bg2"/>
-                          </a:solidFill>
-                        </a:rPr>
-                        <a:t>Потребителско име</a:t>
-                      </a:r>
-                      <a:endParaRPr lang="en-US" sz="1800" dirty="0">
-                        <a:solidFill>
-                          <a:schemeClr val="bg2"/>
-                        </a:solidFill>
-                      </a:endParaRPr>
-                    </a:p>
-                  </a:txBody>
-                  <a:tcPr anchor="ctr">
-                    <a:lnL w="12700" cap="flat" cmpd="sng" algn="ctr">
-                      <a:solidFill>
-                        <a:schemeClr val="tx1"/>
-                      </a:solidFill>
-                      <a:prstDash val="solid"/>
-                      <a:round/>
-                      <a:headEnd type="none" w="med" len="med"/>
-                      <a:tailEnd type="none" w="med" len="med"/>
-                    </a:lnL>
-                    <a:lnR w="12700" cap="flat" cmpd="sng" algn="ctr">
-                      <a:solidFill>
-                        <a:schemeClr val="tx1"/>
-                      </a:solidFill>
-                      <a:prstDash val="solid"/>
-                      <a:round/>
-                      <a:headEnd type="none" w="med" len="med"/>
-                      <a:tailEnd type="none" w="med" len="med"/>
-                    </a:lnR>
-                    <a:lnT w="12700" cap="flat" cmpd="sng" algn="ctr">
-                      <a:solidFill>
-                        <a:schemeClr val="tx1"/>
-                      </a:solidFill>
-                      <a:prstDash val="solid"/>
-                      <a:round/>
-                      <a:headEnd type="none" w="med" len="med"/>
-                      <a:tailEnd type="none" w="med" len="med"/>
-                    </a:lnT>
-                    <a:lnB w="12700" cap="flat" cmpd="sng" algn="ctr">
-                      <a:solidFill>
-                        <a:schemeClr val="tx1"/>
-                      </a:solidFill>
-                      <a:prstDash val="solid"/>
-                      <a:round/>
-                      <a:headEnd type="none" w="med" len="med"/>
-                      <a:tailEnd type="none" w="med" len="med"/>
-                    </a:lnB>
-                    <a:lnTlToBr w="12700" cmpd="sng">
-                      <a:noFill/>
-                      <a:prstDash val="solid"/>
-                    </a:lnTlToBr>
-                    <a:lnBlToTr w="12700" cmpd="sng">
-                      <a:noFill/>
-                      <a:prstDash val="solid"/>
-                    </a:lnBlToTr>
-                  </a:tcPr>
-                </a:tc>
-                <a:tc>
-                  <a:txBody>
-                    <a:bodyPr/>
-                    <a:lstStyle/>
-                    <a:p>
-                      <a:pPr algn="ctr"/>
-                      <a:r>
-                        <a:rPr lang="bg-BG" sz="1800" dirty="0">
-                          <a:solidFill>
-                            <a:schemeClr val="bg2"/>
-                          </a:solidFill>
-                        </a:rPr>
-                        <a:t>парола</a:t>
-                      </a:r>
-                      <a:endParaRPr lang="en-US" sz="1800" dirty="0">
-                        <a:solidFill>
-                          <a:schemeClr val="bg2"/>
-                        </a:solidFill>
-                      </a:endParaRPr>
-                    </a:p>
-                  </a:txBody>
-                  <a:tcPr anchor="ctr">
-                    <a:lnL w="12700" cap="flat" cmpd="sng" algn="ctr">
-                      <a:solidFill>
-                        <a:schemeClr val="tx1"/>
-                      </a:solidFill>
-                      <a:prstDash val="solid"/>
-                      <a:round/>
-                      <a:headEnd type="none" w="med" len="med"/>
-                      <a:tailEnd type="none" w="med" len="med"/>
-                    </a:lnL>
-                    <a:lnR w="12700" cap="flat" cmpd="sng" algn="ctr">
-                      <a:solidFill>
-                        <a:schemeClr val="tx1"/>
-                      </a:solidFill>
-                      <a:prstDash val="solid"/>
-                      <a:round/>
-                      <a:headEnd type="none" w="med" len="med"/>
-                      <a:tailEnd type="none" w="med" len="med"/>
-                    </a:lnR>
-                    <a:lnT w="12700" cap="flat" cmpd="sng" algn="ctr">
-                      <a:solidFill>
-                        <a:schemeClr val="tx1"/>
-                      </a:solidFill>
-                      <a:prstDash val="solid"/>
-                      <a:round/>
-                      <a:headEnd type="none" w="med" len="med"/>
-                      <a:tailEnd type="none" w="med" len="med"/>
-                    </a:lnT>
-                    <a:lnB w="12700" cap="flat" cmpd="sng" algn="ctr">
-                      <a:solidFill>
-                        <a:schemeClr val="tx1"/>
-                      </a:solidFill>
-                      <a:prstDash val="solid"/>
-                      <a:round/>
-                      <a:headEnd type="none" w="med" len="med"/>
-                      <a:tailEnd type="none" w="med" len="med"/>
-                    </a:lnB>
-                    <a:lnTlToBr w="12700" cmpd="sng">
-                      <a:noFill/>
-                      <a:prstDash val="solid"/>
-                    </a:lnTlToBr>
-                    <a:lnBlToTr w="12700" cmpd="sng">
-                      <a:noFill/>
-                      <a:prstDash val="solid"/>
-                    </a:lnBlToTr>
-                  </a:tcPr>
-                </a:tc>
-                <a:tc>
-                  <a:txBody>
-                    <a:bodyPr/>
-                    <a:lstStyle/>
-                    <a:p>
-                      <a:pPr algn="ctr"/>
-                      <a:r>
-                        <a:rPr lang="bg-BG" sz="1800" dirty="0">
-                          <a:solidFill>
-                            <a:schemeClr val="bg2"/>
-                          </a:solidFill>
-                        </a:rPr>
-                        <a:t>Роля</a:t>
-                      </a:r>
-                      <a:endParaRPr lang="en-US" sz="1800" dirty="0">
-                        <a:solidFill>
-                          <a:schemeClr val="bg2"/>
-                        </a:solidFill>
-                      </a:endParaRPr>
-                    </a:p>
-                  </a:txBody>
-                  <a:tcPr anchor="ctr">
-                    <a:lnL w="12700" cap="flat" cmpd="sng" algn="ctr">
-                      <a:solidFill>
-                        <a:schemeClr val="tx1"/>
-                      </a:solidFill>
-                      <a:prstDash val="solid"/>
-                      <a:round/>
-                      <a:headEnd type="none" w="med" len="med"/>
-                      <a:tailEnd type="none" w="med" len="med"/>
-                    </a:lnL>
-                    <a:lnR w="12700" cap="flat" cmpd="sng" algn="ctr">
-                      <a:solidFill>
-                        <a:schemeClr val="tx1"/>
-                      </a:solidFill>
-                      <a:prstDash val="solid"/>
-                      <a:round/>
-                      <a:headEnd type="none" w="med" len="med"/>
-                      <a:tailEnd type="none" w="med" len="med"/>
-                    </a:lnR>
-                    <a:lnT w="12700" cap="flat" cmpd="sng" algn="ctr">
-                      <a:solidFill>
-                        <a:schemeClr val="tx1"/>
-                      </a:solidFill>
-                      <a:prstDash val="solid"/>
-                      <a:round/>
-                      <a:headEnd type="none" w="med" len="med"/>
-                      <a:tailEnd type="none" w="med" len="med"/>
-                    </a:lnT>
-                    <a:lnB w="12700" cap="flat" cmpd="sng" algn="ctr">
-                      <a:solidFill>
-                        <a:schemeClr val="tx1"/>
-                      </a:solidFill>
-                      <a:prstDash val="solid"/>
-                      <a:round/>
-                      <a:headEnd type="none" w="med" len="med"/>
-                      <a:tailEnd type="none" w="med" len="med"/>
-                    </a:lnB>
-                    <a:lnTlToBr w="12700" cmpd="sng">
-                      <a:noFill/>
-                      <a:prstDash val="solid"/>
-                    </a:lnTlToBr>
-                    <a:lnBlToTr w="12700" cmpd="sng">
-                      <a:noFill/>
-                      <a:prstDash val="solid"/>
-                    </a:lnBlToTr>
-                  </a:tcPr>
-                </a:tc>
-                <a:extLst>
-                  <a:ext uri="{0D108BD9-81ED-4DB2-BD59-A6C34878D82A}">
-                    <a16:rowId xmlns:a16="http://schemas.microsoft.com/office/drawing/2014/main" val="3591076447"/>
-                  </a:ext>
-                </a:extLst>
-              </a:tr>
-              <a:tr h="370840">
-                <a:tc>
-                  <a:txBody>
-                    <a:bodyPr/>
-                    <a:lstStyle/>
-                    <a:p>
-                      <a:pPr algn="ctr"/>
-                      <a:r>
-                        <a:rPr lang="en-US" dirty="0" err="1">
-                          <a:solidFill>
-                            <a:schemeClr val="bg2"/>
-                          </a:solidFill>
-                        </a:rPr>
-                        <a:t>Shefut</a:t>
-                      </a:r>
-                      <a:endParaRPr lang="en-US" dirty="0">
-                        <a:solidFill>
-                          <a:schemeClr val="bg2"/>
-                        </a:solidFill>
-                      </a:endParaRPr>
-                    </a:p>
-                  </a:txBody>
-                  <a:tcPr anchor="ctr">
-                    <a:lnL w="12700" cap="flat" cmpd="sng" algn="ctr">
-                      <a:solidFill>
-                        <a:schemeClr val="tx1"/>
-                      </a:solidFill>
-                      <a:prstDash val="solid"/>
-                      <a:round/>
-                      <a:headEnd type="none" w="med" len="med"/>
-                      <a:tailEnd type="none" w="med" len="med"/>
-                    </a:lnL>
-                    <a:lnR w="12700" cap="flat" cmpd="sng" algn="ctr">
-                      <a:solidFill>
-                        <a:schemeClr val="tx1"/>
-                      </a:solidFill>
-                      <a:prstDash val="solid"/>
-                      <a:round/>
-                      <a:headEnd type="none" w="med" len="med"/>
-                      <a:tailEnd type="none" w="med" len="med"/>
-                    </a:lnR>
-                    <a:lnT w="12700" cap="flat" cmpd="sng" algn="ctr">
-                      <a:solidFill>
-                        <a:schemeClr val="tx1"/>
-                      </a:solidFill>
-                      <a:prstDash val="solid"/>
-                      <a:round/>
-                      <a:headEnd type="none" w="med" len="med"/>
-                      <a:tailEnd type="none" w="med" len="med"/>
-                    </a:lnT>
-                    <a:lnB w="12700" cap="flat" cmpd="sng" algn="ctr">
-                      <a:solidFill>
-                        <a:schemeClr val="tx1"/>
-                      </a:solidFill>
-                      <a:prstDash val="solid"/>
-                      <a:round/>
-                      <a:headEnd type="none" w="med" len="med"/>
-                      <a:tailEnd type="none" w="med" len="med"/>
-                    </a:lnB>
-                    <a:lnTlToBr w="12700" cmpd="sng">
-                      <a:noFill/>
-                      <a:prstDash val="solid"/>
-                    </a:lnTlToBr>
-                    <a:lnBlToTr w="12700" cmpd="sng">
-                      <a:noFill/>
-                      <a:prstDash val="solid"/>
-                    </a:lnBlToTr>
-                  </a:tcPr>
-                </a:tc>
-                <a:tc>
-                  <a:txBody>
-                    <a:bodyPr/>
-                    <a:lstStyle/>
-                    <a:p>
-                      <a:pPr algn="ctr"/>
-                      <a:r>
-                        <a:rPr lang="en-US" dirty="0">
-                          <a:solidFill>
-                            <a:schemeClr val="bg2"/>
-                          </a:solidFill>
-                        </a:rPr>
-                        <a:t>parola123</a:t>
-                      </a:r>
-                    </a:p>
-                  </a:txBody>
-                  <a:tcPr anchor="ctr">
-                    <a:lnL w="12700" cap="flat" cmpd="sng" algn="ctr">
-                      <a:solidFill>
-                        <a:schemeClr val="tx1"/>
-                      </a:solidFill>
-                      <a:prstDash val="solid"/>
-                      <a:round/>
-                      <a:headEnd type="none" w="med" len="med"/>
-                      <a:tailEnd type="none" w="med" len="med"/>
-                    </a:lnL>
-                    <a:lnR w="12700" cap="flat" cmpd="sng" algn="ctr">
-                      <a:solidFill>
-                        <a:schemeClr val="tx1"/>
-                      </a:solidFill>
-                      <a:prstDash val="solid"/>
-                      <a:round/>
-                      <a:headEnd type="none" w="med" len="med"/>
-                      <a:tailEnd type="none" w="med" len="med"/>
-                    </a:lnR>
-                    <a:lnT w="12700" cap="flat" cmpd="sng" algn="ctr">
-                      <a:solidFill>
-                        <a:schemeClr val="tx1"/>
-                      </a:solidFill>
-                      <a:prstDash val="solid"/>
-                      <a:round/>
-                      <a:headEnd type="none" w="med" len="med"/>
-                      <a:tailEnd type="none" w="med" len="med"/>
-                    </a:lnT>
-                    <a:lnB w="12700" cap="flat" cmpd="sng" algn="ctr">
-                      <a:solidFill>
-                        <a:schemeClr val="tx1"/>
-                      </a:solidFill>
-                      <a:prstDash val="solid"/>
-                      <a:round/>
-                      <a:headEnd type="none" w="med" len="med"/>
-                      <a:tailEnd type="none" w="med" len="med"/>
-                    </a:lnB>
-                    <a:lnTlToBr w="12700" cmpd="sng">
-                      <a:noFill/>
-                      <a:prstDash val="solid"/>
-                    </a:lnTlToBr>
-                    <a:lnBlToTr w="12700" cmpd="sng">
-                      <a:noFill/>
-                      <a:prstDash val="solid"/>
-                    </a:lnBlToTr>
-                  </a:tcPr>
-                </a:tc>
-                <a:tc>
-                  <a:txBody>
-                    <a:bodyPr/>
-                    <a:lstStyle/>
-                    <a:p>
-                      <a:pPr algn="ctr"/>
-                      <a:r>
-                        <a:rPr lang="en-US" dirty="0">
-                          <a:solidFill>
-                            <a:schemeClr val="bg2"/>
-                          </a:solidFill>
-                        </a:rPr>
-                        <a:t>Admin</a:t>
-                      </a:r>
-                    </a:p>
-                  </a:txBody>
-                  <a:tcPr anchor="ctr">
-                    <a:lnL w="12700" cap="flat" cmpd="sng" algn="ctr">
-                      <a:solidFill>
-                        <a:schemeClr val="tx1"/>
-                      </a:solidFill>
-                      <a:prstDash val="solid"/>
-                      <a:round/>
-                      <a:headEnd type="none" w="med" len="med"/>
-                      <a:tailEnd type="none" w="med" len="med"/>
-                    </a:lnL>
-                    <a:lnR w="12700" cap="flat" cmpd="sng" algn="ctr">
-                      <a:solidFill>
-                        <a:schemeClr val="tx1"/>
-                      </a:solidFill>
-                      <a:prstDash val="solid"/>
-                      <a:round/>
-                      <a:headEnd type="none" w="med" len="med"/>
-                      <a:tailEnd type="none" w="med" len="med"/>
-                    </a:lnR>
-                    <a:lnT w="12700" cap="flat" cmpd="sng" algn="ctr">
-                      <a:solidFill>
-                        <a:schemeClr val="tx1"/>
-                      </a:solidFill>
-                      <a:prstDash val="solid"/>
-                      <a:round/>
-                      <a:headEnd type="none" w="med" len="med"/>
-                      <a:tailEnd type="none" w="med" len="med"/>
-                    </a:lnT>
-                    <a:lnB w="12700" cap="flat" cmpd="sng" algn="ctr">
-                      <a:solidFill>
-                        <a:schemeClr val="tx1"/>
-                      </a:solidFill>
-                      <a:prstDash val="solid"/>
-                      <a:round/>
-                      <a:headEnd type="none" w="med" len="med"/>
-                      <a:tailEnd type="none" w="med" len="med"/>
-                    </a:lnB>
-                    <a:lnTlToBr w="12700" cmpd="sng">
-                      <a:noFill/>
-                      <a:prstDash val="solid"/>
-                    </a:lnTlToBr>
-                    <a:lnBlToTr w="12700" cmpd="sng">
-                      <a:noFill/>
-                      <a:prstDash val="solid"/>
-                    </a:lnBlToTr>
-                  </a:tcPr>
-                </a:tc>
-                <a:extLst>
-                  <a:ext uri="{0D108BD9-81ED-4DB2-BD59-A6C34878D82A}">
-                    <a16:rowId xmlns:a16="http://schemas.microsoft.com/office/drawing/2014/main" val="3234657244"/>
-                  </a:ext>
-                </a:extLst>
-              </a:tr>
-            </a:tbl>
-          </a:graphicData>
-        </a:graphic>
-      </p:graphicFrame>
+      <p:pic>
+        <p:nvPicPr>
+          <p:cNvPr id="5" name="Picture 4">
+            <a:extLst>
+              <a:ext uri="{FF2B5EF4-FFF2-40B4-BE49-F238E27FC236}">
+                <a16:creationId xmlns:a16="http://schemas.microsoft.com/office/drawing/2014/main" id="{F1FCDD87-ACE9-5AB4-C004-F7667282A5DD}"/>
+              </a:ext>
+            </a:extLst>
+          </p:cNvPr>
+          <p:cNvPicPr>
+            <a:picLocks noChangeAspect="1"/>
+          </p:cNvPicPr>
+          <p:nvPr/>
+        </p:nvPicPr>
+        <p:blipFill rotWithShape="1">
+          <a:blip r:embed="rId2">
+            <a:extLst>
+              <a:ext uri="{28A0092B-C50C-407E-A947-70E740481C1C}">
+                <a14:useLocalDpi xmlns:a14="http://schemas.microsoft.com/office/drawing/2010/main" val="0"/>
+              </a:ext>
+            </a:extLst>
+          </a:blip>
+          <a:srcRect b="36986"/>
+          <a:stretch/>
+        </p:blipFill>
+        <p:spPr>
+          <a:xfrm>
+            <a:off x="7626000" y="1483779"/>
+            <a:ext cx="4127030" cy="4810500"/>
+          </a:xfrm>
+          <a:prstGeom prst="rect">
+            <a:avLst/>
+          </a:prstGeom>
+          <a:ln>
+            <a:solidFill>
+              <a:schemeClr val="bg2">
+                <a:lumMod val="75000"/>
+              </a:schemeClr>
+            </a:solidFill>
+          </a:ln>
+        </p:spPr>
+      </p:pic>
     </p:spTree>
     <p:extLst>
       <p:ext uri="{BB962C8B-B14F-4D97-AF65-F5344CB8AC3E}">
@@ -14130,6 +13545,48 @@
           </a:p>
         </p:txBody>
       </p:sp>
+      <p:pic>
+        <p:nvPicPr>
+          <p:cNvPr id="3" name="Picture 2">
+            <a:extLst>
+              <a:ext uri="{FF2B5EF4-FFF2-40B4-BE49-F238E27FC236}">
+                <a16:creationId xmlns:a16="http://schemas.microsoft.com/office/drawing/2014/main" id="{E4CC1130-B11F-BA16-AECD-56E78AC4E471}"/>
+              </a:ext>
+            </a:extLst>
+          </p:cNvPr>
+          <p:cNvPicPr>
+            <a:picLocks noChangeAspect="1"/>
+          </p:cNvPicPr>
+          <p:nvPr/>
+        </p:nvPicPr>
+        <p:blipFill rotWithShape="1">
+          <a:blip r:embed="rId2">
+            <a:extLst>
+              <a:ext uri="{28A0092B-C50C-407E-A947-70E740481C1C}">
+                <a14:useLocalDpi xmlns:a14="http://schemas.microsoft.com/office/drawing/2010/main" val="0"/>
+              </a:ext>
+            </a:extLst>
+          </a:blip>
+          <a:srcRect t="63230"/>
+          <a:stretch/>
+        </p:blipFill>
+        <p:spPr>
+          <a:xfrm>
+            <a:off x="7355066" y="3699000"/>
+            <a:ext cx="4283382" cy="2913348"/>
+          </a:xfrm>
+          <a:prstGeom prst="rect">
+            <a:avLst/>
+          </a:prstGeom>
+          <a:ln>
+            <a:solidFill>
+              <a:schemeClr val="bg2">
+                <a:lumMod val="75000"/>
+              </a:schemeClr>
+            </a:solidFill>
+          </a:ln>
+        </p:spPr>
+      </p:pic>
     </p:spTree>
     <p:extLst>
       <p:ext uri="{BB962C8B-B14F-4D97-AF65-F5344CB8AC3E}">
@@ -15092,8 +14549,8 @@
         </p:blipFill>
         <p:spPr>
           <a:xfrm>
-            <a:off x="79612" y="2529000"/>
-            <a:ext cx="12032776" cy="2495686"/>
+            <a:off x="161874" y="1719000"/>
+            <a:ext cx="11868251" cy="4250686"/>
           </a:xfrm>
           <a:prstGeom prst="rect">
             <a:avLst/>
@@ -15230,7 +14687,7 @@
           <p:nvPr/>
         </p:nvPicPr>
         <p:blipFill>
-          <a:blip r:embed="rId2" cstate="hqprint">
+          <a:blip r:embed="rId2">
             <a:extLst>
               <a:ext uri="{28A0092B-C50C-407E-A947-70E740481C1C}">
                 <a14:useLocalDpi xmlns:a14="http://schemas.microsoft.com/office/drawing/2010/main" val="0"/>
@@ -15242,8 +14699,8 @@
         </p:blipFill>
         <p:spPr>
           <a:xfrm>
-            <a:off x="284787" y="1627145"/>
-            <a:ext cx="11622425" cy="4233709"/>
+            <a:off x="99486" y="1404000"/>
+            <a:ext cx="11993027" cy="4667436"/>
           </a:xfrm>
           <a:prstGeom prst="rect">
             <a:avLst/>
@@ -15749,11 +15206,11 @@
             </a:r>
             <a:r>
               <a:rPr lang="bg-BG" b="1" dirty="0"/>
-              <a:t>иконки </a:t>
+              <a:t>бутони</a:t>
             </a:r>
             <a:r>
               <a:rPr lang="bg-BG" dirty="0"/>
-              <a:t>за показване на другите форми: </a:t>
+              <a:t> за показване на другите форми: </a:t>
             </a:r>
             <a:r>
               <a:rPr lang="bg-BG" b="1" dirty="0"/>
@@ -15786,19 +15243,11 @@
             </a:r>
             <a:r>
               <a:rPr lang="bg-BG" b="1" dirty="0"/>
-              <a:t>иконки </a:t>
+              <a:t>бутони </a:t>
             </a:r>
             <a:r>
               <a:rPr lang="bg-BG" dirty="0"/>
               <a:t>за показване на другите форми: </a:t>
-            </a:r>
-            <a:r>
-              <a:rPr lang="bg-BG" b="1" dirty="0"/>
-              <a:t>потребители</a:t>
-            </a:r>
-            <a:r>
-              <a:rPr lang="bg-BG" dirty="0"/>
-              <a:t>, </a:t>
             </a:r>
             <a:r>
               <a:rPr lang="bg-BG" b="1" dirty="0"/>
@@ -16646,12 +16095,12 @@
         <p:spPr/>
         <p:txBody>
           <a:bodyPr>
-            <a:normAutofit fontScale="92500" lnSpcReduction="10000"/>
+            <a:normAutofit/>
           </a:bodyPr>
           <a:lstStyle/>
           <a:p>
             <a:r>
-              <a:rPr lang="bg-BG" b="1" dirty="0">
+              <a:rPr lang="bg-BG" sz="3200" b="1" dirty="0">
                 <a:solidFill>
                   <a:schemeClr val="bg1"/>
                 </a:solidFill>
@@ -16659,7 +16108,7 @@
               <a:t>Управление на лекари</a:t>
             </a:r>
             <a:r>
-              <a:rPr lang="en-US" b="1" dirty="0">
+              <a:rPr lang="en-US" sz="3200" b="1" dirty="0">
                 <a:solidFill>
                   <a:schemeClr val="bg1"/>
                 </a:solidFill>
@@ -16667,7 +16116,7 @@
               <a:t> (</a:t>
             </a:r>
             <a:r>
-              <a:rPr lang="bg-BG" b="1" dirty="0">
+              <a:rPr lang="bg-BG" sz="3200" b="1" dirty="0">
                 <a:solidFill>
                   <a:schemeClr val="bg1"/>
                 </a:solidFill>
@@ -16678,73 +16127,89 @@
           <a:p>
             <a:pPr lvl="1"/>
             <a:r>
-              <a:rPr lang="bg-BG" dirty="0"/>
+              <a:rPr lang="bg-BG" sz="3000" dirty="0"/>
               <a:t>Полета за </a:t>
             </a:r>
             <a:r>
-              <a:rPr lang="bg-BG" b="1" dirty="0"/>
+              <a:rPr lang="bg-BG" sz="3000" b="1" dirty="0"/>
               <a:t>име</a:t>
             </a:r>
             <a:r>
-              <a:rPr lang="bg-BG" dirty="0"/>
+              <a:rPr lang="bg-BG" sz="3000" dirty="0"/>
               <a:t>, </a:t>
             </a:r>
             <a:r>
-              <a:rPr lang="bg-BG" b="1" dirty="0"/>
+              <a:rPr lang="bg-BG" sz="3000" b="1" dirty="0"/>
               <a:t>фамилия</a:t>
             </a:r>
             <a:r>
-              <a:rPr lang="bg-BG" dirty="0"/>
+              <a:rPr lang="bg-BG" sz="3000" dirty="0"/>
               <a:t>, </a:t>
             </a:r>
             <a:r>
-              <a:rPr lang="bg-BG" b="1" dirty="0"/>
+              <a:rPr lang="bg-BG" sz="3000" b="1" dirty="0"/>
               <a:t>специалност</a:t>
             </a:r>
             <a:r>
-              <a:rPr lang="bg-BG" dirty="0"/>
+              <a:rPr lang="bg-BG" sz="3000" dirty="0"/>
               <a:t>, </a:t>
             </a:r>
             <a:r>
-              <a:rPr lang="bg-BG" b="1" dirty="0"/>
+              <a:rPr lang="bg-BG" sz="3000" b="1" dirty="0"/>
               <a:t>телефон</a:t>
             </a:r>
-            <a:endParaRPr lang="bg-BG" dirty="0"/>
+            <a:r>
+              <a:rPr lang="bg-BG" sz="3000" dirty="0"/>
+              <a:t>,</a:t>
+            </a:r>
+            <a:r>
+              <a:rPr lang="bg-BG" sz="3000" b="1" dirty="0"/>
+              <a:t> потребителско име</a:t>
+            </a:r>
+            <a:r>
+              <a:rPr lang="bg-BG" sz="3000" dirty="0"/>
+              <a:t>,</a:t>
+            </a:r>
+            <a:r>
+              <a:rPr lang="bg-BG" sz="3000" b="1" dirty="0"/>
+              <a:t> парола</a:t>
+            </a:r>
+            <a:endParaRPr lang="bg-BG" sz="3000" dirty="0"/>
           </a:p>
           <a:p>
             <a:pPr lvl="1"/>
             <a:r>
-              <a:rPr lang="bg-BG" dirty="0"/>
+              <a:rPr lang="bg-BG" sz="3000" dirty="0"/>
               <a:t>Бутони за </a:t>
             </a:r>
             <a:r>
-              <a:rPr lang="bg-BG" b="1" dirty="0"/>
+              <a:rPr lang="bg-BG" sz="3000" b="1" dirty="0"/>
               <a:t>добавян</a:t>
             </a:r>
             <a:r>
-              <a:rPr lang="en-US" b="1" dirty="0"/>
+              <a:rPr lang="en-US" sz="3000" b="1" dirty="0"/>
               <a:t>e</a:t>
             </a:r>
             <a:r>
-              <a:rPr lang="en-US" dirty="0"/>
+              <a:rPr lang="en-US" sz="3000" dirty="0"/>
               <a:t>, </a:t>
             </a:r>
             <a:r>
-              <a:rPr lang="bg-BG" b="1" dirty="0"/>
+              <a:rPr lang="bg-BG" sz="3000" b="1" dirty="0"/>
               <a:t>редактиране</a:t>
             </a:r>
             <a:r>
-              <a:rPr lang="bg-BG" dirty="0"/>
+              <a:rPr lang="bg-BG" sz="3000" dirty="0"/>
               <a:t> и </a:t>
             </a:r>
             <a:r>
-              <a:rPr lang="bg-BG" b="1" dirty="0"/>
+              <a:rPr lang="bg-BG" sz="3000" b="1" dirty="0"/>
               <a:t>изтриване</a:t>
             </a:r>
           </a:p>
           <a:p>
             <a:r>
-              <a:rPr lang="bg-BG" b="1" dirty="0">
+              <a:rPr lang="bg-BG" sz="3200" b="1" dirty="0">
                 <a:solidFill>
                   <a:schemeClr val="bg1"/>
                 </a:solidFill>
@@ -16752,7 +16217,7 @@
               <a:t>Управление на админи</a:t>
             </a:r>
             <a:r>
-              <a:rPr lang="en-US" b="1" dirty="0">
+              <a:rPr lang="en-US" sz="3200" b="1" dirty="0">
                 <a:solidFill>
                   <a:schemeClr val="bg1"/>
                 </a:solidFill>
@@ -16760,14 +16225,14 @@
               <a:t> (</a:t>
             </a:r>
             <a:r>
-              <a:rPr lang="bg-BG" b="1" dirty="0">
+              <a:rPr lang="bg-BG" sz="3200" b="1" dirty="0">
                 <a:solidFill>
                   <a:schemeClr val="bg1"/>
                 </a:solidFill>
               </a:rPr>
               <a:t>за админи)</a:t>
             </a:r>
-            <a:endParaRPr lang="en-US" b="1" dirty="0">
+            <a:endParaRPr lang="en-US" sz="3200" b="1" dirty="0">
               <a:solidFill>
                 <a:schemeClr val="bg1"/>
               </a:solidFill>
@@ -16776,162 +16241,81 @@
           <a:p>
             <a:pPr lvl="1"/>
             <a:r>
-              <a:rPr lang="bg-BG" dirty="0"/>
+              <a:rPr lang="bg-BG" sz="3000" dirty="0"/>
               <a:t>Полета за </a:t>
             </a:r>
             <a:r>
-              <a:rPr lang="bg-BG" b="1" dirty="0"/>
+              <a:rPr lang="bg-BG" sz="3000" b="1" dirty="0"/>
               <a:t>име</a:t>
             </a:r>
             <a:r>
-              <a:rPr lang="bg-BG" dirty="0"/>
+              <a:rPr lang="bg-BG" sz="3000" dirty="0"/>
               <a:t>, </a:t>
             </a:r>
             <a:r>
-              <a:rPr lang="bg-BG" b="1" dirty="0"/>
+              <a:rPr lang="bg-BG" sz="3000" b="1" dirty="0"/>
               <a:t>фамилия</a:t>
             </a:r>
             <a:r>
-              <a:rPr lang="bg-BG" dirty="0"/>
+              <a:rPr lang="bg-BG" sz="3000" dirty="0"/>
               <a:t>, </a:t>
             </a:r>
             <a:r>
-              <a:rPr lang="bg-BG" sz="3200" b="1" dirty="0"/>
+              <a:rPr lang="bg-BG" sz="3000" b="1" dirty="0"/>
               <a:t>телефон, </a:t>
             </a:r>
             <a:r>
-              <a:rPr lang="en-US" sz="3200" b="1" dirty="0"/>
+              <a:rPr lang="en-US" sz="3000" b="1" dirty="0"/>
               <a:t>email</a:t>
             </a:r>
-            <a:endParaRPr lang="bg-BG" dirty="0"/>
+            <a:r>
+              <a:rPr lang="bg-BG" sz="3000" dirty="0"/>
+              <a:t>,</a:t>
+            </a:r>
+            <a:r>
+              <a:rPr lang="bg-BG" sz="3000" b="1" dirty="0"/>
+              <a:t> потребителско име</a:t>
+            </a:r>
+            <a:r>
+              <a:rPr lang="bg-BG" sz="3000" dirty="0"/>
+              <a:t>,</a:t>
+            </a:r>
+            <a:r>
+              <a:rPr lang="bg-BG" sz="3000" b="1" dirty="0"/>
+              <a:t> парола</a:t>
+            </a:r>
+            <a:endParaRPr lang="bg-BG" sz="3000" dirty="0"/>
           </a:p>
           <a:p>
             <a:pPr lvl="1"/>
             <a:r>
-              <a:rPr lang="bg-BG" dirty="0"/>
+              <a:rPr lang="bg-BG" sz="3000" dirty="0"/>
               <a:t>Бутони за </a:t>
             </a:r>
             <a:r>
-              <a:rPr lang="bg-BG" b="1" dirty="0"/>
+              <a:rPr lang="bg-BG" sz="3000" b="1" dirty="0"/>
               <a:t>добавян</a:t>
             </a:r>
             <a:r>
-              <a:rPr lang="en-US" b="1" dirty="0"/>
+              <a:rPr lang="en-US" sz="3000" b="1" dirty="0"/>
               <a:t>e</a:t>
             </a:r>
             <a:r>
-              <a:rPr lang="en-US" dirty="0"/>
+              <a:rPr lang="en-US" sz="3000" dirty="0"/>
               <a:t>, </a:t>
             </a:r>
             <a:r>
-              <a:rPr lang="bg-BG" b="1" dirty="0"/>
+              <a:rPr lang="bg-BG" sz="3000" b="1" dirty="0"/>
               <a:t>редактиране</a:t>
             </a:r>
             <a:r>
-              <a:rPr lang="bg-BG" dirty="0"/>
+              <a:rPr lang="bg-BG" sz="3000" dirty="0"/>
               <a:t> и </a:t>
             </a:r>
             <a:r>
-              <a:rPr lang="bg-BG" b="1" dirty="0"/>
+              <a:rPr lang="bg-BG" sz="3000" b="1" dirty="0"/>
               <a:t>изтриване</a:t>
             </a:r>
-          </a:p>
-          <a:p>
-            <a:r>
-              <a:rPr lang="bg-BG" b="1" dirty="0">
-                <a:solidFill>
-                  <a:schemeClr val="bg1"/>
-                </a:solidFill>
-              </a:rPr>
-              <a:t>Управление на потребители </a:t>
-            </a:r>
-            <a:r>
-              <a:rPr lang="en-US" b="1" dirty="0">
-                <a:solidFill>
-                  <a:schemeClr val="bg1"/>
-                </a:solidFill>
-              </a:rPr>
-              <a:t>(</a:t>
-            </a:r>
-            <a:r>
-              <a:rPr lang="bg-BG" b="1" dirty="0">
-                <a:solidFill>
-                  <a:schemeClr val="bg1"/>
-                </a:solidFill>
-              </a:rPr>
-              <a:t>за админи</a:t>
-            </a:r>
-            <a:r>
-              <a:rPr lang="en-US" b="1" dirty="0">
-                <a:solidFill>
-                  <a:schemeClr val="bg1"/>
-                </a:solidFill>
-              </a:rPr>
-              <a:t>)</a:t>
-            </a:r>
-            <a:endParaRPr lang="bg-BG" b="1" dirty="0">
-              <a:solidFill>
-                <a:schemeClr val="bg1"/>
-              </a:solidFill>
-            </a:endParaRPr>
-          </a:p>
-          <a:p>
-            <a:pPr lvl="1"/>
-            <a:r>
-              <a:rPr lang="bg-BG" dirty="0"/>
-              <a:t>Полета за </a:t>
-            </a:r>
-            <a:r>
-              <a:rPr lang="bg-BG" b="1" dirty="0"/>
-              <a:t>потребителско</a:t>
-            </a:r>
-            <a:r>
-              <a:rPr lang="bg-BG" dirty="0"/>
-              <a:t> </a:t>
-            </a:r>
-            <a:r>
-              <a:rPr lang="bg-BG" b="1" dirty="0"/>
-              <a:t>име</a:t>
-            </a:r>
-            <a:r>
-              <a:rPr lang="bg-BG" dirty="0"/>
-              <a:t> и </a:t>
-            </a:r>
-            <a:r>
-              <a:rPr lang="bg-BG" b="1" dirty="0"/>
-              <a:t>роля</a:t>
-            </a:r>
-          </a:p>
-          <a:p>
-            <a:pPr lvl="1"/>
-            <a:r>
-              <a:rPr lang="bg-BG" dirty="0"/>
-              <a:t>Бутони за </a:t>
-            </a:r>
-            <a:r>
-              <a:rPr lang="bg-BG" b="1" dirty="0"/>
-              <a:t>добавяне</a:t>
-            </a:r>
-            <a:r>
-              <a:rPr lang="bg-BG" dirty="0"/>
-              <a:t>, </a:t>
-            </a:r>
-            <a:r>
-              <a:rPr lang="bg-BG" b="1" dirty="0"/>
-              <a:t>редактиране</a:t>
-            </a:r>
-            <a:r>
-              <a:rPr lang="bg-BG" dirty="0"/>
-              <a:t> и </a:t>
-            </a:r>
-            <a:r>
-              <a:rPr lang="bg-BG" b="1" dirty="0"/>
-              <a:t>изтриване</a:t>
-            </a:r>
-          </a:p>
-          <a:p>
-            <a:pPr lvl="1"/>
-            <a:endParaRPr lang="bg-BG" b="1" dirty="0"/>
           </a:p>
         </p:txBody>
       </p:sp>
@@ -17206,153 +16590,6 @@
                       </p:childTnLst>
                     </p:cTn>
                   </p:par>
-                  <p:par>
-                    <p:cTn id="23" fill="hold">
-                      <p:stCondLst>
-                        <p:cond delay="indefinite"/>
-                      </p:stCondLst>
-                      <p:childTnLst>
-                        <p:par>
-                          <p:cTn id="24" fill="hold">
-                            <p:stCondLst>
-                              <p:cond delay="0"/>
-                            </p:stCondLst>
-                            <p:childTnLst>
-                              <p:par>
-                                <p:cTn id="25" presetID="1" presetClass="entr" presetSubtype="0" fill="hold" nodeType="clickEffect">
-                                  <p:stCondLst>
-                                    <p:cond delay="0"/>
-                                  </p:stCondLst>
-                                  <p:childTnLst>
-                                    <p:set>
-                                      <p:cBhvr>
-                                        <p:cTn id="26" dur="1" fill="hold">
-                                          <p:stCondLst>
-                                            <p:cond delay="0"/>
-                                          </p:stCondLst>
-                                        </p:cTn>
-                                        <p:tgtEl>
-                                          <p:spTgt spid="7">
-                                            <p:txEl>
-                                              <p:pRg st="6" end="6"/>
-                                            </p:txEl>
-                                          </p:spTgt>
-                                        </p:tgtEl>
-                                        <p:attrNameLst>
-                                          <p:attrName>style.visibility</p:attrName>
-                                        </p:attrNameLst>
-                                      </p:cBhvr>
-                                      <p:to>
-                                        <p:strVal val="visible"/>
-                                      </p:to>
-                                    </p:set>
-                                  </p:childTnLst>
-                                </p:cTn>
-                              </p:par>
-                            </p:childTnLst>
-                          </p:cTn>
-                        </p:par>
-                      </p:childTnLst>
-                    </p:cTn>
-                  </p:par>
-                  <p:par>
-                    <p:cTn id="27" fill="hold">
-                      <p:stCondLst>
-                        <p:cond delay="indefinite"/>
-                      </p:stCondLst>
-                      <p:childTnLst>
-                        <p:par>
-                          <p:cTn id="28" fill="hold">
-                            <p:stCondLst>
-                              <p:cond delay="0"/>
-                            </p:stCondLst>
-                            <p:childTnLst>
-                              <p:par>
-                                <p:cTn id="29" presetID="1" presetClass="entr" presetSubtype="0" fill="hold" nodeType="clickEffect">
-                                  <p:stCondLst>
-                                    <p:cond delay="0"/>
-                                  </p:stCondLst>
-                                  <p:childTnLst>
-                                    <p:set>
-                                      <p:cBhvr>
-                                        <p:cTn id="30" dur="1" fill="hold">
-                                          <p:stCondLst>
-                                            <p:cond delay="0"/>
-                                          </p:stCondLst>
-                                        </p:cTn>
-                                        <p:tgtEl>
-                                          <p:spTgt spid="7">
-                                            <p:txEl>
-                                              <p:pRg st="7" end="7"/>
-                                            </p:txEl>
-                                          </p:spTgt>
-                                        </p:tgtEl>
-                                        <p:attrNameLst>
-                                          <p:attrName>style.visibility</p:attrName>
-                                        </p:attrNameLst>
-                                      </p:cBhvr>
-                                      <p:to>
-                                        <p:strVal val="visible"/>
-                                      </p:to>
-                                    </p:set>
-                                  </p:childTnLst>
-                                </p:cTn>
-                              </p:par>
-                            </p:childTnLst>
-                          </p:cTn>
-                        </p:par>
-                      </p:childTnLst>
-                    </p:cTn>
-                  </p:par>
-                  <p:par>
-                    <p:cTn id="31" fill="hold">
-                      <p:stCondLst>
-                        <p:cond delay="indefinite"/>
-                      </p:stCondLst>
-                      <p:childTnLst>
-                        <p:par>
-                          <p:cTn id="32" fill="hold">
-                            <p:stCondLst>
-                              <p:cond delay="0"/>
-                            </p:stCondLst>
-                            <p:childTnLst>
-                              <p:par>
-                                <p:cTn id="33" presetID="1" presetClass="entr" presetSubtype="0" fill="hold" nodeType="clickEffect">
-                                  <p:stCondLst>
-                                    <p:cond delay="0"/>
-                                  </p:stCondLst>
-                                  <p:childTnLst>
-                                    <p:set>
-                                      <p:cBhvr>
-                                        <p:cTn id="34" dur="1" fill="hold">
-                                          <p:stCondLst>
-                                            <p:cond delay="0"/>
-                                          </p:stCondLst>
-                                        </p:cTn>
-                                        <p:tgtEl>
-                                          <p:spTgt spid="7">
-                                            <p:txEl>
-                                              <p:pRg st="8" end="8"/>
-                                            </p:txEl>
-                                          </p:spTgt>
-                                        </p:tgtEl>
-                                        <p:attrNameLst>
-                                          <p:attrName>style.visibility</p:attrName>
-                                        </p:attrNameLst>
-                                      </p:cBhvr>
-                                      <p:to>
-                                        <p:strVal val="visible"/>
-                                      </p:to>
-                                    </p:set>
-                                  </p:childTnLst>
-                                </p:cTn>
-                              </p:par>
-                            </p:childTnLst>
-                          </p:cTn>
-                        </p:par>
-                      </p:childTnLst>
-                    </p:cTn>
-                  </p:par>
                 </p:childTnLst>
               </p:cTn>
               <p:prevCondLst>
@@ -17756,7 +16993,13 @@
       </p:sp>
       <p:pic>
         <p:nvPicPr>
-          <p:cNvPr id="3" name="Picture 2"/>
+          <p:cNvPr id="9" name="Picture 8">
+            <a:extLst>
+              <a:ext uri="{FF2B5EF4-FFF2-40B4-BE49-F238E27FC236}">
+                <a16:creationId xmlns:a16="http://schemas.microsoft.com/office/drawing/2014/main" id="{9D998266-837A-CA2F-B976-939B987EE0DC}"/>
+              </a:ext>
+            </a:extLst>
+          </p:cNvPr>
           <p:cNvPicPr>
             <a:picLocks noChangeAspect="1"/>
           </p:cNvPicPr>
@@ -17770,53 +17013,26 @@
               </a:ext>
             </a:extLst>
           </a:blip>
-          <a:stretch>
-            <a:fillRect/>
-          </a:stretch>
+          <a:srcRect/>
+          <a:stretch/>
         </p:blipFill>
         <p:spPr>
           <a:xfrm>
-            <a:off x="7581000" y="1337543"/>
-            <a:ext cx="3861537" cy="2611636"/>
+            <a:off x="7279658" y="2259000"/>
+            <a:ext cx="4470205" cy="3190950"/>
           </a:xfrm>
           <a:prstGeom prst="rect">
             <a:avLst/>
           </a:prstGeom>
+          <a:ln>
+            <a:solidFill>
+              <a:schemeClr val="bg2">
+                <a:lumMod val="75000"/>
+              </a:schemeClr>
+            </a:solidFill>
+          </a:ln>
         </p:spPr>
       </p:pic>
-      <p:cxnSp>
-        <p:nvCxnSpPr>
-          <p:cNvPr id="6" name="Straight Arrow Connector 5"/>
-          <p:cNvCxnSpPr/>
-          <p:nvPr/>
-        </p:nvCxnSpPr>
-        <p:spPr>
-          <a:xfrm>
-            <a:off x="5016000" y="1674000"/>
-            <a:ext cx="2745000" cy="472260"/>
-          </a:xfrm>
-          <a:prstGeom prst="straightConnector1">
-            <a:avLst/>
-          </a:prstGeom>
-          <a:ln w="76200">
-            <a:tailEnd type="triangle"/>
-          </a:ln>
-        </p:spPr>
-        <p:style>
-          <a:lnRef idx="1">
-            <a:schemeClr val="dk1"/>
-          </a:lnRef>
-          <a:fillRef idx="0">
-            <a:schemeClr val="dk1"/>
-          </a:fillRef>
-          <a:effectRef idx="0">
-            <a:schemeClr val="dk1"/>
-          </a:effectRef>
-          <a:fontRef idx="minor">
-            <a:schemeClr val="tx1"/>
-          </a:fontRef>
-        </p:style>
-      </p:cxnSp>
     </p:spTree>
     <p:extLst>
       <p:ext uri="{BB962C8B-B14F-4D97-AF65-F5344CB8AC3E}">
@@ -18669,7 +17885,7 @@
             </a:r>
             <a:r>
               <a:rPr lang="bg-BG" sz="4400" dirty="0"/>
-              <a:t>(многородово поле), </a:t>
+              <a:t>(многоредово поле), </a:t>
             </a:r>
             <a:r>
               <a:rPr lang="bg-BG" sz="4400" b="1" dirty="0"/>
@@ -19512,6 +18728,48 @@
           </a:p>
         </p:txBody>
       </p:sp>
+      <p:pic>
+        <p:nvPicPr>
+          <p:cNvPr id="3" name="Picture 2">
+            <a:extLst>
+              <a:ext uri="{FF2B5EF4-FFF2-40B4-BE49-F238E27FC236}">
+                <a16:creationId xmlns:a16="http://schemas.microsoft.com/office/drawing/2014/main" id="{96F1E7A7-8DEF-7191-230B-B4EA8A56EBA0}"/>
+              </a:ext>
+            </a:extLst>
+          </p:cNvPr>
+          <p:cNvPicPr>
+            <a:picLocks noChangeAspect="1"/>
+          </p:cNvPicPr>
+          <p:nvPr/>
+        </p:nvPicPr>
+        <p:blipFill>
+          <a:blip r:embed="rId3">
+            <a:extLst>
+              <a:ext uri="{28A0092B-C50C-407E-A947-70E740481C1C}">
+                <a14:useLocalDpi xmlns:a14="http://schemas.microsoft.com/office/drawing/2010/main" val="0"/>
+              </a:ext>
+            </a:extLst>
+          </a:blip>
+          <a:srcRect/>
+          <a:stretch/>
+        </p:blipFill>
+        <p:spPr>
+          <a:xfrm>
+            <a:off x="6096000" y="3159000"/>
+            <a:ext cx="5492925" cy="3160891"/>
+          </a:xfrm>
+          <a:prstGeom prst="rect">
+            <a:avLst/>
+          </a:prstGeom>
+          <a:ln>
+            <a:solidFill>
+              <a:schemeClr val="bg2">
+                <a:lumMod val="75000"/>
+              </a:schemeClr>
+            </a:solidFill>
+          </a:ln>
+        </p:spPr>
+      </p:pic>
     </p:spTree>
     <p:extLst>
       <p:ext uri="{BB962C8B-B14F-4D97-AF65-F5344CB8AC3E}">
@@ -19771,10 +19029,15 @@
             <p:ph type="body" sz="quarter" idx="10"/>
           </p:nvPr>
         </p:nvSpPr>
-        <p:spPr/>
+        <p:spPr>
+          <a:xfrm>
+            <a:off x="190402" y="1196125"/>
+            <a:ext cx="7660598" cy="5528766"/>
+          </a:xfrm>
+        </p:spPr>
         <p:txBody>
           <a:bodyPr>
-            <a:normAutofit fontScale="70000" lnSpcReduction="20000"/>
+            <a:normAutofit fontScale="62500" lnSpcReduction="20000"/>
           </a:bodyPr>
           <a:lstStyle/>
           <a:p>
@@ -19869,6 +19132,22 @@
               <a:rPr lang="bg-BG" b="1" dirty="0"/>
               <a:t>телефон</a:t>
             </a:r>
+            <a:r>
+              <a:rPr lang="bg-BG" dirty="0"/>
+              <a:t>,</a:t>
+            </a:r>
+            <a:r>
+              <a:rPr lang="bg-BG" b="1" dirty="0"/>
+              <a:t> потребителско име</a:t>
+            </a:r>
+            <a:r>
+              <a:rPr lang="bg-BG" dirty="0"/>
+              <a:t>,</a:t>
+            </a:r>
+            <a:r>
+              <a:rPr lang="bg-BG" b="1" dirty="0"/>
+              <a:t> парола</a:t>
+            </a:r>
           </a:p>
           <a:p>
             <a:pPr lvl="1"/>
@@ -19933,6 +19212,22 @@
               <a:rPr lang="bg-BG" b="1" dirty="0"/>
               <a:t>телефон</a:t>
             </a:r>
+            <a:r>
+              <a:rPr lang="bg-BG" dirty="0"/>
+              <a:t>,</a:t>
+            </a:r>
+            <a:r>
+              <a:rPr lang="bg-BG" b="1" dirty="0"/>
+              <a:t> потребителско име</a:t>
+            </a:r>
+            <a:r>
+              <a:rPr lang="bg-BG" dirty="0"/>
+              <a:t>,</a:t>
+            </a:r>
+            <a:r>
+              <a:rPr lang="bg-BG" b="1" dirty="0"/>
+              <a:t> парола</a:t>
+            </a:r>
           </a:p>
           <a:p>
             <a:pPr lvl="1"/>
@@ -20017,6 +19312,48 @@
           </a:p>
         </p:txBody>
       </p:sp>
+      <p:pic>
+        <p:nvPicPr>
+          <p:cNvPr id="3" name="Picture 2">
+            <a:extLst>
+              <a:ext uri="{FF2B5EF4-FFF2-40B4-BE49-F238E27FC236}">
+                <a16:creationId xmlns:a16="http://schemas.microsoft.com/office/drawing/2014/main" id="{5D77976E-2A09-370F-85C8-97D13B40AF47}"/>
+              </a:ext>
+            </a:extLst>
+          </p:cNvPr>
+          <p:cNvPicPr>
+            <a:picLocks noChangeAspect="1"/>
+          </p:cNvPicPr>
+          <p:nvPr/>
+        </p:nvPicPr>
+        <p:blipFill>
+          <a:blip r:embed="rId2">
+            <a:extLst>
+              <a:ext uri="{28A0092B-C50C-407E-A947-70E740481C1C}">
+                <a14:useLocalDpi xmlns:a14="http://schemas.microsoft.com/office/drawing/2010/main" val="0"/>
+              </a:ext>
+            </a:extLst>
+          </a:blip>
+          <a:srcRect/>
+          <a:stretch/>
+        </p:blipFill>
+        <p:spPr>
+          <a:xfrm>
+            <a:off x="7204378" y="1719000"/>
+            <a:ext cx="4554606" cy="4056675"/>
+          </a:xfrm>
+          <a:prstGeom prst="rect">
+            <a:avLst/>
+          </a:prstGeom>
+          <a:ln>
+            <a:solidFill>
+              <a:schemeClr val="bg2">
+                <a:lumMod val="75000"/>
+              </a:schemeClr>
+            </a:solidFill>
+          </a:ln>
+        </p:spPr>
+      </p:pic>
     </p:spTree>
     <p:extLst>
       <p:ext uri="{BB962C8B-B14F-4D97-AF65-F5344CB8AC3E}">
@@ -20670,10 +20007,15 @@
             <p:ph type="body" sz="quarter" idx="10"/>
           </p:nvPr>
         </p:nvSpPr>
-        <p:spPr/>
+        <p:spPr>
+          <a:xfrm>
+            <a:off x="190402" y="1196125"/>
+            <a:ext cx="7247129" cy="5528766"/>
+          </a:xfrm>
+        </p:spPr>
         <p:txBody>
           <a:bodyPr>
-            <a:normAutofit fontScale="70000" lnSpcReduction="20000"/>
+            <a:normAutofit fontScale="62500" lnSpcReduction="20000"/>
           </a:bodyPr>
           <a:lstStyle/>
           <a:p>
@@ -20764,6 +20106,22 @@
               <a:rPr lang="en-US" sz="3200" b="1" dirty="0"/>
               <a:t>email</a:t>
             </a:r>
+            <a:r>
+              <a:rPr lang="bg-BG" dirty="0"/>
+              <a:t>,</a:t>
+            </a:r>
+            <a:r>
+              <a:rPr lang="bg-BG" b="1" dirty="0"/>
+              <a:t> потребителско име</a:t>
+            </a:r>
+            <a:r>
+              <a:rPr lang="bg-BG" dirty="0"/>
+              <a:t>,</a:t>
+            </a:r>
+            <a:r>
+              <a:rPr lang="bg-BG" b="1" dirty="0"/>
+              <a:t> парола</a:t>
+            </a:r>
             <a:endParaRPr lang="bg-BG" sz="3200" b="1" dirty="0"/>
           </a:p>
           <a:p>
@@ -20829,7 +20187,22 @@
               <a:rPr lang="en-US" sz="3200" b="1" dirty="0"/>
               <a:t>email</a:t>
             </a:r>
-            <a:endParaRPr lang="bg-BG" b="1" dirty="0"/>
+            <a:r>
+              <a:rPr lang="bg-BG" dirty="0"/>
+              <a:t>,</a:t>
+            </a:r>
+            <a:r>
+              <a:rPr lang="bg-BG" b="1" dirty="0"/>
+              <a:t> потребителско име</a:t>
+            </a:r>
+            <a:r>
+              <a:rPr lang="bg-BG" dirty="0"/>
+              <a:t>,</a:t>
+            </a:r>
+            <a:r>
+              <a:rPr lang="bg-BG" b="1" dirty="0"/>
+              <a:t> парола</a:t>
+            </a:r>
           </a:p>
           <a:p>
             <a:pPr lvl="1"/>
@@ -20963,6 +20336,48 @@
           </a:p>
         </p:txBody>
       </p:sp>
+      <p:pic>
+        <p:nvPicPr>
+          <p:cNvPr id="5" name="Picture 4">
+            <a:extLst>
+              <a:ext uri="{FF2B5EF4-FFF2-40B4-BE49-F238E27FC236}">
+                <a16:creationId xmlns:a16="http://schemas.microsoft.com/office/drawing/2014/main" id="{F6FE7DB3-A7BB-7B78-0BDC-EF6933534562}"/>
+              </a:ext>
+            </a:extLst>
+          </p:cNvPr>
+          <p:cNvPicPr>
+            <a:picLocks noChangeAspect="1"/>
+          </p:cNvPicPr>
+          <p:nvPr/>
+        </p:nvPicPr>
+        <p:blipFill>
+          <a:blip r:embed="rId2">
+            <a:extLst>
+              <a:ext uri="{28A0092B-C50C-407E-A947-70E740481C1C}">
+                <a14:useLocalDpi xmlns:a14="http://schemas.microsoft.com/office/drawing/2010/main" val="0"/>
+              </a:ext>
+            </a:extLst>
+          </a:blip>
+          <a:srcRect/>
+          <a:stretch/>
+        </p:blipFill>
+        <p:spPr>
+          <a:xfrm>
+            <a:off x="7437531" y="1936614"/>
+            <a:ext cx="4327647" cy="3829898"/>
+          </a:xfrm>
+          <a:prstGeom prst="rect">
+            <a:avLst/>
+          </a:prstGeom>
+          <a:ln>
+            <a:solidFill>
+              <a:schemeClr val="bg2">
+                <a:lumMod val="75000"/>
+              </a:schemeClr>
+            </a:solidFill>
+          </a:ln>
+        </p:spPr>
+      </p:pic>
     </p:spTree>
     <p:extLst>
       <p:ext uri="{BB962C8B-B14F-4D97-AF65-F5344CB8AC3E}">
@@ -21701,928 +21116,6 @@
           <a:chExt cx="0" cy="0"/>
         </a:xfrm>
       </p:grpSpPr>
-      <p:sp>
-        <p:nvSpPr>
-          <p:cNvPr id="2" name="Slide Number Placeholder 1">
-            <a:extLst>
-              <a:ext uri="{FF2B5EF4-FFF2-40B4-BE49-F238E27FC236}">
-                <a16:creationId xmlns:a16="http://schemas.microsoft.com/office/drawing/2014/main" id="{CCAABC86-82E0-F099-701A-D4347B605385}"/>
-              </a:ext>
-            </a:extLst>
-          </p:cNvPr>
-          <p:cNvSpPr>
-            <a:spLocks noGrp="1"/>
-          </p:cNvSpPr>
-          <p:nvPr>
-            <p:ph type="sldNum" sz="quarter" idx="5"/>
-          </p:nvPr>
-        </p:nvSpPr>
-        <p:spPr/>
-        <p:txBody>
-          <a:bodyPr/>
-          <a:lstStyle/>
-          <a:p>
-            <a:fld id="{2BF067CD-8E6B-4360-9AA8-C5DF2A48A6D1}" type="slidenum">
-              <a:rPr lang="en-US" noProof="0" smtClean="0"/>
-              <a:pPr/>
-              <a:t>30</a:t>
-            </a:fld>
-            <a:endParaRPr lang="en-US" noProof="0" dirty="0"/>
-          </a:p>
-        </p:txBody>
-      </p:sp>
-      <p:sp>
-        <p:nvSpPr>
-          <p:cNvPr id="4" name="Title 3">
-            <a:extLst>
-              <a:ext uri="{FF2B5EF4-FFF2-40B4-BE49-F238E27FC236}">
-                <a16:creationId xmlns:a16="http://schemas.microsoft.com/office/drawing/2014/main" id="{67B6A643-676D-3506-B008-B24B36AA34F1}"/>
-              </a:ext>
-            </a:extLst>
-          </p:cNvPr>
-          <p:cNvSpPr>
-            <a:spLocks noGrp="1"/>
-          </p:cNvSpPr>
-          <p:nvPr>
-            <p:ph type="title"/>
-          </p:nvPr>
-        </p:nvSpPr>
-        <p:spPr/>
-        <p:txBody>
-          <a:bodyPr>
-            <a:normAutofit/>
-          </a:bodyPr>
-          <a:lstStyle/>
-          <a:p>
-            <a:r>
-              <a:rPr lang="bg-BG" dirty="0"/>
-              <a:t>Проектиране</a:t>
-            </a:r>
-            <a:r>
-              <a:rPr lang="en-US" dirty="0"/>
-              <a:t>: </a:t>
-            </a:r>
-            <a:r>
-              <a:rPr lang="bg-BG" dirty="0"/>
-              <a:t>дизайн на </a:t>
-            </a:r>
-            <a:r>
-              <a:rPr lang="en-US" dirty="0"/>
-              <a:t>UI </a:t>
-            </a:r>
-            <a:r>
-              <a:rPr lang="bg-BG" dirty="0"/>
-              <a:t>- Потребители</a:t>
-            </a:r>
-            <a:endParaRPr lang="en-BG" dirty="0"/>
-          </a:p>
-        </p:txBody>
-      </p:sp>
-      <p:sp>
-        <p:nvSpPr>
-          <p:cNvPr id="7" name="Text Placeholder 6">
-            <a:extLst>
-              <a:ext uri="{FF2B5EF4-FFF2-40B4-BE49-F238E27FC236}">
-                <a16:creationId xmlns:a16="http://schemas.microsoft.com/office/drawing/2014/main" id="{FBFEFCDD-E454-D1E7-D67F-EE67BB2A7ACE}"/>
-              </a:ext>
-            </a:extLst>
-          </p:cNvPr>
-          <p:cNvSpPr>
-            <a:spLocks noGrp="1"/>
-          </p:cNvSpPr>
-          <p:nvPr>
-            <p:ph type="body" sz="quarter" idx="10"/>
-          </p:nvPr>
-        </p:nvSpPr>
-        <p:spPr/>
-        <p:txBody>
-          <a:bodyPr>
-            <a:normAutofit fontScale="70000" lnSpcReduction="20000"/>
-          </a:bodyPr>
-          <a:lstStyle/>
-          <a:p>
-            <a:r>
-              <a:rPr lang="bg-BG" b="1" dirty="0">
-                <a:solidFill>
-                  <a:schemeClr val="bg1"/>
-                </a:solidFill>
-              </a:rPr>
-              <a:t>Форма за показване на потребители</a:t>
-            </a:r>
-          </a:p>
-          <a:p>
-            <a:pPr lvl="1"/>
-            <a:r>
-              <a:rPr lang="bg-BG" dirty="0"/>
-              <a:t>Таблица с всички </a:t>
-            </a:r>
-            <a:r>
-              <a:rPr lang="bg-BG" b="1" dirty="0"/>
-              <a:t>потребители</a:t>
-            </a:r>
-          </a:p>
-          <a:p>
-            <a:pPr lvl="1"/>
-            <a:r>
-              <a:rPr lang="bg-BG" dirty="0"/>
-              <a:t>Бутони за </a:t>
-            </a:r>
-            <a:r>
-              <a:rPr lang="bg-BG" b="1" dirty="0"/>
-              <a:t>добавяне</a:t>
-            </a:r>
-            <a:r>
-              <a:rPr lang="bg-BG" dirty="0"/>
-              <a:t>, </a:t>
-            </a:r>
-            <a:r>
-              <a:rPr lang="bg-BG" b="1" dirty="0"/>
-              <a:t>редактиране</a:t>
-            </a:r>
-            <a:r>
-              <a:rPr lang="bg-BG" dirty="0"/>
-              <a:t> и </a:t>
-            </a:r>
-            <a:r>
-              <a:rPr lang="bg-BG" b="1" dirty="0"/>
-              <a:t>изтриване</a:t>
-            </a:r>
-          </a:p>
-          <a:p>
-            <a:r>
-              <a:rPr lang="bg-BG" b="1" dirty="0">
-                <a:solidFill>
-                  <a:schemeClr val="bg1"/>
-                </a:solidFill>
-              </a:rPr>
-              <a:t>Форма за добавяне на нов потребител</a:t>
-            </a:r>
-          </a:p>
-          <a:p>
-            <a:pPr lvl="1"/>
-            <a:r>
-              <a:rPr lang="bg-BG" dirty="0"/>
-              <a:t>Полета за </a:t>
-            </a:r>
-            <a:r>
-              <a:rPr lang="bg-BG" b="1" dirty="0"/>
-              <a:t>потребителско име</a:t>
-            </a:r>
-            <a:r>
-              <a:rPr lang="bg-BG" dirty="0"/>
-              <a:t>, </a:t>
-            </a:r>
-            <a:r>
-              <a:rPr lang="bg-BG" b="1" dirty="0"/>
-              <a:t>парола</a:t>
-            </a:r>
-            <a:r>
-              <a:rPr lang="bg-BG" dirty="0"/>
-              <a:t>, </a:t>
-            </a:r>
-            <a:r>
-              <a:rPr lang="bg-BG" b="1" dirty="0"/>
-              <a:t>роля</a:t>
-            </a:r>
-          </a:p>
-          <a:p>
-            <a:pPr lvl="1"/>
-            <a:r>
-              <a:rPr lang="bg-BG" dirty="0"/>
-              <a:t>Бутони за </a:t>
-            </a:r>
-            <a:r>
-              <a:rPr lang="bg-BG" b="1" dirty="0"/>
-              <a:t>добавяне</a:t>
-            </a:r>
-            <a:r>
-              <a:rPr lang="bg-BG" dirty="0"/>
-              <a:t> и </a:t>
-            </a:r>
-            <a:r>
-              <a:rPr lang="bg-BG" b="1" dirty="0"/>
-              <a:t>отказ</a:t>
-            </a:r>
-          </a:p>
-          <a:p>
-            <a:r>
-              <a:rPr lang="bg-BG" b="1" dirty="0">
-                <a:solidFill>
-                  <a:schemeClr val="bg1"/>
-                </a:solidFill>
-              </a:rPr>
-              <a:t>Форма за редактиране на съществуващ потребител</a:t>
-            </a:r>
-          </a:p>
-          <a:p>
-            <a:pPr lvl="1"/>
-            <a:r>
-              <a:rPr lang="bg-BG" dirty="0"/>
-              <a:t>Полета за </a:t>
-            </a:r>
-            <a:r>
-              <a:rPr lang="bg-BG" b="1" dirty="0"/>
-              <a:t>потребителско име</a:t>
-            </a:r>
-            <a:r>
-              <a:rPr lang="bg-BG" dirty="0"/>
-              <a:t>, </a:t>
-            </a:r>
-            <a:r>
-              <a:rPr lang="bg-BG" b="1" dirty="0"/>
-              <a:t>парола</a:t>
-            </a:r>
-            <a:r>
-              <a:rPr lang="bg-BG" dirty="0"/>
-              <a:t>, </a:t>
-            </a:r>
-            <a:r>
-              <a:rPr lang="bg-BG" b="1" dirty="0"/>
-              <a:t>роля</a:t>
-            </a:r>
-          </a:p>
-          <a:p>
-            <a:pPr lvl="1"/>
-            <a:r>
-              <a:rPr lang="bg-BG" dirty="0"/>
-              <a:t>Бутони за </a:t>
-            </a:r>
-            <a:r>
-              <a:rPr lang="bg-BG" b="1" dirty="0"/>
-              <a:t>редактиране</a:t>
-            </a:r>
-            <a:r>
-              <a:rPr lang="bg-BG" dirty="0"/>
-              <a:t> и </a:t>
-            </a:r>
-            <a:r>
-              <a:rPr lang="bg-BG" b="1" dirty="0"/>
-              <a:t>отказ</a:t>
-            </a:r>
-          </a:p>
-          <a:p>
-            <a:r>
-              <a:rPr lang="bg-BG" b="1" dirty="0">
-                <a:solidFill>
-                  <a:schemeClr val="bg1"/>
-                </a:solidFill>
-              </a:rPr>
-              <a:t>Форма за изтриване на съществуващ потребител</a:t>
-            </a:r>
-          </a:p>
-          <a:p>
-            <a:pPr lvl="1"/>
-            <a:r>
-              <a:rPr lang="bg-BG" dirty="0"/>
-              <a:t>Поле за </a:t>
-            </a:r>
-            <a:r>
-              <a:rPr lang="bg-BG" b="1" dirty="0"/>
-              <a:t>потребителско име </a:t>
-            </a:r>
-            <a:r>
-              <a:rPr lang="en-US" dirty="0"/>
-              <a:t>(</a:t>
-            </a:r>
-            <a:r>
-              <a:rPr lang="bg-BG" dirty="0"/>
-              <a:t>само за четене</a:t>
-            </a:r>
-            <a:r>
-              <a:rPr lang="en-US" dirty="0"/>
-              <a:t>)</a:t>
-            </a:r>
-            <a:endParaRPr lang="bg-BG" dirty="0"/>
-          </a:p>
-          <a:p>
-            <a:pPr lvl="1"/>
-            <a:r>
-              <a:rPr lang="bg-BG" dirty="0"/>
-              <a:t>Бутони за </a:t>
-            </a:r>
-            <a:r>
-              <a:rPr lang="bg-BG" b="1" dirty="0"/>
-              <a:t>изтриване</a:t>
-            </a:r>
-            <a:r>
-              <a:rPr lang="bg-BG" dirty="0"/>
-              <a:t> и </a:t>
-            </a:r>
-            <a:r>
-              <a:rPr lang="bg-BG" b="1" dirty="0"/>
-              <a:t>отказ</a:t>
-            </a:r>
-            <a:endParaRPr lang="en-BG" b="1" dirty="0"/>
-          </a:p>
-        </p:txBody>
-      </p:sp>
-    </p:spTree>
-    <p:extLst>
-      <p:ext uri="{BB962C8B-B14F-4D97-AF65-F5344CB8AC3E}">
-        <p14:creationId xmlns:p14="http://schemas.microsoft.com/office/powerpoint/2010/main" val="2226927352"/>
-      </p:ext>
-    </p:extLst>
-  </p:cSld>
-  <p:clrMapOvr>
-    <a:masterClrMapping/>
-  </p:clrMapOvr>
-  <mc:AlternateContent xmlns:mc="http://schemas.openxmlformats.org/markup-compatibility/2006" xmlns:p14="http://schemas.microsoft.com/office/powerpoint/2010/main">
-    <mc:Choice Requires="p14">
-      <p:transition spd="slow" p14:dur="2000" advClick="0" advTm="5000"/>
-    </mc:Choice>
-    <mc:Fallback xmlns="">
-      <p:transition spd="slow" advClick="0" advTm="5000"/>
-    </mc:Fallback>
-  </mc:AlternateContent>
-  <p:timing>
-    <p:tnLst>
-      <p:par>
-        <p:cTn id="1" dur="indefinite" restart="never" nodeType="tmRoot">
-          <p:childTnLst>
-            <p:seq concurrent="1" nextAc="seek">
-              <p:cTn id="2" dur="indefinite" nodeType="mainSeq">
-                <p:childTnLst>
-                  <p:par>
-                    <p:cTn id="3" fill="hold">
-                      <p:stCondLst>
-                        <p:cond delay="indefinite"/>
-                      </p:stCondLst>
-                      <p:childTnLst>
-                        <p:par>
-                          <p:cTn id="4" fill="hold">
-                            <p:stCondLst>
-                              <p:cond delay="0"/>
-                            </p:stCondLst>
-                            <p:childTnLst>
-                              <p:par>
-                                <p:cTn id="5" presetID="1" presetClass="entr" presetSubtype="0" fill="hold" nodeType="clickEffect">
-                                  <p:stCondLst>
-                                    <p:cond delay="0"/>
-                                  </p:stCondLst>
-                                  <p:childTnLst>
-                                    <p:set>
-                                      <p:cBhvr>
-                                        <p:cTn id="6" dur="1" fill="hold">
-                                          <p:stCondLst>
-                                            <p:cond delay="0"/>
-                                          </p:stCondLst>
-                                        </p:cTn>
-                                        <p:tgtEl>
-                                          <p:spTgt spid="7">
-                                            <p:txEl>
-                                              <p:pRg st="1" end="1"/>
-                                            </p:txEl>
-                                          </p:spTgt>
-                                        </p:tgtEl>
-                                        <p:attrNameLst>
-                                          <p:attrName>style.visibility</p:attrName>
-                                        </p:attrNameLst>
-                                      </p:cBhvr>
-                                      <p:to>
-                                        <p:strVal val="visible"/>
-                                      </p:to>
-                                    </p:set>
-                                  </p:childTnLst>
-                                </p:cTn>
-                              </p:par>
-                            </p:childTnLst>
-                          </p:cTn>
-                        </p:par>
-                      </p:childTnLst>
-                    </p:cTn>
-                  </p:par>
-                  <p:par>
-                    <p:cTn id="7" fill="hold">
-                      <p:stCondLst>
-                        <p:cond delay="indefinite"/>
-                      </p:stCondLst>
-                      <p:childTnLst>
-                        <p:par>
-                          <p:cTn id="8" fill="hold">
-                            <p:stCondLst>
-                              <p:cond delay="0"/>
-                            </p:stCondLst>
-                            <p:childTnLst>
-                              <p:par>
-                                <p:cTn id="9" presetID="1" presetClass="entr" presetSubtype="0" fill="hold" nodeType="clickEffect">
-                                  <p:stCondLst>
-                                    <p:cond delay="0"/>
-                                  </p:stCondLst>
-                                  <p:childTnLst>
-                                    <p:set>
-                                      <p:cBhvr>
-                                        <p:cTn id="10" dur="1" fill="hold">
-                                          <p:stCondLst>
-                                            <p:cond delay="0"/>
-                                          </p:stCondLst>
-                                        </p:cTn>
-                                        <p:tgtEl>
-                                          <p:spTgt spid="7">
-                                            <p:txEl>
-                                              <p:pRg st="2" end="2"/>
-                                            </p:txEl>
-                                          </p:spTgt>
-                                        </p:tgtEl>
-                                        <p:attrNameLst>
-                                          <p:attrName>style.visibility</p:attrName>
-                                        </p:attrNameLst>
-                                      </p:cBhvr>
-                                      <p:to>
-                                        <p:strVal val="visible"/>
-                                      </p:to>
-                                    </p:set>
-                                  </p:childTnLst>
-                                </p:cTn>
-                              </p:par>
-                            </p:childTnLst>
-                          </p:cTn>
-                        </p:par>
-                      </p:childTnLst>
-                    </p:cTn>
-                  </p:par>
-                  <p:par>
-                    <p:cTn id="11" fill="hold">
-                      <p:stCondLst>
-                        <p:cond delay="indefinite"/>
-                      </p:stCondLst>
-                      <p:childTnLst>
-                        <p:par>
-                          <p:cTn id="12" fill="hold">
-                            <p:stCondLst>
-                              <p:cond delay="0"/>
-                            </p:stCondLst>
-                            <p:childTnLst>
-                              <p:par>
-                                <p:cTn id="13" presetID="1" presetClass="entr" presetSubtype="0" fill="hold" nodeType="clickEffect">
-                                  <p:stCondLst>
-                                    <p:cond delay="0"/>
-                                  </p:stCondLst>
-                                  <p:childTnLst>
-                                    <p:set>
-                                      <p:cBhvr>
-                                        <p:cTn id="14" dur="1" fill="hold">
-                                          <p:stCondLst>
-                                            <p:cond delay="0"/>
-                                          </p:stCondLst>
-                                        </p:cTn>
-                                        <p:tgtEl>
-                                          <p:spTgt spid="7">
-                                            <p:txEl>
-                                              <p:pRg st="3" end="3"/>
-                                            </p:txEl>
-                                          </p:spTgt>
-                                        </p:tgtEl>
-                                        <p:attrNameLst>
-                                          <p:attrName>style.visibility</p:attrName>
-                                        </p:attrNameLst>
-                                      </p:cBhvr>
-                                      <p:to>
-                                        <p:strVal val="visible"/>
-                                      </p:to>
-                                    </p:set>
-                                  </p:childTnLst>
-                                </p:cTn>
-                              </p:par>
-                            </p:childTnLst>
-                          </p:cTn>
-                        </p:par>
-                      </p:childTnLst>
-                    </p:cTn>
-                  </p:par>
-                  <p:par>
-                    <p:cTn id="15" fill="hold">
-                      <p:stCondLst>
-                        <p:cond delay="indefinite"/>
-                      </p:stCondLst>
-                      <p:childTnLst>
-                        <p:par>
-                          <p:cTn id="16" fill="hold">
-                            <p:stCondLst>
-                              <p:cond delay="0"/>
-                            </p:stCondLst>
-                            <p:childTnLst>
-                              <p:par>
-                                <p:cTn id="17" presetID="1" presetClass="entr" presetSubtype="0" fill="hold" nodeType="clickEffect">
-                                  <p:stCondLst>
-                                    <p:cond delay="0"/>
-                                  </p:stCondLst>
-                                  <p:childTnLst>
-                                    <p:set>
-                                      <p:cBhvr>
-                                        <p:cTn id="18" dur="1" fill="hold">
-                                          <p:stCondLst>
-                                            <p:cond delay="0"/>
-                                          </p:stCondLst>
-                                        </p:cTn>
-                                        <p:tgtEl>
-                                          <p:spTgt spid="7">
-                                            <p:txEl>
-                                              <p:pRg st="4" end="4"/>
-                                            </p:txEl>
-                                          </p:spTgt>
-                                        </p:tgtEl>
-                                        <p:attrNameLst>
-                                          <p:attrName>style.visibility</p:attrName>
-                                        </p:attrNameLst>
-                                      </p:cBhvr>
-                                      <p:to>
-                                        <p:strVal val="visible"/>
-                                      </p:to>
-                                    </p:set>
-                                  </p:childTnLst>
-                                </p:cTn>
-                              </p:par>
-                            </p:childTnLst>
-                          </p:cTn>
-                        </p:par>
-                      </p:childTnLst>
-                    </p:cTn>
-                  </p:par>
-                  <p:par>
-                    <p:cTn id="19" fill="hold">
-                      <p:stCondLst>
-                        <p:cond delay="indefinite"/>
-                      </p:stCondLst>
-                      <p:childTnLst>
-                        <p:par>
-                          <p:cTn id="20" fill="hold">
-                            <p:stCondLst>
-                              <p:cond delay="0"/>
-                            </p:stCondLst>
-                            <p:childTnLst>
-                              <p:par>
-                                <p:cTn id="21" presetID="1" presetClass="entr" presetSubtype="0" fill="hold" nodeType="clickEffect">
-                                  <p:stCondLst>
-                                    <p:cond delay="0"/>
-                                  </p:stCondLst>
-                                  <p:childTnLst>
-                                    <p:set>
-                                      <p:cBhvr>
-                                        <p:cTn id="22" dur="1" fill="hold">
-                                          <p:stCondLst>
-                                            <p:cond delay="0"/>
-                                          </p:stCondLst>
-                                        </p:cTn>
-                                        <p:tgtEl>
-                                          <p:spTgt spid="7">
-                                            <p:txEl>
-                                              <p:pRg st="5" end="5"/>
-                                            </p:txEl>
-                                          </p:spTgt>
-                                        </p:tgtEl>
-                                        <p:attrNameLst>
-                                          <p:attrName>style.visibility</p:attrName>
-                                        </p:attrNameLst>
-                                      </p:cBhvr>
-                                      <p:to>
-                                        <p:strVal val="visible"/>
-                                      </p:to>
-                                    </p:set>
-                                  </p:childTnLst>
-                                </p:cTn>
-                              </p:par>
-                            </p:childTnLst>
-                          </p:cTn>
-                        </p:par>
-                      </p:childTnLst>
-                    </p:cTn>
-                  </p:par>
-                  <p:par>
-                    <p:cTn id="23" fill="hold">
-                      <p:stCondLst>
-                        <p:cond delay="indefinite"/>
-                      </p:stCondLst>
-                      <p:childTnLst>
-                        <p:par>
-                          <p:cTn id="24" fill="hold">
-                            <p:stCondLst>
-                              <p:cond delay="0"/>
-                            </p:stCondLst>
-                            <p:childTnLst>
-                              <p:par>
-                                <p:cTn id="25" presetID="1" presetClass="entr" presetSubtype="0" fill="hold" nodeType="clickEffect">
-                                  <p:stCondLst>
-                                    <p:cond delay="0"/>
-                                  </p:stCondLst>
-                                  <p:childTnLst>
-                                    <p:set>
-                                      <p:cBhvr>
-                                        <p:cTn id="26" dur="1" fill="hold">
-                                          <p:stCondLst>
-                                            <p:cond delay="0"/>
-                                          </p:stCondLst>
-                                        </p:cTn>
-                                        <p:tgtEl>
-                                          <p:spTgt spid="7">
-                                            <p:txEl>
-                                              <p:pRg st="6" end="6"/>
-                                            </p:txEl>
-                                          </p:spTgt>
-                                        </p:tgtEl>
-                                        <p:attrNameLst>
-                                          <p:attrName>style.visibility</p:attrName>
-                                        </p:attrNameLst>
-                                      </p:cBhvr>
-                                      <p:to>
-                                        <p:strVal val="visible"/>
-                                      </p:to>
-                                    </p:set>
-                                  </p:childTnLst>
-                                </p:cTn>
-                              </p:par>
-                            </p:childTnLst>
-                          </p:cTn>
-                        </p:par>
-                      </p:childTnLst>
-                    </p:cTn>
-                  </p:par>
-                  <p:par>
-                    <p:cTn id="27" fill="hold">
-                      <p:stCondLst>
-                        <p:cond delay="indefinite"/>
-                      </p:stCondLst>
-                      <p:childTnLst>
-                        <p:par>
-                          <p:cTn id="28" fill="hold">
-                            <p:stCondLst>
-                              <p:cond delay="0"/>
-                            </p:stCondLst>
-                            <p:childTnLst>
-                              <p:par>
-                                <p:cTn id="29" presetID="1" presetClass="entr" presetSubtype="0" fill="hold" nodeType="clickEffect">
-                                  <p:stCondLst>
-                                    <p:cond delay="0"/>
-                                  </p:stCondLst>
-                                  <p:childTnLst>
-                                    <p:set>
-                                      <p:cBhvr>
-                                        <p:cTn id="30" dur="1" fill="hold">
-                                          <p:stCondLst>
-                                            <p:cond delay="0"/>
-                                          </p:stCondLst>
-                                        </p:cTn>
-                                        <p:tgtEl>
-                                          <p:spTgt spid="7">
-                                            <p:txEl>
-                                              <p:pRg st="7" end="7"/>
-                                            </p:txEl>
-                                          </p:spTgt>
-                                        </p:tgtEl>
-                                        <p:attrNameLst>
-                                          <p:attrName>style.visibility</p:attrName>
-                                        </p:attrNameLst>
-                                      </p:cBhvr>
-                                      <p:to>
-                                        <p:strVal val="visible"/>
-                                      </p:to>
-                                    </p:set>
-                                  </p:childTnLst>
-                                </p:cTn>
-                              </p:par>
-                            </p:childTnLst>
-                          </p:cTn>
-                        </p:par>
-                      </p:childTnLst>
-                    </p:cTn>
-                  </p:par>
-                  <p:par>
-                    <p:cTn id="31" fill="hold">
-                      <p:stCondLst>
-                        <p:cond delay="indefinite"/>
-                      </p:stCondLst>
-                      <p:childTnLst>
-                        <p:par>
-                          <p:cTn id="32" fill="hold">
-                            <p:stCondLst>
-                              <p:cond delay="0"/>
-                            </p:stCondLst>
-                            <p:childTnLst>
-                              <p:par>
-                                <p:cTn id="33" presetID="1" presetClass="entr" presetSubtype="0" fill="hold" nodeType="clickEffect">
-                                  <p:stCondLst>
-                                    <p:cond delay="0"/>
-                                  </p:stCondLst>
-                                  <p:childTnLst>
-                                    <p:set>
-                                      <p:cBhvr>
-                                        <p:cTn id="34" dur="1" fill="hold">
-                                          <p:stCondLst>
-                                            <p:cond delay="0"/>
-                                          </p:stCondLst>
-                                        </p:cTn>
-                                        <p:tgtEl>
-                                          <p:spTgt spid="7">
-                                            <p:txEl>
-                                              <p:pRg st="8" end="8"/>
-                                            </p:txEl>
-                                          </p:spTgt>
-                                        </p:tgtEl>
-                                        <p:attrNameLst>
-                                          <p:attrName>style.visibility</p:attrName>
-                                        </p:attrNameLst>
-                                      </p:cBhvr>
-                                      <p:to>
-                                        <p:strVal val="visible"/>
-                                      </p:to>
-                                    </p:set>
-                                  </p:childTnLst>
-                                </p:cTn>
-                              </p:par>
-                            </p:childTnLst>
-                          </p:cTn>
-                        </p:par>
-                      </p:childTnLst>
-                    </p:cTn>
-                  </p:par>
-                  <p:par>
-                    <p:cTn id="35" fill="hold">
-                      <p:stCondLst>
-                        <p:cond delay="indefinite"/>
-                      </p:stCondLst>
-                      <p:childTnLst>
-                        <p:par>
-                          <p:cTn id="36" fill="hold">
-                            <p:stCondLst>
-                              <p:cond delay="0"/>
-                            </p:stCondLst>
-                            <p:childTnLst>
-                              <p:par>
-                                <p:cTn id="37" presetID="1" presetClass="entr" presetSubtype="0" fill="hold" nodeType="clickEffect">
-                                  <p:stCondLst>
-                                    <p:cond delay="0"/>
-                                  </p:stCondLst>
-                                  <p:childTnLst>
-                                    <p:set>
-                                      <p:cBhvr>
-                                        <p:cTn id="38" dur="1" fill="hold">
-                                          <p:stCondLst>
-                                            <p:cond delay="0"/>
-                                          </p:stCondLst>
-                                        </p:cTn>
-                                        <p:tgtEl>
-                                          <p:spTgt spid="7">
-                                            <p:txEl>
-                                              <p:pRg st="9" end="9"/>
-                                            </p:txEl>
-                                          </p:spTgt>
-                                        </p:tgtEl>
-                                        <p:attrNameLst>
-                                          <p:attrName>style.visibility</p:attrName>
-                                        </p:attrNameLst>
-                                      </p:cBhvr>
-                                      <p:to>
-                                        <p:strVal val="visible"/>
-                                      </p:to>
-                                    </p:set>
-                                  </p:childTnLst>
-                                </p:cTn>
-                              </p:par>
-                            </p:childTnLst>
-                          </p:cTn>
-                        </p:par>
-                      </p:childTnLst>
-                    </p:cTn>
-                  </p:par>
-                  <p:par>
-                    <p:cTn id="39" fill="hold">
-                      <p:stCondLst>
-                        <p:cond delay="indefinite"/>
-                      </p:stCondLst>
-                      <p:childTnLst>
-                        <p:par>
-                          <p:cTn id="40" fill="hold">
-                            <p:stCondLst>
-                              <p:cond delay="0"/>
-                            </p:stCondLst>
-                            <p:childTnLst>
-                              <p:par>
-                                <p:cTn id="41" presetID="1" presetClass="entr" presetSubtype="0" fill="hold" nodeType="clickEffect">
-                                  <p:stCondLst>
-                                    <p:cond delay="0"/>
-                                  </p:stCondLst>
-                                  <p:childTnLst>
-                                    <p:set>
-                                      <p:cBhvr>
-                                        <p:cTn id="42" dur="1" fill="hold">
-                                          <p:stCondLst>
-                                            <p:cond delay="0"/>
-                                          </p:stCondLst>
-                                        </p:cTn>
-                                        <p:tgtEl>
-                                          <p:spTgt spid="7">
-                                            <p:txEl>
-                                              <p:pRg st="10" end="10"/>
-                                            </p:txEl>
-                                          </p:spTgt>
-                                        </p:tgtEl>
-                                        <p:attrNameLst>
-                                          <p:attrName>style.visibility</p:attrName>
-                                        </p:attrNameLst>
-                                      </p:cBhvr>
-                                      <p:to>
-                                        <p:strVal val="visible"/>
-                                      </p:to>
-                                    </p:set>
-                                  </p:childTnLst>
-                                </p:cTn>
-                              </p:par>
-                            </p:childTnLst>
-                          </p:cTn>
-                        </p:par>
-                      </p:childTnLst>
-                    </p:cTn>
-                  </p:par>
-                  <p:par>
-                    <p:cTn id="43" fill="hold">
-                      <p:stCondLst>
-                        <p:cond delay="indefinite"/>
-                      </p:stCondLst>
-                      <p:childTnLst>
-                        <p:par>
-                          <p:cTn id="44" fill="hold">
-                            <p:stCondLst>
-                              <p:cond delay="0"/>
-                            </p:stCondLst>
-                            <p:childTnLst>
-                              <p:par>
-                                <p:cTn id="45" presetID="1" presetClass="entr" presetSubtype="0" fill="hold" nodeType="clickEffect">
-                                  <p:stCondLst>
-                                    <p:cond delay="0"/>
-                                  </p:stCondLst>
-                                  <p:childTnLst>
-                                    <p:set>
-                                      <p:cBhvr>
-                                        <p:cTn id="46" dur="1" fill="hold">
-                                          <p:stCondLst>
-                                            <p:cond delay="0"/>
-                                          </p:stCondLst>
-                                        </p:cTn>
-                                        <p:tgtEl>
-                                          <p:spTgt spid="7">
-                                            <p:txEl>
-                                              <p:pRg st="11" end="11"/>
-                                            </p:txEl>
-                                          </p:spTgt>
-                                        </p:tgtEl>
-                                        <p:attrNameLst>
-                                          <p:attrName>style.visibility</p:attrName>
-                                        </p:attrNameLst>
-                                      </p:cBhvr>
-                                      <p:to>
-                                        <p:strVal val="visible"/>
-                                      </p:to>
-                                    </p:set>
-                                  </p:childTnLst>
-                                </p:cTn>
-                              </p:par>
-                            </p:childTnLst>
-                          </p:cTn>
-                        </p:par>
-                      </p:childTnLst>
-                    </p:cTn>
-                  </p:par>
-                </p:childTnLst>
-              </p:cTn>
-              <p:prevCondLst>
-                <p:cond evt="onPrev" delay="0">
-                  <p:tgtEl>
-                    <p:sldTgt/>
-                  </p:tgtEl>
-                </p:cond>
-              </p:prevCondLst>
-              <p:nextCondLst>
-                <p:cond evt="onNext" delay="0">
-                  <p:tgtEl>
-                    <p:sldTgt/>
-                  </p:tgtEl>
-                </p:cond>
-              </p:nextCondLst>
-            </p:seq>
-          </p:childTnLst>
-        </p:cTn>
-      </p:par>
-    </p:tnLst>
-  </p:timing>
-</p:sld>
-</file>
-
-<file path=ppt/slides/slide31.xml><?xml version="1.0" encoding="utf-8"?>
-<p:sld xmlns:a="http://schemas.openxmlformats.org/drawingml/2006/main" xmlns:r="http://schemas.openxmlformats.org/officeDocument/2006/relationships" xmlns:p="http://schemas.openxmlformats.org/presentationml/2006/main">
-  <p:cSld>
-    <p:spTree>
-      <p:nvGrpSpPr>
-        <p:cNvPr id="1" name=""/>
-        <p:cNvGrpSpPr/>
-        <p:nvPr/>
-      </p:nvGrpSpPr>
-      <p:grpSpPr>
-        <a:xfrm>
-          <a:off x="0" y="0"/>
-          <a:ext cx="0" cy="0"/>
-          <a:chOff x="0" y="0"/>
-          <a:chExt cx="0" cy="0"/>
-        </a:xfrm>
-      </p:grpSpPr>
       <p:grpSp>
         <p:nvGrpSpPr>
           <p:cNvPr id="3" name="Summary Box Group">
@@ -23232,7 +21725,7 @@
             <a:fld id="{2BF067CD-8E6B-4360-9AA8-C5DF2A48A6D1}" type="slidenum">
               <a:rPr lang="en-US" noProof="0" smtClean="0"/>
               <a:pPr/>
-              <a:t>31</a:t>
+              <a:t>30</a:t>
             </a:fld>
             <a:endParaRPr lang="en-US" noProof="0" dirty="0"/>
           </a:p>
@@ -23681,7 +22174,7 @@
 </p:sld>
 </file>
 
-<file path=ppt/slides/slide32.xml><?xml version="1.0" encoding="utf-8"?>
+<file path=ppt/slides/slide31.xml><?xml version="1.0" encoding="utf-8"?>
 <p:sld xmlns:a="http://schemas.openxmlformats.org/drawingml/2006/main" xmlns:r="http://schemas.openxmlformats.org/officeDocument/2006/relationships" xmlns:p="http://schemas.openxmlformats.org/presentationml/2006/main">
   <p:cSld>
     <p:spTree>
@@ -23871,7 +22364,7 @@
 </p:sld>
 </file>
 
-<file path=ppt/slides/slide33.xml><?xml version="1.0" encoding="utf-8"?>
+<file path=ppt/slides/slide32.xml><?xml version="1.0" encoding="utf-8"?>
 <p:sld xmlns:a="http://schemas.openxmlformats.org/drawingml/2006/main" xmlns:r="http://schemas.openxmlformats.org/officeDocument/2006/relationships" xmlns:p="http://schemas.openxmlformats.org/presentationml/2006/main" show="0">
   <p:cSld>
     <p:spTree>
@@ -23924,7 +22417,7 @@
             <a:fld id="{2BF067CD-8E6B-4360-9AA8-C5DF2A48A6D1}" type="slidenum">
               <a:rPr lang="en-US" smtClean="0"/>
               <a:pPr/>
-              <a:t>33</a:t>
+              <a:t>32</a:t>
             </a:fld>
             <a:endParaRPr lang="en-US" dirty="0"/>
           </a:p>

--- a/Courses/Software-Sciences/Module-4-Information-Systems-New/09-Lifecycle-of-Information-System/09-Lifecycle-of-Information-System.pptx
+++ b/Courses/Software-Sciences/Module-4-Information-Systems-New/09-Lifecycle-of-Information-System/09-Lifecycle-of-Information-System.pptx
@@ -336,7 +336,7 @@
           <a:p>
             <a:fld id="{4E087215-0C8F-4762-A664-737A353EC9A4}" type="datetimeFigureOut">
               <a:rPr lang="bg-BG" smtClean="0"/>
-              <a:t>4.11.24 г.</a:t>
+              <a:t>20.11.24 г.</a:t>
             </a:fld>
             <a:endParaRPr lang="bg-BG"/>
           </a:p>
@@ -532,7 +532,7 @@
           <a:p>
             <a:fld id="{72D84649-876A-46C9-8472-14CB09C070D8}" type="datetimeFigureOut">
               <a:rPr lang="en-US" smtClean="0"/>
-              <a:t>11/4/24</a:t>
+              <a:t>11/20/24</a:t>
             </a:fld>
             <a:endParaRPr lang="en-US"/>
           </a:p>
@@ -11877,10 +11877,10 @@
           <a:p>
             <a:pPr lvl="1"/>
             <a:r>
-              <a:rPr lang="en-BG" sz="2800" b="1" dirty="0"/>
+              <a:rPr lang="en-BG" sz="2600" b="1" dirty="0"/>
               <a:t>Лекар (Doctor)</a:t>
             </a:r>
-            <a:endParaRPr lang="en-BG" sz="2800" dirty="0"/>
+            <a:endParaRPr lang="en-BG" sz="2600" dirty="0"/>
           </a:p>
           <a:p>
             <a:pPr lvl="2"/>

--- a/Courses/Software-Sciences/Module-4-Information-Systems-New/09-Lifecycle-of-Information-System/09-Lifecycle-of-Information-System.pptx
+++ b/Courses/Software-Sciences/Module-4-Information-Systems-New/09-Lifecycle-of-Information-System/09-Lifecycle-of-Information-System.pptx
@@ -336,7 +336,7 @@
           <a:p>
             <a:fld id="{4E087215-0C8F-4762-A664-737A353EC9A4}" type="datetimeFigureOut">
               <a:rPr lang="bg-BG" smtClean="0"/>
-              <a:t>20.11.24 г.</a:t>
+              <a:t>2.12.24 г.</a:t>
             </a:fld>
             <a:endParaRPr lang="bg-BG"/>
           </a:p>
@@ -532,7 +532,7 @@
           <a:p>
             <a:fld id="{72D84649-876A-46C9-8472-14CB09C070D8}" type="datetimeFigureOut">
               <a:rPr lang="en-US" smtClean="0"/>
-              <a:t>11/20/24</a:t>
+              <a:t>12/2/24</a:t>
             </a:fld>
             <a:endParaRPr lang="en-US"/>
           </a:p>
@@ -14699,8 +14699,8 @@
         </p:blipFill>
         <p:spPr>
           <a:xfrm>
-            <a:off x="99486" y="1404000"/>
-            <a:ext cx="11993027" cy="4667436"/>
+            <a:off x="124624" y="1269000"/>
+            <a:ext cx="11942752" cy="5085000"/>
           </a:xfrm>
           <a:prstGeom prst="rect">
             <a:avLst/>

--- a/Courses/Software-Sciences/Module-4-Information-Systems-New/09-Lifecycle-of-Information-System/09-Lifecycle-of-Information-System.pptx
+++ b/Courses/Software-Sciences/Module-4-Information-Systems-New/09-Lifecycle-of-Information-System/09-Lifecycle-of-Information-System.pptx
@@ -336,7 +336,7 @@
           <a:p>
             <a:fld id="{4E087215-0C8F-4762-A664-737A353EC9A4}" type="datetimeFigureOut">
               <a:rPr lang="bg-BG" smtClean="0"/>
-              <a:t>2.12.24 г.</a:t>
+              <a:t>6.12.24 г.</a:t>
             </a:fld>
             <a:endParaRPr lang="bg-BG"/>
           </a:p>
@@ -532,7 +532,7 @@
           <a:p>
             <a:fld id="{72D84649-876A-46C9-8472-14CB09C070D8}" type="datetimeFigureOut">
               <a:rPr lang="en-US" smtClean="0"/>
-              <a:t>12/2/24</a:t>
+              <a:t>12/6/24</a:t>
             </a:fld>
             <a:endParaRPr lang="en-US"/>
           </a:p>
@@ -14549,8 +14549,8 @@
         </p:blipFill>
         <p:spPr>
           <a:xfrm>
-            <a:off x="161874" y="1719000"/>
-            <a:ext cx="11868251" cy="4250686"/>
+            <a:off x="960703" y="1144376"/>
+            <a:ext cx="10270593" cy="5612874"/>
           </a:xfrm>
           <a:prstGeom prst="rect">
             <a:avLst/>

--- a/Courses/Software-Sciences/Module-4-Information-Systems-New/09-Lifecycle-of-Information-System/09-Lifecycle-of-Information-System.pptx
+++ b/Courses/Software-Sciences/Module-4-Information-Systems-New/09-Lifecycle-of-Information-System/09-Lifecycle-of-Information-System.pptx
@@ -5,10 +5,10 @@
     <p:sldMasterId id="2147483675" r:id="rId1"/>
   </p:sldMasterIdLst>
   <p:notesMasterIdLst>
-    <p:notesMasterId r:id="rId34"/>
+    <p:notesMasterId r:id="rId37"/>
   </p:notesMasterIdLst>
   <p:handoutMasterIdLst>
-    <p:handoutMasterId r:id="rId35"/>
+    <p:handoutMasterId r:id="rId38"/>
   </p:handoutMasterIdLst>
   <p:sldIdLst>
     <p:sldId id="503" r:id="rId2"/>
@@ -33,16 +33,19 @@
     <p:sldId id="782" r:id="rId21"/>
     <p:sldId id="783" r:id="rId22"/>
     <p:sldId id="779" r:id="rId23"/>
-    <p:sldId id="770" r:id="rId24"/>
+    <p:sldId id="790" r:id="rId24"/>
     <p:sldId id="786" r:id="rId25"/>
     <p:sldId id="768" r:id="rId26"/>
-    <p:sldId id="785" r:id="rId27"/>
-    <p:sldId id="787" r:id="rId28"/>
-    <p:sldId id="776" r:id="rId29"/>
-    <p:sldId id="784" r:id="rId30"/>
-    <p:sldId id="633" r:id="rId31"/>
-    <p:sldId id="504" r:id="rId32"/>
-    <p:sldId id="505" r:id="rId33"/>
+    <p:sldId id="791" r:id="rId27"/>
+    <p:sldId id="785" r:id="rId28"/>
+    <p:sldId id="787" r:id="rId29"/>
+    <p:sldId id="776" r:id="rId30"/>
+    <p:sldId id="792" r:id="rId31"/>
+    <p:sldId id="784" r:id="rId32"/>
+    <p:sldId id="793" r:id="rId33"/>
+    <p:sldId id="633" r:id="rId34"/>
+    <p:sldId id="504" r:id="rId35"/>
+    <p:sldId id="505" r:id="rId36"/>
   </p:sldIdLst>
   <p:sldSz cx="12192000" cy="6858000"/>
   <p:notesSz cx="6858000" cy="9144000"/>
@@ -184,13 +187,16 @@
             <p14:sldId id="782"/>
             <p14:sldId id="783"/>
             <p14:sldId id="779"/>
-            <p14:sldId id="770"/>
+            <p14:sldId id="790"/>
             <p14:sldId id="786"/>
             <p14:sldId id="768"/>
+            <p14:sldId id="791"/>
             <p14:sldId id="785"/>
             <p14:sldId id="787"/>
             <p14:sldId id="776"/>
+            <p14:sldId id="792"/>
             <p14:sldId id="784"/>
+            <p14:sldId id="793"/>
           </p14:sldIdLst>
         </p14:section>
         <p14:section name="Заключение" id="{E19D07F1-86E2-47E9-B2AB-7ADC4F89DC12}">
@@ -336,7 +342,7 @@
           <a:p>
             <a:fld id="{4E087215-0C8F-4762-A664-737A353EC9A4}" type="datetimeFigureOut">
               <a:rPr lang="bg-BG" smtClean="0"/>
-              <a:t>6.12.24 г.</a:t>
+              <a:t>20.12.24 г.</a:t>
             </a:fld>
             <a:endParaRPr lang="bg-BG"/>
           </a:p>
@@ -532,7 +538,7 @@
           <a:p>
             <a:fld id="{72D84649-876A-46C9-8472-14CB09C070D8}" type="datetimeFigureOut">
               <a:rPr lang="en-US" smtClean="0"/>
-              <a:t>12/6/24</a:t>
+              <a:t>12/20/24</a:t>
             </a:fld>
             <a:endParaRPr lang="en-US"/>
           </a:p>
@@ -1025,7 +1031,7 @@
           <a:p>
             <a:fld id="{2BF067CD-8E6B-4360-9AA8-C5DF2A48A6D1}" type="slidenum">
               <a:rPr lang="en-US" smtClean="0"/>
-              <a:t>26</a:t>
+              <a:t>27</a:t>
             </a:fld>
             <a:endParaRPr lang="en-US" dirty="0"/>
           </a:p>
@@ -1146,7 +1152,7 @@
           <a:p>
             <a:fld id="{2BF067CD-8E6B-4360-9AA8-C5DF2A48A6D1}" type="slidenum">
               <a:rPr lang="en-US" smtClean="0"/>
-              <a:t>27</a:t>
+              <a:t>28</a:t>
             </a:fld>
             <a:endParaRPr lang="en-US" dirty="0"/>
           </a:p>
@@ -1374,7 +1380,7 @@
             <a:fld id="{3EBA5BD7-F043-4D1B-AA17-CD412FC534DE}" type="slidenum">
               <a:rPr lang="en-US" smtClean="0"/>
               <a:pPr/>
-              <a:t>30</a:t>
+              <a:t>33</a:t>
             </a:fld>
             <a:endParaRPr lang="en-US" dirty="0"/>
           </a:p>
@@ -1620,7 +1626,7 @@
             <a:fld id="{3EBA5BD7-F043-4D1B-AA17-CD412FC534DE}" type="slidenum">
               <a:rPr lang="en-US" smtClean="0"/>
               <a:pPr/>
-              <a:t>31</a:t>
+              <a:t>34</a:t>
             </a:fld>
             <a:endParaRPr lang="en-US" dirty="0"/>
           </a:p>
@@ -1850,7 +1856,7 @@
             <a:fld id="{3EBA5BD7-F043-4D1B-AA17-CD412FC534DE}" type="slidenum">
               <a:rPr lang="en-US" smtClean="0"/>
               <a:pPr/>
-              <a:t>32</a:t>
+              <a:t>35</a:t>
             </a:fld>
             <a:endParaRPr lang="en-US" dirty="0"/>
           </a:p>
@@ -3302,7 +3308,7 @@
     </p:spTree>
     <p:extLst>
       <p:ext uri="{BB962C8B-B14F-4D97-AF65-F5344CB8AC3E}">
-        <p14:creationId xmlns:p14="http://schemas.microsoft.com/office/powerpoint/2010/main" val="2229360596"/>
+        <p14:creationId xmlns:p14="http://schemas.microsoft.com/office/powerpoint/2010/main" val="1992206085"/>
       </p:ext>
     </p:extLst>
   </p:cSld>
@@ -12555,7 +12561,12 @@
             <p:ph type="body" sz="quarter" idx="10"/>
           </p:nvPr>
         </p:nvSpPr>
-        <p:spPr/>
+        <p:spPr>
+          <a:xfrm>
+            <a:off x="190402" y="1196125"/>
+            <a:ext cx="7435598" cy="5528766"/>
+          </a:xfrm>
+        </p:spPr>
         <p:txBody>
           <a:bodyPr>
             <a:noAutofit/>
@@ -12563,7 +12574,7 @@
           <a:lstStyle/>
           <a:p>
             <a:r>
-              <a:rPr lang="bg-BG" sz="2400" b="1" dirty="0">
+              <a:rPr lang="bg-BG" sz="3000" b="1" dirty="0">
                 <a:solidFill>
                   <a:schemeClr val="bg1"/>
                 </a:solidFill>
@@ -12574,17 +12585,17 @@
           <a:p>
             <a:pPr lvl="1"/>
             <a:r>
-              <a:rPr lang="bg-BG" sz="2000" dirty="0"/>
+              <a:rPr lang="bg-BG" sz="2800" dirty="0"/>
               <a:t>Име на </a:t>
             </a:r>
             <a:r>
-              <a:rPr lang="bg-BG" sz="2000" b="1" dirty="0"/>
+              <a:rPr lang="bg-BG" sz="2800" b="1" dirty="0"/>
               <a:t>роля</a:t>
             </a:r>
           </a:p>
           <a:p>
             <a:r>
-              <a:rPr lang="bg-BG" sz="2400" b="1" dirty="0">
+              <a:rPr lang="bg-BG" sz="3000" b="1" dirty="0">
                 <a:solidFill>
                   <a:schemeClr val="bg1"/>
                 </a:solidFill>
@@ -12595,53 +12606,53 @@
           <a:p>
             <a:pPr lvl="1"/>
             <a:r>
-              <a:rPr lang="bg-BG" sz="2000" b="1" dirty="0"/>
+              <a:rPr lang="bg-BG" sz="2800" b="1" dirty="0"/>
               <a:t>Потребителско име</a:t>
             </a:r>
             <a:r>
-              <a:rPr lang="bg-BG" sz="2000" dirty="0"/>
+              <a:rPr lang="bg-BG" sz="2800" dirty="0"/>
               <a:t>,</a:t>
             </a:r>
             <a:r>
-              <a:rPr lang="bg-BG" sz="2000" b="1" dirty="0"/>
+              <a:rPr lang="bg-BG" sz="2800" b="1" dirty="0"/>
               <a:t> парола </a:t>
             </a:r>
             <a:r>
-              <a:rPr lang="bg-BG" sz="2000" dirty="0"/>
+              <a:rPr lang="bg-BG" sz="2800" dirty="0"/>
               <a:t>(криптирана)</a:t>
             </a:r>
           </a:p>
           <a:p>
             <a:pPr lvl="1"/>
             <a:r>
-              <a:rPr lang="bg-BG" sz="2000" dirty="0"/>
+              <a:rPr lang="bg-BG" sz="2800" dirty="0"/>
               <a:t>Връзка с </a:t>
             </a:r>
             <a:r>
-              <a:rPr lang="bg-BG" sz="2000" b="1" dirty="0"/>
+              <a:rPr lang="bg-BG" sz="2800" b="1" dirty="0"/>
               <a:t>роля</a:t>
             </a:r>
             <a:r>
-              <a:rPr lang="bg-BG" sz="2000" dirty="0"/>
+              <a:rPr lang="bg-BG" sz="2800" dirty="0"/>
               <a:t> </a:t>
             </a:r>
             <a:r>
-              <a:rPr lang="en-US" sz="2000" dirty="0"/>
+              <a:rPr lang="en-US" sz="2800" dirty="0"/>
               <a:t>(</a:t>
             </a:r>
             <a:r>
-              <a:rPr lang="bg-BG" sz="2000" dirty="0"/>
+              <a:rPr lang="bg-BG" sz="2800" dirty="0"/>
               <a:t>потребителят си има роля</a:t>
             </a:r>
             <a:r>
-              <a:rPr lang="en-US" sz="2000" dirty="0"/>
+              <a:rPr lang="en-US" sz="2800" dirty="0"/>
               <a:t>)</a:t>
             </a:r>
-            <a:endParaRPr lang="bg-BG" sz="2200" b="1" dirty="0"/>
-          </a:p>
-          <a:p>
-            <a:r>
-              <a:rPr lang="bg-BG" sz="2400" b="1" dirty="0">
+            <a:endParaRPr lang="bg-BG" sz="2800" b="1" dirty="0"/>
+          </a:p>
+          <a:p>
+            <a:r>
+              <a:rPr lang="bg-BG" sz="3000" b="1" dirty="0">
                 <a:solidFill>
                   <a:schemeClr val="bg1"/>
                 </a:solidFill>
@@ -12652,102 +12663,56 @@
           <a:p>
             <a:pPr lvl="1"/>
             <a:r>
-              <a:rPr lang="bg-BG" sz="2000" b="1" dirty="0"/>
+              <a:rPr lang="bg-BG" sz="2800" b="1" dirty="0"/>
               <a:t>Име</a:t>
             </a:r>
             <a:r>
-              <a:rPr lang="bg-BG" sz="2000" dirty="0"/>
+              <a:rPr lang="bg-BG" sz="2800" dirty="0"/>
               <a:t>, </a:t>
             </a:r>
             <a:r>
-              <a:rPr lang="bg-BG" sz="2000" b="1" dirty="0"/>
+              <a:rPr lang="bg-BG" sz="2800" b="1" dirty="0"/>
               <a:t>фамилия</a:t>
             </a:r>
             <a:r>
-              <a:rPr lang="bg-BG" sz="2000" dirty="0"/>
+              <a:rPr lang="bg-BG" sz="2800" dirty="0"/>
               <a:t>, </a:t>
             </a:r>
             <a:r>
-              <a:rPr lang="bg-BG" sz="2000" b="1" dirty="0"/>
+              <a:rPr lang="bg-BG" sz="2800" b="1" dirty="0"/>
               <a:t>специалност</a:t>
             </a:r>
             <a:r>
-              <a:rPr lang="bg-BG" sz="2000" dirty="0"/>
+              <a:rPr lang="bg-BG" sz="2800" dirty="0"/>
               <a:t>, </a:t>
             </a:r>
             <a:r>
-              <a:rPr lang="bg-BG" sz="2000" b="1" dirty="0"/>
+              <a:rPr lang="bg-BG" sz="2800" b="1" dirty="0"/>
               <a:t>телефон</a:t>
             </a:r>
           </a:p>
           <a:p>
             <a:pPr lvl="1"/>
             <a:r>
-              <a:rPr lang="bg-BG" sz="2000" dirty="0"/>
+              <a:rPr lang="bg-BG" sz="2800" dirty="0"/>
               <a:t>Връзка с </a:t>
             </a:r>
             <a:r>
-              <a:rPr lang="bg-BG" sz="2000" b="1" dirty="0"/>
+              <a:rPr lang="bg-BG" sz="2800" b="1" dirty="0"/>
               <a:t>потребител</a:t>
             </a:r>
             <a:r>
-              <a:rPr lang="en-US" sz="2000" dirty="0"/>
+              <a:rPr lang="en-US" sz="2800" dirty="0"/>
               <a:t> (</a:t>
             </a:r>
             <a:r>
-              <a:rPr lang="bg-BG" sz="2000" dirty="0"/>
-              <a:t>лекарят си има потребител)</a:t>
-            </a:r>
-          </a:p>
-          <a:p>
-            <a:r>
-              <a:rPr lang="bg-BG" sz="2400" b="1" dirty="0">
-                <a:solidFill>
-                  <a:schemeClr val="bg1"/>
-                </a:solidFill>
-              </a:rPr>
-              <a:t>Таблица с администратори</a:t>
-            </a:r>
-          </a:p>
-          <a:p>
-            <a:pPr lvl="1"/>
-            <a:r>
-              <a:rPr lang="bg-BG" sz="2000" b="1" dirty="0"/>
-              <a:t>Име</a:t>
-            </a:r>
-            <a:r>
-              <a:rPr lang="bg-BG" sz="2000" dirty="0"/>
-              <a:t>, </a:t>
-            </a:r>
-            <a:r>
-              <a:rPr lang="bg-BG" sz="2000" b="1" dirty="0"/>
-              <a:t>телефон, </a:t>
-            </a:r>
-            <a:r>
-              <a:rPr lang="en-US" sz="2000" b="1" dirty="0"/>
-              <a:t>email</a:t>
-            </a:r>
-            <a:endParaRPr lang="bg-BG" sz="2000" b="1" dirty="0"/>
-          </a:p>
-          <a:p>
-            <a:pPr lvl="1"/>
-            <a:r>
-              <a:rPr lang="bg-BG" sz="2000" dirty="0"/>
-              <a:t>Връзка с </a:t>
-            </a:r>
-            <a:r>
-              <a:rPr lang="bg-BG" sz="2000" b="1" dirty="0"/>
-              <a:t>потребител</a:t>
-            </a:r>
-            <a:r>
-              <a:rPr lang="en-US" sz="2000" dirty="0"/>
-              <a:t> (</a:t>
-            </a:r>
-            <a:r>
-              <a:rPr lang="bg-BG" sz="2000" dirty="0"/>
-              <a:t>администраторът си има потребител)</a:t>
-            </a:r>
-            <a:endParaRPr lang="bg-BG" sz="2000" b="1" dirty="0"/>
+              <a:rPr lang="bg-BG" sz="2800" dirty="0"/>
+              <a:t>лекарят си има потребит</a:t>
+            </a:r>
+            <a:r>
+              <a:rPr lang="bg-BG" sz="3000" dirty="0"/>
+              <a:t>ел)</a:t>
+            </a:r>
           </a:p>
         </p:txBody>
       </p:sp>
@@ -13162,153 +13127,6 @@
                       </p:childTnLst>
                     </p:cTn>
                   </p:par>
-                  <p:par>
-                    <p:cTn id="31" fill="hold">
-                      <p:stCondLst>
-                        <p:cond delay="indefinite"/>
-                      </p:stCondLst>
-                      <p:childTnLst>
-                        <p:par>
-                          <p:cTn id="32" fill="hold">
-                            <p:stCondLst>
-                              <p:cond delay="0"/>
-                            </p:stCondLst>
-                            <p:childTnLst>
-                              <p:par>
-                                <p:cTn id="33" presetID="1" presetClass="entr" presetSubtype="0" fill="hold" nodeType="clickEffect">
-                                  <p:stCondLst>
-                                    <p:cond delay="0"/>
-                                  </p:stCondLst>
-                                  <p:childTnLst>
-                                    <p:set>
-                                      <p:cBhvr>
-                                        <p:cTn id="34" dur="1" fill="hold">
-                                          <p:stCondLst>
-                                            <p:cond delay="0"/>
-                                          </p:stCondLst>
-                                        </p:cTn>
-                                        <p:tgtEl>
-                                          <p:spTgt spid="7">
-                                            <p:txEl>
-                                              <p:pRg st="8" end="8"/>
-                                            </p:txEl>
-                                          </p:spTgt>
-                                        </p:tgtEl>
-                                        <p:attrNameLst>
-                                          <p:attrName>style.visibility</p:attrName>
-                                        </p:attrNameLst>
-                                      </p:cBhvr>
-                                      <p:to>
-                                        <p:strVal val="visible"/>
-                                      </p:to>
-                                    </p:set>
-                                  </p:childTnLst>
-                                </p:cTn>
-                              </p:par>
-                            </p:childTnLst>
-                          </p:cTn>
-                        </p:par>
-                      </p:childTnLst>
-                    </p:cTn>
-                  </p:par>
-                  <p:par>
-                    <p:cTn id="35" fill="hold">
-                      <p:stCondLst>
-                        <p:cond delay="indefinite"/>
-                      </p:stCondLst>
-                      <p:childTnLst>
-                        <p:par>
-                          <p:cTn id="36" fill="hold">
-                            <p:stCondLst>
-                              <p:cond delay="0"/>
-                            </p:stCondLst>
-                            <p:childTnLst>
-                              <p:par>
-                                <p:cTn id="37" presetID="1" presetClass="entr" presetSubtype="0" fill="hold" nodeType="clickEffect">
-                                  <p:stCondLst>
-                                    <p:cond delay="0"/>
-                                  </p:stCondLst>
-                                  <p:childTnLst>
-                                    <p:set>
-                                      <p:cBhvr>
-                                        <p:cTn id="38" dur="1" fill="hold">
-                                          <p:stCondLst>
-                                            <p:cond delay="0"/>
-                                          </p:stCondLst>
-                                        </p:cTn>
-                                        <p:tgtEl>
-                                          <p:spTgt spid="7">
-                                            <p:txEl>
-                                              <p:pRg st="9" end="9"/>
-                                            </p:txEl>
-                                          </p:spTgt>
-                                        </p:tgtEl>
-                                        <p:attrNameLst>
-                                          <p:attrName>style.visibility</p:attrName>
-                                        </p:attrNameLst>
-                                      </p:cBhvr>
-                                      <p:to>
-                                        <p:strVal val="visible"/>
-                                      </p:to>
-                                    </p:set>
-                                  </p:childTnLst>
-                                </p:cTn>
-                              </p:par>
-                            </p:childTnLst>
-                          </p:cTn>
-                        </p:par>
-                      </p:childTnLst>
-                    </p:cTn>
-                  </p:par>
-                  <p:par>
-                    <p:cTn id="39" fill="hold">
-                      <p:stCondLst>
-                        <p:cond delay="indefinite"/>
-                      </p:stCondLst>
-                      <p:childTnLst>
-                        <p:par>
-                          <p:cTn id="40" fill="hold">
-                            <p:stCondLst>
-                              <p:cond delay="0"/>
-                            </p:stCondLst>
-                            <p:childTnLst>
-                              <p:par>
-                                <p:cTn id="41" presetID="1" presetClass="entr" presetSubtype="0" fill="hold" nodeType="clickEffect">
-                                  <p:stCondLst>
-                                    <p:cond delay="0"/>
-                                  </p:stCondLst>
-                                  <p:childTnLst>
-                                    <p:set>
-                                      <p:cBhvr>
-                                        <p:cTn id="42" dur="1" fill="hold">
-                                          <p:stCondLst>
-                                            <p:cond delay="0"/>
-                                          </p:stCondLst>
-                                        </p:cTn>
-                                        <p:tgtEl>
-                                          <p:spTgt spid="7">
-                                            <p:txEl>
-                                              <p:pRg st="10" end="10"/>
-                                            </p:txEl>
-                                          </p:spTgt>
-                                        </p:tgtEl>
-                                        <p:attrNameLst>
-                                          <p:attrName>style.visibility</p:attrName>
-                                        </p:attrNameLst>
-                                      </p:cBhvr>
-                                      <p:to>
-                                        <p:strVal val="visible"/>
-                                      </p:to>
-                                    </p:set>
-                                  </p:childTnLst>
-                                </p:cTn>
-                              </p:par>
-                            </p:childTnLst>
-                          </p:cTn>
-                        </p:par>
-                      </p:childTnLst>
-                    </p:cTn>
-                  </p:par>
                 </p:childTnLst>
               </p:cTn>
               <p:prevCondLst>
@@ -13440,7 +13258,12 @@
             <p:ph type="body" sz="quarter" idx="10"/>
           </p:nvPr>
         </p:nvSpPr>
-        <p:spPr/>
+        <p:spPr>
+          <a:xfrm>
+            <a:off x="190402" y="1196125"/>
+            <a:ext cx="9865598" cy="5528766"/>
+          </a:xfrm>
+        </p:spPr>
         <p:txBody>
           <a:bodyPr>
             <a:noAutofit/>
@@ -13448,7 +13271,61 @@
           <a:lstStyle/>
           <a:p>
             <a:r>
-              <a:rPr lang="bg-BG" sz="2400" b="1" dirty="0">
+              <a:rPr lang="bg-BG" sz="3000" b="1" dirty="0">
+                <a:solidFill>
+                  <a:schemeClr val="bg1"/>
+                </a:solidFill>
+              </a:rPr>
+              <a:t>Таблица с администратори</a:t>
+            </a:r>
+          </a:p>
+          <a:p>
+            <a:pPr lvl="1"/>
+            <a:r>
+              <a:rPr lang="bg-BG" sz="2800" b="1" dirty="0"/>
+              <a:t>Име</a:t>
+            </a:r>
+            <a:r>
+              <a:rPr lang="bg-BG" sz="2800" dirty="0"/>
+              <a:t>, </a:t>
+            </a:r>
+            <a:r>
+              <a:rPr lang="bg-BG" sz="2800" b="1" dirty="0"/>
+              <a:t>телефон, </a:t>
+            </a:r>
+            <a:r>
+              <a:rPr lang="en-US" sz="2800" b="1" dirty="0"/>
+              <a:t>email</a:t>
+            </a:r>
+            <a:endParaRPr lang="bg-BG" sz="2800" b="1" dirty="0"/>
+          </a:p>
+          <a:p>
+            <a:pPr lvl="1"/>
+            <a:r>
+              <a:rPr lang="bg-BG" sz="2800" dirty="0"/>
+              <a:t>Връзка с </a:t>
+            </a:r>
+            <a:r>
+              <a:rPr lang="bg-BG" sz="2800" b="1" dirty="0"/>
+              <a:t>потребител</a:t>
+            </a:r>
+            <a:r>
+              <a:rPr lang="en-US" sz="2800" dirty="0"/>
+              <a:t> (</a:t>
+            </a:r>
+            <a:r>
+              <a:rPr lang="bg-BG" sz="2800" dirty="0"/>
+              <a:t>админът си има потребител)</a:t>
+            </a:r>
+            <a:endParaRPr lang="en-US" sz="2800" b="1" dirty="0">
+              <a:solidFill>
+                <a:schemeClr val="bg1"/>
+              </a:solidFill>
+            </a:endParaRPr>
+          </a:p>
+          <a:p>
+            <a:r>
+              <a:rPr lang="bg-BG" sz="3000" b="1" dirty="0">
                 <a:solidFill>
                   <a:schemeClr val="bg1"/>
                 </a:solidFill>
@@ -13459,45 +13336,45 @@
           <a:p>
             <a:pPr lvl="1"/>
             <a:r>
-              <a:rPr lang="bg-BG" sz="2000" b="1" dirty="0"/>
+              <a:rPr lang="bg-BG" sz="2800" b="1" dirty="0"/>
               <a:t>Име</a:t>
             </a:r>
             <a:r>
-              <a:rPr lang="bg-BG" sz="2000" dirty="0"/>
+              <a:rPr lang="bg-BG" sz="2800" dirty="0"/>
               <a:t>, </a:t>
             </a:r>
             <a:r>
-              <a:rPr lang="bg-BG" sz="2000" b="1" dirty="0"/>
+              <a:rPr lang="bg-BG" sz="2800" b="1" dirty="0"/>
               <a:t>фамилия</a:t>
             </a:r>
             <a:r>
-              <a:rPr lang="bg-BG" sz="2000" dirty="0"/>
+              <a:rPr lang="bg-BG" sz="2800" dirty="0"/>
               <a:t>, </a:t>
             </a:r>
             <a:r>
-              <a:rPr lang="bg-BG" sz="2000" b="1" dirty="0"/>
+              <a:rPr lang="bg-BG" sz="2800" b="1" dirty="0"/>
               <a:t>ЕГН</a:t>
             </a:r>
             <a:r>
-              <a:rPr lang="bg-BG" sz="2000" dirty="0"/>
+              <a:rPr lang="bg-BG" sz="2800" dirty="0"/>
               <a:t>, </a:t>
             </a:r>
             <a:r>
-              <a:rPr lang="bg-BG" sz="2000" b="1" dirty="0"/>
+              <a:rPr lang="bg-BG" sz="2800" b="1" dirty="0"/>
               <a:t>пол</a:t>
             </a:r>
             <a:r>
-              <a:rPr lang="bg-BG" sz="2000" dirty="0"/>
+              <a:rPr lang="bg-BG" sz="2800" dirty="0"/>
               <a:t>, </a:t>
             </a:r>
             <a:r>
-              <a:rPr lang="bg-BG" sz="2000" b="1" dirty="0"/>
+              <a:rPr lang="bg-BG" sz="2800" b="1" dirty="0"/>
               <a:t>телефон</a:t>
             </a:r>
           </a:p>
           <a:p>
             <a:r>
-              <a:rPr lang="bg-BG" sz="2400" b="1" dirty="0">
+              <a:rPr lang="bg-BG" sz="3000" b="1" dirty="0">
                 <a:solidFill>
                   <a:schemeClr val="bg1"/>
                 </a:solidFill>
@@ -13508,39 +13385,43 @@
           <a:p>
             <a:pPr lvl="1"/>
             <a:r>
-              <a:rPr lang="bg-BG" sz="2000" b="1" dirty="0"/>
+              <a:rPr lang="bg-BG" sz="2800" b="1" dirty="0"/>
               <a:t>Дата</a:t>
             </a:r>
             <a:r>
-              <a:rPr lang="bg-BG" sz="2000" dirty="0"/>
+              <a:rPr lang="bg-BG" sz="2800" dirty="0"/>
               <a:t>, </a:t>
             </a:r>
             <a:r>
-              <a:rPr lang="bg-BG" sz="2000" b="1" dirty="0"/>
+              <a:rPr lang="bg-BG" sz="2800" b="1" dirty="0"/>
               <a:t>състояние, лечение</a:t>
             </a:r>
           </a:p>
           <a:p>
             <a:pPr lvl="1"/>
             <a:r>
-              <a:rPr lang="bg-BG" sz="2000" dirty="0"/>
+              <a:rPr lang="bg-BG" sz="2800" dirty="0"/>
               <a:t>Връзка с </a:t>
             </a:r>
             <a:r>
-              <a:rPr lang="bg-BG" sz="2000" b="1" dirty="0"/>
+              <a:rPr lang="bg-BG" sz="2800" b="1" dirty="0"/>
               <a:t>пациент</a:t>
             </a:r>
             <a:r>
-              <a:rPr lang="bg-BG" sz="2000" dirty="0"/>
+              <a:rPr lang="bg-BG" sz="2800" dirty="0"/>
               <a:t> и </a:t>
             </a:r>
             <a:r>
-              <a:rPr lang="bg-BG" sz="2000" b="1" dirty="0"/>
+              <a:rPr lang="bg-BG" sz="2800" b="1" dirty="0"/>
               <a:t>лекар</a:t>
             </a:r>
             <a:r>
-              <a:rPr lang="bg-BG" sz="2000" dirty="0"/>
-              <a:t> (прегледът си има пациент и лекар)</a:t>
+              <a:rPr lang="bg-BG" sz="2800" dirty="0"/>
+              <a:t> (прегледът си има пациент </a:t>
+            </a:r>
+            <a:r>
+              <a:rPr lang="bg-BG" sz="3000" dirty="0"/>
+              <a:t>и лекар)</a:t>
             </a:r>
           </a:p>
         </p:txBody>
@@ -13572,8 +13453,8 @@
         </p:blipFill>
         <p:spPr>
           <a:xfrm>
-            <a:off x="7355066" y="3699000"/>
-            <a:ext cx="4283382" cy="2913348"/>
+            <a:off x="7851286" y="2889000"/>
+            <a:ext cx="3903544" cy="2655000"/>
           </a:xfrm>
           <a:prstGeom prst="rect">
             <a:avLst/>
@@ -13739,7 +13620,7 @@
                                         <p:tgtEl>
                                           <p:spTgt spid="7">
                                             <p:txEl>
-                                              <p:pRg st="3" end="3"/>
+                                              <p:pRg st="4" end="4"/>
                                             </p:txEl>
                                           </p:spTgt>
                                         </p:tgtEl>
@@ -13788,7 +13669,105 @@
                                         <p:tgtEl>
                                           <p:spTgt spid="7">
                                             <p:txEl>
-                                              <p:pRg st="4" end="4"/>
+                                              <p:pRg st="5" end="5"/>
+                                            </p:txEl>
+                                          </p:spTgt>
+                                        </p:tgtEl>
+                                        <p:attrNameLst>
+                                          <p:attrName>style.visibility</p:attrName>
+                                        </p:attrNameLst>
+                                      </p:cBhvr>
+                                      <p:to>
+                                        <p:strVal val="visible"/>
+                                      </p:to>
+                                    </p:set>
+                                  </p:childTnLst>
+                                </p:cTn>
+                              </p:par>
+                            </p:childTnLst>
+                          </p:cTn>
+                        </p:par>
+                      </p:childTnLst>
+                    </p:cTn>
+                  </p:par>
+                  <p:par>
+                    <p:cTn id="19" fill="hold">
+                      <p:stCondLst>
+                        <p:cond delay="indefinite"/>
+                      </p:stCondLst>
+                      <p:childTnLst>
+                        <p:par>
+                          <p:cTn id="20" fill="hold">
+                            <p:stCondLst>
+                              <p:cond delay="0"/>
+                            </p:stCondLst>
+                            <p:childTnLst>
+                              <p:par>
+                                <p:cTn id="21" presetID="1" presetClass="entr" presetSubtype="0" fill="hold" nodeType="clickEffect">
+                                  <p:stCondLst>
+                                    <p:cond delay="0"/>
+                                  </p:stCondLst>
+                                  <p:childTnLst>
+                                    <p:set>
+                                      <p:cBhvr>
+                                        <p:cTn id="22" dur="1" fill="hold">
+                                          <p:stCondLst>
+                                            <p:cond delay="0"/>
+                                          </p:stCondLst>
+                                        </p:cTn>
+                                        <p:tgtEl>
+                                          <p:spTgt spid="7">
+                                            <p:txEl>
+                                              <p:pRg st="6" end="6"/>
+                                            </p:txEl>
+                                          </p:spTgt>
+                                        </p:tgtEl>
+                                        <p:attrNameLst>
+                                          <p:attrName>style.visibility</p:attrName>
+                                        </p:attrNameLst>
+                                      </p:cBhvr>
+                                      <p:to>
+                                        <p:strVal val="visible"/>
+                                      </p:to>
+                                    </p:set>
+                                  </p:childTnLst>
+                                </p:cTn>
+                              </p:par>
+                            </p:childTnLst>
+                          </p:cTn>
+                        </p:par>
+                      </p:childTnLst>
+                    </p:cTn>
+                  </p:par>
+                  <p:par>
+                    <p:cTn id="23" fill="hold">
+                      <p:stCondLst>
+                        <p:cond delay="indefinite"/>
+                      </p:stCondLst>
+                      <p:childTnLst>
+                        <p:par>
+                          <p:cTn id="24" fill="hold">
+                            <p:stCondLst>
+                              <p:cond delay="0"/>
+                            </p:stCondLst>
+                            <p:childTnLst>
+                              <p:par>
+                                <p:cTn id="25" presetID="1" presetClass="entr" presetSubtype="0" fill="hold" nodeType="clickEffect">
+                                  <p:stCondLst>
+                                    <p:cond delay="0"/>
+                                  </p:stCondLst>
+                                  <p:childTnLst>
+                                    <p:set>
+                                      <p:cBhvr>
+                                        <p:cTn id="26" dur="1" fill="hold">
+                                          <p:stCondLst>
+                                            <p:cond delay="0"/>
+                                          </p:stCondLst>
+                                        </p:cTn>
+                                        <p:tgtEl>
+                                          <p:spTgt spid="7">
+                                            <p:txEl>
+                                              <p:pRg st="7" end="7"/>
                                             </p:txEl>
                                           </p:spTgt>
                                         </p:tgtEl>
@@ -15185,7 +15164,7 @@
         <p:spPr/>
         <p:txBody>
           <a:bodyPr>
-            <a:normAutofit fontScale="70000" lnSpcReduction="20000"/>
+            <a:normAutofit fontScale="92500" lnSpcReduction="20000"/>
           </a:bodyPr>
           <a:lstStyle/>
           <a:p>
@@ -15370,104 +15349,23 @@
             </a:r>
             <a:endParaRPr lang="en-US" b="1" dirty="0"/>
           </a:p>
-          <a:p>
-            <a:r>
-              <a:rPr lang="bg-BG" b="1" dirty="0">
-                <a:solidFill>
-                  <a:schemeClr val="bg1"/>
-                </a:solidFill>
-              </a:rPr>
-              <a:t>Управление на прегледи</a:t>
-            </a:r>
-          </a:p>
-          <a:p>
-            <a:pPr lvl="1"/>
-            <a:r>
-              <a:rPr lang="bg-BG" dirty="0"/>
-              <a:t>Полета за </a:t>
-            </a:r>
-            <a:r>
-              <a:rPr lang="bg-BG" b="1" dirty="0"/>
-              <a:t>дата</a:t>
-            </a:r>
-            <a:r>
-              <a:rPr lang="bg-BG" dirty="0"/>
-              <a:t>, </a:t>
-            </a:r>
-            <a:r>
-              <a:rPr lang="bg-BG" b="1" dirty="0"/>
-              <a:t>име</a:t>
-            </a:r>
-            <a:r>
-              <a:rPr lang="bg-BG" dirty="0"/>
-              <a:t> и </a:t>
-            </a:r>
-            <a:r>
-              <a:rPr lang="bg-BG" b="1" dirty="0"/>
-              <a:t>фамилия</a:t>
-            </a:r>
-            <a:r>
-              <a:rPr lang="bg-BG" dirty="0"/>
-              <a:t> на </a:t>
-            </a:r>
-            <a:r>
-              <a:rPr lang="bg-BG" b="1" dirty="0"/>
-              <a:t>лекар</a:t>
-            </a:r>
-            <a:r>
-              <a:rPr lang="bg-BG" dirty="0"/>
-              <a:t>, </a:t>
-            </a:r>
-            <a:r>
-              <a:rPr lang="bg-BG" b="1" dirty="0"/>
-              <a:t>състояние, лечение</a:t>
-            </a:r>
-            <a:endParaRPr lang="bg-BG" dirty="0"/>
-          </a:p>
-          <a:p>
-            <a:pPr lvl="1"/>
-            <a:r>
-              <a:rPr lang="bg-BG" dirty="0"/>
-              <a:t>Бутони за </a:t>
-            </a:r>
-            <a:r>
-              <a:rPr lang="bg-BG" b="1" dirty="0"/>
-              <a:t>добавяне</a:t>
-            </a:r>
-            <a:r>
-              <a:rPr lang="bg-BG" dirty="0"/>
-              <a:t>, </a:t>
-            </a:r>
-            <a:r>
-              <a:rPr lang="bg-BG" b="1" dirty="0"/>
-              <a:t>редактиране</a:t>
-            </a:r>
-            <a:r>
-              <a:rPr lang="bg-BG" dirty="0"/>
-              <a:t> и </a:t>
-            </a:r>
-            <a:r>
-              <a:rPr lang="bg-BG" b="1" dirty="0"/>
-              <a:t>изтриване</a:t>
-            </a:r>
-          </a:p>
         </p:txBody>
       </p:sp>
     </p:spTree>
     <p:extLst>
       <p:ext uri="{BB962C8B-B14F-4D97-AF65-F5344CB8AC3E}">
-        <p14:creationId xmlns:p14="http://schemas.microsoft.com/office/powerpoint/2010/main" val="1951808226"/>
+        <p14:creationId xmlns:p14="http://schemas.microsoft.com/office/powerpoint/2010/main" val="3425910991"/>
       </p:ext>
     </p:extLst>
   </p:cSld>
   <p:clrMapOvr>
     <a:masterClrMapping/>
   </p:clrMapOvr>
-  <mc:AlternateContent xmlns:mc="http://schemas.openxmlformats.org/markup-compatibility/2006" xmlns:p14="http://schemas.microsoft.com/office/powerpoint/2010/main">
-    <mc:Choice Requires="p14">
+  <mc:AlternateContent xmlns:mc="http://schemas.openxmlformats.org/markup-compatibility/2006">
+    <mc:Choice xmlns:p14="http://schemas.microsoft.com/office/powerpoint/2010/main" Requires="p14">
       <p:transition spd="slow" p14:dur="2000" advClick="0" advTm="5000"/>
     </mc:Choice>
-    <mc:Fallback xmlns="">
+    <mc:Fallback>
       <p:transition spd="slow" advClick="0" advTm="5000"/>
     </mc:Fallback>
   </mc:AlternateContent>
@@ -15822,153 +15720,6 @@
                       </p:childTnLst>
                     </p:cTn>
                   </p:par>
-                  <p:par>
-                    <p:cTn id="31" fill="hold">
-                      <p:stCondLst>
-                        <p:cond delay="indefinite"/>
-                      </p:stCondLst>
-                      <p:childTnLst>
-                        <p:par>
-                          <p:cTn id="32" fill="hold">
-                            <p:stCondLst>
-                              <p:cond delay="0"/>
-                            </p:stCondLst>
-                            <p:childTnLst>
-                              <p:par>
-                                <p:cTn id="33" presetID="1" presetClass="entr" presetSubtype="0" fill="hold" nodeType="clickEffect">
-                                  <p:stCondLst>
-                                    <p:cond delay="0"/>
-                                  </p:stCondLst>
-                                  <p:childTnLst>
-                                    <p:set>
-                                      <p:cBhvr>
-                                        <p:cTn id="34" dur="1" fill="hold">
-                                          <p:stCondLst>
-                                            <p:cond delay="0"/>
-                                          </p:stCondLst>
-                                        </p:cTn>
-                                        <p:tgtEl>
-                                          <p:spTgt spid="7">
-                                            <p:txEl>
-                                              <p:pRg st="8" end="8"/>
-                                            </p:txEl>
-                                          </p:spTgt>
-                                        </p:tgtEl>
-                                        <p:attrNameLst>
-                                          <p:attrName>style.visibility</p:attrName>
-                                        </p:attrNameLst>
-                                      </p:cBhvr>
-                                      <p:to>
-                                        <p:strVal val="visible"/>
-                                      </p:to>
-                                    </p:set>
-                                  </p:childTnLst>
-                                </p:cTn>
-                              </p:par>
-                            </p:childTnLst>
-                          </p:cTn>
-                        </p:par>
-                      </p:childTnLst>
-                    </p:cTn>
-                  </p:par>
-                  <p:par>
-                    <p:cTn id="35" fill="hold">
-                      <p:stCondLst>
-                        <p:cond delay="indefinite"/>
-                      </p:stCondLst>
-                      <p:childTnLst>
-                        <p:par>
-                          <p:cTn id="36" fill="hold">
-                            <p:stCondLst>
-                              <p:cond delay="0"/>
-                            </p:stCondLst>
-                            <p:childTnLst>
-                              <p:par>
-                                <p:cTn id="37" presetID="1" presetClass="entr" presetSubtype="0" fill="hold" nodeType="clickEffect">
-                                  <p:stCondLst>
-                                    <p:cond delay="0"/>
-                                  </p:stCondLst>
-                                  <p:childTnLst>
-                                    <p:set>
-                                      <p:cBhvr>
-                                        <p:cTn id="38" dur="1" fill="hold">
-                                          <p:stCondLst>
-                                            <p:cond delay="0"/>
-                                          </p:stCondLst>
-                                        </p:cTn>
-                                        <p:tgtEl>
-                                          <p:spTgt spid="7">
-                                            <p:txEl>
-                                              <p:pRg st="9" end="9"/>
-                                            </p:txEl>
-                                          </p:spTgt>
-                                        </p:tgtEl>
-                                        <p:attrNameLst>
-                                          <p:attrName>style.visibility</p:attrName>
-                                        </p:attrNameLst>
-                                      </p:cBhvr>
-                                      <p:to>
-                                        <p:strVal val="visible"/>
-                                      </p:to>
-                                    </p:set>
-                                  </p:childTnLst>
-                                </p:cTn>
-                              </p:par>
-                            </p:childTnLst>
-                          </p:cTn>
-                        </p:par>
-                      </p:childTnLst>
-                    </p:cTn>
-                  </p:par>
-                  <p:par>
-                    <p:cTn id="39" fill="hold">
-                      <p:stCondLst>
-                        <p:cond delay="indefinite"/>
-                      </p:stCondLst>
-                      <p:childTnLst>
-                        <p:par>
-                          <p:cTn id="40" fill="hold">
-                            <p:stCondLst>
-                              <p:cond delay="0"/>
-                            </p:stCondLst>
-                            <p:childTnLst>
-                              <p:par>
-                                <p:cTn id="41" presetID="1" presetClass="entr" presetSubtype="0" fill="hold" nodeType="clickEffect">
-                                  <p:stCondLst>
-                                    <p:cond delay="0"/>
-                                  </p:stCondLst>
-                                  <p:childTnLst>
-                                    <p:set>
-                                      <p:cBhvr>
-                                        <p:cTn id="42" dur="1" fill="hold">
-                                          <p:stCondLst>
-                                            <p:cond delay="0"/>
-                                          </p:stCondLst>
-                                        </p:cTn>
-                                        <p:tgtEl>
-                                          <p:spTgt spid="7">
-                                            <p:txEl>
-                                              <p:pRg st="10" end="10"/>
-                                            </p:txEl>
-                                          </p:spTgt>
-                                        </p:tgtEl>
-                                        <p:attrNameLst>
-                                          <p:attrName>style.visibility</p:attrName>
-                                        </p:attrNameLst>
-                                      </p:cBhvr>
-                                      <p:to>
-                                        <p:strVal val="visible"/>
-                                      </p:to>
-                                    </p:set>
-                                  </p:childTnLst>
-                                </p:cTn>
-                              </p:par>
-                            </p:childTnLst>
-                          </p:cTn>
-                        </p:par>
-                      </p:childTnLst>
-                    </p:cTn>
-                  </p:par>
                 </p:childTnLst>
               </p:cTn>
               <p:prevCondLst>
@@ -16095,9 +15846,90 @@
         <p:spPr/>
         <p:txBody>
           <a:bodyPr>
-            <a:normAutofit/>
+            <a:normAutofit fontScale="92500" lnSpcReduction="10000"/>
           </a:bodyPr>
           <a:lstStyle/>
+          <a:p>
+            <a:r>
+              <a:rPr lang="bg-BG" b="1" dirty="0">
+                <a:solidFill>
+                  <a:schemeClr val="bg1"/>
+                </a:solidFill>
+              </a:rPr>
+              <a:t>Управление на прегледи</a:t>
+            </a:r>
+          </a:p>
+          <a:p>
+            <a:pPr lvl="1"/>
+            <a:r>
+              <a:rPr lang="bg-BG" dirty="0"/>
+              <a:t>Полета за </a:t>
+            </a:r>
+            <a:r>
+              <a:rPr lang="bg-BG" b="1" dirty="0"/>
+              <a:t>дата</a:t>
+            </a:r>
+            <a:r>
+              <a:rPr lang="bg-BG" dirty="0"/>
+              <a:t>, </a:t>
+            </a:r>
+            <a:r>
+              <a:rPr lang="bg-BG" b="1" dirty="0"/>
+              <a:t>име</a:t>
+            </a:r>
+            <a:r>
+              <a:rPr lang="bg-BG" dirty="0"/>
+              <a:t> и </a:t>
+            </a:r>
+            <a:r>
+              <a:rPr lang="bg-BG" b="1" dirty="0"/>
+              <a:t>фамилия</a:t>
+            </a:r>
+            <a:r>
+              <a:rPr lang="bg-BG" dirty="0"/>
+              <a:t> на </a:t>
+            </a:r>
+            <a:r>
+              <a:rPr lang="bg-BG" b="1" dirty="0"/>
+              <a:t>лекар</a:t>
+            </a:r>
+            <a:r>
+              <a:rPr lang="bg-BG" dirty="0"/>
+              <a:t>, </a:t>
+            </a:r>
+            <a:r>
+              <a:rPr lang="bg-BG" b="1" dirty="0"/>
+              <a:t>състояние, лечение</a:t>
+            </a:r>
+            <a:endParaRPr lang="bg-BG" dirty="0"/>
+          </a:p>
+          <a:p>
+            <a:pPr lvl="1"/>
+            <a:r>
+              <a:rPr lang="bg-BG" dirty="0"/>
+              <a:t>Бутони за </a:t>
+            </a:r>
+            <a:r>
+              <a:rPr lang="bg-BG" b="1" dirty="0"/>
+              <a:t>добавяне</a:t>
+            </a:r>
+            <a:r>
+              <a:rPr lang="bg-BG" dirty="0"/>
+              <a:t>, </a:t>
+            </a:r>
+            <a:r>
+              <a:rPr lang="bg-BG" b="1" dirty="0"/>
+              <a:t>редактиране</a:t>
+            </a:r>
+            <a:r>
+              <a:rPr lang="bg-BG" dirty="0"/>
+              <a:t> и </a:t>
+            </a:r>
+            <a:r>
+              <a:rPr lang="bg-BG" b="1" dirty="0"/>
+              <a:t>изтриване</a:t>
+            </a:r>
+          </a:p>
           <a:p>
             <a:r>
               <a:rPr lang="bg-BG" sz="3200" b="1" dirty="0">
@@ -16323,6 +16155,690 @@
     <p:extLst>
       <p:ext uri="{BB962C8B-B14F-4D97-AF65-F5344CB8AC3E}">
         <p14:creationId xmlns:p14="http://schemas.microsoft.com/office/powerpoint/2010/main" val="1219928633"/>
+      </p:ext>
+    </p:extLst>
+  </p:cSld>
+  <p:clrMapOvr>
+    <a:masterClrMapping/>
+  </p:clrMapOvr>
+  <mc:AlternateContent xmlns:mc="http://schemas.openxmlformats.org/markup-compatibility/2006" xmlns:p14="http://schemas.microsoft.com/office/powerpoint/2010/main">
+    <mc:Choice Requires="p14">
+      <p:transition spd="slow" p14:dur="2000" advClick="0" advTm="5000"/>
+    </mc:Choice>
+    <mc:Fallback xmlns="">
+      <p:transition spd="slow" advClick="0" advTm="5000"/>
+    </mc:Fallback>
+  </mc:AlternateContent>
+  <p:timing>
+    <p:tnLst>
+      <p:par>
+        <p:cTn id="1" dur="indefinite" restart="never" nodeType="tmRoot">
+          <p:childTnLst>
+            <p:seq concurrent="1" nextAc="seek">
+              <p:cTn id="2" dur="indefinite" nodeType="mainSeq">
+                <p:childTnLst>
+                  <p:par>
+                    <p:cTn id="3" fill="hold">
+                      <p:stCondLst>
+                        <p:cond delay="indefinite"/>
+                      </p:stCondLst>
+                      <p:childTnLst>
+                        <p:par>
+                          <p:cTn id="4" fill="hold">
+                            <p:stCondLst>
+                              <p:cond delay="0"/>
+                            </p:stCondLst>
+                            <p:childTnLst>
+                              <p:par>
+                                <p:cTn id="5" presetID="1" presetClass="entr" presetSubtype="0" fill="hold" nodeType="clickEffect">
+                                  <p:stCondLst>
+                                    <p:cond delay="0"/>
+                                  </p:stCondLst>
+                                  <p:childTnLst>
+                                    <p:set>
+                                      <p:cBhvr>
+                                        <p:cTn id="6" dur="1" fill="hold">
+                                          <p:stCondLst>
+                                            <p:cond delay="0"/>
+                                          </p:stCondLst>
+                                        </p:cTn>
+                                        <p:tgtEl>
+                                          <p:spTgt spid="7">
+                                            <p:txEl>
+                                              <p:pRg st="1" end="1"/>
+                                            </p:txEl>
+                                          </p:spTgt>
+                                        </p:tgtEl>
+                                        <p:attrNameLst>
+                                          <p:attrName>style.visibility</p:attrName>
+                                        </p:attrNameLst>
+                                      </p:cBhvr>
+                                      <p:to>
+                                        <p:strVal val="visible"/>
+                                      </p:to>
+                                    </p:set>
+                                  </p:childTnLst>
+                                </p:cTn>
+                              </p:par>
+                            </p:childTnLst>
+                          </p:cTn>
+                        </p:par>
+                      </p:childTnLst>
+                    </p:cTn>
+                  </p:par>
+                  <p:par>
+                    <p:cTn id="7" fill="hold">
+                      <p:stCondLst>
+                        <p:cond delay="indefinite"/>
+                      </p:stCondLst>
+                      <p:childTnLst>
+                        <p:par>
+                          <p:cTn id="8" fill="hold">
+                            <p:stCondLst>
+                              <p:cond delay="0"/>
+                            </p:stCondLst>
+                            <p:childTnLst>
+                              <p:par>
+                                <p:cTn id="9" presetID="1" presetClass="entr" presetSubtype="0" fill="hold" nodeType="clickEffect">
+                                  <p:stCondLst>
+                                    <p:cond delay="0"/>
+                                  </p:stCondLst>
+                                  <p:childTnLst>
+                                    <p:set>
+                                      <p:cBhvr>
+                                        <p:cTn id="10" dur="1" fill="hold">
+                                          <p:stCondLst>
+                                            <p:cond delay="0"/>
+                                          </p:stCondLst>
+                                        </p:cTn>
+                                        <p:tgtEl>
+                                          <p:spTgt spid="7">
+                                            <p:txEl>
+                                              <p:pRg st="2" end="2"/>
+                                            </p:txEl>
+                                          </p:spTgt>
+                                        </p:tgtEl>
+                                        <p:attrNameLst>
+                                          <p:attrName>style.visibility</p:attrName>
+                                        </p:attrNameLst>
+                                      </p:cBhvr>
+                                      <p:to>
+                                        <p:strVal val="visible"/>
+                                      </p:to>
+                                    </p:set>
+                                  </p:childTnLst>
+                                </p:cTn>
+                              </p:par>
+                            </p:childTnLst>
+                          </p:cTn>
+                        </p:par>
+                      </p:childTnLst>
+                    </p:cTn>
+                  </p:par>
+                  <p:par>
+                    <p:cTn id="11" fill="hold">
+                      <p:stCondLst>
+                        <p:cond delay="indefinite"/>
+                      </p:stCondLst>
+                      <p:childTnLst>
+                        <p:par>
+                          <p:cTn id="12" fill="hold">
+                            <p:stCondLst>
+                              <p:cond delay="0"/>
+                            </p:stCondLst>
+                            <p:childTnLst>
+                              <p:par>
+                                <p:cTn id="13" presetID="1" presetClass="entr" presetSubtype="0" fill="hold" nodeType="clickEffect">
+                                  <p:stCondLst>
+                                    <p:cond delay="0"/>
+                                  </p:stCondLst>
+                                  <p:childTnLst>
+                                    <p:set>
+                                      <p:cBhvr>
+                                        <p:cTn id="14" dur="1" fill="hold">
+                                          <p:stCondLst>
+                                            <p:cond delay="0"/>
+                                          </p:stCondLst>
+                                        </p:cTn>
+                                        <p:tgtEl>
+                                          <p:spTgt spid="7">
+                                            <p:txEl>
+                                              <p:pRg st="4" end="4"/>
+                                            </p:txEl>
+                                          </p:spTgt>
+                                        </p:tgtEl>
+                                        <p:attrNameLst>
+                                          <p:attrName>style.visibility</p:attrName>
+                                        </p:attrNameLst>
+                                      </p:cBhvr>
+                                      <p:to>
+                                        <p:strVal val="visible"/>
+                                      </p:to>
+                                    </p:set>
+                                  </p:childTnLst>
+                                </p:cTn>
+                              </p:par>
+                            </p:childTnLst>
+                          </p:cTn>
+                        </p:par>
+                      </p:childTnLst>
+                    </p:cTn>
+                  </p:par>
+                  <p:par>
+                    <p:cTn id="15" fill="hold">
+                      <p:stCondLst>
+                        <p:cond delay="indefinite"/>
+                      </p:stCondLst>
+                      <p:childTnLst>
+                        <p:par>
+                          <p:cTn id="16" fill="hold">
+                            <p:stCondLst>
+                              <p:cond delay="0"/>
+                            </p:stCondLst>
+                            <p:childTnLst>
+                              <p:par>
+                                <p:cTn id="17" presetID="1" presetClass="entr" presetSubtype="0" fill="hold" nodeType="clickEffect">
+                                  <p:stCondLst>
+                                    <p:cond delay="0"/>
+                                  </p:stCondLst>
+                                  <p:childTnLst>
+                                    <p:set>
+                                      <p:cBhvr>
+                                        <p:cTn id="18" dur="1" fill="hold">
+                                          <p:stCondLst>
+                                            <p:cond delay="0"/>
+                                          </p:stCondLst>
+                                        </p:cTn>
+                                        <p:tgtEl>
+                                          <p:spTgt spid="7">
+                                            <p:txEl>
+                                              <p:pRg st="5" end="5"/>
+                                            </p:txEl>
+                                          </p:spTgt>
+                                        </p:tgtEl>
+                                        <p:attrNameLst>
+                                          <p:attrName>style.visibility</p:attrName>
+                                        </p:attrNameLst>
+                                      </p:cBhvr>
+                                      <p:to>
+                                        <p:strVal val="visible"/>
+                                      </p:to>
+                                    </p:set>
+                                  </p:childTnLst>
+                                </p:cTn>
+                              </p:par>
+                            </p:childTnLst>
+                          </p:cTn>
+                        </p:par>
+                      </p:childTnLst>
+                    </p:cTn>
+                  </p:par>
+                  <p:par>
+                    <p:cTn id="19" fill="hold">
+                      <p:stCondLst>
+                        <p:cond delay="indefinite"/>
+                      </p:stCondLst>
+                      <p:childTnLst>
+                        <p:par>
+                          <p:cTn id="20" fill="hold">
+                            <p:stCondLst>
+                              <p:cond delay="0"/>
+                            </p:stCondLst>
+                            <p:childTnLst>
+                              <p:par>
+                                <p:cTn id="21" presetID="1" presetClass="entr" presetSubtype="0" fill="hold" nodeType="clickEffect">
+                                  <p:stCondLst>
+                                    <p:cond delay="0"/>
+                                  </p:stCondLst>
+                                  <p:childTnLst>
+                                    <p:set>
+                                      <p:cBhvr>
+                                        <p:cTn id="22" dur="1" fill="hold">
+                                          <p:stCondLst>
+                                            <p:cond delay="0"/>
+                                          </p:stCondLst>
+                                        </p:cTn>
+                                        <p:tgtEl>
+                                          <p:spTgt spid="7">
+                                            <p:txEl>
+                                              <p:pRg st="6" end="6"/>
+                                            </p:txEl>
+                                          </p:spTgt>
+                                        </p:tgtEl>
+                                        <p:attrNameLst>
+                                          <p:attrName>style.visibility</p:attrName>
+                                        </p:attrNameLst>
+                                      </p:cBhvr>
+                                      <p:to>
+                                        <p:strVal val="visible"/>
+                                      </p:to>
+                                    </p:set>
+                                  </p:childTnLst>
+                                </p:cTn>
+                              </p:par>
+                            </p:childTnLst>
+                          </p:cTn>
+                        </p:par>
+                      </p:childTnLst>
+                    </p:cTn>
+                  </p:par>
+                  <p:par>
+                    <p:cTn id="23" fill="hold">
+                      <p:stCondLst>
+                        <p:cond delay="indefinite"/>
+                      </p:stCondLst>
+                      <p:childTnLst>
+                        <p:par>
+                          <p:cTn id="24" fill="hold">
+                            <p:stCondLst>
+                              <p:cond delay="0"/>
+                            </p:stCondLst>
+                            <p:childTnLst>
+                              <p:par>
+                                <p:cTn id="25" presetID="1" presetClass="entr" presetSubtype="0" fill="hold" nodeType="clickEffect">
+                                  <p:stCondLst>
+                                    <p:cond delay="0"/>
+                                  </p:stCondLst>
+                                  <p:childTnLst>
+                                    <p:set>
+                                      <p:cBhvr>
+                                        <p:cTn id="26" dur="1" fill="hold">
+                                          <p:stCondLst>
+                                            <p:cond delay="0"/>
+                                          </p:stCondLst>
+                                        </p:cTn>
+                                        <p:tgtEl>
+                                          <p:spTgt spid="7">
+                                            <p:txEl>
+                                              <p:pRg st="7" end="7"/>
+                                            </p:txEl>
+                                          </p:spTgt>
+                                        </p:tgtEl>
+                                        <p:attrNameLst>
+                                          <p:attrName>style.visibility</p:attrName>
+                                        </p:attrNameLst>
+                                      </p:cBhvr>
+                                      <p:to>
+                                        <p:strVal val="visible"/>
+                                      </p:to>
+                                    </p:set>
+                                  </p:childTnLst>
+                                </p:cTn>
+                              </p:par>
+                            </p:childTnLst>
+                          </p:cTn>
+                        </p:par>
+                      </p:childTnLst>
+                    </p:cTn>
+                  </p:par>
+                  <p:par>
+                    <p:cTn id="27" fill="hold">
+                      <p:stCondLst>
+                        <p:cond delay="indefinite"/>
+                      </p:stCondLst>
+                      <p:childTnLst>
+                        <p:par>
+                          <p:cTn id="28" fill="hold">
+                            <p:stCondLst>
+                              <p:cond delay="0"/>
+                            </p:stCondLst>
+                            <p:childTnLst>
+                              <p:par>
+                                <p:cTn id="29" presetID="1" presetClass="entr" presetSubtype="0" fill="hold" nodeType="clickEffect">
+                                  <p:stCondLst>
+                                    <p:cond delay="0"/>
+                                  </p:stCondLst>
+                                  <p:childTnLst>
+                                    <p:set>
+                                      <p:cBhvr>
+                                        <p:cTn id="30" dur="1" fill="hold">
+                                          <p:stCondLst>
+                                            <p:cond delay="0"/>
+                                          </p:stCondLst>
+                                        </p:cTn>
+                                        <p:tgtEl>
+                                          <p:spTgt spid="7">
+                                            <p:txEl>
+                                              <p:pRg st="8" end="8"/>
+                                            </p:txEl>
+                                          </p:spTgt>
+                                        </p:tgtEl>
+                                        <p:attrNameLst>
+                                          <p:attrName>style.visibility</p:attrName>
+                                        </p:attrNameLst>
+                                      </p:cBhvr>
+                                      <p:to>
+                                        <p:strVal val="visible"/>
+                                      </p:to>
+                                    </p:set>
+                                  </p:childTnLst>
+                                </p:cTn>
+                              </p:par>
+                            </p:childTnLst>
+                          </p:cTn>
+                        </p:par>
+                      </p:childTnLst>
+                    </p:cTn>
+                  </p:par>
+                </p:childTnLst>
+              </p:cTn>
+              <p:prevCondLst>
+                <p:cond evt="onPrev" delay="0">
+                  <p:tgtEl>
+                    <p:sldTgt/>
+                  </p:tgtEl>
+                </p:cond>
+              </p:prevCondLst>
+              <p:nextCondLst>
+                <p:cond evt="onNext" delay="0">
+                  <p:tgtEl>
+                    <p:sldTgt/>
+                  </p:tgtEl>
+                </p:cond>
+              </p:nextCondLst>
+            </p:seq>
+          </p:childTnLst>
+        </p:cTn>
+      </p:par>
+    </p:tnLst>
+  </p:timing>
+</p:sld>
+</file>
+
+<file path=ppt/slides/slide25.xml><?xml version="1.0" encoding="utf-8"?>
+<p:sld xmlns:a="http://schemas.openxmlformats.org/drawingml/2006/main" xmlns:r="http://schemas.openxmlformats.org/officeDocument/2006/relationships" xmlns:p="http://schemas.openxmlformats.org/presentationml/2006/main">
+  <p:cSld>
+    <p:spTree>
+      <p:nvGrpSpPr>
+        <p:cNvPr id="1" name=""/>
+        <p:cNvGrpSpPr/>
+        <p:nvPr/>
+      </p:nvGrpSpPr>
+      <p:grpSpPr>
+        <a:xfrm>
+          <a:off x="0" y="0"/>
+          <a:ext cx="0" cy="0"/>
+          <a:chOff x="0" y="0"/>
+          <a:chExt cx="0" cy="0"/>
+        </a:xfrm>
+      </p:grpSpPr>
+      <p:sp>
+        <p:nvSpPr>
+          <p:cNvPr id="2" name="Slide Number Placeholder 1">
+            <a:extLst>
+              <a:ext uri="{FF2B5EF4-FFF2-40B4-BE49-F238E27FC236}">
+                <a16:creationId xmlns:a16="http://schemas.microsoft.com/office/drawing/2014/main" id="{CCAABC86-82E0-F099-701A-D4347B605385}"/>
+              </a:ext>
+            </a:extLst>
+          </p:cNvPr>
+          <p:cNvSpPr>
+            <a:spLocks noGrp="1"/>
+          </p:cNvSpPr>
+          <p:nvPr>
+            <p:ph type="sldNum" sz="quarter" idx="5"/>
+          </p:nvPr>
+        </p:nvSpPr>
+        <p:spPr/>
+        <p:txBody>
+          <a:bodyPr/>
+          <a:lstStyle/>
+          <a:p>
+            <a:fld id="{2BF067CD-8E6B-4360-9AA8-C5DF2A48A6D1}" type="slidenum">
+              <a:rPr lang="en-US" noProof="0" smtClean="0"/>
+              <a:pPr/>
+              <a:t>25</a:t>
+            </a:fld>
+            <a:endParaRPr lang="en-US" noProof="0" dirty="0"/>
+          </a:p>
+        </p:txBody>
+      </p:sp>
+      <p:sp>
+        <p:nvSpPr>
+          <p:cNvPr id="4" name="Title 3">
+            <a:extLst>
+              <a:ext uri="{FF2B5EF4-FFF2-40B4-BE49-F238E27FC236}">
+                <a16:creationId xmlns:a16="http://schemas.microsoft.com/office/drawing/2014/main" id="{67B6A643-676D-3506-B008-B24B36AA34F1}"/>
+              </a:ext>
+            </a:extLst>
+          </p:cNvPr>
+          <p:cNvSpPr>
+            <a:spLocks noGrp="1"/>
+          </p:cNvSpPr>
+          <p:nvPr>
+            <p:ph type="title"/>
+          </p:nvPr>
+        </p:nvSpPr>
+        <p:spPr/>
+        <p:txBody>
+          <a:bodyPr>
+            <a:normAutofit/>
+          </a:bodyPr>
+          <a:lstStyle/>
+          <a:p>
+            <a:r>
+              <a:rPr lang="bg-BG" dirty="0"/>
+              <a:t>Проектиране</a:t>
+            </a:r>
+            <a:r>
+              <a:rPr lang="en-US" dirty="0"/>
+              <a:t>: </a:t>
+            </a:r>
+            <a:r>
+              <a:rPr lang="bg-BG" dirty="0"/>
+              <a:t>дизайн на </a:t>
+            </a:r>
+            <a:r>
+              <a:rPr lang="en-US" dirty="0"/>
+              <a:t>UI </a:t>
+            </a:r>
+            <a:r>
+              <a:rPr lang="bg-BG" dirty="0"/>
+              <a:t>- Пациенти </a:t>
+            </a:r>
+            <a:r>
+              <a:rPr lang="en-US" dirty="0"/>
+              <a:t>(1)</a:t>
+            </a:r>
+            <a:endParaRPr lang="en-BG" dirty="0"/>
+          </a:p>
+        </p:txBody>
+      </p:sp>
+      <p:sp>
+        <p:nvSpPr>
+          <p:cNvPr id="7" name="Text Placeholder 6">
+            <a:extLst>
+              <a:ext uri="{FF2B5EF4-FFF2-40B4-BE49-F238E27FC236}">
+                <a16:creationId xmlns:a16="http://schemas.microsoft.com/office/drawing/2014/main" id="{FBFEFCDD-E454-D1E7-D67F-EE67BB2A7ACE}"/>
+              </a:ext>
+            </a:extLst>
+          </p:cNvPr>
+          <p:cNvSpPr>
+            <a:spLocks noGrp="1"/>
+          </p:cNvSpPr>
+          <p:nvPr>
+            <p:ph type="body" sz="quarter" idx="10"/>
+          </p:nvPr>
+        </p:nvSpPr>
+        <p:spPr>
+          <a:xfrm>
+            <a:off x="190402" y="1196125"/>
+            <a:ext cx="7345598" cy="5528766"/>
+          </a:xfrm>
+        </p:spPr>
+        <p:txBody>
+          <a:bodyPr>
+            <a:normAutofit/>
+          </a:bodyPr>
+          <a:lstStyle/>
+          <a:p>
+            <a:r>
+              <a:rPr lang="bg-BG" b="1" dirty="0">
+                <a:solidFill>
+                  <a:schemeClr val="bg1"/>
+                </a:solidFill>
+              </a:rPr>
+              <a:t>Форма за показване на пациенти</a:t>
+            </a:r>
+          </a:p>
+          <a:p>
+            <a:pPr lvl="1"/>
+            <a:r>
+              <a:rPr lang="bg-BG" dirty="0"/>
+              <a:t>Таблица с всички </a:t>
+            </a:r>
+            <a:r>
+              <a:rPr lang="bg-BG" b="1" dirty="0"/>
+              <a:t>пациенти</a:t>
+            </a:r>
+          </a:p>
+          <a:p>
+            <a:pPr lvl="1"/>
+            <a:r>
+              <a:rPr lang="bg-BG" dirty="0"/>
+              <a:t>Бутони за </a:t>
+            </a:r>
+            <a:r>
+              <a:rPr lang="bg-BG" b="1" dirty="0"/>
+              <a:t>добавяне</a:t>
+            </a:r>
+            <a:r>
+              <a:rPr lang="bg-BG" dirty="0"/>
+              <a:t>, </a:t>
+            </a:r>
+            <a:r>
+              <a:rPr lang="bg-BG" b="1" dirty="0"/>
+              <a:t>редактиране</a:t>
+            </a:r>
+            <a:r>
+              <a:rPr lang="bg-BG" dirty="0"/>
+              <a:t> и </a:t>
+            </a:r>
+            <a:r>
+              <a:rPr lang="bg-BG" b="1" dirty="0"/>
+              <a:t>изтриване</a:t>
+            </a:r>
+          </a:p>
+          <a:p>
+            <a:r>
+              <a:rPr lang="bg-BG" b="1" dirty="0">
+                <a:solidFill>
+                  <a:schemeClr val="bg1"/>
+                </a:solidFill>
+              </a:rPr>
+              <a:t>Форма за добавяне на нов пациент</a:t>
+            </a:r>
+          </a:p>
+          <a:p>
+            <a:pPr lvl="1"/>
+            <a:r>
+              <a:rPr lang="bg-BG" dirty="0"/>
+              <a:t>Полета за </a:t>
+            </a:r>
+            <a:r>
+              <a:rPr lang="bg-BG" b="1" dirty="0"/>
+              <a:t>име</a:t>
+            </a:r>
+            <a:r>
+              <a:rPr lang="bg-BG" dirty="0"/>
+              <a:t>, </a:t>
+            </a:r>
+            <a:r>
+              <a:rPr lang="bg-BG" b="1" dirty="0"/>
+              <a:t>фамилия</a:t>
+            </a:r>
+            <a:r>
+              <a:rPr lang="bg-BG" dirty="0"/>
+              <a:t>, </a:t>
+            </a:r>
+            <a:r>
+              <a:rPr lang="bg-BG" b="1" dirty="0"/>
+              <a:t>ЕГН</a:t>
+            </a:r>
+            <a:r>
+              <a:rPr lang="bg-BG" dirty="0"/>
+              <a:t>, </a:t>
+            </a:r>
+            <a:r>
+              <a:rPr lang="bg-BG" b="1" dirty="0"/>
+              <a:t>пол</a:t>
+            </a:r>
+            <a:r>
+              <a:rPr lang="bg-BG" dirty="0"/>
+              <a:t>, </a:t>
+            </a:r>
+            <a:r>
+              <a:rPr lang="bg-BG" b="1" dirty="0"/>
+              <a:t>телефон</a:t>
+            </a:r>
+          </a:p>
+          <a:p>
+            <a:pPr lvl="1"/>
+            <a:r>
+              <a:rPr lang="bg-BG" dirty="0"/>
+              <a:t>Бутони за </a:t>
+            </a:r>
+            <a:r>
+              <a:rPr lang="bg-BG" b="1" dirty="0"/>
+              <a:t>добавяне</a:t>
+            </a:r>
+            <a:r>
+              <a:rPr lang="bg-BG" dirty="0"/>
+              <a:t> и </a:t>
+            </a:r>
+            <a:r>
+              <a:rPr lang="bg-BG" b="1" dirty="0"/>
+              <a:t>отказ</a:t>
+            </a:r>
+            <a:endParaRPr lang="en-BG" b="1" dirty="0"/>
+          </a:p>
+        </p:txBody>
+      </p:sp>
+      <p:pic>
+        <p:nvPicPr>
+          <p:cNvPr id="9" name="Picture 8">
+            <a:extLst>
+              <a:ext uri="{FF2B5EF4-FFF2-40B4-BE49-F238E27FC236}">
+                <a16:creationId xmlns:a16="http://schemas.microsoft.com/office/drawing/2014/main" id="{9D998266-837A-CA2F-B976-939B987EE0DC}"/>
+              </a:ext>
+            </a:extLst>
+          </p:cNvPr>
+          <p:cNvPicPr>
+            <a:picLocks noChangeAspect="1"/>
+          </p:cNvPicPr>
+          <p:nvPr/>
+        </p:nvPicPr>
+        <p:blipFill>
+          <a:blip r:embed="rId2">
+            <a:extLst>
+              <a:ext uri="{28A0092B-C50C-407E-A947-70E740481C1C}">
+                <a14:useLocalDpi xmlns:a14="http://schemas.microsoft.com/office/drawing/2010/main" val="0"/>
+              </a:ext>
+            </a:extLst>
+          </a:blip>
+          <a:srcRect/>
+          <a:stretch/>
+        </p:blipFill>
+        <p:spPr>
+          <a:xfrm>
+            <a:off x="7536000" y="2365033"/>
+            <a:ext cx="4470205" cy="3190950"/>
+          </a:xfrm>
+          <a:prstGeom prst="rect">
+            <a:avLst/>
+          </a:prstGeom>
+          <a:ln>
+            <a:solidFill>
+              <a:schemeClr val="bg2">
+                <a:lumMod val="75000"/>
+              </a:schemeClr>
+            </a:solidFill>
+          </a:ln>
+        </p:spPr>
+      </p:pic>
+    </p:spTree>
+    <p:extLst>
+      <p:ext uri="{BB962C8B-B14F-4D97-AF65-F5344CB8AC3E}">
+        <p14:creationId xmlns:p14="http://schemas.microsoft.com/office/powerpoint/2010/main" val="2251554703"/>
       </p:ext>
     </p:extLst>
   </p:cSld>
@@ -16615,7 +17131,7 @@
 </p:sld>
 </file>
 
-<file path=ppt/slides/slide25.xml><?xml version="1.0" encoding="utf-8"?>
+<file path=ppt/slides/slide26.xml><?xml version="1.0" encoding="utf-8"?>
 <p:sld xmlns:a="http://schemas.openxmlformats.org/drawingml/2006/main" xmlns:r="http://schemas.openxmlformats.org/officeDocument/2006/relationships" xmlns:p="http://schemas.openxmlformats.org/presentationml/2006/main">
   <p:cSld>
     <p:spTree>
@@ -16656,7 +17172,7 @@
             <a:fld id="{2BF067CD-8E6B-4360-9AA8-C5DF2A48A6D1}" type="slidenum">
               <a:rPr lang="en-US" noProof="0" smtClean="0"/>
               <a:pPr/>
-              <a:t>25</a:t>
+              <a:t>26</a:t>
             </a:fld>
             <a:endParaRPr lang="en-US" noProof="0" dirty="0"/>
           </a:p>
@@ -16705,6 +17221,10 @@
               <a:rPr lang="bg-BG" dirty="0"/>
               <a:t>- Пациенти</a:t>
             </a:r>
+            <a:r>
+              <a:rPr lang="en-US" dirty="0"/>
+              <a:t> (2)</a:t>
+            </a:r>
             <a:endParaRPr lang="en-BG" dirty="0"/>
           </a:p>
         </p:txBody>
@@ -16725,135 +17245,20 @@
             <p:ph type="body" sz="quarter" idx="10"/>
           </p:nvPr>
         </p:nvSpPr>
-        <p:spPr/>
+        <p:spPr>
+          <a:xfrm>
+            <a:off x="190402" y="1196125"/>
+            <a:ext cx="7525598" cy="5528766"/>
+          </a:xfrm>
+        </p:spPr>
         <p:txBody>
           <a:bodyPr>
-            <a:normAutofit fontScale="70000" lnSpcReduction="20000"/>
+            <a:normAutofit lnSpcReduction="10000"/>
           </a:bodyPr>
           <a:lstStyle/>
           <a:p>
             <a:r>
-              <a:rPr lang="bg-BG" b="1" dirty="0">
-                <a:solidFill>
-                  <a:schemeClr val="bg1"/>
-                </a:solidFill>
-              </a:rPr>
-              <a:t>Форма за показване на пациенти</a:t>
-            </a:r>
-          </a:p>
-          <a:p>
-            <a:pPr lvl="1"/>
-            <a:r>
-              <a:rPr lang="bg-BG" dirty="0"/>
-              <a:t>Таблица с всички </a:t>
-            </a:r>
-            <a:r>
-              <a:rPr lang="bg-BG" b="1" dirty="0"/>
-              <a:t>пациенти</a:t>
-            </a:r>
-          </a:p>
-          <a:p>
-            <a:pPr lvl="1"/>
-            <a:r>
-              <a:rPr lang="bg-BG" dirty="0"/>
-              <a:t>Бутони за </a:t>
-            </a:r>
-            <a:r>
-              <a:rPr lang="bg-BG" b="1" dirty="0"/>
-              <a:t>добавяне</a:t>
-            </a:r>
-            <a:r>
-              <a:rPr lang="bg-BG" dirty="0"/>
-              <a:t>, </a:t>
-            </a:r>
-            <a:r>
-              <a:rPr lang="bg-BG" b="1" dirty="0"/>
-              <a:t>редактиране</a:t>
-            </a:r>
-            <a:r>
-              <a:rPr lang="bg-BG" dirty="0"/>
-              <a:t> и </a:t>
-            </a:r>
-            <a:r>
-              <a:rPr lang="bg-BG" b="1" dirty="0"/>
-              <a:t>изтриване</a:t>
-            </a:r>
-          </a:p>
-          <a:p>
-            <a:r>
-              <a:rPr lang="bg-BG" b="1" dirty="0">
-                <a:solidFill>
-                  <a:schemeClr val="bg1"/>
-                </a:solidFill>
-              </a:rPr>
-              <a:t>Форма за добавяне на нов пациент</a:t>
-            </a:r>
-          </a:p>
-          <a:p>
-            <a:pPr lvl="1"/>
-            <a:r>
-              <a:rPr lang="bg-BG" dirty="0"/>
-              <a:t>Полета за </a:t>
-            </a:r>
-            <a:r>
-              <a:rPr lang="bg-BG" b="1" dirty="0"/>
-              <a:t>име</a:t>
-            </a:r>
-            <a:r>
-              <a:rPr lang="bg-BG" dirty="0"/>
-              <a:t>, </a:t>
-            </a:r>
-            <a:r>
-              <a:rPr lang="bg-BG" b="1" dirty="0"/>
-              <a:t>фамилия</a:t>
-            </a:r>
-            <a:r>
-              <a:rPr lang="bg-BG" dirty="0"/>
-              <a:t>, </a:t>
-            </a:r>
-            <a:r>
-              <a:rPr lang="bg-BG" b="1" dirty="0"/>
-              <a:t>ЕГН</a:t>
-            </a:r>
-            <a:r>
-              <a:rPr lang="bg-BG" dirty="0"/>
-              <a:t>, </a:t>
-            </a:r>
-            <a:r>
-              <a:rPr lang="bg-BG" b="1" dirty="0"/>
-              <a:t>пол</a:t>
-            </a:r>
-            <a:r>
-              <a:rPr lang="bg-BG" dirty="0"/>
-              <a:t>, </a:t>
-            </a:r>
-            <a:r>
-              <a:rPr lang="bg-BG" b="1" dirty="0"/>
-              <a:t>телефон</a:t>
-            </a:r>
-          </a:p>
-          <a:p>
-            <a:pPr lvl="1"/>
-            <a:r>
-              <a:rPr lang="bg-BG" dirty="0"/>
-              <a:t>Бутони за </a:t>
-            </a:r>
-            <a:r>
-              <a:rPr lang="bg-BG" b="1" dirty="0"/>
-              <a:t>добавяне</a:t>
-            </a:r>
-            <a:r>
-              <a:rPr lang="bg-BG" dirty="0"/>
-              <a:t> и </a:t>
-            </a:r>
-            <a:r>
-              <a:rPr lang="bg-BG" b="1" dirty="0"/>
-              <a:t>отказ</a:t>
-            </a:r>
-          </a:p>
-          <a:p>
-            <a:r>
-              <a:rPr lang="bg-BG" b="1" dirty="0">
+              <a:rPr lang="bg-BG" sz="3200" b="1" dirty="0">
                 <a:solidFill>
                   <a:schemeClr val="bg1"/>
                 </a:solidFill>
@@ -16864,68 +17269,68 @@
           <a:p>
             <a:pPr lvl="1"/>
             <a:r>
-              <a:rPr lang="bg-BG" dirty="0"/>
+              <a:rPr lang="bg-BG" sz="3000" dirty="0"/>
               <a:t>Полета </a:t>
             </a:r>
             <a:r>
-              <a:rPr lang="bg-BG" b="1" dirty="0"/>
+              <a:rPr lang="bg-BG" sz="3000" b="1" dirty="0"/>
               <a:t>име</a:t>
             </a:r>
             <a:r>
-              <a:rPr lang="bg-BG" dirty="0"/>
+              <a:rPr lang="bg-BG" sz="3000" dirty="0"/>
               <a:t>, </a:t>
             </a:r>
             <a:r>
-              <a:rPr lang="bg-BG" b="1" dirty="0"/>
+              <a:rPr lang="bg-BG" sz="3000" b="1" dirty="0"/>
               <a:t>фамилия</a:t>
             </a:r>
             <a:r>
-              <a:rPr lang="bg-BG" dirty="0"/>
+              <a:rPr lang="bg-BG" sz="3000" dirty="0"/>
               <a:t>, </a:t>
             </a:r>
             <a:r>
-              <a:rPr lang="bg-BG" b="1" dirty="0"/>
+              <a:rPr lang="bg-BG" sz="3000" b="1" dirty="0"/>
               <a:t>ЕГН</a:t>
             </a:r>
             <a:r>
-              <a:rPr lang="bg-BG" dirty="0"/>
+              <a:rPr lang="bg-BG" sz="3000" dirty="0"/>
               <a:t>, </a:t>
             </a:r>
             <a:r>
-              <a:rPr lang="bg-BG" b="1" dirty="0"/>
+              <a:rPr lang="bg-BG" sz="3000" b="1" dirty="0"/>
               <a:t>пол</a:t>
             </a:r>
             <a:r>
-              <a:rPr lang="bg-BG" dirty="0"/>
+              <a:rPr lang="bg-BG" sz="3000" dirty="0"/>
               <a:t>, </a:t>
             </a:r>
             <a:r>
-              <a:rPr lang="bg-BG" b="1" dirty="0"/>
+              <a:rPr lang="bg-BG" sz="3000" b="1" dirty="0"/>
               <a:t>телефон</a:t>
             </a:r>
           </a:p>
           <a:p>
             <a:pPr lvl="1"/>
             <a:r>
-              <a:rPr lang="bg-BG" dirty="0"/>
+              <a:rPr lang="bg-BG" sz="3000" dirty="0"/>
               <a:t>Бутони за </a:t>
             </a:r>
             <a:r>
-              <a:rPr lang="bg-BG" b="1" dirty="0"/>
+              <a:rPr lang="bg-BG" sz="3000" b="1" dirty="0"/>
               <a:t>редактиране</a:t>
             </a:r>
             <a:r>
-              <a:rPr lang="bg-BG" dirty="0"/>
+              <a:rPr lang="bg-BG" sz="3000" dirty="0"/>
               <a:t> и </a:t>
             </a:r>
             <a:r>
-              <a:rPr lang="bg-BG" b="1" dirty="0"/>
+              <a:rPr lang="bg-BG" sz="3000" b="1" dirty="0"/>
               <a:t>отказ</a:t>
             </a:r>
           </a:p>
           <a:p>
             <a:r>
-              <a:rPr lang="bg-BG" b="1" dirty="0">
+              <a:rPr lang="bg-BG" sz="3200" b="1" dirty="0">
                 <a:solidFill>
                   <a:schemeClr val="bg1"/>
                 </a:solidFill>
@@ -16936,58 +17341,58 @@
           <a:p>
             <a:pPr lvl="1"/>
             <a:r>
-              <a:rPr lang="bg-BG" dirty="0"/>
+              <a:rPr lang="bg-BG" sz="3000" dirty="0"/>
               <a:t>Поле за </a:t>
             </a:r>
             <a:r>
-              <a:rPr lang="bg-BG" b="1" dirty="0"/>
+              <a:rPr lang="bg-BG" sz="3000" b="1" dirty="0"/>
               <a:t>име</a:t>
             </a:r>
             <a:r>
-              <a:rPr lang="bg-BG" dirty="0"/>
+              <a:rPr lang="bg-BG" sz="3000" dirty="0"/>
               <a:t> и </a:t>
             </a:r>
             <a:r>
-              <a:rPr lang="bg-BG" b="1" dirty="0"/>
+              <a:rPr lang="bg-BG" sz="3000" b="1" dirty="0"/>
               <a:t>фамилия</a:t>
             </a:r>
             <a:r>
-              <a:rPr lang="en-US" b="1" dirty="0"/>
+              <a:rPr lang="en-US" sz="3000" b="1" dirty="0"/>
               <a:t> </a:t>
             </a:r>
             <a:r>
-              <a:rPr lang="en-US" dirty="0"/>
+              <a:rPr lang="en-US" sz="3000" dirty="0"/>
               <a:t>(</a:t>
             </a:r>
             <a:r>
-              <a:rPr lang="bg-BG" dirty="0"/>
+              <a:rPr lang="bg-BG" sz="3000" dirty="0"/>
               <a:t>само за четене</a:t>
             </a:r>
             <a:r>
-              <a:rPr lang="en-US" dirty="0"/>
+              <a:rPr lang="en-US" sz="3000" dirty="0"/>
               <a:t>)</a:t>
             </a:r>
-            <a:endParaRPr lang="bg-BG" dirty="0"/>
+            <a:endParaRPr lang="bg-BG" sz="3000" dirty="0"/>
           </a:p>
           <a:p>
             <a:pPr lvl="1"/>
             <a:r>
-              <a:rPr lang="bg-BG" dirty="0"/>
+              <a:rPr lang="bg-BG" sz="3000" dirty="0"/>
               <a:t>Бутони за </a:t>
             </a:r>
             <a:r>
-              <a:rPr lang="bg-BG" b="1" dirty="0"/>
+              <a:rPr lang="bg-BG" sz="3000" b="1" dirty="0"/>
               <a:t>изтриване</a:t>
             </a:r>
             <a:r>
-              <a:rPr lang="bg-BG" dirty="0"/>
+              <a:rPr lang="bg-BG" sz="3000" dirty="0"/>
               <a:t> и </a:t>
             </a:r>
             <a:r>
-              <a:rPr lang="bg-BG" b="1" dirty="0"/>
+              <a:rPr lang="bg-BG" sz="3000" b="1" dirty="0"/>
               <a:t>отказ</a:t>
             </a:r>
-            <a:endParaRPr lang="en-BG" b="1" dirty="0"/>
+            <a:endParaRPr lang="en-BG" sz="3000" b="1" dirty="0"/>
           </a:p>
         </p:txBody>
       </p:sp>
@@ -17018,7 +17423,7 @@
         </p:blipFill>
         <p:spPr>
           <a:xfrm>
-            <a:off x="7279658" y="2259000"/>
+            <a:off x="7531393" y="2365033"/>
             <a:ext cx="4470205" cy="3190950"/>
           </a:xfrm>
           <a:prstGeom prst="rect">
@@ -17036,18 +17441,18 @@
     </p:spTree>
     <p:extLst>
       <p:ext uri="{BB962C8B-B14F-4D97-AF65-F5344CB8AC3E}">
-        <p14:creationId xmlns:p14="http://schemas.microsoft.com/office/powerpoint/2010/main" val="2251554703"/>
+        <p14:creationId xmlns:p14="http://schemas.microsoft.com/office/powerpoint/2010/main" val="2991896914"/>
       </p:ext>
     </p:extLst>
   </p:cSld>
   <p:clrMapOvr>
     <a:masterClrMapping/>
   </p:clrMapOvr>
-  <mc:AlternateContent xmlns:mc="http://schemas.openxmlformats.org/markup-compatibility/2006" xmlns:p14="http://schemas.microsoft.com/office/powerpoint/2010/main">
-    <mc:Choice Requires="p14">
+  <mc:AlternateContent xmlns:mc="http://schemas.openxmlformats.org/markup-compatibility/2006">
+    <mc:Choice xmlns:p14="http://schemas.microsoft.com/office/powerpoint/2010/main" Requires="p14">
       <p:transition spd="slow" p14:dur="2000" advClick="0" advTm="5000"/>
     </mc:Choice>
-    <mc:Fallback xmlns="">
+    <mc:Fallback>
       <p:transition spd="slow" advClick="0" advTm="5000"/>
     </mc:Fallback>
   </mc:AlternateContent>
@@ -17304,300 +17709,6 @@
                       </p:childTnLst>
                     </p:cTn>
                   </p:par>
-                  <p:par>
-                    <p:cTn id="23" fill="hold">
-                      <p:stCondLst>
-                        <p:cond delay="indefinite"/>
-                      </p:stCondLst>
-                      <p:childTnLst>
-                        <p:par>
-                          <p:cTn id="24" fill="hold">
-                            <p:stCondLst>
-                              <p:cond delay="0"/>
-                            </p:stCondLst>
-                            <p:childTnLst>
-                              <p:par>
-                                <p:cTn id="25" presetID="1" presetClass="entr" presetSubtype="0" fill="hold" nodeType="clickEffect">
-                                  <p:stCondLst>
-                                    <p:cond delay="0"/>
-                                  </p:stCondLst>
-                                  <p:childTnLst>
-                                    <p:set>
-                                      <p:cBhvr>
-                                        <p:cTn id="26" dur="1" fill="hold">
-                                          <p:stCondLst>
-                                            <p:cond delay="0"/>
-                                          </p:stCondLst>
-                                        </p:cTn>
-                                        <p:tgtEl>
-                                          <p:spTgt spid="7">
-                                            <p:txEl>
-                                              <p:pRg st="6" end="6"/>
-                                            </p:txEl>
-                                          </p:spTgt>
-                                        </p:tgtEl>
-                                        <p:attrNameLst>
-                                          <p:attrName>style.visibility</p:attrName>
-                                        </p:attrNameLst>
-                                      </p:cBhvr>
-                                      <p:to>
-                                        <p:strVal val="visible"/>
-                                      </p:to>
-                                    </p:set>
-                                  </p:childTnLst>
-                                </p:cTn>
-                              </p:par>
-                            </p:childTnLst>
-                          </p:cTn>
-                        </p:par>
-                      </p:childTnLst>
-                    </p:cTn>
-                  </p:par>
-                  <p:par>
-                    <p:cTn id="27" fill="hold">
-                      <p:stCondLst>
-                        <p:cond delay="indefinite"/>
-                      </p:stCondLst>
-                      <p:childTnLst>
-                        <p:par>
-                          <p:cTn id="28" fill="hold">
-                            <p:stCondLst>
-                              <p:cond delay="0"/>
-                            </p:stCondLst>
-                            <p:childTnLst>
-                              <p:par>
-                                <p:cTn id="29" presetID="1" presetClass="entr" presetSubtype="0" fill="hold" nodeType="clickEffect">
-                                  <p:stCondLst>
-                                    <p:cond delay="0"/>
-                                  </p:stCondLst>
-                                  <p:childTnLst>
-                                    <p:set>
-                                      <p:cBhvr>
-                                        <p:cTn id="30" dur="1" fill="hold">
-                                          <p:stCondLst>
-                                            <p:cond delay="0"/>
-                                          </p:stCondLst>
-                                        </p:cTn>
-                                        <p:tgtEl>
-                                          <p:spTgt spid="7">
-                                            <p:txEl>
-                                              <p:pRg st="7" end="7"/>
-                                            </p:txEl>
-                                          </p:spTgt>
-                                        </p:tgtEl>
-                                        <p:attrNameLst>
-                                          <p:attrName>style.visibility</p:attrName>
-                                        </p:attrNameLst>
-                                      </p:cBhvr>
-                                      <p:to>
-                                        <p:strVal val="visible"/>
-                                      </p:to>
-                                    </p:set>
-                                  </p:childTnLst>
-                                </p:cTn>
-                              </p:par>
-                            </p:childTnLst>
-                          </p:cTn>
-                        </p:par>
-                      </p:childTnLst>
-                    </p:cTn>
-                  </p:par>
-                  <p:par>
-                    <p:cTn id="31" fill="hold">
-                      <p:stCondLst>
-                        <p:cond delay="indefinite"/>
-                      </p:stCondLst>
-                      <p:childTnLst>
-                        <p:par>
-                          <p:cTn id="32" fill="hold">
-                            <p:stCondLst>
-                              <p:cond delay="0"/>
-                            </p:stCondLst>
-                            <p:childTnLst>
-                              <p:par>
-                                <p:cTn id="33" presetID="1" presetClass="entr" presetSubtype="0" fill="hold" nodeType="clickEffect">
-                                  <p:stCondLst>
-                                    <p:cond delay="0"/>
-                                  </p:stCondLst>
-                                  <p:childTnLst>
-                                    <p:set>
-                                      <p:cBhvr>
-                                        <p:cTn id="34" dur="1" fill="hold">
-                                          <p:stCondLst>
-                                            <p:cond delay="0"/>
-                                          </p:stCondLst>
-                                        </p:cTn>
-                                        <p:tgtEl>
-                                          <p:spTgt spid="7">
-                                            <p:txEl>
-                                              <p:pRg st="8" end="8"/>
-                                            </p:txEl>
-                                          </p:spTgt>
-                                        </p:tgtEl>
-                                        <p:attrNameLst>
-                                          <p:attrName>style.visibility</p:attrName>
-                                        </p:attrNameLst>
-                                      </p:cBhvr>
-                                      <p:to>
-                                        <p:strVal val="visible"/>
-                                      </p:to>
-                                    </p:set>
-                                  </p:childTnLst>
-                                </p:cTn>
-                              </p:par>
-                            </p:childTnLst>
-                          </p:cTn>
-                        </p:par>
-                      </p:childTnLst>
-                    </p:cTn>
-                  </p:par>
-                  <p:par>
-                    <p:cTn id="35" fill="hold">
-                      <p:stCondLst>
-                        <p:cond delay="indefinite"/>
-                      </p:stCondLst>
-                      <p:childTnLst>
-                        <p:par>
-                          <p:cTn id="36" fill="hold">
-                            <p:stCondLst>
-                              <p:cond delay="0"/>
-                            </p:stCondLst>
-                            <p:childTnLst>
-                              <p:par>
-                                <p:cTn id="37" presetID="1" presetClass="entr" presetSubtype="0" fill="hold" nodeType="clickEffect">
-                                  <p:stCondLst>
-                                    <p:cond delay="0"/>
-                                  </p:stCondLst>
-                                  <p:childTnLst>
-                                    <p:set>
-                                      <p:cBhvr>
-                                        <p:cTn id="38" dur="1" fill="hold">
-                                          <p:stCondLst>
-                                            <p:cond delay="0"/>
-                                          </p:stCondLst>
-                                        </p:cTn>
-                                        <p:tgtEl>
-                                          <p:spTgt spid="7">
-                                            <p:txEl>
-                                              <p:pRg st="9" end="9"/>
-                                            </p:txEl>
-                                          </p:spTgt>
-                                        </p:tgtEl>
-                                        <p:attrNameLst>
-                                          <p:attrName>style.visibility</p:attrName>
-                                        </p:attrNameLst>
-                                      </p:cBhvr>
-                                      <p:to>
-                                        <p:strVal val="visible"/>
-                                      </p:to>
-                                    </p:set>
-                                  </p:childTnLst>
-                                </p:cTn>
-                              </p:par>
-                            </p:childTnLst>
-                          </p:cTn>
-                        </p:par>
-                      </p:childTnLst>
-                    </p:cTn>
-                  </p:par>
-                  <p:par>
-                    <p:cTn id="39" fill="hold">
-                      <p:stCondLst>
-                        <p:cond delay="indefinite"/>
-                      </p:stCondLst>
-                      <p:childTnLst>
-                        <p:par>
-                          <p:cTn id="40" fill="hold">
-                            <p:stCondLst>
-                              <p:cond delay="0"/>
-                            </p:stCondLst>
-                            <p:childTnLst>
-                              <p:par>
-                                <p:cTn id="41" presetID="1" presetClass="entr" presetSubtype="0" fill="hold" nodeType="clickEffect">
-                                  <p:stCondLst>
-                                    <p:cond delay="0"/>
-                                  </p:stCondLst>
-                                  <p:childTnLst>
-                                    <p:set>
-                                      <p:cBhvr>
-                                        <p:cTn id="42" dur="1" fill="hold">
-                                          <p:stCondLst>
-                                            <p:cond delay="0"/>
-                                          </p:stCondLst>
-                                        </p:cTn>
-                                        <p:tgtEl>
-                                          <p:spTgt spid="7">
-                                            <p:txEl>
-                                              <p:pRg st="10" end="10"/>
-                                            </p:txEl>
-                                          </p:spTgt>
-                                        </p:tgtEl>
-                                        <p:attrNameLst>
-                                          <p:attrName>style.visibility</p:attrName>
-                                        </p:attrNameLst>
-                                      </p:cBhvr>
-                                      <p:to>
-                                        <p:strVal val="visible"/>
-                                      </p:to>
-                                    </p:set>
-                                  </p:childTnLst>
-                                </p:cTn>
-                              </p:par>
-                            </p:childTnLst>
-                          </p:cTn>
-                        </p:par>
-                      </p:childTnLst>
-                    </p:cTn>
-                  </p:par>
-                  <p:par>
-                    <p:cTn id="43" fill="hold">
-                      <p:stCondLst>
-                        <p:cond delay="indefinite"/>
-                      </p:stCondLst>
-                      <p:childTnLst>
-                        <p:par>
-                          <p:cTn id="44" fill="hold">
-                            <p:stCondLst>
-                              <p:cond delay="0"/>
-                            </p:stCondLst>
-                            <p:childTnLst>
-                              <p:par>
-                                <p:cTn id="45" presetID="1" presetClass="entr" presetSubtype="0" fill="hold" nodeType="clickEffect">
-                                  <p:stCondLst>
-                                    <p:cond delay="0"/>
-                                  </p:stCondLst>
-                                  <p:childTnLst>
-                                    <p:set>
-                                      <p:cBhvr>
-                                        <p:cTn id="46" dur="1" fill="hold">
-                                          <p:stCondLst>
-                                            <p:cond delay="0"/>
-                                          </p:stCondLst>
-                                        </p:cTn>
-                                        <p:tgtEl>
-                                          <p:spTgt spid="7">
-                                            <p:txEl>
-                                              <p:pRg st="11" end="11"/>
-                                            </p:txEl>
-                                          </p:spTgt>
-                                        </p:tgtEl>
-                                        <p:attrNameLst>
-                                          <p:attrName>style.visibility</p:attrName>
-                                        </p:attrNameLst>
-                                      </p:cBhvr>
-                                      <p:to>
-                                        <p:strVal val="visible"/>
-                                      </p:to>
-                                    </p:set>
-                                  </p:childTnLst>
-                                </p:cTn>
-                              </p:par>
-                            </p:childTnLst>
-                          </p:cTn>
-                        </p:par>
-                      </p:childTnLst>
-                    </p:cTn>
-                  </p:par>
                 </p:childTnLst>
               </p:cTn>
               <p:prevCondLst>
@@ -17623,7 +17734,7 @@
 </p:sld>
 </file>
 
-<file path=ppt/slides/slide26.xml><?xml version="1.0" encoding="utf-8"?>
+<file path=ppt/slides/slide27.xml><?xml version="1.0" encoding="utf-8"?>
 <p:sld xmlns:a="http://schemas.openxmlformats.org/drawingml/2006/main" xmlns:r="http://schemas.openxmlformats.org/officeDocument/2006/relationships" xmlns:p="http://schemas.openxmlformats.org/presentationml/2006/main">
   <p:cSld>
     <p:spTree>
@@ -17664,7 +17775,7 @@
             <a:fld id="{2BF067CD-8E6B-4360-9AA8-C5DF2A48A6D1}" type="slidenum">
               <a:rPr lang="en-US" noProof="0" smtClean="0"/>
               <a:pPr/>
-              <a:t>26</a:t>
+              <a:t>27</a:t>
             </a:fld>
             <a:endParaRPr lang="en-US" noProof="0" dirty="0"/>
           </a:p>
@@ -17737,10 +17848,15 @@
             <p:ph type="body" sz="quarter" idx="10"/>
           </p:nvPr>
         </p:nvSpPr>
-        <p:spPr/>
+        <p:spPr>
+          <a:xfrm>
+            <a:off x="190402" y="1196125"/>
+            <a:ext cx="7840598" cy="5528766"/>
+          </a:xfrm>
+        </p:spPr>
         <p:txBody>
           <a:bodyPr>
-            <a:normAutofit fontScale="55000" lnSpcReduction="20000"/>
+            <a:normAutofit fontScale="62500" lnSpcReduction="20000"/>
           </a:bodyPr>
           <a:lstStyle/>
           <a:p>
@@ -17916,136 +18032,52 @@
             </a:r>
           </a:p>
           <a:p>
-            <a:r>
-              <a:rPr lang="bg-BG" sz="5100" b="1" dirty="0">
-                <a:solidFill>
-                  <a:schemeClr val="bg1"/>
-                </a:solidFill>
-              </a:rPr>
-              <a:t>Форма за редактиране на съществуващ преглед</a:t>
-            </a:r>
-          </a:p>
-          <a:p>
-            <a:pPr lvl="1"/>
-            <a:r>
-              <a:rPr lang="bg-BG" sz="4400" dirty="0"/>
-              <a:t>Полета за </a:t>
-            </a:r>
-            <a:r>
-              <a:rPr lang="bg-BG" sz="4400" b="1" dirty="0"/>
-              <a:t>име</a:t>
-            </a:r>
-            <a:r>
-              <a:rPr lang="bg-BG" sz="4400" dirty="0"/>
-              <a:t> и </a:t>
-            </a:r>
-            <a:r>
-              <a:rPr lang="bg-BG" sz="4400" b="1" dirty="0"/>
-              <a:t>фамилия</a:t>
-            </a:r>
-            <a:r>
-              <a:rPr lang="bg-BG" sz="4400" dirty="0"/>
-              <a:t> на </a:t>
-            </a:r>
-            <a:r>
-              <a:rPr lang="bg-BG" sz="4400" b="1" dirty="0"/>
-              <a:t>пациент</a:t>
-            </a:r>
-            <a:r>
-              <a:rPr lang="en-US" sz="4400" b="1" dirty="0"/>
-              <a:t> </a:t>
-            </a:r>
-            <a:r>
-              <a:rPr lang="en-US" sz="4400" dirty="0"/>
-              <a:t>(</a:t>
-            </a:r>
-            <a:r>
-              <a:rPr lang="bg-BG" sz="4400" dirty="0"/>
-              <a:t>само за четене</a:t>
-            </a:r>
-            <a:r>
-              <a:rPr lang="en-US" sz="4400" dirty="0"/>
-              <a:t> – </a:t>
-            </a:r>
-            <a:r>
-              <a:rPr lang="bg-BG" sz="4400" dirty="0"/>
-              <a:t>избран пациент</a:t>
-            </a:r>
-            <a:r>
-              <a:rPr lang="en-US" sz="4400" dirty="0"/>
-              <a:t>)</a:t>
-            </a:r>
-            <a:r>
-              <a:rPr lang="bg-BG" sz="4400" dirty="0"/>
-              <a:t>, </a:t>
-            </a:r>
-            <a:r>
-              <a:rPr lang="bg-BG" sz="4400" b="1" dirty="0"/>
-              <a:t>име</a:t>
-            </a:r>
-            <a:r>
-              <a:rPr lang="bg-BG" sz="4400" dirty="0"/>
-              <a:t> и </a:t>
-            </a:r>
-            <a:r>
-              <a:rPr lang="bg-BG" sz="4400" b="1" dirty="0"/>
-              <a:t>фамилия</a:t>
-            </a:r>
-            <a:r>
-              <a:rPr lang="bg-BG" sz="4400" dirty="0"/>
-              <a:t> на </a:t>
-            </a:r>
-            <a:r>
-              <a:rPr lang="bg-BG" sz="4400" b="1" dirty="0"/>
-              <a:t>лекар </a:t>
-            </a:r>
-            <a:r>
-              <a:rPr lang="bg-BG" sz="4400" dirty="0"/>
-              <a:t>(само за четене – текущ логнат лекар), </a:t>
-            </a:r>
-            <a:r>
-              <a:rPr lang="bg-BG" sz="4400" b="1" dirty="0"/>
-              <a:t>дата</a:t>
-            </a:r>
-            <a:r>
-              <a:rPr lang="bg-BG" sz="4400" dirty="0"/>
-              <a:t>, </a:t>
-            </a:r>
-            <a:r>
-              <a:rPr lang="bg-BG" sz="4400" b="1" dirty="0"/>
-              <a:t>състояние</a:t>
-            </a:r>
-            <a:r>
-              <a:rPr lang="bg-BG" sz="4400" dirty="0"/>
-              <a:t>, </a:t>
-            </a:r>
-            <a:r>
-              <a:rPr lang="bg-BG" sz="4400" b="1" dirty="0"/>
-              <a:t>лечение</a:t>
-            </a:r>
-          </a:p>
-          <a:p>
-            <a:pPr lvl="1"/>
-            <a:r>
-              <a:rPr lang="bg-BG" sz="4400" dirty="0"/>
-              <a:t>Бутони за </a:t>
-            </a:r>
-            <a:r>
-              <a:rPr lang="bg-BG" sz="4400" b="1" dirty="0"/>
-              <a:t>редактиране</a:t>
-            </a:r>
-            <a:r>
-              <a:rPr lang="bg-BG" sz="4400" dirty="0"/>
-              <a:t> и </a:t>
-            </a:r>
-            <a:r>
-              <a:rPr lang="bg-BG" sz="4400" b="1" dirty="0"/>
-              <a:t>отказ</a:t>
-            </a:r>
             <a:endParaRPr lang="en-BG" sz="4400" b="1" dirty="0"/>
           </a:p>
         </p:txBody>
       </p:sp>
+      <p:pic>
+        <p:nvPicPr>
+          <p:cNvPr id="3" name="Picture 2">
+            <a:extLst>
+              <a:ext uri="{FF2B5EF4-FFF2-40B4-BE49-F238E27FC236}">
+                <a16:creationId xmlns:a16="http://schemas.microsoft.com/office/drawing/2014/main" id="{8D5A6025-F9EB-64B3-BBE8-4E3794A94197}"/>
+              </a:ext>
+            </a:extLst>
+          </p:cNvPr>
+          <p:cNvPicPr>
+            <a:picLocks noChangeAspect="1"/>
+          </p:cNvPicPr>
+          <p:nvPr/>
+        </p:nvPicPr>
+        <p:blipFill>
+          <a:blip r:embed="rId3">
+            <a:extLst>
+              <a:ext uri="{28A0092B-C50C-407E-A947-70E740481C1C}">
+                <a14:useLocalDpi xmlns:a14="http://schemas.microsoft.com/office/drawing/2010/main" val="0"/>
+              </a:ext>
+            </a:extLst>
+          </a:blip>
+          <a:srcRect/>
+          <a:stretch/>
+        </p:blipFill>
+        <p:spPr>
+          <a:xfrm>
+            <a:off x="7941000" y="2784304"/>
+            <a:ext cx="4087962" cy="2352408"/>
+          </a:xfrm>
+          <a:prstGeom prst="rect">
+            <a:avLst/>
+          </a:prstGeom>
+          <a:ln>
+            <a:solidFill>
+              <a:schemeClr val="bg2">
+                <a:lumMod val="75000"/>
+              </a:schemeClr>
+            </a:solidFill>
+          </a:ln>
+        </p:spPr>
+      </p:pic>
     </p:spTree>
     <p:extLst>
       <p:ext uri="{BB962C8B-B14F-4D97-AF65-F5344CB8AC3E}">
@@ -18317,153 +18349,6 @@
                       </p:childTnLst>
                     </p:cTn>
                   </p:par>
-                  <p:par>
-                    <p:cTn id="23" fill="hold">
-                      <p:stCondLst>
-                        <p:cond delay="indefinite"/>
-                      </p:stCondLst>
-                      <p:childTnLst>
-                        <p:par>
-                          <p:cTn id="24" fill="hold">
-                            <p:stCondLst>
-                              <p:cond delay="0"/>
-                            </p:stCondLst>
-                            <p:childTnLst>
-                              <p:par>
-                                <p:cTn id="25" presetID="1" presetClass="entr" presetSubtype="0" fill="hold" nodeType="clickEffect">
-                                  <p:stCondLst>
-                                    <p:cond delay="0"/>
-                                  </p:stCondLst>
-                                  <p:childTnLst>
-                                    <p:set>
-                                      <p:cBhvr>
-                                        <p:cTn id="26" dur="1" fill="hold">
-                                          <p:stCondLst>
-                                            <p:cond delay="0"/>
-                                          </p:stCondLst>
-                                        </p:cTn>
-                                        <p:tgtEl>
-                                          <p:spTgt spid="7">
-                                            <p:txEl>
-                                              <p:pRg st="6" end="6"/>
-                                            </p:txEl>
-                                          </p:spTgt>
-                                        </p:tgtEl>
-                                        <p:attrNameLst>
-                                          <p:attrName>style.visibility</p:attrName>
-                                        </p:attrNameLst>
-                                      </p:cBhvr>
-                                      <p:to>
-                                        <p:strVal val="visible"/>
-                                      </p:to>
-                                    </p:set>
-                                  </p:childTnLst>
-                                </p:cTn>
-                              </p:par>
-                            </p:childTnLst>
-                          </p:cTn>
-                        </p:par>
-                      </p:childTnLst>
-                    </p:cTn>
-                  </p:par>
-                  <p:par>
-                    <p:cTn id="27" fill="hold">
-                      <p:stCondLst>
-                        <p:cond delay="indefinite"/>
-                      </p:stCondLst>
-                      <p:childTnLst>
-                        <p:par>
-                          <p:cTn id="28" fill="hold">
-                            <p:stCondLst>
-                              <p:cond delay="0"/>
-                            </p:stCondLst>
-                            <p:childTnLst>
-                              <p:par>
-                                <p:cTn id="29" presetID="1" presetClass="entr" presetSubtype="0" fill="hold" nodeType="clickEffect">
-                                  <p:stCondLst>
-                                    <p:cond delay="0"/>
-                                  </p:stCondLst>
-                                  <p:childTnLst>
-                                    <p:set>
-                                      <p:cBhvr>
-                                        <p:cTn id="30" dur="1" fill="hold">
-                                          <p:stCondLst>
-                                            <p:cond delay="0"/>
-                                          </p:stCondLst>
-                                        </p:cTn>
-                                        <p:tgtEl>
-                                          <p:spTgt spid="7">
-                                            <p:txEl>
-                                              <p:pRg st="7" end="7"/>
-                                            </p:txEl>
-                                          </p:spTgt>
-                                        </p:tgtEl>
-                                        <p:attrNameLst>
-                                          <p:attrName>style.visibility</p:attrName>
-                                        </p:attrNameLst>
-                                      </p:cBhvr>
-                                      <p:to>
-                                        <p:strVal val="visible"/>
-                                      </p:to>
-                                    </p:set>
-                                  </p:childTnLst>
-                                </p:cTn>
-                              </p:par>
-                            </p:childTnLst>
-                          </p:cTn>
-                        </p:par>
-                      </p:childTnLst>
-                    </p:cTn>
-                  </p:par>
-                  <p:par>
-                    <p:cTn id="31" fill="hold">
-                      <p:stCondLst>
-                        <p:cond delay="indefinite"/>
-                      </p:stCondLst>
-                      <p:childTnLst>
-                        <p:par>
-                          <p:cTn id="32" fill="hold">
-                            <p:stCondLst>
-                              <p:cond delay="0"/>
-                            </p:stCondLst>
-                            <p:childTnLst>
-                              <p:par>
-                                <p:cTn id="33" presetID="1" presetClass="entr" presetSubtype="0" fill="hold" nodeType="clickEffect">
-                                  <p:stCondLst>
-                                    <p:cond delay="0"/>
-                                  </p:stCondLst>
-                                  <p:childTnLst>
-                                    <p:set>
-                                      <p:cBhvr>
-                                        <p:cTn id="34" dur="1" fill="hold">
-                                          <p:stCondLst>
-                                            <p:cond delay="0"/>
-                                          </p:stCondLst>
-                                        </p:cTn>
-                                        <p:tgtEl>
-                                          <p:spTgt spid="7">
-                                            <p:txEl>
-                                              <p:pRg st="8" end="8"/>
-                                            </p:txEl>
-                                          </p:spTgt>
-                                        </p:tgtEl>
-                                        <p:attrNameLst>
-                                          <p:attrName>style.visibility</p:attrName>
-                                        </p:attrNameLst>
-                                      </p:cBhvr>
-                                      <p:to>
-                                        <p:strVal val="visible"/>
-                                      </p:to>
-                                    </p:set>
-                                  </p:childTnLst>
-                                </p:cTn>
-                              </p:par>
-                            </p:childTnLst>
-                          </p:cTn>
-                        </p:par>
-                      </p:childTnLst>
-                    </p:cTn>
-                  </p:par>
                 </p:childTnLst>
               </p:cTn>
               <p:prevCondLst>
@@ -18489,7 +18374,7 @@
 </p:sld>
 </file>
 
-<file path=ppt/slides/slide27.xml><?xml version="1.0" encoding="utf-8"?>
+<file path=ppt/slides/slide28.xml><?xml version="1.0" encoding="utf-8"?>
 <p:sld xmlns:a="http://schemas.openxmlformats.org/drawingml/2006/main" xmlns:r="http://schemas.openxmlformats.org/officeDocument/2006/relationships" xmlns:p="http://schemas.openxmlformats.org/presentationml/2006/main">
   <p:cSld>
     <p:spTree>
@@ -18530,7 +18415,7 @@
             <a:fld id="{2BF067CD-8E6B-4360-9AA8-C5DF2A48A6D1}" type="slidenum">
               <a:rPr lang="en-US" noProof="0" smtClean="0"/>
               <a:pPr/>
-              <a:t>27</a:t>
+              <a:t>28</a:t>
             </a:fld>
             <a:endParaRPr lang="en-US" noProof="0" dirty="0"/>
           </a:p>
@@ -18603,15 +18488,153 @@
             <p:ph type="body" sz="quarter" idx="10"/>
           </p:nvPr>
         </p:nvSpPr>
-        <p:spPr/>
+        <p:spPr>
+          <a:xfrm>
+            <a:off x="190402" y="1196125"/>
+            <a:ext cx="7750598" cy="5528766"/>
+          </a:xfrm>
+        </p:spPr>
         <p:txBody>
           <a:bodyPr>
-            <a:normAutofit/>
+            <a:normAutofit fontScale="77500" lnSpcReduction="20000"/>
           </a:bodyPr>
           <a:lstStyle/>
           <a:p>
             <a:r>
-              <a:rPr lang="bg-BG" sz="3200" b="1" dirty="0">
+              <a:rPr lang="bg-BG" sz="3800" b="1" dirty="0">
+                <a:solidFill>
+                  <a:schemeClr val="bg1"/>
+                </a:solidFill>
+              </a:rPr>
+              <a:t>Форма за редактиране на съществуващ преглед</a:t>
+            </a:r>
+          </a:p>
+          <a:p>
+            <a:pPr lvl="1"/>
+            <a:r>
+              <a:rPr lang="bg-BG" sz="3500" dirty="0"/>
+              <a:t>Полета за </a:t>
+            </a:r>
+            <a:r>
+              <a:rPr lang="bg-BG" sz="3500" b="1" dirty="0"/>
+              <a:t>име</a:t>
+            </a:r>
+            <a:r>
+              <a:rPr lang="bg-BG" sz="3500" dirty="0"/>
+              <a:t> и </a:t>
+            </a:r>
+            <a:r>
+              <a:rPr lang="bg-BG" sz="3500" b="1" dirty="0"/>
+              <a:t>фамилия</a:t>
+            </a:r>
+            <a:r>
+              <a:rPr lang="bg-BG" sz="3500" dirty="0"/>
+              <a:t> на </a:t>
+            </a:r>
+            <a:r>
+              <a:rPr lang="bg-BG" sz="3500" b="1" dirty="0"/>
+              <a:t>пациент</a:t>
+            </a:r>
+            <a:r>
+              <a:rPr lang="en-US" sz="3500" b="1" dirty="0"/>
+              <a:t> </a:t>
+            </a:r>
+            <a:r>
+              <a:rPr lang="en-US" sz="3500" dirty="0"/>
+              <a:t>(</a:t>
+            </a:r>
+            <a:r>
+              <a:rPr lang="bg-BG" sz="3500" dirty="0"/>
+              <a:t>само за четене</a:t>
+            </a:r>
+            <a:r>
+              <a:rPr lang="en-US" sz="3500" dirty="0"/>
+              <a:t> – </a:t>
+            </a:r>
+            <a:r>
+              <a:rPr lang="bg-BG" sz="3500" dirty="0"/>
+              <a:t>избран пациент</a:t>
+            </a:r>
+            <a:r>
+              <a:rPr lang="en-US" sz="3500" dirty="0"/>
+              <a:t>)</a:t>
+            </a:r>
+            <a:r>
+              <a:rPr lang="bg-BG" sz="3500" dirty="0"/>
+              <a:t>, </a:t>
+            </a:r>
+            <a:r>
+              <a:rPr lang="bg-BG" sz="3500" b="1" dirty="0"/>
+              <a:t>име</a:t>
+            </a:r>
+            <a:r>
+              <a:rPr lang="bg-BG" sz="3500" dirty="0"/>
+              <a:t> и </a:t>
+            </a:r>
+            <a:r>
+              <a:rPr lang="bg-BG" sz="3500" b="1" dirty="0"/>
+              <a:t>фамилия</a:t>
+            </a:r>
+            <a:r>
+              <a:rPr lang="bg-BG" sz="3500" dirty="0"/>
+              <a:t> на </a:t>
+            </a:r>
+            <a:r>
+              <a:rPr lang="bg-BG" sz="3500" b="1" dirty="0"/>
+              <a:t>лекар </a:t>
+            </a:r>
+            <a:r>
+              <a:rPr lang="bg-BG" sz="3500" dirty="0"/>
+              <a:t>(само за четене – текущ логнат лекар), </a:t>
+            </a:r>
+            <a:r>
+              <a:rPr lang="bg-BG" sz="3500" b="1" dirty="0"/>
+              <a:t>дата</a:t>
+            </a:r>
+            <a:r>
+              <a:rPr lang="bg-BG" sz="3500" dirty="0"/>
+              <a:t>, </a:t>
+            </a:r>
+            <a:r>
+              <a:rPr lang="bg-BG" sz="3500" b="1" dirty="0"/>
+              <a:t>състояние</a:t>
+            </a:r>
+            <a:r>
+              <a:rPr lang="bg-BG" sz="3500" dirty="0"/>
+              <a:t>, </a:t>
+            </a:r>
+            <a:r>
+              <a:rPr lang="bg-BG" sz="3500" b="1" dirty="0"/>
+              <a:t>лечение</a:t>
+            </a:r>
+          </a:p>
+          <a:p>
+            <a:pPr lvl="1"/>
+            <a:r>
+              <a:rPr lang="bg-BG" sz="3500" dirty="0"/>
+              <a:t>Бутони за </a:t>
+            </a:r>
+            <a:r>
+              <a:rPr lang="bg-BG" sz="3500" b="1" dirty="0"/>
+              <a:t>редактиране</a:t>
+            </a:r>
+            <a:r>
+              <a:rPr lang="bg-BG" sz="3500" dirty="0"/>
+              <a:t> и </a:t>
+            </a:r>
+            <a:r>
+              <a:rPr lang="bg-BG" sz="3500" b="1" dirty="0"/>
+              <a:t>отказ</a:t>
+            </a:r>
+            <a:endParaRPr lang="en-US" sz="3500" b="1" dirty="0">
+              <a:solidFill>
+                <a:schemeClr val="bg1"/>
+              </a:solidFill>
+            </a:endParaRPr>
+          </a:p>
+          <a:p>
+            <a:r>
+              <a:rPr lang="bg-BG" sz="3500" b="1" dirty="0">
                 <a:solidFill>
                   <a:schemeClr val="bg1"/>
                 </a:solidFill>
@@ -18622,109 +18645,109 @@
           <a:p>
             <a:pPr lvl="1"/>
             <a:r>
-              <a:rPr lang="bg-BG" sz="2800" dirty="0"/>
+              <a:rPr lang="bg-BG" sz="3500" dirty="0"/>
               <a:t>Полета за </a:t>
             </a:r>
             <a:r>
-              <a:rPr lang="bg-BG" sz="2800" b="1" dirty="0"/>
+              <a:rPr lang="bg-BG" sz="3500" b="1" dirty="0"/>
               <a:t>име</a:t>
             </a:r>
             <a:r>
-              <a:rPr lang="bg-BG" sz="2800" dirty="0"/>
+              <a:rPr lang="bg-BG" sz="3500" dirty="0"/>
               <a:t> и </a:t>
             </a:r>
             <a:r>
-              <a:rPr lang="bg-BG" sz="2800" b="1" dirty="0"/>
+              <a:rPr lang="bg-BG" sz="3500" b="1" dirty="0"/>
               <a:t>фамилия</a:t>
             </a:r>
             <a:r>
-              <a:rPr lang="bg-BG" sz="2800" dirty="0"/>
+              <a:rPr lang="bg-BG" sz="3500" dirty="0"/>
               <a:t> на </a:t>
             </a:r>
             <a:r>
-              <a:rPr lang="bg-BG" sz="2800" b="1" dirty="0"/>
+              <a:rPr lang="bg-BG" sz="3500" b="1" dirty="0"/>
               <a:t>пациент</a:t>
             </a:r>
             <a:r>
-              <a:rPr lang="bg-BG" sz="2800" dirty="0"/>
+              <a:rPr lang="bg-BG" sz="3500" dirty="0"/>
               <a:t>, </a:t>
             </a:r>
             <a:r>
-              <a:rPr lang="bg-BG" sz="2800" b="1" dirty="0"/>
+              <a:rPr lang="bg-BG" sz="3500" b="1" dirty="0"/>
               <a:t>име</a:t>
             </a:r>
             <a:r>
-              <a:rPr lang="bg-BG" sz="2800" dirty="0"/>
+              <a:rPr lang="bg-BG" sz="3500" dirty="0"/>
               <a:t> и </a:t>
             </a:r>
             <a:r>
-              <a:rPr lang="bg-BG" sz="2800" b="1" dirty="0"/>
+              <a:rPr lang="bg-BG" sz="3500" b="1" dirty="0"/>
               <a:t>фамилия</a:t>
             </a:r>
             <a:r>
-              <a:rPr lang="bg-BG" sz="2800" dirty="0"/>
+              <a:rPr lang="bg-BG" sz="3500" dirty="0"/>
               <a:t> на </a:t>
             </a:r>
             <a:r>
-              <a:rPr lang="bg-BG" sz="2800" b="1" dirty="0"/>
+              <a:rPr lang="bg-BG" sz="3500" b="1" dirty="0"/>
               <a:t>лекар</a:t>
             </a:r>
             <a:r>
-              <a:rPr lang="bg-BG" sz="2800" dirty="0"/>
+              <a:rPr lang="bg-BG" sz="3500" dirty="0"/>
               <a:t>, </a:t>
             </a:r>
             <a:r>
-              <a:rPr lang="bg-BG" sz="2800" b="1" dirty="0"/>
+              <a:rPr lang="bg-BG" sz="3500" b="1" dirty="0"/>
               <a:t>дата</a:t>
             </a:r>
             <a:r>
-              <a:rPr lang="bg-BG" sz="2800" dirty="0"/>
+              <a:rPr lang="bg-BG" sz="3500" dirty="0"/>
               <a:t>, </a:t>
             </a:r>
             <a:r>
-              <a:rPr lang="bg-BG" sz="2800" b="1" dirty="0"/>
+              <a:rPr lang="bg-BG" sz="3500" b="1" dirty="0"/>
               <a:t>състояние</a:t>
             </a:r>
             <a:r>
-              <a:rPr lang="bg-BG" sz="2800" dirty="0"/>
+              <a:rPr lang="bg-BG" sz="3500" dirty="0"/>
               <a:t>, </a:t>
             </a:r>
             <a:r>
-              <a:rPr lang="bg-BG" sz="2800" b="1" dirty="0"/>
+              <a:rPr lang="bg-BG" sz="3500" b="1" dirty="0"/>
               <a:t>лечение</a:t>
             </a:r>
             <a:r>
-              <a:rPr lang="bg-BG" sz="2800" dirty="0"/>
+              <a:rPr lang="bg-BG" sz="3500" dirty="0"/>
               <a:t> (само за четене</a:t>
             </a:r>
             <a:r>
-              <a:rPr lang="en-US" sz="2800" dirty="0"/>
+              <a:rPr lang="en-US" sz="3500" dirty="0"/>
               <a:t> – </a:t>
             </a:r>
             <a:r>
-              <a:rPr lang="bg-BG" sz="2800" dirty="0"/>
+              <a:rPr lang="bg-BG" sz="3500" dirty="0"/>
               <a:t>всички полета)</a:t>
             </a:r>
           </a:p>
           <a:p>
             <a:pPr lvl="1"/>
             <a:r>
-              <a:rPr lang="bg-BG" sz="2800" dirty="0"/>
+              <a:rPr lang="bg-BG" sz="3500" dirty="0"/>
               <a:t>Бутони за </a:t>
             </a:r>
             <a:r>
-              <a:rPr lang="bg-BG" sz="2800" b="1" dirty="0"/>
+              <a:rPr lang="bg-BG" sz="3500" b="1" dirty="0"/>
               <a:t>изтриване</a:t>
             </a:r>
             <a:r>
-              <a:rPr lang="bg-BG" sz="2800" dirty="0"/>
+              <a:rPr lang="bg-BG" sz="3500" dirty="0"/>
               <a:t> и </a:t>
             </a:r>
             <a:r>
-              <a:rPr lang="bg-BG" sz="2800" b="1" dirty="0"/>
+              <a:rPr lang="bg-BG" sz="3500" b="1" dirty="0"/>
               <a:t>отказ</a:t>
             </a:r>
-            <a:endParaRPr lang="en-BG" sz="2800" b="1" dirty="0"/>
+            <a:endParaRPr lang="en-BG" sz="3500" b="1" dirty="0"/>
           </a:p>
         </p:txBody>
       </p:sp>
@@ -18755,8 +18778,8 @@
         </p:blipFill>
         <p:spPr>
           <a:xfrm>
-            <a:off x="6096000" y="3159000"/>
-            <a:ext cx="5492925" cy="3160891"/>
+            <a:off x="7941000" y="2784304"/>
+            <a:ext cx="4087962" cy="2352408"/>
           </a:xfrm>
           <a:prstGeom prst="rect">
             <a:avLst/>
@@ -18894,6 +18917,104 @@
                       </p:childTnLst>
                     </p:cTn>
                   </p:par>
+                  <p:par>
+                    <p:cTn id="11" fill="hold">
+                      <p:stCondLst>
+                        <p:cond delay="indefinite"/>
+                      </p:stCondLst>
+                      <p:childTnLst>
+                        <p:par>
+                          <p:cTn id="12" fill="hold">
+                            <p:stCondLst>
+                              <p:cond delay="0"/>
+                            </p:stCondLst>
+                            <p:childTnLst>
+                              <p:par>
+                                <p:cTn id="13" presetID="1" presetClass="entr" presetSubtype="0" fill="hold" nodeType="clickEffect">
+                                  <p:stCondLst>
+                                    <p:cond delay="0"/>
+                                  </p:stCondLst>
+                                  <p:childTnLst>
+                                    <p:set>
+                                      <p:cBhvr>
+                                        <p:cTn id="14" dur="1" fill="hold">
+                                          <p:stCondLst>
+                                            <p:cond delay="0"/>
+                                          </p:stCondLst>
+                                        </p:cTn>
+                                        <p:tgtEl>
+                                          <p:spTgt spid="7">
+                                            <p:txEl>
+                                              <p:pRg st="4" end="4"/>
+                                            </p:txEl>
+                                          </p:spTgt>
+                                        </p:tgtEl>
+                                        <p:attrNameLst>
+                                          <p:attrName>style.visibility</p:attrName>
+                                        </p:attrNameLst>
+                                      </p:cBhvr>
+                                      <p:to>
+                                        <p:strVal val="visible"/>
+                                      </p:to>
+                                    </p:set>
+                                  </p:childTnLst>
+                                </p:cTn>
+                              </p:par>
+                            </p:childTnLst>
+                          </p:cTn>
+                        </p:par>
+                      </p:childTnLst>
+                    </p:cTn>
+                  </p:par>
+                  <p:par>
+                    <p:cTn id="15" fill="hold">
+                      <p:stCondLst>
+                        <p:cond delay="indefinite"/>
+                      </p:stCondLst>
+                      <p:childTnLst>
+                        <p:par>
+                          <p:cTn id="16" fill="hold">
+                            <p:stCondLst>
+                              <p:cond delay="0"/>
+                            </p:stCondLst>
+                            <p:childTnLst>
+                              <p:par>
+                                <p:cTn id="17" presetID="1" presetClass="entr" presetSubtype="0" fill="hold" nodeType="clickEffect">
+                                  <p:stCondLst>
+                                    <p:cond delay="0"/>
+                                  </p:stCondLst>
+                                  <p:childTnLst>
+                                    <p:set>
+                                      <p:cBhvr>
+                                        <p:cTn id="18" dur="1" fill="hold">
+                                          <p:stCondLst>
+                                            <p:cond delay="0"/>
+                                          </p:stCondLst>
+                                        </p:cTn>
+                                        <p:tgtEl>
+                                          <p:spTgt spid="7">
+                                            <p:txEl>
+                                              <p:pRg st="5" end="5"/>
+                                            </p:txEl>
+                                          </p:spTgt>
+                                        </p:tgtEl>
+                                        <p:attrNameLst>
+                                          <p:attrName>style.visibility</p:attrName>
+                                        </p:attrNameLst>
+                                      </p:cBhvr>
+                                      <p:to>
+                                        <p:strVal val="visible"/>
+                                      </p:to>
+                                    </p:set>
+                                  </p:childTnLst>
+                                </p:cTn>
+                              </p:par>
+                            </p:childTnLst>
+                          </p:cTn>
+                        </p:par>
+                      </p:childTnLst>
+                    </p:cTn>
+                  </p:par>
                 </p:childTnLst>
               </p:cTn>
               <p:prevCondLst>
@@ -18919,7 +19040,7 @@
 </p:sld>
 </file>
 
-<file path=ppt/slides/slide28.xml><?xml version="1.0" encoding="utf-8"?>
+<file path=ppt/slides/slide29.xml><?xml version="1.0" encoding="utf-8"?>
 <p:sld xmlns:a="http://schemas.openxmlformats.org/drawingml/2006/main" xmlns:r="http://schemas.openxmlformats.org/officeDocument/2006/relationships" xmlns:p="http://schemas.openxmlformats.org/presentationml/2006/main">
   <p:cSld>
     <p:spTree>
@@ -18960,7 +19081,7 @@
             <a:fld id="{2BF067CD-8E6B-4360-9AA8-C5DF2A48A6D1}" type="slidenum">
               <a:rPr lang="en-US" noProof="0" smtClean="0"/>
               <a:pPr/>
-              <a:t>28</a:t>
+              <a:t>29</a:t>
             </a:fld>
             <a:endParaRPr lang="en-US" noProof="0" dirty="0"/>
           </a:p>
@@ -19009,6 +19130,10 @@
               <a:rPr lang="bg-BG" dirty="0"/>
               <a:t>- Лекари</a:t>
             </a:r>
+            <a:r>
+              <a:rPr lang="en-US" dirty="0"/>
+              <a:t> (1)</a:t>
+            </a:r>
             <a:endParaRPr lang="en-BG" dirty="0"/>
           </a:p>
         </p:txBody>
@@ -19032,12 +19157,12 @@
         <p:spPr>
           <a:xfrm>
             <a:off x="190402" y="1196125"/>
-            <a:ext cx="7660598" cy="5528766"/>
+            <a:ext cx="7210598" cy="5528766"/>
           </a:xfrm>
         </p:spPr>
         <p:txBody>
           <a:bodyPr>
-            <a:normAutofit fontScale="62500" lnSpcReduction="20000"/>
+            <a:normAutofit/>
           </a:bodyPr>
           <a:lstStyle/>
           <a:p>
@@ -19167,148 +19292,6 @@
               <a:rPr lang="bg-BG" b="1" dirty="0"/>
               <a:t>отказ</a:t>
             </a:r>
-          </a:p>
-          <a:p>
-            <a:r>
-              <a:rPr lang="bg-BG" b="1" dirty="0">
-                <a:solidFill>
-                  <a:schemeClr val="bg1"/>
-                </a:solidFill>
-              </a:rPr>
-              <a:t>Форма за редактиране на съществуващ лекар</a:t>
-            </a:r>
-          </a:p>
-          <a:p>
-            <a:pPr lvl="1"/>
-            <a:r>
-              <a:rPr lang="bg-BG" dirty="0"/>
-              <a:t>Полета за </a:t>
-            </a:r>
-            <a:r>
-              <a:rPr lang="bg-BG" b="1" dirty="0"/>
-              <a:t>име</a:t>
-            </a:r>
-            <a:r>
-              <a:rPr lang="bg-BG" dirty="0"/>
-              <a:t>, </a:t>
-            </a:r>
-            <a:r>
-              <a:rPr lang="bg-BG" b="1" dirty="0"/>
-              <a:t>фамилия</a:t>
-            </a:r>
-            <a:r>
-              <a:rPr lang="bg-BG" dirty="0"/>
-              <a:t>, </a:t>
-            </a:r>
-            <a:r>
-              <a:rPr lang="bg-BG" b="1" dirty="0"/>
-              <a:t>специалност</a:t>
-            </a:r>
-            <a:r>
-              <a:rPr lang="bg-BG" dirty="0"/>
-              <a:t>, </a:t>
-            </a:r>
-            <a:r>
-              <a:rPr lang="bg-BG" b="1" dirty="0"/>
-              <a:t>телефон</a:t>
-            </a:r>
-            <a:r>
-              <a:rPr lang="bg-BG" dirty="0"/>
-              <a:t>,</a:t>
-            </a:r>
-            <a:r>
-              <a:rPr lang="bg-BG" b="1" dirty="0"/>
-              <a:t> потребителско име</a:t>
-            </a:r>
-            <a:r>
-              <a:rPr lang="bg-BG" dirty="0"/>
-              <a:t>,</a:t>
-            </a:r>
-            <a:r>
-              <a:rPr lang="bg-BG" b="1" dirty="0"/>
-              <a:t> парола</a:t>
-            </a:r>
-          </a:p>
-          <a:p>
-            <a:pPr lvl="1"/>
-            <a:r>
-              <a:rPr lang="bg-BG" dirty="0"/>
-              <a:t>Бутони за </a:t>
-            </a:r>
-            <a:r>
-              <a:rPr lang="bg-BG" b="1" dirty="0"/>
-              <a:t>редактиране</a:t>
-            </a:r>
-            <a:r>
-              <a:rPr lang="bg-BG" dirty="0"/>
-              <a:t> и </a:t>
-            </a:r>
-            <a:r>
-              <a:rPr lang="bg-BG" b="1" dirty="0"/>
-              <a:t>отказ</a:t>
-            </a:r>
-          </a:p>
-          <a:p>
-            <a:r>
-              <a:rPr lang="bg-BG" b="1" dirty="0">
-                <a:solidFill>
-                  <a:schemeClr val="bg1"/>
-                </a:solidFill>
-              </a:rPr>
-              <a:t>Форма за изтриване на съществуващ лекар</a:t>
-            </a:r>
-          </a:p>
-          <a:p>
-            <a:pPr lvl="1"/>
-            <a:r>
-              <a:rPr lang="bg-BG" dirty="0"/>
-              <a:t>Поле за </a:t>
-            </a:r>
-            <a:r>
-              <a:rPr lang="bg-BG" b="1" dirty="0"/>
-              <a:t>име</a:t>
-            </a:r>
-            <a:r>
-              <a:rPr lang="bg-BG" dirty="0"/>
-              <a:t> и </a:t>
-            </a:r>
-            <a:r>
-              <a:rPr lang="bg-BG" b="1" dirty="0"/>
-              <a:t>фамилия </a:t>
-            </a:r>
-            <a:r>
-              <a:rPr lang="en-US" dirty="0"/>
-              <a:t>(</a:t>
-            </a:r>
-            <a:r>
-              <a:rPr lang="bg-BG" dirty="0"/>
-              <a:t>само за четене</a:t>
-            </a:r>
-            <a:r>
-              <a:rPr lang="en-US" dirty="0"/>
-              <a:t>)</a:t>
-            </a:r>
-            <a:endParaRPr lang="bg-BG" dirty="0"/>
-          </a:p>
-          <a:p>
-            <a:pPr lvl="1"/>
-            <a:r>
-              <a:rPr lang="bg-BG" dirty="0"/>
-              <a:t>Бутони за </a:t>
-            </a:r>
-            <a:r>
-              <a:rPr lang="bg-BG" b="1" dirty="0"/>
-              <a:t>изтриване</a:t>
-            </a:r>
-            <a:r>
-              <a:rPr lang="bg-BG" dirty="0"/>
-              <a:t> и </a:t>
-            </a:r>
-            <a:r>
-              <a:rPr lang="bg-BG" b="1" dirty="0"/>
-              <a:t>отказ</a:t>
-            </a:r>
-            <a:endParaRPr lang="en-BG" b="1" dirty="0"/>
           </a:p>
         </p:txBody>
       </p:sp>
@@ -19625,27 +19608,520 @@
                       </p:childTnLst>
                     </p:cTn>
                   </p:par>
+                </p:childTnLst>
+              </p:cTn>
+              <p:prevCondLst>
+                <p:cond evt="onPrev" delay="0">
+                  <p:tgtEl>
+                    <p:sldTgt/>
+                  </p:tgtEl>
+                </p:cond>
+              </p:prevCondLst>
+              <p:nextCondLst>
+                <p:cond evt="onNext" delay="0">
+                  <p:tgtEl>
+                    <p:sldTgt/>
+                  </p:tgtEl>
+                </p:cond>
+              </p:nextCondLst>
+            </p:seq>
+          </p:childTnLst>
+        </p:cTn>
+      </p:par>
+    </p:tnLst>
+  </p:timing>
+</p:sld>
+</file>
+
+<file path=ppt/slides/slide3.xml><?xml version="1.0" encoding="utf-8"?>
+<p:sld xmlns:a="http://schemas.openxmlformats.org/drawingml/2006/main" xmlns:r="http://schemas.openxmlformats.org/officeDocument/2006/relationships" xmlns:p="http://schemas.openxmlformats.org/presentationml/2006/main">
+  <p:cSld>
+    <p:spTree>
+      <p:nvGrpSpPr>
+        <p:cNvPr id="1" name=""/>
+        <p:cNvGrpSpPr/>
+        <p:nvPr/>
+      </p:nvGrpSpPr>
+      <p:grpSpPr>
+        <a:xfrm>
+          <a:off x="0" y="0"/>
+          <a:ext cx="0" cy="0"/>
+          <a:chOff x="0" y="0"/>
+          <a:chExt cx="0" cy="0"/>
+        </a:xfrm>
+      </p:grpSpPr>
+      <p:sp>
+        <p:nvSpPr>
+          <p:cNvPr id="4" name="Slide Subtitle">
+            <a:extLst>
+              <a:ext uri="{FF2B5EF4-FFF2-40B4-BE49-F238E27FC236}">
+                <a16:creationId xmlns:a16="http://schemas.microsoft.com/office/drawing/2014/main" id="{BEB5BB41-09D4-4E9F-8C80-EE8709171CB3}"/>
+              </a:ext>
+            </a:extLst>
+          </p:cNvPr>
+          <p:cNvSpPr>
+            <a:spLocks noGrp="1"/>
+          </p:cNvSpPr>
+          <p:nvPr>
+            <p:ph type="subTitle" sz="quarter" idx="11"/>
+          </p:nvPr>
+        </p:nvSpPr>
+        <p:spPr/>
+        <p:txBody>
+          <a:bodyPr/>
+          <a:lstStyle/>
+          <a:p>
+            <a:r>
+              <a:rPr lang="bg-BG" dirty="0"/>
+              <a:t>Етапи</a:t>
+            </a:r>
+          </a:p>
+        </p:txBody>
+      </p:sp>
+      <p:sp>
+        <p:nvSpPr>
+          <p:cNvPr id="6" name="Slide Title">
+            <a:extLst>
+              <a:ext uri="{FF2B5EF4-FFF2-40B4-BE49-F238E27FC236}">
+                <a16:creationId xmlns:a16="http://schemas.microsoft.com/office/drawing/2014/main" id="{028D9EA3-B5E0-4F17-9467-4BE3C280DA68}"/>
+              </a:ext>
+            </a:extLst>
+          </p:cNvPr>
+          <p:cNvSpPr>
+            <a:spLocks noGrp="1"/>
+          </p:cNvSpPr>
+          <p:nvPr>
+            <p:ph type="title" sz="quarter" idx="10"/>
+          </p:nvPr>
+        </p:nvSpPr>
+        <p:spPr/>
+        <p:txBody>
+          <a:bodyPr/>
+          <a:lstStyle/>
+          <a:p>
+            <a:r>
+              <a:rPr lang="bg-BG" sz="4400" dirty="0"/>
+              <a:t>Жизнен цикъл на информационна система</a:t>
+            </a:r>
+            <a:endParaRPr lang="en-US" sz="4400" dirty="0"/>
+          </a:p>
+        </p:txBody>
+      </p:sp>
+      <p:pic>
+        <p:nvPicPr>
+          <p:cNvPr id="3" name="Picture 2">
+            <a:extLst>
+              <a:ext uri="{FF2B5EF4-FFF2-40B4-BE49-F238E27FC236}">
+                <a16:creationId xmlns:a16="http://schemas.microsoft.com/office/drawing/2014/main" id="{4D3A8A43-2D38-9408-FD20-702F4C9CB58E}"/>
+              </a:ext>
+            </a:extLst>
+          </p:cNvPr>
+          <p:cNvPicPr>
+            <a:picLocks noChangeAspect="1"/>
+          </p:cNvPicPr>
+          <p:nvPr/>
+        </p:nvPicPr>
+        <p:blipFill>
+          <a:blip r:embed="rId3" cstate="hqprint">
+            <a:extLst>
+              <a:ext uri="{28A0092B-C50C-407E-A947-70E740481C1C}">
+                <a14:useLocalDpi xmlns:a14="http://schemas.microsoft.com/office/drawing/2010/main" val="0"/>
+              </a:ext>
+            </a:extLst>
+          </a:blip>
+          <a:stretch>
+            <a:fillRect/>
+          </a:stretch>
+        </p:blipFill>
+        <p:spPr>
+          <a:xfrm>
+            <a:off x="4567768" y="1089000"/>
+            <a:ext cx="3056464" cy="3070858"/>
+          </a:xfrm>
+          <a:prstGeom prst="rect">
+            <a:avLst/>
+          </a:prstGeom>
+        </p:spPr>
+      </p:pic>
+    </p:spTree>
+    <p:extLst>
+      <p:ext uri="{BB962C8B-B14F-4D97-AF65-F5344CB8AC3E}">
+        <p14:creationId xmlns:p14="http://schemas.microsoft.com/office/powerpoint/2010/main" val="882194472"/>
+      </p:ext>
+    </p:extLst>
+  </p:cSld>
+  <p:clrMapOvr>
+    <a:masterClrMapping/>
+  </p:clrMapOvr>
+  <mc:AlternateContent xmlns:mc="http://schemas.openxmlformats.org/markup-compatibility/2006" xmlns:p14="http://schemas.microsoft.com/office/powerpoint/2010/main">
+    <mc:Choice Requires="p14">
+      <p:transition spd="slow" p14:dur="2000" advClick="0" advTm="5000"/>
+    </mc:Choice>
+    <mc:Fallback xmlns="">
+      <p:transition spd="slow" advClick="0" advTm="5000"/>
+    </mc:Fallback>
+  </mc:AlternateContent>
+</p:sld>
+</file>
+
+<file path=ppt/slides/slide30.xml><?xml version="1.0" encoding="utf-8"?>
+<p:sld xmlns:a="http://schemas.openxmlformats.org/drawingml/2006/main" xmlns:r="http://schemas.openxmlformats.org/officeDocument/2006/relationships" xmlns:p="http://schemas.openxmlformats.org/presentationml/2006/main">
+  <p:cSld>
+    <p:spTree>
+      <p:nvGrpSpPr>
+        <p:cNvPr id="1" name=""/>
+        <p:cNvGrpSpPr/>
+        <p:nvPr/>
+      </p:nvGrpSpPr>
+      <p:grpSpPr>
+        <a:xfrm>
+          <a:off x="0" y="0"/>
+          <a:ext cx="0" cy="0"/>
+          <a:chOff x="0" y="0"/>
+          <a:chExt cx="0" cy="0"/>
+        </a:xfrm>
+      </p:grpSpPr>
+      <p:sp>
+        <p:nvSpPr>
+          <p:cNvPr id="2" name="Slide Number Placeholder 1">
+            <a:extLst>
+              <a:ext uri="{FF2B5EF4-FFF2-40B4-BE49-F238E27FC236}">
+                <a16:creationId xmlns:a16="http://schemas.microsoft.com/office/drawing/2014/main" id="{CCAABC86-82E0-F099-701A-D4347B605385}"/>
+              </a:ext>
+            </a:extLst>
+          </p:cNvPr>
+          <p:cNvSpPr>
+            <a:spLocks noGrp="1"/>
+          </p:cNvSpPr>
+          <p:nvPr>
+            <p:ph type="sldNum" sz="quarter" idx="5"/>
+          </p:nvPr>
+        </p:nvSpPr>
+        <p:spPr/>
+        <p:txBody>
+          <a:bodyPr/>
+          <a:lstStyle/>
+          <a:p>
+            <a:fld id="{2BF067CD-8E6B-4360-9AA8-C5DF2A48A6D1}" type="slidenum">
+              <a:rPr lang="en-US" noProof="0" smtClean="0"/>
+              <a:pPr/>
+              <a:t>30</a:t>
+            </a:fld>
+            <a:endParaRPr lang="en-US" noProof="0" dirty="0"/>
+          </a:p>
+        </p:txBody>
+      </p:sp>
+      <p:sp>
+        <p:nvSpPr>
+          <p:cNvPr id="4" name="Title 3">
+            <a:extLst>
+              <a:ext uri="{FF2B5EF4-FFF2-40B4-BE49-F238E27FC236}">
+                <a16:creationId xmlns:a16="http://schemas.microsoft.com/office/drawing/2014/main" id="{67B6A643-676D-3506-B008-B24B36AA34F1}"/>
+              </a:ext>
+            </a:extLst>
+          </p:cNvPr>
+          <p:cNvSpPr>
+            <a:spLocks noGrp="1"/>
+          </p:cNvSpPr>
+          <p:nvPr>
+            <p:ph type="title"/>
+          </p:nvPr>
+        </p:nvSpPr>
+        <p:spPr/>
+        <p:txBody>
+          <a:bodyPr>
+            <a:normAutofit/>
+          </a:bodyPr>
+          <a:lstStyle/>
+          <a:p>
+            <a:r>
+              <a:rPr lang="bg-BG" dirty="0"/>
+              <a:t>Проектиране</a:t>
+            </a:r>
+            <a:r>
+              <a:rPr lang="en-US" dirty="0"/>
+              <a:t>: </a:t>
+            </a:r>
+            <a:r>
+              <a:rPr lang="bg-BG" dirty="0"/>
+              <a:t>дизайн на </a:t>
+            </a:r>
+            <a:r>
+              <a:rPr lang="en-US" dirty="0"/>
+              <a:t>UI </a:t>
+            </a:r>
+            <a:r>
+              <a:rPr lang="bg-BG" dirty="0"/>
+              <a:t>- Лекари</a:t>
+            </a:r>
+            <a:r>
+              <a:rPr lang="en-US" dirty="0"/>
+              <a:t> (2)</a:t>
+            </a:r>
+            <a:endParaRPr lang="en-BG" dirty="0"/>
+          </a:p>
+        </p:txBody>
+      </p:sp>
+      <p:sp>
+        <p:nvSpPr>
+          <p:cNvPr id="7" name="Text Placeholder 6">
+            <a:extLst>
+              <a:ext uri="{FF2B5EF4-FFF2-40B4-BE49-F238E27FC236}">
+                <a16:creationId xmlns:a16="http://schemas.microsoft.com/office/drawing/2014/main" id="{FBFEFCDD-E454-D1E7-D67F-EE67BB2A7ACE}"/>
+              </a:ext>
+            </a:extLst>
+          </p:cNvPr>
+          <p:cNvSpPr>
+            <a:spLocks noGrp="1"/>
+          </p:cNvSpPr>
+          <p:nvPr>
+            <p:ph type="body" sz="quarter" idx="10"/>
+          </p:nvPr>
+        </p:nvSpPr>
+        <p:spPr>
+          <a:xfrm>
+            <a:off x="190402" y="1196125"/>
+            <a:ext cx="7013976" cy="5528766"/>
+          </a:xfrm>
+        </p:spPr>
+        <p:txBody>
+          <a:bodyPr>
+            <a:normAutofit fontScale="92500" lnSpcReduction="20000"/>
+          </a:bodyPr>
+          <a:lstStyle/>
+          <a:p>
+            <a:r>
+              <a:rPr lang="bg-BG" b="1" dirty="0">
+                <a:solidFill>
+                  <a:schemeClr val="bg1"/>
+                </a:solidFill>
+              </a:rPr>
+              <a:t>Форма за редактиране на съществуващ лекар</a:t>
+            </a:r>
+          </a:p>
+          <a:p>
+            <a:pPr lvl="1"/>
+            <a:r>
+              <a:rPr lang="bg-BG" dirty="0"/>
+              <a:t>Полета за </a:t>
+            </a:r>
+            <a:r>
+              <a:rPr lang="bg-BG" b="1" dirty="0"/>
+              <a:t>име</a:t>
+            </a:r>
+            <a:r>
+              <a:rPr lang="bg-BG" dirty="0"/>
+              <a:t>, </a:t>
+            </a:r>
+            <a:r>
+              <a:rPr lang="bg-BG" b="1" dirty="0"/>
+              <a:t>фамилия</a:t>
+            </a:r>
+            <a:r>
+              <a:rPr lang="bg-BG" dirty="0"/>
+              <a:t>, </a:t>
+            </a:r>
+            <a:r>
+              <a:rPr lang="bg-BG" b="1" dirty="0"/>
+              <a:t>специалност</a:t>
+            </a:r>
+            <a:r>
+              <a:rPr lang="bg-BG" dirty="0"/>
+              <a:t>, </a:t>
+            </a:r>
+            <a:r>
+              <a:rPr lang="bg-BG" b="1" dirty="0"/>
+              <a:t>телефон</a:t>
+            </a:r>
+            <a:r>
+              <a:rPr lang="bg-BG" dirty="0"/>
+              <a:t>,</a:t>
+            </a:r>
+            <a:r>
+              <a:rPr lang="bg-BG" b="1" dirty="0"/>
+              <a:t> потребителско име</a:t>
+            </a:r>
+            <a:r>
+              <a:rPr lang="bg-BG" dirty="0"/>
+              <a:t>,</a:t>
+            </a:r>
+            <a:r>
+              <a:rPr lang="bg-BG" b="1" dirty="0"/>
+              <a:t> парола</a:t>
+            </a:r>
+          </a:p>
+          <a:p>
+            <a:pPr lvl="1"/>
+            <a:r>
+              <a:rPr lang="bg-BG" dirty="0"/>
+              <a:t>Бутони за </a:t>
+            </a:r>
+            <a:r>
+              <a:rPr lang="bg-BG" b="1" dirty="0"/>
+              <a:t>редактиране</a:t>
+            </a:r>
+            <a:r>
+              <a:rPr lang="bg-BG" dirty="0"/>
+              <a:t> и </a:t>
+            </a:r>
+            <a:r>
+              <a:rPr lang="bg-BG" b="1" dirty="0"/>
+              <a:t>отказ</a:t>
+            </a:r>
+          </a:p>
+          <a:p>
+            <a:r>
+              <a:rPr lang="bg-BG" b="1" dirty="0">
+                <a:solidFill>
+                  <a:schemeClr val="bg1"/>
+                </a:solidFill>
+              </a:rPr>
+              <a:t>Форма за изтриване на съществуващ лекар</a:t>
+            </a:r>
+          </a:p>
+          <a:p>
+            <a:pPr lvl="1"/>
+            <a:r>
+              <a:rPr lang="bg-BG" dirty="0"/>
+              <a:t>Поле за </a:t>
+            </a:r>
+            <a:r>
+              <a:rPr lang="bg-BG" b="1" dirty="0"/>
+              <a:t>име</a:t>
+            </a:r>
+            <a:r>
+              <a:rPr lang="bg-BG" dirty="0"/>
+              <a:t> и </a:t>
+            </a:r>
+            <a:r>
+              <a:rPr lang="bg-BG" b="1" dirty="0"/>
+              <a:t>фамилия </a:t>
+            </a:r>
+            <a:r>
+              <a:rPr lang="en-US" dirty="0"/>
+              <a:t>(</a:t>
+            </a:r>
+            <a:r>
+              <a:rPr lang="bg-BG" dirty="0"/>
+              <a:t>само за четене</a:t>
+            </a:r>
+            <a:r>
+              <a:rPr lang="en-US" dirty="0"/>
+              <a:t>)</a:t>
+            </a:r>
+            <a:endParaRPr lang="bg-BG" dirty="0"/>
+          </a:p>
+          <a:p>
+            <a:pPr lvl="1"/>
+            <a:r>
+              <a:rPr lang="bg-BG" dirty="0"/>
+              <a:t>Бутони за </a:t>
+            </a:r>
+            <a:r>
+              <a:rPr lang="bg-BG" b="1" dirty="0"/>
+              <a:t>изтриване</a:t>
+            </a:r>
+            <a:r>
+              <a:rPr lang="bg-BG" dirty="0"/>
+              <a:t> и </a:t>
+            </a:r>
+            <a:r>
+              <a:rPr lang="bg-BG" b="1" dirty="0"/>
+              <a:t>отказ</a:t>
+            </a:r>
+            <a:endParaRPr lang="en-BG" b="1" dirty="0"/>
+          </a:p>
+        </p:txBody>
+      </p:sp>
+      <p:pic>
+        <p:nvPicPr>
+          <p:cNvPr id="3" name="Picture 2">
+            <a:extLst>
+              <a:ext uri="{FF2B5EF4-FFF2-40B4-BE49-F238E27FC236}">
+                <a16:creationId xmlns:a16="http://schemas.microsoft.com/office/drawing/2014/main" id="{5D77976E-2A09-370F-85C8-97D13B40AF47}"/>
+              </a:ext>
+            </a:extLst>
+          </p:cNvPr>
+          <p:cNvPicPr>
+            <a:picLocks noChangeAspect="1"/>
+          </p:cNvPicPr>
+          <p:nvPr/>
+        </p:nvPicPr>
+        <p:blipFill>
+          <a:blip r:embed="rId2">
+            <a:extLst>
+              <a:ext uri="{28A0092B-C50C-407E-A947-70E740481C1C}">
+                <a14:useLocalDpi xmlns:a14="http://schemas.microsoft.com/office/drawing/2010/main" val="0"/>
+              </a:ext>
+            </a:extLst>
+          </a:blip>
+          <a:srcRect/>
+          <a:stretch/>
+        </p:blipFill>
+        <p:spPr>
+          <a:xfrm>
+            <a:off x="7204378" y="1719000"/>
+            <a:ext cx="4554606" cy="4056675"/>
+          </a:xfrm>
+          <a:prstGeom prst="rect">
+            <a:avLst/>
+          </a:prstGeom>
+          <a:ln>
+            <a:solidFill>
+              <a:schemeClr val="bg2">
+                <a:lumMod val="75000"/>
+              </a:schemeClr>
+            </a:solidFill>
+          </a:ln>
+        </p:spPr>
+      </p:pic>
+    </p:spTree>
+    <p:extLst>
+      <p:ext uri="{BB962C8B-B14F-4D97-AF65-F5344CB8AC3E}">
+        <p14:creationId xmlns:p14="http://schemas.microsoft.com/office/powerpoint/2010/main" val="1885673022"/>
+      </p:ext>
+    </p:extLst>
+  </p:cSld>
+  <p:clrMapOvr>
+    <a:masterClrMapping/>
+  </p:clrMapOvr>
+  <mc:AlternateContent xmlns:mc="http://schemas.openxmlformats.org/markup-compatibility/2006" xmlns:p14="http://schemas.microsoft.com/office/powerpoint/2010/main">
+    <mc:Choice Requires="p14">
+      <p:transition spd="slow" p14:dur="2000" advClick="0" advTm="5000"/>
+    </mc:Choice>
+    <mc:Fallback xmlns="">
+      <p:transition spd="slow" advClick="0" advTm="5000"/>
+    </mc:Fallback>
+  </mc:AlternateContent>
+  <p:timing>
+    <p:tnLst>
+      <p:par>
+        <p:cTn id="1" dur="indefinite" restart="never" nodeType="tmRoot">
+          <p:childTnLst>
+            <p:seq concurrent="1" nextAc="seek">
+              <p:cTn id="2" dur="indefinite" nodeType="mainSeq">
+                <p:childTnLst>
                   <p:par>
-                    <p:cTn id="23" fill="hold">
+                    <p:cTn id="3" fill="hold">
                       <p:stCondLst>
                         <p:cond delay="indefinite"/>
                       </p:stCondLst>
                       <p:childTnLst>
                         <p:par>
-                          <p:cTn id="24" fill="hold">
+                          <p:cTn id="4" fill="hold">
                             <p:stCondLst>
                               <p:cond delay="0"/>
                             </p:stCondLst>
                             <p:childTnLst>
                               <p:par>
-                                <p:cTn id="25" presetID="1" presetClass="entr" presetSubtype="0" fill="hold" nodeType="clickEffect">
+                                <p:cTn id="5" presetID="1" presetClass="entr" presetSubtype="0" fill="hold" nodeType="clickEffect">
                                   <p:stCondLst>
                                     <p:cond delay="0"/>
                                   </p:stCondLst>
                                   <p:childTnLst>
                                     <p:set>
                                       <p:cBhvr>
-                                        <p:cTn id="26" dur="1" fill="hold">
+                                        <p:cTn id="6" dur="1" fill="hold">
                                           <p:stCondLst>
                                             <p:cond delay="0"/>
                                           </p:stCondLst>
@@ -19653,7 +20129,7 @@
                                         <p:tgtEl>
                                           <p:spTgt spid="7">
                                             <p:txEl>
-                                              <p:pRg st="6" end="6"/>
+                                              <p:pRg st="1" end="1"/>
                                             </p:txEl>
                                           </p:spTgt>
                                         </p:tgtEl>
@@ -19675,26 +20151,26 @@
                     </p:cTn>
                   </p:par>
                   <p:par>
-                    <p:cTn id="27" fill="hold">
+                    <p:cTn id="7" fill="hold">
                       <p:stCondLst>
                         <p:cond delay="indefinite"/>
                       </p:stCondLst>
                       <p:childTnLst>
                         <p:par>
-                          <p:cTn id="28" fill="hold">
+                          <p:cTn id="8" fill="hold">
                             <p:stCondLst>
                               <p:cond delay="0"/>
                             </p:stCondLst>
                             <p:childTnLst>
                               <p:par>
-                                <p:cTn id="29" presetID="1" presetClass="entr" presetSubtype="0" fill="hold" nodeType="clickEffect">
+                                <p:cTn id="9" presetID="1" presetClass="entr" presetSubtype="0" fill="hold" nodeType="clickEffect">
                                   <p:stCondLst>
                                     <p:cond delay="0"/>
                                   </p:stCondLst>
                                   <p:childTnLst>
                                     <p:set>
                                       <p:cBhvr>
-                                        <p:cTn id="30" dur="1" fill="hold">
+                                        <p:cTn id="10" dur="1" fill="hold">
                                           <p:stCondLst>
                                             <p:cond delay="0"/>
                                           </p:stCondLst>
@@ -19702,7 +20178,7 @@
                                         <p:tgtEl>
                                           <p:spTgt spid="7">
                                             <p:txEl>
-                                              <p:pRg st="7" end="7"/>
+                                              <p:pRg st="2" end="2"/>
                                             </p:txEl>
                                           </p:spTgt>
                                         </p:tgtEl>
@@ -19724,26 +20200,26 @@
                     </p:cTn>
                   </p:par>
                   <p:par>
-                    <p:cTn id="31" fill="hold">
+                    <p:cTn id="11" fill="hold">
                       <p:stCondLst>
                         <p:cond delay="indefinite"/>
                       </p:stCondLst>
                       <p:childTnLst>
                         <p:par>
-                          <p:cTn id="32" fill="hold">
+                          <p:cTn id="12" fill="hold">
                             <p:stCondLst>
                               <p:cond delay="0"/>
                             </p:stCondLst>
                             <p:childTnLst>
                               <p:par>
-                                <p:cTn id="33" presetID="1" presetClass="entr" presetSubtype="0" fill="hold" nodeType="clickEffect">
+                                <p:cTn id="13" presetID="1" presetClass="entr" presetSubtype="0" fill="hold" nodeType="clickEffect">
                                   <p:stCondLst>
                                     <p:cond delay="0"/>
                                   </p:stCondLst>
                                   <p:childTnLst>
                                     <p:set>
                                       <p:cBhvr>
-                                        <p:cTn id="34" dur="1" fill="hold">
+                                        <p:cTn id="14" dur="1" fill="hold">
                                           <p:stCondLst>
                                             <p:cond delay="0"/>
                                           </p:stCondLst>
@@ -19751,7 +20227,7 @@
                                         <p:tgtEl>
                                           <p:spTgt spid="7">
                                             <p:txEl>
-                                              <p:pRg st="8" end="8"/>
+                                              <p:pRg st="3" end="3"/>
                                             </p:txEl>
                                           </p:spTgt>
                                         </p:tgtEl>
@@ -19773,26 +20249,26 @@
                     </p:cTn>
                   </p:par>
                   <p:par>
-                    <p:cTn id="35" fill="hold">
+                    <p:cTn id="15" fill="hold">
                       <p:stCondLst>
                         <p:cond delay="indefinite"/>
                       </p:stCondLst>
                       <p:childTnLst>
                         <p:par>
-                          <p:cTn id="36" fill="hold">
+                          <p:cTn id="16" fill="hold">
                             <p:stCondLst>
                               <p:cond delay="0"/>
                             </p:stCondLst>
                             <p:childTnLst>
                               <p:par>
-                                <p:cTn id="37" presetID="1" presetClass="entr" presetSubtype="0" fill="hold" nodeType="clickEffect">
+                                <p:cTn id="17" presetID="1" presetClass="entr" presetSubtype="0" fill="hold" nodeType="clickEffect">
                                   <p:stCondLst>
                                     <p:cond delay="0"/>
                                   </p:stCondLst>
                                   <p:childTnLst>
                                     <p:set>
                                       <p:cBhvr>
-                                        <p:cTn id="38" dur="1" fill="hold">
+                                        <p:cTn id="18" dur="1" fill="hold">
                                           <p:stCondLst>
                                             <p:cond delay="0"/>
                                           </p:stCondLst>
@@ -19800,7 +20276,7 @@
                                         <p:tgtEl>
                                           <p:spTgt spid="7">
                                             <p:txEl>
-                                              <p:pRg st="9" end="9"/>
+                                              <p:pRg st="4" end="4"/>
                                             </p:txEl>
                                           </p:spTgt>
                                         </p:tgtEl>
@@ -19822,26 +20298,26 @@
                     </p:cTn>
                   </p:par>
                   <p:par>
-                    <p:cTn id="39" fill="hold">
+                    <p:cTn id="19" fill="hold">
                       <p:stCondLst>
                         <p:cond delay="indefinite"/>
                       </p:stCondLst>
                       <p:childTnLst>
                         <p:par>
-                          <p:cTn id="40" fill="hold">
+                          <p:cTn id="20" fill="hold">
                             <p:stCondLst>
                               <p:cond delay="0"/>
                             </p:stCondLst>
                             <p:childTnLst>
                               <p:par>
-                                <p:cTn id="41" presetID="1" presetClass="entr" presetSubtype="0" fill="hold" nodeType="clickEffect">
+                                <p:cTn id="21" presetID="1" presetClass="entr" presetSubtype="0" fill="hold" nodeType="clickEffect">
                                   <p:stCondLst>
                                     <p:cond delay="0"/>
                                   </p:stCondLst>
                                   <p:childTnLst>
                                     <p:set>
                                       <p:cBhvr>
-                                        <p:cTn id="42" dur="1" fill="hold">
+                                        <p:cTn id="22" dur="1" fill="hold">
                                           <p:stCondLst>
                                             <p:cond delay="0"/>
                                           </p:stCondLst>
@@ -19849,56 +20325,7 @@
                                         <p:tgtEl>
                                           <p:spTgt spid="7">
                                             <p:txEl>
-                                              <p:pRg st="10" end="10"/>
-                                            </p:txEl>
-                                          </p:spTgt>
-                                        </p:tgtEl>
-                                        <p:attrNameLst>
-                                          <p:attrName>style.visibility</p:attrName>
-                                        </p:attrNameLst>
-                                      </p:cBhvr>
-                                      <p:to>
-                                        <p:strVal val="visible"/>
-                                      </p:to>
-                                    </p:set>
-                                  </p:childTnLst>
-                                </p:cTn>
-                              </p:par>
-                            </p:childTnLst>
-                          </p:cTn>
-                        </p:par>
-                      </p:childTnLst>
-                    </p:cTn>
-                  </p:par>
-                  <p:par>
-                    <p:cTn id="43" fill="hold">
-                      <p:stCondLst>
-                        <p:cond delay="indefinite"/>
-                      </p:stCondLst>
-                      <p:childTnLst>
-                        <p:par>
-                          <p:cTn id="44" fill="hold">
-                            <p:stCondLst>
-                              <p:cond delay="0"/>
-                            </p:stCondLst>
-                            <p:childTnLst>
-                              <p:par>
-                                <p:cTn id="45" presetID="1" presetClass="entr" presetSubtype="0" fill="hold" nodeType="clickEffect">
-                                  <p:stCondLst>
-                                    <p:cond delay="0"/>
-                                  </p:stCondLst>
-                                  <p:childTnLst>
-                                    <p:set>
-                                      <p:cBhvr>
-                                        <p:cTn id="46" dur="1" fill="hold">
-                                          <p:stCondLst>
-                                            <p:cond delay="0"/>
-                                          </p:stCondLst>
-                                        </p:cTn>
-                                        <p:tgtEl>
-                                          <p:spTgt spid="7">
-                                            <p:txEl>
-                                              <p:pRg st="11" end="11"/>
+                                              <p:pRg st="5" end="5"/>
                                             </p:txEl>
                                           </p:spTgt>
                                         </p:tgtEl>
@@ -19944,7 +20371,7 @@
 </p:sld>
 </file>
 
-<file path=ppt/slides/slide29.xml><?xml version="1.0" encoding="utf-8"?>
+<file path=ppt/slides/slide31.xml><?xml version="1.0" encoding="utf-8"?>
 <p:sld xmlns:a="http://schemas.openxmlformats.org/drawingml/2006/main" xmlns:r="http://schemas.openxmlformats.org/officeDocument/2006/relationships" xmlns:p="http://schemas.openxmlformats.org/presentationml/2006/main">
   <p:cSld>
     <p:spTree>
@@ -19985,7 +20412,7 @@
             <a:fld id="{2BF067CD-8E6B-4360-9AA8-C5DF2A48A6D1}" type="slidenum">
               <a:rPr lang="en-US" noProof="0" smtClean="0"/>
               <a:pPr/>
-              <a:t>29</a:t>
+              <a:t>31</a:t>
             </a:fld>
             <a:endParaRPr lang="en-US" noProof="0" dirty="0"/>
           </a:p>
@@ -20015,7 +20442,7 @@
         </p:spPr>
         <p:txBody>
           <a:bodyPr>
-            <a:normAutofit fontScale="62500" lnSpcReduction="20000"/>
+            <a:normAutofit/>
           </a:bodyPr>
           <a:lstStyle/>
           <a:p>
@@ -20144,145 +20571,9 @@
             </a:r>
           </a:p>
           <a:p>
-            <a:r>
-              <a:rPr lang="bg-BG" b="1" dirty="0">
-                <a:solidFill>
-                  <a:schemeClr val="bg1"/>
-                </a:solidFill>
-              </a:rPr>
-              <a:t>Форма за редактиране на съществуващ админ</a:t>
-            </a:r>
-          </a:p>
-          <a:p>
-            <a:pPr lvl="1"/>
-            <a:r>
-              <a:rPr lang="bg-BG" dirty="0"/>
-              <a:t>Полета за </a:t>
-            </a:r>
-            <a:r>
-              <a:rPr lang="bg-BG" b="1" dirty="0"/>
-              <a:t>име</a:t>
-            </a:r>
-            <a:r>
-              <a:rPr lang="bg-BG" dirty="0"/>
-              <a:t>, </a:t>
-            </a:r>
-            <a:r>
-              <a:rPr lang="bg-BG" b="1" dirty="0"/>
-              <a:t>фамилия</a:t>
-            </a:r>
-            <a:r>
-              <a:rPr lang="bg-BG" dirty="0"/>
-              <a:t>, </a:t>
-            </a:r>
-            <a:r>
-              <a:rPr lang="bg-BG" b="1" dirty="0"/>
-              <a:t>телефон</a:t>
-            </a:r>
-            <a:r>
-              <a:rPr lang="bg-BG" dirty="0"/>
-              <a:t>, </a:t>
-            </a:r>
-            <a:r>
-              <a:rPr lang="en-US" sz="3200" b="1" dirty="0"/>
-              <a:t>email</a:t>
-            </a:r>
-            <a:r>
-              <a:rPr lang="bg-BG" dirty="0"/>
-              <a:t>,</a:t>
-            </a:r>
-            <a:r>
-              <a:rPr lang="bg-BG" b="1" dirty="0"/>
-              <a:t> потребителско име</a:t>
-            </a:r>
-            <a:r>
-              <a:rPr lang="bg-BG" dirty="0"/>
-              <a:t>,</a:t>
-            </a:r>
-            <a:r>
-              <a:rPr lang="bg-BG" b="1" dirty="0"/>
-              <a:t> парола</a:t>
-            </a:r>
-          </a:p>
-          <a:p>
-            <a:pPr lvl="1"/>
-            <a:r>
-              <a:rPr lang="bg-BG" dirty="0"/>
-              <a:t>Бутони за </a:t>
-            </a:r>
-            <a:r>
-              <a:rPr lang="bg-BG" b="1" dirty="0"/>
-              <a:t>редактиране</a:t>
-            </a:r>
-            <a:r>
-              <a:rPr lang="bg-BG" dirty="0"/>
-              <a:t> и </a:t>
-            </a:r>
-            <a:r>
-              <a:rPr lang="bg-BG" b="1" dirty="0"/>
-              <a:t>отказ</a:t>
-            </a:r>
-          </a:p>
-          <a:p>
-            <a:r>
-              <a:rPr lang="bg-BG" b="1" dirty="0">
-                <a:solidFill>
-                  <a:schemeClr val="bg1"/>
-                </a:solidFill>
-              </a:rPr>
-              <a:t>Форма за изтриване на съществуващ админ</a:t>
-            </a:r>
-          </a:p>
-          <a:p>
-            <a:pPr lvl="1"/>
-            <a:r>
-              <a:rPr lang="bg-BG" dirty="0"/>
-              <a:t>Поле за </a:t>
-            </a:r>
-            <a:r>
-              <a:rPr lang="bg-BG" b="1" dirty="0"/>
-              <a:t>име</a:t>
-            </a:r>
-            <a:r>
-              <a:rPr lang="bg-BG" dirty="0"/>
-              <a:t> и </a:t>
-            </a:r>
-            <a:r>
-              <a:rPr lang="bg-BG" b="1" dirty="0"/>
-              <a:t>фамилия </a:t>
-            </a:r>
-            <a:r>
-              <a:rPr lang="en-US" dirty="0"/>
-              <a:t>(</a:t>
-            </a:r>
-            <a:r>
-              <a:rPr lang="bg-BG" dirty="0"/>
-              <a:t>само за четене</a:t>
-            </a:r>
-            <a:r>
-              <a:rPr lang="en-US" dirty="0"/>
-              <a:t>)</a:t>
-            </a:r>
-            <a:endParaRPr lang="bg-BG" dirty="0"/>
-          </a:p>
-          <a:p>
-            <a:pPr lvl="1"/>
-            <a:r>
-              <a:rPr lang="bg-BG" dirty="0"/>
-              <a:t>Бутони за </a:t>
-            </a:r>
-            <a:r>
-              <a:rPr lang="bg-BG" b="1" dirty="0"/>
-              <a:t>изтриване</a:t>
-            </a:r>
-            <a:r>
-              <a:rPr lang="bg-BG" dirty="0"/>
-              <a:t> и </a:t>
-            </a:r>
-            <a:r>
-              <a:rPr lang="bg-BG" b="1" dirty="0"/>
-              <a:t>отказ</a:t>
-            </a:r>
+            <a:pPr marL="0" indent="0">
+              <a:buNone/>
+            </a:pPr>
             <a:endParaRPr lang="en-US" dirty="0">
               <a:highlight>
                 <a:srgbClr val="FFFF00"/>
@@ -20332,7 +20623,10 @@
               <a:rPr lang="bg-BG" dirty="0"/>
               <a:t>- Админи</a:t>
             </a:r>
-            <a:endParaRPr lang="en-US" dirty="0"/>
+            <a:r>
+              <a:rPr lang="en-US" dirty="0"/>
+              <a:t> (1)</a:t>
+            </a:r>
           </a:p>
         </p:txBody>
       </p:sp>
@@ -20649,27 +20943,390 @@
                       </p:childTnLst>
                     </p:cTn>
                   </p:par>
+                </p:childTnLst>
+              </p:cTn>
+              <p:prevCondLst>
+                <p:cond evt="onPrev" delay="0">
+                  <p:tgtEl>
+                    <p:sldTgt/>
+                  </p:tgtEl>
+                </p:cond>
+              </p:prevCondLst>
+              <p:nextCondLst>
+                <p:cond evt="onNext" delay="0">
+                  <p:tgtEl>
+                    <p:sldTgt/>
+                  </p:tgtEl>
+                </p:cond>
+              </p:nextCondLst>
+            </p:seq>
+          </p:childTnLst>
+        </p:cTn>
+      </p:par>
+    </p:tnLst>
+  </p:timing>
+</p:sld>
+</file>
+
+<file path=ppt/slides/slide32.xml><?xml version="1.0" encoding="utf-8"?>
+<p:sld xmlns:a="http://schemas.openxmlformats.org/drawingml/2006/main" xmlns:r="http://schemas.openxmlformats.org/officeDocument/2006/relationships" xmlns:p="http://schemas.openxmlformats.org/presentationml/2006/main">
+  <p:cSld>
+    <p:spTree>
+      <p:nvGrpSpPr>
+        <p:cNvPr id="1" name=""/>
+        <p:cNvGrpSpPr/>
+        <p:nvPr/>
+      </p:nvGrpSpPr>
+      <p:grpSpPr>
+        <a:xfrm>
+          <a:off x="0" y="0"/>
+          <a:ext cx="0" cy="0"/>
+          <a:chOff x="0" y="0"/>
+          <a:chExt cx="0" cy="0"/>
+        </a:xfrm>
+      </p:grpSpPr>
+      <p:sp>
+        <p:nvSpPr>
+          <p:cNvPr id="2" name="Slide Number Placeholder 1">
+            <a:extLst>
+              <a:ext uri="{FF2B5EF4-FFF2-40B4-BE49-F238E27FC236}">
+                <a16:creationId xmlns:a16="http://schemas.microsoft.com/office/drawing/2014/main" id="{3F5DABB0-F515-4FDA-80BE-78C6E41FA4B9}"/>
+              </a:ext>
+            </a:extLst>
+          </p:cNvPr>
+          <p:cNvSpPr>
+            <a:spLocks noGrp="1"/>
+          </p:cNvSpPr>
+          <p:nvPr>
+            <p:ph type="sldNum" sz="quarter" idx="5"/>
+          </p:nvPr>
+        </p:nvSpPr>
+        <p:spPr/>
+        <p:txBody>
+          <a:bodyPr/>
+          <a:lstStyle/>
+          <a:p>
+            <a:fld id="{2BF067CD-8E6B-4360-9AA8-C5DF2A48A6D1}" type="slidenum">
+              <a:rPr lang="en-US" noProof="0" smtClean="0"/>
+              <a:pPr/>
+              <a:t>32</a:t>
+            </a:fld>
+            <a:endParaRPr lang="en-US" noProof="0" dirty="0"/>
+          </a:p>
+        </p:txBody>
+      </p:sp>
+      <p:sp>
+        <p:nvSpPr>
+          <p:cNvPr id="3" name="Text Placeholder 2">
+            <a:extLst>
+              <a:ext uri="{FF2B5EF4-FFF2-40B4-BE49-F238E27FC236}">
+                <a16:creationId xmlns:a16="http://schemas.microsoft.com/office/drawing/2014/main" id="{AE584A77-CD1E-BE05-9293-F1CFFCF16352}"/>
+              </a:ext>
+            </a:extLst>
+          </p:cNvPr>
+          <p:cNvSpPr>
+            <a:spLocks noGrp="1"/>
+          </p:cNvSpPr>
+          <p:nvPr>
+            <p:ph type="body" sz="quarter" idx="10"/>
+          </p:nvPr>
+        </p:nvSpPr>
+        <p:spPr>
+          <a:xfrm>
+            <a:off x="190402" y="1196125"/>
+            <a:ext cx="7247129" cy="5528766"/>
+          </a:xfrm>
+        </p:spPr>
+        <p:txBody>
+          <a:bodyPr>
+            <a:normAutofit fontScale="92500" lnSpcReduction="10000"/>
+          </a:bodyPr>
+          <a:lstStyle/>
+          <a:p>
+            <a:r>
+              <a:rPr lang="bg-BG" b="1" dirty="0">
+                <a:solidFill>
+                  <a:schemeClr val="bg1"/>
+                </a:solidFill>
+              </a:rPr>
+              <a:t>Форма за редактиране на съществуващ админ</a:t>
+            </a:r>
+          </a:p>
+          <a:p>
+            <a:pPr lvl="1"/>
+            <a:r>
+              <a:rPr lang="bg-BG" dirty="0"/>
+              <a:t>Полета за </a:t>
+            </a:r>
+            <a:r>
+              <a:rPr lang="bg-BG" b="1" dirty="0"/>
+              <a:t>име</a:t>
+            </a:r>
+            <a:r>
+              <a:rPr lang="bg-BG" dirty="0"/>
+              <a:t>, </a:t>
+            </a:r>
+            <a:r>
+              <a:rPr lang="bg-BG" b="1" dirty="0"/>
+              <a:t>фамилия</a:t>
+            </a:r>
+            <a:r>
+              <a:rPr lang="bg-BG" dirty="0"/>
+              <a:t>, </a:t>
+            </a:r>
+            <a:r>
+              <a:rPr lang="bg-BG" b="1" dirty="0"/>
+              <a:t>телефон</a:t>
+            </a:r>
+            <a:r>
+              <a:rPr lang="bg-BG" dirty="0"/>
+              <a:t>, </a:t>
+            </a:r>
+            <a:r>
+              <a:rPr lang="en-US" sz="3200" b="1" dirty="0"/>
+              <a:t>email</a:t>
+            </a:r>
+            <a:r>
+              <a:rPr lang="bg-BG" dirty="0"/>
+              <a:t>,</a:t>
+            </a:r>
+            <a:r>
+              <a:rPr lang="bg-BG" b="1" dirty="0"/>
+              <a:t> потребителско име</a:t>
+            </a:r>
+            <a:r>
+              <a:rPr lang="bg-BG" dirty="0"/>
+              <a:t>,</a:t>
+            </a:r>
+            <a:r>
+              <a:rPr lang="bg-BG" b="1" dirty="0"/>
+              <a:t> парола</a:t>
+            </a:r>
+          </a:p>
+          <a:p>
+            <a:pPr lvl="1"/>
+            <a:r>
+              <a:rPr lang="bg-BG" dirty="0"/>
+              <a:t>Бутони за </a:t>
+            </a:r>
+            <a:r>
+              <a:rPr lang="bg-BG" b="1" dirty="0"/>
+              <a:t>редактиране</a:t>
+            </a:r>
+            <a:r>
+              <a:rPr lang="bg-BG" dirty="0"/>
+              <a:t> и </a:t>
+            </a:r>
+            <a:r>
+              <a:rPr lang="bg-BG" b="1" dirty="0"/>
+              <a:t>отказ</a:t>
+            </a:r>
+          </a:p>
+          <a:p>
+            <a:r>
+              <a:rPr lang="bg-BG" b="1" dirty="0">
+                <a:solidFill>
+                  <a:schemeClr val="bg1"/>
+                </a:solidFill>
+              </a:rPr>
+              <a:t>Форма за изтриване на съществуващ админ</a:t>
+            </a:r>
+          </a:p>
+          <a:p>
+            <a:pPr lvl="1"/>
+            <a:r>
+              <a:rPr lang="bg-BG" dirty="0"/>
+              <a:t>Поле за </a:t>
+            </a:r>
+            <a:r>
+              <a:rPr lang="bg-BG" b="1" dirty="0"/>
+              <a:t>име</a:t>
+            </a:r>
+            <a:r>
+              <a:rPr lang="bg-BG" dirty="0"/>
+              <a:t> и </a:t>
+            </a:r>
+            <a:r>
+              <a:rPr lang="bg-BG" b="1" dirty="0"/>
+              <a:t>фамилия </a:t>
+            </a:r>
+            <a:r>
+              <a:rPr lang="en-US" dirty="0"/>
+              <a:t>(</a:t>
+            </a:r>
+            <a:r>
+              <a:rPr lang="bg-BG" dirty="0"/>
+              <a:t>само за четене</a:t>
+            </a:r>
+            <a:r>
+              <a:rPr lang="en-US" dirty="0"/>
+              <a:t>)</a:t>
+            </a:r>
+            <a:endParaRPr lang="bg-BG" dirty="0"/>
+          </a:p>
+          <a:p>
+            <a:pPr lvl="1"/>
+            <a:r>
+              <a:rPr lang="bg-BG" dirty="0"/>
+              <a:t>Бутони за </a:t>
+            </a:r>
+            <a:r>
+              <a:rPr lang="bg-BG" b="1" dirty="0"/>
+              <a:t>изтриване</a:t>
+            </a:r>
+            <a:r>
+              <a:rPr lang="bg-BG" dirty="0"/>
+              <a:t> и </a:t>
+            </a:r>
+            <a:r>
+              <a:rPr lang="bg-BG" b="1" dirty="0"/>
+              <a:t>отказ</a:t>
+            </a:r>
+            <a:endParaRPr lang="en-US" dirty="0">
+              <a:highlight>
+                <a:srgbClr val="FFFF00"/>
+              </a:highlight>
+            </a:endParaRPr>
+          </a:p>
+        </p:txBody>
+      </p:sp>
+      <p:sp>
+        <p:nvSpPr>
+          <p:cNvPr id="4" name="Title 3">
+            <a:extLst>
+              <a:ext uri="{FF2B5EF4-FFF2-40B4-BE49-F238E27FC236}">
+                <a16:creationId xmlns:a16="http://schemas.microsoft.com/office/drawing/2014/main" id="{7293DBD2-291B-6EA9-5FD1-AF031BC5745C}"/>
+              </a:ext>
+            </a:extLst>
+          </p:cNvPr>
+          <p:cNvSpPr>
+            <a:spLocks noGrp="1"/>
+          </p:cNvSpPr>
+          <p:nvPr>
+            <p:ph type="title"/>
+          </p:nvPr>
+        </p:nvSpPr>
+        <p:spPr/>
+        <p:txBody>
+          <a:bodyPr/>
+          <a:lstStyle/>
+          <a:p>
+            <a:r>
+              <a:rPr lang="bg-BG" dirty="0"/>
+              <a:t>Проектиране</a:t>
+            </a:r>
+            <a:r>
+              <a:rPr lang="en-US" dirty="0"/>
+              <a:t>: </a:t>
+            </a:r>
+            <a:r>
+              <a:rPr lang="bg-BG" dirty="0"/>
+              <a:t>дизайн на </a:t>
+            </a:r>
+            <a:r>
+              <a:rPr lang="en-US" dirty="0"/>
+              <a:t>UI </a:t>
+            </a:r>
+            <a:r>
+              <a:rPr lang="bg-BG" dirty="0"/>
+              <a:t>- Админи</a:t>
+            </a:r>
+            <a:r>
+              <a:rPr lang="en-US" dirty="0"/>
+              <a:t> (2)</a:t>
+            </a:r>
+          </a:p>
+        </p:txBody>
+      </p:sp>
+      <p:pic>
+        <p:nvPicPr>
+          <p:cNvPr id="5" name="Picture 4">
+            <a:extLst>
+              <a:ext uri="{FF2B5EF4-FFF2-40B4-BE49-F238E27FC236}">
+                <a16:creationId xmlns:a16="http://schemas.microsoft.com/office/drawing/2014/main" id="{F6FE7DB3-A7BB-7B78-0BDC-EF6933534562}"/>
+              </a:ext>
+            </a:extLst>
+          </p:cNvPr>
+          <p:cNvPicPr>
+            <a:picLocks noChangeAspect="1"/>
+          </p:cNvPicPr>
+          <p:nvPr/>
+        </p:nvPicPr>
+        <p:blipFill>
+          <a:blip r:embed="rId2">
+            <a:extLst>
+              <a:ext uri="{28A0092B-C50C-407E-A947-70E740481C1C}">
+                <a14:useLocalDpi xmlns:a14="http://schemas.microsoft.com/office/drawing/2010/main" val="0"/>
+              </a:ext>
+            </a:extLst>
+          </a:blip>
+          <a:srcRect/>
+          <a:stretch/>
+        </p:blipFill>
+        <p:spPr>
+          <a:xfrm>
+            <a:off x="7437531" y="1936614"/>
+            <a:ext cx="4327647" cy="3829898"/>
+          </a:xfrm>
+          <a:prstGeom prst="rect">
+            <a:avLst/>
+          </a:prstGeom>
+          <a:ln>
+            <a:solidFill>
+              <a:schemeClr val="bg2">
+                <a:lumMod val="75000"/>
+              </a:schemeClr>
+            </a:solidFill>
+          </a:ln>
+        </p:spPr>
+      </p:pic>
+    </p:spTree>
+    <p:extLst>
+      <p:ext uri="{BB962C8B-B14F-4D97-AF65-F5344CB8AC3E}">
+        <p14:creationId xmlns:p14="http://schemas.microsoft.com/office/powerpoint/2010/main" val="626892099"/>
+      </p:ext>
+    </p:extLst>
+  </p:cSld>
+  <p:clrMapOvr>
+    <a:masterClrMapping/>
+  </p:clrMapOvr>
+  <mc:AlternateContent xmlns:mc="http://schemas.openxmlformats.org/markup-compatibility/2006" xmlns:p14="http://schemas.microsoft.com/office/powerpoint/2010/main">
+    <mc:Choice Requires="p14">
+      <p:transition spd="slow" p14:dur="2000" advClick="0" advTm="5000"/>
+    </mc:Choice>
+    <mc:Fallback xmlns="">
+      <p:transition spd="slow" advClick="0" advTm="5000"/>
+    </mc:Fallback>
+  </mc:AlternateContent>
+  <p:timing>
+    <p:tnLst>
+      <p:par>
+        <p:cTn id="1" dur="indefinite" restart="never" nodeType="tmRoot">
+          <p:childTnLst>
+            <p:seq concurrent="1" nextAc="seek">
+              <p:cTn id="2" dur="indefinite" nodeType="mainSeq">
+                <p:childTnLst>
                   <p:par>
-                    <p:cTn id="23" fill="hold">
+                    <p:cTn id="3" fill="hold">
                       <p:stCondLst>
                         <p:cond delay="indefinite"/>
                       </p:stCondLst>
                       <p:childTnLst>
                         <p:par>
-                          <p:cTn id="24" fill="hold">
+                          <p:cTn id="4" fill="hold">
                             <p:stCondLst>
                               <p:cond delay="0"/>
                             </p:stCondLst>
                             <p:childTnLst>
                               <p:par>
-                                <p:cTn id="25" presetID="1" presetClass="entr" presetSubtype="0" fill="hold" nodeType="clickEffect">
+                                <p:cTn id="5" presetID="1" presetClass="entr" presetSubtype="0" fill="hold" nodeType="clickEffect">
                                   <p:stCondLst>
                                     <p:cond delay="0"/>
                                   </p:stCondLst>
                                   <p:childTnLst>
                                     <p:set>
                                       <p:cBhvr>
-                                        <p:cTn id="26" dur="1" fill="hold">
+                                        <p:cTn id="6" dur="1" fill="hold">
                                           <p:stCondLst>
                                             <p:cond delay="0"/>
                                           </p:stCondLst>
@@ -20677,7 +21334,7 @@
                                         <p:tgtEl>
                                           <p:spTgt spid="3">
                                             <p:txEl>
-                                              <p:pRg st="6" end="6"/>
+                                              <p:pRg st="1" end="1"/>
                                             </p:txEl>
                                           </p:spTgt>
                                         </p:tgtEl>
@@ -20699,26 +21356,26 @@
                     </p:cTn>
                   </p:par>
                   <p:par>
-                    <p:cTn id="27" fill="hold">
+                    <p:cTn id="7" fill="hold">
                       <p:stCondLst>
                         <p:cond delay="indefinite"/>
                       </p:stCondLst>
                       <p:childTnLst>
                         <p:par>
-                          <p:cTn id="28" fill="hold">
+                          <p:cTn id="8" fill="hold">
                             <p:stCondLst>
                               <p:cond delay="0"/>
                             </p:stCondLst>
                             <p:childTnLst>
                               <p:par>
-                                <p:cTn id="29" presetID="1" presetClass="entr" presetSubtype="0" fill="hold" nodeType="clickEffect">
+                                <p:cTn id="9" presetID="1" presetClass="entr" presetSubtype="0" fill="hold" nodeType="clickEffect">
                                   <p:stCondLst>
                                     <p:cond delay="0"/>
                                   </p:stCondLst>
                                   <p:childTnLst>
                                     <p:set>
                                       <p:cBhvr>
-                                        <p:cTn id="30" dur="1" fill="hold">
+                                        <p:cTn id="10" dur="1" fill="hold">
                                           <p:stCondLst>
                                             <p:cond delay="0"/>
                                           </p:stCondLst>
@@ -20726,7 +21383,7 @@
                                         <p:tgtEl>
                                           <p:spTgt spid="3">
                                             <p:txEl>
-                                              <p:pRg st="7" end="7"/>
+                                              <p:pRg st="2" end="2"/>
                                             </p:txEl>
                                           </p:spTgt>
                                         </p:tgtEl>
@@ -20748,26 +21405,26 @@
                     </p:cTn>
                   </p:par>
                   <p:par>
-                    <p:cTn id="31" fill="hold">
+                    <p:cTn id="11" fill="hold">
                       <p:stCondLst>
                         <p:cond delay="indefinite"/>
                       </p:stCondLst>
                       <p:childTnLst>
                         <p:par>
-                          <p:cTn id="32" fill="hold">
+                          <p:cTn id="12" fill="hold">
                             <p:stCondLst>
                               <p:cond delay="0"/>
                             </p:stCondLst>
                             <p:childTnLst>
                               <p:par>
-                                <p:cTn id="33" presetID="1" presetClass="entr" presetSubtype="0" fill="hold" nodeType="clickEffect">
+                                <p:cTn id="13" presetID="1" presetClass="entr" presetSubtype="0" fill="hold" nodeType="clickEffect">
                                   <p:stCondLst>
                                     <p:cond delay="0"/>
                                   </p:stCondLst>
                                   <p:childTnLst>
                                     <p:set>
                                       <p:cBhvr>
-                                        <p:cTn id="34" dur="1" fill="hold">
+                                        <p:cTn id="14" dur="1" fill="hold">
                                           <p:stCondLst>
                                             <p:cond delay="0"/>
                                           </p:stCondLst>
@@ -20775,7 +21432,7 @@
                                         <p:tgtEl>
                                           <p:spTgt spid="3">
                                             <p:txEl>
-                                              <p:pRg st="8" end="8"/>
+                                              <p:pRg st="3" end="3"/>
                                             </p:txEl>
                                           </p:spTgt>
                                         </p:tgtEl>
@@ -20797,26 +21454,26 @@
                     </p:cTn>
                   </p:par>
                   <p:par>
-                    <p:cTn id="35" fill="hold">
+                    <p:cTn id="15" fill="hold">
                       <p:stCondLst>
                         <p:cond delay="indefinite"/>
                       </p:stCondLst>
                       <p:childTnLst>
                         <p:par>
-                          <p:cTn id="36" fill="hold">
+                          <p:cTn id="16" fill="hold">
                             <p:stCondLst>
                               <p:cond delay="0"/>
                             </p:stCondLst>
                             <p:childTnLst>
                               <p:par>
-                                <p:cTn id="37" presetID="1" presetClass="entr" presetSubtype="0" fill="hold" nodeType="clickEffect">
+                                <p:cTn id="17" presetID="1" presetClass="entr" presetSubtype="0" fill="hold" nodeType="clickEffect">
                                   <p:stCondLst>
                                     <p:cond delay="0"/>
                                   </p:stCondLst>
                                   <p:childTnLst>
                                     <p:set>
                                       <p:cBhvr>
-                                        <p:cTn id="38" dur="1" fill="hold">
+                                        <p:cTn id="18" dur="1" fill="hold">
                                           <p:stCondLst>
                                             <p:cond delay="0"/>
                                           </p:stCondLst>
@@ -20824,7 +21481,7 @@
                                         <p:tgtEl>
                                           <p:spTgt spid="3">
                                             <p:txEl>
-                                              <p:pRg st="9" end="9"/>
+                                              <p:pRg st="4" end="4"/>
                                             </p:txEl>
                                           </p:spTgt>
                                         </p:tgtEl>
@@ -20846,26 +21503,26 @@
                     </p:cTn>
                   </p:par>
                   <p:par>
-                    <p:cTn id="39" fill="hold">
+                    <p:cTn id="19" fill="hold">
                       <p:stCondLst>
                         <p:cond delay="indefinite"/>
                       </p:stCondLst>
                       <p:childTnLst>
                         <p:par>
-                          <p:cTn id="40" fill="hold">
+                          <p:cTn id="20" fill="hold">
                             <p:stCondLst>
                               <p:cond delay="0"/>
                             </p:stCondLst>
                             <p:childTnLst>
                               <p:par>
-                                <p:cTn id="41" presetID="1" presetClass="entr" presetSubtype="0" fill="hold" nodeType="clickEffect">
+                                <p:cTn id="21" presetID="1" presetClass="entr" presetSubtype="0" fill="hold" nodeType="clickEffect">
                                   <p:stCondLst>
                                     <p:cond delay="0"/>
                                   </p:stCondLst>
                                   <p:childTnLst>
                                     <p:set>
                                       <p:cBhvr>
-                                        <p:cTn id="42" dur="1" fill="hold">
+                                        <p:cTn id="22" dur="1" fill="hold">
                                           <p:stCondLst>
                                             <p:cond delay="0"/>
                                           </p:stCondLst>
@@ -20873,56 +21530,7 @@
                                         <p:tgtEl>
                                           <p:spTgt spid="3">
                                             <p:txEl>
-                                              <p:pRg st="10" end="10"/>
-                                            </p:txEl>
-                                          </p:spTgt>
-                                        </p:tgtEl>
-                                        <p:attrNameLst>
-                                          <p:attrName>style.visibility</p:attrName>
-                                        </p:attrNameLst>
-                                      </p:cBhvr>
-                                      <p:to>
-                                        <p:strVal val="visible"/>
-                                      </p:to>
-                                    </p:set>
-                                  </p:childTnLst>
-                                </p:cTn>
-                              </p:par>
-                            </p:childTnLst>
-                          </p:cTn>
-                        </p:par>
-                      </p:childTnLst>
-                    </p:cTn>
-                  </p:par>
-                  <p:par>
-                    <p:cTn id="43" fill="hold">
-                      <p:stCondLst>
-                        <p:cond delay="indefinite"/>
-                      </p:stCondLst>
-                      <p:childTnLst>
-                        <p:par>
-                          <p:cTn id="44" fill="hold">
-                            <p:stCondLst>
-                              <p:cond delay="0"/>
-                            </p:stCondLst>
-                            <p:childTnLst>
-                              <p:par>
-                                <p:cTn id="45" presetID="1" presetClass="entr" presetSubtype="0" fill="hold" nodeType="clickEffect">
-                                  <p:stCondLst>
-                                    <p:cond delay="0"/>
-                                  </p:stCondLst>
-                                  <p:childTnLst>
-                                    <p:set>
-                                      <p:cBhvr>
-                                        <p:cTn id="46" dur="1" fill="hold">
-                                          <p:stCondLst>
-                                            <p:cond delay="0"/>
-                                          </p:stCondLst>
-                                        </p:cTn>
-                                        <p:tgtEl>
-                                          <p:spTgt spid="3">
-                                            <p:txEl>
-                                              <p:pRg st="11" end="11"/>
+                                              <p:pRg st="5" end="5"/>
                                             </p:txEl>
                                           </p:spTgt>
                                         </p:tgtEl>
@@ -20968,138 +21576,7 @@
 </p:sld>
 </file>
 
-<file path=ppt/slides/slide3.xml><?xml version="1.0" encoding="utf-8"?>
-<p:sld xmlns:a="http://schemas.openxmlformats.org/drawingml/2006/main" xmlns:r="http://schemas.openxmlformats.org/officeDocument/2006/relationships" xmlns:p="http://schemas.openxmlformats.org/presentationml/2006/main">
-  <p:cSld>
-    <p:spTree>
-      <p:nvGrpSpPr>
-        <p:cNvPr id="1" name=""/>
-        <p:cNvGrpSpPr/>
-        <p:nvPr/>
-      </p:nvGrpSpPr>
-      <p:grpSpPr>
-        <a:xfrm>
-          <a:off x="0" y="0"/>
-          <a:ext cx="0" cy="0"/>
-          <a:chOff x="0" y="0"/>
-          <a:chExt cx="0" cy="0"/>
-        </a:xfrm>
-      </p:grpSpPr>
-      <p:sp>
-        <p:nvSpPr>
-          <p:cNvPr id="4" name="Slide Subtitle">
-            <a:extLst>
-              <a:ext uri="{FF2B5EF4-FFF2-40B4-BE49-F238E27FC236}">
-                <a16:creationId xmlns:a16="http://schemas.microsoft.com/office/drawing/2014/main" id="{BEB5BB41-09D4-4E9F-8C80-EE8709171CB3}"/>
-              </a:ext>
-            </a:extLst>
-          </p:cNvPr>
-          <p:cNvSpPr>
-            <a:spLocks noGrp="1"/>
-          </p:cNvSpPr>
-          <p:nvPr>
-            <p:ph type="subTitle" sz="quarter" idx="11"/>
-          </p:nvPr>
-        </p:nvSpPr>
-        <p:spPr/>
-        <p:txBody>
-          <a:bodyPr/>
-          <a:lstStyle/>
-          <a:p>
-            <a:r>
-              <a:rPr lang="bg-BG" dirty="0"/>
-              <a:t>Етапи</a:t>
-            </a:r>
-          </a:p>
-        </p:txBody>
-      </p:sp>
-      <p:sp>
-        <p:nvSpPr>
-          <p:cNvPr id="6" name="Slide Title">
-            <a:extLst>
-              <a:ext uri="{FF2B5EF4-FFF2-40B4-BE49-F238E27FC236}">
-                <a16:creationId xmlns:a16="http://schemas.microsoft.com/office/drawing/2014/main" id="{028D9EA3-B5E0-4F17-9467-4BE3C280DA68}"/>
-              </a:ext>
-            </a:extLst>
-          </p:cNvPr>
-          <p:cNvSpPr>
-            <a:spLocks noGrp="1"/>
-          </p:cNvSpPr>
-          <p:nvPr>
-            <p:ph type="title" sz="quarter" idx="10"/>
-          </p:nvPr>
-        </p:nvSpPr>
-        <p:spPr/>
-        <p:txBody>
-          <a:bodyPr/>
-          <a:lstStyle/>
-          <a:p>
-            <a:r>
-              <a:rPr lang="bg-BG" sz="4400" dirty="0"/>
-              <a:t>Жизнен цикъл на информационна система</a:t>
-            </a:r>
-            <a:endParaRPr lang="en-US" sz="4400" dirty="0"/>
-          </a:p>
-        </p:txBody>
-      </p:sp>
-      <p:pic>
-        <p:nvPicPr>
-          <p:cNvPr id="3" name="Picture 2">
-            <a:extLst>
-              <a:ext uri="{FF2B5EF4-FFF2-40B4-BE49-F238E27FC236}">
-                <a16:creationId xmlns:a16="http://schemas.microsoft.com/office/drawing/2014/main" id="{4D3A8A43-2D38-9408-FD20-702F4C9CB58E}"/>
-              </a:ext>
-            </a:extLst>
-          </p:cNvPr>
-          <p:cNvPicPr>
-            <a:picLocks noChangeAspect="1"/>
-          </p:cNvPicPr>
-          <p:nvPr/>
-        </p:nvPicPr>
-        <p:blipFill>
-          <a:blip r:embed="rId3" cstate="hqprint">
-            <a:extLst>
-              <a:ext uri="{28A0092B-C50C-407E-A947-70E740481C1C}">
-                <a14:useLocalDpi xmlns:a14="http://schemas.microsoft.com/office/drawing/2010/main" val="0"/>
-              </a:ext>
-            </a:extLst>
-          </a:blip>
-          <a:stretch>
-            <a:fillRect/>
-          </a:stretch>
-        </p:blipFill>
-        <p:spPr>
-          <a:xfrm>
-            <a:off x="4567768" y="1089000"/>
-            <a:ext cx="3056464" cy="3070858"/>
-          </a:xfrm>
-          <a:prstGeom prst="rect">
-            <a:avLst/>
-          </a:prstGeom>
-        </p:spPr>
-      </p:pic>
-    </p:spTree>
-    <p:extLst>
-      <p:ext uri="{BB962C8B-B14F-4D97-AF65-F5344CB8AC3E}">
-        <p14:creationId xmlns:p14="http://schemas.microsoft.com/office/powerpoint/2010/main" val="882194472"/>
-      </p:ext>
-    </p:extLst>
-  </p:cSld>
-  <p:clrMapOvr>
-    <a:masterClrMapping/>
-  </p:clrMapOvr>
-  <mc:AlternateContent xmlns:mc="http://schemas.openxmlformats.org/markup-compatibility/2006" xmlns:p14="http://schemas.microsoft.com/office/powerpoint/2010/main">
-    <mc:Choice Requires="p14">
-      <p:transition spd="slow" p14:dur="2000" advClick="0" advTm="5000"/>
-    </mc:Choice>
-    <mc:Fallback xmlns="">
-      <p:transition spd="slow" advClick="0" advTm="5000"/>
-    </mc:Fallback>
-  </mc:AlternateContent>
-</p:sld>
-</file>
-
-<file path=ppt/slides/slide30.xml><?xml version="1.0" encoding="utf-8"?>
+<file path=ppt/slides/slide33.xml><?xml version="1.0" encoding="utf-8"?>
 <p:sld xmlns:a="http://schemas.openxmlformats.org/drawingml/2006/main" xmlns:r="http://schemas.openxmlformats.org/officeDocument/2006/relationships" xmlns:p="http://schemas.openxmlformats.org/presentationml/2006/main">
   <p:cSld>
     <p:spTree>
@@ -21400,11 +21877,11 @@
                   </a:schemeClr>
                 </a:solidFill>
               </a:rPr>
-              <a:t>Жизненият цикъл </a:t>
-            </a:r>
-            <a:r>
-              <a:rPr lang="bg-BG" sz="2800" dirty="0"/>
-              <a:t>е </a:t>
+              <a:t>Жизнен цикъл </a:t>
+            </a:r>
+            <a:r>
+              <a:rPr lang="en-US" sz="2800" dirty="0"/>
+              <a:t>== </a:t>
             </a:r>
             <a:r>
               <a:rPr lang="bg-BG" sz="2800" b="1" dirty="0"/>
@@ -21611,8 +22088,12 @@
               <a:t>Use Case </a:t>
             </a:r>
             <a:r>
+              <a:rPr lang="en-US" sz="2800" dirty="0"/>
+              <a:t>==</a:t>
+            </a:r>
+            <a:r>
               <a:rPr lang="bg-BG" sz="2800" dirty="0"/>
-              <a:t>е </a:t>
+              <a:t> </a:t>
             </a:r>
             <a:r>
               <a:rPr lang="bg-BG" sz="2800" b="1" dirty="0"/>
@@ -21725,7 +22206,7 @@
             <a:fld id="{2BF067CD-8E6B-4360-9AA8-C5DF2A48A6D1}" type="slidenum">
               <a:rPr lang="en-US" noProof="0" smtClean="0"/>
               <a:pPr/>
-              <a:t>30</a:t>
+              <a:t>33</a:t>
             </a:fld>
             <a:endParaRPr lang="en-US" noProof="0" dirty="0"/>
           </a:p>
@@ -22174,7 +22655,7 @@
 </p:sld>
 </file>
 
-<file path=ppt/slides/slide31.xml><?xml version="1.0" encoding="utf-8"?>
+<file path=ppt/slides/slide34.xml><?xml version="1.0" encoding="utf-8"?>
 <p:sld xmlns:a="http://schemas.openxmlformats.org/drawingml/2006/main" xmlns:r="http://schemas.openxmlformats.org/officeDocument/2006/relationships" xmlns:p="http://schemas.openxmlformats.org/presentationml/2006/main">
   <p:cSld>
     <p:spTree>
@@ -22364,7 +22845,7 @@
 </p:sld>
 </file>
 
-<file path=ppt/slides/slide32.xml><?xml version="1.0" encoding="utf-8"?>
+<file path=ppt/slides/slide35.xml><?xml version="1.0" encoding="utf-8"?>
 <p:sld xmlns:a="http://schemas.openxmlformats.org/drawingml/2006/main" xmlns:r="http://schemas.openxmlformats.org/officeDocument/2006/relationships" xmlns:p="http://schemas.openxmlformats.org/presentationml/2006/main" show="0">
   <p:cSld>
     <p:spTree>
@@ -22417,7 +22898,7 @@
             <a:fld id="{2BF067CD-8E6B-4360-9AA8-C5DF2A48A6D1}" type="slidenum">
               <a:rPr lang="en-US" smtClean="0"/>
               <a:pPr/>
-              <a:t>32</a:t>
+              <a:t>35</a:t>
             </a:fld>
             <a:endParaRPr lang="en-US" dirty="0"/>
           </a:p>

--- a/Courses/Software-Sciences/Module-4-Information-Systems-New/09-Lifecycle-of-Information-System/09-Lifecycle-of-Information-System.pptx
+++ b/Courses/Software-Sciences/Module-4-Information-Systems-New/09-Lifecycle-of-Information-System/09-Lifecycle-of-Information-System.pptx
@@ -342,7 +342,7 @@
           <a:p>
             <a:fld id="{4E087215-0C8F-4762-A664-737A353EC9A4}" type="datetimeFigureOut">
               <a:rPr lang="bg-BG" smtClean="0"/>
-              <a:t>20.12.24 г.</a:t>
+              <a:t>23.12.2024 г.</a:t>
             </a:fld>
             <a:endParaRPr lang="bg-BG"/>
           </a:p>
@@ -538,7 +538,7 @@
           <a:p>
             <a:fld id="{72D84649-876A-46C9-8472-14CB09C070D8}" type="datetimeFigureOut">
               <a:rPr lang="en-US" smtClean="0"/>
-              <a:t>12/20/24</a:t>
+              <a:t>12/23/2024</a:t>
             </a:fld>
             <a:endParaRPr lang="en-US"/>
           </a:p>
@@ -13620,7 +13620,7 @@
                                         <p:tgtEl>
                                           <p:spTgt spid="7">
                                             <p:txEl>
-                                              <p:pRg st="4" end="4"/>
+                                              <p:pRg st="3" end="3"/>
                                             </p:txEl>
                                           </p:spTgt>
                                         </p:tgtEl>
@@ -13669,7 +13669,7 @@
                                         <p:tgtEl>
                                           <p:spTgt spid="7">
                                             <p:txEl>
-                                              <p:pRg st="5" end="5"/>
+                                              <p:pRg st="4" end="4"/>
                                             </p:txEl>
                                           </p:spTgt>
                                         </p:tgtEl>
@@ -13718,7 +13718,7 @@
                                         <p:tgtEl>
                                           <p:spTgt spid="7">
                                             <p:txEl>
-                                              <p:pRg st="6" end="6"/>
+                                              <p:pRg st="5" end="5"/>
                                             </p:txEl>
                                           </p:spTgt>
                                         </p:tgtEl>
@@ -13760,6 +13760,55 @@
                                     <p:set>
                                       <p:cBhvr>
                                         <p:cTn id="26" dur="1" fill="hold">
+                                          <p:stCondLst>
+                                            <p:cond delay="0"/>
+                                          </p:stCondLst>
+                                        </p:cTn>
+                                        <p:tgtEl>
+                                          <p:spTgt spid="7">
+                                            <p:txEl>
+                                              <p:pRg st="6" end="6"/>
+                                            </p:txEl>
+                                          </p:spTgt>
+                                        </p:tgtEl>
+                                        <p:attrNameLst>
+                                          <p:attrName>style.visibility</p:attrName>
+                                        </p:attrNameLst>
+                                      </p:cBhvr>
+                                      <p:to>
+                                        <p:strVal val="visible"/>
+                                      </p:to>
+                                    </p:set>
+                                  </p:childTnLst>
+                                </p:cTn>
+                              </p:par>
+                            </p:childTnLst>
+                          </p:cTn>
+                        </p:par>
+                      </p:childTnLst>
+                    </p:cTn>
+                  </p:par>
+                  <p:par>
+                    <p:cTn id="27" fill="hold">
+                      <p:stCondLst>
+                        <p:cond delay="indefinite"/>
+                      </p:stCondLst>
+                      <p:childTnLst>
+                        <p:par>
+                          <p:cTn id="28" fill="hold">
+                            <p:stCondLst>
+                              <p:cond delay="0"/>
+                            </p:stCondLst>
+                            <p:childTnLst>
+                              <p:par>
+                                <p:cTn id="29" presetID="1" presetClass="entr" presetSubtype="0" fill="hold" nodeType="clickEffect">
+                                  <p:stCondLst>
+                                    <p:cond delay="0"/>
+                                  </p:stCondLst>
+                                  <p:childTnLst>
+                                    <p:set>
+                                      <p:cBhvr>
+                                        <p:cTn id="30" dur="1" fill="hold">
                                           <p:stCondLst>
                                             <p:cond delay="0"/>
                                           </p:stCondLst>
@@ -15361,11 +15410,11 @@
   <p:clrMapOvr>
     <a:masterClrMapping/>
   </p:clrMapOvr>
-  <mc:AlternateContent xmlns:mc="http://schemas.openxmlformats.org/markup-compatibility/2006">
-    <mc:Choice xmlns:p14="http://schemas.microsoft.com/office/powerpoint/2010/main" Requires="p14">
+  <mc:AlternateContent xmlns:mc="http://schemas.openxmlformats.org/markup-compatibility/2006" xmlns:p14="http://schemas.microsoft.com/office/powerpoint/2010/main">
+    <mc:Choice Requires="p14">
       <p:transition spd="slow" p14:dur="2000" advClick="0" advTm="5000"/>
     </mc:Choice>
-    <mc:Fallback>
+    <mc:Fallback xmlns="">
       <p:transition spd="slow" advClick="0" advTm="5000"/>
     </mc:Fallback>
   </mc:AlternateContent>
@@ -16303,7 +16352,7 @@
                                         <p:tgtEl>
                                           <p:spTgt spid="7">
                                             <p:txEl>
-                                              <p:pRg st="4" end="4"/>
+                                              <p:pRg st="3" end="3"/>
                                             </p:txEl>
                                           </p:spTgt>
                                         </p:tgtEl>
@@ -16352,7 +16401,7 @@
                                         <p:tgtEl>
                                           <p:spTgt spid="7">
                                             <p:txEl>
-                                              <p:pRg st="5" end="5"/>
+                                              <p:pRg st="4" end="4"/>
                                             </p:txEl>
                                           </p:spTgt>
                                         </p:tgtEl>
@@ -16401,7 +16450,7 @@
                                         <p:tgtEl>
                                           <p:spTgt spid="7">
                                             <p:txEl>
-                                              <p:pRg st="6" end="6"/>
+                                              <p:pRg st="5" end="5"/>
                                             </p:txEl>
                                           </p:spTgt>
                                         </p:tgtEl>
@@ -16450,7 +16499,7 @@
                                         <p:tgtEl>
                                           <p:spTgt spid="7">
                                             <p:txEl>
-                                              <p:pRg st="7" end="7"/>
+                                              <p:pRg st="6" end="6"/>
                                             </p:txEl>
                                           </p:spTgt>
                                         </p:tgtEl>
@@ -16492,6 +16541,55 @@
                                     <p:set>
                                       <p:cBhvr>
                                         <p:cTn id="30" dur="1" fill="hold">
+                                          <p:stCondLst>
+                                            <p:cond delay="0"/>
+                                          </p:stCondLst>
+                                        </p:cTn>
+                                        <p:tgtEl>
+                                          <p:spTgt spid="7">
+                                            <p:txEl>
+                                              <p:pRg st="7" end="7"/>
+                                            </p:txEl>
+                                          </p:spTgt>
+                                        </p:tgtEl>
+                                        <p:attrNameLst>
+                                          <p:attrName>style.visibility</p:attrName>
+                                        </p:attrNameLst>
+                                      </p:cBhvr>
+                                      <p:to>
+                                        <p:strVal val="visible"/>
+                                      </p:to>
+                                    </p:set>
+                                  </p:childTnLst>
+                                </p:cTn>
+                              </p:par>
+                            </p:childTnLst>
+                          </p:cTn>
+                        </p:par>
+                      </p:childTnLst>
+                    </p:cTn>
+                  </p:par>
+                  <p:par>
+                    <p:cTn id="31" fill="hold">
+                      <p:stCondLst>
+                        <p:cond delay="indefinite"/>
+                      </p:stCondLst>
+                      <p:childTnLst>
+                        <p:par>
+                          <p:cTn id="32" fill="hold">
+                            <p:stCondLst>
+                              <p:cond delay="0"/>
+                            </p:stCondLst>
+                            <p:childTnLst>
+                              <p:par>
+                                <p:cTn id="33" presetID="1" presetClass="entr" presetSubtype="0" fill="hold" nodeType="clickEffect">
+                                  <p:stCondLst>
+                                    <p:cond delay="0"/>
+                                  </p:stCondLst>
+                                  <p:childTnLst>
+                                    <p:set>
+                                      <p:cBhvr>
+                                        <p:cTn id="34" dur="1" fill="hold">
                                           <p:stCondLst>
                                             <p:cond delay="0"/>
                                           </p:stCondLst>
@@ -17448,11 +17546,11 @@
   <p:clrMapOvr>
     <a:masterClrMapping/>
   </p:clrMapOvr>
-  <mc:AlternateContent xmlns:mc="http://schemas.openxmlformats.org/markup-compatibility/2006">
-    <mc:Choice xmlns:p14="http://schemas.microsoft.com/office/powerpoint/2010/main" Requires="p14">
+  <mc:AlternateContent xmlns:mc="http://schemas.openxmlformats.org/markup-compatibility/2006" xmlns:p14="http://schemas.microsoft.com/office/powerpoint/2010/main">
+    <mc:Choice Requires="p14">
       <p:transition spd="slow" p14:dur="2000" advClick="0" advTm="5000"/>
     </mc:Choice>
-    <mc:Fallback>
+    <mc:Fallback xmlns="">
       <p:transition spd="slow" advClick="0" advTm="5000"/>
     </mc:Fallback>
   </mc:AlternateContent>
@@ -18945,7 +19043,7 @@
                                         <p:tgtEl>
                                           <p:spTgt spid="7">
                                             <p:txEl>
-                                              <p:pRg st="4" end="4"/>
+                                              <p:pRg st="3" end="3"/>
                                             </p:txEl>
                                           </p:spTgt>
                                         </p:tgtEl>
@@ -18987,6 +19085,55 @@
                                     <p:set>
                                       <p:cBhvr>
                                         <p:cTn id="18" dur="1" fill="hold">
+                                          <p:stCondLst>
+                                            <p:cond delay="0"/>
+                                          </p:stCondLst>
+                                        </p:cTn>
+                                        <p:tgtEl>
+                                          <p:spTgt spid="7">
+                                            <p:txEl>
+                                              <p:pRg st="4" end="4"/>
+                                            </p:txEl>
+                                          </p:spTgt>
+                                        </p:tgtEl>
+                                        <p:attrNameLst>
+                                          <p:attrName>style.visibility</p:attrName>
+                                        </p:attrNameLst>
+                                      </p:cBhvr>
+                                      <p:to>
+                                        <p:strVal val="visible"/>
+                                      </p:to>
+                                    </p:set>
+                                  </p:childTnLst>
+                                </p:cTn>
+                              </p:par>
+                            </p:childTnLst>
+                          </p:cTn>
+                        </p:par>
+                      </p:childTnLst>
+                    </p:cTn>
+                  </p:par>
+                  <p:par>
+                    <p:cTn id="19" fill="hold">
+                      <p:stCondLst>
+                        <p:cond delay="indefinite"/>
+                      </p:stCondLst>
+                      <p:childTnLst>
+                        <p:par>
+                          <p:cTn id="20" fill="hold">
+                            <p:stCondLst>
+                              <p:cond delay="0"/>
+                            </p:stCondLst>
+                            <p:childTnLst>
+                              <p:par>
+                                <p:cTn id="21" presetID="1" presetClass="entr" presetSubtype="0" fill="hold" nodeType="clickEffect">
+                                  <p:stCondLst>
+                                    <p:cond delay="0"/>
+                                  </p:stCondLst>
+                                  <p:childTnLst>
+                                    <p:set>
+                                      <p:cBhvr>
+                                        <p:cTn id="22" dur="1" fill="hold">
                                           <p:stCondLst>
                                             <p:cond delay="0"/>
                                           </p:stCondLst>
@@ -26122,13 +26269,13 @@
                   <a:schemeClr val="bg1"/>
                 </a:solidFill>
               </a:rPr>
-              <a:t>Имплементация (програмиране)</a:t>
-            </a:r>
-            <a:endParaRPr lang="bg-BG" sz="3000" b="1" dirty="0">
-              <a:solidFill>
-                <a:schemeClr val="bg1"/>
-              </a:solidFill>
-            </a:endParaRPr>
+              <a:t>Имплементация </a:t>
+            </a:r>
+            <a:r>
+              <a:rPr lang="bg-BG" sz="3200" b="1" dirty="0"/>
+              <a:t>(програмиране)</a:t>
+            </a:r>
+            <a:endParaRPr lang="bg-BG" sz="3000" b="1" dirty="0"/>
           </a:p>
           <a:p>
             <a:pPr lvl="1"/>

--- a/Courses/Software-Sciences/Module-4-Information-Systems-New/09-Lifecycle-of-Information-System/09-Lifecycle-of-Information-System.pptx
+++ b/Courses/Software-Sciences/Module-4-Information-Systems-New/09-Lifecycle-of-Information-System/09-Lifecycle-of-Information-System.pptx
@@ -342,7 +342,7 @@
           <a:p>
             <a:fld id="{4E087215-0C8F-4762-A664-737A353EC9A4}" type="datetimeFigureOut">
               <a:rPr lang="bg-BG" smtClean="0"/>
-              <a:t>23.12.2024 г.</a:t>
+              <a:t>31.12.2024 г.</a:t>
             </a:fld>
             <a:endParaRPr lang="bg-BG"/>
           </a:p>
@@ -538,7 +538,7 @@
           <a:p>
             <a:fld id="{72D84649-876A-46C9-8472-14CB09C070D8}" type="datetimeFigureOut">
               <a:rPr lang="en-US" smtClean="0"/>
-              <a:t>12/23/2024</a:t>
+              <a:t>12/31/2024</a:t>
             </a:fld>
             <a:endParaRPr lang="en-US"/>
           </a:p>
@@ -27335,7 +27335,12 @@
             <p:ph type="body" sz="quarter" idx="10"/>
           </p:nvPr>
         </p:nvSpPr>
-        <p:spPr/>
+        <p:spPr>
+          <a:xfrm>
+            <a:off x="190402" y="1196125"/>
+            <a:ext cx="11215598" cy="5528766"/>
+          </a:xfrm>
+        </p:spPr>
         <p:txBody>
           <a:bodyPr>
             <a:normAutofit/>

--- a/Courses/Software-Sciences/Module-4-Information-Systems-New/09-Lifecycle-of-Information-System/09-Lifecycle-of-Information-System.pptx
+++ b/Courses/Software-Sciences/Module-4-Information-Systems-New/09-Lifecycle-of-Information-System/09-Lifecycle-of-Information-System.pptx
@@ -342,7 +342,7 @@
           <a:p>
             <a:fld id="{4E087215-0C8F-4762-A664-737A353EC9A4}" type="datetimeFigureOut">
               <a:rPr lang="bg-BG" smtClean="0"/>
-              <a:t>31.12.2024 г.</a:t>
+              <a:t>10.1.2025 г.</a:t>
             </a:fld>
             <a:endParaRPr lang="bg-BG"/>
           </a:p>
@@ -538,7 +538,7 @@
           <a:p>
             <a:fld id="{72D84649-876A-46C9-8472-14CB09C070D8}" type="datetimeFigureOut">
               <a:rPr lang="en-US" smtClean="0"/>
-              <a:t>12/31/2024</a:t>
+              <a:t>10-Jan-25</a:t>
             </a:fld>
             <a:endParaRPr lang="en-US"/>
           </a:p>
@@ -17536,6 +17536,115 @@
           </a:ln>
         </p:spPr>
       </p:pic>
+      <p:sp>
+        <p:nvSpPr>
+          <p:cNvPr id="3" name="Rectangle 2">
+            <a:extLst>
+              <a:ext uri="{FF2B5EF4-FFF2-40B4-BE49-F238E27FC236}">
+                <a16:creationId xmlns:a16="http://schemas.microsoft.com/office/drawing/2014/main" id="{1E266AC6-9B8D-224D-D0DC-7ED3ACD1EF74}"/>
+              </a:ext>
+            </a:extLst>
+          </p:cNvPr>
+          <p:cNvSpPr/>
+          <p:nvPr/>
+        </p:nvSpPr>
+        <p:spPr bwMode="auto">
+          <a:xfrm>
+            <a:off x="8608030" y="1297312"/>
+            <a:ext cx="3150000" cy="1710000"/>
+          </a:xfrm>
+          <a:prstGeom prst="rect">
+            <a:avLst/>
+          </a:prstGeom>
+          <a:solidFill>
+            <a:schemeClr val="dk2">
+              <a:alpha val="80000"/>
+            </a:schemeClr>
+          </a:solidFill>
+          <a:ln w="19050">
+            <a:solidFill>
+              <a:schemeClr val="tx1">
+                <a:lumMod val="75000"/>
+                <a:alpha val="80000"/>
+              </a:schemeClr>
+            </a:solidFill>
+          </a:ln>
+          <a:effectLst/>
+        </p:spPr>
+        <p:style>
+          <a:lnRef idx="2">
+            <a:schemeClr val="accent1">
+              <a:shade val="50000"/>
+            </a:schemeClr>
+          </a:lnRef>
+          <a:fillRef idx="1001">
+            <a:schemeClr val="dk2"/>
+          </a:fillRef>
+          <a:effectRef idx="0">
+            <a:schemeClr val="accent1"/>
+          </a:effectRef>
+          <a:fontRef idx="minor">
+            <a:schemeClr val="lt1"/>
+          </a:fontRef>
+        </p:style>
+        <p:txBody>
+          <a:bodyPr rot="0" spcFirstLastPara="0" vertOverflow="overflow" horzOverflow="overflow" vert="horz" wrap="square" lIns="91440" tIns="45720" rIns="91440" bIns="45720" numCol="1" spcCol="0" rtlCol="0" fromWordArt="0" anchor="ctr" anchorCtr="0" forceAA="0" compatLnSpc="1">
+            <a:prstTxWarp prst="textNoShape">
+              <a:avLst/>
+            </a:prstTxWarp>
+            <a:noAutofit/>
+          </a:bodyPr>
+          <a:lstStyle/>
+          <a:p>
+            <a:pPr algn="ctr"/>
+            <a:r>
+              <a:rPr lang="en-US" sz="2800" b="1" dirty="0">
+                <a:solidFill>
+                  <a:srgbClr val="FFFFFF"/>
+                </a:solidFill>
+                <a:effectLst>
+                  <a:outerShdw blurRad="38100" dist="38100" dir="2700000" algn="tl">
+                    <a:srgbClr val="000000">
+                      <a:alpha val="43137"/>
+                    </a:srgbClr>
+                  </a:outerShdw>
+                </a:effectLst>
+              </a:rPr>
+              <a:t>TODO: </a:t>
+            </a:r>
+            <a:r>
+              <a:rPr lang="bg-BG" sz="2800" b="1" dirty="0">
+                <a:solidFill>
+                  <a:srgbClr val="FFFFFF"/>
+                </a:solidFill>
+                <a:effectLst>
+                  <a:outerShdw blurRad="38100" dist="38100" dir="2700000" algn="tl">
+                    <a:srgbClr val="000000">
+                      <a:alpha val="43137"/>
+                    </a:srgbClr>
+                  </a:outerShdw>
+                </a:effectLst>
+              </a:rPr>
+              <a:t>редактиране на пациент (</a:t>
+            </a:r>
+            <a:r>
+              <a:rPr lang="en-US" sz="2800" b="1" dirty="0">
+                <a:solidFill>
+                  <a:srgbClr val="FFFFFF"/>
+                </a:solidFill>
+                <a:effectLst>
+                  <a:outerShdw blurRad="38100" dist="38100" dir="2700000" algn="tl">
+                    <a:srgbClr val="000000">
+                      <a:alpha val="43137"/>
+                    </a:srgbClr>
+                  </a:outerShdw>
+                </a:effectLst>
+              </a:rPr>
+              <a:t>wrong form title)</a:t>
+            </a:r>
+          </a:p>
+        </p:txBody>
+      </p:sp>
     </p:spTree>
     <p:extLst>
       <p:ext uri="{BB962C8B-B14F-4D97-AF65-F5344CB8AC3E}">
@@ -18176,6 +18285,112 @@
           </a:ln>
         </p:spPr>
       </p:pic>
+      <p:sp>
+        <p:nvSpPr>
+          <p:cNvPr id="5" name="Rectangle 4">
+            <a:extLst>
+              <a:ext uri="{FF2B5EF4-FFF2-40B4-BE49-F238E27FC236}">
+                <a16:creationId xmlns:a16="http://schemas.microsoft.com/office/drawing/2014/main" id="{C5C7E5B0-480E-EE47-8DB4-485DA8502E13}"/>
+              </a:ext>
+            </a:extLst>
+          </p:cNvPr>
+          <p:cNvSpPr/>
+          <p:nvPr/>
+        </p:nvSpPr>
+        <p:spPr bwMode="auto">
+          <a:xfrm>
+            <a:off x="8608030" y="1297312"/>
+            <a:ext cx="3150000" cy="1710000"/>
+          </a:xfrm>
+          <a:prstGeom prst="rect">
+            <a:avLst/>
+          </a:prstGeom>
+          <a:solidFill>
+            <a:schemeClr val="dk2">
+              <a:alpha val="80000"/>
+            </a:schemeClr>
+          </a:solidFill>
+          <a:ln w="19050">
+            <a:solidFill>
+              <a:schemeClr val="tx1">
+                <a:lumMod val="75000"/>
+                <a:alpha val="80000"/>
+              </a:schemeClr>
+            </a:solidFill>
+          </a:ln>
+          <a:effectLst/>
+        </p:spPr>
+        <p:style>
+          <a:lnRef idx="2">
+            <a:schemeClr val="accent1">
+              <a:shade val="50000"/>
+            </a:schemeClr>
+          </a:lnRef>
+          <a:fillRef idx="1001">
+            <a:schemeClr val="dk2"/>
+          </a:fillRef>
+          <a:effectRef idx="0">
+            <a:schemeClr val="accent1"/>
+          </a:effectRef>
+          <a:fontRef idx="minor">
+            <a:schemeClr val="lt1"/>
+          </a:fontRef>
+        </p:style>
+        <p:txBody>
+          <a:bodyPr rot="0" spcFirstLastPara="0" vertOverflow="overflow" horzOverflow="overflow" vert="horz" wrap="square" lIns="91440" tIns="45720" rIns="91440" bIns="45720" numCol="1" spcCol="0" rtlCol="0" fromWordArt="0" anchor="ctr" anchorCtr="0" forceAA="0" compatLnSpc="1">
+            <a:prstTxWarp prst="textNoShape">
+              <a:avLst/>
+            </a:prstTxWarp>
+            <a:noAutofit/>
+          </a:bodyPr>
+          <a:lstStyle/>
+          <a:p>
+            <a:pPr algn="ctr"/>
+            <a:r>
+              <a:rPr lang="en-US" sz="2800" b="1" dirty="0">
+                <a:solidFill>
+                  <a:srgbClr val="FFFFFF"/>
+                </a:solidFill>
+                <a:effectLst>
+                  <a:outerShdw blurRad="38100" dist="38100" dir="2700000" algn="tl">
+                    <a:srgbClr val="000000">
+                      <a:alpha val="43137"/>
+                    </a:srgbClr>
+                  </a:outerShdw>
+                </a:effectLst>
+              </a:rPr>
+              <a:t>TODO: </a:t>
+            </a:r>
+            <a:r>
+              <a:rPr lang="bg-BG" sz="2800" b="1" dirty="0">
+                <a:solidFill>
+                  <a:srgbClr val="FFFFFF"/>
+                </a:solidFill>
+                <a:effectLst>
+                  <a:outerShdw blurRad="38100" dist="38100" dir="2700000" algn="tl">
+                    <a:srgbClr val="000000">
+                      <a:alpha val="43137"/>
+                    </a:srgbClr>
+                  </a:outerShdw>
+                </a:effectLst>
+              </a:rPr>
+              <a:t>полето "лечение" трябва да е многоредово</a:t>
+            </a:r>
+            <a:endParaRPr lang="en-US" sz="2800" b="1" dirty="0">
+              <a:solidFill>
+                <a:srgbClr val="FFFFFF"/>
+              </a:solidFill>
+              <a:effectLst>
+                <a:outerShdw blurRad="38100" dist="38100" dir="2700000" algn="tl">
+                  <a:srgbClr val="000000">
+                    <a:alpha val="43137"/>
+                  </a:srgbClr>
+                </a:outerShdw>
+              </a:effectLst>
+            </a:endParaRPr>
+          </a:p>
+        </p:txBody>
+      </p:sp>
     </p:spTree>
     <p:extLst>
       <p:ext uri="{BB962C8B-B14F-4D97-AF65-F5344CB8AC3E}">
@@ -18891,6 +19106,221 @@
           </a:ln>
         </p:spPr>
       </p:pic>
+      <p:sp>
+        <p:nvSpPr>
+          <p:cNvPr id="5" name="Rectangle 4">
+            <a:extLst>
+              <a:ext uri="{FF2B5EF4-FFF2-40B4-BE49-F238E27FC236}">
+                <a16:creationId xmlns:a16="http://schemas.microsoft.com/office/drawing/2014/main" id="{D97FE57D-4F3F-0967-B411-0968B0DC4469}"/>
+              </a:ext>
+            </a:extLst>
+          </p:cNvPr>
+          <p:cNvSpPr/>
+          <p:nvPr/>
+        </p:nvSpPr>
+        <p:spPr bwMode="auto">
+          <a:xfrm>
+            <a:off x="8608030" y="1297312"/>
+            <a:ext cx="3150000" cy="1710000"/>
+          </a:xfrm>
+          <a:prstGeom prst="rect">
+            <a:avLst/>
+          </a:prstGeom>
+          <a:solidFill>
+            <a:schemeClr val="dk2">
+              <a:alpha val="80000"/>
+            </a:schemeClr>
+          </a:solidFill>
+          <a:ln w="19050">
+            <a:solidFill>
+              <a:schemeClr val="tx1">
+                <a:lumMod val="75000"/>
+                <a:alpha val="80000"/>
+              </a:schemeClr>
+            </a:solidFill>
+          </a:ln>
+          <a:effectLst/>
+        </p:spPr>
+        <p:style>
+          <a:lnRef idx="2">
+            <a:schemeClr val="accent1">
+              <a:shade val="50000"/>
+            </a:schemeClr>
+          </a:lnRef>
+          <a:fillRef idx="1001">
+            <a:schemeClr val="dk2"/>
+          </a:fillRef>
+          <a:effectRef idx="0">
+            <a:schemeClr val="accent1"/>
+          </a:effectRef>
+          <a:fontRef idx="minor">
+            <a:schemeClr val="lt1"/>
+          </a:fontRef>
+        </p:style>
+        <p:txBody>
+          <a:bodyPr rot="0" spcFirstLastPara="0" vertOverflow="overflow" horzOverflow="overflow" vert="horz" wrap="square" lIns="91440" tIns="45720" rIns="91440" bIns="45720" numCol="1" spcCol="0" rtlCol="0" fromWordArt="0" anchor="ctr" anchorCtr="0" forceAA="0" compatLnSpc="1">
+            <a:prstTxWarp prst="textNoShape">
+              <a:avLst/>
+            </a:prstTxWarp>
+            <a:noAutofit/>
+          </a:bodyPr>
+          <a:lstStyle/>
+          <a:p>
+            <a:pPr algn="ctr"/>
+            <a:r>
+              <a:rPr lang="en-US" sz="2800" b="1" dirty="0">
+                <a:solidFill>
+                  <a:srgbClr val="FFFFFF"/>
+                </a:solidFill>
+                <a:effectLst>
+                  <a:outerShdw blurRad="38100" dist="38100" dir="2700000" algn="tl">
+                    <a:srgbClr val="000000">
+                      <a:alpha val="43137"/>
+                    </a:srgbClr>
+                  </a:outerShdw>
+                </a:effectLst>
+              </a:rPr>
+              <a:t>TODO: </a:t>
+            </a:r>
+            <a:r>
+              <a:rPr lang="bg-BG" sz="2800" b="1" dirty="0">
+                <a:solidFill>
+                  <a:srgbClr val="FFFFFF"/>
+                </a:solidFill>
+                <a:effectLst>
+                  <a:outerShdw blurRad="38100" dist="38100" dir="2700000" algn="tl">
+                    <a:srgbClr val="000000">
+                      <a:alpha val="43137"/>
+                    </a:srgbClr>
+                  </a:outerShdw>
+                </a:effectLst>
+              </a:rPr>
+              <a:t>полето "лечение" трябва да е многоредово</a:t>
+            </a:r>
+            <a:endParaRPr lang="en-US" sz="2800" b="1" dirty="0">
+              <a:solidFill>
+                <a:srgbClr val="FFFFFF"/>
+              </a:solidFill>
+              <a:effectLst>
+                <a:outerShdw blurRad="38100" dist="38100" dir="2700000" algn="tl">
+                  <a:srgbClr val="000000">
+                    <a:alpha val="43137"/>
+                  </a:srgbClr>
+                </a:outerShdw>
+              </a:effectLst>
+            </a:endParaRPr>
+          </a:p>
+        </p:txBody>
+      </p:sp>
+      <p:sp>
+        <p:nvSpPr>
+          <p:cNvPr id="6" name="Rectangle 5">
+            <a:extLst>
+              <a:ext uri="{FF2B5EF4-FFF2-40B4-BE49-F238E27FC236}">
+                <a16:creationId xmlns:a16="http://schemas.microsoft.com/office/drawing/2014/main" id="{DC920809-605E-F658-FA62-AF1E34388911}"/>
+              </a:ext>
+            </a:extLst>
+          </p:cNvPr>
+          <p:cNvSpPr/>
+          <p:nvPr/>
+        </p:nvSpPr>
+        <p:spPr bwMode="auto">
+          <a:xfrm>
+            <a:off x="8409981" y="4281712"/>
+            <a:ext cx="3150000" cy="1710000"/>
+          </a:xfrm>
+          <a:prstGeom prst="rect">
+            <a:avLst/>
+          </a:prstGeom>
+          <a:solidFill>
+            <a:schemeClr val="dk2">
+              <a:alpha val="80000"/>
+            </a:schemeClr>
+          </a:solidFill>
+          <a:ln w="19050">
+            <a:solidFill>
+              <a:schemeClr val="tx1">
+                <a:lumMod val="75000"/>
+                <a:alpha val="80000"/>
+              </a:schemeClr>
+            </a:solidFill>
+          </a:ln>
+          <a:effectLst/>
+        </p:spPr>
+        <p:style>
+          <a:lnRef idx="2">
+            <a:schemeClr val="accent1">
+              <a:shade val="50000"/>
+            </a:schemeClr>
+          </a:lnRef>
+          <a:fillRef idx="1001">
+            <a:schemeClr val="dk2"/>
+          </a:fillRef>
+          <a:effectRef idx="0">
+            <a:schemeClr val="accent1"/>
+          </a:effectRef>
+          <a:fontRef idx="minor">
+            <a:schemeClr val="lt1"/>
+          </a:fontRef>
+        </p:style>
+        <p:txBody>
+          <a:bodyPr rot="0" spcFirstLastPara="0" vertOverflow="overflow" horzOverflow="overflow" vert="horz" wrap="square" lIns="91440" tIns="45720" rIns="91440" bIns="45720" numCol="1" spcCol="0" rtlCol="0" fromWordArt="0" anchor="ctr" anchorCtr="0" forceAA="0" compatLnSpc="1">
+            <a:prstTxWarp prst="textNoShape">
+              <a:avLst/>
+            </a:prstTxWarp>
+            <a:noAutofit/>
+          </a:bodyPr>
+          <a:lstStyle/>
+          <a:p>
+            <a:pPr algn="ctr"/>
+            <a:r>
+              <a:rPr lang="en-US" sz="2800" b="1" dirty="0">
+                <a:solidFill>
+                  <a:srgbClr val="FFFFFF"/>
+                </a:solidFill>
+                <a:effectLst>
+                  <a:outerShdw blurRad="38100" dist="38100" dir="2700000" algn="tl">
+                    <a:srgbClr val="000000">
+                      <a:alpha val="43137"/>
+                    </a:srgbClr>
+                  </a:outerShdw>
+                </a:effectLst>
+              </a:rPr>
+              <a:t>TODO: </a:t>
+            </a:r>
+            <a:r>
+              <a:rPr lang="bg-BG" sz="2800" b="1" dirty="0">
+                <a:solidFill>
+                  <a:srgbClr val="FFFFFF"/>
+                </a:solidFill>
+                <a:effectLst>
+                  <a:outerShdw blurRad="38100" dist="38100" dir="2700000" algn="tl">
+                    <a:srgbClr val="000000">
+                      <a:alpha val="43137"/>
+                    </a:srgbClr>
+                  </a:outerShdw>
+                </a:effectLst>
+              </a:rPr>
+              <a:t>редактиране на преглед (</a:t>
+            </a:r>
+            <a:r>
+              <a:rPr lang="en-US" sz="2800" b="1" dirty="0">
+                <a:solidFill>
+                  <a:srgbClr val="FFFFFF"/>
+                </a:solidFill>
+                <a:effectLst>
+                  <a:outerShdw blurRad="38100" dist="38100" dir="2700000" algn="tl">
+                    <a:srgbClr val="000000">
+                      <a:alpha val="43137"/>
+                    </a:srgbClr>
+                  </a:outerShdw>
+                </a:effectLst>
+              </a:rPr>
+              <a:t>wrong form title)</a:t>
+            </a:r>
+          </a:p>
+        </p:txBody>
+      </p:sp>
     </p:spTree>
     <p:extLst>
       <p:ext uri="{BB962C8B-B14F-4D97-AF65-F5344CB8AC3E}">
@@ -20222,6 +20652,115 @@
           </a:ln>
         </p:spPr>
       </p:pic>
+      <p:sp>
+        <p:nvSpPr>
+          <p:cNvPr id="5" name="Rectangle 4">
+            <a:extLst>
+              <a:ext uri="{FF2B5EF4-FFF2-40B4-BE49-F238E27FC236}">
+                <a16:creationId xmlns:a16="http://schemas.microsoft.com/office/drawing/2014/main" id="{45BE2267-D079-D14B-3C8D-A6CF3361A7E3}"/>
+              </a:ext>
+            </a:extLst>
+          </p:cNvPr>
+          <p:cNvSpPr/>
+          <p:nvPr/>
+        </p:nvSpPr>
+        <p:spPr bwMode="auto">
+          <a:xfrm>
+            <a:off x="8771137" y="1359000"/>
+            <a:ext cx="3150000" cy="1710000"/>
+          </a:xfrm>
+          <a:prstGeom prst="rect">
+            <a:avLst/>
+          </a:prstGeom>
+          <a:solidFill>
+            <a:schemeClr val="dk2">
+              <a:alpha val="80000"/>
+            </a:schemeClr>
+          </a:solidFill>
+          <a:ln w="19050">
+            <a:solidFill>
+              <a:schemeClr val="tx1">
+                <a:lumMod val="75000"/>
+                <a:alpha val="80000"/>
+              </a:schemeClr>
+            </a:solidFill>
+          </a:ln>
+          <a:effectLst/>
+        </p:spPr>
+        <p:style>
+          <a:lnRef idx="2">
+            <a:schemeClr val="accent1">
+              <a:shade val="50000"/>
+            </a:schemeClr>
+          </a:lnRef>
+          <a:fillRef idx="1001">
+            <a:schemeClr val="dk2"/>
+          </a:fillRef>
+          <a:effectRef idx="0">
+            <a:schemeClr val="accent1"/>
+          </a:effectRef>
+          <a:fontRef idx="minor">
+            <a:schemeClr val="lt1"/>
+          </a:fontRef>
+        </p:style>
+        <p:txBody>
+          <a:bodyPr rot="0" spcFirstLastPara="0" vertOverflow="overflow" horzOverflow="overflow" vert="horz" wrap="square" lIns="91440" tIns="45720" rIns="91440" bIns="45720" numCol="1" spcCol="0" rtlCol="0" fromWordArt="0" anchor="ctr" anchorCtr="0" forceAA="0" compatLnSpc="1">
+            <a:prstTxWarp prst="textNoShape">
+              <a:avLst/>
+            </a:prstTxWarp>
+            <a:noAutofit/>
+          </a:bodyPr>
+          <a:lstStyle/>
+          <a:p>
+            <a:pPr algn="ctr"/>
+            <a:r>
+              <a:rPr lang="en-US" sz="2800" b="1" dirty="0">
+                <a:solidFill>
+                  <a:srgbClr val="FFFFFF"/>
+                </a:solidFill>
+                <a:effectLst>
+                  <a:outerShdw blurRad="38100" dist="38100" dir="2700000" algn="tl">
+                    <a:srgbClr val="000000">
+                      <a:alpha val="43137"/>
+                    </a:srgbClr>
+                  </a:outerShdw>
+                </a:effectLst>
+              </a:rPr>
+              <a:t>TODO: </a:t>
+            </a:r>
+            <a:r>
+              <a:rPr lang="bg-BG" sz="2800" b="1" dirty="0">
+                <a:solidFill>
+                  <a:srgbClr val="FFFFFF"/>
+                </a:solidFill>
+                <a:effectLst>
+                  <a:outerShdw blurRad="38100" dist="38100" dir="2700000" algn="tl">
+                    <a:srgbClr val="000000">
+                      <a:alpha val="43137"/>
+                    </a:srgbClr>
+                  </a:outerShdw>
+                </a:effectLst>
+              </a:rPr>
+              <a:t>редактиране на лекар (</a:t>
+            </a:r>
+            <a:r>
+              <a:rPr lang="en-US" sz="2800" b="1" dirty="0">
+                <a:solidFill>
+                  <a:srgbClr val="FFFFFF"/>
+                </a:solidFill>
+                <a:effectLst>
+                  <a:outerShdw blurRad="38100" dist="38100" dir="2700000" algn="tl">
+                    <a:srgbClr val="000000">
+                      <a:alpha val="43137"/>
+                    </a:srgbClr>
+                  </a:outerShdw>
+                </a:effectLst>
+              </a:rPr>
+              <a:t>wrong form title)</a:t>
+            </a:r>
+          </a:p>
+        </p:txBody>
+      </p:sp>
     </p:spTree>
     <p:extLst>
       <p:ext uri="{BB962C8B-B14F-4D97-AF65-F5344CB8AC3E}">
@@ -21427,6 +21966,115 @@
           </a:ln>
         </p:spPr>
       </p:pic>
+      <p:sp>
+        <p:nvSpPr>
+          <p:cNvPr id="6" name="Rectangle 5">
+            <a:extLst>
+              <a:ext uri="{FF2B5EF4-FFF2-40B4-BE49-F238E27FC236}">
+                <a16:creationId xmlns:a16="http://schemas.microsoft.com/office/drawing/2014/main" id="{3FFE9548-D42F-9C92-BA59-891C95350BEF}"/>
+              </a:ext>
+            </a:extLst>
+          </p:cNvPr>
+          <p:cNvSpPr/>
+          <p:nvPr/>
+        </p:nvSpPr>
+        <p:spPr bwMode="auto">
+          <a:xfrm>
+            <a:off x="8608030" y="1297312"/>
+            <a:ext cx="3150000" cy="1710000"/>
+          </a:xfrm>
+          <a:prstGeom prst="rect">
+            <a:avLst/>
+          </a:prstGeom>
+          <a:solidFill>
+            <a:schemeClr val="dk2">
+              <a:alpha val="80000"/>
+            </a:schemeClr>
+          </a:solidFill>
+          <a:ln w="19050">
+            <a:solidFill>
+              <a:schemeClr val="tx1">
+                <a:lumMod val="75000"/>
+                <a:alpha val="80000"/>
+              </a:schemeClr>
+            </a:solidFill>
+          </a:ln>
+          <a:effectLst/>
+        </p:spPr>
+        <p:style>
+          <a:lnRef idx="2">
+            <a:schemeClr val="accent1">
+              <a:shade val="50000"/>
+            </a:schemeClr>
+          </a:lnRef>
+          <a:fillRef idx="1001">
+            <a:schemeClr val="dk2"/>
+          </a:fillRef>
+          <a:effectRef idx="0">
+            <a:schemeClr val="accent1"/>
+          </a:effectRef>
+          <a:fontRef idx="minor">
+            <a:schemeClr val="lt1"/>
+          </a:fontRef>
+        </p:style>
+        <p:txBody>
+          <a:bodyPr rot="0" spcFirstLastPara="0" vertOverflow="overflow" horzOverflow="overflow" vert="horz" wrap="square" lIns="91440" tIns="45720" rIns="91440" bIns="45720" numCol="1" spcCol="0" rtlCol="0" fromWordArt="0" anchor="ctr" anchorCtr="0" forceAA="0" compatLnSpc="1">
+            <a:prstTxWarp prst="textNoShape">
+              <a:avLst/>
+            </a:prstTxWarp>
+            <a:noAutofit/>
+          </a:bodyPr>
+          <a:lstStyle/>
+          <a:p>
+            <a:pPr algn="ctr"/>
+            <a:r>
+              <a:rPr lang="en-US" sz="2800" b="1" dirty="0">
+                <a:solidFill>
+                  <a:srgbClr val="FFFFFF"/>
+                </a:solidFill>
+                <a:effectLst>
+                  <a:outerShdw blurRad="38100" dist="38100" dir="2700000" algn="tl">
+                    <a:srgbClr val="000000">
+                      <a:alpha val="43137"/>
+                    </a:srgbClr>
+                  </a:outerShdw>
+                </a:effectLst>
+              </a:rPr>
+              <a:t>TODO: </a:t>
+            </a:r>
+            <a:r>
+              <a:rPr lang="bg-BG" sz="2800" b="1" dirty="0">
+                <a:solidFill>
+                  <a:srgbClr val="FFFFFF"/>
+                </a:solidFill>
+                <a:effectLst>
+                  <a:outerShdw blurRad="38100" dist="38100" dir="2700000" algn="tl">
+                    <a:srgbClr val="000000">
+                      <a:alpha val="43137"/>
+                    </a:srgbClr>
+                  </a:outerShdw>
+                </a:effectLst>
+              </a:rPr>
+              <a:t>редактиране на админ (</a:t>
+            </a:r>
+            <a:r>
+              <a:rPr lang="en-US" sz="2800" b="1" dirty="0">
+                <a:solidFill>
+                  <a:srgbClr val="FFFFFF"/>
+                </a:solidFill>
+                <a:effectLst>
+                  <a:outerShdw blurRad="38100" dist="38100" dir="2700000" algn="tl">
+                    <a:srgbClr val="000000">
+                      <a:alpha val="43137"/>
+                    </a:srgbClr>
+                  </a:outerShdw>
+                </a:effectLst>
+              </a:rPr>
+              <a:t>wrong form title)</a:t>
+            </a:r>
+          </a:p>
+        </p:txBody>
+      </p:sp>
     </p:spTree>
     <p:extLst>
       <p:ext uri="{BB962C8B-B14F-4D97-AF65-F5344CB8AC3E}">

--- a/Courses/Software-Sciences/Module-4-Information-Systems-New/09-Lifecycle-of-Information-System/09-Lifecycle-of-Information-System.pptx
+++ b/Courses/Software-Sciences/Module-4-Information-Systems-New/09-Lifecycle-of-Information-System/09-Lifecycle-of-Information-System.pptx
@@ -342,7 +342,7 @@
           <a:p>
             <a:fld id="{4E087215-0C8F-4762-A664-737A353EC9A4}" type="datetimeFigureOut">
               <a:rPr lang="bg-BG" smtClean="0"/>
-              <a:t>10.1.2025 г.</a:t>
+              <a:t>12.01.25 г.</a:t>
             </a:fld>
             <a:endParaRPr lang="bg-BG"/>
           </a:p>
@@ -538,7 +538,7 @@
           <a:p>
             <a:fld id="{72D84649-876A-46C9-8472-14CB09C070D8}" type="datetimeFigureOut">
               <a:rPr lang="en-US" smtClean="0"/>
-              <a:t>10-Jan-25</a:t>
+              <a:t>1/12/25</a:t>
             </a:fld>
             <a:endParaRPr lang="en-US"/>
           </a:p>
@@ -17521,8 +17521,8 @@
         </p:blipFill>
         <p:spPr>
           <a:xfrm>
-            <a:off x="7531393" y="2365033"/>
-            <a:ext cx="4470205" cy="3190950"/>
+            <a:off x="7568285" y="2365033"/>
+            <a:ext cx="4396420" cy="3190950"/>
           </a:xfrm>
           <a:prstGeom prst="rect">
             <a:avLst/>
@@ -17536,115 +17536,6 @@
           </a:ln>
         </p:spPr>
       </p:pic>
-      <p:sp>
-        <p:nvSpPr>
-          <p:cNvPr id="3" name="Rectangle 2">
-            <a:extLst>
-              <a:ext uri="{FF2B5EF4-FFF2-40B4-BE49-F238E27FC236}">
-                <a16:creationId xmlns:a16="http://schemas.microsoft.com/office/drawing/2014/main" id="{1E266AC6-9B8D-224D-D0DC-7ED3ACD1EF74}"/>
-              </a:ext>
-            </a:extLst>
-          </p:cNvPr>
-          <p:cNvSpPr/>
-          <p:nvPr/>
-        </p:nvSpPr>
-        <p:spPr bwMode="auto">
-          <a:xfrm>
-            <a:off x="8608030" y="1297312"/>
-            <a:ext cx="3150000" cy="1710000"/>
-          </a:xfrm>
-          <a:prstGeom prst="rect">
-            <a:avLst/>
-          </a:prstGeom>
-          <a:solidFill>
-            <a:schemeClr val="dk2">
-              <a:alpha val="80000"/>
-            </a:schemeClr>
-          </a:solidFill>
-          <a:ln w="19050">
-            <a:solidFill>
-              <a:schemeClr val="tx1">
-                <a:lumMod val="75000"/>
-                <a:alpha val="80000"/>
-              </a:schemeClr>
-            </a:solidFill>
-          </a:ln>
-          <a:effectLst/>
-        </p:spPr>
-        <p:style>
-          <a:lnRef idx="2">
-            <a:schemeClr val="accent1">
-              <a:shade val="50000"/>
-            </a:schemeClr>
-          </a:lnRef>
-          <a:fillRef idx="1001">
-            <a:schemeClr val="dk2"/>
-          </a:fillRef>
-          <a:effectRef idx="0">
-            <a:schemeClr val="accent1"/>
-          </a:effectRef>
-          <a:fontRef idx="minor">
-            <a:schemeClr val="lt1"/>
-          </a:fontRef>
-        </p:style>
-        <p:txBody>
-          <a:bodyPr rot="0" spcFirstLastPara="0" vertOverflow="overflow" horzOverflow="overflow" vert="horz" wrap="square" lIns="91440" tIns="45720" rIns="91440" bIns="45720" numCol="1" spcCol="0" rtlCol="0" fromWordArt="0" anchor="ctr" anchorCtr="0" forceAA="0" compatLnSpc="1">
-            <a:prstTxWarp prst="textNoShape">
-              <a:avLst/>
-            </a:prstTxWarp>
-            <a:noAutofit/>
-          </a:bodyPr>
-          <a:lstStyle/>
-          <a:p>
-            <a:pPr algn="ctr"/>
-            <a:r>
-              <a:rPr lang="en-US" sz="2800" b="1" dirty="0">
-                <a:solidFill>
-                  <a:srgbClr val="FFFFFF"/>
-                </a:solidFill>
-                <a:effectLst>
-                  <a:outerShdw blurRad="38100" dist="38100" dir="2700000" algn="tl">
-                    <a:srgbClr val="000000">
-                      <a:alpha val="43137"/>
-                    </a:srgbClr>
-                  </a:outerShdw>
-                </a:effectLst>
-              </a:rPr>
-              <a:t>TODO: </a:t>
-            </a:r>
-            <a:r>
-              <a:rPr lang="bg-BG" sz="2800" b="1" dirty="0">
-                <a:solidFill>
-                  <a:srgbClr val="FFFFFF"/>
-                </a:solidFill>
-                <a:effectLst>
-                  <a:outerShdw blurRad="38100" dist="38100" dir="2700000" algn="tl">
-                    <a:srgbClr val="000000">
-                      <a:alpha val="43137"/>
-                    </a:srgbClr>
-                  </a:outerShdw>
-                </a:effectLst>
-              </a:rPr>
-              <a:t>редактиране на пациент (</a:t>
-            </a:r>
-            <a:r>
-              <a:rPr lang="en-US" sz="2800" b="1" dirty="0">
-                <a:solidFill>
-                  <a:srgbClr val="FFFFFF"/>
-                </a:solidFill>
-                <a:effectLst>
-                  <a:outerShdw blurRad="38100" dist="38100" dir="2700000" algn="tl">
-                    <a:srgbClr val="000000">
-                      <a:alpha val="43137"/>
-                    </a:srgbClr>
-                  </a:outerShdw>
-                </a:effectLst>
-              </a:rPr>
-              <a:t>wrong form title)</a:t>
-            </a:r>
-          </a:p>
-        </p:txBody>
-      </p:sp>
     </p:spTree>
     <p:extLst>
       <p:ext uri="{BB962C8B-B14F-4D97-AF65-F5344CB8AC3E}">
@@ -18216,7 +18107,7 @@
             </a:r>
             <a:r>
               <a:rPr lang="bg-BG" sz="4400" dirty="0"/>
-              <a:t> </a:t>
+              <a:t> (многоредово поле)</a:t>
             </a:r>
           </a:p>
           <a:p>
@@ -18270,8 +18161,8 @@
         </p:blipFill>
         <p:spPr>
           <a:xfrm>
-            <a:off x="7941000" y="2784304"/>
-            <a:ext cx="4087962" cy="2352408"/>
+            <a:off x="7854120" y="2529000"/>
+            <a:ext cx="4147478" cy="2863987"/>
           </a:xfrm>
           <a:prstGeom prst="rect">
             <a:avLst/>
@@ -18285,112 +18176,6 @@
           </a:ln>
         </p:spPr>
       </p:pic>
-      <p:sp>
-        <p:nvSpPr>
-          <p:cNvPr id="5" name="Rectangle 4">
-            <a:extLst>
-              <a:ext uri="{FF2B5EF4-FFF2-40B4-BE49-F238E27FC236}">
-                <a16:creationId xmlns:a16="http://schemas.microsoft.com/office/drawing/2014/main" id="{C5C7E5B0-480E-EE47-8DB4-485DA8502E13}"/>
-              </a:ext>
-            </a:extLst>
-          </p:cNvPr>
-          <p:cNvSpPr/>
-          <p:nvPr/>
-        </p:nvSpPr>
-        <p:spPr bwMode="auto">
-          <a:xfrm>
-            <a:off x="8608030" y="1297312"/>
-            <a:ext cx="3150000" cy="1710000"/>
-          </a:xfrm>
-          <a:prstGeom prst="rect">
-            <a:avLst/>
-          </a:prstGeom>
-          <a:solidFill>
-            <a:schemeClr val="dk2">
-              <a:alpha val="80000"/>
-            </a:schemeClr>
-          </a:solidFill>
-          <a:ln w="19050">
-            <a:solidFill>
-              <a:schemeClr val="tx1">
-                <a:lumMod val="75000"/>
-                <a:alpha val="80000"/>
-              </a:schemeClr>
-            </a:solidFill>
-          </a:ln>
-          <a:effectLst/>
-        </p:spPr>
-        <p:style>
-          <a:lnRef idx="2">
-            <a:schemeClr val="accent1">
-              <a:shade val="50000"/>
-            </a:schemeClr>
-          </a:lnRef>
-          <a:fillRef idx="1001">
-            <a:schemeClr val="dk2"/>
-          </a:fillRef>
-          <a:effectRef idx="0">
-            <a:schemeClr val="accent1"/>
-          </a:effectRef>
-          <a:fontRef idx="minor">
-            <a:schemeClr val="lt1"/>
-          </a:fontRef>
-        </p:style>
-        <p:txBody>
-          <a:bodyPr rot="0" spcFirstLastPara="0" vertOverflow="overflow" horzOverflow="overflow" vert="horz" wrap="square" lIns="91440" tIns="45720" rIns="91440" bIns="45720" numCol="1" spcCol="0" rtlCol="0" fromWordArt="0" anchor="ctr" anchorCtr="0" forceAA="0" compatLnSpc="1">
-            <a:prstTxWarp prst="textNoShape">
-              <a:avLst/>
-            </a:prstTxWarp>
-            <a:noAutofit/>
-          </a:bodyPr>
-          <a:lstStyle/>
-          <a:p>
-            <a:pPr algn="ctr"/>
-            <a:r>
-              <a:rPr lang="en-US" sz="2800" b="1" dirty="0">
-                <a:solidFill>
-                  <a:srgbClr val="FFFFFF"/>
-                </a:solidFill>
-                <a:effectLst>
-                  <a:outerShdw blurRad="38100" dist="38100" dir="2700000" algn="tl">
-                    <a:srgbClr val="000000">
-                      <a:alpha val="43137"/>
-                    </a:srgbClr>
-                  </a:outerShdw>
-                </a:effectLst>
-              </a:rPr>
-              <a:t>TODO: </a:t>
-            </a:r>
-            <a:r>
-              <a:rPr lang="bg-BG" sz="2800" b="1" dirty="0">
-                <a:solidFill>
-                  <a:srgbClr val="FFFFFF"/>
-                </a:solidFill>
-                <a:effectLst>
-                  <a:outerShdw blurRad="38100" dist="38100" dir="2700000" algn="tl">
-                    <a:srgbClr val="000000">
-                      <a:alpha val="43137"/>
-                    </a:srgbClr>
-                  </a:outerShdw>
-                </a:effectLst>
-              </a:rPr>
-              <a:t>полето "лечение" трябва да е многоредово</a:t>
-            </a:r>
-            <a:endParaRPr lang="en-US" sz="2800" b="1" dirty="0">
-              <a:solidFill>
-                <a:srgbClr val="FFFFFF"/>
-              </a:solidFill>
-              <a:effectLst>
-                <a:outerShdw blurRad="38100" dist="38100" dir="2700000" algn="tl">
-                  <a:srgbClr val="000000">
-                    <a:alpha val="43137"/>
-                  </a:srgbClr>
-                </a:outerShdw>
-              </a:effectLst>
-            </a:endParaRPr>
-          </a:p>
-        </p:txBody>
-      </p:sp>
     </p:spTree>
     <p:extLst>
       <p:ext uri="{BB962C8B-B14F-4D97-AF65-F5344CB8AC3E}">
@@ -19091,8 +18876,8 @@
         </p:blipFill>
         <p:spPr>
           <a:xfrm>
-            <a:off x="7941000" y="2784304"/>
-            <a:ext cx="4087962" cy="2352408"/>
+            <a:off x="7941000" y="2543008"/>
+            <a:ext cx="4105500" cy="2835000"/>
           </a:xfrm>
           <a:prstGeom prst="rect">
             <a:avLst/>
@@ -19106,221 +18891,6 @@
           </a:ln>
         </p:spPr>
       </p:pic>
-      <p:sp>
-        <p:nvSpPr>
-          <p:cNvPr id="5" name="Rectangle 4">
-            <a:extLst>
-              <a:ext uri="{FF2B5EF4-FFF2-40B4-BE49-F238E27FC236}">
-                <a16:creationId xmlns:a16="http://schemas.microsoft.com/office/drawing/2014/main" id="{D97FE57D-4F3F-0967-B411-0968B0DC4469}"/>
-              </a:ext>
-            </a:extLst>
-          </p:cNvPr>
-          <p:cNvSpPr/>
-          <p:nvPr/>
-        </p:nvSpPr>
-        <p:spPr bwMode="auto">
-          <a:xfrm>
-            <a:off x="8608030" y="1297312"/>
-            <a:ext cx="3150000" cy="1710000"/>
-          </a:xfrm>
-          <a:prstGeom prst="rect">
-            <a:avLst/>
-          </a:prstGeom>
-          <a:solidFill>
-            <a:schemeClr val="dk2">
-              <a:alpha val="80000"/>
-            </a:schemeClr>
-          </a:solidFill>
-          <a:ln w="19050">
-            <a:solidFill>
-              <a:schemeClr val="tx1">
-                <a:lumMod val="75000"/>
-                <a:alpha val="80000"/>
-              </a:schemeClr>
-            </a:solidFill>
-          </a:ln>
-          <a:effectLst/>
-        </p:spPr>
-        <p:style>
-          <a:lnRef idx="2">
-            <a:schemeClr val="accent1">
-              <a:shade val="50000"/>
-            </a:schemeClr>
-          </a:lnRef>
-          <a:fillRef idx="1001">
-            <a:schemeClr val="dk2"/>
-          </a:fillRef>
-          <a:effectRef idx="0">
-            <a:schemeClr val="accent1"/>
-          </a:effectRef>
-          <a:fontRef idx="minor">
-            <a:schemeClr val="lt1"/>
-          </a:fontRef>
-        </p:style>
-        <p:txBody>
-          <a:bodyPr rot="0" spcFirstLastPara="0" vertOverflow="overflow" horzOverflow="overflow" vert="horz" wrap="square" lIns="91440" tIns="45720" rIns="91440" bIns="45720" numCol="1" spcCol="0" rtlCol="0" fromWordArt="0" anchor="ctr" anchorCtr="0" forceAA="0" compatLnSpc="1">
-            <a:prstTxWarp prst="textNoShape">
-              <a:avLst/>
-            </a:prstTxWarp>
-            <a:noAutofit/>
-          </a:bodyPr>
-          <a:lstStyle/>
-          <a:p>
-            <a:pPr algn="ctr"/>
-            <a:r>
-              <a:rPr lang="en-US" sz="2800" b="1" dirty="0">
-                <a:solidFill>
-                  <a:srgbClr val="FFFFFF"/>
-                </a:solidFill>
-                <a:effectLst>
-                  <a:outerShdw blurRad="38100" dist="38100" dir="2700000" algn="tl">
-                    <a:srgbClr val="000000">
-                      <a:alpha val="43137"/>
-                    </a:srgbClr>
-                  </a:outerShdw>
-                </a:effectLst>
-              </a:rPr>
-              <a:t>TODO: </a:t>
-            </a:r>
-            <a:r>
-              <a:rPr lang="bg-BG" sz="2800" b="1" dirty="0">
-                <a:solidFill>
-                  <a:srgbClr val="FFFFFF"/>
-                </a:solidFill>
-                <a:effectLst>
-                  <a:outerShdw blurRad="38100" dist="38100" dir="2700000" algn="tl">
-                    <a:srgbClr val="000000">
-                      <a:alpha val="43137"/>
-                    </a:srgbClr>
-                  </a:outerShdw>
-                </a:effectLst>
-              </a:rPr>
-              <a:t>полето "лечение" трябва да е многоредово</a:t>
-            </a:r>
-            <a:endParaRPr lang="en-US" sz="2800" b="1" dirty="0">
-              <a:solidFill>
-                <a:srgbClr val="FFFFFF"/>
-              </a:solidFill>
-              <a:effectLst>
-                <a:outerShdw blurRad="38100" dist="38100" dir="2700000" algn="tl">
-                  <a:srgbClr val="000000">
-                    <a:alpha val="43137"/>
-                  </a:srgbClr>
-                </a:outerShdw>
-              </a:effectLst>
-            </a:endParaRPr>
-          </a:p>
-        </p:txBody>
-      </p:sp>
-      <p:sp>
-        <p:nvSpPr>
-          <p:cNvPr id="6" name="Rectangle 5">
-            <a:extLst>
-              <a:ext uri="{FF2B5EF4-FFF2-40B4-BE49-F238E27FC236}">
-                <a16:creationId xmlns:a16="http://schemas.microsoft.com/office/drawing/2014/main" id="{DC920809-605E-F658-FA62-AF1E34388911}"/>
-              </a:ext>
-            </a:extLst>
-          </p:cNvPr>
-          <p:cNvSpPr/>
-          <p:nvPr/>
-        </p:nvSpPr>
-        <p:spPr bwMode="auto">
-          <a:xfrm>
-            <a:off x="8409981" y="4281712"/>
-            <a:ext cx="3150000" cy="1710000"/>
-          </a:xfrm>
-          <a:prstGeom prst="rect">
-            <a:avLst/>
-          </a:prstGeom>
-          <a:solidFill>
-            <a:schemeClr val="dk2">
-              <a:alpha val="80000"/>
-            </a:schemeClr>
-          </a:solidFill>
-          <a:ln w="19050">
-            <a:solidFill>
-              <a:schemeClr val="tx1">
-                <a:lumMod val="75000"/>
-                <a:alpha val="80000"/>
-              </a:schemeClr>
-            </a:solidFill>
-          </a:ln>
-          <a:effectLst/>
-        </p:spPr>
-        <p:style>
-          <a:lnRef idx="2">
-            <a:schemeClr val="accent1">
-              <a:shade val="50000"/>
-            </a:schemeClr>
-          </a:lnRef>
-          <a:fillRef idx="1001">
-            <a:schemeClr val="dk2"/>
-          </a:fillRef>
-          <a:effectRef idx="0">
-            <a:schemeClr val="accent1"/>
-          </a:effectRef>
-          <a:fontRef idx="minor">
-            <a:schemeClr val="lt1"/>
-          </a:fontRef>
-        </p:style>
-        <p:txBody>
-          <a:bodyPr rot="0" spcFirstLastPara="0" vertOverflow="overflow" horzOverflow="overflow" vert="horz" wrap="square" lIns="91440" tIns="45720" rIns="91440" bIns="45720" numCol="1" spcCol="0" rtlCol="0" fromWordArt="0" anchor="ctr" anchorCtr="0" forceAA="0" compatLnSpc="1">
-            <a:prstTxWarp prst="textNoShape">
-              <a:avLst/>
-            </a:prstTxWarp>
-            <a:noAutofit/>
-          </a:bodyPr>
-          <a:lstStyle/>
-          <a:p>
-            <a:pPr algn="ctr"/>
-            <a:r>
-              <a:rPr lang="en-US" sz="2800" b="1" dirty="0">
-                <a:solidFill>
-                  <a:srgbClr val="FFFFFF"/>
-                </a:solidFill>
-                <a:effectLst>
-                  <a:outerShdw blurRad="38100" dist="38100" dir="2700000" algn="tl">
-                    <a:srgbClr val="000000">
-                      <a:alpha val="43137"/>
-                    </a:srgbClr>
-                  </a:outerShdw>
-                </a:effectLst>
-              </a:rPr>
-              <a:t>TODO: </a:t>
-            </a:r>
-            <a:r>
-              <a:rPr lang="bg-BG" sz="2800" b="1" dirty="0">
-                <a:solidFill>
-                  <a:srgbClr val="FFFFFF"/>
-                </a:solidFill>
-                <a:effectLst>
-                  <a:outerShdw blurRad="38100" dist="38100" dir="2700000" algn="tl">
-                    <a:srgbClr val="000000">
-                      <a:alpha val="43137"/>
-                    </a:srgbClr>
-                  </a:outerShdw>
-                </a:effectLst>
-              </a:rPr>
-              <a:t>редактиране на преглед (</a:t>
-            </a:r>
-            <a:r>
-              <a:rPr lang="en-US" sz="2800" b="1" dirty="0">
-                <a:solidFill>
-                  <a:srgbClr val="FFFFFF"/>
-                </a:solidFill>
-                <a:effectLst>
-                  <a:outerShdw blurRad="38100" dist="38100" dir="2700000" algn="tl">
-                    <a:srgbClr val="000000">
-                      <a:alpha val="43137"/>
-                    </a:srgbClr>
-                  </a:outerShdw>
-                </a:effectLst>
-              </a:rPr>
-              <a:t>wrong form title)</a:t>
-            </a:r>
-          </a:p>
-        </p:txBody>
-      </p:sp>
     </p:spTree>
     <p:extLst>
       <p:ext uri="{BB962C8B-B14F-4D97-AF65-F5344CB8AC3E}">
@@ -20637,8 +20207,8 @@
         </p:blipFill>
         <p:spPr>
           <a:xfrm>
-            <a:off x="7204378" y="1719000"/>
-            <a:ext cx="4554606" cy="4056675"/>
+            <a:off x="7227973" y="1719000"/>
+            <a:ext cx="4507416" cy="4056675"/>
           </a:xfrm>
           <a:prstGeom prst="rect">
             <a:avLst/>
@@ -20652,115 +20222,6 @@
           </a:ln>
         </p:spPr>
       </p:pic>
-      <p:sp>
-        <p:nvSpPr>
-          <p:cNvPr id="5" name="Rectangle 4">
-            <a:extLst>
-              <a:ext uri="{FF2B5EF4-FFF2-40B4-BE49-F238E27FC236}">
-                <a16:creationId xmlns:a16="http://schemas.microsoft.com/office/drawing/2014/main" id="{45BE2267-D079-D14B-3C8D-A6CF3361A7E3}"/>
-              </a:ext>
-            </a:extLst>
-          </p:cNvPr>
-          <p:cNvSpPr/>
-          <p:nvPr/>
-        </p:nvSpPr>
-        <p:spPr bwMode="auto">
-          <a:xfrm>
-            <a:off x="8771137" y="1359000"/>
-            <a:ext cx="3150000" cy="1710000"/>
-          </a:xfrm>
-          <a:prstGeom prst="rect">
-            <a:avLst/>
-          </a:prstGeom>
-          <a:solidFill>
-            <a:schemeClr val="dk2">
-              <a:alpha val="80000"/>
-            </a:schemeClr>
-          </a:solidFill>
-          <a:ln w="19050">
-            <a:solidFill>
-              <a:schemeClr val="tx1">
-                <a:lumMod val="75000"/>
-                <a:alpha val="80000"/>
-              </a:schemeClr>
-            </a:solidFill>
-          </a:ln>
-          <a:effectLst/>
-        </p:spPr>
-        <p:style>
-          <a:lnRef idx="2">
-            <a:schemeClr val="accent1">
-              <a:shade val="50000"/>
-            </a:schemeClr>
-          </a:lnRef>
-          <a:fillRef idx="1001">
-            <a:schemeClr val="dk2"/>
-          </a:fillRef>
-          <a:effectRef idx="0">
-            <a:schemeClr val="accent1"/>
-          </a:effectRef>
-          <a:fontRef idx="minor">
-            <a:schemeClr val="lt1"/>
-          </a:fontRef>
-        </p:style>
-        <p:txBody>
-          <a:bodyPr rot="0" spcFirstLastPara="0" vertOverflow="overflow" horzOverflow="overflow" vert="horz" wrap="square" lIns="91440" tIns="45720" rIns="91440" bIns="45720" numCol="1" spcCol="0" rtlCol="0" fromWordArt="0" anchor="ctr" anchorCtr="0" forceAA="0" compatLnSpc="1">
-            <a:prstTxWarp prst="textNoShape">
-              <a:avLst/>
-            </a:prstTxWarp>
-            <a:noAutofit/>
-          </a:bodyPr>
-          <a:lstStyle/>
-          <a:p>
-            <a:pPr algn="ctr"/>
-            <a:r>
-              <a:rPr lang="en-US" sz="2800" b="1" dirty="0">
-                <a:solidFill>
-                  <a:srgbClr val="FFFFFF"/>
-                </a:solidFill>
-                <a:effectLst>
-                  <a:outerShdw blurRad="38100" dist="38100" dir="2700000" algn="tl">
-                    <a:srgbClr val="000000">
-                      <a:alpha val="43137"/>
-                    </a:srgbClr>
-                  </a:outerShdw>
-                </a:effectLst>
-              </a:rPr>
-              <a:t>TODO: </a:t>
-            </a:r>
-            <a:r>
-              <a:rPr lang="bg-BG" sz="2800" b="1" dirty="0">
-                <a:solidFill>
-                  <a:srgbClr val="FFFFFF"/>
-                </a:solidFill>
-                <a:effectLst>
-                  <a:outerShdw blurRad="38100" dist="38100" dir="2700000" algn="tl">
-                    <a:srgbClr val="000000">
-                      <a:alpha val="43137"/>
-                    </a:srgbClr>
-                  </a:outerShdw>
-                </a:effectLst>
-              </a:rPr>
-              <a:t>редактиране на лекар (</a:t>
-            </a:r>
-            <a:r>
-              <a:rPr lang="en-US" sz="2800" b="1" dirty="0">
-                <a:solidFill>
-                  <a:srgbClr val="FFFFFF"/>
-                </a:solidFill>
-                <a:effectLst>
-                  <a:outerShdw blurRad="38100" dist="38100" dir="2700000" algn="tl">
-                    <a:srgbClr val="000000">
-                      <a:alpha val="43137"/>
-                    </a:srgbClr>
-                  </a:outerShdw>
-                </a:effectLst>
-              </a:rPr>
-              <a:t>wrong form title)</a:t>
-            </a:r>
-          </a:p>
-        </p:txBody>
-      </p:sp>
     </p:spTree>
     <p:extLst>
       <p:ext uri="{BB962C8B-B14F-4D97-AF65-F5344CB8AC3E}">
@@ -21951,8 +21412,8 @@
         </p:blipFill>
         <p:spPr>
           <a:xfrm>
-            <a:off x="7437531" y="1936614"/>
-            <a:ext cx="4327647" cy="3829898"/>
+            <a:off x="7473633" y="1936614"/>
+            <a:ext cx="4255442" cy="3829898"/>
           </a:xfrm>
           <a:prstGeom prst="rect">
             <a:avLst/>
@@ -21966,115 +21427,6 @@
           </a:ln>
         </p:spPr>
       </p:pic>
-      <p:sp>
-        <p:nvSpPr>
-          <p:cNvPr id="6" name="Rectangle 5">
-            <a:extLst>
-              <a:ext uri="{FF2B5EF4-FFF2-40B4-BE49-F238E27FC236}">
-                <a16:creationId xmlns:a16="http://schemas.microsoft.com/office/drawing/2014/main" id="{3FFE9548-D42F-9C92-BA59-891C95350BEF}"/>
-              </a:ext>
-            </a:extLst>
-          </p:cNvPr>
-          <p:cNvSpPr/>
-          <p:nvPr/>
-        </p:nvSpPr>
-        <p:spPr bwMode="auto">
-          <a:xfrm>
-            <a:off x="8608030" y="1297312"/>
-            <a:ext cx="3150000" cy="1710000"/>
-          </a:xfrm>
-          <a:prstGeom prst="rect">
-            <a:avLst/>
-          </a:prstGeom>
-          <a:solidFill>
-            <a:schemeClr val="dk2">
-              <a:alpha val="80000"/>
-            </a:schemeClr>
-          </a:solidFill>
-          <a:ln w="19050">
-            <a:solidFill>
-              <a:schemeClr val="tx1">
-                <a:lumMod val="75000"/>
-                <a:alpha val="80000"/>
-              </a:schemeClr>
-            </a:solidFill>
-          </a:ln>
-          <a:effectLst/>
-        </p:spPr>
-        <p:style>
-          <a:lnRef idx="2">
-            <a:schemeClr val="accent1">
-              <a:shade val="50000"/>
-            </a:schemeClr>
-          </a:lnRef>
-          <a:fillRef idx="1001">
-            <a:schemeClr val="dk2"/>
-          </a:fillRef>
-          <a:effectRef idx="0">
-            <a:schemeClr val="accent1"/>
-          </a:effectRef>
-          <a:fontRef idx="minor">
-            <a:schemeClr val="lt1"/>
-          </a:fontRef>
-        </p:style>
-        <p:txBody>
-          <a:bodyPr rot="0" spcFirstLastPara="0" vertOverflow="overflow" horzOverflow="overflow" vert="horz" wrap="square" lIns="91440" tIns="45720" rIns="91440" bIns="45720" numCol="1" spcCol="0" rtlCol="0" fromWordArt="0" anchor="ctr" anchorCtr="0" forceAA="0" compatLnSpc="1">
-            <a:prstTxWarp prst="textNoShape">
-              <a:avLst/>
-            </a:prstTxWarp>
-            <a:noAutofit/>
-          </a:bodyPr>
-          <a:lstStyle/>
-          <a:p>
-            <a:pPr algn="ctr"/>
-            <a:r>
-              <a:rPr lang="en-US" sz="2800" b="1" dirty="0">
-                <a:solidFill>
-                  <a:srgbClr val="FFFFFF"/>
-                </a:solidFill>
-                <a:effectLst>
-                  <a:outerShdw blurRad="38100" dist="38100" dir="2700000" algn="tl">
-                    <a:srgbClr val="000000">
-                      <a:alpha val="43137"/>
-                    </a:srgbClr>
-                  </a:outerShdw>
-                </a:effectLst>
-              </a:rPr>
-              <a:t>TODO: </a:t>
-            </a:r>
-            <a:r>
-              <a:rPr lang="bg-BG" sz="2800" b="1" dirty="0">
-                <a:solidFill>
-                  <a:srgbClr val="FFFFFF"/>
-                </a:solidFill>
-                <a:effectLst>
-                  <a:outerShdw blurRad="38100" dist="38100" dir="2700000" algn="tl">
-                    <a:srgbClr val="000000">
-                      <a:alpha val="43137"/>
-                    </a:srgbClr>
-                  </a:outerShdw>
-                </a:effectLst>
-              </a:rPr>
-              <a:t>редактиране на админ (</a:t>
-            </a:r>
-            <a:r>
-              <a:rPr lang="en-US" sz="2800" b="1" dirty="0">
-                <a:solidFill>
-                  <a:srgbClr val="FFFFFF"/>
-                </a:solidFill>
-                <a:effectLst>
-                  <a:outerShdw blurRad="38100" dist="38100" dir="2700000" algn="tl">
-                    <a:srgbClr val="000000">
-                      <a:alpha val="43137"/>
-                    </a:srgbClr>
-                  </a:outerShdw>
-                </a:effectLst>
-              </a:rPr>
-              <a:t>wrong form title)</a:t>
-            </a:r>
-          </a:p>
-        </p:txBody>
-      </p:sp>
     </p:spTree>
     <p:extLst>
       <p:ext uri="{BB962C8B-B14F-4D97-AF65-F5344CB8AC3E}">
